--- a/files/CS373/IntroToCompSciResearch.pptx
+++ b/files/CS373/IntroToCompSciResearch.pptx
@@ -13,8 +13,7 @@
     <p:sldId id="262" r:id="rId7"/>
     <p:sldId id="263" r:id="rId8"/>
     <p:sldId id="264" r:id="rId9"/>
-    <p:sldId id="266" r:id="rId10"/>
-    <p:sldId id="265" r:id="rId11"/>
+    <p:sldId id="265" r:id="rId10"/>
   </p:sldIdLst>
   <p:sldSz cx="12192000" cy="6858000"/>
   <p:notesSz cx="6858000" cy="9144000"/>
@@ -4882,788 +4881,6 @@
 </dgm:colorsDef>
 </file>
 
-<file path=ppt/diagrams/colors7.xml><?xml version="1.0" encoding="utf-8"?>
-<dgm:colorsDef xmlns:dgm="http://schemas.openxmlformats.org/drawingml/2006/diagram" xmlns:a="http://schemas.openxmlformats.org/drawingml/2006/main" uniqueId="urn:microsoft.com/office/officeart/2005/8/colors/colorful5">
-  <dgm:title val=""/>
-  <dgm:desc val=""/>
-  <dgm:catLst>
-    <dgm:cat type="colorful" pri="10500"/>
-  </dgm:catLst>
-  <dgm:styleLbl name="node0">
-    <dgm:fillClrLst meth="repeat">
-      <a:schemeClr val="accent4"/>
-    </dgm:fillClrLst>
-    <dgm:linClrLst meth="repeat">
-      <a:schemeClr val="lt1"/>
-    </dgm:linClrLst>
-    <dgm:effectClrLst/>
-    <dgm:txLinClrLst/>
-    <dgm:txFillClrLst/>
-    <dgm:txEffectClrLst/>
-  </dgm:styleLbl>
-  <dgm:styleLbl name="node1">
-    <dgm:fillClrLst>
-      <a:schemeClr val="accent5"/>
-      <a:schemeClr val="accent6"/>
-    </dgm:fillClrLst>
-    <dgm:linClrLst meth="repeat">
-      <a:schemeClr val="lt1"/>
-    </dgm:linClrLst>
-    <dgm:effectClrLst/>
-    <dgm:txLinClrLst/>
-    <dgm:txFillClrLst/>
-    <dgm:txEffectClrLst/>
-  </dgm:styleLbl>
-  <dgm:styleLbl name="alignNode1">
-    <dgm:fillClrLst>
-      <a:schemeClr val="accent5"/>
-      <a:schemeClr val="accent6"/>
-    </dgm:fillClrLst>
-    <dgm:linClrLst>
-      <a:schemeClr val="accent5"/>
-      <a:schemeClr val="accent6"/>
-    </dgm:linClrLst>
-    <dgm:effectClrLst/>
-    <dgm:txLinClrLst/>
-    <dgm:txFillClrLst/>
-    <dgm:txEffectClrLst/>
-  </dgm:styleLbl>
-  <dgm:styleLbl name="lnNode1">
-    <dgm:fillClrLst>
-      <a:schemeClr val="accent5"/>
-      <a:schemeClr val="accent6"/>
-    </dgm:fillClrLst>
-    <dgm:linClrLst meth="repeat">
-      <a:schemeClr val="lt1"/>
-    </dgm:linClrLst>
-    <dgm:effectClrLst/>
-    <dgm:txLinClrLst/>
-    <dgm:txFillClrLst/>
-    <dgm:txEffectClrLst/>
-  </dgm:styleLbl>
-  <dgm:styleLbl name="vennNode1">
-    <dgm:fillClrLst>
-      <a:schemeClr val="accent5">
-        <a:alpha val="50000"/>
-      </a:schemeClr>
-      <a:schemeClr val="accent6">
-        <a:alpha val="50000"/>
-      </a:schemeClr>
-    </dgm:fillClrLst>
-    <dgm:linClrLst meth="repeat">
-      <a:schemeClr val="lt1"/>
-    </dgm:linClrLst>
-    <dgm:effectClrLst/>
-    <dgm:txLinClrLst/>
-    <dgm:txFillClrLst/>
-    <dgm:txEffectClrLst/>
-  </dgm:styleLbl>
-  <dgm:styleLbl name="node2">
-    <dgm:fillClrLst>
-      <a:schemeClr val="accent6"/>
-    </dgm:fillClrLst>
-    <dgm:linClrLst meth="repeat">
-      <a:schemeClr val="lt1"/>
-    </dgm:linClrLst>
-    <dgm:effectClrLst/>
-    <dgm:txLinClrLst/>
-    <dgm:txFillClrLst/>
-    <dgm:txEffectClrLst/>
-  </dgm:styleLbl>
-  <dgm:styleLbl name="node3">
-    <dgm:fillClrLst>
-      <a:schemeClr val="accent1"/>
-    </dgm:fillClrLst>
-    <dgm:linClrLst meth="repeat">
-      <a:schemeClr val="lt1"/>
-    </dgm:linClrLst>
-    <dgm:effectClrLst/>
-    <dgm:txLinClrLst/>
-    <dgm:txFillClrLst/>
-    <dgm:txEffectClrLst/>
-  </dgm:styleLbl>
-  <dgm:styleLbl name="node4">
-    <dgm:fillClrLst>
-      <a:schemeClr val="accent2"/>
-    </dgm:fillClrLst>
-    <dgm:linClrLst meth="repeat">
-      <a:schemeClr val="lt1"/>
-    </dgm:linClrLst>
-    <dgm:effectClrLst/>
-    <dgm:txLinClrLst/>
-    <dgm:txFillClrLst/>
-    <dgm:txEffectClrLst/>
-  </dgm:styleLbl>
-  <dgm:styleLbl name="fgImgPlace1">
-    <dgm:fillClrLst>
-      <a:schemeClr val="accent5">
-        <a:tint val="50000"/>
-      </a:schemeClr>
-      <a:schemeClr val="accent6">
-        <a:tint val="50000"/>
-      </a:schemeClr>
-    </dgm:fillClrLst>
-    <dgm:linClrLst meth="repeat">
-      <a:schemeClr val="lt1"/>
-    </dgm:linClrLst>
-    <dgm:effectClrLst/>
-    <dgm:txLinClrLst/>
-    <dgm:txFillClrLst meth="repeat">
-      <a:schemeClr val="lt1"/>
-    </dgm:txFillClrLst>
-    <dgm:txEffectClrLst/>
-  </dgm:styleLbl>
-  <dgm:styleLbl name="alignImgPlace1">
-    <dgm:fillClrLst>
-      <a:schemeClr val="accent5">
-        <a:tint val="50000"/>
-      </a:schemeClr>
-      <a:schemeClr val="accent6">
-        <a:tint val="20000"/>
-      </a:schemeClr>
-    </dgm:fillClrLst>
-    <dgm:linClrLst meth="repeat">
-      <a:schemeClr val="lt1"/>
-    </dgm:linClrLst>
-    <dgm:effectClrLst/>
-    <dgm:txLinClrLst/>
-    <dgm:txFillClrLst meth="repeat">
-      <a:schemeClr val="lt1"/>
-    </dgm:txFillClrLst>
-    <dgm:txEffectClrLst/>
-  </dgm:styleLbl>
-  <dgm:styleLbl name="bgImgPlace1">
-    <dgm:fillClrLst>
-      <a:schemeClr val="accent5">
-        <a:tint val="50000"/>
-      </a:schemeClr>
-      <a:schemeClr val="accent6">
-        <a:tint val="20000"/>
-      </a:schemeClr>
-    </dgm:fillClrLst>
-    <dgm:linClrLst meth="repeat">
-      <a:schemeClr val="lt1"/>
-    </dgm:linClrLst>
-    <dgm:effectClrLst/>
-    <dgm:txLinClrLst/>
-    <dgm:txFillClrLst meth="repeat">
-      <a:schemeClr val="lt1"/>
-    </dgm:txFillClrLst>
-    <dgm:txEffectClrLst/>
-  </dgm:styleLbl>
-  <dgm:styleLbl name="sibTrans2D1">
-    <dgm:fillClrLst>
-      <a:schemeClr val="accent5"/>
-      <a:schemeClr val="accent6"/>
-    </dgm:fillClrLst>
-    <dgm:linClrLst meth="repeat">
-      <a:schemeClr val="lt1"/>
-    </dgm:linClrLst>
-    <dgm:effectClrLst/>
-    <dgm:txLinClrLst/>
-    <dgm:txFillClrLst/>
-    <dgm:txEffectClrLst/>
-  </dgm:styleLbl>
-  <dgm:styleLbl name="fgSibTrans2D1">
-    <dgm:fillClrLst>
-      <a:schemeClr val="accent5"/>
-      <a:schemeClr val="accent6"/>
-    </dgm:fillClrLst>
-    <dgm:linClrLst meth="repeat">
-      <a:schemeClr val="lt1"/>
-    </dgm:linClrLst>
-    <dgm:effectClrLst/>
-    <dgm:txLinClrLst/>
-    <dgm:txFillClrLst meth="repeat">
-      <a:schemeClr val="lt1"/>
-    </dgm:txFillClrLst>
-    <dgm:txEffectClrLst/>
-  </dgm:styleLbl>
-  <dgm:styleLbl name="bgSibTrans2D1">
-    <dgm:fillClrLst>
-      <a:schemeClr val="accent5"/>
-      <a:schemeClr val="accent6"/>
-    </dgm:fillClrLst>
-    <dgm:linClrLst meth="repeat">
-      <a:schemeClr val="lt1"/>
-    </dgm:linClrLst>
-    <dgm:effectClrLst/>
-    <dgm:txLinClrLst/>
-    <dgm:txFillClrLst meth="repeat">
-      <a:schemeClr val="lt1"/>
-    </dgm:txFillClrLst>
-    <dgm:txEffectClrLst/>
-  </dgm:styleLbl>
-  <dgm:styleLbl name="sibTrans1D1">
-    <dgm:fillClrLst/>
-    <dgm:linClrLst>
-      <a:schemeClr val="accent5"/>
-      <a:schemeClr val="accent6"/>
-    </dgm:linClrLst>
-    <dgm:effectClrLst/>
-    <dgm:txLinClrLst/>
-    <dgm:txFillClrLst meth="repeat">
-      <a:schemeClr val="tx1"/>
-    </dgm:txFillClrLst>
-    <dgm:txEffectClrLst/>
-  </dgm:styleLbl>
-  <dgm:styleLbl name="callout">
-    <dgm:fillClrLst meth="repeat">
-      <a:schemeClr val="accent5"/>
-    </dgm:fillClrLst>
-    <dgm:linClrLst meth="repeat">
-      <a:schemeClr val="accent5">
-        <a:tint val="50000"/>
-      </a:schemeClr>
-    </dgm:linClrLst>
-    <dgm:effectClrLst/>
-    <dgm:txLinClrLst/>
-    <dgm:txFillClrLst meth="repeat">
-      <a:schemeClr val="tx1"/>
-    </dgm:txFillClrLst>
-    <dgm:txEffectClrLst/>
-  </dgm:styleLbl>
-  <dgm:styleLbl name="asst0">
-    <dgm:fillClrLst meth="repeat">
-      <a:schemeClr val="accent5"/>
-    </dgm:fillClrLst>
-    <dgm:linClrLst meth="repeat">
-      <a:schemeClr val="lt1">
-        <a:shade val="80000"/>
-      </a:schemeClr>
-    </dgm:linClrLst>
-    <dgm:effectClrLst/>
-    <dgm:txLinClrLst/>
-    <dgm:txFillClrLst/>
-    <dgm:txEffectClrLst/>
-  </dgm:styleLbl>
-  <dgm:styleLbl name="asst1">
-    <dgm:fillClrLst meth="repeat">
-      <a:schemeClr val="accent6"/>
-    </dgm:fillClrLst>
-    <dgm:linClrLst meth="repeat">
-      <a:schemeClr val="lt1">
-        <a:shade val="80000"/>
-      </a:schemeClr>
-    </dgm:linClrLst>
-    <dgm:effectClrLst/>
-    <dgm:txLinClrLst/>
-    <dgm:txFillClrLst/>
-    <dgm:txEffectClrLst/>
-  </dgm:styleLbl>
-  <dgm:styleLbl name="asst2">
-    <dgm:fillClrLst>
-      <a:schemeClr val="accent1"/>
-    </dgm:fillClrLst>
-    <dgm:linClrLst meth="repeat">
-      <a:schemeClr val="lt1"/>
-    </dgm:linClrLst>
-    <dgm:effectClrLst/>
-    <dgm:txLinClrLst/>
-    <dgm:txFillClrLst/>
-    <dgm:txEffectClrLst/>
-  </dgm:styleLbl>
-  <dgm:styleLbl name="asst3">
-    <dgm:fillClrLst>
-      <a:schemeClr val="accent2"/>
-    </dgm:fillClrLst>
-    <dgm:linClrLst meth="repeat">
-      <a:schemeClr val="lt1"/>
-    </dgm:linClrLst>
-    <dgm:effectClrLst/>
-    <dgm:txLinClrLst/>
-    <dgm:txFillClrLst/>
-    <dgm:txEffectClrLst/>
-  </dgm:styleLbl>
-  <dgm:styleLbl name="asst4">
-    <dgm:fillClrLst>
-      <a:schemeClr val="accent3"/>
-    </dgm:fillClrLst>
-    <dgm:linClrLst meth="repeat">
-      <a:schemeClr val="lt1"/>
-    </dgm:linClrLst>
-    <dgm:effectClrLst/>
-    <dgm:txLinClrLst/>
-    <dgm:txFillClrLst/>
-    <dgm:txEffectClrLst/>
-  </dgm:styleLbl>
-  <dgm:styleLbl name="parChTrans2D1">
-    <dgm:fillClrLst meth="repeat">
-      <a:schemeClr val="accent5"/>
-    </dgm:fillClrLst>
-    <dgm:linClrLst meth="repeat">
-      <a:schemeClr val="lt1"/>
-    </dgm:linClrLst>
-    <dgm:effectClrLst/>
-    <dgm:txLinClrLst/>
-    <dgm:txFillClrLst meth="repeat">
-      <a:schemeClr val="lt1"/>
-    </dgm:txFillClrLst>
-    <dgm:txEffectClrLst/>
-  </dgm:styleLbl>
-  <dgm:styleLbl name="parChTrans2D2">
-    <dgm:fillClrLst meth="repeat">
-      <a:schemeClr val="accent6"/>
-    </dgm:fillClrLst>
-    <dgm:linClrLst meth="repeat">
-      <a:schemeClr val="lt1"/>
-    </dgm:linClrLst>
-    <dgm:effectClrLst/>
-    <dgm:txLinClrLst/>
-    <dgm:txFillClrLst/>
-    <dgm:txEffectClrLst/>
-  </dgm:styleLbl>
-  <dgm:styleLbl name="parChTrans2D3">
-    <dgm:fillClrLst meth="repeat">
-      <a:schemeClr val="accent6"/>
-    </dgm:fillClrLst>
-    <dgm:linClrLst meth="repeat">
-      <a:schemeClr val="lt1"/>
-    </dgm:linClrLst>
-    <dgm:effectClrLst/>
-    <dgm:txLinClrLst/>
-    <dgm:txFillClrLst/>
-    <dgm:txEffectClrLst/>
-  </dgm:styleLbl>
-  <dgm:styleLbl name="parChTrans2D4">
-    <dgm:fillClrLst meth="repeat">
-      <a:schemeClr val="accent1"/>
-    </dgm:fillClrLst>
-    <dgm:linClrLst meth="repeat">
-      <a:schemeClr val="lt1"/>
-    </dgm:linClrLst>
-    <dgm:effectClrLst/>
-    <dgm:txLinClrLst/>
-    <dgm:txFillClrLst meth="repeat">
-      <a:schemeClr val="lt1"/>
-    </dgm:txFillClrLst>
-    <dgm:txEffectClrLst/>
-  </dgm:styleLbl>
-  <dgm:styleLbl name="parChTrans1D1">
-    <dgm:fillClrLst meth="repeat">
-      <a:schemeClr val="accent5"/>
-    </dgm:fillClrLst>
-    <dgm:linClrLst meth="repeat">
-      <a:schemeClr val="accent5"/>
-    </dgm:linClrLst>
-    <dgm:effectClrLst/>
-    <dgm:txLinClrLst/>
-    <dgm:txFillClrLst meth="repeat">
-      <a:schemeClr val="tx1"/>
-    </dgm:txFillClrLst>
-    <dgm:txEffectClrLst/>
-  </dgm:styleLbl>
-  <dgm:styleLbl name="parChTrans1D2">
-    <dgm:fillClrLst meth="repeat">
-      <a:schemeClr val="accent6">
-        <a:tint val="90000"/>
-      </a:schemeClr>
-    </dgm:fillClrLst>
-    <dgm:linClrLst meth="repeat">
-      <a:schemeClr val="accent6"/>
-    </dgm:linClrLst>
-    <dgm:effectClrLst/>
-    <dgm:txLinClrLst/>
-    <dgm:txFillClrLst meth="repeat">
-      <a:schemeClr val="tx1"/>
-    </dgm:txFillClrLst>
-    <dgm:txEffectClrLst/>
-  </dgm:styleLbl>
-  <dgm:styleLbl name="parChTrans1D3">
-    <dgm:fillClrLst meth="repeat">
-      <a:schemeClr val="accent6">
-        <a:tint val="70000"/>
-      </a:schemeClr>
-    </dgm:fillClrLst>
-    <dgm:linClrLst meth="repeat">
-      <a:schemeClr val="accent1"/>
-    </dgm:linClrLst>
-    <dgm:effectClrLst/>
-    <dgm:txLinClrLst/>
-    <dgm:txFillClrLst meth="repeat">
-      <a:schemeClr val="tx1"/>
-    </dgm:txFillClrLst>
-    <dgm:txEffectClrLst/>
-  </dgm:styleLbl>
-  <dgm:styleLbl name="parChTrans1D4">
-    <dgm:fillClrLst meth="repeat">
-      <a:schemeClr val="accent6">
-        <a:tint val="50000"/>
-      </a:schemeClr>
-    </dgm:fillClrLst>
-    <dgm:linClrLst meth="repeat">
-      <a:schemeClr val="accent2"/>
-    </dgm:linClrLst>
-    <dgm:effectClrLst/>
-    <dgm:txLinClrLst/>
-    <dgm:txFillClrLst meth="repeat">
-      <a:schemeClr val="tx1"/>
-    </dgm:txFillClrLst>
-    <dgm:txEffectClrLst/>
-  </dgm:styleLbl>
-  <dgm:styleLbl name="fgAcc1">
-    <dgm:fillClrLst meth="repeat">
-      <a:schemeClr val="lt1">
-        <a:alpha val="90000"/>
-      </a:schemeClr>
-    </dgm:fillClrLst>
-    <dgm:linClrLst>
-      <a:schemeClr val="accent5"/>
-      <a:schemeClr val="accent6"/>
-    </dgm:linClrLst>
-    <dgm:effectClrLst/>
-    <dgm:txLinClrLst/>
-    <dgm:txFillClrLst meth="repeat">
-      <a:schemeClr val="dk1"/>
-    </dgm:txFillClrLst>
-    <dgm:txEffectClrLst/>
-  </dgm:styleLbl>
-  <dgm:styleLbl name="conFgAcc1">
-    <dgm:fillClrLst meth="repeat">
-      <a:schemeClr val="lt1">
-        <a:alpha val="90000"/>
-      </a:schemeClr>
-    </dgm:fillClrLst>
-    <dgm:linClrLst>
-      <a:schemeClr val="accent5"/>
-      <a:schemeClr val="accent6"/>
-    </dgm:linClrLst>
-    <dgm:effectClrLst/>
-    <dgm:txLinClrLst/>
-    <dgm:txFillClrLst meth="repeat">
-      <a:schemeClr val="dk1"/>
-    </dgm:txFillClrLst>
-    <dgm:txEffectClrLst/>
-  </dgm:styleLbl>
-  <dgm:styleLbl name="alignAcc1">
-    <dgm:fillClrLst meth="repeat">
-      <a:schemeClr val="lt1">
-        <a:alpha val="90000"/>
-      </a:schemeClr>
-    </dgm:fillClrLst>
-    <dgm:linClrLst>
-      <a:schemeClr val="accent5"/>
-      <a:schemeClr val="accent6"/>
-    </dgm:linClrLst>
-    <dgm:effectClrLst/>
-    <dgm:txLinClrLst/>
-    <dgm:txFillClrLst meth="repeat">
-      <a:schemeClr val="dk1"/>
-    </dgm:txFillClrLst>
-    <dgm:txEffectClrLst/>
-  </dgm:styleLbl>
-  <dgm:styleLbl name="trAlignAcc1">
-    <dgm:fillClrLst meth="repeat">
-      <a:schemeClr val="lt1">
-        <a:alpha val="40000"/>
-      </a:schemeClr>
-    </dgm:fillClrLst>
-    <dgm:linClrLst meth="repeat">
-      <a:schemeClr val="accent5"/>
-    </dgm:linClrLst>
-    <dgm:effectClrLst/>
-    <dgm:txLinClrLst/>
-    <dgm:txFillClrLst meth="repeat">
-      <a:schemeClr val="dk1"/>
-    </dgm:txFillClrLst>
-    <dgm:txEffectClrLst/>
-  </dgm:styleLbl>
-  <dgm:styleLbl name="bgAcc1">
-    <dgm:fillClrLst meth="repeat">
-      <a:schemeClr val="lt1">
-        <a:alpha val="90000"/>
-      </a:schemeClr>
-    </dgm:fillClrLst>
-    <dgm:linClrLst>
-      <a:schemeClr val="accent5"/>
-      <a:schemeClr val="accent6"/>
-    </dgm:linClrLst>
-    <dgm:effectClrLst/>
-    <dgm:txLinClrLst/>
-    <dgm:txFillClrLst meth="repeat">
-      <a:schemeClr val="dk1"/>
-    </dgm:txFillClrLst>
-    <dgm:txEffectClrLst/>
-  </dgm:styleLbl>
-  <dgm:styleLbl name="solidFgAcc1">
-    <dgm:fillClrLst meth="repeat">
-      <a:schemeClr val="lt1"/>
-    </dgm:fillClrLst>
-    <dgm:linClrLst>
-      <a:schemeClr val="accent5"/>
-      <a:schemeClr val="accent6"/>
-    </dgm:linClrLst>
-    <dgm:effectClrLst/>
-    <dgm:txLinClrLst/>
-    <dgm:txFillClrLst meth="repeat">
-      <a:schemeClr val="dk1"/>
-    </dgm:txFillClrLst>
-    <dgm:txEffectClrLst/>
-  </dgm:styleLbl>
-  <dgm:styleLbl name="solidAlignAcc1">
-    <dgm:fillClrLst meth="repeat">
-      <a:schemeClr val="lt1"/>
-    </dgm:fillClrLst>
-    <dgm:linClrLst>
-      <a:schemeClr val="accent5"/>
-      <a:schemeClr val="accent6"/>
-    </dgm:linClrLst>
-    <dgm:effectClrLst/>
-    <dgm:txLinClrLst/>
-    <dgm:txFillClrLst meth="repeat">
-      <a:schemeClr val="dk1"/>
-    </dgm:txFillClrLst>
-    <dgm:txEffectClrLst/>
-  </dgm:styleLbl>
-  <dgm:styleLbl name="solidBgAcc1">
-    <dgm:fillClrLst meth="repeat">
-      <a:schemeClr val="lt1"/>
-    </dgm:fillClrLst>
-    <dgm:linClrLst>
-      <a:schemeClr val="accent5"/>
-      <a:schemeClr val="accent6"/>
-    </dgm:linClrLst>
-    <dgm:effectClrLst/>
-    <dgm:txLinClrLst/>
-    <dgm:txFillClrLst meth="repeat">
-      <a:schemeClr val="dk1"/>
-    </dgm:txFillClrLst>
-    <dgm:txEffectClrLst/>
-  </dgm:styleLbl>
-  <dgm:styleLbl name="fgAccFollowNode1">
-    <dgm:fillClrLst>
-      <a:schemeClr val="accent5">
-        <a:tint val="40000"/>
-        <a:alpha val="90000"/>
-      </a:schemeClr>
-      <a:schemeClr val="accent6">
-        <a:tint val="40000"/>
-        <a:alpha val="90000"/>
-      </a:schemeClr>
-    </dgm:fillClrLst>
-    <dgm:linClrLst>
-      <a:schemeClr val="accent5">
-        <a:tint val="40000"/>
-        <a:alpha val="90000"/>
-      </a:schemeClr>
-      <a:schemeClr val="accent5">
-        <a:tint val="40000"/>
-        <a:alpha val="90000"/>
-      </a:schemeClr>
-    </dgm:linClrLst>
-    <dgm:effectClrLst/>
-    <dgm:txLinClrLst/>
-    <dgm:txFillClrLst meth="repeat">
-      <a:schemeClr val="dk1"/>
-    </dgm:txFillClrLst>
-    <dgm:txEffectClrLst/>
-  </dgm:styleLbl>
-  <dgm:styleLbl name="alignAccFollowNode1">
-    <dgm:fillClrLst>
-      <a:schemeClr val="accent5">
-        <a:tint val="40000"/>
-        <a:alpha val="90000"/>
-      </a:schemeClr>
-      <a:schemeClr val="accent6">
-        <a:tint val="40000"/>
-        <a:alpha val="90000"/>
-      </a:schemeClr>
-    </dgm:fillClrLst>
-    <dgm:linClrLst>
-      <a:schemeClr val="accent5">
-        <a:tint val="40000"/>
-        <a:alpha val="90000"/>
-      </a:schemeClr>
-      <a:schemeClr val="accent6">
-        <a:tint val="40000"/>
-        <a:alpha val="90000"/>
-      </a:schemeClr>
-    </dgm:linClrLst>
-    <dgm:effectClrLst/>
-    <dgm:txLinClrLst/>
-    <dgm:txFillClrLst meth="repeat">
-      <a:schemeClr val="dk1"/>
-    </dgm:txFillClrLst>
-    <dgm:txEffectClrLst/>
-  </dgm:styleLbl>
-  <dgm:styleLbl name="bgAccFollowNode1">
-    <dgm:fillClrLst>
-      <a:schemeClr val="accent5">
-        <a:tint val="40000"/>
-        <a:alpha val="90000"/>
-      </a:schemeClr>
-      <a:schemeClr val="accent6">
-        <a:tint val="40000"/>
-        <a:alpha val="90000"/>
-      </a:schemeClr>
-    </dgm:fillClrLst>
-    <dgm:linClrLst>
-      <a:schemeClr val="accent5">
-        <a:tint val="40000"/>
-        <a:alpha val="90000"/>
-      </a:schemeClr>
-      <a:schemeClr val="accent6">
-        <a:tint val="40000"/>
-        <a:alpha val="90000"/>
-      </a:schemeClr>
-    </dgm:linClrLst>
-    <dgm:effectClrLst/>
-    <dgm:txLinClrLst/>
-    <dgm:txFillClrLst meth="repeat">
-      <a:schemeClr val="dk1"/>
-    </dgm:txFillClrLst>
-    <dgm:txEffectClrLst/>
-  </dgm:styleLbl>
-  <dgm:styleLbl name="fgAcc0">
-    <dgm:fillClrLst meth="repeat">
-      <a:schemeClr val="lt1">
-        <a:alpha val="90000"/>
-      </a:schemeClr>
-    </dgm:fillClrLst>
-    <dgm:linClrLst>
-      <a:schemeClr val="accent4"/>
-    </dgm:linClrLst>
-    <dgm:effectClrLst/>
-    <dgm:txLinClrLst/>
-    <dgm:txFillClrLst meth="repeat">
-      <a:schemeClr val="dk1"/>
-    </dgm:txFillClrLst>
-    <dgm:txEffectClrLst/>
-  </dgm:styleLbl>
-  <dgm:styleLbl name="fgAcc2">
-    <dgm:fillClrLst meth="repeat">
-      <a:schemeClr val="lt1">
-        <a:alpha val="90000"/>
-      </a:schemeClr>
-    </dgm:fillClrLst>
-    <dgm:linClrLst>
-      <a:schemeClr val="accent6"/>
-    </dgm:linClrLst>
-    <dgm:effectClrLst/>
-    <dgm:txLinClrLst/>
-    <dgm:txFillClrLst meth="repeat">
-      <a:schemeClr val="dk1"/>
-    </dgm:txFillClrLst>
-    <dgm:txEffectClrLst/>
-  </dgm:styleLbl>
-  <dgm:styleLbl name="fgAcc3">
-    <dgm:fillClrLst meth="repeat">
-      <a:schemeClr val="lt1">
-        <a:alpha val="90000"/>
-      </a:schemeClr>
-    </dgm:fillClrLst>
-    <dgm:linClrLst>
-      <a:schemeClr val="accent1"/>
-    </dgm:linClrLst>
-    <dgm:effectClrLst/>
-    <dgm:txLinClrLst/>
-    <dgm:txFillClrLst meth="repeat">
-      <a:schemeClr val="dk1"/>
-    </dgm:txFillClrLst>
-    <dgm:txEffectClrLst/>
-  </dgm:styleLbl>
-  <dgm:styleLbl name="fgAcc4">
-    <dgm:fillClrLst meth="repeat">
-      <a:schemeClr val="lt1">
-        <a:alpha val="90000"/>
-      </a:schemeClr>
-    </dgm:fillClrLst>
-    <dgm:linClrLst>
-      <a:schemeClr val="accent2"/>
-    </dgm:linClrLst>
-    <dgm:effectClrLst/>
-    <dgm:txLinClrLst/>
-    <dgm:txFillClrLst meth="repeat">
-      <a:schemeClr val="dk1"/>
-    </dgm:txFillClrLst>
-    <dgm:txEffectClrLst/>
-  </dgm:styleLbl>
-  <dgm:styleLbl name="bgShp">
-    <dgm:fillClrLst meth="repeat">
-      <a:schemeClr val="accent5">
-        <a:tint val="40000"/>
-      </a:schemeClr>
-    </dgm:fillClrLst>
-    <dgm:linClrLst meth="repeat">
-      <a:schemeClr val="dk1"/>
-    </dgm:linClrLst>
-    <dgm:effectClrLst/>
-    <dgm:txLinClrLst/>
-    <dgm:txFillClrLst meth="repeat">
-      <a:schemeClr val="dk1"/>
-    </dgm:txFillClrLst>
-    <dgm:txEffectClrLst/>
-  </dgm:styleLbl>
-  <dgm:styleLbl name="dkBgShp">
-    <dgm:fillClrLst meth="repeat">
-      <a:schemeClr val="accent5">
-        <a:shade val="90000"/>
-      </a:schemeClr>
-    </dgm:fillClrLst>
-    <dgm:linClrLst meth="repeat">
-      <a:schemeClr val="dk1"/>
-    </dgm:linClrLst>
-    <dgm:effectClrLst/>
-    <dgm:txLinClrLst/>
-    <dgm:txFillClrLst meth="repeat">
-      <a:schemeClr val="lt1"/>
-    </dgm:txFillClrLst>
-    <dgm:txEffectClrLst/>
-  </dgm:styleLbl>
-  <dgm:styleLbl name="trBgShp">
-    <dgm:fillClrLst meth="repeat">
-      <a:schemeClr val="accent5">
-        <a:tint val="50000"/>
-        <a:alpha val="40000"/>
-      </a:schemeClr>
-    </dgm:fillClrLst>
-    <dgm:linClrLst meth="repeat">
-      <a:schemeClr val="accent5"/>
-    </dgm:linClrLst>
-    <dgm:effectClrLst/>
-    <dgm:txLinClrLst/>
-    <dgm:txFillClrLst meth="repeat">
-      <a:schemeClr val="lt1"/>
-    </dgm:txFillClrLst>
-    <dgm:txEffectClrLst/>
-  </dgm:styleLbl>
-  <dgm:styleLbl name="fgShp">
-    <dgm:fillClrLst meth="repeat">
-      <a:schemeClr val="accent5">
-        <a:tint val="40000"/>
-      </a:schemeClr>
-    </dgm:fillClrLst>
-    <dgm:linClrLst meth="repeat">
-      <a:schemeClr val="lt1"/>
-    </dgm:linClrLst>
-    <dgm:effectClrLst/>
-    <dgm:txLinClrLst/>
-    <dgm:txFillClrLst meth="repeat">
-      <a:schemeClr val="dk1"/>
-    </dgm:txFillClrLst>
-    <dgm:txEffectClrLst/>
-  </dgm:styleLbl>
-  <dgm:styleLbl name="revTx">
-    <dgm:fillClrLst meth="repeat">
-      <a:schemeClr val="lt1">
-        <a:alpha val="0"/>
-      </a:schemeClr>
-    </dgm:fillClrLst>
-    <dgm:linClrLst meth="repeat">
-      <a:schemeClr val="dk1">
-        <a:alpha val="0"/>
-      </a:schemeClr>
-    </dgm:linClrLst>
-    <dgm:effectClrLst/>
-    <dgm:txLinClrLst/>
-    <dgm:txFillClrLst meth="repeat">
-      <a:schemeClr val="tx1"/>
-    </dgm:txFillClrLst>
-    <dgm:txEffectClrLst/>
-  </dgm:styleLbl>
-</dgm:colorsDef>
-</file>
-
 <file path=ppt/diagrams/data1.xml><?xml version="1.0" encoding="utf-8"?>
 <dgm:dataModel xmlns:dgm="http://schemas.openxmlformats.org/drawingml/2006/diagram" xmlns:a="http://schemas.openxmlformats.org/drawingml/2006/main">
   <dgm:ptLst>
@@ -8841,7 +8058,7 @@
           </a:pPr>
           <a:r>
             <a:rPr lang="en-US" dirty="0"/>
-            <a:t>Planned class, team, individual discussions</a:t>
+            <a:t>Individual discussions</a:t>
           </a:r>
         </a:p>
       </dgm:t>
@@ -9401,390 +8618,6 @@
     <dgm:cxn modelId="{50BABA6A-7832-BC42-8723-22FAABBD8049}" type="presParOf" srcId="{A8731CDD-833F-4281-902D-117F58C9DC59}" destId="{A2DA46BA-FFD3-4E17-8488-9BD53807E96F}" srcOrd="1" destOrd="0" presId="urn:microsoft.com/office/officeart/2018/2/layout/IconVerticalSolidList"/>
     <dgm:cxn modelId="{A00CE346-447B-094A-BFE7-8DDDE139B8D8}" type="presParOf" srcId="{A8731CDD-833F-4281-902D-117F58C9DC59}" destId="{E1A87389-2CB0-4313-BBAB-2D479B39A7E5}" srcOrd="2" destOrd="0" presId="urn:microsoft.com/office/officeart/2018/2/layout/IconVerticalSolidList"/>
     <dgm:cxn modelId="{A80AE6C6-FC38-A644-B642-AE4145A06EBE}" type="presParOf" srcId="{A8731CDD-833F-4281-902D-117F58C9DC59}" destId="{5BD65F25-98D0-4DBC-85D3-FBC3EE21A289}" srcOrd="3" destOrd="0" presId="urn:microsoft.com/office/officeart/2018/2/layout/IconVerticalSolidList"/>
-  </dgm:cxnLst>
-  <dgm:bg/>
-  <dgm:whole/>
-  <dgm:extLst>
-    <a:ext uri="http://schemas.microsoft.com/office/drawing/2008/diagram">
-      <dsp:dataModelExt xmlns:dsp="http://schemas.microsoft.com/office/drawing/2008/diagram" relId="rId6" minVer="http://schemas.openxmlformats.org/drawingml/2006/diagram"/>
-    </a:ext>
-  </dgm:extLst>
-</dgm:dataModel>
-</file>
-
-<file path=ppt/diagrams/data7.xml><?xml version="1.0" encoding="utf-8"?>
-<dgm:dataModel xmlns:dgm="http://schemas.openxmlformats.org/drawingml/2006/diagram" xmlns:a="http://schemas.openxmlformats.org/drawingml/2006/main">
-  <dgm:ptLst>
-    <dgm:pt modelId="{5BBFD4AD-F164-4A5A-9EB1-A5D0D7FED82F}" type="doc">
-      <dgm:prSet loTypeId="urn:microsoft.com/office/officeart/2016/7/layout/BasicLinearProcessNumbered" loCatId="process" qsTypeId="urn:microsoft.com/office/officeart/2005/8/quickstyle/simple1" qsCatId="simple" csTypeId="urn:microsoft.com/office/officeart/2005/8/colors/colorful5" csCatId="colorful"/>
-      <dgm:spPr/>
-      <dgm:t>
-        <a:bodyPr/>
-        <a:lstStyle/>
-        <a:p>
-          <a:endParaRPr lang="en-US"/>
-        </a:p>
-      </dgm:t>
-    </dgm:pt>
-    <dgm:pt modelId="{2C388C43-8FE8-44D4-9F7C-6600F83E6CBC}">
-      <dgm:prSet/>
-      <dgm:spPr/>
-      <dgm:t>
-        <a:bodyPr/>
-        <a:lstStyle/>
-        <a:p>
-          <a:r>
-            <a:rPr lang="en-US"/>
-            <a:t>Be on time: We will start right way, most days</a:t>
-          </a:r>
-        </a:p>
-      </dgm:t>
-    </dgm:pt>
-    <dgm:pt modelId="{A25FCDD6-4673-4490-B0A1-38D235D156C2}" type="parTrans" cxnId="{0B93027C-D28E-473A-B30C-20C229581850}">
-      <dgm:prSet/>
-      <dgm:spPr/>
-      <dgm:t>
-        <a:bodyPr/>
-        <a:lstStyle/>
-        <a:p>
-          <a:endParaRPr lang="en-US"/>
-        </a:p>
-      </dgm:t>
-    </dgm:pt>
-    <dgm:pt modelId="{191904B3-8521-4203-A8FB-24B8CF25615A}" type="sibTrans" cxnId="{0B93027C-D28E-473A-B30C-20C229581850}">
-      <dgm:prSet phldrT="1" phldr="0"/>
-      <dgm:spPr/>
-      <dgm:t>
-        <a:bodyPr/>
-        <a:lstStyle/>
-        <a:p>
-          <a:r>
-            <a:rPr lang="en-US"/>
-            <a:t>1</a:t>
-          </a:r>
-        </a:p>
-      </dgm:t>
-    </dgm:pt>
-    <dgm:pt modelId="{D848F354-55C6-47E8-B8B8-55ED81FFE9D5}">
-      <dgm:prSet/>
-      <dgm:spPr/>
-      <dgm:t>
-        <a:bodyPr/>
-        <a:lstStyle/>
-        <a:p>
-          <a:r>
-            <a:rPr lang="en-US"/>
-            <a:t>If comfortable, use your camera when remote and talking</a:t>
-          </a:r>
-        </a:p>
-      </dgm:t>
-    </dgm:pt>
-    <dgm:pt modelId="{F23B292A-C2D2-4C27-A344-2C4F58F25B7E}" type="parTrans" cxnId="{60C4D7FA-4A75-47C8-AB72-4CABA29A353B}">
-      <dgm:prSet/>
-      <dgm:spPr/>
-      <dgm:t>
-        <a:bodyPr/>
-        <a:lstStyle/>
-        <a:p>
-          <a:endParaRPr lang="en-US"/>
-        </a:p>
-      </dgm:t>
-    </dgm:pt>
-    <dgm:pt modelId="{F6E7E48B-6DD6-447E-AF3C-EB88E8B0803F}" type="sibTrans" cxnId="{60C4D7FA-4A75-47C8-AB72-4CABA29A353B}">
-      <dgm:prSet phldrT="2" phldr="0"/>
-      <dgm:spPr/>
-      <dgm:t>
-        <a:bodyPr/>
-        <a:lstStyle/>
-        <a:p>
-          <a:r>
-            <a:rPr lang="en-US"/>
-            <a:t>2</a:t>
-          </a:r>
-        </a:p>
-      </dgm:t>
-    </dgm:pt>
-    <dgm:pt modelId="{609B7573-435D-40BD-B6F4-FFD93A4AEE79}">
-      <dgm:prSet/>
-      <dgm:spPr/>
-      <dgm:t>
-        <a:bodyPr/>
-        <a:lstStyle/>
-        <a:p>
-          <a:r>
-            <a:rPr lang="en-US"/>
-            <a:t>Feel free to have your camera off, especially if it permits you to move around a bit</a:t>
-          </a:r>
-        </a:p>
-      </dgm:t>
-    </dgm:pt>
-    <dgm:pt modelId="{A318F926-8414-40B7-A077-FC1394417B50}" type="parTrans" cxnId="{AE8DEB8C-2955-40A0-93AB-E85DAD5397C5}">
-      <dgm:prSet/>
-      <dgm:spPr/>
-      <dgm:t>
-        <a:bodyPr/>
-        <a:lstStyle/>
-        <a:p>
-          <a:endParaRPr lang="en-US"/>
-        </a:p>
-      </dgm:t>
-    </dgm:pt>
-    <dgm:pt modelId="{51E8BA34-225E-4DFC-BE31-568EB2CEC488}" type="sibTrans" cxnId="{AE8DEB8C-2955-40A0-93AB-E85DAD5397C5}">
-      <dgm:prSet phldrT="3" phldr="0"/>
-      <dgm:spPr/>
-      <dgm:t>
-        <a:bodyPr/>
-        <a:lstStyle/>
-        <a:p>
-          <a:r>
-            <a:rPr lang="en-US"/>
-            <a:t>3</a:t>
-          </a:r>
-        </a:p>
-      </dgm:t>
-    </dgm:pt>
-    <dgm:pt modelId="{5814B75B-F667-467C-805F-B5E328F74BD7}">
-      <dgm:prSet/>
-      <dgm:spPr/>
-      <dgm:t>
-        <a:bodyPr/>
-        <a:lstStyle/>
-        <a:p>
-          <a:r>
-            <a:rPr lang="en-US"/>
-            <a:t>Be flexible with me, yourselves, others</a:t>
-          </a:r>
-        </a:p>
-      </dgm:t>
-    </dgm:pt>
-    <dgm:pt modelId="{97A562F3-9DD9-43A4-A540-1C1A63B25265}" type="parTrans" cxnId="{B0C6C467-50DF-46C7-A6D3-905A0CCC27B3}">
-      <dgm:prSet/>
-      <dgm:spPr/>
-      <dgm:t>
-        <a:bodyPr/>
-        <a:lstStyle/>
-        <a:p>
-          <a:endParaRPr lang="en-US"/>
-        </a:p>
-      </dgm:t>
-    </dgm:pt>
-    <dgm:pt modelId="{FD99E239-68EA-4104-82E8-D592DBB8EFBE}" type="sibTrans" cxnId="{B0C6C467-50DF-46C7-A6D3-905A0CCC27B3}">
-      <dgm:prSet phldrT="4" phldr="0"/>
-      <dgm:spPr/>
-      <dgm:t>
-        <a:bodyPr/>
-        <a:lstStyle/>
-        <a:p>
-          <a:r>
-            <a:rPr lang="en-US"/>
-            <a:t>4</a:t>
-          </a:r>
-        </a:p>
-      </dgm:t>
-    </dgm:pt>
-    <dgm:pt modelId="{B53FA86A-B42B-8949-A9BC-E8EB974BF473}" type="pres">
-      <dgm:prSet presAssocID="{5BBFD4AD-F164-4A5A-9EB1-A5D0D7FED82F}" presName="Name0" presStyleCnt="0">
-        <dgm:presLayoutVars>
-          <dgm:animLvl val="lvl"/>
-          <dgm:resizeHandles val="exact"/>
-        </dgm:presLayoutVars>
-      </dgm:prSet>
-      <dgm:spPr/>
-    </dgm:pt>
-    <dgm:pt modelId="{D53477A9-1E1B-A047-918F-FF9ED1430D78}" type="pres">
-      <dgm:prSet presAssocID="{2C388C43-8FE8-44D4-9F7C-6600F83E6CBC}" presName="compositeNode" presStyleCnt="0">
-        <dgm:presLayoutVars>
-          <dgm:bulletEnabled val="1"/>
-        </dgm:presLayoutVars>
-      </dgm:prSet>
-      <dgm:spPr/>
-    </dgm:pt>
-    <dgm:pt modelId="{3F27AF8B-BF4B-374A-A1A7-F37DA6E4C800}" type="pres">
-      <dgm:prSet presAssocID="{2C388C43-8FE8-44D4-9F7C-6600F83E6CBC}" presName="bgRect" presStyleLbl="bgAccFollowNode1" presStyleIdx="0" presStyleCnt="4"/>
-      <dgm:spPr/>
-    </dgm:pt>
-    <dgm:pt modelId="{8469ABB7-B70E-F547-92B3-02F2410F9A18}" type="pres">
-      <dgm:prSet presAssocID="{191904B3-8521-4203-A8FB-24B8CF25615A}" presName="sibTransNodeCircle" presStyleLbl="alignNode1" presStyleIdx="0" presStyleCnt="8">
-        <dgm:presLayoutVars>
-          <dgm:chMax val="0"/>
-          <dgm:bulletEnabled/>
-        </dgm:presLayoutVars>
-      </dgm:prSet>
-      <dgm:spPr/>
-    </dgm:pt>
-    <dgm:pt modelId="{41CD31CA-EDB9-4242-9A1C-2EFA9C9CA45D}" type="pres">
-      <dgm:prSet presAssocID="{2C388C43-8FE8-44D4-9F7C-6600F83E6CBC}" presName="bottomLine" presStyleLbl="alignNode1" presStyleIdx="1" presStyleCnt="8">
-        <dgm:presLayoutVars/>
-      </dgm:prSet>
-      <dgm:spPr/>
-    </dgm:pt>
-    <dgm:pt modelId="{176679AA-B584-E24E-9018-11AF8CFFC1CF}" type="pres">
-      <dgm:prSet presAssocID="{2C388C43-8FE8-44D4-9F7C-6600F83E6CBC}" presName="nodeText" presStyleLbl="bgAccFollowNode1" presStyleIdx="0" presStyleCnt="4">
-        <dgm:presLayoutVars>
-          <dgm:bulletEnabled val="1"/>
-        </dgm:presLayoutVars>
-      </dgm:prSet>
-      <dgm:spPr/>
-    </dgm:pt>
-    <dgm:pt modelId="{9C540A7B-35A8-3048-864C-ED14B1255FB4}" type="pres">
-      <dgm:prSet presAssocID="{191904B3-8521-4203-A8FB-24B8CF25615A}" presName="sibTrans" presStyleCnt="0"/>
-      <dgm:spPr/>
-    </dgm:pt>
-    <dgm:pt modelId="{35B43309-6F4A-AE4E-A25E-3E61717C0346}" type="pres">
-      <dgm:prSet presAssocID="{D848F354-55C6-47E8-B8B8-55ED81FFE9D5}" presName="compositeNode" presStyleCnt="0">
-        <dgm:presLayoutVars>
-          <dgm:bulletEnabled val="1"/>
-        </dgm:presLayoutVars>
-      </dgm:prSet>
-      <dgm:spPr/>
-    </dgm:pt>
-    <dgm:pt modelId="{1AFC518E-AEDD-7B4E-ADEA-2253D182D77F}" type="pres">
-      <dgm:prSet presAssocID="{D848F354-55C6-47E8-B8B8-55ED81FFE9D5}" presName="bgRect" presStyleLbl="bgAccFollowNode1" presStyleIdx="1" presStyleCnt="4"/>
-      <dgm:spPr/>
-    </dgm:pt>
-    <dgm:pt modelId="{035B37D5-2B35-B64D-82A1-CAB441F9FDBA}" type="pres">
-      <dgm:prSet presAssocID="{F6E7E48B-6DD6-447E-AF3C-EB88E8B0803F}" presName="sibTransNodeCircle" presStyleLbl="alignNode1" presStyleIdx="2" presStyleCnt="8">
-        <dgm:presLayoutVars>
-          <dgm:chMax val="0"/>
-          <dgm:bulletEnabled/>
-        </dgm:presLayoutVars>
-      </dgm:prSet>
-      <dgm:spPr/>
-    </dgm:pt>
-    <dgm:pt modelId="{A5286BC1-D576-0D48-B38F-48C46111213D}" type="pres">
-      <dgm:prSet presAssocID="{D848F354-55C6-47E8-B8B8-55ED81FFE9D5}" presName="bottomLine" presStyleLbl="alignNode1" presStyleIdx="3" presStyleCnt="8">
-        <dgm:presLayoutVars/>
-      </dgm:prSet>
-      <dgm:spPr/>
-    </dgm:pt>
-    <dgm:pt modelId="{4BDA9623-9569-2B45-9AF4-8FD64FD9A85B}" type="pres">
-      <dgm:prSet presAssocID="{D848F354-55C6-47E8-B8B8-55ED81FFE9D5}" presName="nodeText" presStyleLbl="bgAccFollowNode1" presStyleIdx="1" presStyleCnt="4">
-        <dgm:presLayoutVars>
-          <dgm:bulletEnabled val="1"/>
-        </dgm:presLayoutVars>
-      </dgm:prSet>
-      <dgm:spPr/>
-    </dgm:pt>
-    <dgm:pt modelId="{9E13DD31-FFA6-B545-BBFD-79F8F89E1814}" type="pres">
-      <dgm:prSet presAssocID="{F6E7E48B-6DD6-447E-AF3C-EB88E8B0803F}" presName="sibTrans" presStyleCnt="0"/>
-      <dgm:spPr/>
-    </dgm:pt>
-    <dgm:pt modelId="{22C17881-ABED-E842-AB56-7C932E4F99D2}" type="pres">
-      <dgm:prSet presAssocID="{609B7573-435D-40BD-B6F4-FFD93A4AEE79}" presName="compositeNode" presStyleCnt="0">
-        <dgm:presLayoutVars>
-          <dgm:bulletEnabled val="1"/>
-        </dgm:presLayoutVars>
-      </dgm:prSet>
-      <dgm:spPr/>
-    </dgm:pt>
-    <dgm:pt modelId="{5D927B97-899B-7046-8DAA-0D5DD68E2568}" type="pres">
-      <dgm:prSet presAssocID="{609B7573-435D-40BD-B6F4-FFD93A4AEE79}" presName="bgRect" presStyleLbl="bgAccFollowNode1" presStyleIdx="2" presStyleCnt="4"/>
-      <dgm:spPr/>
-    </dgm:pt>
-    <dgm:pt modelId="{E158A767-DBE5-DC49-9B42-BA8F0716906A}" type="pres">
-      <dgm:prSet presAssocID="{51E8BA34-225E-4DFC-BE31-568EB2CEC488}" presName="sibTransNodeCircle" presStyleLbl="alignNode1" presStyleIdx="4" presStyleCnt="8">
-        <dgm:presLayoutVars>
-          <dgm:chMax val="0"/>
-          <dgm:bulletEnabled/>
-        </dgm:presLayoutVars>
-      </dgm:prSet>
-      <dgm:spPr/>
-    </dgm:pt>
-    <dgm:pt modelId="{5F495DEA-9878-D243-B7B1-CE22F9AFA312}" type="pres">
-      <dgm:prSet presAssocID="{609B7573-435D-40BD-B6F4-FFD93A4AEE79}" presName="bottomLine" presStyleLbl="alignNode1" presStyleIdx="5" presStyleCnt="8">
-        <dgm:presLayoutVars/>
-      </dgm:prSet>
-      <dgm:spPr/>
-    </dgm:pt>
-    <dgm:pt modelId="{35B6A801-9ABD-9B42-B6EA-1B329F4CCA60}" type="pres">
-      <dgm:prSet presAssocID="{609B7573-435D-40BD-B6F4-FFD93A4AEE79}" presName="nodeText" presStyleLbl="bgAccFollowNode1" presStyleIdx="2" presStyleCnt="4">
-        <dgm:presLayoutVars>
-          <dgm:bulletEnabled val="1"/>
-        </dgm:presLayoutVars>
-      </dgm:prSet>
-      <dgm:spPr/>
-    </dgm:pt>
-    <dgm:pt modelId="{474B2817-A829-194F-A425-D91DDA81CA6D}" type="pres">
-      <dgm:prSet presAssocID="{51E8BA34-225E-4DFC-BE31-568EB2CEC488}" presName="sibTrans" presStyleCnt="0"/>
-      <dgm:spPr/>
-    </dgm:pt>
-    <dgm:pt modelId="{6B190B30-6880-8F45-A884-890ADAD53D76}" type="pres">
-      <dgm:prSet presAssocID="{5814B75B-F667-467C-805F-B5E328F74BD7}" presName="compositeNode" presStyleCnt="0">
-        <dgm:presLayoutVars>
-          <dgm:bulletEnabled val="1"/>
-        </dgm:presLayoutVars>
-      </dgm:prSet>
-      <dgm:spPr/>
-    </dgm:pt>
-    <dgm:pt modelId="{1CE5C5C6-A06B-AF47-96D6-1E6C04795E4A}" type="pres">
-      <dgm:prSet presAssocID="{5814B75B-F667-467C-805F-B5E328F74BD7}" presName="bgRect" presStyleLbl="bgAccFollowNode1" presStyleIdx="3" presStyleCnt="4"/>
-      <dgm:spPr/>
-    </dgm:pt>
-    <dgm:pt modelId="{5CDC69C6-4EDA-B845-95CB-88ACAC040160}" type="pres">
-      <dgm:prSet presAssocID="{FD99E239-68EA-4104-82E8-D592DBB8EFBE}" presName="sibTransNodeCircle" presStyleLbl="alignNode1" presStyleIdx="6" presStyleCnt="8">
-        <dgm:presLayoutVars>
-          <dgm:chMax val="0"/>
-          <dgm:bulletEnabled/>
-        </dgm:presLayoutVars>
-      </dgm:prSet>
-      <dgm:spPr/>
-    </dgm:pt>
-    <dgm:pt modelId="{6916AE82-A69C-6044-B10A-C449C9A5D39C}" type="pres">
-      <dgm:prSet presAssocID="{5814B75B-F667-467C-805F-B5E328F74BD7}" presName="bottomLine" presStyleLbl="alignNode1" presStyleIdx="7" presStyleCnt="8">
-        <dgm:presLayoutVars/>
-      </dgm:prSet>
-      <dgm:spPr/>
-    </dgm:pt>
-    <dgm:pt modelId="{0E342972-79CF-4240-8A2A-A01A52B8164D}" type="pres">
-      <dgm:prSet presAssocID="{5814B75B-F667-467C-805F-B5E328F74BD7}" presName="nodeText" presStyleLbl="bgAccFollowNode1" presStyleIdx="3" presStyleCnt="4">
-        <dgm:presLayoutVars>
-          <dgm:bulletEnabled val="1"/>
-        </dgm:presLayoutVars>
-      </dgm:prSet>
-      <dgm:spPr/>
-    </dgm:pt>
-  </dgm:ptLst>
-  <dgm:cxnLst>
-    <dgm:cxn modelId="{7CDE2410-1F6A-AC45-BC4E-22BF86B652DD}" type="presOf" srcId="{F6E7E48B-6DD6-447E-AF3C-EB88E8B0803F}" destId="{035B37D5-2B35-B64D-82A1-CAB441F9FDBA}" srcOrd="0" destOrd="0" presId="urn:microsoft.com/office/officeart/2016/7/layout/BasicLinearProcessNumbered"/>
-    <dgm:cxn modelId="{DC46CC36-C519-6643-80AF-88C6E8F12B0C}" type="presOf" srcId="{5814B75B-F667-467C-805F-B5E328F74BD7}" destId="{1CE5C5C6-A06B-AF47-96D6-1E6C04795E4A}" srcOrd="0" destOrd="0" presId="urn:microsoft.com/office/officeart/2016/7/layout/BasicLinearProcessNumbered"/>
-    <dgm:cxn modelId="{47B9B03B-145F-834D-B602-E547186C0862}" type="presOf" srcId="{191904B3-8521-4203-A8FB-24B8CF25615A}" destId="{8469ABB7-B70E-F547-92B3-02F2410F9A18}" srcOrd="0" destOrd="0" presId="urn:microsoft.com/office/officeart/2016/7/layout/BasicLinearProcessNumbered"/>
-    <dgm:cxn modelId="{FE8BB24C-B168-6847-B92A-C2C8B77F3CA4}" type="presOf" srcId="{51E8BA34-225E-4DFC-BE31-568EB2CEC488}" destId="{E158A767-DBE5-DC49-9B42-BA8F0716906A}" srcOrd="0" destOrd="0" presId="urn:microsoft.com/office/officeart/2016/7/layout/BasicLinearProcessNumbered"/>
-    <dgm:cxn modelId="{E2A86558-E4BA-A548-9C04-D23254392B75}" type="presOf" srcId="{609B7573-435D-40BD-B6F4-FFD93A4AEE79}" destId="{5D927B97-899B-7046-8DAA-0D5DD68E2568}" srcOrd="0" destOrd="0" presId="urn:microsoft.com/office/officeart/2016/7/layout/BasicLinearProcessNumbered"/>
-    <dgm:cxn modelId="{B0C6C467-50DF-46C7-A6D3-905A0CCC27B3}" srcId="{5BBFD4AD-F164-4A5A-9EB1-A5D0D7FED82F}" destId="{5814B75B-F667-467C-805F-B5E328F74BD7}" srcOrd="3" destOrd="0" parTransId="{97A562F3-9DD9-43A4-A540-1C1A63B25265}" sibTransId="{FD99E239-68EA-4104-82E8-D592DBB8EFBE}"/>
-    <dgm:cxn modelId="{E44A6368-D0FC-3F4B-8563-66945B8779C7}" type="presOf" srcId="{D848F354-55C6-47E8-B8B8-55ED81FFE9D5}" destId="{1AFC518E-AEDD-7B4E-ADEA-2253D182D77F}" srcOrd="0" destOrd="0" presId="urn:microsoft.com/office/officeart/2016/7/layout/BasicLinearProcessNumbered"/>
-    <dgm:cxn modelId="{D70E1175-CE37-A340-94FD-4A96E54DE47B}" type="presOf" srcId="{2C388C43-8FE8-44D4-9F7C-6600F83E6CBC}" destId="{176679AA-B584-E24E-9018-11AF8CFFC1CF}" srcOrd="1" destOrd="0" presId="urn:microsoft.com/office/officeart/2016/7/layout/BasicLinearProcessNumbered"/>
-    <dgm:cxn modelId="{0B93027C-D28E-473A-B30C-20C229581850}" srcId="{5BBFD4AD-F164-4A5A-9EB1-A5D0D7FED82F}" destId="{2C388C43-8FE8-44D4-9F7C-6600F83E6CBC}" srcOrd="0" destOrd="0" parTransId="{A25FCDD6-4673-4490-B0A1-38D235D156C2}" sibTransId="{191904B3-8521-4203-A8FB-24B8CF25615A}"/>
-    <dgm:cxn modelId="{4D076D83-178D-834B-A87F-A90D88DB6EA0}" type="presOf" srcId="{FD99E239-68EA-4104-82E8-D592DBB8EFBE}" destId="{5CDC69C6-4EDA-B845-95CB-88ACAC040160}" srcOrd="0" destOrd="0" presId="urn:microsoft.com/office/officeart/2016/7/layout/BasicLinearProcessNumbered"/>
-    <dgm:cxn modelId="{8140EC8A-CC1E-8F4D-8E5B-AA850EB193E8}" type="presOf" srcId="{D848F354-55C6-47E8-B8B8-55ED81FFE9D5}" destId="{4BDA9623-9569-2B45-9AF4-8FD64FD9A85B}" srcOrd="1" destOrd="0" presId="urn:microsoft.com/office/officeart/2016/7/layout/BasicLinearProcessNumbered"/>
-    <dgm:cxn modelId="{AE8DEB8C-2955-40A0-93AB-E85DAD5397C5}" srcId="{5BBFD4AD-F164-4A5A-9EB1-A5D0D7FED82F}" destId="{609B7573-435D-40BD-B6F4-FFD93A4AEE79}" srcOrd="2" destOrd="0" parTransId="{A318F926-8414-40B7-A077-FC1394417B50}" sibTransId="{51E8BA34-225E-4DFC-BE31-568EB2CEC488}"/>
-    <dgm:cxn modelId="{63E3478E-06C1-CF42-8148-AF0EF35B27CE}" type="presOf" srcId="{5814B75B-F667-467C-805F-B5E328F74BD7}" destId="{0E342972-79CF-4240-8A2A-A01A52B8164D}" srcOrd="1" destOrd="0" presId="urn:microsoft.com/office/officeart/2016/7/layout/BasicLinearProcessNumbered"/>
-    <dgm:cxn modelId="{8D34E8AD-7FA2-5C4C-A7C3-39DAE47D4EA8}" type="presOf" srcId="{609B7573-435D-40BD-B6F4-FFD93A4AEE79}" destId="{35B6A801-9ABD-9B42-B6EA-1B329F4CCA60}" srcOrd="1" destOrd="0" presId="urn:microsoft.com/office/officeart/2016/7/layout/BasicLinearProcessNumbered"/>
-    <dgm:cxn modelId="{8178B6EA-80D8-4B47-9FAA-4C641D6E92BA}" type="presOf" srcId="{5BBFD4AD-F164-4A5A-9EB1-A5D0D7FED82F}" destId="{B53FA86A-B42B-8949-A9BC-E8EB974BF473}" srcOrd="0" destOrd="0" presId="urn:microsoft.com/office/officeart/2016/7/layout/BasicLinearProcessNumbered"/>
-    <dgm:cxn modelId="{8BF17EF9-738A-DA47-9B0A-F2B6011BFAF2}" type="presOf" srcId="{2C388C43-8FE8-44D4-9F7C-6600F83E6CBC}" destId="{3F27AF8B-BF4B-374A-A1A7-F37DA6E4C800}" srcOrd="0" destOrd="0" presId="urn:microsoft.com/office/officeart/2016/7/layout/BasicLinearProcessNumbered"/>
-    <dgm:cxn modelId="{60C4D7FA-4A75-47C8-AB72-4CABA29A353B}" srcId="{5BBFD4AD-F164-4A5A-9EB1-A5D0D7FED82F}" destId="{D848F354-55C6-47E8-B8B8-55ED81FFE9D5}" srcOrd="1" destOrd="0" parTransId="{F23B292A-C2D2-4C27-A344-2C4F58F25B7E}" sibTransId="{F6E7E48B-6DD6-447E-AF3C-EB88E8B0803F}"/>
-    <dgm:cxn modelId="{794D00C5-C5C9-7247-ACA2-6D3EAC9439CA}" type="presParOf" srcId="{B53FA86A-B42B-8949-A9BC-E8EB974BF473}" destId="{D53477A9-1E1B-A047-918F-FF9ED1430D78}" srcOrd="0" destOrd="0" presId="urn:microsoft.com/office/officeart/2016/7/layout/BasicLinearProcessNumbered"/>
-    <dgm:cxn modelId="{490C7C0A-94EF-EF4B-BE03-A6F14D072C15}" type="presParOf" srcId="{D53477A9-1E1B-A047-918F-FF9ED1430D78}" destId="{3F27AF8B-BF4B-374A-A1A7-F37DA6E4C800}" srcOrd="0" destOrd="0" presId="urn:microsoft.com/office/officeart/2016/7/layout/BasicLinearProcessNumbered"/>
-    <dgm:cxn modelId="{C23C2474-1D44-784B-9499-B8A381C9F170}" type="presParOf" srcId="{D53477A9-1E1B-A047-918F-FF9ED1430D78}" destId="{8469ABB7-B70E-F547-92B3-02F2410F9A18}" srcOrd="1" destOrd="0" presId="urn:microsoft.com/office/officeart/2016/7/layout/BasicLinearProcessNumbered"/>
-    <dgm:cxn modelId="{7A6D273F-9023-8D4B-AFDD-BB06B1D81CD5}" type="presParOf" srcId="{D53477A9-1E1B-A047-918F-FF9ED1430D78}" destId="{41CD31CA-EDB9-4242-9A1C-2EFA9C9CA45D}" srcOrd="2" destOrd="0" presId="urn:microsoft.com/office/officeart/2016/7/layout/BasicLinearProcessNumbered"/>
-    <dgm:cxn modelId="{4014A172-17D6-7041-A40C-1D2C8827E69D}" type="presParOf" srcId="{D53477A9-1E1B-A047-918F-FF9ED1430D78}" destId="{176679AA-B584-E24E-9018-11AF8CFFC1CF}" srcOrd="3" destOrd="0" presId="urn:microsoft.com/office/officeart/2016/7/layout/BasicLinearProcessNumbered"/>
-    <dgm:cxn modelId="{A2D855AE-6078-B448-B450-FF99F4EE8796}" type="presParOf" srcId="{B53FA86A-B42B-8949-A9BC-E8EB974BF473}" destId="{9C540A7B-35A8-3048-864C-ED14B1255FB4}" srcOrd="1" destOrd="0" presId="urn:microsoft.com/office/officeart/2016/7/layout/BasicLinearProcessNumbered"/>
-    <dgm:cxn modelId="{1BDAC854-30D8-5A4F-AF9D-78DD5D5DEAB9}" type="presParOf" srcId="{B53FA86A-B42B-8949-A9BC-E8EB974BF473}" destId="{35B43309-6F4A-AE4E-A25E-3E61717C0346}" srcOrd="2" destOrd="0" presId="urn:microsoft.com/office/officeart/2016/7/layout/BasicLinearProcessNumbered"/>
-    <dgm:cxn modelId="{4349F6A2-830A-6946-84A6-55F754445348}" type="presParOf" srcId="{35B43309-6F4A-AE4E-A25E-3E61717C0346}" destId="{1AFC518E-AEDD-7B4E-ADEA-2253D182D77F}" srcOrd="0" destOrd="0" presId="urn:microsoft.com/office/officeart/2016/7/layout/BasicLinearProcessNumbered"/>
-    <dgm:cxn modelId="{251E495A-6A71-1240-9380-0724DA555C6A}" type="presParOf" srcId="{35B43309-6F4A-AE4E-A25E-3E61717C0346}" destId="{035B37D5-2B35-B64D-82A1-CAB441F9FDBA}" srcOrd="1" destOrd="0" presId="urn:microsoft.com/office/officeart/2016/7/layout/BasicLinearProcessNumbered"/>
-    <dgm:cxn modelId="{B644664E-148F-2949-AFF1-06F04EF559E5}" type="presParOf" srcId="{35B43309-6F4A-AE4E-A25E-3E61717C0346}" destId="{A5286BC1-D576-0D48-B38F-48C46111213D}" srcOrd="2" destOrd="0" presId="urn:microsoft.com/office/officeart/2016/7/layout/BasicLinearProcessNumbered"/>
-    <dgm:cxn modelId="{E26F430F-576F-A14D-BC71-5FEB12BFA311}" type="presParOf" srcId="{35B43309-6F4A-AE4E-A25E-3E61717C0346}" destId="{4BDA9623-9569-2B45-9AF4-8FD64FD9A85B}" srcOrd="3" destOrd="0" presId="urn:microsoft.com/office/officeart/2016/7/layout/BasicLinearProcessNumbered"/>
-    <dgm:cxn modelId="{B1BC02EE-4D77-2C4B-924B-074F5FC2B099}" type="presParOf" srcId="{B53FA86A-B42B-8949-A9BC-E8EB974BF473}" destId="{9E13DD31-FFA6-B545-BBFD-79F8F89E1814}" srcOrd="3" destOrd="0" presId="urn:microsoft.com/office/officeart/2016/7/layout/BasicLinearProcessNumbered"/>
-    <dgm:cxn modelId="{0EE30EBE-5BEB-AB49-94E2-AE56793F854E}" type="presParOf" srcId="{B53FA86A-B42B-8949-A9BC-E8EB974BF473}" destId="{22C17881-ABED-E842-AB56-7C932E4F99D2}" srcOrd="4" destOrd="0" presId="urn:microsoft.com/office/officeart/2016/7/layout/BasicLinearProcessNumbered"/>
-    <dgm:cxn modelId="{9191EB80-DDFB-B449-A9DB-01B8405CEB27}" type="presParOf" srcId="{22C17881-ABED-E842-AB56-7C932E4F99D2}" destId="{5D927B97-899B-7046-8DAA-0D5DD68E2568}" srcOrd="0" destOrd="0" presId="urn:microsoft.com/office/officeart/2016/7/layout/BasicLinearProcessNumbered"/>
-    <dgm:cxn modelId="{1E39D3A5-13E1-D746-BC3F-18D5CB9525FD}" type="presParOf" srcId="{22C17881-ABED-E842-AB56-7C932E4F99D2}" destId="{E158A767-DBE5-DC49-9B42-BA8F0716906A}" srcOrd="1" destOrd="0" presId="urn:microsoft.com/office/officeart/2016/7/layout/BasicLinearProcessNumbered"/>
-    <dgm:cxn modelId="{B7A1AB31-E980-F149-8900-2E21BB591115}" type="presParOf" srcId="{22C17881-ABED-E842-AB56-7C932E4F99D2}" destId="{5F495DEA-9878-D243-B7B1-CE22F9AFA312}" srcOrd="2" destOrd="0" presId="urn:microsoft.com/office/officeart/2016/7/layout/BasicLinearProcessNumbered"/>
-    <dgm:cxn modelId="{5FBB307C-CFA5-7D4A-A32B-B39C018568C1}" type="presParOf" srcId="{22C17881-ABED-E842-AB56-7C932E4F99D2}" destId="{35B6A801-9ABD-9B42-B6EA-1B329F4CCA60}" srcOrd="3" destOrd="0" presId="urn:microsoft.com/office/officeart/2016/7/layout/BasicLinearProcessNumbered"/>
-    <dgm:cxn modelId="{85AF2581-1660-C34A-8C85-FF6A8B2ED45C}" type="presParOf" srcId="{B53FA86A-B42B-8949-A9BC-E8EB974BF473}" destId="{474B2817-A829-194F-A425-D91DDA81CA6D}" srcOrd="5" destOrd="0" presId="urn:microsoft.com/office/officeart/2016/7/layout/BasicLinearProcessNumbered"/>
-    <dgm:cxn modelId="{6B94C0DD-8C8E-C047-8FE2-78BC645945B3}" type="presParOf" srcId="{B53FA86A-B42B-8949-A9BC-E8EB974BF473}" destId="{6B190B30-6880-8F45-A884-890ADAD53D76}" srcOrd="6" destOrd="0" presId="urn:microsoft.com/office/officeart/2016/7/layout/BasicLinearProcessNumbered"/>
-    <dgm:cxn modelId="{452F8421-72C7-0D49-ACCE-B236FF613CFE}" type="presParOf" srcId="{6B190B30-6880-8F45-A884-890ADAD53D76}" destId="{1CE5C5C6-A06B-AF47-96D6-1E6C04795E4A}" srcOrd="0" destOrd="0" presId="urn:microsoft.com/office/officeart/2016/7/layout/BasicLinearProcessNumbered"/>
-    <dgm:cxn modelId="{B1F2E3E4-AE23-1E43-9207-F17076799259}" type="presParOf" srcId="{6B190B30-6880-8F45-A884-890ADAD53D76}" destId="{5CDC69C6-4EDA-B845-95CB-88ACAC040160}" srcOrd="1" destOrd="0" presId="urn:microsoft.com/office/officeart/2016/7/layout/BasicLinearProcessNumbered"/>
-    <dgm:cxn modelId="{FE15262D-1E2F-FC42-B89E-F2F5905177C8}" type="presParOf" srcId="{6B190B30-6880-8F45-A884-890ADAD53D76}" destId="{6916AE82-A69C-6044-B10A-C449C9A5D39C}" srcOrd="2" destOrd="0" presId="urn:microsoft.com/office/officeart/2016/7/layout/BasicLinearProcessNumbered"/>
-    <dgm:cxn modelId="{89E8BBBC-C34D-314F-B813-FC7E86F41707}" type="presParOf" srcId="{6B190B30-6880-8F45-A884-890ADAD53D76}" destId="{0E342972-79CF-4240-8A2A-A01A52B8164D}" srcOrd="3" destOrd="0" presId="urn:microsoft.com/office/officeart/2016/7/layout/BasicLinearProcessNumbered"/>
   </dgm:cxnLst>
   <dgm:bg/>
   <dgm:whole/>
@@ -14013,7 +12846,7 @@
           </a:pPr>
           <a:r>
             <a:rPr lang="en-US" sz="1600" kern="1200" dirty="0"/>
-            <a:t>Planned class, team, individual discussions</a:t>
+            <a:t>Individual discussions</a:t>
           </a:r>
         </a:p>
       </dsp:txBody>
@@ -14677,838 +13510,6 @@
         <a:off x="1689780" y="3658159"/>
         <a:ext cx="4892774" cy="1463013"/>
       </dsp:txXfrm>
-    </dsp:sp>
-  </dsp:spTree>
-</dsp:drawing>
-</file>
-
-<file path=ppt/diagrams/drawing7.xml><?xml version="1.0" encoding="utf-8"?>
-<dsp:drawing xmlns:dgm="http://schemas.openxmlformats.org/drawingml/2006/diagram" xmlns:dsp="http://schemas.microsoft.com/office/drawing/2008/diagram" xmlns:a="http://schemas.openxmlformats.org/drawingml/2006/main">
-  <dsp:spTree>
-    <dsp:nvGrpSpPr>
-      <dsp:cNvPr id="0" name=""/>
-      <dsp:cNvGrpSpPr/>
-    </dsp:nvGrpSpPr>
-    <dsp:grpSpPr/>
-    <dsp:sp modelId="{3F27AF8B-BF4B-374A-A1A7-F37DA6E4C800}">
-      <dsp:nvSpPr>
-        <dsp:cNvPr id="0" name=""/>
-        <dsp:cNvSpPr/>
-      </dsp:nvSpPr>
-      <dsp:spPr>
-        <a:xfrm>
-          <a:off x="3193" y="36164"/>
-          <a:ext cx="2533509" cy="3546913"/>
-        </a:xfrm>
-        <a:prstGeom prst="rect">
-          <a:avLst/>
-        </a:prstGeom>
-        <a:solidFill>
-          <a:schemeClr val="accent5">
-            <a:tint val="40000"/>
-            <a:alpha val="90000"/>
-            <a:hueOff val="0"/>
-            <a:satOff val="0"/>
-            <a:lumOff val="0"/>
-            <a:alphaOff val="0"/>
-          </a:schemeClr>
-        </a:solidFill>
-        <a:ln w="15875" cap="flat" cmpd="sng" algn="ctr">
-          <a:solidFill>
-            <a:schemeClr val="accent5">
-              <a:tint val="40000"/>
-              <a:alpha val="90000"/>
-              <a:hueOff val="0"/>
-              <a:satOff val="0"/>
-              <a:lumOff val="0"/>
-              <a:alphaOff val="0"/>
-            </a:schemeClr>
-          </a:solidFill>
-          <a:prstDash val="solid"/>
-        </a:ln>
-        <a:effectLst/>
-      </dsp:spPr>
-      <dsp:style>
-        <a:lnRef idx="2">
-          <a:scrgbClr r="0" g="0" b="0"/>
-        </a:lnRef>
-        <a:fillRef idx="1">
-          <a:scrgbClr r="0" g="0" b="0"/>
-        </a:fillRef>
-        <a:effectRef idx="0">
-          <a:scrgbClr r="0" g="0" b="0"/>
-        </a:effectRef>
-        <a:fontRef idx="minor"/>
-      </dsp:style>
-      <dsp:txBody>
-        <a:bodyPr spcFirstLastPara="0" vert="horz" wrap="square" lIns="197522" tIns="330200" rIns="197522" bIns="330200" numCol="1" spcCol="1270" anchor="t" anchorCtr="0">
-          <a:noAutofit/>
-        </a:bodyPr>
-        <a:lstStyle/>
-        <a:p>
-          <a:pPr marL="0" lvl="0" indent="0" algn="l" defTabSz="889000">
-            <a:lnSpc>
-              <a:spcPct val="90000"/>
-            </a:lnSpc>
-            <a:spcBef>
-              <a:spcPct val="0"/>
-            </a:spcBef>
-            <a:spcAft>
-              <a:spcPct val="35000"/>
-            </a:spcAft>
-            <a:buNone/>
-          </a:pPr>
-          <a:r>
-            <a:rPr lang="en-US" sz="2000" kern="1200"/>
-            <a:t>Be on time: We will start right way, most days</a:t>
-          </a:r>
-        </a:p>
-      </dsp:txBody>
-      <dsp:txXfrm>
-        <a:off x="3193" y="1383991"/>
-        <a:ext cx="2533509" cy="2128147"/>
-      </dsp:txXfrm>
-    </dsp:sp>
-    <dsp:sp modelId="{8469ABB7-B70E-F547-92B3-02F2410F9A18}">
-      <dsp:nvSpPr>
-        <dsp:cNvPr id="0" name=""/>
-        <dsp:cNvSpPr/>
-      </dsp:nvSpPr>
-      <dsp:spPr>
-        <a:xfrm>
-          <a:off x="737911" y="390855"/>
-          <a:ext cx="1064073" cy="1064073"/>
-        </a:xfrm>
-        <a:prstGeom prst="ellipse">
-          <a:avLst/>
-        </a:prstGeom>
-        <a:solidFill>
-          <a:schemeClr val="accent5">
-            <a:hueOff val="0"/>
-            <a:satOff val="0"/>
-            <a:lumOff val="0"/>
-            <a:alphaOff val="0"/>
-          </a:schemeClr>
-        </a:solidFill>
-        <a:ln w="15875" cap="flat" cmpd="sng" algn="ctr">
-          <a:solidFill>
-            <a:schemeClr val="accent5">
-              <a:hueOff val="0"/>
-              <a:satOff val="0"/>
-              <a:lumOff val="0"/>
-              <a:alphaOff val="0"/>
-            </a:schemeClr>
-          </a:solidFill>
-          <a:prstDash val="solid"/>
-        </a:ln>
-        <a:effectLst/>
-      </dsp:spPr>
-      <dsp:style>
-        <a:lnRef idx="2">
-          <a:scrgbClr r="0" g="0" b="0"/>
-        </a:lnRef>
-        <a:fillRef idx="1">
-          <a:scrgbClr r="0" g="0" b="0"/>
-        </a:fillRef>
-        <a:effectRef idx="0">
-          <a:scrgbClr r="0" g="0" b="0"/>
-        </a:effectRef>
-        <a:fontRef idx="minor">
-          <a:schemeClr val="lt1"/>
-        </a:fontRef>
-      </dsp:style>
-      <dsp:txBody>
-        <a:bodyPr spcFirstLastPara="0" vert="horz" wrap="square" lIns="82959" tIns="12700" rIns="82959" bIns="12700" numCol="1" spcCol="1270" anchor="ctr" anchorCtr="0">
-          <a:noAutofit/>
-        </a:bodyPr>
-        <a:lstStyle/>
-        <a:p>
-          <a:pPr marL="0" lvl="0" indent="0" algn="ctr" defTabSz="2133600">
-            <a:lnSpc>
-              <a:spcPct val="90000"/>
-            </a:lnSpc>
-            <a:spcBef>
-              <a:spcPct val="0"/>
-            </a:spcBef>
-            <a:spcAft>
-              <a:spcPct val="35000"/>
-            </a:spcAft>
-            <a:buNone/>
-          </a:pPr>
-          <a:r>
-            <a:rPr lang="en-US" sz="4800" kern="1200"/>
-            <a:t>1</a:t>
-          </a:r>
-        </a:p>
-      </dsp:txBody>
-      <dsp:txXfrm>
-        <a:off x="893741" y="546685"/>
-        <a:ext cx="752413" cy="752413"/>
-      </dsp:txXfrm>
-    </dsp:sp>
-    <dsp:sp modelId="{41CD31CA-EDB9-4242-9A1C-2EFA9C9CA45D}">
-      <dsp:nvSpPr>
-        <dsp:cNvPr id="0" name=""/>
-        <dsp:cNvSpPr/>
-      </dsp:nvSpPr>
-      <dsp:spPr>
-        <a:xfrm>
-          <a:off x="3193" y="3583005"/>
-          <a:ext cx="2533509" cy="72"/>
-        </a:xfrm>
-        <a:prstGeom prst="rect">
-          <a:avLst/>
-        </a:prstGeom>
-        <a:solidFill>
-          <a:schemeClr val="accent5">
-            <a:hueOff val="-213322"/>
-            <a:satOff val="20"/>
-            <a:lumOff val="-1709"/>
-            <a:alphaOff val="0"/>
-          </a:schemeClr>
-        </a:solidFill>
-        <a:ln w="15875" cap="flat" cmpd="sng" algn="ctr">
-          <a:solidFill>
-            <a:schemeClr val="accent5">
-              <a:hueOff val="-213322"/>
-              <a:satOff val="20"/>
-              <a:lumOff val="-1709"/>
-              <a:alphaOff val="0"/>
-            </a:schemeClr>
-          </a:solidFill>
-          <a:prstDash val="solid"/>
-        </a:ln>
-        <a:effectLst/>
-      </dsp:spPr>
-      <dsp:style>
-        <a:lnRef idx="2">
-          <a:scrgbClr r="0" g="0" b="0"/>
-        </a:lnRef>
-        <a:fillRef idx="1">
-          <a:scrgbClr r="0" g="0" b="0"/>
-        </a:fillRef>
-        <a:effectRef idx="0">
-          <a:scrgbClr r="0" g="0" b="0"/>
-        </a:effectRef>
-        <a:fontRef idx="minor">
-          <a:schemeClr val="lt1"/>
-        </a:fontRef>
-      </dsp:style>
-    </dsp:sp>
-    <dsp:sp modelId="{1AFC518E-AEDD-7B4E-ADEA-2253D182D77F}">
-      <dsp:nvSpPr>
-        <dsp:cNvPr id="0" name=""/>
-        <dsp:cNvSpPr/>
-      </dsp:nvSpPr>
-      <dsp:spPr>
-        <a:xfrm>
-          <a:off x="2790053" y="36164"/>
-          <a:ext cx="2533509" cy="3546913"/>
-        </a:xfrm>
-        <a:prstGeom prst="rect">
-          <a:avLst/>
-        </a:prstGeom>
-        <a:solidFill>
-          <a:schemeClr val="accent5">
-            <a:tint val="40000"/>
-            <a:alpha val="90000"/>
-            <a:hueOff val="-765769"/>
-            <a:satOff val="-8760"/>
-            <a:lumOff val="-928"/>
-            <a:alphaOff val="0"/>
-          </a:schemeClr>
-        </a:solidFill>
-        <a:ln w="15875" cap="flat" cmpd="sng" algn="ctr">
-          <a:solidFill>
-            <a:schemeClr val="accent5">
-              <a:tint val="40000"/>
-              <a:alpha val="90000"/>
-              <a:hueOff val="-765769"/>
-              <a:satOff val="-8760"/>
-              <a:lumOff val="-928"/>
-              <a:alphaOff val="0"/>
-            </a:schemeClr>
-          </a:solidFill>
-          <a:prstDash val="solid"/>
-        </a:ln>
-        <a:effectLst/>
-      </dsp:spPr>
-      <dsp:style>
-        <a:lnRef idx="2">
-          <a:scrgbClr r="0" g="0" b="0"/>
-        </a:lnRef>
-        <a:fillRef idx="1">
-          <a:scrgbClr r="0" g="0" b="0"/>
-        </a:fillRef>
-        <a:effectRef idx="0">
-          <a:scrgbClr r="0" g="0" b="0"/>
-        </a:effectRef>
-        <a:fontRef idx="minor"/>
-      </dsp:style>
-      <dsp:txBody>
-        <a:bodyPr spcFirstLastPara="0" vert="horz" wrap="square" lIns="197522" tIns="330200" rIns="197522" bIns="330200" numCol="1" spcCol="1270" anchor="t" anchorCtr="0">
-          <a:noAutofit/>
-        </a:bodyPr>
-        <a:lstStyle/>
-        <a:p>
-          <a:pPr marL="0" lvl="0" indent="0" algn="l" defTabSz="889000">
-            <a:lnSpc>
-              <a:spcPct val="90000"/>
-            </a:lnSpc>
-            <a:spcBef>
-              <a:spcPct val="0"/>
-            </a:spcBef>
-            <a:spcAft>
-              <a:spcPct val="35000"/>
-            </a:spcAft>
-            <a:buNone/>
-          </a:pPr>
-          <a:r>
-            <a:rPr lang="en-US" sz="2000" kern="1200"/>
-            <a:t>If comfortable, use your camera when remote and talking</a:t>
-          </a:r>
-        </a:p>
-      </dsp:txBody>
-      <dsp:txXfrm>
-        <a:off x="2790053" y="1383991"/>
-        <a:ext cx="2533509" cy="2128147"/>
-      </dsp:txXfrm>
-    </dsp:sp>
-    <dsp:sp modelId="{035B37D5-2B35-B64D-82A1-CAB441F9FDBA}">
-      <dsp:nvSpPr>
-        <dsp:cNvPr id="0" name=""/>
-        <dsp:cNvSpPr/>
-      </dsp:nvSpPr>
-      <dsp:spPr>
-        <a:xfrm>
-          <a:off x="3524771" y="390855"/>
-          <a:ext cx="1064073" cy="1064073"/>
-        </a:xfrm>
-        <a:prstGeom prst="ellipse">
-          <a:avLst/>
-        </a:prstGeom>
-        <a:solidFill>
-          <a:schemeClr val="accent5">
-            <a:hueOff val="-426645"/>
-            <a:satOff val="39"/>
-            <a:lumOff val="-3417"/>
-            <a:alphaOff val="0"/>
-          </a:schemeClr>
-        </a:solidFill>
-        <a:ln w="15875" cap="flat" cmpd="sng" algn="ctr">
-          <a:solidFill>
-            <a:schemeClr val="accent5">
-              <a:hueOff val="-426645"/>
-              <a:satOff val="39"/>
-              <a:lumOff val="-3417"/>
-              <a:alphaOff val="0"/>
-            </a:schemeClr>
-          </a:solidFill>
-          <a:prstDash val="solid"/>
-        </a:ln>
-        <a:effectLst/>
-      </dsp:spPr>
-      <dsp:style>
-        <a:lnRef idx="2">
-          <a:scrgbClr r="0" g="0" b="0"/>
-        </a:lnRef>
-        <a:fillRef idx="1">
-          <a:scrgbClr r="0" g="0" b="0"/>
-        </a:fillRef>
-        <a:effectRef idx="0">
-          <a:scrgbClr r="0" g="0" b="0"/>
-        </a:effectRef>
-        <a:fontRef idx="minor">
-          <a:schemeClr val="lt1"/>
-        </a:fontRef>
-      </dsp:style>
-      <dsp:txBody>
-        <a:bodyPr spcFirstLastPara="0" vert="horz" wrap="square" lIns="82959" tIns="12700" rIns="82959" bIns="12700" numCol="1" spcCol="1270" anchor="ctr" anchorCtr="0">
-          <a:noAutofit/>
-        </a:bodyPr>
-        <a:lstStyle/>
-        <a:p>
-          <a:pPr marL="0" lvl="0" indent="0" algn="ctr" defTabSz="2133600">
-            <a:lnSpc>
-              <a:spcPct val="90000"/>
-            </a:lnSpc>
-            <a:spcBef>
-              <a:spcPct val="0"/>
-            </a:spcBef>
-            <a:spcAft>
-              <a:spcPct val="35000"/>
-            </a:spcAft>
-            <a:buNone/>
-          </a:pPr>
-          <a:r>
-            <a:rPr lang="en-US" sz="4800" kern="1200"/>
-            <a:t>2</a:t>
-          </a:r>
-        </a:p>
-      </dsp:txBody>
-      <dsp:txXfrm>
-        <a:off x="3680601" y="546685"/>
-        <a:ext cx="752413" cy="752413"/>
-      </dsp:txXfrm>
-    </dsp:sp>
-    <dsp:sp modelId="{A5286BC1-D576-0D48-B38F-48C46111213D}">
-      <dsp:nvSpPr>
-        <dsp:cNvPr id="0" name=""/>
-        <dsp:cNvSpPr/>
-      </dsp:nvSpPr>
-      <dsp:spPr>
-        <a:xfrm>
-          <a:off x="2790053" y="3583005"/>
-          <a:ext cx="2533509" cy="72"/>
-        </a:xfrm>
-        <a:prstGeom prst="rect">
-          <a:avLst/>
-        </a:prstGeom>
-        <a:solidFill>
-          <a:schemeClr val="accent5">
-            <a:hueOff val="-639967"/>
-            <a:satOff val="59"/>
-            <a:lumOff val="-5126"/>
-            <a:alphaOff val="0"/>
-          </a:schemeClr>
-        </a:solidFill>
-        <a:ln w="15875" cap="flat" cmpd="sng" algn="ctr">
-          <a:solidFill>
-            <a:schemeClr val="accent5">
-              <a:hueOff val="-639967"/>
-              <a:satOff val="59"/>
-              <a:lumOff val="-5126"/>
-              <a:alphaOff val="0"/>
-            </a:schemeClr>
-          </a:solidFill>
-          <a:prstDash val="solid"/>
-        </a:ln>
-        <a:effectLst/>
-      </dsp:spPr>
-      <dsp:style>
-        <a:lnRef idx="2">
-          <a:scrgbClr r="0" g="0" b="0"/>
-        </a:lnRef>
-        <a:fillRef idx="1">
-          <a:scrgbClr r="0" g="0" b="0"/>
-        </a:fillRef>
-        <a:effectRef idx="0">
-          <a:scrgbClr r="0" g="0" b="0"/>
-        </a:effectRef>
-        <a:fontRef idx="minor">
-          <a:schemeClr val="lt1"/>
-        </a:fontRef>
-      </dsp:style>
-    </dsp:sp>
-    <dsp:sp modelId="{5D927B97-899B-7046-8DAA-0D5DD68E2568}">
-      <dsp:nvSpPr>
-        <dsp:cNvPr id="0" name=""/>
-        <dsp:cNvSpPr/>
-      </dsp:nvSpPr>
-      <dsp:spPr>
-        <a:xfrm>
-          <a:off x="5576913" y="36164"/>
-          <a:ext cx="2533509" cy="3546913"/>
-        </a:xfrm>
-        <a:prstGeom prst="rect">
-          <a:avLst/>
-        </a:prstGeom>
-        <a:solidFill>
-          <a:schemeClr val="accent5">
-            <a:tint val="40000"/>
-            <a:alpha val="90000"/>
-            <a:hueOff val="-1531538"/>
-            <a:satOff val="-17520"/>
-            <a:lumOff val="-1855"/>
-            <a:alphaOff val="0"/>
-          </a:schemeClr>
-        </a:solidFill>
-        <a:ln w="15875" cap="flat" cmpd="sng" algn="ctr">
-          <a:solidFill>
-            <a:schemeClr val="accent5">
-              <a:tint val="40000"/>
-              <a:alpha val="90000"/>
-              <a:hueOff val="-1531538"/>
-              <a:satOff val="-17520"/>
-              <a:lumOff val="-1855"/>
-              <a:alphaOff val="0"/>
-            </a:schemeClr>
-          </a:solidFill>
-          <a:prstDash val="solid"/>
-        </a:ln>
-        <a:effectLst/>
-      </dsp:spPr>
-      <dsp:style>
-        <a:lnRef idx="2">
-          <a:scrgbClr r="0" g="0" b="0"/>
-        </a:lnRef>
-        <a:fillRef idx="1">
-          <a:scrgbClr r="0" g="0" b="0"/>
-        </a:fillRef>
-        <a:effectRef idx="0">
-          <a:scrgbClr r="0" g="0" b="0"/>
-        </a:effectRef>
-        <a:fontRef idx="minor"/>
-      </dsp:style>
-      <dsp:txBody>
-        <a:bodyPr spcFirstLastPara="0" vert="horz" wrap="square" lIns="197522" tIns="330200" rIns="197522" bIns="330200" numCol="1" spcCol="1270" anchor="t" anchorCtr="0">
-          <a:noAutofit/>
-        </a:bodyPr>
-        <a:lstStyle/>
-        <a:p>
-          <a:pPr marL="0" lvl="0" indent="0" algn="l" defTabSz="889000">
-            <a:lnSpc>
-              <a:spcPct val="90000"/>
-            </a:lnSpc>
-            <a:spcBef>
-              <a:spcPct val="0"/>
-            </a:spcBef>
-            <a:spcAft>
-              <a:spcPct val="35000"/>
-            </a:spcAft>
-            <a:buNone/>
-          </a:pPr>
-          <a:r>
-            <a:rPr lang="en-US" sz="2000" kern="1200"/>
-            <a:t>Feel free to have your camera off, especially if it permits you to move around a bit</a:t>
-          </a:r>
-        </a:p>
-      </dsp:txBody>
-      <dsp:txXfrm>
-        <a:off x="5576913" y="1383991"/>
-        <a:ext cx="2533509" cy="2128147"/>
-      </dsp:txXfrm>
-    </dsp:sp>
-    <dsp:sp modelId="{E158A767-DBE5-DC49-9B42-BA8F0716906A}">
-      <dsp:nvSpPr>
-        <dsp:cNvPr id="0" name=""/>
-        <dsp:cNvSpPr/>
-      </dsp:nvSpPr>
-      <dsp:spPr>
-        <a:xfrm>
-          <a:off x="6311631" y="390855"/>
-          <a:ext cx="1064073" cy="1064073"/>
-        </a:xfrm>
-        <a:prstGeom prst="ellipse">
-          <a:avLst/>
-        </a:prstGeom>
-        <a:solidFill>
-          <a:schemeClr val="accent5">
-            <a:hueOff val="-853290"/>
-            <a:satOff val="79"/>
-            <a:lumOff val="-6835"/>
-            <a:alphaOff val="0"/>
-          </a:schemeClr>
-        </a:solidFill>
-        <a:ln w="15875" cap="flat" cmpd="sng" algn="ctr">
-          <a:solidFill>
-            <a:schemeClr val="accent5">
-              <a:hueOff val="-853290"/>
-              <a:satOff val="79"/>
-              <a:lumOff val="-6835"/>
-              <a:alphaOff val="0"/>
-            </a:schemeClr>
-          </a:solidFill>
-          <a:prstDash val="solid"/>
-        </a:ln>
-        <a:effectLst/>
-      </dsp:spPr>
-      <dsp:style>
-        <a:lnRef idx="2">
-          <a:scrgbClr r="0" g="0" b="0"/>
-        </a:lnRef>
-        <a:fillRef idx="1">
-          <a:scrgbClr r="0" g="0" b="0"/>
-        </a:fillRef>
-        <a:effectRef idx="0">
-          <a:scrgbClr r="0" g="0" b="0"/>
-        </a:effectRef>
-        <a:fontRef idx="minor">
-          <a:schemeClr val="lt1"/>
-        </a:fontRef>
-      </dsp:style>
-      <dsp:txBody>
-        <a:bodyPr spcFirstLastPara="0" vert="horz" wrap="square" lIns="82959" tIns="12700" rIns="82959" bIns="12700" numCol="1" spcCol="1270" anchor="ctr" anchorCtr="0">
-          <a:noAutofit/>
-        </a:bodyPr>
-        <a:lstStyle/>
-        <a:p>
-          <a:pPr marL="0" lvl="0" indent="0" algn="ctr" defTabSz="2133600">
-            <a:lnSpc>
-              <a:spcPct val="90000"/>
-            </a:lnSpc>
-            <a:spcBef>
-              <a:spcPct val="0"/>
-            </a:spcBef>
-            <a:spcAft>
-              <a:spcPct val="35000"/>
-            </a:spcAft>
-            <a:buNone/>
-          </a:pPr>
-          <a:r>
-            <a:rPr lang="en-US" sz="4800" kern="1200"/>
-            <a:t>3</a:t>
-          </a:r>
-        </a:p>
-      </dsp:txBody>
-      <dsp:txXfrm>
-        <a:off x="6467461" y="546685"/>
-        <a:ext cx="752413" cy="752413"/>
-      </dsp:txXfrm>
-    </dsp:sp>
-    <dsp:sp modelId="{5F495DEA-9878-D243-B7B1-CE22F9AFA312}">
-      <dsp:nvSpPr>
-        <dsp:cNvPr id="0" name=""/>
-        <dsp:cNvSpPr/>
-      </dsp:nvSpPr>
-      <dsp:spPr>
-        <a:xfrm>
-          <a:off x="5576913" y="3583005"/>
-          <a:ext cx="2533509" cy="72"/>
-        </a:xfrm>
-        <a:prstGeom prst="rect">
-          <a:avLst/>
-        </a:prstGeom>
-        <a:solidFill>
-          <a:schemeClr val="accent5">
-            <a:hueOff val="-1066612"/>
-            <a:satOff val="99"/>
-            <a:lumOff val="-8544"/>
-            <a:alphaOff val="0"/>
-          </a:schemeClr>
-        </a:solidFill>
-        <a:ln w="15875" cap="flat" cmpd="sng" algn="ctr">
-          <a:solidFill>
-            <a:schemeClr val="accent5">
-              <a:hueOff val="-1066612"/>
-              <a:satOff val="99"/>
-              <a:lumOff val="-8544"/>
-              <a:alphaOff val="0"/>
-            </a:schemeClr>
-          </a:solidFill>
-          <a:prstDash val="solid"/>
-        </a:ln>
-        <a:effectLst/>
-      </dsp:spPr>
-      <dsp:style>
-        <a:lnRef idx="2">
-          <a:scrgbClr r="0" g="0" b="0"/>
-        </a:lnRef>
-        <a:fillRef idx="1">
-          <a:scrgbClr r="0" g="0" b="0"/>
-        </a:fillRef>
-        <a:effectRef idx="0">
-          <a:scrgbClr r="0" g="0" b="0"/>
-        </a:effectRef>
-        <a:fontRef idx="minor">
-          <a:schemeClr val="lt1"/>
-        </a:fontRef>
-      </dsp:style>
-    </dsp:sp>
-    <dsp:sp modelId="{1CE5C5C6-A06B-AF47-96D6-1E6C04795E4A}">
-      <dsp:nvSpPr>
-        <dsp:cNvPr id="0" name=""/>
-        <dsp:cNvSpPr/>
-      </dsp:nvSpPr>
-      <dsp:spPr>
-        <a:xfrm>
-          <a:off x="8363774" y="36164"/>
-          <a:ext cx="2533509" cy="3546913"/>
-        </a:xfrm>
-        <a:prstGeom prst="rect">
-          <a:avLst/>
-        </a:prstGeom>
-        <a:solidFill>
-          <a:schemeClr val="accent5">
-            <a:tint val="40000"/>
-            <a:alpha val="90000"/>
-            <a:hueOff val="-2297306"/>
-            <a:satOff val="-26280"/>
-            <a:lumOff val="-2783"/>
-            <a:alphaOff val="0"/>
-          </a:schemeClr>
-        </a:solidFill>
-        <a:ln w="15875" cap="flat" cmpd="sng" algn="ctr">
-          <a:solidFill>
-            <a:schemeClr val="accent5">
-              <a:tint val="40000"/>
-              <a:alpha val="90000"/>
-              <a:hueOff val="-2297306"/>
-              <a:satOff val="-26280"/>
-              <a:lumOff val="-2783"/>
-              <a:alphaOff val="0"/>
-            </a:schemeClr>
-          </a:solidFill>
-          <a:prstDash val="solid"/>
-        </a:ln>
-        <a:effectLst/>
-      </dsp:spPr>
-      <dsp:style>
-        <a:lnRef idx="2">
-          <a:scrgbClr r="0" g="0" b="0"/>
-        </a:lnRef>
-        <a:fillRef idx="1">
-          <a:scrgbClr r="0" g="0" b="0"/>
-        </a:fillRef>
-        <a:effectRef idx="0">
-          <a:scrgbClr r="0" g="0" b="0"/>
-        </a:effectRef>
-        <a:fontRef idx="minor"/>
-      </dsp:style>
-      <dsp:txBody>
-        <a:bodyPr spcFirstLastPara="0" vert="horz" wrap="square" lIns="197522" tIns="330200" rIns="197522" bIns="330200" numCol="1" spcCol="1270" anchor="t" anchorCtr="0">
-          <a:noAutofit/>
-        </a:bodyPr>
-        <a:lstStyle/>
-        <a:p>
-          <a:pPr marL="0" lvl="0" indent="0" algn="l" defTabSz="889000">
-            <a:lnSpc>
-              <a:spcPct val="90000"/>
-            </a:lnSpc>
-            <a:spcBef>
-              <a:spcPct val="0"/>
-            </a:spcBef>
-            <a:spcAft>
-              <a:spcPct val="35000"/>
-            </a:spcAft>
-            <a:buNone/>
-          </a:pPr>
-          <a:r>
-            <a:rPr lang="en-US" sz="2000" kern="1200"/>
-            <a:t>Be flexible with me, yourselves, others</a:t>
-          </a:r>
-        </a:p>
-      </dsp:txBody>
-      <dsp:txXfrm>
-        <a:off x="8363774" y="1383991"/>
-        <a:ext cx="2533509" cy="2128147"/>
-      </dsp:txXfrm>
-    </dsp:sp>
-    <dsp:sp modelId="{5CDC69C6-4EDA-B845-95CB-88ACAC040160}">
-      <dsp:nvSpPr>
-        <dsp:cNvPr id="0" name=""/>
-        <dsp:cNvSpPr/>
-      </dsp:nvSpPr>
-      <dsp:spPr>
-        <a:xfrm>
-          <a:off x="9098491" y="390855"/>
-          <a:ext cx="1064073" cy="1064073"/>
-        </a:xfrm>
-        <a:prstGeom prst="ellipse">
-          <a:avLst/>
-        </a:prstGeom>
-        <a:solidFill>
-          <a:schemeClr val="accent5">
-            <a:hueOff val="-1279935"/>
-            <a:satOff val="118"/>
-            <a:lumOff val="-10252"/>
-            <a:alphaOff val="0"/>
-          </a:schemeClr>
-        </a:solidFill>
-        <a:ln w="15875" cap="flat" cmpd="sng" algn="ctr">
-          <a:solidFill>
-            <a:schemeClr val="accent5">
-              <a:hueOff val="-1279935"/>
-              <a:satOff val="118"/>
-              <a:lumOff val="-10252"/>
-              <a:alphaOff val="0"/>
-            </a:schemeClr>
-          </a:solidFill>
-          <a:prstDash val="solid"/>
-        </a:ln>
-        <a:effectLst/>
-      </dsp:spPr>
-      <dsp:style>
-        <a:lnRef idx="2">
-          <a:scrgbClr r="0" g="0" b="0"/>
-        </a:lnRef>
-        <a:fillRef idx="1">
-          <a:scrgbClr r="0" g="0" b="0"/>
-        </a:fillRef>
-        <a:effectRef idx="0">
-          <a:scrgbClr r="0" g="0" b="0"/>
-        </a:effectRef>
-        <a:fontRef idx="minor">
-          <a:schemeClr val="lt1"/>
-        </a:fontRef>
-      </dsp:style>
-      <dsp:txBody>
-        <a:bodyPr spcFirstLastPara="0" vert="horz" wrap="square" lIns="82959" tIns="12700" rIns="82959" bIns="12700" numCol="1" spcCol="1270" anchor="ctr" anchorCtr="0">
-          <a:noAutofit/>
-        </a:bodyPr>
-        <a:lstStyle/>
-        <a:p>
-          <a:pPr marL="0" lvl="0" indent="0" algn="ctr" defTabSz="2133600">
-            <a:lnSpc>
-              <a:spcPct val="90000"/>
-            </a:lnSpc>
-            <a:spcBef>
-              <a:spcPct val="0"/>
-            </a:spcBef>
-            <a:spcAft>
-              <a:spcPct val="35000"/>
-            </a:spcAft>
-            <a:buNone/>
-          </a:pPr>
-          <a:r>
-            <a:rPr lang="en-US" sz="4800" kern="1200"/>
-            <a:t>4</a:t>
-          </a:r>
-        </a:p>
-      </dsp:txBody>
-      <dsp:txXfrm>
-        <a:off x="9254321" y="546685"/>
-        <a:ext cx="752413" cy="752413"/>
-      </dsp:txXfrm>
-    </dsp:sp>
-    <dsp:sp modelId="{6916AE82-A69C-6044-B10A-C449C9A5D39C}">
-      <dsp:nvSpPr>
-        <dsp:cNvPr id="0" name=""/>
-        <dsp:cNvSpPr/>
-      </dsp:nvSpPr>
-      <dsp:spPr>
-        <a:xfrm>
-          <a:off x="8363774" y="3583005"/>
-          <a:ext cx="2533509" cy="72"/>
-        </a:xfrm>
-        <a:prstGeom prst="rect">
-          <a:avLst/>
-        </a:prstGeom>
-        <a:solidFill>
-          <a:schemeClr val="accent5">
-            <a:hueOff val="-1493257"/>
-            <a:satOff val="138"/>
-            <a:lumOff val="-11961"/>
-            <a:alphaOff val="0"/>
-          </a:schemeClr>
-        </a:solidFill>
-        <a:ln w="15875" cap="flat" cmpd="sng" algn="ctr">
-          <a:solidFill>
-            <a:schemeClr val="accent5">
-              <a:hueOff val="-1493257"/>
-              <a:satOff val="138"/>
-              <a:lumOff val="-11961"/>
-              <a:alphaOff val="0"/>
-            </a:schemeClr>
-          </a:solidFill>
-          <a:prstDash val="solid"/>
-        </a:ln>
-        <a:effectLst/>
-      </dsp:spPr>
-      <dsp:style>
-        <a:lnRef idx="2">
-          <a:scrgbClr r="0" g="0" b="0"/>
-        </a:lnRef>
-        <a:fillRef idx="1">
-          <a:scrgbClr r="0" g="0" b="0"/>
-        </a:fillRef>
-        <a:effectRef idx="0">
-          <a:scrgbClr r="0" g="0" b="0"/>
-        </a:effectRef>
-        <a:fontRef idx="minor">
-          <a:schemeClr val="lt1"/>
-        </a:fontRef>
-      </dsp:style>
     </dsp:sp>
   </dsp:spTree>
 </dsp:drawing>
@@ -18091,283 +16092,6 @@
 </dgm:layoutDef>
 </file>
 
-<file path=ppt/diagrams/layout7.xml><?xml version="1.0" encoding="utf-8"?>
-<dgm:layoutDef xmlns:dgm="http://schemas.openxmlformats.org/drawingml/2006/diagram" xmlns:a="http://schemas.openxmlformats.org/drawingml/2006/main" uniqueId="urn:microsoft.com/office/officeart/2016/7/layout/BasicLinearProcessNumbered">
-  <dgm:title val="Basic Linear Process Numbered"/>
-  <dgm:desc val="Used to show a progression; a timeline; sequential steps in a task, process, or workflow; or to emphasize movement or direction. Automatic numbers have been introduced to show the steps of the process which appears in a circle. Level 1 and Level 2 text appear in a rectangle."/>
-  <dgm:catLst>
-    <dgm:cat type="process" pri="500"/>
-  </dgm:catLst>
-  <dgm:sampData>
-    <dgm:dataModel>
-      <dgm:ptLst>
-        <dgm:pt modelId="0" type="doc"/>
-        <dgm:pt modelId="1">
-          <dgm:prSet phldr="1"/>
-        </dgm:pt>
-        <dgm:pt modelId="11">
-          <dgm:prSet phldr="1"/>
-        </dgm:pt>
-        <dgm:pt modelId="2">
-          <dgm:prSet phldr="1"/>
-        </dgm:pt>
-        <dgm:pt modelId="21">
-          <dgm:prSet phldr="1"/>
-        </dgm:pt>
-        <dgm:pt modelId="3">
-          <dgm:prSet phldr="1"/>
-        </dgm:pt>
-        <dgm:pt modelId="31">
-          <dgm:prSet phldr="1"/>
-        </dgm:pt>
-        <dgm:pt modelId="101" type="sibTrans" cxnId="4">
-          <dgm:prSet phldrT="1"/>
-          <dgm:t>
-            <a:bodyPr/>
-            <a:lstStyle/>
-            <a:p>
-              <a:r>
-                <a:t>1</a:t>
-              </a:r>
-            </a:p>
-          </dgm:t>
-        </dgm:pt>
-        <dgm:pt modelId="201" type="sibTrans" cxnId="5">
-          <dgm:prSet phldrT="2"/>
-          <dgm:t>
-            <a:bodyPr/>
-            <a:lstStyle/>
-            <a:p>
-              <a:r>
-                <a:t>2</a:t>
-              </a:r>
-            </a:p>
-          </dgm:t>
-        </dgm:pt>
-        <dgm:pt modelId="301" type="sibTrans" cxnId="6">
-          <dgm:prSet phldrT="3"/>
-          <dgm:t>
-            <a:bodyPr/>
-            <a:lstStyle/>
-            <a:p>
-              <a:r>
-                <a:t>3</a:t>
-              </a:r>
-            </a:p>
-          </dgm:t>
-        </dgm:pt>
-      </dgm:ptLst>
-      <dgm:cxnLst>
-        <dgm:cxn modelId="4" srcId="0" destId="1" srcOrd="0" destOrd="0" sibTransId="101"/>
-        <dgm:cxn modelId="5" srcId="0" destId="2" srcOrd="1" destOrd="0" sibTransId="201"/>
-        <dgm:cxn modelId="6" srcId="0" destId="3" srcOrd="2" destOrd="0" sibTransId="301"/>
-        <dgm:cxn modelId="13" srcId="1" destId="11" srcOrd="0" destOrd="0"/>
-        <dgm:cxn modelId="23" srcId="2" destId="21" srcOrd="0" destOrd="0"/>
-        <dgm:cxn modelId="33" srcId="3" destId="31" srcOrd="0" destOrd="0"/>
-      </dgm:cxnLst>
-      <dgm:bg/>
-      <dgm:whole/>
-    </dgm:dataModel>
-  </dgm:sampData>
-  <dgm:styleData>
-    <dgm:dataModel>
-      <dgm:ptLst>
-        <dgm:pt modelId="0" type="doc"/>
-        <dgm:pt modelId="1"/>
-        <dgm:pt modelId="11"/>
-        <dgm:pt modelId="2"/>
-        <dgm:pt modelId="21"/>
-      </dgm:ptLst>
-      <dgm:cxnLst>
-        <dgm:cxn modelId="4" srcId="0" destId="1" srcOrd="0" destOrd="0"/>
-        <dgm:cxn modelId="5" srcId="0" destId="2" srcOrd="1" destOrd="0"/>
-        <dgm:cxn modelId="13" srcId="1" destId="11" srcOrd="0" destOrd="0"/>
-        <dgm:cxn modelId="23" srcId="2" destId="21" srcOrd="0" destOrd="0"/>
-      </dgm:cxnLst>
-      <dgm:bg/>
-      <dgm:whole/>
-    </dgm:dataModel>
-  </dgm:styleData>
-  <dgm:clrData>
-    <dgm:dataModel>
-      <dgm:ptLst>
-        <dgm:pt modelId="0" type="doc"/>
-        <dgm:pt modelId="1"/>
-        <dgm:pt modelId="11"/>
-        <dgm:pt modelId="2"/>
-        <dgm:pt modelId="21"/>
-        <dgm:pt modelId="3"/>
-        <dgm:pt modelId="31"/>
-        <dgm:pt modelId="4"/>
-        <dgm:pt modelId="41"/>
-      </dgm:ptLst>
-      <dgm:cxnLst>
-        <dgm:cxn modelId="5" srcId="0" destId="1" srcOrd="0" destOrd="0"/>
-        <dgm:cxn modelId="6" srcId="0" destId="2" srcOrd="1" destOrd="0"/>
-        <dgm:cxn modelId="7" srcId="0" destId="3" srcOrd="2" destOrd="0"/>
-        <dgm:cxn modelId="8" srcId="0" destId="4" srcOrd="3" destOrd="0"/>
-        <dgm:cxn modelId="13" srcId="1" destId="11" srcOrd="0" destOrd="0"/>
-        <dgm:cxn modelId="23" srcId="2" destId="21" srcOrd="0" destOrd="0"/>
-        <dgm:cxn modelId="33" srcId="3" destId="31" srcOrd="0" destOrd="0"/>
-        <dgm:cxn modelId="43" srcId="4" destId="41" srcOrd="0" destOrd="0"/>
-      </dgm:cxnLst>
-      <dgm:bg/>
-      <dgm:whole/>
-    </dgm:dataModel>
-  </dgm:clrData>
-  <dgm:layoutNode name="Name0">
-    <dgm:varLst>
-      <dgm:animLvl val="lvl"/>
-      <dgm:resizeHandles val="exact"/>
-    </dgm:varLst>
-    <dgm:alg type="lin">
-      <dgm:param type="linDir" val="fromL"/>
-      <dgm:param type="nodeVertAlign" val="t"/>
-    </dgm:alg>
-    <dgm:shape xmlns:r="http://schemas.openxmlformats.org/officeDocument/2006/relationships" r:blip="">
-      <dgm:adjLst/>
-    </dgm:shape>
-    <dgm:presOf/>
-    <dgm:constrLst>
-      <dgm:constr type="h" for="ch" forName="compositeNode" refType="h"/>
-      <dgm:constr type="w" for="ch" forName="compositeNode" refType="w"/>
-      <dgm:constr type="w" for="des" forName="simulatedConn" refType="w" refFor="ch" refForName="compositeNode" fact="0.15"/>
-      <dgm:constr type="h" for="des" forName="simulatedConn" refType="w" refFor="des" refForName="simulatedConn"/>
-      <dgm:constr type="h" for="des" forName="vSp1" refType="w" refFor="ch" refForName="compositeNode" fact="0.8"/>
-      <dgm:constr type="h" for="des" forName="vSp2" refType="w" refFor="ch" refForName="compositeNode" fact="0.07"/>
-      <dgm:constr type="w" for="ch" forName="vProcSp" refType="w" refFor="des" refForName="simulatedConn" op="equ"/>
-      <dgm:constr type="h" for="ch" forName="vProcSp" refType="h" refFor="ch" refForName="compositeNode" op="equ"/>
-      <dgm:constr type="w" for="ch" forName="sibTrans" refType="w" refFor="ch" refForName="compositeNode" fact="0.1"/>
-      <dgm:constr type="primFontSz" for="des" forName="sibTransNodeCircle" op="equ"/>
-      <dgm:constr type="primFontSz" for="des" forName="nodeText" op="equ"/>
-      <dgm:constr type="h" for="des" forName="sibTransNodeCircle" op="equ"/>
-      <dgm:constr type="w" for="des" forName="sibTransNodeCircle" op="equ"/>
-    </dgm:constrLst>
-    <dgm:ruleLst>
-      <dgm:rule type="h" val="NaN" fact="1.2" max="NaN"/>
-    </dgm:ruleLst>
-    <dgm:forEach name="Name4" axis="ch" ptType="node">
-      <dgm:layoutNode name="compositeNode">
-        <dgm:varLst>
-          <dgm:bulletEnabled val="1"/>
-        </dgm:varLst>
-        <dgm:alg type="composite"/>
-        <dgm:constrLst>
-          <dgm:constr type="h" refType="w" op="lte" fact="1.4"/>
-          <dgm:constr type="w" for="ch" forName="bgRect" refType="w"/>
-          <dgm:constr type="h" for="ch" forName="bgRect" refType="h"/>
-          <dgm:constr type="t" for="ch" forName="bgRect"/>
-          <dgm:constr type="l" for="ch" forName="bgRect"/>
-          <dgm:constr type="h" for="ch" forName="sibTransNodeCircle" refType="h" refFor="ch" refForName="bgRect" fact="0.3"/>
-          <dgm:constr type="w" for="ch" forName="sibTransNodeCircle" refType="h" refFor="ch" refForName="sibTransNodeCircle"/>
-          <dgm:constr type="ctrX" for="ch" forName="sibTransNodeCircle" refType="w" fact="0.5"/>
-          <dgm:constr type="ctrY" for="ch" forName="sibTransNodeCircle" refType="h" fact="0.25"/>
-          <dgm:constr type="r" for="ch" forName="nodeText" refType="r" refFor="ch" refForName="bgRect"/>
-          <dgm:constr type="h" for="ch" forName="nodeText" refType="h" refFor="ch" refForName="bgRect" fact="0.6"/>
-          <dgm:constr type="t" for="ch" forName="nodeText" refType="h" refFor="ch" refForName="bgRect" fact="0.38"/>
-          <dgm:constr type="b" for="ch" forName="bottomLine" refType="b" refFor="ch" refForName="bgRect"/>
-          <dgm:constr type="w" for="ch" forName="bottomLine" refType="w" refFor="ch" refForName="bgRect"/>
-          <dgm:constr type="h" for="ch" forName="bottomLine" val="0.002"/>
-        </dgm:constrLst>
-        <dgm:ruleLst/>
-        <dgm:layoutNode name="bgRect" styleLbl="bgAccFollowNode1">
-          <dgm:alg type="sp"/>
-          <dgm:shape xmlns:r="http://schemas.openxmlformats.org/officeDocument/2006/relationships" type="rect" r:blip="">
-            <dgm:adjLst/>
-          </dgm:shape>
-          <dgm:presOf axis="self"/>
-          <dgm:constrLst/>
-          <dgm:ruleLst/>
-        </dgm:layoutNode>
-        <dgm:forEach name="Name19" axis="followSib" ptType="sibTrans" hideLastTrans="0" cnt="1">
-          <dgm:layoutNode name="sibTransNodeCircle" styleLbl="alignNode1">
-            <dgm:varLst>
-              <dgm:chMax val="0"/>
-              <dgm:bulletEnabled/>
-            </dgm:varLst>
-            <dgm:presOf axis="self" ptType="sibTrans"/>
-            <dgm:alg type="tx">
-              <dgm:param type="txAnchorVert" val="mid"/>
-              <dgm:param type="txAnchorHorzCh" val="ctr"/>
-            </dgm:alg>
-            <dgm:shape xmlns:r="http://schemas.openxmlformats.org/officeDocument/2006/relationships" type="ellipse" r:blip="">
-              <dgm:adjLst/>
-            </dgm:shape>
-            <dgm:constrLst>
-              <dgm:constr type="w" refType="h" op="lte"/>
-              <dgm:constr type="primFontSz" val="48"/>
-              <dgm:constr type="tMarg" val="1"/>
-              <dgm:constr type="lMarg" refType="w" fact="0.221"/>
-              <dgm:constr type="rMarg" refType="w" fact="0.221"/>
-              <dgm:constr type="bMarg" val="1"/>
-            </dgm:constrLst>
-            <dgm:ruleLst>
-              <dgm:rule type="primFontSz" val="14" fact="NaN" max="NaN"/>
-            </dgm:ruleLst>
-          </dgm:layoutNode>
-        </dgm:forEach>
-        <dgm:layoutNode name="bottomLine" styleLbl="alignNode1">
-          <dgm:varLst/>
-          <dgm:presOf/>
-          <dgm:alg type="sp"/>
-          <dgm:shape xmlns:r="http://schemas.openxmlformats.org/officeDocument/2006/relationships" type="rect" r:blip="">
-            <dgm:adjLst/>
-          </dgm:shape>
-          <dgm:constrLst/>
-          <dgm:ruleLst/>
-        </dgm:layoutNode>
-        <dgm:layoutNode name="nodeText" styleLbl="bgAccFollowNode1" moveWith="bgRect">
-          <dgm:varLst>
-            <dgm:bulletEnabled val="1"/>
-          </dgm:varLst>
-          <dgm:alg type="tx">
-            <dgm:param type="parTxLTRAlign" val="l"/>
-            <dgm:param type="parTxRTLAlign" val="r"/>
-            <dgm:param type="txAnchorVert" val="t"/>
-          </dgm:alg>
-          <dgm:shape xmlns:r="http://schemas.openxmlformats.org/officeDocument/2006/relationships" type="rect" r:blip="" zOrderOff="-1" hideGeom="1">
-            <dgm:adjLst/>
-          </dgm:shape>
-          <dgm:presOf axis="desOrSelf" ptType="node"/>
-          <dgm:constrLst>
-            <dgm:constr type="primFontSz" val="26"/>
-            <dgm:constr type="tMarg" val="26"/>
-            <dgm:constr type="lMarg" refType="w" fact="0.221"/>
-            <dgm:constr type="rMarg" refType="w" fact="0.221"/>
-            <dgm:constr type="bMarg" val="26"/>
-          </dgm:constrLst>
-          <dgm:ruleLst>
-            <dgm:rule type="primFontSz" val="11" fact="NaN" max="NaN"/>
-          </dgm:ruleLst>
-        </dgm:layoutNode>
-      </dgm:layoutNode>
-      <dgm:forEach name="Name14" axis="followSib" ptType="sibTrans" cnt="1">
-        <dgm:layoutNode name="sibTrans">
-          <dgm:alg type="sp"/>
-          <dgm:shape xmlns:r="http://schemas.openxmlformats.org/officeDocument/2006/relationships" r:blip="">
-            <dgm:adjLst/>
-          </dgm:shape>
-          <dgm:presOf/>
-          <dgm:constrLst/>
-          <dgm:ruleLst/>
-        </dgm:layoutNode>
-      </dgm:forEach>
-    </dgm:forEach>
-  </dgm:layoutNode>
-  <dgm:extLst>
-    <a:ext uri="{4F341089-5ED1-44EC-B178-C955D00A3D55}">
-      <dgm1611:autoBuNodeInfoLst xmlns:dgm1611="http://schemas.microsoft.com/office/drawing/2016/11/diagram">
-        <dgm1611:autoBuNodeInfo lvl="1" ptType="sibTrans">
-          <dgm1611:buPr prefix="" leadZeros="0">
-            <a:buAutoNum type="arabicParenBoth"/>
-          </dgm1611:buPr>
-        </dgm1611:autoBuNodeInfo>
-      </dgm1611:autoBuNodeInfoLst>
-    </a:ext>
-  </dgm:extLst>
-</dgm:layoutDef>
-</file>
-
 <file path=ppt/diagrams/quickStyle1.xml><?xml version="1.0" encoding="utf-8"?>
 <dgm:styleDef xmlns:dgm="http://schemas.openxmlformats.org/drawingml/2006/diagram" xmlns:a="http://schemas.openxmlformats.org/drawingml/2006/main" uniqueId="urn:microsoft.com/office/officeart/2005/8/quickstyle/simple1">
   <dgm:title val=""/>
@@ -23539,1040 +21263,6 @@
 </file>
 
 <file path=ppt/diagrams/quickStyle6.xml><?xml version="1.0" encoding="utf-8"?>
-<dgm:styleDef xmlns:dgm="http://schemas.openxmlformats.org/drawingml/2006/diagram" xmlns:a="http://schemas.openxmlformats.org/drawingml/2006/main" uniqueId="urn:microsoft.com/office/officeart/2005/8/quickstyle/simple1">
-  <dgm:title val=""/>
-  <dgm:desc val=""/>
-  <dgm:catLst>
-    <dgm:cat type="simple" pri="10100"/>
-  </dgm:catLst>
-  <dgm:scene3d>
-    <a:camera prst="orthographicFront"/>
-    <a:lightRig rig="threePt" dir="t"/>
-  </dgm:scene3d>
-  <dgm:styleLbl name="node0">
-    <dgm:scene3d>
-      <a:camera prst="orthographicFront"/>
-      <a:lightRig rig="threePt" dir="t"/>
-    </dgm:scene3d>
-    <dgm:sp3d/>
-    <dgm:txPr/>
-    <dgm:style>
-      <a:lnRef idx="2">
-        <a:scrgbClr r="0" g="0" b="0"/>
-      </a:lnRef>
-      <a:fillRef idx="1">
-        <a:scrgbClr r="0" g="0" b="0"/>
-      </a:fillRef>
-      <a:effectRef idx="0">
-        <a:scrgbClr r="0" g="0" b="0"/>
-      </a:effectRef>
-      <a:fontRef idx="minor">
-        <a:schemeClr val="lt1"/>
-      </a:fontRef>
-    </dgm:style>
-  </dgm:styleLbl>
-  <dgm:styleLbl name="lnNode1">
-    <dgm:scene3d>
-      <a:camera prst="orthographicFront"/>
-      <a:lightRig rig="threePt" dir="t"/>
-    </dgm:scene3d>
-    <dgm:sp3d/>
-    <dgm:txPr/>
-    <dgm:style>
-      <a:lnRef idx="2">
-        <a:scrgbClr r="0" g="0" b="0"/>
-      </a:lnRef>
-      <a:fillRef idx="1">
-        <a:scrgbClr r="0" g="0" b="0"/>
-      </a:fillRef>
-      <a:effectRef idx="0">
-        <a:scrgbClr r="0" g="0" b="0"/>
-      </a:effectRef>
-      <a:fontRef idx="minor">
-        <a:schemeClr val="lt1"/>
-      </a:fontRef>
-    </dgm:style>
-  </dgm:styleLbl>
-  <dgm:styleLbl name="vennNode1">
-    <dgm:scene3d>
-      <a:camera prst="orthographicFront"/>
-      <a:lightRig rig="threePt" dir="t"/>
-    </dgm:scene3d>
-    <dgm:sp3d/>
-    <dgm:txPr/>
-    <dgm:style>
-      <a:lnRef idx="2">
-        <a:scrgbClr r="0" g="0" b="0"/>
-      </a:lnRef>
-      <a:fillRef idx="1">
-        <a:scrgbClr r="0" g="0" b="0"/>
-      </a:fillRef>
-      <a:effectRef idx="0">
-        <a:scrgbClr r="0" g="0" b="0"/>
-      </a:effectRef>
-      <a:fontRef idx="minor">
-        <a:schemeClr val="tx1"/>
-      </a:fontRef>
-    </dgm:style>
-  </dgm:styleLbl>
-  <dgm:styleLbl name="alignNode1">
-    <dgm:scene3d>
-      <a:camera prst="orthographicFront"/>
-      <a:lightRig rig="threePt" dir="t"/>
-    </dgm:scene3d>
-    <dgm:sp3d/>
-    <dgm:txPr/>
-    <dgm:style>
-      <a:lnRef idx="2">
-        <a:scrgbClr r="0" g="0" b="0"/>
-      </a:lnRef>
-      <a:fillRef idx="1">
-        <a:scrgbClr r="0" g="0" b="0"/>
-      </a:fillRef>
-      <a:effectRef idx="0">
-        <a:scrgbClr r="0" g="0" b="0"/>
-      </a:effectRef>
-      <a:fontRef idx="minor">
-        <a:schemeClr val="lt1"/>
-      </a:fontRef>
-    </dgm:style>
-  </dgm:styleLbl>
-  <dgm:styleLbl name="node1">
-    <dgm:scene3d>
-      <a:camera prst="orthographicFront"/>
-      <a:lightRig rig="threePt" dir="t"/>
-    </dgm:scene3d>
-    <dgm:sp3d/>
-    <dgm:txPr/>
-    <dgm:style>
-      <a:lnRef idx="2">
-        <a:scrgbClr r="0" g="0" b="0"/>
-      </a:lnRef>
-      <a:fillRef idx="1">
-        <a:scrgbClr r="0" g="0" b="0"/>
-      </a:fillRef>
-      <a:effectRef idx="0">
-        <a:scrgbClr r="0" g="0" b="0"/>
-      </a:effectRef>
-      <a:fontRef idx="minor">
-        <a:schemeClr val="lt1"/>
-      </a:fontRef>
-    </dgm:style>
-  </dgm:styleLbl>
-  <dgm:styleLbl name="node2">
-    <dgm:scene3d>
-      <a:camera prst="orthographicFront"/>
-      <a:lightRig rig="threePt" dir="t"/>
-    </dgm:scene3d>
-    <dgm:sp3d/>
-    <dgm:txPr/>
-    <dgm:style>
-      <a:lnRef idx="2">
-        <a:scrgbClr r="0" g="0" b="0"/>
-      </a:lnRef>
-      <a:fillRef idx="1">
-        <a:scrgbClr r="0" g="0" b="0"/>
-      </a:fillRef>
-      <a:effectRef idx="0">
-        <a:scrgbClr r="0" g="0" b="0"/>
-      </a:effectRef>
-      <a:fontRef idx="minor">
-        <a:schemeClr val="lt1"/>
-      </a:fontRef>
-    </dgm:style>
-  </dgm:styleLbl>
-  <dgm:styleLbl name="node3">
-    <dgm:scene3d>
-      <a:camera prst="orthographicFront"/>
-      <a:lightRig rig="threePt" dir="t"/>
-    </dgm:scene3d>
-    <dgm:sp3d/>
-    <dgm:txPr/>
-    <dgm:style>
-      <a:lnRef idx="2">
-        <a:scrgbClr r="0" g="0" b="0"/>
-      </a:lnRef>
-      <a:fillRef idx="1">
-        <a:scrgbClr r="0" g="0" b="0"/>
-      </a:fillRef>
-      <a:effectRef idx="0">
-        <a:scrgbClr r="0" g="0" b="0"/>
-      </a:effectRef>
-      <a:fontRef idx="minor">
-        <a:schemeClr val="lt1"/>
-      </a:fontRef>
-    </dgm:style>
-  </dgm:styleLbl>
-  <dgm:styleLbl name="node4">
-    <dgm:scene3d>
-      <a:camera prst="orthographicFront"/>
-      <a:lightRig rig="threePt" dir="t"/>
-    </dgm:scene3d>
-    <dgm:sp3d/>
-    <dgm:txPr/>
-    <dgm:style>
-      <a:lnRef idx="2">
-        <a:scrgbClr r="0" g="0" b="0"/>
-      </a:lnRef>
-      <a:fillRef idx="1">
-        <a:scrgbClr r="0" g="0" b="0"/>
-      </a:fillRef>
-      <a:effectRef idx="0">
-        <a:scrgbClr r="0" g="0" b="0"/>
-      </a:effectRef>
-      <a:fontRef idx="minor">
-        <a:schemeClr val="lt1"/>
-      </a:fontRef>
-    </dgm:style>
-  </dgm:styleLbl>
-  <dgm:styleLbl name="fgImgPlace1">
-    <dgm:scene3d>
-      <a:camera prst="orthographicFront"/>
-      <a:lightRig rig="threePt" dir="t"/>
-    </dgm:scene3d>
-    <dgm:sp3d/>
-    <dgm:txPr/>
-    <dgm:style>
-      <a:lnRef idx="2">
-        <a:scrgbClr r="0" g="0" b="0"/>
-      </a:lnRef>
-      <a:fillRef idx="1">
-        <a:scrgbClr r="0" g="0" b="0"/>
-      </a:fillRef>
-      <a:effectRef idx="0">
-        <a:scrgbClr r="0" g="0" b="0"/>
-      </a:effectRef>
-      <a:fontRef idx="minor"/>
-    </dgm:style>
-  </dgm:styleLbl>
-  <dgm:styleLbl name="alignImgPlace1">
-    <dgm:scene3d>
-      <a:camera prst="orthographicFront"/>
-      <a:lightRig rig="threePt" dir="t"/>
-    </dgm:scene3d>
-    <dgm:sp3d/>
-    <dgm:txPr/>
-    <dgm:style>
-      <a:lnRef idx="2">
-        <a:scrgbClr r="0" g="0" b="0"/>
-      </a:lnRef>
-      <a:fillRef idx="1">
-        <a:scrgbClr r="0" g="0" b="0"/>
-      </a:fillRef>
-      <a:effectRef idx="0">
-        <a:scrgbClr r="0" g="0" b="0"/>
-      </a:effectRef>
-      <a:fontRef idx="minor"/>
-    </dgm:style>
-  </dgm:styleLbl>
-  <dgm:styleLbl name="bgImgPlace1">
-    <dgm:scene3d>
-      <a:camera prst="orthographicFront"/>
-      <a:lightRig rig="threePt" dir="t"/>
-    </dgm:scene3d>
-    <dgm:sp3d/>
-    <dgm:txPr/>
-    <dgm:style>
-      <a:lnRef idx="2">
-        <a:scrgbClr r="0" g="0" b="0"/>
-      </a:lnRef>
-      <a:fillRef idx="1">
-        <a:scrgbClr r="0" g="0" b="0"/>
-      </a:fillRef>
-      <a:effectRef idx="0">
-        <a:scrgbClr r="0" g="0" b="0"/>
-      </a:effectRef>
-      <a:fontRef idx="minor"/>
-    </dgm:style>
-  </dgm:styleLbl>
-  <dgm:styleLbl name="sibTrans2D1">
-    <dgm:scene3d>
-      <a:camera prst="orthographicFront"/>
-      <a:lightRig rig="threePt" dir="t"/>
-    </dgm:scene3d>
-    <dgm:sp3d/>
-    <dgm:txPr/>
-    <dgm:style>
-      <a:lnRef idx="0">
-        <a:scrgbClr r="0" g="0" b="0"/>
-      </a:lnRef>
-      <a:fillRef idx="1">
-        <a:scrgbClr r="0" g="0" b="0"/>
-      </a:fillRef>
-      <a:effectRef idx="0">
-        <a:scrgbClr r="0" g="0" b="0"/>
-      </a:effectRef>
-      <a:fontRef idx="minor">
-        <a:schemeClr val="lt1"/>
-      </a:fontRef>
-    </dgm:style>
-  </dgm:styleLbl>
-  <dgm:styleLbl name="fgSibTrans2D1">
-    <dgm:scene3d>
-      <a:camera prst="orthographicFront"/>
-      <a:lightRig rig="threePt" dir="t"/>
-    </dgm:scene3d>
-    <dgm:sp3d/>
-    <dgm:txPr/>
-    <dgm:style>
-      <a:lnRef idx="0">
-        <a:scrgbClr r="0" g="0" b="0"/>
-      </a:lnRef>
-      <a:fillRef idx="1">
-        <a:scrgbClr r="0" g="0" b="0"/>
-      </a:fillRef>
-      <a:effectRef idx="0">
-        <a:scrgbClr r="0" g="0" b="0"/>
-      </a:effectRef>
-      <a:fontRef idx="minor">
-        <a:schemeClr val="lt1"/>
-      </a:fontRef>
-    </dgm:style>
-  </dgm:styleLbl>
-  <dgm:styleLbl name="bgSibTrans2D1">
-    <dgm:scene3d>
-      <a:camera prst="orthographicFront"/>
-      <a:lightRig rig="threePt" dir="t"/>
-    </dgm:scene3d>
-    <dgm:sp3d/>
-    <dgm:txPr/>
-    <dgm:style>
-      <a:lnRef idx="0">
-        <a:scrgbClr r="0" g="0" b="0"/>
-      </a:lnRef>
-      <a:fillRef idx="1">
-        <a:scrgbClr r="0" g="0" b="0"/>
-      </a:fillRef>
-      <a:effectRef idx="0">
-        <a:scrgbClr r="0" g="0" b="0"/>
-      </a:effectRef>
-      <a:fontRef idx="minor">
-        <a:schemeClr val="lt1"/>
-      </a:fontRef>
-    </dgm:style>
-  </dgm:styleLbl>
-  <dgm:styleLbl name="sibTrans1D1">
-    <dgm:scene3d>
-      <a:camera prst="orthographicFront"/>
-      <a:lightRig rig="threePt" dir="t"/>
-    </dgm:scene3d>
-    <dgm:sp3d/>
-    <dgm:txPr/>
-    <dgm:style>
-      <a:lnRef idx="1">
-        <a:scrgbClr r="0" g="0" b="0"/>
-      </a:lnRef>
-      <a:fillRef idx="0">
-        <a:scrgbClr r="0" g="0" b="0"/>
-      </a:fillRef>
-      <a:effectRef idx="0">
-        <a:scrgbClr r="0" g="0" b="0"/>
-      </a:effectRef>
-      <a:fontRef idx="minor"/>
-    </dgm:style>
-  </dgm:styleLbl>
-  <dgm:styleLbl name="callout">
-    <dgm:scene3d>
-      <a:camera prst="orthographicFront"/>
-      <a:lightRig rig="threePt" dir="t"/>
-    </dgm:scene3d>
-    <dgm:sp3d/>
-    <dgm:txPr/>
-    <dgm:style>
-      <a:lnRef idx="2">
-        <a:scrgbClr r="0" g="0" b="0"/>
-      </a:lnRef>
-      <a:fillRef idx="1">
-        <a:scrgbClr r="0" g="0" b="0"/>
-      </a:fillRef>
-      <a:effectRef idx="0">
-        <a:scrgbClr r="0" g="0" b="0"/>
-      </a:effectRef>
-      <a:fontRef idx="minor"/>
-    </dgm:style>
-  </dgm:styleLbl>
-  <dgm:styleLbl name="asst0">
-    <dgm:scene3d>
-      <a:camera prst="orthographicFront"/>
-      <a:lightRig rig="threePt" dir="t"/>
-    </dgm:scene3d>
-    <dgm:sp3d/>
-    <dgm:txPr/>
-    <dgm:style>
-      <a:lnRef idx="2">
-        <a:scrgbClr r="0" g="0" b="0"/>
-      </a:lnRef>
-      <a:fillRef idx="1">
-        <a:scrgbClr r="0" g="0" b="0"/>
-      </a:fillRef>
-      <a:effectRef idx="0">
-        <a:scrgbClr r="0" g="0" b="0"/>
-      </a:effectRef>
-      <a:fontRef idx="minor">
-        <a:schemeClr val="lt1"/>
-      </a:fontRef>
-    </dgm:style>
-  </dgm:styleLbl>
-  <dgm:styleLbl name="asst1">
-    <dgm:scene3d>
-      <a:camera prst="orthographicFront"/>
-      <a:lightRig rig="threePt" dir="t"/>
-    </dgm:scene3d>
-    <dgm:sp3d/>
-    <dgm:txPr/>
-    <dgm:style>
-      <a:lnRef idx="2">
-        <a:scrgbClr r="0" g="0" b="0"/>
-      </a:lnRef>
-      <a:fillRef idx="1">
-        <a:scrgbClr r="0" g="0" b="0"/>
-      </a:fillRef>
-      <a:effectRef idx="0">
-        <a:scrgbClr r="0" g="0" b="0"/>
-      </a:effectRef>
-      <a:fontRef idx="minor">
-        <a:schemeClr val="lt1"/>
-      </a:fontRef>
-    </dgm:style>
-  </dgm:styleLbl>
-  <dgm:styleLbl name="asst2">
-    <dgm:scene3d>
-      <a:camera prst="orthographicFront"/>
-      <a:lightRig rig="threePt" dir="t"/>
-    </dgm:scene3d>
-    <dgm:sp3d/>
-    <dgm:txPr/>
-    <dgm:style>
-      <a:lnRef idx="2">
-        <a:scrgbClr r="0" g="0" b="0"/>
-      </a:lnRef>
-      <a:fillRef idx="1">
-        <a:scrgbClr r="0" g="0" b="0"/>
-      </a:fillRef>
-      <a:effectRef idx="0">
-        <a:scrgbClr r="0" g="0" b="0"/>
-      </a:effectRef>
-      <a:fontRef idx="minor">
-        <a:schemeClr val="lt1"/>
-      </a:fontRef>
-    </dgm:style>
-  </dgm:styleLbl>
-  <dgm:styleLbl name="asst3">
-    <dgm:scene3d>
-      <a:camera prst="orthographicFront"/>
-      <a:lightRig rig="threePt" dir="t"/>
-    </dgm:scene3d>
-    <dgm:sp3d/>
-    <dgm:txPr/>
-    <dgm:style>
-      <a:lnRef idx="2">
-        <a:scrgbClr r="0" g="0" b="0"/>
-      </a:lnRef>
-      <a:fillRef idx="1">
-        <a:scrgbClr r="0" g="0" b="0"/>
-      </a:fillRef>
-      <a:effectRef idx="0">
-        <a:scrgbClr r="0" g="0" b="0"/>
-      </a:effectRef>
-      <a:fontRef idx="minor">
-        <a:schemeClr val="lt1"/>
-      </a:fontRef>
-    </dgm:style>
-  </dgm:styleLbl>
-  <dgm:styleLbl name="asst4">
-    <dgm:scene3d>
-      <a:camera prst="orthographicFront"/>
-      <a:lightRig rig="threePt" dir="t"/>
-    </dgm:scene3d>
-    <dgm:sp3d/>
-    <dgm:txPr/>
-    <dgm:style>
-      <a:lnRef idx="2">
-        <a:scrgbClr r="0" g="0" b="0"/>
-      </a:lnRef>
-      <a:fillRef idx="1">
-        <a:scrgbClr r="0" g="0" b="0"/>
-      </a:fillRef>
-      <a:effectRef idx="0">
-        <a:scrgbClr r="0" g="0" b="0"/>
-      </a:effectRef>
-      <a:fontRef idx="minor">
-        <a:schemeClr val="lt1"/>
-      </a:fontRef>
-    </dgm:style>
-  </dgm:styleLbl>
-  <dgm:styleLbl name="parChTrans2D1">
-    <dgm:scene3d>
-      <a:camera prst="orthographicFront"/>
-      <a:lightRig rig="threePt" dir="t"/>
-    </dgm:scene3d>
-    <dgm:sp3d/>
-    <dgm:txPr/>
-    <dgm:style>
-      <a:lnRef idx="2">
-        <a:scrgbClr r="0" g="0" b="0"/>
-      </a:lnRef>
-      <a:fillRef idx="1">
-        <a:scrgbClr r="0" g="0" b="0"/>
-      </a:fillRef>
-      <a:effectRef idx="0">
-        <a:scrgbClr r="0" g="0" b="0"/>
-      </a:effectRef>
-      <a:fontRef idx="minor">
-        <a:schemeClr val="lt1"/>
-      </a:fontRef>
-    </dgm:style>
-  </dgm:styleLbl>
-  <dgm:styleLbl name="parChTrans2D2">
-    <dgm:scene3d>
-      <a:camera prst="orthographicFront"/>
-      <a:lightRig rig="threePt" dir="t"/>
-    </dgm:scene3d>
-    <dgm:sp3d/>
-    <dgm:txPr/>
-    <dgm:style>
-      <a:lnRef idx="2">
-        <a:scrgbClr r="0" g="0" b="0"/>
-      </a:lnRef>
-      <a:fillRef idx="1">
-        <a:scrgbClr r="0" g="0" b="0"/>
-      </a:fillRef>
-      <a:effectRef idx="0">
-        <a:scrgbClr r="0" g="0" b="0"/>
-      </a:effectRef>
-      <a:fontRef idx="minor">
-        <a:schemeClr val="lt1"/>
-      </a:fontRef>
-    </dgm:style>
-  </dgm:styleLbl>
-  <dgm:styleLbl name="parChTrans2D3">
-    <dgm:scene3d>
-      <a:camera prst="orthographicFront"/>
-      <a:lightRig rig="threePt" dir="t"/>
-    </dgm:scene3d>
-    <dgm:sp3d/>
-    <dgm:txPr/>
-    <dgm:style>
-      <a:lnRef idx="2">
-        <a:scrgbClr r="0" g="0" b="0"/>
-      </a:lnRef>
-      <a:fillRef idx="1">
-        <a:scrgbClr r="0" g="0" b="0"/>
-      </a:fillRef>
-      <a:effectRef idx="0">
-        <a:scrgbClr r="0" g="0" b="0"/>
-      </a:effectRef>
-      <a:fontRef idx="minor">
-        <a:schemeClr val="lt1"/>
-      </a:fontRef>
-    </dgm:style>
-  </dgm:styleLbl>
-  <dgm:styleLbl name="parChTrans2D4">
-    <dgm:scene3d>
-      <a:camera prst="orthographicFront"/>
-      <a:lightRig rig="threePt" dir="t"/>
-    </dgm:scene3d>
-    <dgm:sp3d/>
-    <dgm:txPr/>
-    <dgm:style>
-      <a:lnRef idx="2">
-        <a:scrgbClr r="0" g="0" b="0"/>
-      </a:lnRef>
-      <a:fillRef idx="1">
-        <a:scrgbClr r="0" g="0" b="0"/>
-      </a:fillRef>
-      <a:effectRef idx="0">
-        <a:scrgbClr r="0" g="0" b="0"/>
-      </a:effectRef>
-      <a:fontRef idx="minor">
-        <a:schemeClr val="lt1"/>
-      </a:fontRef>
-    </dgm:style>
-  </dgm:styleLbl>
-  <dgm:styleLbl name="parChTrans1D1">
-    <dgm:scene3d>
-      <a:camera prst="orthographicFront"/>
-      <a:lightRig rig="threePt" dir="t"/>
-    </dgm:scene3d>
-    <dgm:sp3d/>
-    <dgm:txPr/>
-    <dgm:style>
-      <a:lnRef idx="2">
-        <a:scrgbClr r="0" g="0" b="0"/>
-      </a:lnRef>
-      <a:fillRef idx="0">
-        <a:scrgbClr r="0" g="0" b="0"/>
-      </a:fillRef>
-      <a:effectRef idx="0">
-        <a:scrgbClr r="0" g="0" b="0"/>
-      </a:effectRef>
-      <a:fontRef idx="minor"/>
-    </dgm:style>
-  </dgm:styleLbl>
-  <dgm:styleLbl name="parChTrans1D2">
-    <dgm:scene3d>
-      <a:camera prst="orthographicFront"/>
-      <a:lightRig rig="threePt" dir="t"/>
-    </dgm:scene3d>
-    <dgm:sp3d/>
-    <dgm:txPr/>
-    <dgm:style>
-      <a:lnRef idx="2">
-        <a:scrgbClr r="0" g="0" b="0"/>
-      </a:lnRef>
-      <a:fillRef idx="0">
-        <a:scrgbClr r="0" g="0" b="0"/>
-      </a:fillRef>
-      <a:effectRef idx="0">
-        <a:scrgbClr r="0" g="0" b="0"/>
-      </a:effectRef>
-      <a:fontRef idx="minor"/>
-    </dgm:style>
-  </dgm:styleLbl>
-  <dgm:styleLbl name="parChTrans1D3">
-    <dgm:scene3d>
-      <a:camera prst="orthographicFront"/>
-      <a:lightRig rig="threePt" dir="t"/>
-    </dgm:scene3d>
-    <dgm:sp3d/>
-    <dgm:txPr/>
-    <dgm:style>
-      <a:lnRef idx="2">
-        <a:scrgbClr r="0" g="0" b="0"/>
-      </a:lnRef>
-      <a:fillRef idx="0">
-        <a:scrgbClr r="0" g="0" b="0"/>
-      </a:fillRef>
-      <a:effectRef idx="0">
-        <a:scrgbClr r="0" g="0" b="0"/>
-      </a:effectRef>
-      <a:fontRef idx="minor"/>
-    </dgm:style>
-  </dgm:styleLbl>
-  <dgm:styleLbl name="parChTrans1D4">
-    <dgm:scene3d>
-      <a:camera prst="orthographicFront"/>
-      <a:lightRig rig="threePt" dir="t"/>
-    </dgm:scene3d>
-    <dgm:sp3d/>
-    <dgm:txPr/>
-    <dgm:style>
-      <a:lnRef idx="2">
-        <a:scrgbClr r="0" g="0" b="0"/>
-      </a:lnRef>
-      <a:fillRef idx="0">
-        <a:scrgbClr r="0" g="0" b="0"/>
-      </a:fillRef>
-      <a:effectRef idx="0">
-        <a:scrgbClr r="0" g="0" b="0"/>
-      </a:effectRef>
-      <a:fontRef idx="minor"/>
-    </dgm:style>
-  </dgm:styleLbl>
-  <dgm:styleLbl name="fgAcc1">
-    <dgm:scene3d>
-      <a:camera prst="orthographicFront"/>
-      <a:lightRig rig="threePt" dir="t"/>
-    </dgm:scene3d>
-    <dgm:sp3d/>
-    <dgm:txPr/>
-    <dgm:style>
-      <a:lnRef idx="2">
-        <a:scrgbClr r="0" g="0" b="0"/>
-      </a:lnRef>
-      <a:fillRef idx="1">
-        <a:scrgbClr r="0" g="0" b="0"/>
-      </a:fillRef>
-      <a:effectRef idx="0">
-        <a:scrgbClr r="0" g="0" b="0"/>
-      </a:effectRef>
-      <a:fontRef idx="minor"/>
-    </dgm:style>
-  </dgm:styleLbl>
-  <dgm:styleLbl name="conFgAcc1">
-    <dgm:scene3d>
-      <a:camera prst="orthographicFront"/>
-      <a:lightRig rig="threePt" dir="t"/>
-    </dgm:scene3d>
-    <dgm:sp3d/>
-    <dgm:txPr/>
-    <dgm:style>
-      <a:lnRef idx="2">
-        <a:scrgbClr r="0" g="0" b="0"/>
-      </a:lnRef>
-      <a:fillRef idx="1">
-        <a:scrgbClr r="0" g="0" b="0"/>
-      </a:fillRef>
-      <a:effectRef idx="0">
-        <a:scrgbClr r="0" g="0" b="0"/>
-      </a:effectRef>
-      <a:fontRef idx="minor"/>
-    </dgm:style>
-  </dgm:styleLbl>
-  <dgm:styleLbl name="alignAcc1">
-    <dgm:scene3d>
-      <a:camera prst="orthographicFront"/>
-      <a:lightRig rig="threePt" dir="t"/>
-    </dgm:scene3d>
-    <dgm:sp3d/>
-    <dgm:txPr/>
-    <dgm:style>
-      <a:lnRef idx="2">
-        <a:scrgbClr r="0" g="0" b="0"/>
-      </a:lnRef>
-      <a:fillRef idx="1">
-        <a:scrgbClr r="0" g="0" b="0"/>
-      </a:fillRef>
-      <a:effectRef idx="0">
-        <a:scrgbClr r="0" g="0" b="0"/>
-      </a:effectRef>
-      <a:fontRef idx="minor"/>
-    </dgm:style>
-  </dgm:styleLbl>
-  <dgm:styleLbl name="trAlignAcc1">
-    <dgm:scene3d>
-      <a:camera prst="orthographicFront"/>
-      <a:lightRig rig="threePt" dir="t"/>
-    </dgm:scene3d>
-    <dgm:sp3d/>
-    <dgm:txPr/>
-    <dgm:style>
-      <a:lnRef idx="1">
-        <a:scrgbClr r="0" g="0" b="0"/>
-      </a:lnRef>
-      <a:fillRef idx="1">
-        <a:scrgbClr r="0" g="0" b="0"/>
-      </a:fillRef>
-      <a:effectRef idx="0">
-        <a:scrgbClr r="0" g="0" b="0"/>
-      </a:effectRef>
-      <a:fontRef idx="minor"/>
-    </dgm:style>
-  </dgm:styleLbl>
-  <dgm:styleLbl name="bgAcc1">
-    <dgm:scene3d>
-      <a:camera prst="orthographicFront"/>
-      <a:lightRig rig="threePt" dir="t"/>
-    </dgm:scene3d>
-    <dgm:sp3d/>
-    <dgm:txPr/>
-    <dgm:style>
-      <a:lnRef idx="2">
-        <a:scrgbClr r="0" g="0" b="0"/>
-      </a:lnRef>
-      <a:fillRef idx="1">
-        <a:scrgbClr r="0" g="0" b="0"/>
-      </a:fillRef>
-      <a:effectRef idx="0">
-        <a:scrgbClr r="0" g="0" b="0"/>
-      </a:effectRef>
-      <a:fontRef idx="minor"/>
-    </dgm:style>
-  </dgm:styleLbl>
-  <dgm:styleLbl name="solidFgAcc1">
-    <dgm:scene3d>
-      <a:camera prst="orthographicFront"/>
-      <a:lightRig rig="threePt" dir="t"/>
-    </dgm:scene3d>
-    <dgm:sp3d/>
-    <dgm:txPr/>
-    <dgm:style>
-      <a:lnRef idx="2">
-        <a:scrgbClr r="0" g="0" b="0"/>
-      </a:lnRef>
-      <a:fillRef idx="1">
-        <a:scrgbClr r="0" g="0" b="0"/>
-      </a:fillRef>
-      <a:effectRef idx="0">
-        <a:scrgbClr r="0" g="0" b="0"/>
-      </a:effectRef>
-      <a:fontRef idx="minor"/>
-    </dgm:style>
-  </dgm:styleLbl>
-  <dgm:styleLbl name="solidAlignAcc1">
-    <dgm:scene3d>
-      <a:camera prst="orthographicFront"/>
-      <a:lightRig rig="threePt" dir="t"/>
-    </dgm:scene3d>
-    <dgm:sp3d/>
-    <dgm:txPr/>
-    <dgm:style>
-      <a:lnRef idx="2">
-        <a:scrgbClr r="0" g="0" b="0"/>
-      </a:lnRef>
-      <a:fillRef idx="1">
-        <a:scrgbClr r="0" g="0" b="0"/>
-      </a:fillRef>
-      <a:effectRef idx="0">
-        <a:scrgbClr r="0" g="0" b="0"/>
-      </a:effectRef>
-      <a:fontRef idx="minor"/>
-    </dgm:style>
-  </dgm:styleLbl>
-  <dgm:styleLbl name="solidBgAcc1">
-    <dgm:scene3d>
-      <a:camera prst="orthographicFront"/>
-      <a:lightRig rig="threePt" dir="t"/>
-    </dgm:scene3d>
-    <dgm:sp3d/>
-    <dgm:txPr/>
-    <dgm:style>
-      <a:lnRef idx="2">
-        <a:scrgbClr r="0" g="0" b="0"/>
-      </a:lnRef>
-      <a:fillRef idx="1">
-        <a:scrgbClr r="0" g="0" b="0"/>
-      </a:fillRef>
-      <a:effectRef idx="0">
-        <a:scrgbClr r="0" g="0" b="0"/>
-      </a:effectRef>
-      <a:fontRef idx="minor"/>
-    </dgm:style>
-  </dgm:styleLbl>
-  <dgm:styleLbl name="fgAccFollowNode1">
-    <dgm:scene3d>
-      <a:camera prst="orthographicFront"/>
-      <a:lightRig rig="threePt" dir="t"/>
-    </dgm:scene3d>
-    <dgm:sp3d/>
-    <dgm:txPr/>
-    <dgm:style>
-      <a:lnRef idx="2">
-        <a:scrgbClr r="0" g="0" b="0"/>
-      </a:lnRef>
-      <a:fillRef idx="1">
-        <a:scrgbClr r="0" g="0" b="0"/>
-      </a:fillRef>
-      <a:effectRef idx="0">
-        <a:scrgbClr r="0" g="0" b="0"/>
-      </a:effectRef>
-      <a:fontRef idx="minor"/>
-    </dgm:style>
-  </dgm:styleLbl>
-  <dgm:styleLbl name="alignAccFollowNode1">
-    <dgm:scene3d>
-      <a:camera prst="orthographicFront"/>
-      <a:lightRig rig="threePt" dir="t"/>
-    </dgm:scene3d>
-    <dgm:sp3d/>
-    <dgm:txPr/>
-    <dgm:style>
-      <a:lnRef idx="2">
-        <a:scrgbClr r="0" g="0" b="0"/>
-      </a:lnRef>
-      <a:fillRef idx="1">
-        <a:scrgbClr r="0" g="0" b="0"/>
-      </a:fillRef>
-      <a:effectRef idx="0">
-        <a:scrgbClr r="0" g="0" b="0"/>
-      </a:effectRef>
-      <a:fontRef idx="minor"/>
-    </dgm:style>
-  </dgm:styleLbl>
-  <dgm:styleLbl name="bgAccFollowNode1">
-    <dgm:scene3d>
-      <a:camera prst="orthographicFront"/>
-      <a:lightRig rig="threePt" dir="t"/>
-    </dgm:scene3d>
-    <dgm:sp3d/>
-    <dgm:txPr/>
-    <dgm:style>
-      <a:lnRef idx="2">
-        <a:scrgbClr r="0" g="0" b="0"/>
-      </a:lnRef>
-      <a:fillRef idx="1">
-        <a:scrgbClr r="0" g="0" b="0"/>
-      </a:fillRef>
-      <a:effectRef idx="0">
-        <a:scrgbClr r="0" g="0" b="0"/>
-      </a:effectRef>
-      <a:fontRef idx="minor"/>
-    </dgm:style>
-  </dgm:styleLbl>
-  <dgm:styleLbl name="fgAcc0">
-    <dgm:scene3d>
-      <a:camera prst="orthographicFront"/>
-      <a:lightRig rig="threePt" dir="t"/>
-    </dgm:scene3d>
-    <dgm:sp3d/>
-    <dgm:txPr/>
-    <dgm:style>
-      <a:lnRef idx="2">
-        <a:scrgbClr r="0" g="0" b="0"/>
-      </a:lnRef>
-      <a:fillRef idx="1">
-        <a:scrgbClr r="0" g="0" b="0"/>
-      </a:fillRef>
-      <a:effectRef idx="0">
-        <a:scrgbClr r="0" g="0" b="0"/>
-      </a:effectRef>
-      <a:fontRef idx="minor"/>
-    </dgm:style>
-  </dgm:styleLbl>
-  <dgm:styleLbl name="fgAcc2">
-    <dgm:scene3d>
-      <a:camera prst="orthographicFront"/>
-      <a:lightRig rig="threePt" dir="t"/>
-    </dgm:scene3d>
-    <dgm:sp3d/>
-    <dgm:txPr/>
-    <dgm:style>
-      <a:lnRef idx="2">
-        <a:scrgbClr r="0" g="0" b="0"/>
-      </a:lnRef>
-      <a:fillRef idx="1">
-        <a:scrgbClr r="0" g="0" b="0"/>
-      </a:fillRef>
-      <a:effectRef idx="0">
-        <a:scrgbClr r="0" g="0" b="0"/>
-      </a:effectRef>
-      <a:fontRef idx="minor"/>
-    </dgm:style>
-  </dgm:styleLbl>
-  <dgm:styleLbl name="fgAcc3">
-    <dgm:scene3d>
-      <a:camera prst="orthographicFront"/>
-      <a:lightRig rig="threePt" dir="t"/>
-    </dgm:scene3d>
-    <dgm:sp3d/>
-    <dgm:txPr/>
-    <dgm:style>
-      <a:lnRef idx="2">
-        <a:scrgbClr r="0" g="0" b="0"/>
-      </a:lnRef>
-      <a:fillRef idx="1">
-        <a:scrgbClr r="0" g="0" b="0"/>
-      </a:fillRef>
-      <a:effectRef idx="0">
-        <a:scrgbClr r="0" g="0" b="0"/>
-      </a:effectRef>
-      <a:fontRef idx="minor"/>
-    </dgm:style>
-  </dgm:styleLbl>
-  <dgm:styleLbl name="fgAcc4">
-    <dgm:scene3d>
-      <a:camera prst="orthographicFront"/>
-      <a:lightRig rig="threePt" dir="t"/>
-    </dgm:scene3d>
-    <dgm:sp3d/>
-    <dgm:txPr/>
-    <dgm:style>
-      <a:lnRef idx="2">
-        <a:scrgbClr r="0" g="0" b="0"/>
-      </a:lnRef>
-      <a:fillRef idx="1">
-        <a:scrgbClr r="0" g="0" b="0"/>
-      </a:fillRef>
-      <a:effectRef idx="0">
-        <a:scrgbClr r="0" g="0" b="0"/>
-      </a:effectRef>
-      <a:fontRef idx="minor"/>
-    </dgm:style>
-  </dgm:styleLbl>
-  <dgm:styleLbl name="bgShp">
-    <dgm:scene3d>
-      <a:camera prst="orthographicFront"/>
-      <a:lightRig rig="threePt" dir="t"/>
-    </dgm:scene3d>
-    <dgm:sp3d/>
-    <dgm:txPr/>
-    <dgm:style>
-      <a:lnRef idx="0">
-        <a:scrgbClr r="0" g="0" b="0"/>
-      </a:lnRef>
-      <a:fillRef idx="1">
-        <a:scrgbClr r="0" g="0" b="0"/>
-      </a:fillRef>
-      <a:effectRef idx="0">
-        <a:scrgbClr r="0" g="0" b="0"/>
-      </a:effectRef>
-      <a:fontRef idx="minor"/>
-    </dgm:style>
-  </dgm:styleLbl>
-  <dgm:styleLbl name="dkBgShp">
-    <dgm:scene3d>
-      <a:camera prst="orthographicFront"/>
-      <a:lightRig rig="threePt" dir="t"/>
-    </dgm:scene3d>
-    <dgm:sp3d/>
-    <dgm:txPr/>
-    <dgm:style>
-      <a:lnRef idx="0">
-        <a:scrgbClr r="0" g="0" b="0"/>
-      </a:lnRef>
-      <a:fillRef idx="1">
-        <a:scrgbClr r="0" g="0" b="0"/>
-      </a:fillRef>
-      <a:effectRef idx="0">
-        <a:scrgbClr r="0" g="0" b="0"/>
-      </a:effectRef>
-      <a:fontRef idx="minor"/>
-    </dgm:style>
-  </dgm:styleLbl>
-  <dgm:styleLbl name="trBgShp">
-    <dgm:scene3d>
-      <a:camera prst="orthographicFront"/>
-      <a:lightRig rig="threePt" dir="t"/>
-    </dgm:scene3d>
-    <dgm:sp3d/>
-    <dgm:txPr/>
-    <dgm:style>
-      <a:lnRef idx="0">
-        <a:scrgbClr r="0" g="0" b="0"/>
-      </a:lnRef>
-      <a:fillRef idx="1">
-        <a:scrgbClr r="0" g="0" b="0"/>
-      </a:fillRef>
-      <a:effectRef idx="0">
-        <a:scrgbClr r="0" g="0" b="0"/>
-      </a:effectRef>
-      <a:fontRef idx="minor"/>
-    </dgm:style>
-  </dgm:styleLbl>
-  <dgm:styleLbl name="fgShp">
-    <dgm:scene3d>
-      <a:camera prst="orthographicFront"/>
-      <a:lightRig rig="threePt" dir="t"/>
-    </dgm:scene3d>
-    <dgm:sp3d/>
-    <dgm:txPr/>
-    <dgm:style>
-      <a:lnRef idx="2">
-        <a:scrgbClr r="0" g="0" b="0"/>
-      </a:lnRef>
-      <a:fillRef idx="1">
-        <a:scrgbClr r="0" g="0" b="0"/>
-      </a:fillRef>
-      <a:effectRef idx="0">
-        <a:scrgbClr r="0" g="0" b="0"/>
-      </a:effectRef>
-      <a:fontRef idx="minor"/>
-    </dgm:style>
-  </dgm:styleLbl>
-  <dgm:styleLbl name="revTx">
-    <dgm:scene3d>
-      <a:camera prst="orthographicFront"/>
-      <a:lightRig rig="threePt" dir="t"/>
-    </dgm:scene3d>
-    <dgm:sp3d/>
-    <dgm:txPr/>
-    <dgm:style>
-      <a:lnRef idx="0">
-        <a:scrgbClr r="0" g="0" b="0"/>
-      </a:lnRef>
-      <a:fillRef idx="0">
-        <a:scrgbClr r="0" g="0" b="0"/>
-      </a:fillRef>
-      <a:effectRef idx="0">
-        <a:scrgbClr r="0" g="0" b="0"/>
-      </a:effectRef>
-      <a:fontRef idx="minor"/>
-    </dgm:style>
-  </dgm:styleLbl>
-</dgm:styleDef>
-</file>
-
-<file path=ppt/diagrams/quickStyle7.xml><?xml version="1.0" encoding="utf-8"?>
 <dgm:styleDef xmlns:dgm="http://schemas.openxmlformats.org/drawingml/2006/diagram" xmlns:a="http://schemas.openxmlformats.org/drawingml/2006/main" uniqueId="urn:microsoft.com/office/officeart/2005/8/quickstyle/simple1">
   <dgm:title val=""/>
   <dgm:desc val=""/>
@@ -25850,7 +22540,7 @@
           <a:p>
             <a:fld id="{9184DA70-C731-4C70-880D-CCD4705E623C}" type="datetime1">
               <a:rPr lang="en-US" smtClean="0"/>
-              <a:t>1/23/21</a:t>
+              <a:t>8/27/21</a:t>
             </a:fld>
             <a:endParaRPr lang="en-US" dirty="0"/>
           </a:p>
@@ -26038,7 +22728,7 @@
           <a:p>
             <a:fld id="{B612A279-0833-481D-8C56-F67FD0AC6C50}" type="datetime1">
               <a:rPr lang="en-US" smtClean="0"/>
-              <a:t>1/23/21</a:t>
+              <a:t>8/27/21</a:t>
             </a:fld>
             <a:endParaRPr lang="en-US" dirty="0"/>
           </a:p>
@@ -26280,7 +22970,7 @@
           <a:p>
             <a:fld id="{6587DA83-5663-4C9C-B9AA-0B40A3DAFF81}" type="datetime1">
               <a:rPr lang="en-US" smtClean="0"/>
-              <a:t>1/23/21</a:t>
+              <a:t>8/27/21</a:t>
             </a:fld>
             <a:endParaRPr lang="en-US" dirty="0"/>
           </a:p>
@@ -26468,7 +23158,7 @@
           <a:p>
             <a:fld id="{4BE1D723-8F53-4F53-90B0-1982A396982E}" type="datetime1">
               <a:rPr lang="en-US" smtClean="0"/>
-              <a:t>1/23/21</a:t>
+              <a:t>8/27/21</a:t>
             </a:fld>
             <a:endParaRPr lang="en-US" dirty="0"/>
           </a:p>
@@ -26841,7 +23531,7 @@
           <a:p>
             <a:fld id="{97669AF7-7BEB-44E4-9852-375E34362B5B}" type="datetime1">
               <a:rPr lang="en-US" smtClean="0"/>
-              <a:t>1/23/21</a:t>
+              <a:t>8/27/21</a:t>
             </a:fld>
             <a:endParaRPr lang="en-US" dirty="0"/>
           </a:p>
@@ -27096,7 +23786,7 @@
           <a:p>
             <a:fld id="{BAAAC38D-0552-4C82-B593-E6124DFADBE2}" type="datetime1">
               <a:rPr lang="en-US" smtClean="0"/>
-              <a:t>1/23/21</a:t>
+              <a:t>8/27/21</a:t>
             </a:fld>
             <a:endParaRPr lang="en-US" dirty="0"/>
           </a:p>
@@ -27493,7 +24183,7 @@
           <a:p>
             <a:fld id="{D9DF0F1C-5577-4ACB-BB62-DF8F3C494C7E}" type="datetime1">
               <a:rPr lang="en-US" smtClean="0"/>
-              <a:t>1/23/21</a:t>
+              <a:t>8/27/21</a:t>
             </a:fld>
             <a:endParaRPr lang="en-US" dirty="0"/>
           </a:p>
@@ -27629,7 +24319,7 @@
           <a:p>
             <a:fld id="{1775B394-D9F9-4F0C-B15D-605F45CB9E9F}" type="datetime1">
               <a:rPr lang="en-US" smtClean="0"/>
-              <a:t>1/23/21</a:t>
+              <a:t>8/27/21</a:t>
             </a:fld>
             <a:endParaRPr lang="en-US" dirty="0"/>
           </a:p>
@@ -27786,7 +24476,7 @@
           <a:p>
             <a:fld id="{39667345-2558-425A-8533-9BFDBCE15005}" type="datetime1">
               <a:rPr lang="en-US" smtClean="0"/>
-              <a:t>1/23/21</a:t>
+              <a:t>8/27/21</a:t>
             </a:fld>
             <a:endParaRPr lang="en-US" dirty="0"/>
           </a:p>
@@ -28115,7 +24805,7 @@
           <a:p>
             <a:fld id="{92BEA474-078D-4E9B-9B14-09A87B19DC46}" type="datetime1">
               <a:rPr lang="en-US" smtClean="0"/>
-              <a:t>1/23/21</a:t>
+              <a:t>8/27/21</a:t>
             </a:fld>
             <a:endParaRPr lang="en-US" dirty="0"/>
           </a:p>
@@ -28465,7 +25155,7 @@
           <a:p>
             <a:fld id="{4907D986-8816-4272-A432-0437A28A9828}" type="datetime1">
               <a:rPr lang="en-US" smtClean="0"/>
-              <a:t>1/23/21</a:t>
+              <a:t>8/27/21</a:t>
             </a:fld>
             <a:endParaRPr lang="en-US" dirty="0"/>
           </a:p>
@@ -28726,7 +25416,7 @@
           <a:p>
             <a:fld id="{62D6E202-B606-4609-B914-27C9371A1F6D}" type="datetime1">
               <a:rPr lang="en-US" smtClean="0"/>
-              <a:t>1/23/21</a:t>
+              <a:t>8/27/21</a:t>
             </a:fld>
             <a:endParaRPr lang="en-US" dirty="0"/>
           </a:p>
@@ -29541,270 +26231,6 @@
 </p:sld>
 </file>
 
-<file path=ppt/slides/slide10.xml><?xml version="1.0" encoding="utf-8"?>
-<p:sld xmlns:a="http://schemas.openxmlformats.org/drawingml/2006/main" xmlns:r="http://schemas.openxmlformats.org/officeDocument/2006/relationships" xmlns:p="http://schemas.openxmlformats.org/presentationml/2006/main">
-  <p:cSld>
-    <p:bg>
-      <p:bgPr>
-        <a:solidFill>
-          <a:schemeClr val="bg1"/>
-        </a:solidFill>
-        <a:effectLst/>
-      </p:bgPr>
-    </p:bg>
-    <p:spTree>
-      <p:nvGrpSpPr>
-        <p:cNvPr id="1" name=""/>
-        <p:cNvGrpSpPr/>
-        <p:nvPr/>
-      </p:nvGrpSpPr>
-      <p:grpSpPr>
-        <a:xfrm>
-          <a:off x="0" y="0"/>
-          <a:ext cx="0" cy="0"/>
-          <a:chOff x="0" y="0"/>
-          <a:chExt cx="0" cy="0"/>
-        </a:xfrm>
-      </p:grpSpPr>
-      <p:sp>
-        <p:nvSpPr>
-          <p:cNvPr id="9" name="Rectangle 8">
-            <a:extLst>
-              <a:ext uri="{FF2B5EF4-FFF2-40B4-BE49-F238E27FC236}">
-                <a16:creationId xmlns:a16="http://schemas.microsoft.com/office/drawing/2014/main" id="{E844E128-FF69-4E9F-8327-6B504B3C5AE1}"/>
-              </a:ext>
-              <a:ext uri="{C183D7F6-B498-43B3-948B-1728B52AA6E4}">
-                <adec:decorative xmlns:adec="http://schemas.microsoft.com/office/drawing/2017/decorative" val="1"/>
-              </a:ext>
-            </a:extLst>
-          </p:cNvPr>
-          <p:cNvSpPr>
-            <a:spLocks noGrp="1" noRot="1" noChangeAspect="1" noMove="1" noResize="1" noEditPoints="1" noAdjustHandles="1" noChangeArrowheads="1" noChangeShapeType="1" noTextEdit="1"/>
-          </p:cNvSpPr>
-          <p:nvPr>
-            <p:extLst>
-              <p:ext uri="{386F3935-93C4-4BCD-93E2-E3B085C9AB24}">
-                <p16:designElem xmlns:p16="http://schemas.microsoft.com/office/powerpoint/2015/main" val="1"/>
-              </p:ext>
-            </p:extLst>
-          </p:nvPr>
-        </p:nvSpPr>
-        <p:spPr bwMode="white">
-          <a:xfrm>
-            <a:off x="15" y="0"/>
-            <a:ext cx="12191985" cy="6858000"/>
-          </a:xfrm>
-          <a:prstGeom prst="rect">
-            <a:avLst/>
-          </a:prstGeom>
-          <a:solidFill>
-            <a:srgbClr val="262626"/>
-          </a:solidFill>
-          <a:ln>
-            <a:noFill/>
-          </a:ln>
-        </p:spPr>
-        <p:style>
-          <a:lnRef idx="2">
-            <a:schemeClr val="accent1">
-              <a:shade val="50000"/>
-            </a:schemeClr>
-          </a:lnRef>
-          <a:fillRef idx="1">
-            <a:schemeClr val="accent1"/>
-          </a:fillRef>
-          <a:effectRef idx="0">
-            <a:schemeClr val="accent1"/>
-          </a:effectRef>
-          <a:fontRef idx="minor">
-            <a:schemeClr val="lt1"/>
-          </a:fontRef>
-        </p:style>
-      </p:sp>
-      <p:sp>
-        <p:nvSpPr>
-          <p:cNvPr id="2" name="Title 1">
-            <a:extLst>
-              <a:ext uri="{FF2B5EF4-FFF2-40B4-BE49-F238E27FC236}">
-                <a16:creationId xmlns:a16="http://schemas.microsoft.com/office/drawing/2014/main" id="{3A1F03DB-3B3F-1F4E-A6AD-518A68575657}"/>
-              </a:ext>
-            </a:extLst>
-          </p:cNvPr>
-          <p:cNvSpPr>
-            <a:spLocks noGrp="1"/>
-          </p:cNvSpPr>
-          <p:nvPr>
-            <p:ph type="title"/>
-          </p:nvPr>
-        </p:nvSpPr>
-        <p:spPr>
-          <a:xfrm>
-            <a:off x="643467" y="516835"/>
-            <a:ext cx="3448259" cy="1666501"/>
-          </a:xfrm>
-        </p:spPr>
-        <p:txBody>
-          <a:bodyPr>
-            <a:normAutofit/>
-          </a:bodyPr>
-          <a:lstStyle/>
-          <a:p>
-            <a:r>
-              <a:rPr lang="en-US" sz="4000">
-                <a:solidFill>
-                  <a:srgbClr val="FFFFFF"/>
-                </a:solidFill>
-              </a:rPr>
-              <a:t>Resources</a:t>
-            </a:r>
-          </a:p>
-        </p:txBody>
-      </p:sp>
-      <p:cxnSp>
-        <p:nvCxnSpPr>
-          <p:cNvPr id="11" name="Straight Connector 10">
-            <a:extLst>
-              <a:ext uri="{FF2B5EF4-FFF2-40B4-BE49-F238E27FC236}">
-                <a16:creationId xmlns:a16="http://schemas.microsoft.com/office/drawing/2014/main" id="{055CEADF-09EA-423C-8C45-F94AF44D5AF0}"/>
-              </a:ext>
-              <a:ext uri="{C183D7F6-B498-43B3-948B-1728B52AA6E4}">
-                <adec:decorative xmlns:adec="http://schemas.microsoft.com/office/drawing/2017/decorative" val="1"/>
-              </a:ext>
-            </a:extLst>
-          </p:cNvPr>
-          <p:cNvCxnSpPr>
-            <a:cxnSpLocks noGrp="1" noRot="1" noChangeAspect="1" noMove="1" noResize="1" noEditPoints="1" noAdjustHandles="1" noChangeArrowheads="1" noChangeShapeType="1"/>
-          </p:cNvCxnSpPr>
-          <p:nvPr>
-            <p:extLst>
-              <p:ext uri="{386F3935-93C4-4BCD-93E2-E3B085C9AB24}">
-                <p16:designElem xmlns:p16="http://schemas.microsoft.com/office/powerpoint/2015/main" val="1"/>
-              </p:ext>
-            </p:extLst>
-          </p:nvPr>
-        </p:nvCxnSpPr>
-        <p:spPr>
-          <a:xfrm>
-            <a:off x="723686" y="2353592"/>
-            <a:ext cx="3291840" cy="0"/>
-          </a:xfrm>
-          <a:prstGeom prst="line">
-            <a:avLst/>
-          </a:prstGeom>
-          <a:ln w="19050">
-            <a:solidFill>
-              <a:schemeClr val="accent1"/>
-            </a:solidFill>
-          </a:ln>
-        </p:spPr>
-        <p:style>
-          <a:lnRef idx="1">
-            <a:schemeClr val="accent1"/>
-          </a:lnRef>
-          <a:fillRef idx="0">
-            <a:schemeClr val="accent1"/>
-          </a:fillRef>
-          <a:effectRef idx="0">
-            <a:schemeClr val="accent1"/>
-          </a:effectRef>
-          <a:fontRef idx="minor">
-            <a:schemeClr val="tx1"/>
-          </a:fontRef>
-        </p:style>
-      </p:cxnSp>
-      <p:sp>
-        <p:nvSpPr>
-          <p:cNvPr id="3" name="Content Placeholder 2">
-            <a:extLst>
-              <a:ext uri="{FF2B5EF4-FFF2-40B4-BE49-F238E27FC236}">
-                <a16:creationId xmlns:a16="http://schemas.microsoft.com/office/drawing/2014/main" id="{730BC168-4011-AF49-885F-EA64D06F5A3D}"/>
-              </a:ext>
-            </a:extLst>
-          </p:cNvPr>
-          <p:cNvSpPr>
-            <a:spLocks noGrp="1"/>
-          </p:cNvSpPr>
-          <p:nvPr>
-            <p:ph idx="1"/>
-          </p:nvPr>
-        </p:nvSpPr>
-        <p:spPr>
-          <a:xfrm>
-            <a:off x="643467" y="2546224"/>
-            <a:ext cx="3899504" cy="3342747"/>
-          </a:xfrm>
-        </p:spPr>
-        <p:txBody>
-          <a:bodyPr>
-            <a:normAutofit/>
-          </a:bodyPr>
-          <a:lstStyle/>
-          <a:p>
-            <a:r>
-              <a:rPr lang="en-US" sz="1800" dirty="0">
-                <a:hlinkClick r:id="rId2"/>
-              </a:rPr>
-              <a:t>https://maherou.github.io/Teaching</a:t>
-            </a:r>
-            <a:r>
-              <a:rPr lang="en-US" sz="1800" dirty="0"/>
-              <a:t> </a:t>
-            </a:r>
-          </a:p>
-          <a:p>
-            <a:pPr marL="0" indent="0">
-              <a:buNone/>
-            </a:pPr>
-            <a:endParaRPr lang="en-US" sz="1800" dirty="0">
-              <a:solidFill>
-                <a:srgbClr val="FFFFFF"/>
-              </a:solidFill>
-            </a:endParaRPr>
-          </a:p>
-        </p:txBody>
-      </p:sp>
-      <p:pic>
-        <p:nvPicPr>
-          <p:cNvPr id="5" name="Picture 4">
-            <a:extLst>
-              <a:ext uri="{FF2B5EF4-FFF2-40B4-BE49-F238E27FC236}">
-                <a16:creationId xmlns:a16="http://schemas.microsoft.com/office/drawing/2014/main" id="{E87B6D76-8FDA-4DC2-98CB-CFE856798973}"/>
-              </a:ext>
-            </a:extLst>
-          </p:cNvPr>
-          <p:cNvPicPr>
-            <a:picLocks noChangeAspect="1"/>
-          </p:cNvPicPr>
-          <p:nvPr/>
-        </p:nvPicPr>
-        <p:blipFill rotWithShape="1">
-          <a:blip r:embed="rId3"/>
-          <a:srcRect l="26635" r="-1" b="-1"/>
-          <a:stretch/>
-        </p:blipFill>
-        <p:spPr>
-          <a:xfrm>
-            <a:off x="4654296" y="10"/>
-            <a:ext cx="7537703" cy="6857990"/>
-          </a:xfrm>
-          <a:prstGeom prst="rect">
-            <a:avLst/>
-          </a:prstGeom>
-        </p:spPr>
-      </p:pic>
-    </p:spTree>
-    <p:extLst>
-      <p:ext uri="{BB962C8B-B14F-4D97-AF65-F5344CB8AC3E}">
-        <p14:creationId xmlns:p14="http://schemas.microsoft.com/office/powerpoint/2010/main" val="2662618993"/>
-      </p:ext>
-    </p:extLst>
-  </p:cSld>
-  <p:clrMapOvr>
-    <a:overrideClrMapping bg1="dk1" tx1="lt1" bg2="dk2" tx2="lt2" accent1="accent1" accent2="accent2" accent3="accent3" accent4="accent4" accent5="accent5" accent6="accent6" hlink="hlink" folHlink="folHlink"/>
-  </p:clrMapOvr>
-</p:sld>
-</file>
-
 <file path=ppt/slides/slide2.xml><?xml version="1.0" encoding="utf-8"?>
 <p:sld xmlns:a="http://schemas.openxmlformats.org/drawingml/2006/main" xmlns:r="http://schemas.openxmlformats.org/officeDocument/2006/relationships" xmlns:p="http://schemas.openxmlformats.org/presentationml/2006/main">
   <p:cSld>
@@ -30516,6 +26942,54 @@
           </a:graphicData>
         </a:graphic>
       </p:graphicFrame>
+      <p:sp>
+        <p:nvSpPr>
+          <p:cNvPr id="3" name="TextBox 2">
+            <a:extLst>
+              <a:ext uri="{FF2B5EF4-FFF2-40B4-BE49-F238E27FC236}">
+                <a16:creationId xmlns:a16="http://schemas.microsoft.com/office/drawing/2014/main" id="{9C0560AE-F671-7F42-B03B-005559300A3A}"/>
+              </a:ext>
+            </a:extLst>
+          </p:cNvPr>
+          <p:cNvSpPr txBox="1"/>
+          <p:nvPr/>
+        </p:nvSpPr>
+        <p:spPr>
+          <a:xfrm>
+            <a:off x="2879834" y="5801710"/>
+            <a:ext cx="6443944" cy="369332"/>
+          </a:xfrm>
+          <a:prstGeom prst="rect">
+            <a:avLst/>
+          </a:prstGeom>
+        </p:spPr>
+        <p:style>
+          <a:lnRef idx="2">
+            <a:schemeClr val="dk1"/>
+          </a:lnRef>
+          <a:fillRef idx="1">
+            <a:schemeClr val="lt1"/>
+          </a:fillRef>
+          <a:effectRef idx="0">
+            <a:schemeClr val="dk1"/>
+          </a:effectRef>
+          <a:fontRef idx="minor">
+            <a:schemeClr val="dk1"/>
+          </a:fontRef>
+        </p:style>
+        <p:txBody>
+          <a:bodyPr wrap="none" rtlCol="0">
+            <a:spAutoFit/>
+          </a:bodyPr>
+          <a:lstStyle/>
+          <a:p>
+            <a:r>
+              <a:rPr lang="en-US" dirty="0"/>
+              <a:t>Without regular learning of new content, our skills diminish!</a:t>
+            </a:r>
+          </a:p>
+        </p:txBody>
+      </p:sp>
     </p:spTree>
     <p:extLst>
       <p:ext uri="{BB962C8B-B14F-4D97-AF65-F5344CB8AC3E}">
@@ -31069,7 +27543,7 @@
             <p:ph idx="1"/>
             <p:extLst>
               <p:ext uri="{D42A27DB-BD31-4B8C-83A1-F6EECF244321}">
-                <p14:modId xmlns:p14="http://schemas.microsoft.com/office/powerpoint/2010/main" val="3283727598"/>
+                <p14:modId xmlns:p14="http://schemas.microsoft.com/office/powerpoint/2010/main" val="2917323975"/>
               </p:ext>
             </p:extLst>
           </p:nvPr>
@@ -31767,72 +28241,12 @@
           <a:chExt cx="0" cy="0"/>
         </a:xfrm>
       </p:grpSpPr>
-      <p:sp useBgFill="1">
+      <p:sp>
         <p:nvSpPr>
           <p:cNvPr id="9" name="Rectangle 8">
             <a:extLst>
               <a:ext uri="{FF2B5EF4-FFF2-40B4-BE49-F238E27FC236}">
-                <a16:creationId xmlns:a16="http://schemas.microsoft.com/office/drawing/2014/main" id="{2B6C9846-B5AB-4E52-988D-F7E5865C9E4B}"/>
-              </a:ext>
-              <a:ext uri="{C183D7F6-B498-43B3-948B-1728B52AA6E4}">
-                <adec:decorative xmlns:adec="http://schemas.microsoft.com/office/drawing/2017/decorative" val="1"/>
-              </a:ext>
-            </a:extLst>
-          </p:cNvPr>
-          <p:cNvSpPr>
-            <a:spLocks noGrp="1" noRot="1" noChangeAspect="1" noMove="1" noResize="1" noEditPoints="1" noAdjustHandles="1" noChangeArrowheads="1" noChangeShapeType="1" noTextEdit="1"/>
-          </p:cNvSpPr>
-          <p:nvPr>
-            <p:extLst>
-              <p:ext uri="{386F3935-93C4-4BCD-93E2-E3B085C9AB24}">
-                <p16:designElem xmlns:p16="http://schemas.microsoft.com/office/powerpoint/2015/main" val="1"/>
-              </p:ext>
-            </p:extLst>
-          </p:nvPr>
-        </p:nvSpPr>
-        <p:spPr>
-          <a:xfrm>
-            <a:off x="1507" y="0"/>
-            <a:ext cx="12192000" cy="6858000"/>
-          </a:xfrm>
-          <a:prstGeom prst="rect">
-            <a:avLst/>
-          </a:prstGeom>
-          <a:ln>
-            <a:noFill/>
-          </a:ln>
-        </p:spPr>
-        <p:style>
-          <a:lnRef idx="2">
-            <a:schemeClr val="accent1">
-              <a:shade val="50000"/>
-            </a:schemeClr>
-          </a:lnRef>
-          <a:fillRef idx="1">
-            <a:schemeClr val="accent1"/>
-          </a:fillRef>
-          <a:effectRef idx="0">
-            <a:schemeClr val="accent1"/>
-          </a:effectRef>
-          <a:fontRef idx="minor">
-            <a:schemeClr val="lt1"/>
-          </a:fontRef>
-        </p:style>
-        <p:txBody>
-          <a:bodyPr rtlCol="0" anchor="ctr"/>
-          <a:lstStyle/>
-          <a:p>
-            <a:pPr algn="ctr"/>
-            <a:endParaRPr lang="en-US"/>
-          </a:p>
-        </p:txBody>
-      </p:sp>
-      <p:sp>
-        <p:nvSpPr>
-          <p:cNvPr id="11" name="Rectangle 10">
-            <a:extLst>
-              <a:ext uri="{FF2B5EF4-FFF2-40B4-BE49-F238E27FC236}">
-                <a16:creationId xmlns:a16="http://schemas.microsoft.com/office/drawing/2014/main" id="{6F3D7E8E-8467-4198-87E0-ADC1B60467FC}"/>
+                <a16:creationId xmlns:a16="http://schemas.microsoft.com/office/drawing/2014/main" id="{E844E128-FF69-4E9F-8327-6B504B3C5AE1}"/>
               </a:ext>
               <a:ext uri="{C183D7F6-B498-43B3-948B-1728B52AA6E4}">
                 <adec:decorative xmlns:adec="http://schemas.microsoft.com/office/drawing/2017/decorative" val="1"/>
@@ -31852,17 +28266,14 @@
         </p:nvSpPr>
         <p:spPr bwMode="white">
           <a:xfrm>
-            <a:off x="1507" y="4953000"/>
-            <a:ext cx="12188952" cy="1905000"/>
+            <a:off x="15" y="0"/>
+            <a:ext cx="12191985" cy="6858000"/>
           </a:xfrm>
           <a:prstGeom prst="rect">
             <a:avLst/>
           </a:prstGeom>
           <a:solidFill>
-            <a:schemeClr val="tx1">
-              <a:lumMod val="85000"/>
-              <a:lumOff val="15000"/>
-            </a:schemeClr>
+            <a:srgbClr val="262626"/>
           </a:solidFill>
           <a:ln>
             <a:noFill/>
@@ -31890,7 +28301,7 @@
           <p:cNvPr id="2" name="Title 1">
             <a:extLst>
               <a:ext uri="{FF2B5EF4-FFF2-40B4-BE49-F238E27FC236}">
-                <a16:creationId xmlns:a16="http://schemas.microsoft.com/office/drawing/2014/main" id="{41EC55D7-FD69-2842-8EBB-7C5C5229FA8A}"/>
+                <a16:creationId xmlns:a16="http://schemas.microsoft.com/office/drawing/2014/main" id="{3A1F03DB-3B3F-1F4E-A6AD-518A68575657}"/>
               </a:ext>
             </a:extLst>
           </p:cNvPr>
@@ -31903,8 +28314,8 @@
         </p:nvSpPr>
         <p:spPr>
           <a:xfrm>
-            <a:off x="1066800" y="5252936"/>
-            <a:ext cx="10058400" cy="1028715"/>
+            <a:off x="643467" y="516835"/>
+            <a:ext cx="3448259" cy="1666501"/>
           </a:xfrm>
         </p:spPr>
         <p:txBody>
@@ -31913,58 +28324,158 @@
           </a:bodyPr>
           <a:lstStyle/>
           <a:p>
-            <a:pPr algn="ctr"/>
             <a:r>
-              <a:rPr lang="en-US">
+              <a:rPr lang="en-US" sz="4000">
                 <a:solidFill>
-                  <a:schemeClr val="bg1"/>
+                  <a:srgbClr val="FFFFFF"/>
                 </a:solidFill>
               </a:rPr>
-              <a:t>Class time protocols</a:t>
+              <a:t>Resources</a:t>
             </a:r>
           </a:p>
         </p:txBody>
       </p:sp>
-      <p:graphicFrame>
-        <p:nvGraphicFramePr>
-          <p:cNvPr id="5" name="Content Placeholder 2">
+      <p:cxnSp>
+        <p:nvCxnSpPr>
+          <p:cNvPr id="11" name="Straight Connector 10">
             <a:extLst>
               <a:ext uri="{FF2B5EF4-FFF2-40B4-BE49-F238E27FC236}">
-                <a16:creationId xmlns:a16="http://schemas.microsoft.com/office/drawing/2014/main" id="{F7028120-0D7C-4E91-9600-120317CD2BD3}"/>
+                <a16:creationId xmlns:a16="http://schemas.microsoft.com/office/drawing/2014/main" id="{055CEADF-09EA-423C-8C45-F94AF44D5AF0}"/>
+              </a:ext>
+              <a:ext uri="{C183D7F6-B498-43B3-948B-1728B52AA6E4}">
+                <adec:decorative xmlns:adec="http://schemas.microsoft.com/office/drawing/2017/decorative" val="1"/>
               </a:ext>
             </a:extLst>
           </p:cNvPr>
-          <p:cNvGraphicFramePr>
-            <a:graphicFrameLocks noGrp="1"/>
-          </p:cNvGraphicFramePr>
+          <p:cNvCxnSpPr>
+            <a:cxnSpLocks noGrp="1" noRot="1" noChangeAspect="1" noMove="1" noResize="1" noEditPoints="1" noAdjustHandles="1" noChangeArrowheads="1" noChangeShapeType="1"/>
+          </p:cNvCxnSpPr>
           <p:nvPr>
-            <p:ph idx="1"/>
             <p:extLst>
-              <p:ext uri="{D42A27DB-BD31-4B8C-83A1-F6EECF244321}">
-                <p14:modId xmlns:p14="http://schemas.microsoft.com/office/powerpoint/2010/main" val="3071805062"/>
+              <p:ext uri="{386F3935-93C4-4BCD-93E2-E3B085C9AB24}">
+                <p16:designElem xmlns:p16="http://schemas.microsoft.com/office/powerpoint/2015/main" val="1"/>
               </p:ext>
             </p:extLst>
           </p:nvPr>
-        </p:nvGraphicFramePr>
-        <p:xfrm>
-          <a:off x="643466" y="643467"/>
-          <a:ext cx="10900477" cy="3619242"/>
-        </p:xfrm>
-        <a:graphic>
-          <a:graphicData uri="http://schemas.openxmlformats.org/drawingml/2006/diagram">
-            <dgm:relIds xmlns:dgm="http://schemas.openxmlformats.org/drawingml/2006/diagram" xmlns:r="http://schemas.openxmlformats.org/officeDocument/2006/relationships" r:dm="rId2" r:lo="rId3" r:qs="rId4" r:cs="rId5"/>
-          </a:graphicData>
-        </a:graphic>
-      </p:graphicFrame>
+        </p:nvCxnSpPr>
+        <p:spPr>
+          <a:xfrm>
+            <a:off x="723686" y="2353592"/>
+            <a:ext cx="3291840" cy="0"/>
+          </a:xfrm>
+          <a:prstGeom prst="line">
+            <a:avLst/>
+          </a:prstGeom>
+          <a:ln w="19050">
+            <a:solidFill>
+              <a:schemeClr val="accent1"/>
+            </a:solidFill>
+          </a:ln>
+        </p:spPr>
+        <p:style>
+          <a:lnRef idx="1">
+            <a:schemeClr val="accent1"/>
+          </a:lnRef>
+          <a:fillRef idx="0">
+            <a:schemeClr val="accent1"/>
+          </a:fillRef>
+          <a:effectRef idx="0">
+            <a:schemeClr val="accent1"/>
+          </a:effectRef>
+          <a:fontRef idx="minor">
+            <a:schemeClr val="tx1"/>
+          </a:fontRef>
+        </p:style>
+      </p:cxnSp>
+      <p:sp>
+        <p:nvSpPr>
+          <p:cNvPr id="3" name="Content Placeholder 2">
+            <a:extLst>
+              <a:ext uri="{FF2B5EF4-FFF2-40B4-BE49-F238E27FC236}">
+                <a16:creationId xmlns:a16="http://schemas.microsoft.com/office/drawing/2014/main" id="{730BC168-4011-AF49-885F-EA64D06F5A3D}"/>
+              </a:ext>
+            </a:extLst>
+          </p:cNvPr>
+          <p:cNvSpPr>
+            <a:spLocks noGrp="1"/>
+          </p:cNvSpPr>
+          <p:nvPr>
+            <p:ph idx="1"/>
+          </p:nvPr>
+        </p:nvSpPr>
+        <p:spPr>
+          <a:xfrm>
+            <a:off x="643467" y="2546224"/>
+            <a:ext cx="3899504" cy="3342747"/>
+          </a:xfrm>
+        </p:spPr>
+        <p:txBody>
+          <a:bodyPr>
+            <a:normAutofit/>
+          </a:bodyPr>
+          <a:lstStyle/>
+          <a:p>
+            <a:r>
+              <a:rPr lang="en-US" sz="1800" dirty="0">
+                <a:hlinkClick r:id="rId2"/>
+              </a:rPr>
+              <a:t>https://maherou.github.io/Teaching</a:t>
+            </a:r>
+            <a:r>
+              <a:rPr lang="en-US" sz="1800" dirty="0"/>
+              <a:t> </a:t>
+            </a:r>
+          </a:p>
+          <a:p>
+            <a:pPr marL="0" indent="0">
+              <a:buNone/>
+            </a:pPr>
+            <a:endParaRPr lang="en-US" sz="1800" dirty="0">
+              <a:solidFill>
+                <a:srgbClr val="FFFFFF"/>
+              </a:solidFill>
+            </a:endParaRPr>
+          </a:p>
+        </p:txBody>
+      </p:sp>
+      <p:pic>
+        <p:nvPicPr>
+          <p:cNvPr id="5" name="Picture 4">
+            <a:extLst>
+              <a:ext uri="{FF2B5EF4-FFF2-40B4-BE49-F238E27FC236}">
+                <a16:creationId xmlns:a16="http://schemas.microsoft.com/office/drawing/2014/main" id="{E87B6D76-8FDA-4DC2-98CB-CFE856798973}"/>
+              </a:ext>
+            </a:extLst>
+          </p:cNvPr>
+          <p:cNvPicPr>
+            <a:picLocks noChangeAspect="1"/>
+          </p:cNvPicPr>
+          <p:nvPr/>
+        </p:nvPicPr>
+        <p:blipFill rotWithShape="1">
+          <a:blip r:embed="rId3"/>
+          <a:srcRect l="26635" r="-1" b="-1"/>
+          <a:stretch/>
+        </p:blipFill>
+        <p:spPr>
+          <a:xfrm>
+            <a:off x="4654296" y="10"/>
+            <a:ext cx="7537703" cy="6857990"/>
+          </a:xfrm>
+          <a:prstGeom prst="rect">
+            <a:avLst/>
+          </a:prstGeom>
+        </p:spPr>
+      </p:pic>
     </p:spTree>
     <p:extLst>
       <p:ext uri="{BB962C8B-B14F-4D97-AF65-F5344CB8AC3E}">
-        <p14:creationId xmlns:p14="http://schemas.microsoft.com/office/powerpoint/2010/main" val="130636508"/>
+        <p14:creationId xmlns:p14="http://schemas.microsoft.com/office/powerpoint/2010/main" val="2662618993"/>
       </p:ext>
     </p:extLst>
   </p:cSld>
   <p:clrMapOvr>
-    <a:masterClrMapping/>
+    <a:overrideClrMapping bg1="dk1" tx1="lt1" bg2="dk2" tx2="lt2" accent1="accent1" accent2="accent2" accent3="accent3" accent4="accent4" accent5="accent5" accent6="accent6" hlink="hlink" folHlink="folHlink"/>
   </p:clrMapOvr>
 </p:sld>
 </file>

--- a/files/CS373/IntroToCompSciResearch.pptx
+++ b/files/CS373/IntroToCompSciResearch.pptx
@@ -12,8 +12,9 @@
     <p:sldId id="261" r:id="rId6"/>
     <p:sldId id="262" r:id="rId7"/>
     <p:sldId id="263" r:id="rId8"/>
-    <p:sldId id="264" r:id="rId9"/>
-    <p:sldId id="265" r:id="rId10"/>
+    <p:sldId id="266" r:id="rId9"/>
+    <p:sldId id="264" r:id="rId10"/>
+    <p:sldId id="265" r:id="rId11"/>
   </p:sldIdLst>
   <p:sldSz cx="12192000" cy="6858000"/>
   <p:notesSz cx="6858000" cy="9144000"/>
@@ -4940,7 +4941,7 @@
         <a:p>
           <a:r>
             <a:rPr lang="en-US" dirty="0"/>
-            <a:t>At the end of the course: Paper &amp; talk on a topic:</a:t>
+            <a:t>At the end of the course: Paper, presentation, and dialogue on a topic:</a:t>
           </a:r>
         </a:p>
       </dgm:t>
@@ -5861,7 +5862,15 @@
           </a:pPr>
           <a:r>
             <a:rPr lang="en-US" dirty="0"/>
-            <a:t>Today</a:t>
+            <a:t>End of Semester (</a:t>
+          </a:r>
+          <a:r>
+            <a:rPr lang="en-US" dirty="0" err="1"/>
+            <a:t>EoS</a:t>
+          </a:r>
+          <a:r>
+            <a:rPr lang="en-US" dirty="0"/>
+            <a:t>)</a:t>
           </a:r>
         </a:p>
       </dgm:t>
@@ -5935,8 +5944,12 @@
             <a:defRPr b="1"/>
           </a:pPr>
           <a:r>
+            <a:rPr lang="en-US" dirty="0" err="1"/>
+            <a:t>EoS</a:t>
+          </a:r>
+          <a:r>
             <a:rPr lang="en-US" dirty="0"/>
-            <a:t>Today + 3 years</a:t>
+            <a:t> + 3 years</a:t>
           </a:r>
         </a:p>
       </dgm:t>
@@ -6010,8 +6023,12 @@
             <a:defRPr b="1"/>
           </a:pPr>
           <a:r>
+            <a:rPr lang="en-US" dirty="0" err="1"/>
+            <a:t>EoS</a:t>
+          </a:r>
+          <a:r>
             <a:rPr lang="en-US" dirty="0"/>
-            <a:t>Today + 6 years</a:t>
+            <a:t> + 6 years</a:t>
           </a:r>
         </a:p>
       </dgm:t>
@@ -6085,8 +6102,12 @@
             <a:defRPr b="1"/>
           </a:pPr>
           <a:r>
+            <a:rPr lang="en-US" dirty="0" err="1"/>
+            <a:t>EoS</a:t>
+          </a:r>
+          <a:r>
             <a:rPr lang="en-US" dirty="0"/>
-            <a:t>Today + 9 years</a:t>
+            <a:t> + 9 years</a:t>
           </a:r>
         </a:p>
       </dgm:t>
@@ -6160,8 +6181,12 @@
             <a:defRPr b="1"/>
           </a:pPr>
           <a:r>
+            <a:rPr lang="en-US" dirty="0" err="1"/>
+            <a:t>EoS</a:t>
+          </a:r>
+          <a:r>
             <a:rPr lang="en-US" dirty="0"/>
-            <a:t>Today + 12 years</a:t>
+            <a:t> + 12 years</a:t>
           </a:r>
         </a:p>
       </dgm:t>
@@ -6882,7 +6907,7 @@
           </a:pPr>
           <a:r>
             <a:rPr lang="en-US" dirty="0"/>
-            <a:t>End of course</a:t>
+            <a:t>End of Semester</a:t>
           </a:r>
         </a:p>
       </dgm:t>
@@ -7068,7 +7093,7 @@
         <a:p>
           <a:r>
             <a:rPr lang="en-US" dirty="0"/>
-            <a:t>Half of what you need to know you learned the past 3 year</a:t>
+            <a:t>¾ of what you need to know you learned the past 6 year</a:t>
           </a:r>
         </a:p>
       </dgm:t>
@@ -7143,7 +7168,7 @@
         <a:p>
           <a:r>
             <a:rPr lang="en-US" dirty="0"/>
-            <a:t>Half of what you need to know you learned the past 3 year</a:t>
+            <a:t>7/8 of what you need to know you learned the past 9 year</a:t>
           </a:r>
         </a:p>
       </dgm:t>
@@ -7218,7 +7243,7 @@
         <a:p>
           <a:r>
             <a:rPr lang="en-US" dirty="0"/>
-            <a:t>Half of what you need to know you learned the past 3 year, and so on.</a:t>
+            <a:t>15/16 of what you need to know you learned the past 12 year, and so on.</a:t>
           </a:r>
           <a:endParaRPr lang="en-US" b="1" dirty="0"/>
         </a:p>
@@ -7980,7 +8005,10 @@
             <a:rPr lang="en-US" dirty="0" err="1"/>
             <a:t>GoogleDocs</a:t>
           </a:r>
-          <a:endParaRPr lang="en-US" dirty="0"/>
+          <a:r>
+            <a:rPr lang="en-US" dirty="0"/>
+            <a:t> Generative AI</a:t>
+          </a:r>
         </a:p>
       </dgm:t>
     </dgm:pt>
@@ -8202,6 +8230,32 @@
         </a:p>
       </dgm:t>
     </dgm:pt>
+    <dgm:pt modelId="{178B877D-55F5-C545-A32B-A73FFD4327C9}">
+      <dgm:prSet/>
+      <dgm:spPr/>
+      <dgm:t>
+        <a:bodyPr/>
+        <a:lstStyle/>
+        <a:p>
+          <a:pPr algn="ctr">
+            <a:buFont typeface="Arial" panose="020B0604020202020204" pitchFamily="34" charset="0"/>
+            <a:buNone/>
+          </a:pPr>
+          <a:r>
+            <a:rPr lang="en-US" dirty="0"/>
+            <a:t>Backup for Absence</a:t>
+          </a:r>
+        </a:p>
+      </dgm:t>
+    </dgm:pt>
+    <dgm:pt modelId="{CC4B5B53-5B04-784F-9F92-0CAAF9127E1C}" type="parTrans" cxnId="{234783D0-3E7B-E245-844E-0A6121B1A0EA}">
+      <dgm:prSet/>
+      <dgm:spPr/>
+    </dgm:pt>
+    <dgm:pt modelId="{47A14A82-3DC8-154E-84CA-260E4A58B751}" type="sibTrans" cxnId="{234783D0-3E7B-E245-844E-0A6121B1A0EA}">
+      <dgm:prSet/>
+      <dgm:spPr/>
+    </dgm:pt>
     <dgm:pt modelId="{FAA7060D-D04B-164F-A52B-9CACDC285B17}" type="pres">
       <dgm:prSet presAssocID="{D5A63248-0152-4C48-B8EB-A61B48FBAA8A}" presName="matrix" presStyleCnt="0">
         <dgm:presLayoutVars>
@@ -8258,6 +8312,7 @@
     </dgm:pt>
   </dgm:ptLst>
   <dgm:cxnLst>
+    <dgm:cxn modelId="{74E34B01-A567-8B47-8061-ADCB9F1A73AA}" type="presOf" srcId="{178B877D-55F5-C545-A32B-A73FFD4327C9}" destId="{020148EF-D3B1-1742-BBE1-232DD60FFE50}" srcOrd="0" destOrd="2" presId="urn:microsoft.com/office/officeart/2005/8/layout/matrix3"/>
     <dgm:cxn modelId="{7E0BF103-31CB-554A-A221-7B66442C753B}" srcId="{E5A2391C-3C1A-451A-ACE1-876637C27509}" destId="{03225C0D-71C3-B449-ADD4-BF97BD62D101}" srcOrd="0" destOrd="0" parTransId="{62A5E12C-3E70-5C44-AF57-2159D2AAE144}" sibTransId="{36FBFD17-C0CB-4341-AE2E-9F39BD04FAF4}"/>
     <dgm:cxn modelId="{F322EE04-CE5F-AD4B-907C-16688204E353}" type="presOf" srcId="{D9100E4A-C649-4994-ABCA-B782B1AC8779}" destId="{020148EF-D3B1-1742-BBE1-232DD60FFE50}" srcOrd="0" destOrd="0" presId="urn:microsoft.com/office/officeart/2005/8/layout/matrix3"/>
     <dgm:cxn modelId="{1459E42E-38A7-D142-A7C3-F4C1370273A6}" srcId="{D9100E4A-C649-4994-ABCA-B782B1AC8779}" destId="{627EA9F0-B38F-5940-81FA-AC583E62A009}" srcOrd="0" destOrd="0" parTransId="{5EC68AFF-9FB4-0240-9176-165928DF1C7C}" sibTransId="{E8678BD5-5EBF-5A41-A8F7-E47684966856}"/>
@@ -8274,6 +8329,7 @@
     <dgm:cxn modelId="{ED8B549D-2404-5847-8704-A5623E752F5D}" type="presOf" srcId="{77AE92B0-DBA6-CB49-B306-8FEA92661E29}" destId="{59B7B32D-E703-C549-A9FA-55CFCBC65A86}" srcOrd="0" destOrd="0" presId="urn:microsoft.com/office/officeart/2005/8/layout/matrix3"/>
     <dgm:cxn modelId="{A623AAC5-9009-5D41-A9FB-6FF6AA488E25}" srcId="{77AE92B0-DBA6-CB49-B306-8FEA92661E29}" destId="{B50A01E9-CA13-584E-AA02-5FC2AC66CE57}" srcOrd="0" destOrd="0" parTransId="{6F63B404-56BE-F947-86D3-D3E658AFD363}" sibTransId="{FEDBF9E8-D07D-2549-B01C-7C3FD44D2076}"/>
     <dgm:cxn modelId="{E71183CE-4F2C-4945-AFF1-DC900D1EBB6A}" type="presOf" srcId="{DC396840-15D1-42EA-9D54-5C9B8CBBC5A8}" destId="{9ABB4D4F-9C05-BE42-BA40-5BBA1BCAE6D3}" srcOrd="0" destOrd="0" presId="urn:microsoft.com/office/officeart/2005/8/layout/matrix3"/>
+    <dgm:cxn modelId="{234783D0-3E7B-E245-844E-0A6121B1A0EA}" srcId="{D9100E4A-C649-4994-ABCA-B782B1AC8779}" destId="{178B877D-55F5-C545-A32B-A73FFD4327C9}" srcOrd="1" destOrd="0" parTransId="{CC4B5B53-5B04-784F-9F92-0CAAF9127E1C}" sibTransId="{47A14A82-3DC8-154E-84CA-260E4A58B751}"/>
     <dgm:cxn modelId="{206E52E5-E0B8-FB4A-9BCE-0248661292A9}" type="presOf" srcId="{E5A2391C-3C1A-451A-ACE1-876637C27509}" destId="{53CE6563-D4DE-E548-BB9F-1A3CFD5EFC09}" srcOrd="0" destOrd="0" presId="urn:microsoft.com/office/officeart/2005/8/layout/matrix3"/>
     <dgm:cxn modelId="{EF2C40FC-1C2B-A340-8405-01E5CA4D8A7D}" type="presParOf" srcId="{FAA7060D-D04B-164F-A52B-9CACDC285B17}" destId="{D7D2FDBC-F9FE-0348-BCE4-5B8EEA789131}" srcOrd="0" destOrd="0" presId="urn:microsoft.com/office/officeart/2005/8/layout/matrix3"/>
     <dgm:cxn modelId="{AA1DF399-EDBB-8E44-8AA9-B49EAE4F066B}" type="presParOf" srcId="{FAA7060D-D04B-164F-A52B-9CACDC285B17}" destId="{9ABB4D4F-9C05-BE42-BA40-5BBA1BCAE6D3}" srcOrd="1" destOrd="0" presId="urn:microsoft.com/office/officeart/2005/8/layout/matrix3"/>
@@ -8704,7 +8760,7 @@
           </a:pPr>
           <a:r>
             <a:rPr lang="en-US" sz="2000" kern="1200" dirty="0"/>
-            <a:t>At the end of the course: Paper &amp; talk on a topic:</a:t>
+            <a:t>At the end of the course: Paper, presentation, and dialogue on a topic:</a:t>
           </a:r>
         </a:p>
         <a:p>
@@ -9650,12 +9706,12 @@
         <a:fontRef idx="minor"/>
       </dsp:style>
       <dsp:txBody>
-        <a:bodyPr spcFirstLastPara="0" vert="horz" wrap="square" lIns="0" tIns="95250" rIns="95250" bIns="142875" numCol="1" spcCol="1270" anchor="t" anchorCtr="0">
+        <a:bodyPr spcFirstLastPara="0" vert="horz" wrap="square" lIns="0" tIns="88900" rIns="88900" bIns="133350" numCol="1" spcCol="1270" anchor="t" anchorCtr="0">
           <a:noAutofit/>
         </a:bodyPr>
         <a:lstStyle/>
         <a:p>
-          <a:pPr marL="0" lvl="0" indent="0" algn="l" defTabSz="666750">
+          <a:pPr marL="0" lvl="0" indent="0" algn="l" defTabSz="622300">
             <a:lnSpc>
               <a:spcPct val="90000"/>
             </a:lnSpc>
@@ -9668,7 +9724,7 @@
             <a:buNone/>
           </a:pPr>
           <a:r>
-            <a:rPr lang="en-US" sz="1500" kern="1200" dirty="0"/>
+            <a:rPr lang="en-US" sz="1400" kern="1200" dirty="0"/>
             <a:t>Finish SOTF paper &amp; talk</a:t>
           </a:r>
         </a:p>
@@ -9710,12 +9766,12 @@
         <a:fontRef idx="minor"/>
       </dsp:style>
       <dsp:txBody>
-        <a:bodyPr spcFirstLastPara="0" vert="horz" wrap="square" lIns="0" tIns="0" rIns="127000" bIns="0" numCol="1" spcCol="1270" anchor="ctr" anchorCtr="0">
+        <a:bodyPr spcFirstLastPara="0" vert="horz" wrap="square" lIns="0" tIns="0" rIns="120650" bIns="0" numCol="1" spcCol="1270" anchor="ctr" anchorCtr="0">
           <a:noAutofit/>
         </a:bodyPr>
         <a:lstStyle/>
         <a:p>
-          <a:pPr marL="0" lvl="0" indent="0" algn="l" defTabSz="889000">
+          <a:pPr marL="0" lvl="0" indent="0" algn="l" defTabSz="844550">
             <a:lnSpc>
               <a:spcPct val="90000"/>
             </a:lnSpc>
@@ -9729,8 +9785,16 @@
             <a:defRPr b="1"/>
           </a:pPr>
           <a:r>
-            <a:rPr lang="en-US" sz="2000" kern="1200" dirty="0"/>
-            <a:t>Today</a:t>
+            <a:rPr lang="en-US" sz="1900" kern="1200" dirty="0"/>
+            <a:t>End of Semester (</a:t>
+          </a:r>
+          <a:r>
+            <a:rPr lang="en-US" sz="1900" kern="1200" dirty="0" err="1"/>
+            <a:t>EoS</a:t>
+          </a:r>
+          <a:r>
+            <a:rPr lang="en-US" sz="1900" kern="1200" dirty="0"/>
+            <a:t>)</a:t>
           </a:r>
         </a:p>
       </dsp:txBody>
@@ -9952,12 +10016,12 @@
         <a:fontRef idx="minor"/>
       </dsp:style>
       <dsp:txBody>
-        <a:bodyPr spcFirstLastPara="0" vert="horz" wrap="square" lIns="0" tIns="142875" rIns="0" bIns="95250" numCol="1" spcCol="1270" anchor="b" anchorCtr="0">
+        <a:bodyPr spcFirstLastPara="0" vert="horz" wrap="square" lIns="0" tIns="133350" rIns="0" bIns="88900" numCol="1" spcCol="1270" anchor="b" anchorCtr="0">
           <a:noAutofit/>
         </a:bodyPr>
         <a:lstStyle/>
         <a:p>
-          <a:pPr marL="0" lvl="0" indent="0" algn="l" defTabSz="666750">
+          <a:pPr marL="0" lvl="0" indent="0" algn="l" defTabSz="622300">
             <a:lnSpc>
               <a:spcPct val="90000"/>
             </a:lnSpc>
@@ -9970,7 +10034,7 @@
             <a:buNone/>
           </a:pPr>
           <a:r>
-            <a:rPr lang="en-US" sz="1500" kern="1200" dirty="0"/>
+            <a:rPr lang="en-US" sz="1400" kern="1200" dirty="0"/>
             <a:t>Half of what you know now is irrelevant</a:t>
           </a:r>
         </a:p>
@@ -10012,12 +10076,12 @@
         <a:fontRef idx="minor"/>
       </dsp:style>
       <dsp:txBody>
-        <a:bodyPr spcFirstLastPara="0" vert="horz" wrap="square" lIns="0" tIns="0" rIns="127000" bIns="0" numCol="1" spcCol="1270" anchor="ctr" anchorCtr="0">
+        <a:bodyPr spcFirstLastPara="0" vert="horz" wrap="square" lIns="0" tIns="0" rIns="120650" bIns="0" numCol="1" spcCol="1270" anchor="ctr" anchorCtr="0">
           <a:noAutofit/>
         </a:bodyPr>
         <a:lstStyle/>
         <a:p>
-          <a:pPr marL="0" lvl="0" indent="0" algn="l" defTabSz="889000">
+          <a:pPr marL="0" lvl="0" indent="0" algn="l" defTabSz="844550">
             <a:lnSpc>
               <a:spcPct val="90000"/>
             </a:lnSpc>
@@ -10031,8 +10095,12 @@
             <a:defRPr b="1"/>
           </a:pPr>
           <a:r>
-            <a:rPr lang="en-US" sz="2000" kern="1200" dirty="0"/>
-            <a:t>Today + 3 years</a:t>
+            <a:rPr lang="en-US" sz="1900" kern="1200" dirty="0" err="1"/>
+            <a:t>EoS</a:t>
+          </a:r>
+          <a:r>
+            <a:rPr lang="en-US" sz="1900" kern="1200" dirty="0"/>
+            <a:t> + 3 years</a:t>
           </a:r>
         </a:p>
       </dsp:txBody>
@@ -10254,12 +10322,12 @@
         <a:fontRef idx="minor"/>
       </dsp:style>
       <dsp:txBody>
-        <a:bodyPr spcFirstLastPara="0" vert="horz" wrap="square" lIns="0" tIns="95250" rIns="95250" bIns="142875" numCol="1" spcCol="1270" anchor="t" anchorCtr="0">
+        <a:bodyPr spcFirstLastPara="0" vert="horz" wrap="square" lIns="0" tIns="88900" rIns="88900" bIns="133350" numCol="1" spcCol="1270" anchor="t" anchorCtr="0">
           <a:noAutofit/>
         </a:bodyPr>
         <a:lstStyle/>
         <a:p>
-          <a:pPr marL="0" lvl="0" indent="0" algn="l" defTabSz="666750">
+          <a:pPr marL="0" lvl="0" indent="0" algn="l" defTabSz="622300">
             <a:lnSpc>
               <a:spcPct val="90000"/>
             </a:lnSpc>
@@ -10272,7 +10340,7 @@
             <a:buNone/>
           </a:pPr>
           <a:r>
-            <a:rPr lang="en-US" sz="1500" kern="1200" dirty="0"/>
+            <a:rPr lang="en-US" sz="1400" kern="1200" dirty="0"/>
             <a:t>¾ of what you know now is irrelevant</a:t>
           </a:r>
         </a:p>
@@ -10314,12 +10382,12 @@
         <a:fontRef idx="minor"/>
       </dsp:style>
       <dsp:txBody>
-        <a:bodyPr spcFirstLastPara="0" vert="horz" wrap="square" lIns="0" tIns="0" rIns="127000" bIns="0" numCol="1" spcCol="1270" anchor="ctr" anchorCtr="0">
+        <a:bodyPr spcFirstLastPara="0" vert="horz" wrap="square" lIns="0" tIns="0" rIns="120650" bIns="0" numCol="1" spcCol="1270" anchor="ctr" anchorCtr="0">
           <a:noAutofit/>
         </a:bodyPr>
         <a:lstStyle/>
         <a:p>
-          <a:pPr marL="0" lvl="0" indent="0" algn="l" defTabSz="889000">
+          <a:pPr marL="0" lvl="0" indent="0" algn="l" defTabSz="844550">
             <a:lnSpc>
               <a:spcPct val="90000"/>
             </a:lnSpc>
@@ -10333,8 +10401,12 @@
             <a:defRPr b="1"/>
           </a:pPr>
           <a:r>
-            <a:rPr lang="en-US" sz="2000" kern="1200" dirty="0"/>
-            <a:t>Today + 6 years</a:t>
+            <a:rPr lang="en-US" sz="1900" kern="1200" dirty="0" err="1"/>
+            <a:t>EoS</a:t>
+          </a:r>
+          <a:r>
+            <a:rPr lang="en-US" sz="1900" kern="1200" dirty="0"/>
+            <a:t> + 6 years</a:t>
           </a:r>
         </a:p>
       </dsp:txBody>
@@ -10556,12 +10628,12 @@
         <a:fontRef idx="minor"/>
       </dsp:style>
       <dsp:txBody>
-        <a:bodyPr spcFirstLastPara="0" vert="horz" wrap="square" lIns="0" tIns="142875" rIns="0" bIns="95250" numCol="1" spcCol="1270" anchor="b" anchorCtr="0">
+        <a:bodyPr spcFirstLastPara="0" vert="horz" wrap="square" lIns="0" tIns="133350" rIns="0" bIns="88900" numCol="1" spcCol="1270" anchor="b" anchorCtr="0">
           <a:noAutofit/>
         </a:bodyPr>
         <a:lstStyle/>
         <a:p>
-          <a:pPr marL="0" lvl="0" indent="0" algn="l" defTabSz="666750">
+          <a:pPr marL="0" lvl="0" indent="0" algn="l" defTabSz="622300">
             <a:lnSpc>
               <a:spcPct val="90000"/>
             </a:lnSpc>
@@ -10574,7 +10646,7 @@
             <a:buNone/>
           </a:pPr>
           <a:r>
-            <a:rPr lang="en-US" sz="1500" kern="1200" dirty="0"/>
+            <a:rPr lang="en-US" sz="1400" kern="1200" dirty="0"/>
             <a:t>7/8 of what you know now is irrelevant</a:t>
           </a:r>
         </a:p>
@@ -10616,12 +10688,12 @@
         <a:fontRef idx="minor"/>
       </dsp:style>
       <dsp:txBody>
-        <a:bodyPr spcFirstLastPara="0" vert="horz" wrap="square" lIns="0" tIns="0" rIns="127000" bIns="0" numCol="1" spcCol="1270" anchor="ctr" anchorCtr="0">
+        <a:bodyPr spcFirstLastPara="0" vert="horz" wrap="square" lIns="0" tIns="0" rIns="120650" bIns="0" numCol="1" spcCol="1270" anchor="ctr" anchorCtr="0">
           <a:noAutofit/>
         </a:bodyPr>
         <a:lstStyle/>
         <a:p>
-          <a:pPr marL="0" lvl="0" indent="0" algn="l" defTabSz="889000">
+          <a:pPr marL="0" lvl="0" indent="0" algn="l" defTabSz="844550">
             <a:lnSpc>
               <a:spcPct val="90000"/>
             </a:lnSpc>
@@ -10635,8 +10707,12 @@
             <a:defRPr b="1"/>
           </a:pPr>
           <a:r>
-            <a:rPr lang="en-US" sz="2000" kern="1200" dirty="0"/>
-            <a:t>Today + 9 years</a:t>
+            <a:rPr lang="en-US" sz="1900" kern="1200" dirty="0" err="1"/>
+            <a:t>EoS</a:t>
+          </a:r>
+          <a:r>
+            <a:rPr lang="en-US" sz="1900" kern="1200" dirty="0"/>
+            <a:t> + 9 years</a:t>
           </a:r>
         </a:p>
       </dsp:txBody>
@@ -10858,12 +10934,12 @@
         <a:fontRef idx="minor"/>
       </dsp:style>
       <dsp:txBody>
-        <a:bodyPr spcFirstLastPara="0" vert="horz" wrap="square" lIns="0" tIns="95250" rIns="95250" bIns="142875" numCol="1" spcCol="1270" anchor="t" anchorCtr="0">
+        <a:bodyPr spcFirstLastPara="0" vert="horz" wrap="square" lIns="0" tIns="88900" rIns="88900" bIns="133350" numCol="1" spcCol="1270" anchor="t" anchorCtr="0">
           <a:noAutofit/>
         </a:bodyPr>
         <a:lstStyle/>
         <a:p>
-          <a:pPr marL="0" lvl="0" indent="0" algn="l" defTabSz="666750">
+          <a:pPr marL="0" lvl="0" indent="0" algn="l" defTabSz="622300">
             <a:lnSpc>
               <a:spcPct val="90000"/>
             </a:lnSpc>
@@ -10876,11 +10952,11 @@
             <a:buNone/>
           </a:pPr>
           <a:r>
-            <a:rPr lang="en-US" sz="1500" kern="1200" dirty="0"/>
+            <a:rPr lang="en-US" sz="1400" kern="1200" dirty="0"/>
             <a:t>15/16 …, you get it.  </a:t>
           </a:r>
           <a:r>
-            <a:rPr lang="en-US" sz="1500" b="1" kern="1200" dirty="0"/>
+            <a:rPr lang="en-US" sz="1400" b="1" kern="1200" dirty="0"/>
             <a:t>Yikes!</a:t>
           </a:r>
         </a:p>
@@ -10922,12 +10998,12 @@
         <a:fontRef idx="minor"/>
       </dsp:style>
       <dsp:txBody>
-        <a:bodyPr spcFirstLastPara="0" vert="horz" wrap="square" lIns="0" tIns="0" rIns="127000" bIns="0" numCol="1" spcCol="1270" anchor="ctr" anchorCtr="0">
+        <a:bodyPr spcFirstLastPara="0" vert="horz" wrap="square" lIns="0" tIns="0" rIns="120650" bIns="0" numCol="1" spcCol="1270" anchor="ctr" anchorCtr="0">
           <a:noAutofit/>
         </a:bodyPr>
         <a:lstStyle/>
         <a:p>
-          <a:pPr marL="0" lvl="0" indent="0" algn="l" defTabSz="889000">
+          <a:pPr marL="0" lvl="0" indent="0" algn="l" defTabSz="844550">
             <a:lnSpc>
               <a:spcPct val="90000"/>
             </a:lnSpc>
@@ -10941,8 +11017,12 @@
             <a:defRPr b="1"/>
           </a:pPr>
           <a:r>
-            <a:rPr lang="en-US" sz="2000" kern="1200" dirty="0"/>
-            <a:t>Today + 12 years</a:t>
+            <a:rPr lang="en-US" sz="1900" kern="1200" dirty="0" err="1"/>
+            <a:t>EoS</a:t>
+          </a:r>
+          <a:r>
+            <a:rPr lang="en-US" sz="1900" kern="1200" dirty="0"/>
+            <a:t> + 12 years</a:t>
           </a:r>
         </a:p>
       </dsp:txBody>
@@ -11305,7 +11385,7 @@
           </a:pPr>
           <a:r>
             <a:rPr lang="en-US" sz="2000" kern="1200" dirty="0"/>
-            <a:t>End of course</a:t>
+            <a:t>End of Semester</a:t>
           </a:r>
         </a:p>
       </dsp:txBody>
@@ -11848,7 +11928,7 @@
           </a:pPr>
           <a:r>
             <a:rPr lang="en-US" sz="1500" kern="1200" dirty="0"/>
-            <a:t>Half of what you need to know you learned the past 3 year</a:t>
+            <a:t>¾ of what you need to know you learned the past 6 year</a:t>
           </a:r>
         </a:p>
       </dsp:txBody>
@@ -12150,7 +12230,7 @@
           </a:pPr>
           <a:r>
             <a:rPr lang="en-US" sz="1500" kern="1200" dirty="0"/>
-            <a:t>Half of what you need to know you learned the past 3 year</a:t>
+            <a:t>7/8 of what you need to know you learned the past 9 year</a:t>
           </a:r>
         </a:p>
       </dsp:txBody>
@@ -12452,7 +12532,7 @@
           </a:pPr>
           <a:r>
             <a:rPr lang="en-US" sz="1500" kern="1200" dirty="0"/>
-            <a:t>Half of what you need to know you learned the past 3 year, and so on.</a:t>
+            <a:t>15/16 of what you need to know you learned the past 12 year, and so on.</a:t>
           </a:r>
           <a:endParaRPr lang="en-US" sz="1500" b="1" kern="1200" dirty="0"/>
         </a:p>
@@ -12713,12 +12793,12 @@
         </a:fontRef>
       </dsp:style>
       <dsp:txBody>
-        <a:bodyPr spcFirstLastPara="0" vert="horz" wrap="square" lIns="80010" tIns="80010" rIns="80010" bIns="80010" numCol="1" spcCol="1270" anchor="t" anchorCtr="0">
+        <a:bodyPr spcFirstLastPara="0" vert="horz" wrap="square" lIns="76200" tIns="76200" rIns="76200" bIns="76200" numCol="1" spcCol="1270" anchor="t" anchorCtr="0">
           <a:noAutofit/>
         </a:bodyPr>
         <a:lstStyle/>
         <a:p>
-          <a:pPr marL="0" lvl="0" indent="0" algn="ctr" defTabSz="933450">
+          <a:pPr marL="0" lvl="0" indent="0" algn="ctr" defTabSz="889000">
             <a:lnSpc>
               <a:spcPct val="90000"/>
             </a:lnSpc>
@@ -12731,7 +12811,7 @@
             <a:buNone/>
           </a:pPr>
           <a:r>
-            <a:rPr lang="en-US" sz="2100" kern="1200" dirty="0"/>
+            <a:rPr lang="en-US" sz="2000" kern="1200" dirty="0"/>
             <a:t>Slack </a:t>
           </a:r>
         </a:p>
@@ -12808,12 +12888,12 @@
         </a:fontRef>
       </dsp:style>
       <dsp:txBody>
-        <a:bodyPr spcFirstLastPara="0" vert="horz" wrap="square" lIns="80010" tIns="80010" rIns="80010" bIns="80010" numCol="1" spcCol="1270" anchor="t" anchorCtr="0">
+        <a:bodyPr spcFirstLastPara="0" vert="horz" wrap="square" lIns="76200" tIns="76200" rIns="76200" bIns="76200" numCol="1" spcCol="1270" anchor="t" anchorCtr="0">
           <a:noAutofit/>
         </a:bodyPr>
         <a:lstStyle/>
         <a:p>
-          <a:pPr marL="0" lvl="0" indent="0" algn="ctr" defTabSz="933450">
+          <a:pPr marL="0" lvl="0" indent="0" algn="ctr" defTabSz="889000">
             <a:lnSpc>
               <a:spcPct val="90000"/>
             </a:lnSpc>
@@ -12826,7 +12906,7 @@
             <a:buNone/>
           </a:pPr>
           <a:r>
-            <a:rPr lang="en-US" sz="2100" kern="1200" dirty="0"/>
+            <a:rPr lang="en-US" sz="2000" kern="1200" dirty="0"/>
             <a:t>Zoom</a:t>
           </a:r>
         </a:p>
@@ -12847,6 +12927,25 @@
           <a:r>
             <a:rPr lang="en-US" sz="1600" kern="1200" dirty="0"/>
             <a:t>Individual discussions</a:t>
+          </a:r>
+        </a:p>
+        <a:p>
+          <a:pPr marL="171450" lvl="1" indent="-171450" algn="ctr" defTabSz="711200">
+            <a:lnSpc>
+              <a:spcPct val="90000"/>
+            </a:lnSpc>
+            <a:spcBef>
+              <a:spcPct val="0"/>
+            </a:spcBef>
+            <a:spcAft>
+              <a:spcPct val="15000"/>
+            </a:spcAft>
+            <a:buFont typeface="Arial" panose="020B0604020202020204" pitchFamily="34" charset="0"/>
+            <a:buNone/>
+          </a:pPr>
+          <a:r>
+            <a:rPr lang="en-US" sz="1600" kern="1200" dirty="0"/>
+            <a:t>Backup for Absence</a:t>
           </a:r>
         </a:p>
       </dsp:txBody>
@@ -12904,12 +13003,12 @@
         </a:fontRef>
       </dsp:style>
       <dsp:txBody>
-        <a:bodyPr spcFirstLastPara="0" vert="horz" wrap="square" lIns="80010" tIns="80010" rIns="80010" bIns="80010" numCol="1" spcCol="1270" anchor="t" anchorCtr="0">
+        <a:bodyPr spcFirstLastPara="0" vert="horz" wrap="square" lIns="76200" tIns="76200" rIns="76200" bIns="76200" numCol="1" spcCol="1270" anchor="t" anchorCtr="0">
           <a:noAutofit/>
         </a:bodyPr>
         <a:lstStyle/>
         <a:p>
-          <a:pPr marL="0" lvl="0" indent="0" algn="l" defTabSz="933450">
+          <a:pPr marL="0" lvl="0" indent="0" algn="l" defTabSz="889000">
             <a:lnSpc>
               <a:spcPct val="90000"/>
             </a:lnSpc>
@@ -12922,10 +13021,13 @@
             <a:buNone/>
           </a:pPr>
           <a:r>
-            <a:rPr lang="en-US" sz="2100" kern="1200" dirty="0" err="1"/>
+            <a:rPr lang="en-US" sz="2000" kern="1200" dirty="0" err="1"/>
             <a:t>GoogleDocs</a:t>
           </a:r>
-          <a:endParaRPr lang="en-US" sz="2100" kern="1200" dirty="0"/>
+          <a:r>
+            <a:rPr lang="en-US" sz="2000" kern="1200" dirty="0"/>
+            <a:t> Generative AI</a:t>
+          </a:r>
         </a:p>
         <a:p>
           <a:pPr marL="171450" lvl="1" indent="-171450" algn="ctr" defTabSz="711200">
@@ -13000,12 +13102,12 @@
         </a:fontRef>
       </dsp:style>
       <dsp:txBody>
-        <a:bodyPr spcFirstLastPara="0" vert="horz" wrap="square" lIns="80010" tIns="80010" rIns="80010" bIns="80010" numCol="1" spcCol="1270" anchor="t" anchorCtr="0">
+        <a:bodyPr spcFirstLastPara="0" vert="horz" wrap="square" lIns="76200" tIns="76200" rIns="76200" bIns="76200" numCol="1" spcCol="1270" anchor="t" anchorCtr="0">
           <a:noAutofit/>
         </a:bodyPr>
         <a:lstStyle/>
         <a:p>
-          <a:pPr marL="0" lvl="0" indent="0" algn="ctr" defTabSz="933450">
+          <a:pPr marL="0" lvl="0" indent="0" algn="ctr" defTabSz="889000">
             <a:lnSpc>
               <a:spcPct val="90000"/>
             </a:lnSpc>
@@ -13018,7 +13120,7 @@
             <a:buNone/>
           </a:pPr>
           <a:r>
-            <a:rPr lang="en-US" sz="2100" kern="1200" dirty="0"/>
+            <a:rPr lang="en-US" sz="2000" kern="1200" dirty="0"/>
             <a:t>GitHub</a:t>
           </a:r>
         </a:p>
@@ -22540,7 +22642,7 @@
           <a:p>
             <a:fld id="{9184DA70-C731-4C70-880D-CCD4705E623C}" type="datetime1">
               <a:rPr lang="en-US" smtClean="0"/>
-              <a:t>8/27/21</a:t>
+              <a:t>1/16/23</a:t>
             </a:fld>
             <a:endParaRPr lang="en-US" dirty="0"/>
           </a:p>
@@ -22728,7 +22830,7 @@
           <a:p>
             <a:fld id="{B612A279-0833-481D-8C56-F67FD0AC6C50}" type="datetime1">
               <a:rPr lang="en-US" smtClean="0"/>
-              <a:t>8/27/21</a:t>
+              <a:t>1/16/23</a:t>
             </a:fld>
             <a:endParaRPr lang="en-US" dirty="0"/>
           </a:p>
@@ -22970,7 +23072,7 @@
           <a:p>
             <a:fld id="{6587DA83-5663-4C9C-B9AA-0B40A3DAFF81}" type="datetime1">
               <a:rPr lang="en-US" smtClean="0"/>
-              <a:t>8/27/21</a:t>
+              <a:t>1/16/23</a:t>
             </a:fld>
             <a:endParaRPr lang="en-US" dirty="0"/>
           </a:p>
@@ -23158,7 +23260,7 @@
           <a:p>
             <a:fld id="{4BE1D723-8F53-4F53-90B0-1982A396982E}" type="datetime1">
               <a:rPr lang="en-US" smtClean="0"/>
-              <a:t>8/27/21</a:t>
+              <a:t>1/16/23</a:t>
             </a:fld>
             <a:endParaRPr lang="en-US" dirty="0"/>
           </a:p>
@@ -23531,7 +23633,7 @@
           <a:p>
             <a:fld id="{97669AF7-7BEB-44E4-9852-375E34362B5B}" type="datetime1">
               <a:rPr lang="en-US" smtClean="0"/>
-              <a:t>8/27/21</a:t>
+              <a:t>1/16/23</a:t>
             </a:fld>
             <a:endParaRPr lang="en-US" dirty="0"/>
           </a:p>
@@ -23786,7 +23888,7 @@
           <a:p>
             <a:fld id="{BAAAC38D-0552-4C82-B593-E6124DFADBE2}" type="datetime1">
               <a:rPr lang="en-US" smtClean="0"/>
-              <a:t>8/27/21</a:t>
+              <a:t>1/16/23</a:t>
             </a:fld>
             <a:endParaRPr lang="en-US" dirty="0"/>
           </a:p>
@@ -24183,7 +24285,7 @@
           <a:p>
             <a:fld id="{D9DF0F1C-5577-4ACB-BB62-DF8F3C494C7E}" type="datetime1">
               <a:rPr lang="en-US" smtClean="0"/>
-              <a:t>8/27/21</a:t>
+              <a:t>1/16/23</a:t>
             </a:fld>
             <a:endParaRPr lang="en-US" dirty="0"/>
           </a:p>
@@ -24319,7 +24421,7 @@
           <a:p>
             <a:fld id="{1775B394-D9F9-4F0C-B15D-605F45CB9E9F}" type="datetime1">
               <a:rPr lang="en-US" smtClean="0"/>
-              <a:t>8/27/21</a:t>
+              <a:t>1/16/23</a:t>
             </a:fld>
             <a:endParaRPr lang="en-US" dirty="0"/>
           </a:p>
@@ -24476,7 +24578,7 @@
           <a:p>
             <a:fld id="{39667345-2558-425A-8533-9BFDBCE15005}" type="datetime1">
               <a:rPr lang="en-US" smtClean="0"/>
-              <a:t>8/27/21</a:t>
+              <a:t>1/16/23</a:t>
             </a:fld>
             <a:endParaRPr lang="en-US" dirty="0"/>
           </a:p>
@@ -24805,7 +24907,7 @@
           <a:p>
             <a:fld id="{92BEA474-078D-4E9B-9B14-09A87B19DC46}" type="datetime1">
               <a:rPr lang="en-US" smtClean="0"/>
-              <a:t>8/27/21</a:t>
+              <a:t>1/16/23</a:t>
             </a:fld>
             <a:endParaRPr lang="en-US" dirty="0"/>
           </a:p>
@@ -25155,7 +25257,7 @@
           <a:p>
             <a:fld id="{4907D986-8816-4272-A432-0437A28A9828}" type="datetime1">
               <a:rPr lang="en-US" smtClean="0"/>
-              <a:t>8/27/21</a:t>
+              <a:t>1/16/23</a:t>
             </a:fld>
             <a:endParaRPr lang="en-US" dirty="0"/>
           </a:p>
@@ -25416,7 +25518,7 @@
           <a:p>
             <a:fld id="{62D6E202-B606-4609-B914-27C9371A1F6D}" type="datetime1">
               <a:rPr lang="en-US" smtClean="0"/>
-              <a:t>8/27/21</a:t>
+              <a:t>1/16/23</a:t>
             </a:fld>
             <a:endParaRPr lang="en-US" dirty="0"/>
           </a:p>
@@ -26231,6 +26333,270 @@
 </p:sld>
 </file>
 
+<file path=ppt/slides/slide10.xml><?xml version="1.0" encoding="utf-8"?>
+<p:sld xmlns:a="http://schemas.openxmlformats.org/drawingml/2006/main" xmlns:r="http://schemas.openxmlformats.org/officeDocument/2006/relationships" xmlns:p="http://schemas.openxmlformats.org/presentationml/2006/main">
+  <p:cSld>
+    <p:bg>
+      <p:bgPr>
+        <a:solidFill>
+          <a:schemeClr val="bg1"/>
+        </a:solidFill>
+        <a:effectLst/>
+      </p:bgPr>
+    </p:bg>
+    <p:spTree>
+      <p:nvGrpSpPr>
+        <p:cNvPr id="1" name=""/>
+        <p:cNvGrpSpPr/>
+        <p:nvPr/>
+      </p:nvGrpSpPr>
+      <p:grpSpPr>
+        <a:xfrm>
+          <a:off x="0" y="0"/>
+          <a:ext cx="0" cy="0"/>
+          <a:chOff x="0" y="0"/>
+          <a:chExt cx="0" cy="0"/>
+        </a:xfrm>
+      </p:grpSpPr>
+      <p:sp>
+        <p:nvSpPr>
+          <p:cNvPr id="9" name="Rectangle 8">
+            <a:extLst>
+              <a:ext uri="{FF2B5EF4-FFF2-40B4-BE49-F238E27FC236}">
+                <a16:creationId xmlns:a16="http://schemas.microsoft.com/office/drawing/2014/main" id="{E844E128-FF69-4E9F-8327-6B504B3C5AE1}"/>
+              </a:ext>
+              <a:ext uri="{C183D7F6-B498-43B3-948B-1728B52AA6E4}">
+                <adec:decorative xmlns:adec="http://schemas.microsoft.com/office/drawing/2017/decorative" val="1"/>
+              </a:ext>
+            </a:extLst>
+          </p:cNvPr>
+          <p:cNvSpPr>
+            <a:spLocks noGrp="1" noRot="1" noChangeAspect="1" noMove="1" noResize="1" noEditPoints="1" noAdjustHandles="1" noChangeArrowheads="1" noChangeShapeType="1" noTextEdit="1"/>
+          </p:cNvSpPr>
+          <p:nvPr>
+            <p:extLst>
+              <p:ext uri="{386F3935-93C4-4BCD-93E2-E3B085C9AB24}">
+                <p16:designElem xmlns:p16="http://schemas.microsoft.com/office/powerpoint/2015/main" val="1"/>
+              </p:ext>
+            </p:extLst>
+          </p:nvPr>
+        </p:nvSpPr>
+        <p:spPr bwMode="white">
+          <a:xfrm>
+            <a:off x="15" y="0"/>
+            <a:ext cx="12191985" cy="6858000"/>
+          </a:xfrm>
+          <a:prstGeom prst="rect">
+            <a:avLst/>
+          </a:prstGeom>
+          <a:solidFill>
+            <a:srgbClr val="262626"/>
+          </a:solidFill>
+          <a:ln>
+            <a:noFill/>
+          </a:ln>
+        </p:spPr>
+        <p:style>
+          <a:lnRef idx="2">
+            <a:schemeClr val="accent1">
+              <a:shade val="50000"/>
+            </a:schemeClr>
+          </a:lnRef>
+          <a:fillRef idx="1">
+            <a:schemeClr val="accent1"/>
+          </a:fillRef>
+          <a:effectRef idx="0">
+            <a:schemeClr val="accent1"/>
+          </a:effectRef>
+          <a:fontRef idx="minor">
+            <a:schemeClr val="lt1"/>
+          </a:fontRef>
+        </p:style>
+      </p:sp>
+      <p:sp>
+        <p:nvSpPr>
+          <p:cNvPr id="2" name="Title 1">
+            <a:extLst>
+              <a:ext uri="{FF2B5EF4-FFF2-40B4-BE49-F238E27FC236}">
+                <a16:creationId xmlns:a16="http://schemas.microsoft.com/office/drawing/2014/main" id="{3A1F03DB-3B3F-1F4E-A6AD-518A68575657}"/>
+              </a:ext>
+            </a:extLst>
+          </p:cNvPr>
+          <p:cNvSpPr>
+            <a:spLocks noGrp="1"/>
+          </p:cNvSpPr>
+          <p:nvPr>
+            <p:ph type="title"/>
+          </p:nvPr>
+        </p:nvSpPr>
+        <p:spPr>
+          <a:xfrm>
+            <a:off x="643467" y="516835"/>
+            <a:ext cx="3448259" cy="1666501"/>
+          </a:xfrm>
+        </p:spPr>
+        <p:txBody>
+          <a:bodyPr>
+            <a:normAutofit/>
+          </a:bodyPr>
+          <a:lstStyle/>
+          <a:p>
+            <a:r>
+              <a:rPr lang="en-US" sz="4000">
+                <a:solidFill>
+                  <a:srgbClr val="FFFFFF"/>
+                </a:solidFill>
+              </a:rPr>
+              <a:t>Resources</a:t>
+            </a:r>
+          </a:p>
+        </p:txBody>
+      </p:sp>
+      <p:cxnSp>
+        <p:nvCxnSpPr>
+          <p:cNvPr id="11" name="Straight Connector 10">
+            <a:extLst>
+              <a:ext uri="{FF2B5EF4-FFF2-40B4-BE49-F238E27FC236}">
+                <a16:creationId xmlns:a16="http://schemas.microsoft.com/office/drawing/2014/main" id="{055CEADF-09EA-423C-8C45-F94AF44D5AF0}"/>
+              </a:ext>
+              <a:ext uri="{C183D7F6-B498-43B3-948B-1728B52AA6E4}">
+                <adec:decorative xmlns:adec="http://schemas.microsoft.com/office/drawing/2017/decorative" val="1"/>
+              </a:ext>
+            </a:extLst>
+          </p:cNvPr>
+          <p:cNvCxnSpPr>
+            <a:cxnSpLocks noGrp="1" noRot="1" noChangeAspect="1" noMove="1" noResize="1" noEditPoints="1" noAdjustHandles="1" noChangeArrowheads="1" noChangeShapeType="1"/>
+          </p:cNvCxnSpPr>
+          <p:nvPr>
+            <p:extLst>
+              <p:ext uri="{386F3935-93C4-4BCD-93E2-E3B085C9AB24}">
+                <p16:designElem xmlns:p16="http://schemas.microsoft.com/office/powerpoint/2015/main" val="1"/>
+              </p:ext>
+            </p:extLst>
+          </p:nvPr>
+        </p:nvCxnSpPr>
+        <p:spPr>
+          <a:xfrm>
+            <a:off x="723686" y="2353592"/>
+            <a:ext cx="3291840" cy="0"/>
+          </a:xfrm>
+          <a:prstGeom prst="line">
+            <a:avLst/>
+          </a:prstGeom>
+          <a:ln w="19050">
+            <a:solidFill>
+              <a:schemeClr val="accent1"/>
+            </a:solidFill>
+          </a:ln>
+        </p:spPr>
+        <p:style>
+          <a:lnRef idx="1">
+            <a:schemeClr val="accent1"/>
+          </a:lnRef>
+          <a:fillRef idx="0">
+            <a:schemeClr val="accent1"/>
+          </a:fillRef>
+          <a:effectRef idx="0">
+            <a:schemeClr val="accent1"/>
+          </a:effectRef>
+          <a:fontRef idx="minor">
+            <a:schemeClr val="tx1"/>
+          </a:fontRef>
+        </p:style>
+      </p:cxnSp>
+      <p:sp>
+        <p:nvSpPr>
+          <p:cNvPr id="3" name="Content Placeholder 2">
+            <a:extLst>
+              <a:ext uri="{FF2B5EF4-FFF2-40B4-BE49-F238E27FC236}">
+                <a16:creationId xmlns:a16="http://schemas.microsoft.com/office/drawing/2014/main" id="{730BC168-4011-AF49-885F-EA64D06F5A3D}"/>
+              </a:ext>
+            </a:extLst>
+          </p:cNvPr>
+          <p:cNvSpPr>
+            <a:spLocks noGrp="1"/>
+          </p:cNvSpPr>
+          <p:nvPr>
+            <p:ph idx="1"/>
+          </p:nvPr>
+        </p:nvSpPr>
+        <p:spPr>
+          <a:xfrm>
+            <a:off x="643467" y="2546224"/>
+            <a:ext cx="3899504" cy="3342747"/>
+          </a:xfrm>
+        </p:spPr>
+        <p:txBody>
+          <a:bodyPr>
+            <a:normAutofit/>
+          </a:bodyPr>
+          <a:lstStyle/>
+          <a:p>
+            <a:r>
+              <a:rPr lang="en-US" sz="1800" dirty="0">
+                <a:hlinkClick r:id="rId2"/>
+              </a:rPr>
+              <a:t>https://maherou.github.io/Teaching</a:t>
+            </a:r>
+            <a:r>
+              <a:rPr lang="en-US" sz="1800" dirty="0"/>
+              <a:t> </a:t>
+            </a:r>
+          </a:p>
+          <a:p>
+            <a:pPr marL="0" indent="0">
+              <a:buNone/>
+            </a:pPr>
+            <a:endParaRPr lang="en-US" sz="1800" dirty="0">
+              <a:solidFill>
+                <a:srgbClr val="FFFFFF"/>
+              </a:solidFill>
+            </a:endParaRPr>
+          </a:p>
+        </p:txBody>
+      </p:sp>
+      <p:pic>
+        <p:nvPicPr>
+          <p:cNvPr id="5" name="Picture 4">
+            <a:extLst>
+              <a:ext uri="{FF2B5EF4-FFF2-40B4-BE49-F238E27FC236}">
+                <a16:creationId xmlns:a16="http://schemas.microsoft.com/office/drawing/2014/main" id="{E87B6D76-8FDA-4DC2-98CB-CFE856798973}"/>
+              </a:ext>
+            </a:extLst>
+          </p:cNvPr>
+          <p:cNvPicPr>
+            <a:picLocks noChangeAspect="1"/>
+          </p:cNvPicPr>
+          <p:nvPr/>
+        </p:nvPicPr>
+        <p:blipFill rotWithShape="1">
+          <a:blip r:embed="rId3"/>
+          <a:srcRect l="26635" r="-1" b="-1"/>
+          <a:stretch/>
+        </p:blipFill>
+        <p:spPr>
+          <a:xfrm>
+            <a:off x="4654296" y="10"/>
+            <a:ext cx="7537703" cy="6857990"/>
+          </a:xfrm>
+          <a:prstGeom prst="rect">
+            <a:avLst/>
+          </a:prstGeom>
+        </p:spPr>
+      </p:pic>
+    </p:spTree>
+    <p:extLst>
+      <p:ext uri="{BB962C8B-B14F-4D97-AF65-F5344CB8AC3E}">
+        <p14:creationId xmlns:p14="http://schemas.microsoft.com/office/powerpoint/2010/main" val="2662618993"/>
+      </p:ext>
+    </p:extLst>
+  </p:cSld>
+  <p:clrMapOvr>
+    <a:overrideClrMapping bg1="dk1" tx1="lt1" bg2="dk2" tx2="lt2" accent1="accent1" accent2="accent2" accent3="accent3" accent4="accent4" accent5="accent5" accent6="accent6" hlink="hlink" folHlink="folHlink"/>
+  </p:clrMapOvr>
+</p:sld>
+</file>
+
 <file path=ppt/slides/slide2.xml><?xml version="1.0" encoding="utf-8"?>
 <p:sld xmlns:a="http://schemas.openxmlformats.org/drawingml/2006/main" xmlns:r="http://schemas.openxmlformats.org/officeDocument/2006/relationships" xmlns:p="http://schemas.openxmlformats.org/presentationml/2006/main">
   <p:cSld>
@@ -26429,7 +26795,7 @@
             <p:ph idx="1"/>
             <p:extLst>
               <p:ext uri="{D42A27DB-BD31-4B8C-83A1-F6EECF244321}">
-                <p14:modId xmlns:p14="http://schemas.microsoft.com/office/powerpoint/2010/main" val="2583345199"/>
+                <p14:modId xmlns:p14="http://schemas.microsoft.com/office/powerpoint/2010/main" val="2899921034"/>
               </p:ext>
             </p:extLst>
           </p:nvPr>
@@ -26927,7 +27293,7 @@
           <p:nvPr>
             <p:extLst>
               <p:ext uri="{D42A27DB-BD31-4B8C-83A1-F6EECF244321}">
-                <p14:modId xmlns:p14="http://schemas.microsoft.com/office/powerpoint/2010/main" val="3043423481"/>
+                <p14:modId xmlns:p14="http://schemas.microsoft.com/office/powerpoint/2010/main" val="2578583431"/>
               </p:ext>
             </p:extLst>
           </p:nvPr>
@@ -26956,8 +27322,8 @@
         </p:nvSpPr>
         <p:spPr>
           <a:xfrm>
-            <a:off x="2879834" y="5801710"/>
-            <a:ext cx="6443944" cy="369332"/>
+            <a:off x="2432095" y="5675588"/>
+            <a:ext cx="6443944" cy="646331"/>
           </a:xfrm>
           <a:prstGeom prst="rect">
             <a:avLst/>
@@ -26986,6 +27352,12 @@
             <a:r>
               <a:rPr lang="en-US" dirty="0"/>
               <a:t>Without regular learning of new content, our skills diminish!</a:t>
+            </a:r>
+          </a:p>
+          <a:p>
+            <a:r>
+              <a:rPr lang="en-US" dirty="0"/>
+              <a:t>Rate of progress seems to be accelerating: 3 years -&gt; 2, 1.5?</a:t>
             </a:r>
           </a:p>
         </p:txBody>
@@ -27246,7 +27618,7 @@
           <p:nvPr>
             <p:extLst>
               <p:ext uri="{D42A27DB-BD31-4B8C-83A1-F6EECF244321}">
-                <p14:modId xmlns:p14="http://schemas.microsoft.com/office/powerpoint/2010/main" val="554741768"/>
+                <p14:modId xmlns:p14="http://schemas.microsoft.com/office/powerpoint/2010/main" val="3606543633"/>
               </p:ext>
             </p:extLst>
           </p:nvPr>
@@ -27543,7 +27915,7 @@
             <p:ph idx="1"/>
             <p:extLst>
               <p:ext uri="{D42A27DB-BD31-4B8C-83A1-F6EECF244321}">
-                <p14:modId xmlns:p14="http://schemas.microsoft.com/office/powerpoint/2010/main" val="2917323975"/>
+                <p14:modId xmlns:p14="http://schemas.microsoft.com/office/powerpoint/2010/main" val="754614322"/>
               </p:ext>
             </p:extLst>
           </p:nvPr>
@@ -27847,6 +28219,264 @@
 </file>
 
 <file path=ppt/slides/slide8.xml><?xml version="1.0" encoding="utf-8"?>
+<p:sld xmlns:a="http://schemas.openxmlformats.org/drawingml/2006/main" xmlns:r="http://schemas.openxmlformats.org/officeDocument/2006/relationships" xmlns:p="http://schemas.openxmlformats.org/presentationml/2006/main">
+  <p:cSld>
+    <p:bg>
+      <p:bgPr>
+        <a:solidFill>
+          <a:schemeClr val="bg1"/>
+        </a:solidFill>
+        <a:effectLst/>
+      </p:bgPr>
+    </p:bg>
+    <p:spTree>
+      <p:nvGrpSpPr>
+        <p:cNvPr id="1" name=""/>
+        <p:cNvGrpSpPr/>
+        <p:nvPr/>
+      </p:nvGrpSpPr>
+      <p:grpSpPr>
+        <a:xfrm>
+          <a:off x="0" y="0"/>
+          <a:ext cx="0" cy="0"/>
+          <a:chOff x="0" y="0"/>
+          <a:chExt cx="0" cy="0"/>
+        </a:xfrm>
+      </p:grpSpPr>
+      <p:sp useBgFill="1">
+        <p:nvSpPr>
+          <p:cNvPr id="9" name="Rectangle 8">
+            <a:extLst>
+              <a:ext uri="{FF2B5EF4-FFF2-40B4-BE49-F238E27FC236}">
+                <a16:creationId xmlns:a16="http://schemas.microsoft.com/office/drawing/2014/main" id="{67B74F2B-9534-4540-96B0-5C8E958B940F}"/>
+              </a:ext>
+              <a:ext uri="{C183D7F6-B498-43B3-948B-1728B52AA6E4}">
+                <adec:decorative xmlns:adec="http://schemas.microsoft.com/office/drawing/2017/decorative" val="1"/>
+              </a:ext>
+            </a:extLst>
+          </p:cNvPr>
+          <p:cNvSpPr>
+            <a:spLocks noGrp="1" noRot="1" noChangeAspect="1" noMove="1" noResize="1" noEditPoints="1" noAdjustHandles="1" noChangeArrowheads="1" noChangeShapeType="1" noTextEdit="1"/>
+          </p:cNvSpPr>
+          <p:nvPr>
+            <p:extLst>
+              <p:ext uri="{386F3935-93C4-4BCD-93E2-E3B085C9AB24}">
+                <p16:designElem xmlns:p16="http://schemas.microsoft.com/office/powerpoint/2015/main" val="1"/>
+              </p:ext>
+            </p:extLst>
+          </p:nvPr>
+        </p:nvSpPr>
+        <p:spPr>
+          <a:xfrm>
+            <a:off x="0" y="0"/>
+            <a:ext cx="12192001" cy="6858000"/>
+          </a:xfrm>
+          <a:prstGeom prst="rect">
+            <a:avLst/>
+          </a:prstGeom>
+          <a:ln>
+            <a:noFill/>
+          </a:ln>
+        </p:spPr>
+        <p:style>
+          <a:lnRef idx="2">
+            <a:schemeClr val="accent1">
+              <a:shade val="50000"/>
+            </a:schemeClr>
+          </a:lnRef>
+          <a:fillRef idx="1">
+            <a:schemeClr val="accent1"/>
+          </a:fillRef>
+          <a:effectRef idx="0">
+            <a:schemeClr val="accent1"/>
+          </a:effectRef>
+          <a:fontRef idx="minor">
+            <a:schemeClr val="lt1"/>
+          </a:fontRef>
+        </p:style>
+        <p:txBody>
+          <a:bodyPr rtlCol="0" anchor="ctr"/>
+          <a:lstStyle/>
+          <a:p>
+            <a:pPr algn="ctr"/>
+            <a:endParaRPr lang="en-US"/>
+          </a:p>
+        </p:txBody>
+      </p:sp>
+      <p:sp>
+        <p:nvSpPr>
+          <p:cNvPr id="2" name="Title 1">
+            <a:extLst>
+              <a:ext uri="{FF2B5EF4-FFF2-40B4-BE49-F238E27FC236}">
+                <a16:creationId xmlns:a16="http://schemas.microsoft.com/office/drawing/2014/main" id="{07BE947A-F3E0-994C-8F84-242FA94B39A2}"/>
+              </a:ext>
+            </a:extLst>
+          </p:cNvPr>
+          <p:cNvSpPr>
+            <a:spLocks noGrp="1"/>
+          </p:cNvSpPr>
+          <p:nvPr>
+            <p:ph type="title"/>
+          </p:nvPr>
+        </p:nvSpPr>
+        <p:spPr>
+          <a:xfrm>
+            <a:off x="5172074" y="286603"/>
+            <a:ext cx="5983605" cy="1450757"/>
+          </a:xfrm>
+        </p:spPr>
+        <p:txBody>
+          <a:bodyPr>
+            <a:normAutofit/>
+          </a:bodyPr>
+          <a:lstStyle/>
+          <a:p>
+            <a:r>
+              <a:rPr lang="en-US" dirty="0"/>
+              <a:t>Generative AI Tools</a:t>
+            </a:r>
+          </a:p>
+        </p:txBody>
+      </p:sp>
+      <p:pic>
+        <p:nvPicPr>
+          <p:cNvPr id="5" name="Picture 4" descr="Work tools on a red background">
+            <a:extLst>
+              <a:ext uri="{FF2B5EF4-FFF2-40B4-BE49-F238E27FC236}">
+                <a16:creationId xmlns:a16="http://schemas.microsoft.com/office/drawing/2014/main" id="{EF70ABF8-AEB8-265B-9270-1EF0FD6E99F7}"/>
+              </a:ext>
+            </a:extLst>
+          </p:cNvPr>
+          <p:cNvPicPr>
+            <a:picLocks noChangeAspect="1"/>
+          </p:cNvPicPr>
+          <p:nvPr/>
+        </p:nvPicPr>
+        <p:blipFill rotWithShape="1">
+          <a:blip r:embed="rId2"/>
+          <a:srcRect l="22371" r="33050" b="-1"/>
+          <a:stretch/>
+        </p:blipFill>
+        <p:spPr>
+          <a:xfrm>
+            <a:off x="20" y="10"/>
+            <a:ext cx="4580077" cy="6857990"/>
+          </a:xfrm>
+          <a:prstGeom prst="rect">
+            <a:avLst/>
+          </a:prstGeom>
+        </p:spPr>
+      </p:pic>
+      <p:cxnSp>
+        <p:nvCxnSpPr>
+          <p:cNvPr id="11" name="Straight Connector 10">
+            <a:extLst>
+              <a:ext uri="{FF2B5EF4-FFF2-40B4-BE49-F238E27FC236}">
+                <a16:creationId xmlns:a16="http://schemas.microsoft.com/office/drawing/2014/main" id="{33BECB2B-2CFA-412C-880F-C4B60974936F}"/>
+              </a:ext>
+              <a:ext uri="{C183D7F6-B498-43B3-948B-1728B52AA6E4}">
+                <adec:decorative xmlns:adec="http://schemas.microsoft.com/office/drawing/2017/decorative" val="1"/>
+              </a:ext>
+            </a:extLst>
+          </p:cNvPr>
+          <p:cNvCxnSpPr>
+            <a:cxnSpLocks noGrp="1" noRot="1" noChangeAspect="1" noMove="1" noResize="1" noEditPoints="1" noAdjustHandles="1" noChangeArrowheads="1" noChangeShapeType="1"/>
+          </p:cNvCxnSpPr>
+          <p:nvPr>
+            <p:extLst>
+              <p:ext uri="{386F3935-93C4-4BCD-93E2-E3B085C9AB24}">
+                <p16:designElem xmlns:p16="http://schemas.microsoft.com/office/powerpoint/2015/main" val="1"/>
+              </p:ext>
+            </p:extLst>
+          </p:nvPr>
+        </p:nvCxnSpPr>
+        <p:spPr>
+          <a:xfrm>
+            <a:off x="5242903" y="1917852"/>
+            <a:ext cx="5943600" cy="0"/>
+          </a:xfrm>
+          <a:prstGeom prst="line">
+            <a:avLst/>
+          </a:prstGeom>
+          <a:ln w="12700">
+            <a:solidFill>
+              <a:schemeClr val="tx1">
+                <a:lumMod val="75000"/>
+                <a:lumOff val="25000"/>
+              </a:schemeClr>
+            </a:solidFill>
+          </a:ln>
+        </p:spPr>
+        <p:style>
+          <a:lnRef idx="1">
+            <a:schemeClr val="accent1"/>
+          </a:lnRef>
+          <a:fillRef idx="0">
+            <a:schemeClr val="accent1"/>
+          </a:fillRef>
+          <a:effectRef idx="0">
+            <a:schemeClr val="accent1"/>
+          </a:effectRef>
+          <a:fontRef idx="minor">
+            <a:schemeClr val="tx1"/>
+          </a:fontRef>
+        </p:style>
+      </p:cxnSp>
+      <p:sp>
+        <p:nvSpPr>
+          <p:cNvPr id="3" name="Content Placeholder 2">
+            <a:extLst>
+              <a:ext uri="{FF2B5EF4-FFF2-40B4-BE49-F238E27FC236}">
+                <a16:creationId xmlns:a16="http://schemas.microsoft.com/office/drawing/2014/main" id="{938228F9-BD5C-B777-5D37-08C332101650}"/>
+              </a:ext>
+            </a:extLst>
+          </p:cNvPr>
+          <p:cNvSpPr>
+            <a:spLocks noGrp="1"/>
+          </p:cNvSpPr>
+          <p:nvPr>
+            <p:ph idx="1"/>
+          </p:nvPr>
+        </p:nvSpPr>
+        <p:spPr>
+          <a:xfrm>
+            <a:off x="5172073" y="2108201"/>
+            <a:ext cx="6477233" cy="3760891"/>
+          </a:xfrm>
+        </p:spPr>
+        <p:txBody>
+          <a:bodyPr>
+            <a:normAutofit/>
+          </a:bodyPr>
+          <a:lstStyle/>
+          <a:p>
+            <a:r>
+              <a:rPr lang="en-US" dirty="0"/>
+              <a:t>Exciting new frontier</a:t>
+            </a:r>
+          </a:p>
+          <a:p>
+            <a:r>
+              <a:rPr lang="en-US" dirty="0"/>
+              <a:t>We will embrace and explore the use of these tools!</a:t>
+            </a:r>
+          </a:p>
+        </p:txBody>
+      </p:sp>
+    </p:spTree>
+    <p:extLst>
+      <p:ext uri="{BB962C8B-B14F-4D97-AF65-F5344CB8AC3E}">
+        <p14:creationId xmlns:p14="http://schemas.microsoft.com/office/powerpoint/2010/main" val="416050378"/>
+      </p:ext>
+    </p:extLst>
+  </p:cSld>
+  <p:clrMapOvr>
+    <a:masterClrMapping/>
+  </p:clrMapOvr>
+</p:sld>
+</file>
+
+<file path=ppt/slides/slide9.xml><?xml version="1.0" encoding="utf-8"?>
 <p:sld xmlns:a="http://schemas.openxmlformats.org/drawingml/2006/main" xmlns:r="http://schemas.openxmlformats.org/officeDocument/2006/relationships" xmlns:p="http://schemas.openxmlformats.org/presentationml/2006/main">
   <p:cSld>
     <p:bg>
@@ -28216,270 +28846,6 @@
 </p:sld>
 </file>
 
-<file path=ppt/slides/slide9.xml><?xml version="1.0" encoding="utf-8"?>
-<p:sld xmlns:a="http://schemas.openxmlformats.org/drawingml/2006/main" xmlns:r="http://schemas.openxmlformats.org/officeDocument/2006/relationships" xmlns:p="http://schemas.openxmlformats.org/presentationml/2006/main">
-  <p:cSld>
-    <p:bg>
-      <p:bgPr>
-        <a:solidFill>
-          <a:schemeClr val="bg1"/>
-        </a:solidFill>
-        <a:effectLst/>
-      </p:bgPr>
-    </p:bg>
-    <p:spTree>
-      <p:nvGrpSpPr>
-        <p:cNvPr id="1" name=""/>
-        <p:cNvGrpSpPr/>
-        <p:nvPr/>
-      </p:nvGrpSpPr>
-      <p:grpSpPr>
-        <a:xfrm>
-          <a:off x="0" y="0"/>
-          <a:ext cx="0" cy="0"/>
-          <a:chOff x="0" y="0"/>
-          <a:chExt cx="0" cy="0"/>
-        </a:xfrm>
-      </p:grpSpPr>
-      <p:sp>
-        <p:nvSpPr>
-          <p:cNvPr id="9" name="Rectangle 8">
-            <a:extLst>
-              <a:ext uri="{FF2B5EF4-FFF2-40B4-BE49-F238E27FC236}">
-                <a16:creationId xmlns:a16="http://schemas.microsoft.com/office/drawing/2014/main" id="{E844E128-FF69-4E9F-8327-6B504B3C5AE1}"/>
-              </a:ext>
-              <a:ext uri="{C183D7F6-B498-43B3-948B-1728B52AA6E4}">
-                <adec:decorative xmlns:adec="http://schemas.microsoft.com/office/drawing/2017/decorative" val="1"/>
-              </a:ext>
-            </a:extLst>
-          </p:cNvPr>
-          <p:cNvSpPr>
-            <a:spLocks noGrp="1" noRot="1" noChangeAspect="1" noMove="1" noResize="1" noEditPoints="1" noAdjustHandles="1" noChangeArrowheads="1" noChangeShapeType="1" noTextEdit="1"/>
-          </p:cNvSpPr>
-          <p:nvPr>
-            <p:extLst>
-              <p:ext uri="{386F3935-93C4-4BCD-93E2-E3B085C9AB24}">
-                <p16:designElem xmlns:p16="http://schemas.microsoft.com/office/powerpoint/2015/main" val="1"/>
-              </p:ext>
-            </p:extLst>
-          </p:nvPr>
-        </p:nvSpPr>
-        <p:spPr bwMode="white">
-          <a:xfrm>
-            <a:off x="15" y="0"/>
-            <a:ext cx="12191985" cy="6858000"/>
-          </a:xfrm>
-          <a:prstGeom prst="rect">
-            <a:avLst/>
-          </a:prstGeom>
-          <a:solidFill>
-            <a:srgbClr val="262626"/>
-          </a:solidFill>
-          <a:ln>
-            <a:noFill/>
-          </a:ln>
-        </p:spPr>
-        <p:style>
-          <a:lnRef idx="2">
-            <a:schemeClr val="accent1">
-              <a:shade val="50000"/>
-            </a:schemeClr>
-          </a:lnRef>
-          <a:fillRef idx="1">
-            <a:schemeClr val="accent1"/>
-          </a:fillRef>
-          <a:effectRef idx="0">
-            <a:schemeClr val="accent1"/>
-          </a:effectRef>
-          <a:fontRef idx="minor">
-            <a:schemeClr val="lt1"/>
-          </a:fontRef>
-        </p:style>
-      </p:sp>
-      <p:sp>
-        <p:nvSpPr>
-          <p:cNvPr id="2" name="Title 1">
-            <a:extLst>
-              <a:ext uri="{FF2B5EF4-FFF2-40B4-BE49-F238E27FC236}">
-                <a16:creationId xmlns:a16="http://schemas.microsoft.com/office/drawing/2014/main" id="{3A1F03DB-3B3F-1F4E-A6AD-518A68575657}"/>
-              </a:ext>
-            </a:extLst>
-          </p:cNvPr>
-          <p:cNvSpPr>
-            <a:spLocks noGrp="1"/>
-          </p:cNvSpPr>
-          <p:nvPr>
-            <p:ph type="title"/>
-          </p:nvPr>
-        </p:nvSpPr>
-        <p:spPr>
-          <a:xfrm>
-            <a:off x="643467" y="516835"/>
-            <a:ext cx="3448259" cy="1666501"/>
-          </a:xfrm>
-        </p:spPr>
-        <p:txBody>
-          <a:bodyPr>
-            <a:normAutofit/>
-          </a:bodyPr>
-          <a:lstStyle/>
-          <a:p>
-            <a:r>
-              <a:rPr lang="en-US" sz="4000">
-                <a:solidFill>
-                  <a:srgbClr val="FFFFFF"/>
-                </a:solidFill>
-              </a:rPr>
-              <a:t>Resources</a:t>
-            </a:r>
-          </a:p>
-        </p:txBody>
-      </p:sp>
-      <p:cxnSp>
-        <p:nvCxnSpPr>
-          <p:cNvPr id="11" name="Straight Connector 10">
-            <a:extLst>
-              <a:ext uri="{FF2B5EF4-FFF2-40B4-BE49-F238E27FC236}">
-                <a16:creationId xmlns:a16="http://schemas.microsoft.com/office/drawing/2014/main" id="{055CEADF-09EA-423C-8C45-F94AF44D5AF0}"/>
-              </a:ext>
-              <a:ext uri="{C183D7F6-B498-43B3-948B-1728B52AA6E4}">
-                <adec:decorative xmlns:adec="http://schemas.microsoft.com/office/drawing/2017/decorative" val="1"/>
-              </a:ext>
-            </a:extLst>
-          </p:cNvPr>
-          <p:cNvCxnSpPr>
-            <a:cxnSpLocks noGrp="1" noRot="1" noChangeAspect="1" noMove="1" noResize="1" noEditPoints="1" noAdjustHandles="1" noChangeArrowheads="1" noChangeShapeType="1"/>
-          </p:cNvCxnSpPr>
-          <p:nvPr>
-            <p:extLst>
-              <p:ext uri="{386F3935-93C4-4BCD-93E2-E3B085C9AB24}">
-                <p16:designElem xmlns:p16="http://schemas.microsoft.com/office/powerpoint/2015/main" val="1"/>
-              </p:ext>
-            </p:extLst>
-          </p:nvPr>
-        </p:nvCxnSpPr>
-        <p:spPr>
-          <a:xfrm>
-            <a:off x="723686" y="2353592"/>
-            <a:ext cx="3291840" cy="0"/>
-          </a:xfrm>
-          <a:prstGeom prst="line">
-            <a:avLst/>
-          </a:prstGeom>
-          <a:ln w="19050">
-            <a:solidFill>
-              <a:schemeClr val="accent1"/>
-            </a:solidFill>
-          </a:ln>
-        </p:spPr>
-        <p:style>
-          <a:lnRef idx="1">
-            <a:schemeClr val="accent1"/>
-          </a:lnRef>
-          <a:fillRef idx="0">
-            <a:schemeClr val="accent1"/>
-          </a:fillRef>
-          <a:effectRef idx="0">
-            <a:schemeClr val="accent1"/>
-          </a:effectRef>
-          <a:fontRef idx="minor">
-            <a:schemeClr val="tx1"/>
-          </a:fontRef>
-        </p:style>
-      </p:cxnSp>
-      <p:sp>
-        <p:nvSpPr>
-          <p:cNvPr id="3" name="Content Placeholder 2">
-            <a:extLst>
-              <a:ext uri="{FF2B5EF4-FFF2-40B4-BE49-F238E27FC236}">
-                <a16:creationId xmlns:a16="http://schemas.microsoft.com/office/drawing/2014/main" id="{730BC168-4011-AF49-885F-EA64D06F5A3D}"/>
-              </a:ext>
-            </a:extLst>
-          </p:cNvPr>
-          <p:cNvSpPr>
-            <a:spLocks noGrp="1"/>
-          </p:cNvSpPr>
-          <p:nvPr>
-            <p:ph idx="1"/>
-          </p:nvPr>
-        </p:nvSpPr>
-        <p:spPr>
-          <a:xfrm>
-            <a:off x="643467" y="2546224"/>
-            <a:ext cx="3899504" cy="3342747"/>
-          </a:xfrm>
-        </p:spPr>
-        <p:txBody>
-          <a:bodyPr>
-            <a:normAutofit/>
-          </a:bodyPr>
-          <a:lstStyle/>
-          <a:p>
-            <a:r>
-              <a:rPr lang="en-US" sz="1800" dirty="0">
-                <a:hlinkClick r:id="rId2"/>
-              </a:rPr>
-              <a:t>https://maherou.github.io/Teaching</a:t>
-            </a:r>
-            <a:r>
-              <a:rPr lang="en-US" sz="1800" dirty="0"/>
-              <a:t> </a:t>
-            </a:r>
-          </a:p>
-          <a:p>
-            <a:pPr marL="0" indent="0">
-              <a:buNone/>
-            </a:pPr>
-            <a:endParaRPr lang="en-US" sz="1800" dirty="0">
-              <a:solidFill>
-                <a:srgbClr val="FFFFFF"/>
-              </a:solidFill>
-            </a:endParaRPr>
-          </a:p>
-        </p:txBody>
-      </p:sp>
-      <p:pic>
-        <p:nvPicPr>
-          <p:cNvPr id="5" name="Picture 4">
-            <a:extLst>
-              <a:ext uri="{FF2B5EF4-FFF2-40B4-BE49-F238E27FC236}">
-                <a16:creationId xmlns:a16="http://schemas.microsoft.com/office/drawing/2014/main" id="{E87B6D76-8FDA-4DC2-98CB-CFE856798973}"/>
-              </a:ext>
-            </a:extLst>
-          </p:cNvPr>
-          <p:cNvPicPr>
-            <a:picLocks noChangeAspect="1"/>
-          </p:cNvPicPr>
-          <p:nvPr/>
-        </p:nvPicPr>
-        <p:blipFill rotWithShape="1">
-          <a:blip r:embed="rId3"/>
-          <a:srcRect l="26635" r="-1" b="-1"/>
-          <a:stretch/>
-        </p:blipFill>
-        <p:spPr>
-          <a:xfrm>
-            <a:off x="4654296" y="10"/>
-            <a:ext cx="7537703" cy="6857990"/>
-          </a:xfrm>
-          <a:prstGeom prst="rect">
-            <a:avLst/>
-          </a:prstGeom>
-        </p:spPr>
-      </p:pic>
-    </p:spTree>
-    <p:extLst>
-      <p:ext uri="{BB962C8B-B14F-4D97-AF65-F5344CB8AC3E}">
-        <p14:creationId xmlns:p14="http://schemas.microsoft.com/office/powerpoint/2010/main" val="2662618993"/>
-      </p:ext>
-    </p:extLst>
-  </p:cSld>
-  <p:clrMapOvr>
-    <a:overrideClrMapping bg1="dk1" tx1="lt1" bg2="dk2" tx2="lt2" accent1="accent1" accent2="accent2" accent3="accent3" accent4="accent4" accent5="accent5" accent6="accent6" hlink="hlink" folHlink="folHlink"/>
-  </p:clrMapOvr>
-</p:sld>
-</file>
-
 <file path=ppt/theme/theme1.xml><?xml version="1.0" encoding="utf-8"?>
 <a:theme xmlns:a="http://schemas.openxmlformats.org/drawingml/2006/main" name="RetrospectVTI">
   <a:themeElements>

--- a/files/CS373/IntroToCompSciResearch.pptx
+++ b/files/CS373/IntroToCompSciResearch.pptx
@@ -4941,7 +4941,7 @@
         <a:p>
           <a:r>
             <a:rPr lang="en-US" dirty="0"/>
-            <a:t>At the end of the course: Paper, presentation, and dialogue on a topic:</a:t>
+            <a:t>At the end of the course: Paper, presentation, demo, and dialogue on a topic:</a:t>
           </a:r>
         </a:p>
       </dgm:t>
@@ -5546,10 +5546,9 @@
         <a:lstStyle/>
         <a:p>
           <a:r>
-            <a:rPr lang="en-US"/>
+            <a:rPr lang="en-US" dirty="0"/>
             <a:t>Collaborative approach to life</a:t>
           </a:r>
-          <a:endParaRPr lang="en-US" dirty="0"/>
         </a:p>
       </dgm:t>
     </dgm:pt>
@@ -5721,6 +5720,78 @@
         </a:p>
       </dgm:t>
     </dgm:pt>
+    <dgm:pt modelId="{3EE4EE86-4C2B-454B-8891-7F7499D25AA7}">
+      <dgm:prSet/>
+      <dgm:spPr/>
+      <dgm:t>
+        <a:bodyPr/>
+        <a:lstStyle/>
+        <a:p>
+          <a:r>
+            <a:rPr lang="en-US" b="1" dirty="0"/>
+            <a:t>I am ready for change</a:t>
+          </a:r>
+        </a:p>
+      </dgm:t>
+    </dgm:pt>
+    <dgm:pt modelId="{E4AE1CEF-FB26-E740-8C03-2ACB44939919}" type="parTrans" cxnId="{C780C6E7-7ED6-3F4C-9C71-E9E769BF52C9}">
+      <dgm:prSet/>
+      <dgm:spPr/>
+      <dgm:t>
+        <a:bodyPr/>
+        <a:lstStyle/>
+        <a:p>
+          <a:endParaRPr lang="en-US"/>
+        </a:p>
+      </dgm:t>
+    </dgm:pt>
+    <dgm:pt modelId="{4A706F21-62F1-5F4D-8603-963696369E71}" type="sibTrans" cxnId="{C780C6E7-7ED6-3F4C-9C71-E9E769BF52C9}">
+      <dgm:prSet/>
+      <dgm:spPr/>
+      <dgm:t>
+        <a:bodyPr/>
+        <a:lstStyle/>
+        <a:p>
+          <a:endParaRPr lang="en-US"/>
+        </a:p>
+      </dgm:t>
+    </dgm:pt>
+    <dgm:pt modelId="{84C182A7-7422-1D44-AAC5-3195EFF32541}">
+      <dgm:prSet/>
+      <dgm:spPr/>
+      <dgm:t>
+        <a:bodyPr/>
+        <a:lstStyle/>
+        <a:p>
+          <a:r>
+            <a:rPr lang="en-US" b="1" dirty="0"/>
+            <a:t>I am a learner</a:t>
+          </a:r>
+        </a:p>
+      </dgm:t>
+    </dgm:pt>
+    <dgm:pt modelId="{46AE0018-984F-2241-AF36-1C201564BA8E}" type="parTrans" cxnId="{5BDA0AA5-CE73-1C40-8745-5009CF97658D}">
+      <dgm:prSet/>
+      <dgm:spPr/>
+      <dgm:t>
+        <a:bodyPr/>
+        <a:lstStyle/>
+        <a:p>
+          <a:endParaRPr lang="en-US"/>
+        </a:p>
+      </dgm:t>
+    </dgm:pt>
+    <dgm:pt modelId="{BC98A5CC-C74C-9946-92C4-ED71F7820F67}" type="sibTrans" cxnId="{5BDA0AA5-CE73-1C40-8745-5009CF97658D}">
+      <dgm:prSet/>
+      <dgm:spPr/>
+      <dgm:t>
+        <a:bodyPr/>
+        <a:lstStyle/>
+        <a:p>
+          <a:endParaRPr lang="en-US"/>
+        </a:p>
+      </dgm:t>
+    </dgm:pt>
     <dgm:pt modelId="{1F7DAA39-6288-BD43-AFCE-28919DBE02E5}" type="pres">
       <dgm:prSet presAssocID="{89CC62C4-A29C-4577-BE36-0D950318FE5C}" presName="linear" presStyleCnt="0">
         <dgm:presLayoutVars>
@@ -5800,18 +5871,22 @@
     <dgm:cxn modelId="{1813C049-76B4-5540-918B-C9F65000BDB6}" srcId="{C3229F2C-9501-FF4C-BA0B-CE00868C6670}" destId="{F03311D3-9E96-BF47-A0EC-1E34EB2A41C1}" srcOrd="2" destOrd="0" parTransId="{FEB3BC20-C130-564B-BA8C-2F5AD0E98678}" sibTransId="{32076314-4E2B-9C40-838B-AA7054D1EDC0}"/>
     <dgm:cxn modelId="{D7362D4B-6ECE-8E4D-B9DF-923CB990E982}" srcId="{C3229F2C-9501-FF4C-BA0B-CE00868C6670}" destId="{04BB5AB3-8BC2-FD46-9566-FCBD026410C9}" srcOrd="1" destOrd="0" parTransId="{9AE37466-C301-D84E-B698-4CB0B6EAC3B3}" sibTransId="{BF56CC74-4E9D-9444-AC64-E366920AC4E1}"/>
     <dgm:cxn modelId="{936CB75D-3527-A546-9150-93FC836304B9}" type="presOf" srcId="{F03311D3-9E96-BF47-A0EC-1E34EB2A41C1}" destId="{98C4EB67-A9EF-4A43-9E6E-AA99A22738E2}" srcOrd="0" destOrd="2" presId="urn:microsoft.com/office/officeart/2005/8/layout/list1"/>
+    <dgm:cxn modelId="{26B4197A-169D-0D4B-AE40-C697EA0E7436}" type="presOf" srcId="{84C182A7-7422-1D44-AAC5-3195EFF32541}" destId="{98C4EB67-A9EF-4A43-9E6E-AA99A22738E2}" srcOrd="0" destOrd="3" presId="urn:microsoft.com/office/officeart/2005/8/layout/list1"/>
     <dgm:cxn modelId="{8E73B37C-2AC2-714A-AC7F-601D936C5DFC}" type="presOf" srcId="{C3229F2C-9501-FF4C-BA0B-CE00868C6670}" destId="{0156E9E8-1BAF-254D-AE13-BE99CFE6C2F8}" srcOrd="1" destOrd="0" presId="urn:microsoft.com/office/officeart/2005/8/layout/list1"/>
     <dgm:cxn modelId="{36F3FD7D-E423-9548-BB79-889A22415C3E}" type="presOf" srcId="{04BB5AB3-8BC2-FD46-9566-FCBD026410C9}" destId="{98C4EB67-A9EF-4A43-9E6E-AA99A22738E2}" srcOrd="0" destOrd="1" presId="urn:microsoft.com/office/officeart/2005/8/layout/list1"/>
     <dgm:cxn modelId="{5C02B18A-CAE7-654D-8047-D20BBBCEE716}" type="presOf" srcId="{C3229F2C-9501-FF4C-BA0B-CE00868C6670}" destId="{724C464E-881D-A64F-A694-52A45A9D2263}" srcOrd="0" destOrd="0" presId="urn:microsoft.com/office/officeart/2005/8/layout/list1"/>
     <dgm:cxn modelId="{D8191F90-7347-2D46-B3A5-AE83A3406702}" srcId="{C3229F2C-9501-FF4C-BA0B-CE00868C6670}" destId="{551CC894-31F9-464A-89AE-5FE01E9EABBD}" srcOrd="0" destOrd="0" parTransId="{0545DC0C-D2B8-EC44-A4E2-4AA7C2C4B5AA}" sibTransId="{2E7C6BD7-90DE-7E46-BE5B-CA41F28B7D75}"/>
     <dgm:cxn modelId="{4E36FF97-2F1D-7F44-A704-39113F1691D2}" type="presOf" srcId="{551CC894-31F9-464A-89AE-5FE01E9EABBD}" destId="{98C4EB67-A9EF-4A43-9E6E-AA99A22738E2}" srcOrd="0" destOrd="0" presId="urn:microsoft.com/office/officeart/2005/8/layout/list1"/>
     <dgm:cxn modelId="{66DD339B-FF0C-104E-966B-DFC6BE4A4B1F}" type="presOf" srcId="{89CC62C4-A29C-4577-BE36-0D950318FE5C}" destId="{1F7DAA39-6288-BD43-AFCE-28919DBE02E5}" srcOrd="0" destOrd="0" presId="urn:microsoft.com/office/officeart/2005/8/layout/list1"/>
+    <dgm:cxn modelId="{5BDA0AA5-CE73-1C40-8745-5009CF97658D}" srcId="{C3229F2C-9501-FF4C-BA0B-CE00868C6670}" destId="{84C182A7-7422-1D44-AAC5-3195EFF32541}" srcOrd="3" destOrd="0" parTransId="{46AE0018-984F-2241-AF36-1C201564BA8E}" sibTransId="{BC98A5CC-C74C-9946-92C4-ED71F7820F67}"/>
+    <dgm:cxn modelId="{904BABAD-50B0-8449-A4AC-3021CD9A63DF}" type="presOf" srcId="{3EE4EE86-4C2B-454B-8891-7F7499D25AA7}" destId="{5654DCA6-F438-BB4E-B2C8-B35D49E7FE66}" srcOrd="0" destOrd="3" presId="urn:microsoft.com/office/officeart/2005/8/layout/list1"/>
     <dgm:cxn modelId="{3EDE70B7-6F5A-4542-984D-3104DCFEFF48}" type="presOf" srcId="{4255CC74-55A4-45B5-B616-CBEBA9BDE4F5}" destId="{F44617B7-7947-0049-89E7-E57E5C7F4EAB}" srcOrd="0" destOrd="0" presId="urn:microsoft.com/office/officeart/2005/8/layout/list1"/>
     <dgm:cxn modelId="{DE399ABF-7BF9-C745-9F6C-B39320EDE776}" type="presOf" srcId="{41E24F17-FF48-A140-A62D-BA0F8FD1A379}" destId="{5654DCA6-F438-BB4E-B2C8-B35D49E7FE66}" srcOrd="0" destOrd="1" presId="urn:microsoft.com/office/officeart/2005/8/layout/list1"/>
     <dgm:cxn modelId="{2EDB82C4-CB50-2A46-A65F-07E0913A4202}" type="presOf" srcId="{4255CC74-55A4-45B5-B616-CBEBA9BDE4F5}" destId="{D825121D-FA8C-0F4E-A09B-4D7BAC3533AE}" srcOrd="1" destOrd="0" presId="urn:microsoft.com/office/officeart/2005/8/layout/list1"/>
     <dgm:cxn modelId="{8C80DBC7-7694-41E3-8C98-34382952B023}" srcId="{89CC62C4-A29C-4577-BE36-0D950318FE5C}" destId="{4255CC74-55A4-45B5-B616-CBEBA9BDE4F5}" srcOrd="0" destOrd="0" parTransId="{15D54409-02CC-4E94-9CE1-FCCC0F196EE1}" sibTransId="{DFC4127B-CC04-48DC-890B-74E5CCAE2B08}"/>
     <dgm:cxn modelId="{1F9EA5CB-930F-5D44-BBE9-7B8710BC5484}" type="presOf" srcId="{100C5447-98AA-F341-A6C4-D111FBC8BB17}" destId="{5654DCA6-F438-BB4E-B2C8-B35D49E7FE66}" srcOrd="0" destOrd="0" presId="urn:microsoft.com/office/officeart/2005/8/layout/list1"/>
     <dgm:cxn modelId="{A50B76E3-8F32-3A4A-94BD-43B7ABD8EB75}" srcId="{89CC62C4-A29C-4577-BE36-0D950318FE5C}" destId="{C3229F2C-9501-FF4C-BA0B-CE00868C6670}" srcOrd="1" destOrd="0" parTransId="{F380D3F3-71EA-F144-AD9E-684221E9E61B}" sibTransId="{313B935A-3773-F84C-96B8-699EF803BFE7}"/>
+    <dgm:cxn modelId="{C780C6E7-7ED6-3F4C-9C71-E9E769BF52C9}" srcId="{4255CC74-55A4-45B5-B616-CBEBA9BDE4F5}" destId="{3EE4EE86-4C2B-454B-8891-7F7499D25AA7}" srcOrd="3" destOrd="0" parTransId="{E4AE1CEF-FB26-E740-8C03-2ACB44939919}" sibTransId="{4A706F21-62F1-5F4D-8603-963696369E71}"/>
     <dgm:cxn modelId="{94E721EE-F81E-024E-8288-C0084FD51A96}" srcId="{4255CC74-55A4-45B5-B616-CBEBA9BDE4F5}" destId="{41E24F17-FF48-A140-A62D-BA0F8FD1A379}" srcOrd="1" destOrd="0" parTransId="{F33B5FF6-5D60-244F-848E-BFB0749F6902}" sibTransId="{F1E23301-AB3A-184F-BC34-5BB5F67ECC29}"/>
     <dgm:cxn modelId="{EFF5A3F5-1241-0443-95BD-72BC623A7064}" type="presOf" srcId="{FC7C1AA0-9882-634D-BA51-01B9B7397584}" destId="{5654DCA6-F438-BB4E-B2C8-B35D49E7FE66}" srcOrd="0" destOrd="2" presId="urn:microsoft.com/office/officeart/2005/8/layout/list1"/>
     <dgm:cxn modelId="{515C7826-EEA3-8943-A636-7A7CB7A8F66B}" type="presParOf" srcId="{1F7DAA39-6288-BD43-AFCE-28919DBE02E5}" destId="{6080DA3A-C648-A042-8E85-5D129B3C6958}" srcOrd="0" destOrd="0" presId="urn:microsoft.com/office/officeart/2005/8/layout/list1"/>
@@ -8700,7 +8775,7 @@
       </dsp:nvSpPr>
       <dsp:spPr>
         <a:xfrm>
-          <a:off x="0" y="628955"/>
+          <a:off x="0" y="628956"/>
           <a:ext cx="6797675" cy="2142000"/>
         </a:xfrm>
         <a:prstGeom prst="rect">
@@ -8760,7 +8835,7 @@
           </a:pPr>
           <a:r>
             <a:rPr lang="en-US" sz="2000" kern="1200" dirty="0"/>
-            <a:t>At the end of the course: Paper, presentation, and dialogue on a topic:</a:t>
+            <a:t>At the end of the course: Paper, presentation, demo, and dialogue on a topic:</a:t>
           </a:r>
         </a:p>
         <a:p>
@@ -8819,7 +8894,7 @@
         </a:p>
       </dsp:txBody>
       <dsp:txXfrm>
-        <a:off x="0" y="628955"/>
+        <a:off x="0" y="628956"/>
         <a:ext cx="6797675" cy="2142000"/>
       </dsp:txXfrm>
     </dsp:sp>
@@ -8830,8 +8905,8 @@
       </dsp:nvSpPr>
       <dsp:spPr>
         <a:xfrm>
-          <a:off x="339883" y="333755"/>
-          <a:ext cx="4758372" cy="590400"/>
+          <a:off x="339883" y="333756"/>
+          <a:ext cx="4758372" cy="590399"/>
         </a:xfrm>
         <a:prstGeom prst="roundRect">
           <a:avLst/>
@@ -8896,8 +8971,8 @@
         </a:p>
       </dsp:txBody>
       <dsp:txXfrm>
-        <a:off x="368704" y="362576"/>
-        <a:ext cx="4700730" cy="532758"/>
+        <a:off x="368704" y="362577"/>
+        <a:ext cx="4700730" cy="532757"/>
       </dsp:txXfrm>
     </dsp:sp>
     <dsp:sp modelId="{2256F558-DC5A-A045-BF63-24A07A537E9E}">
@@ -9056,7 +9131,7 @@
       <dsp:spPr>
         <a:xfrm>
           <a:off x="339883" y="2878956"/>
-          <a:ext cx="4758372" cy="590400"/>
+          <a:ext cx="4758372" cy="590399"/>
         </a:xfrm>
         <a:prstGeom prst="roundRect">
           <a:avLst/>
@@ -9122,7 +9197,7 @@
       </dsp:txBody>
       <dsp:txXfrm>
         <a:off x="368704" y="2907777"/>
-        <a:ext cx="4700730" cy="532758"/>
+        <a:ext cx="4700730" cy="532757"/>
       </dsp:txXfrm>
     </dsp:sp>
   </dsp:spTree>
@@ -9144,8 +9219,8 @@
       </dsp:nvSpPr>
       <dsp:spPr>
         <a:xfrm>
-          <a:off x="0" y="1217556"/>
-          <a:ext cx="6797675" cy="1436400"/>
+          <a:off x="0" y="888380"/>
+          <a:ext cx="6797675" cy="1735650"/>
         </a:xfrm>
         <a:prstGeom prst="rect">
           <a:avLst/>
@@ -9241,15 +9316,32 @@
             <a:buChar char="•"/>
           </a:pPr>
           <a:r>
-            <a:rPr lang="en-US" sz="1900" kern="1200"/>
+            <a:rPr lang="en-US" sz="1900" kern="1200" dirty="0"/>
             <a:t>Collaborative approach to life</a:t>
           </a:r>
-          <a:endParaRPr lang="en-US" sz="1900" kern="1200" dirty="0"/>
+        </a:p>
+        <a:p>
+          <a:pPr marL="171450" lvl="1" indent="-171450" algn="l" defTabSz="844550">
+            <a:lnSpc>
+              <a:spcPct val="90000"/>
+            </a:lnSpc>
+            <a:spcBef>
+              <a:spcPct val="0"/>
+            </a:spcBef>
+            <a:spcAft>
+              <a:spcPct val="15000"/>
+            </a:spcAft>
+            <a:buChar char="•"/>
+          </a:pPr>
+          <a:r>
+            <a:rPr lang="en-US" sz="1900" b="1" kern="1200" dirty="0"/>
+            <a:t>I am ready for change</a:t>
+          </a:r>
         </a:p>
       </dsp:txBody>
       <dsp:txXfrm>
-        <a:off x="0" y="1217556"/>
-        <a:ext cx="6797675" cy="1436400"/>
+        <a:off x="0" y="888380"/>
+        <a:ext cx="6797675" cy="1735650"/>
       </dsp:txXfrm>
     </dsp:sp>
     <dsp:sp modelId="{D825121D-FA8C-0F4E-A09B-4D7BAC3533AE}">
@@ -9259,8 +9351,8 @@
       </dsp:nvSpPr>
       <dsp:spPr>
         <a:xfrm>
-          <a:off x="339883" y="937116"/>
-          <a:ext cx="4758372" cy="560880"/>
+          <a:off x="339883" y="607940"/>
+          <a:ext cx="4758372" cy="560879"/>
         </a:xfrm>
         <a:prstGeom prst="roundRect">
           <a:avLst/>
@@ -9326,8 +9418,8 @@
         </a:p>
       </dsp:txBody>
       <dsp:txXfrm>
-        <a:off x="367263" y="964496"/>
-        <a:ext cx="4703612" cy="506120"/>
+        <a:off x="367263" y="635320"/>
+        <a:ext cx="4703612" cy="506119"/>
       </dsp:txXfrm>
     </dsp:sp>
     <dsp:sp modelId="{98C4EB67-A9EF-4A43-9E6E-AA99A22738E2}">
@@ -9337,8 +9429,8 @@
       </dsp:nvSpPr>
       <dsp:spPr>
         <a:xfrm>
-          <a:off x="0" y="3036996"/>
-          <a:ext cx="6797675" cy="1675800"/>
+          <a:off x="0" y="3007071"/>
+          <a:ext cx="6797675" cy="2034900"/>
         </a:xfrm>
         <a:prstGeom prst="rect">
           <a:avLst/>
@@ -9438,10 +9530,28 @@
             <a:t>Collaborate today with colleagues &amp; increase your existing network</a:t>
           </a:r>
         </a:p>
+        <a:p>
+          <a:pPr marL="171450" lvl="1" indent="-171450" algn="l" defTabSz="844550">
+            <a:lnSpc>
+              <a:spcPct val="90000"/>
+            </a:lnSpc>
+            <a:spcBef>
+              <a:spcPct val="0"/>
+            </a:spcBef>
+            <a:spcAft>
+              <a:spcPct val="15000"/>
+            </a:spcAft>
+            <a:buChar char="•"/>
+          </a:pPr>
+          <a:r>
+            <a:rPr lang="en-US" sz="1900" b="1" kern="1200" dirty="0"/>
+            <a:t>I am a learner</a:t>
+          </a:r>
+        </a:p>
       </dsp:txBody>
       <dsp:txXfrm>
-        <a:off x="0" y="3036996"/>
-        <a:ext cx="6797675" cy="1675800"/>
+        <a:off x="0" y="3007071"/>
+        <a:ext cx="6797675" cy="2034900"/>
       </dsp:txXfrm>
     </dsp:sp>
     <dsp:sp modelId="{0156E9E8-1BAF-254D-AE13-BE99CFE6C2F8}">
@@ -9451,8 +9561,8 @@
       </dsp:nvSpPr>
       <dsp:spPr>
         <a:xfrm>
-          <a:off x="339883" y="2756556"/>
-          <a:ext cx="4758372" cy="560880"/>
+          <a:off x="339883" y="2726630"/>
+          <a:ext cx="4758372" cy="560879"/>
         </a:xfrm>
         <a:prstGeom prst="roundRect">
           <a:avLst/>
@@ -9517,8 +9627,8 @@
         </a:p>
       </dsp:txBody>
       <dsp:txXfrm>
-        <a:off x="367263" y="2783936"/>
-        <a:ext cx="4703612" cy="506120"/>
+        <a:off x="367263" y="2754010"/>
+        <a:ext cx="4703612" cy="506119"/>
       </dsp:txXfrm>
     </dsp:sp>
   </dsp:spTree>
@@ -22642,7 +22752,7 @@
           <a:p>
             <a:fld id="{9184DA70-C731-4C70-880D-CCD4705E623C}" type="datetime1">
               <a:rPr lang="en-US" smtClean="0"/>
-              <a:t>1/16/23</a:t>
+              <a:t>1/17/24</a:t>
             </a:fld>
             <a:endParaRPr lang="en-US" dirty="0"/>
           </a:p>
@@ -22830,7 +22940,7 @@
           <a:p>
             <a:fld id="{B612A279-0833-481D-8C56-F67FD0AC6C50}" type="datetime1">
               <a:rPr lang="en-US" smtClean="0"/>
-              <a:t>1/16/23</a:t>
+              <a:t>1/17/24</a:t>
             </a:fld>
             <a:endParaRPr lang="en-US" dirty="0"/>
           </a:p>
@@ -23072,7 +23182,7 @@
           <a:p>
             <a:fld id="{6587DA83-5663-4C9C-B9AA-0B40A3DAFF81}" type="datetime1">
               <a:rPr lang="en-US" smtClean="0"/>
-              <a:t>1/16/23</a:t>
+              <a:t>1/17/24</a:t>
             </a:fld>
             <a:endParaRPr lang="en-US" dirty="0"/>
           </a:p>
@@ -23260,7 +23370,7 @@
           <a:p>
             <a:fld id="{4BE1D723-8F53-4F53-90B0-1982A396982E}" type="datetime1">
               <a:rPr lang="en-US" smtClean="0"/>
-              <a:t>1/16/23</a:t>
+              <a:t>1/17/24</a:t>
             </a:fld>
             <a:endParaRPr lang="en-US" dirty="0"/>
           </a:p>
@@ -23633,7 +23743,7 @@
           <a:p>
             <a:fld id="{97669AF7-7BEB-44E4-9852-375E34362B5B}" type="datetime1">
               <a:rPr lang="en-US" smtClean="0"/>
-              <a:t>1/16/23</a:t>
+              <a:t>1/17/24</a:t>
             </a:fld>
             <a:endParaRPr lang="en-US" dirty="0"/>
           </a:p>
@@ -23888,7 +23998,7 @@
           <a:p>
             <a:fld id="{BAAAC38D-0552-4C82-B593-E6124DFADBE2}" type="datetime1">
               <a:rPr lang="en-US" smtClean="0"/>
-              <a:t>1/16/23</a:t>
+              <a:t>1/17/24</a:t>
             </a:fld>
             <a:endParaRPr lang="en-US" dirty="0"/>
           </a:p>
@@ -24285,7 +24395,7 @@
           <a:p>
             <a:fld id="{D9DF0F1C-5577-4ACB-BB62-DF8F3C494C7E}" type="datetime1">
               <a:rPr lang="en-US" smtClean="0"/>
-              <a:t>1/16/23</a:t>
+              <a:t>1/17/24</a:t>
             </a:fld>
             <a:endParaRPr lang="en-US" dirty="0"/>
           </a:p>
@@ -24421,7 +24531,7 @@
           <a:p>
             <a:fld id="{1775B394-D9F9-4F0C-B15D-605F45CB9E9F}" type="datetime1">
               <a:rPr lang="en-US" smtClean="0"/>
-              <a:t>1/16/23</a:t>
+              <a:t>1/17/24</a:t>
             </a:fld>
             <a:endParaRPr lang="en-US" dirty="0"/>
           </a:p>
@@ -24578,7 +24688,7 @@
           <a:p>
             <a:fld id="{39667345-2558-425A-8533-9BFDBCE15005}" type="datetime1">
               <a:rPr lang="en-US" smtClean="0"/>
-              <a:t>1/16/23</a:t>
+              <a:t>1/17/24</a:t>
             </a:fld>
             <a:endParaRPr lang="en-US" dirty="0"/>
           </a:p>
@@ -24907,7 +25017,7 @@
           <a:p>
             <a:fld id="{92BEA474-078D-4E9B-9B14-09A87B19DC46}" type="datetime1">
               <a:rPr lang="en-US" smtClean="0"/>
-              <a:t>1/16/23</a:t>
+              <a:t>1/17/24</a:t>
             </a:fld>
             <a:endParaRPr lang="en-US" dirty="0"/>
           </a:p>
@@ -25257,7 +25367,7 @@
           <a:p>
             <a:fld id="{4907D986-8816-4272-A432-0437A28A9828}" type="datetime1">
               <a:rPr lang="en-US" smtClean="0"/>
-              <a:t>1/16/23</a:t>
+              <a:t>1/17/24</a:t>
             </a:fld>
             <a:endParaRPr lang="en-US" dirty="0"/>
           </a:p>
@@ -25518,7 +25628,7 @@
           <a:p>
             <a:fld id="{62D6E202-B606-4609-B914-27C9371A1F6D}" type="datetime1">
               <a:rPr lang="en-US" smtClean="0"/>
-              <a:t>1/16/23</a:t>
+              <a:t>1/17/24</a:t>
             </a:fld>
             <a:endParaRPr lang="en-US" dirty="0"/>
           </a:p>
@@ -26412,6 +26522,13 @@
             <a:schemeClr val="lt1"/>
           </a:fontRef>
         </p:style>
+        <p:txBody>
+          <a:bodyPr/>
+          <a:lstStyle/>
+          <a:p>
+            <a:endParaRPr lang="en-US"/>
+          </a:p>
+        </p:txBody>
       </p:sp>
       <p:sp>
         <p:nvSpPr>
@@ -26739,6 +26856,13 @@
             <a:schemeClr val="lt1"/>
           </a:fontRef>
         </p:style>
+        <p:txBody>
+          <a:bodyPr/>
+          <a:lstStyle/>
+          <a:p>
+            <a:endParaRPr lang="en-US"/>
+          </a:p>
+        </p:txBody>
       </p:sp>
       <p:sp>
         <p:nvSpPr>
@@ -26795,7 +26919,7 @@
             <p:ph idx="1"/>
             <p:extLst>
               <p:ext uri="{D42A27DB-BD31-4B8C-83A1-F6EECF244321}">
-                <p14:modId xmlns:p14="http://schemas.microsoft.com/office/powerpoint/2010/main" val="2899921034"/>
+                <p14:modId xmlns:p14="http://schemas.microsoft.com/office/powerpoint/2010/main" val="885361537"/>
               </p:ext>
             </p:extLst>
           </p:nvPr>
@@ -26965,6 +27089,13 @@
             <a:schemeClr val="lt1"/>
           </a:fontRef>
         </p:style>
+        <p:txBody>
+          <a:bodyPr/>
+          <a:lstStyle/>
+          <a:p>
+            <a:endParaRPr lang="en-US"/>
+          </a:p>
+        </p:txBody>
       </p:sp>
       <p:sp>
         <p:nvSpPr>
@@ -27021,7 +27152,7 @@
             <p:ph idx="1"/>
             <p:extLst>
               <p:ext uri="{D42A27DB-BD31-4B8C-83A1-F6EECF244321}">
-                <p14:modId xmlns:p14="http://schemas.microsoft.com/office/powerpoint/2010/main" val="4071490655"/>
+                <p14:modId xmlns:p14="http://schemas.microsoft.com/office/powerpoint/2010/main" val="804877635"/>
               </p:ext>
             </p:extLst>
           </p:nvPr>
@@ -27279,6 +27410,13 @@
             <a:schemeClr val="lt1"/>
           </a:fontRef>
         </p:style>
+        <p:txBody>
+          <a:bodyPr/>
+          <a:lstStyle/>
+          <a:p>
+            <a:endParaRPr lang="en-US"/>
+          </a:p>
+        </p:txBody>
       </p:sp>
       <p:graphicFrame>
         <p:nvGraphicFramePr>
@@ -27604,6 +27742,13 @@
             <a:schemeClr val="lt1"/>
           </a:fontRef>
         </p:style>
+        <p:txBody>
+          <a:bodyPr/>
+          <a:lstStyle/>
+          <a:p>
+            <a:endParaRPr lang="en-US"/>
+          </a:p>
+        </p:txBody>
       </p:sp>
       <p:graphicFrame>
         <p:nvGraphicFramePr>
@@ -27898,6 +28043,13 @@
             <a:schemeClr val="lt1"/>
           </a:fontRef>
         </p:style>
+        <p:txBody>
+          <a:bodyPr/>
+          <a:lstStyle/>
+          <a:p>
+            <a:endParaRPr lang="en-US"/>
+          </a:p>
+        </p:txBody>
       </p:sp>
       <p:graphicFrame>
         <p:nvGraphicFramePr>
@@ -28173,6 +28325,13 @@
             <a:schemeClr val="lt1"/>
           </a:fontRef>
         </p:style>
+        <p:txBody>
+          <a:bodyPr/>
+          <a:lstStyle/>
+          <a:p>
+            <a:endParaRPr lang="en-US"/>
+          </a:p>
+        </p:txBody>
       </p:sp>
       <p:graphicFrame>
         <p:nvGraphicFramePr>
@@ -28461,6 +28620,78 @@
               <a:t>We will embrace and explore the use of these tools!</a:t>
             </a:r>
           </a:p>
+          <a:p>
+            <a:r>
+              <a:rPr lang="en-US" dirty="0"/>
+              <a:t>We have a </a:t>
+            </a:r>
+            <a:r>
+              <a:rPr lang="en-US" dirty="0">
+                <a:hlinkClick r:id="rId3"/>
+              </a:rPr>
+              <a:t>virtual CS373 instructor</a:t>
+            </a:r>
+            <a:r>
+              <a:rPr lang="en-US" dirty="0"/>
+              <a:t>*</a:t>
+            </a:r>
+          </a:p>
+        </p:txBody>
+      </p:sp>
+      <p:sp>
+        <p:nvSpPr>
+          <p:cNvPr id="4" name="TextBox 3">
+            <a:extLst>
+              <a:ext uri="{FF2B5EF4-FFF2-40B4-BE49-F238E27FC236}">
+                <a16:creationId xmlns:a16="http://schemas.microsoft.com/office/drawing/2014/main" id="{BC14C4A6-BBA5-8CF6-8F99-7A25CE3BF4A9}"/>
+              </a:ext>
+            </a:extLst>
+          </p:cNvPr>
+          <p:cNvSpPr txBox="1"/>
+          <p:nvPr/>
+        </p:nvSpPr>
+        <p:spPr>
+          <a:xfrm>
+            <a:off x="4823460" y="6252210"/>
+            <a:ext cx="7214154" cy="338554"/>
+          </a:xfrm>
+          <a:prstGeom prst="rect">
+            <a:avLst/>
+          </a:prstGeom>
+        </p:spPr>
+        <p:style>
+          <a:lnRef idx="2">
+            <a:schemeClr val="dk1"/>
+          </a:lnRef>
+          <a:fillRef idx="1">
+            <a:schemeClr val="lt1"/>
+          </a:fillRef>
+          <a:effectRef idx="0">
+            <a:schemeClr val="dk1"/>
+          </a:effectRef>
+          <a:fontRef idx="minor">
+            <a:schemeClr val="dk1"/>
+          </a:fontRef>
+        </p:style>
+        <p:txBody>
+          <a:bodyPr wrap="none" rtlCol="0">
+            <a:spAutoFit/>
+          </a:bodyPr>
+          <a:lstStyle/>
+          <a:p>
+            <a:r>
+              <a:rPr lang="en-US" sz="1600" dirty="0"/>
+              <a:t>* https://</a:t>
+            </a:r>
+            <a:r>
+              <a:rPr lang="en-US" sz="1600" dirty="0" err="1"/>
+              <a:t>chat.openai.com</a:t>
+            </a:r>
+            <a:r>
+              <a:rPr lang="en-US" sz="1600" dirty="0"/>
+              <a:t>/g/g-0m35Mzndc-cs-capstone-course-companion</a:t>
+            </a:r>
+          </a:p>
         </p:txBody>
       </p:sp>
     </p:spTree>
@@ -28708,71 +28939,70 @@
           <a:lstStyle/>
           <a:p>
             <a:r>
-              <a:rPr lang="en-US"/>
+              <a:rPr lang="en-US" dirty="0"/>
               <a:t>Keep strategic goals in mind</a:t>
             </a:r>
           </a:p>
           <a:p>
             <a:pPr lvl="1"/>
             <a:r>
-              <a:rPr lang="en-US"/>
+              <a:rPr lang="en-US" dirty="0"/>
               <a:t>Prepare for professional life</a:t>
             </a:r>
           </a:p>
           <a:p>
             <a:pPr lvl="1"/>
             <a:r>
-              <a:rPr lang="en-US"/>
+              <a:rPr lang="en-US" dirty="0"/>
               <a:t>Cultivate a growth mindset</a:t>
             </a:r>
           </a:p>
           <a:p>
             <a:pPr lvl="1"/>
             <a:r>
-              <a:rPr lang="en-US"/>
+              <a:rPr lang="en-US" dirty="0"/>
               <a:t>Our tactics can change</a:t>
             </a:r>
           </a:p>
           <a:p>
             <a:r>
-              <a:rPr lang="en-US"/>
+              <a:rPr lang="en-US" dirty="0"/>
               <a:t>Be transparent</a:t>
             </a:r>
           </a:p>
           <a:p>
             <a:pPr lvl="1"/>
             <a:r>
-              <a:rPr lang="en-US"/>
-              <a:t>Communicate to me and your team about opportunities, challenges</a:t>
+              <a:rPr lang="en-US" dirty="0"/>
+              <a:t>Communicate to me and your classmates about opportunities, challenges</a:t>
             </a:r>
           </a:p>
           <a:p>
             <a:pPr lvl="1"/>
             <a:r>
-              <a:rPr lang="en-US"/>
+              <a:rPr lang="en-US" dirty="0"/>
               <a:t>Communicate early, when issues are just emerging and easier to address</a:t>
             </a:r>
           </a:p>
           <a:p>
             <a:r>
-              <a:rPr lang="en-US"/>
+              <a:rPr lang="en-US" dirty="0"/>
               <a:t>Commit</a:t>
             </a:r>
           </a:p>
           <a:p>
             <a:pPr lvl="1"/>
             <a:r>
-              <a:rPr lang="en-US"/>
+              <a:rPr lang="en-US" dirty="0"/>
               <a:t>Stay focused</a:t>
             </a:r>
           </a:p>
           <a:p>
             <a:pPr lvl="1"/>
             <a:r>
-              <a:rPr lang="en-US"/>
+              <a:rPr lang="en-US" dirty="0"/>
               <a:t>Adapt as needed</a:t>
             </a:r>
-            <a:endParaRPr lang="en-US" dirty="0"/>
           </a:p>
         </p:txBody>
       </p:sp>
@@ -28832,6 +29062,13 @@
             <a:schemeClr val="lt1"/>
           </a:fontRef>
         </p:style>
+        <p:txBody>
+          <a:bodyPr/>
+          <a:lstStyle/>
+          <a:p>
+            <a:endParaRPr lang="en-US"/>
+          </a:p>
+        </p:txBody>
       </p:sp>
     </p:spTree>
     <p:extLst>

--- a/files/CS373/IntroToCompSciResearch.pptx
+++ b/files/CS373/IntroToCompSciResearch.pptx
@@ -7,14 +7,15 @@
   <p:sldIdLst>
     <p:sldId id="256" r:id="rId2"/>
     <p:sldId id="257" r:id="rId3"/>
-    <p:sldId id="259" r:id="rId4"/>
-    <p:sldId id="260" r:id="rId5"/>
-    <p:sldId id="261" r:id="rId6"/>
-    <p:sldId id="262" r:id="rId7"/>
-    <p:sldId id="263" r:id="rId8"/>
-    <p:sldId id="266" r:id="rId9"/>
-    <p:sldId id="264" r:id="rId10"/>
-    <p:sldId id="265" r:id="rId11"/>
+    <p:sldId id="267" r:id="rId4"/>
+    <p:sldId id="259" r:id="rId5"/>
+    <p:sldId id="260" r:id="rId6"/>
+    <p:sldId id="261" r:id="rId7"/>
+    <p:sldId id="262" r:id="rId8"/>
+    <p:sldId id="263" r:id="rId9"/>
+    <p:sldId id="266" r:id="rId10"/>
+    <p:sldId id="264" r:id="rId11"/>
+    <p:sldId id="265" r:id="rId12"/>
   </p:sldIdLst>
   <p:sldSz cx="12192000" cy="6858000"/>
   <p:notesSz cx="6858000" cy="9144000"/>
@@ -1616,11 +1617,11 @@
 </file>
 
 <file path=ppt/diagrams/colors3.xml><?xml version="1.0" encoding="utf-8"?>
-<dgm:colorsDef xmlns:dgm="http://schemas.openxmlformats.org/drawingml/2006/diagram" xmlns:a="http://schemas.openxmlformats.org/drawingml/2006/main" uniqueId="urn:microsoft.com/office/officeart/2005/8/colors/colorful2">
+<dgm:colorsDef xmlns:dgm="http://schemas.openxmlformats.org/drawingml/2006/diagram" xmlns:a="http://schemas.openxmlformats.org/drawingml/2006/main" uniqueId="urn:microsoft.com/office/officeart/2005/8/colors/accent1_2">
   <dgm:title val=""/>
   <dgm:desc val=""/>
   <dgm:catLst>
-    <dgm:cat type="colorful" pri="10200"/>
+    <dgm:cat type="accent1" pri="11200"/>
   </dgm:catLst>
   <dgm:styleLbl name="node0">
     <dgm:fillClrLst meth="repeat">
@@ -1634,10 +1635,21 @@
     <dgm:txFillClrLst/>
     <dgm:txEffectClrLst/>
   </dgm:styleLbl>
+  <dgm:styleLbl name="alignNode1">
+    <dgm:fillClrLst meth="repeat">
+      <a:schemeClr val="accent1"/>
+    </dgm:fillClrLst>
+    <dgm:linClrLst meth="repeat">
+      <a:schemeClr val="accent1"/>
+    </dgm:linClrLst>
+    <dgm:effectClrLst/>
+    <dgm:txLinClrLst/>
+    <dgm:txFillClrLst/>
+    <dgm:txEffectClrLst/>
+  </dgm:styleLbl>
   <dgm:styleLbl name="node1">
-    <dgm:fillClrLst>
-      <a:schemeClr val="accent2"/>
-      <a:schemeClr val="accent3"/>
+    <dgm:fillClrLst meth="repeat">
+      <a:schemeClr val="accent1"/>
     </dgm:fillClrLst>
     <dgm:linClrLst meth="repeat">
       <a:schemeClr val="lt1"/>
@@ -1647,24 +1659,9 @@
     <dgm:txFillClrLst/>
     <dgm:txEffectClrLst/>
   </dgm:styleLbl>
-  <dgm:styleLbl name="alignNode1">
-    <dgm:fillClrLst>
-      <a:schemeClr val="accent2"/>
-      <a:schemeClr val="accent3"/>
-    </dgm:fillClrLst>
-    <dgm:linClrLst>
-      <a:schemeClr val="accent2"/>
-      <a:schemeClr val="accent3"/>
-    </dgm:linClrLst>
-    <dgm:effectClrLst/>
-    <dgm:txLinClrLst/>
-    <dgm:txFillClrLst/>
-    <dgm:txEffectClrLst/>
-  </dgm:styleLbl>
   <dgm:styleLbl name="lnNode1">
-    <dgm:fillClrLst>
-      <a:schemeClr val="accent2"/>
-      <a:schemeClr val="accent3"/>
+    <dgm:fillClrLst meth="repeat">
+      <a:schemeClr val="accent1"/>
     </dgm:fillClrLst>
     <dgm:linClrLst meth="repeat">
       <a:schemeClr val="lt1"/>
@@ -1675,13 +1672,10 @@
     <dgm:txEffectClrLst/>
   </dgm:styleLbl>
   <dgm:styleLbl name="vennNode1">
-    <dgm:fillClrLst>
-      <a:schemeClr val="accent2">
+    <dgm:fillClrLst meth="repeat">
+      <a:schemeClr val="accent1">
         <a:alpha val="50000"/>
       </a:schemeClr>
-      <a:schemeClr val="accent3">
-        <a:alpha val="50000"/>
-      </a:schemeClr>
     </dgm:fillClrLst>
     <dgm:linClrLst meth="repeat">
       <a:schemeClr val="lt1"/>
@@ -1692,8 +1686,8 @@
     <dgm:txEffectClrLst/>
   </dgm:styleLbl>
   <dgm:styleLbl name="node2">
-    <dgm:fillClrLst>
-      <a:schemeClr val="accent3"/>
+    <dgm:fillClrLst meth="repeat">
+      <a:schemeClr val="accent1"/>
     </dgm:fillClrLst>
     <dgm:linClrLst meth="repeat">
       <a:schemeClr val="lt1"/>
@@ -1704,8 +1698,8 @@
     <dgm:txEffectClrLst/>
   </dgm:styleLbl>
   <dgm:styleLbl name="node3">
-    <dgm:fillClrLst>
-      <a:schemeClr val="accent4"/>
+    <dgm:fillClrLst meth="repeat">
+      <a:schemeClr val="accent1"/>
     </dgm:fillClrLst>
     <dgm:linClrLst meth="repeat">
       <a:schemeClr val="lt1"/>
@@ -1716,8 +1710,8 @@
     <dgm:txEffectClrLst/>
   </dgm:styleLbl>
   <dgm:styleLbl name="node4">
-    <dgm:fillClrLst>
-      <a:schemeClr val="accent5"/>
+    <dgm:fillClrLst meth="repeat">
+      <a:schemeClr val="accent1"/>
     </dgm:fillClrLst>
     <dgm:linClrLst meth="repeat">
       <a:schemeClr val="lt1"/>
@@ -1728,11 +1722,8 @@
     <dgm:txEffectClrLst/>
   </dgm:styleLbl>
   <dgm:styleLbl name="fgImgPlace1">
-    <dgm:fillClrLst>
-      <a:schemeClr val="accent2">
-        <a:tint val="50000"/>
-      </a:schemeClr>
-      <a:schemeClr val="accent3">
+    <dgm:fillClrLst meth="repeat">
+      <a:schemeClr val="accent1">
         <a:tint val="50000"/>
       </a:schemeClr>
     </dgm:fillClrLst>
@@ -1747,12 +1738,9 @@
     <dgm:txEffectClrLst/>
   </dgm:styleLbl>
   <dgm:styleLbl name="alignImgPlace1">
-    <dgm:fillClrLst>
-      <a:schemeClr val="accent2">
+    <dgm:fillClrLst meth="repeat">
+      <a:schemeClr val="accent1">
         <a:tint val="50000"/>
-      </a:schemeClr>
-      <a:schemeClr val="accent3">
-        <a:tint val="20000"/>
       </a:schemeClr>
     </dgm:fillClrLst>
     <dgm:linClrLst meth="repeat">
@@ -1766,12 +1754,9 @@
     <dgm:txEffectClrLst/>
   </dgm:styleLbl>
   <dgm:styleLbl name="bgImgPlace1">
-    <dgm:fillClrLst>
-      <a:schemeClr val="accent2">
+    <dgm:fillClrLst meth="repeat">
+      <a:schemeClr val="accent1">
         <a:tint val="50000"/>
-      </a:schemeClr>
-      <a:schemeClr val="accent3">
-        <a:tint val="20000"/>
       </a:schemeClr>
     </dgm:fillClrLst>
     <dgm:linClrLst meth="repeat">
@@ -1785,9 +1770,86 @@
     <dgm:txEffectClrLst/>
   </dgm:styleLbl>
   <dgm:styleLbl name="sibTrans2D1">
-    <dgm:fillClrLst>
-      <a:schemeClr val="accent2"/>
-      <a:schemeClr val="accent3"/>
+    <dgm:fillClrLst meth="repeat">
+      <a:schemeClr val="accent1">
+        <a:tint val="60000"/>
+      </a:schemeClr>
+    </dgm:fillClrLst>
+    <dgm:linClrLst meth="repeat">
+      <a:schemeClr val="accent1">
+        <a:tint val="60000"/>
+      </a:schemeClr>
+    </dgm:linClrLst>
+    <dgm:effectClrLst/>
+    <dgm:txLinClrLst/>
+    <dgm:txFillClrLst/>
+    <dgm:txEffectClrLst/>
+  </dgm:styleLbl>
+  <dgm:styleLbl name="fgSibTrans2D1">
+    <dgm:fillClrLst meth="repeat">
+      <a:schemeClr val="accent1">
+        <a:tint val="60000"/>
+      </a:schemeClr>
+    </dgm:fillClrLst>
+    <dgm:linClrLst meth="repeat">
+      <a:schemeClr val="accent1">
+        <a:tint val="60000"/>
+      </a:schemeClr>
+    </dgm:linClrLst>
+    <dgm:effectClrLst/>
+    <dgm:txLinClrLst/>
+    <dgm:txFillClrLst/>
+    <dgm:txEffectClrLst/>
+  </dgm:styleLbl>
+  <dgm:styleLbl name="bgSibTrans2D1">
+    <dgm:fillClrLst meth="repeat">
+      <a:schemeClr val="accent1">
+        <a:tint val="60000"/>
+      </a:schemeClr>
+    </dgm:fillClrLst>
+    <dgm:linClrLst meth="repeat">
+      <a:schemeClr val="accent1">
+        <a:tint val="60000"/>
+      </a:schemeClr>
+    </dgm:linClrLst>
+    <dgm:effectClrLst/>
+    <dgm:txLinClrLst/>
+    <dgm:txFillClrLst/>
+    <dgm:txEffectClrLst/>
+  </dgm:styleLbl>
+  <dgm:styleLbl name="sibTrans1D1">
+    <dgm:fillClrLst meth="repeat">
+      <a:schemeClr val="accent1"/>
+    </dgm:fillClrLst>
+    <dgm:linClrLst meth="repeat">
+      <a:schemeClr val="accent1"/>
+    </dgm:linClrLst>
+    <dgm:effectClrLst/>
+    <dgm:txLinClrLst/>
+    <dgm:txFillClrLst meth="repeat">
+      <a:schemeClr val="tx1"/>
+    </dgm:txFillClrLst>
+    <dgm:txEffectClrLst/>
+  </dgm:styleLbl>
+  <dgm:styleLbl name="callout">
+    <dgm:fillClrLst meth="repeat">
+      <a:schemeClr val="accent1"/>
+    </dgm:fillClrLst>
+    <dgm:linClrLst meth="repeat">
+      <a:schemeClr val="accent1">
+        <a:tint val="50000"/>
+      </a:schemeClr>
+    </dgm:linClrLst>
+    <dgm:effectClrLst/>
+    <dgm:txLinClrLst/>
+    <dgm:txFillClrLst meth="repeat">
+      <a:schemeClr val="tx1"/>
+    </dgm:txFillClrLst>
+    <dgm:txEffectClrLst/>
+  </dgm:styleLbl>
+  <dgm:styleLbl name="asst0">
+    <dgm:fillClrLst meth="repeat">
+      <a:schemeClr val="accent1"/>
     </dgm:fillClrLst>
     <dgm:linClrLst meth="repeat">
       <a:schemeClr val="lt1"/>
@@ -1797,13 +1859,64 @@
     <dgm:txFillClrLst/>
     <dgm:txEffectClrLst/>
   </dgm:styleLbl>
-  <dgm:styleLbl name="fgSibTrans2D1">
-    <dgm:fillClrLst>
-      <a:schemeClr val="accent2"/>
-      <a:schemeClr val="accent3"/>
+  <dgm:styleLbl name="asst1">
+    <dgm:fillClrLst meth="repeat">
+      <a:schemeClr val="accent1"/>
     </dgm:fillClrLst>
     <dgm:linClrLst meth="repeat">
       <a:schemeClr val="lt1"/>
+    </dgm:linClrLst>
+    <dgm:effectClrLst/>
+    <dgm:txLinClrLst/>
+    <dgm:txFillClrLst/>
+    <dgm:txEffectClrLst/>
+  </dgm:styleLbl>
+  <dgm:styleLbl name="asst2">
+    <dgm:fillClrLst meth="repeat">
+      <a:schemeClr val="accent1"/>
+    </dgm:fillClrLst>
+    <dgm:linClrLst meth="repeat">
+      <a:schemeClr val="lt1"/>
+    </dgm:linClrLst>
+    <dgm:effectClrLst/>
+    <dgm:txLinClrLst/>
+    <dgm:txFillClrLst/>
+    <dgm:txEffectClrLst/>
+  </dgm:styleLbl>
+  <dgm:styleLbl name="asst3">
+    <dgm:fillClrLst meth="repeat">
+      <a:schemeClr val="accent1"/>
+    </dgm:fillClrLst>
+    <dgm:linClrLst meth="repeat">
+      <a:schemeClr val="lt1"/>
+    </dgm:linClrLst>
+    <dgm:effectClrLst/>
+    <dgm:txLinClrLst/>
+    <dgm:txFillClrLst/>
+    <dgm:txEffectClrLst/>
+  </dgm:styleLbl>
+  <dgm:styleLbl name="asst4">
+    <dgm:fillClrLst meth="repeat">
+      <a:schemeClr val="accent1"/>
+    </dgm:fillClrLst>
+    <dgm:linClrLst meth="repeat">
+      <a:schemeClr val="lt1"/>
+    </dgm:linClrLst>
+    <dgm:effectClrLst/>
+    <dgm:txLinClrLst/>
+    <dgm:txFillClrLst/>
+    <dgm:txEffectClrLst/>
+  </dgm:styleLbl>
+  <dgm:styleLbl name="parChTrans2D1">
+    <dgm:fillClrLst meth="repeat">
+      <a:schemeClr val="accent1">
+        <a:tint val="60000"/>
+      </a:schemeClr>
+    </dgm:fillClrLst>
+    <dgm:linClrLst meth="repeat">
+      <a:schemeClr val="accent1">
+        <a:tint val="60000"/>
+      </a:schemeClr>
     </dgm:linClrLst>
     <dgm:effectClrLst/>
     <dgm:txLinClrLst/>
@@ -1812,13 +1925,12 @@
     </dgm:txFillClrLst>
     <dgm:txEffectClrLst/>
   </dgm:styleLbl>
-  <dgm:styleLbl name="bgSibTrans2D1">
-    <dgm:fillClrLst>
-      <a:schemeClr val="accent2"/>
-      <a:schemeClr val="accent3"/>
+  <dgm:styleLbl name="parChTrans2D2">
+    <dgm:fillClrLst meth="repeat">
+      <a:schemeClr val="accent1"/>
     </dgm:fillClrLst>
     <dgm:linClrLst meth="repeat">
-      <a:schemeClr val="lt1"/>
+      <a:schemeClr val="accent1"/>
     </dgm:linClrLst>
     <dgm:effectClrLst/>
     <dgm:txLinClrLst/>
@@ -1827,11 +1939,42 @@
     </dgm:txFillClrLst>
     <dgm:txEffectClrLst/>
   </dgm:styleLbl>
-  <dgm:styleLbl name="sibTrans1D1">
-    <dgm:fillClrLst/>
-    <dgm:linClrLst>
-      <a:schemeClr val="accent2"/>
-      <a:schemeClr val="accent3"/>
+  <dgm:styleLbl name="parChTrans2D3">
+    <dgm:fillClrLst meth="repeat">
+      <a:schemeClr val="accent1"/>
+    </dgm:fillClrLst>
+    <dgm:linClrLst meth="repeat">
+      <a:schemeClr val="accent1"/>
+    </dgm:linClrLst>
+    <dgm:effectClrLst/>
+    <dgm:txLinClrLst/>
+    <dgm:txFillClrLst meth="repeat">
+      <a:schemeClr val="lt1"/>
+    </dgm:txFillClrLst>
+    <dgm:txEffectClrLst/>
+  </dgm:styleLbl>
+  <dgm:styleLbl name="parChTrans2D4">
+    <dgm:fillClrLst meth="repeat">
+      <a:schemeClr val="accent1"/>
+    </dgm:fillClrLst>
+    <dgm:linClrLst meth="repeat">
+      <a:schemeClr val="accent1"/>
+    </dgm:linClrLst>
+    <dgm:effectClrLst/>
+    <dgm:txLinClrLst/>
+    <dgm:txFillClrLst meth="repeat">
+      <a:schemeClr val="lt1"/>
+    </dgm:txFillClrLst>
+    <dgm:txEffectClrLst/>
+  </dgm:styleLbl>
+  <dgm:styleLbl name="parChTrans1D1">
+    <dgm:fillClrLst meth="repeat">
+      <a:schemeClr val="accent1"/>
+    </dgm:fillClrLst>
+    <dgm:linClrLst meth="repeat">
+      <a:schemeClr val="accent1">
+        <a:shade val="60000"/>
+      </a:schemeClr>
     </dgm:linClrLst>
     <dgm:effectClrLst/>
     <dgm:txLinClrLst/>
@@ -1840,13 +1983,13 @@
     </dgm:txFillClrLst>
     <dgm:txEffectClrLst/>
   </dgm:styleLbl>
-  <dgm:styleLbl name="callout">
+  <dgm:styleLbl name="parChTrans1D2">
     <dgm:fillClrLst meth="repeat">
-      <a:schemeClr val="accent2"/>
+      <a:schemeClr val="accent1"/>
     </dgm:fillClrLst>
     <dgm:linClrLst meth="repeat">
-      <a:schemeClr val="accent2">
-        <a:tint val="50000"/>
+      <a:schemeClr val="accent1">
+        <a:shade val="60000"/>
       </a:schemeClr>
     </dgm:linClrLst>
     <dgm:effectClrLst/>
@@ -1856,128 +1999,14 @@
     </dgm:txFillClrLst>
     <dgm:txEffectClrLst/>
   </dgm:styleLbl>
-  <dgm:styleLbl name="asst0">
+  <dgm:styleLbl name="parChTrans1D3">
     <dgm:fillClrLst meth="repeat">
-      <a:schemeClr val="accent2"/>
+      <a:schemeClr val="accent1"/>
     </dgm:fillClrLst>
     <dgm:linClrLst meth="repeat">
-      <a:schemeClr val="lt1">
+      <a:schemeClr val="accent1">
         <a:shade val="80000"/>
       </a:schemeClr>
-    </dgm:linClrLst>
-    <dgm:effectClrLst/>
-    <dgm:txLinClrLst/>
-    <dgm:txFillClrLst/>
-    <dgm:txEffectClrLst/>
-  </dgm:styleLbl>
-  <dgm:styleLbl name="asst1">
-    <dgm:fillClrLst meth="repeat">
-      <a:schemeClr val="accent3"/>
-    </dgm:fillClrLst>
-    <dgm:linClrLst meth="repeat">
-      <a:schemeClr val="lt1">
-        <a:shade val="80000"/>
-      </a:schemeClr>
-    </dgm:linClrLst>
-    <dgm:effectClrLst/>
-    <dgm:txLinClrLst/>
-    <dgm:txFillClrLst/>
-    <dgm:txEffectClrLst/>
-  </dgm:styleLbl>
-  <dgm:styleLbl name="asst2">
-    <dgm:fillClrLst>
-      <a:schemeClr val="accent4"/>
-    </dgm:fillClrLst>
-    <dgm:linClrLst meth="repeat">
-      <a:schemeClr val="lt1"/>
-    </dgm:linClrLst>
-    <dgm:effectClrLst/>
-    <dgm:txLinClrLst/>
-    <dgm:txFillClrLst/>
-    <dgm:txEffectClrLst/>
-  </dgm:styleLbl>
-  <dgm:styleLbl name="asst3">
-    <dgm:fillClrLst>
-      <a:schemeClr val="accent5"/>
-    </dgm:fillClrLst>
-    <dgm:linClrLst meth="repeat">
-      <a:schemeClr val="lt1"/>
-    </dgm:linClrLst>
-    <dgm:effectClrLst/>
-    <dgm:txLinClrLst/>
-    <dgm:txFillClrLst/>
-    <dgm:txEffectClrLst/>
-  </dgm:styleLbl>
-  <dgm:styleLbl name="asst4">
-    <dgm:fillClrLst>
-      <a:schemeClr val="accent6"/>
-    </dgm:fillClrLst>
-    <dgm:linClrLst meth="repeat">
-      <a:schemeClr val="lt1"/>
-    </dgm:linClrLst>
-    <dgm:effectClrLst/>
-    <dgm:txLinClrLst/>
-    <dgm:txFillClrLst/>
-    <dgm:txEffectClrLst/>
-  </dgm:styleLbl>
-  <dgm:styleLbl name="parChTrans2D1">
-    <dgm:fillClrLst meth="repeat">
-      <a:schemeClr val="accent2"/>
-    </dgm:fillClrLst>
-    <dgm:linClrLst meth="repeat">
-      <a:schemeClr val="lt1"/>
-    </dgm:linClrLst>
-    <dgm:effectClrLst/>
-    <dgm:txLinClrLst/>
-    <dgm:txFillClrLst meth="repeat">
-      <a:schemeClr val="lt1"/>
-    </dgm:txFillClrLst>
-    <dgm:txEffectClrLst/>
-  </dgm:styleLbl>
-  <dgm:styleLbl name="parChTrans2D2">
-    <dgm:fillClrLst meth="repeat">
-      <a:schemeClr val="accent3"/>
-    </dgm:fillClrLst>
-    <dgm:linClrLst meth="repeat">
-      <a:schemeClr val="lt1"/>
-    </dgm:linClrLst>
-    <dgm:effectClrLst/>
-    <dgm:txLinClrLst/>
-    <dgm:txFillClrLst/>
-    <dgm:txEffectClrLst/>
-  </dgm:styleLbl>
-  <dgm:styleLbl name="parChTrans2D3">
-    <dgm:fillClrLst meth="repeat">
-      <a:schemeClr val="accent4"/>
-    </dgm:fillClrLst>
-    <dgm:linClrLst meth="repeat">
-      <a:schemeClr val="lt1"/>
-    </dgm:linClrLst>
-    <dgm:effectClrLst/>
-    <dgm:txLinClrLst/>
-    <dgm:txFillClrLst/>
-    <dgm:txEffectClrLst/>
-  </dgm:styleLbl>
-  <dgm:styleLbl name="parChTrans2D4">
-    <dgm:fillClrLst meth="repeat">
-      <a:schemeClr val="accent5"/>
-    </dgm:fillClrLst>
-    <dgm:linClrLst meth="repeat">
-      <a:schemeClr val="lt1"/>
-    </dgm:linClrLst>
-    <dgm:effectClrLst/>
-    <dgm:txLinClrLst/>
-    <dgm:txFillClrLst meth="repeat">
-      <a:schemeClr val="lt1"/>
-    </dgm:txFillClrLst>
-    <dgm:txEffectClrLst/>
-  </dgm:styleLbl>
-  <dgm:styleLbl name="parChTrans1D1">
-    <dgm:fillClrLst meth="repeat">
-      <a:schemeClr val="accent2"/>
-    </dgm:fillClrLst>
-    <dgm:linClrLst meth="repeat">
-      <a:schemeClr val="accent2"/>
     </dgm:linClrLst>
     <dgm:effectClrLst/>
     <dgm:txLinClrLst/>
@@ -1986,46 +2015,14 @@
     </dgm:txFillClrLst>
     <dgm:txEffectClrLst/>
   </dgm:styleLbl>
-  <dgm:styleLbl name="parChTrans1D2">
-    <dgm:fillClrLst meth="repeat">
-      <a:schemeClr val="accent2">
-        <a:tint val="90000"/>
-      </a:schemeClr>
-    </dgm:fillClrLst>
-    <dgm:linClrLst meth="repeat">
-      <a:schemeClr val="accent3"/>
-    </dgm:linClrLst>
-    <dgm:effectClrLst/>
-    <dgm:txLinClrLst/>
-    <dgm:txFillClrLst meth="repeat">
-      <a:schemeClr val="tx1"/>
-    </dgm:txFillClrLst>
-    <dgm:txEffectClrLst/>
-  </dgm:styleLbl>
-  <dgm:styleLbl name="parChTrans1D3">
-    <dgm:fillClrLst meth="repeat">
-      <a:schemeClr val="accent2">
-        <a:tint val="70000"/>
-      </a:schemeClr>
-    </dgm:fillClrLst>
-    <dgm:linClrLst meth="repeat">
-      <a:schemeClr val="accent4"/>
-    </dgm:linClrLst>
-    <dgm:effectClrLst/>
-    <dgm:txLinClrLst/>
-    <dgm:txFillClrLst meth="repeat">
-      <a:schemeClr val="tx1"/>
-    </dgm:txFillClrLst>
-    <dgm:txEffectClrLst/>
-  </dgm:styleLbl>
   <dgm:styleLbl name="parChTrans1D4">
     <dgm:fillClrLst meth="repeat">
-      <a:schemeClr val="accent2">
-        <a:tint val="50000"/>
+      <a:schemeClr val="accent1"/>
+    </dgm:fillClrLst>
+    <dgm:linClrLst meth="repeat">
+      <a:schemeClr val="accent1">
+        <a:shade val="80000"/>
       </a:schemeClr>
-    </dgm:fillClrLst>
-    <dgm:linClrLst meth="repeat">
-      <a:schemeClr val="accent5"/>
     </dgm:linClrLst>
     <dgm:effectClrLst/>
     <dgm:txLinClrLst/>
@@ -2040,9 +2037,8 @@
         <a:alpha val="90000"/>
       </a:schemeClr>
     </dgm:fillClrLst>
-    <dgm:linClrLst>
-      <a:schemeClr val="accent2"/>
-      <a:schemeClr val="accent3"/>
+    <dgm:linClrLst meth="repeat">
+      <a:schemeClr val="accent1"/>
     </dgm:linClrLst>
     <dgm:effectClrLst/>
     <dgm:txLinClrLst/>
@@ -2057,9 +2053,8 @@
         <a:alpha val="90000"/>
       </a:schemeClr>
     </dgm:fillClrLst>
-    <dgm:linClrLst>
-      <a:schemeClr val="accent2"/>
-      <a:schemeClr val="accent3"/>
+    <dgm:linClrLst meth="repeat">
+      <a:schemeClr val="accent1"/>
     </dgm:linClrLst>
     <dgm:effectClrLst/>
     <dgm:txLinClrLst/>
@@ -2074,9 +2069,8 @@
         <a:alpha val="90000"/>
       </a:schemeClr>
     </dgm:fillClrLst>
-    <dgm:linClrLst>
-      <a:schemeClr val="accent2"/>
-      <a:schemeClr val="accent3"/>
+    <dgm:linClrLst meth="repeat">
+      <a:schemeClr val="accent1"/>
     </dgm:linClrLst>
     <dgm:effectClrLst/>
     <dgm:txLinClrLst/>
@@ -2092,7 +2086,7 @@
       </a:schemeClr>
     </dgm:fillClrLst>
     <dgm:linClrLst meth="repeat">
-      <a:schemeClr val="accent2"/>
+      <a:schemeClr val="accent1"/>
     </dgm:linClrLst>
     <dgm:effectClrLst/>
     <dgm:txLinClrLst/>
@@ -2107,9 +2101,8 @@
         <a:alpha val="90000"/>
       </a:schemeClr>
     </dgm:fillClrLst>
-    <dgm:linClrLst>
-      <a:schemeClr val="accent2"/>
-      <a:schemeClr val="accent3"/>
+    <dgm:linClrLst meth="repeat">
+      <a:schemeClr val="accent1"/>
     </dgm:linClrLst>
     <dgm:effectClrLst/>
     <dgm:txLinClrLst/>
@@ -2122,9 +2115,8 @@
     <dgm:fillClrLst meth="repeat">
       <a:schemeClr val="lt1"/>
     </dgm:fillClrLst>
-    <dgm:linClrLst>
-      <a:schemeClr val="accent2"/>
-      <a:schemeClr val="accent3"/>
+    <dgm:linClrLst meth="repeat">
+      <a:schemeClr val="accent1"/>
     </dgm:linClrLst>
     <dgm:effectClrLst/>
     <dgm:txLinClrLst/>
@@ -2137,9 +2129,8 @@
     <dgm:fillClrLst meth="repeat">
       <a:schemeClr val="lt1"/>
     </dgm:fillClrLst>
-    <dgm:linClrLst>
-      <a:schemeClr val="accent2"/>
-      <a:schemeClr val="accent3"/>
+    <dgm:linClrLst meth="repeat">
+      <a:schemeClr val="accent1"/>
     </dgm:linClrLst>
     <dgm:effectClrLst/>
     <dgm:txLinClrLst/>
@@ -2152,9 +2143,8 @@
     <dgm:fillClrLst meth="repeat">
       <a:schemeClr val="lt1"/>
     </dgm:fillClrLst>
-    <dgm:linClrLst>
-      <a:schemeClr val="accent2"/>
-      <a:schemeClr val="accent3"/>
+    <dgm:linClrLst meth="repeat">
+      <a:schemeClr val="accent1"/>
     </dgm:linClrLst>
     <dgm:effectClrLst/>
     <dgm:txLinClrLst/>
@@ -2164,24 +2154,16 @@
     <dgm:txEffectClrLst/>
   </dgm:styleLbl>
   <dgm:styleLbl name="fgAccFollowNode1">
-    <dgm:fillClrLst>
-      <a:schemeClr val="accent2">
+    <dgm:fillClrLst meth="repeat">
+      <a:schemeClr val="accent1">
+        <a:alpha val="90000"/>
         <a:tint val="40000"/>
+      </a:schemeClr>
+    </dgm:fillClrLst>
+    <dgm:linClrLst meth="repeat">
+      <a:schemeClr val="accent1">
         <a:alpha val="90000"/>
-      </a:schemeClr>
-      <a:schemeClr val="accent3">
         <a:tint val="40000"/>
-        <a:alpha val="90000"/>
-      </a:schemeClr>
-    </dgm:fillClrLst>
-    <dgm:linClrLst>
-      <a:schemeClr val="accent2">
-        <a:tint val="40000"/>
-        <a:alpha val="90000"/>
-      </a:schemeClr>
-      <a:schemeClr val="accent3">
-        <a:tint val="40000"/>
-        <a:alpha val="90000"/>
       </a:schemeClr>
     </dgm:linClrLst>
     <dgm:effectClrLst/>
@@ -2192,24 +2174,16 @@
     <dgm:txEffectClrLst/>
   </dgm:styleLbl>
   <dgm:styleLbl name="alignAccFollowNode1">
-    <dgm:fillClrLst>
-      <a:schemeClr val="accent2">
+    <dgm:fillClrLst meth="repeat">
+      <a:schemeClr val="accent1">
+        <a:alpha val="90000"/>
         <a:tint val="40000"/>
+      </a:schemeClr>
+    </dgm:fillClrLst>
+    <dgm:linClrLst meth="repeat">
+      <a:schemeClr val="accent1">
         <a:alpha val="90000"/>
-      </a:schemeClr>
-      <a:schemeClr val="accent3">
         <a:tint val="40000"/>
-        <a:alpha val="90000"/>
-      </a:schemeClr>
-    </dgm:fillClrLst>
-    <dgm:linClrLst>
-      <a:schemeClr val="accent2">
-        <a:tint val="40000"/>
-        <a:alpha val="90000"/>
-      </a:schemeClr>
-      <a:schemeClr val="accent3">
-        <a:tint val="40000"/>
-        <a:alpha val="90000"/>
       </a:schemeClr>
     </dgm:linClrLst>
     <dgm:effectClrLst/>
@@ -2220,24 +2194,16 @@
     <dgm:txEffectClrLst/>
   </dgm:styleLbl>
   <dgm:styleLbl name="bgAccFollowNode1">
-    <dgm:fillClrLst>
-      <a:schemeClr val="accent2">
+    <dgm:fillClrLst meth="repeat">
+      <a:schemeClr val="accent1">
+        <a:alpha val="90000"/>
         <a:tint val="40000"/>
+      </a:schemeClr>
+    </dgm:fillClrLst>
+    <dgm:linClrLst meth="repeat">
+      <a:schemeClr val="accent1">
         <a:alpha val="90000"/>
-      </a:schemeClr>
-      <a:schemeClr val="accent3">
         <a:tint val="40000"/>
-        <a:alpha val="90000"/>
-      </a:schemeClr>
-    </dgm:fillClrLst>
-    <dgm:linClrLst>
-      <a:schemeClr val="accent2">
-        <a:tint val="40000"/>
-        <a:alpha val="90000"/>
-      </a:schemeClr>
-      <a:schemeClr val="accent3">
-        <a:tint val="40000"/>
-        <a:alpha val="90000"/>
       </a:schemeClr>
     </dgm:linClrLst>
     <dgm:effectClrLst/>
@@ -2253,7 +2219,7 @@
         <a:alpha val="90000"/>
       </a:schemeClr>
     </dgm:fillClrLst>
-    <dgm:linClrLst>
+    <dgm:linClrLst meth="repeat">
       <a:schemeClr val="accent1"/>
     </dgm:linClrLst>
     <dgm:effectClrLst/>
@@ -2269,8 +2235,8 @@
         <a:alpha val="90000"/>
       </a:schemeClr>
     </dgm:fillClrLst>
-    <dgm:linClrLst>
-      <a:schemeClr val="accent3"/>
+    <dgm:linClrLst meth="repeat">
+      <a:schemeClr val="accent1"/>
     </dgm:linClrLst>
     <dgm:effectClrLst/>
     <dgm:txLinClrLst/>
@@ -2285,8 +2251,8 @@
         <a:alpha val="90000"/>
       </a:schemeClr>
     </dgm:fillClrLst>
-    <dgm:linClrLst>
-      <a:schemeClr val="accent4"/>
+    <dgm:linClrLst meth="repeat">
+      <a:schemeClr val="accent1"/>
     </dgm:linClrLst>
     <dgm:effectClrLst/>
     <dgm:txLinClrLst/>
@@ -2301,8 +2267,8 @@
         <a:alpha val="90000"/>
       </a:schemeClr>
     </dgm:fillClrLst>
-    <dgm:linClrLst>
-      <a:schemeClr val="accent5"/>
+    <dgm:linClrLst meth="repeat">
+      <a:schemeClr val="accent1"/>
     </dgm:linClrLst>
     <dgm:effectClrLst/>
     <dgm:txLinClrLst/>
@@ -2313,12 +2279,12 @@
   </dgm:styleLbl>
   <dgm:styleLbl name="bgShp">
     <dgm:fillClrLst meth="repeat">
-      <a:schemeClr val="accent2">
+      <a:schemeClr val="accent1">
         <a:tint val="40000"/>
       </a:schemeClr>
     </dgm:fillClrLst>
     <dgm:linClrLst meth="repeat">
-      <a:schemeClr val="dk1"/>
+      <a:schemeClr val="accent1"/>
     </dgm:linClrLst>
     <dgm:effectClrLst/>
     <dgm:txLinClrLst/>
@@ -2329,12 +2295,12 @@
   </dgm:styleLbl>
   <dgm:styleLbl name="dkBgShp">
     <dgm:fillClrLst meth="repeat">
-      <a:schemeClr val="accent2">
-        <a:shade val="90000"/>
+      <a:schemeClr val="accent1">
+        <a:shade val="80000"/>
       </a:schemeClr>
     </dgm:fillClrLst>
     <dgm:linClrLst meth="repeat">
-      <a:schemeClr val="dk1"/>
+      <a:schemeClr val="accent1"/>
     </dgm:linClrLst>
     <dgm:effectClrLst/>
     <dgm:txLinClrLst/>
@@ -2345,13 +2311,13 @@
   </dgm:styleLbl>
   <dgm:styleLbl name="trBgShp">
     <dgm:fillClrLst meth="repeat">
-      <a:schemeClr val="accent2">
+      <a:schemeClr val="accent1">
         <a:tint val="50000"/>
         <a:alpha val="40000"/>
       </a:schemeClr>
     </dgm:fillClrLst>
     <dgm:linClrLst meth="repeat">
-      <a:schemeClr val="accent2"/>
+      <a:schemeClr val="accent1"/>
     </dgm:linClrLst>
     <dgm:effectClrLst/>
     <dgm:txLinClrLst/>
@@ -2362,8 +2328,8 @@
   </dgm:styleLbl>
   <dgm:styleLbl name="fgShp">
     <dgm:fillClrLst meth="repeat">
-      <a:schemeClr val="accent2">
-        <a:tint val="40000"/>
+      <a:schemeClr val="accent1">
+        <a:tint val="60000"/>
       </a:schemeClr>
     </dgm:fillClrLst>
     <dgm:linClrLst meth="repeat">
@@ -3180,6 +3146,788 @@
 </file>
 
 <file path=ppt/diagrams/colors5.xml><?xml version="1.0" encoding="utf-8"?>
+<dgm:colorsDef xmlns:dgm="http://schemas.openxmlformats.org/drawingml/2006/diagram" xmlns:a="http://schemas.openxmlformats.org/drawingml/2006/main" uniqueId="urn:microsoft.com/office/officeart/2005/8/colors/colorful2">
+  <dgm:title val=""/>
+  <dgm:desc val=""/>
+  <dgm:catLst>
+    <dgm:cat type="colorful" pri="10200"/>
+  </dgm:catLst>
+  <dgm:styleLbl name="node0">
+    <dgm:fillClrLst meth="repeat">
+      <a:schemeClr val="accent1"/>
+    </dgm:fillClrLst>
+    <dgm:linClrLst meth="repeat">
+      <a:schemeClr val="lt1"/>
+    </dgm:linClrLst>
+    <dgm:effectClrLst/>
+    <dgm:txLinClrLst/>
+    <dgm:txFillClrLst/>
+    <dgm:txEffectClrLst/>
+  </dgm:styleLbl>
+  <dgm:styleLbl name="node1">
+    <dgm:fillClrLst>
+      <a:schemeClr val="accent2"/>
+      <a:schemeClr val="accent3"/>
+    </dgm:fillClrLst>
+    <dgm:linClrLst meth="repeat">
+      <a:schemeClr val="lt1"/>
+    </dgm:linClrLst>
+    <dgm:effectClrLst/>
+    <dgm:txLinClrLst/>
+    <dgm:txFillClrLst/>
+    <dgm:txEffectClrLst/>
+  </dgm:styleLbl>
+  <dgm:styleLbl name="alignNode1">
+    <dgm:fillClrLst>
+      <a:schemeClr val="accent2"/>
+      <a:schemeClr val="accent3"/>
+    </dgm:fillClrLst>
+    <dgm:linClrLst>
+      <a:schemeClr val="accent2"/>
+      <a:schemeClr val="accent3"/>
+    </dgm:linClrLst>
+    <dgm:effectClrLst/>
+    <dgm:txLinClrLst/>
+    <dgm:txFillClrLst/>
+    <dgm:txEffectClrLst/>
+  </dgm:styleLbl>
+  <dgm:styleLbl name="lnNode1">
+    <dgm:fillClrLst>
+      <a:schemeClr val="accent2"/>
+      <a:schemeClr val="accent3"/>
+    </dgm:fillClrLst>
+    <dgm:linClrLst meth="repeat">
+      <a:schemeClr val="lt1"/>
+    </dgm:linClrLst>
+    <dgm:effectClrLst/>
+    <dgm:txLinClrLst/>
+    <dgm:txFillClrLst/>
+    <dgm:txEffectClrLst/>
+  </dgm:styleLbl>
+  <dgm:styleLbl name="vennNode1">
+    <dgm:fillClrLst>
+      <a:schemeClr val="accent2">
+        <a:alpha val="50000"/>
+      </a:schemeClr>
+      <a:schemeClr val="accent3">
+        <a:alpha val="50000"/>
+      </a:schemeClr>
+    </dgm:fillClrLst>
+    <dgm:linClrLst meth="repeat">
+      <a:schemeClr val="lt1"/>
+    </dgm:linClrLst>
+    <dgm:effectClrLst/>
+    <dgm:txLinClrLst/>
+    <dgm:txFillClrLst/>
+    <dgm:txEffectClrLst/>
+  </dgm:styleLbl>
+  <dgm:styleLbl name="node2">
+    <dgm:fillClrLst>
+      <a:schemeClr val="accent3"/>
+    </dgm:fillClrLst>
+    <dgm:linClrLst meth="repeat">
+      <a:schemeClr val="lt1"/>
+    </dgm:linClrLst>
+    <dgm:effectClrLst/>
+    <dgm:txLinClrLst/>
+    <dgm:txFillClrLst/>
+    <dgm:txEffectClrLst/>
+  </dgm:styleLbl>
+  <dgm:styleLbl name="node3">
+    <dgm:fillClrLst>
+      <a:schemeClr val="accent4"/>
+    </dgm:fillClrLst>
+    <dgm:linClrLst meth="repeat">
+      <a:schemeClr val="lt1"/>
+    </dgm:linClrLst>
+    <dgm:effectClrLst/>
+    <dgm:txLinClrLst/>
+    <dgm:txFillClrLst/>
+    <dgm:txEffectClrLst/>
+  </dgm:styleLbl>
+  <dgm:styleLbl name="node4">
+    <dgm:fillClrLst>
+      <a:schemeClr val="accent5"/>
+    </dgm:fillClrLst>
+    <dgm:linClrLst meth="repeat">
+      <a:schemeClr val="lt1"/>
+    </dgm:linClrLst>
+    <dgm:effectClrLst/>
+    <dgm:txLinClrLst/>
+    <dgm:txFillClrLst/>
+    <dgm:txEffectClrLst/>
+  </dgm:styleLbl>
+  <dgm:styleLbl name="fgImgPlace1">
+    <dgm:fillClrLst>
+      <a:schemeClr val="accent2">
+        <a:tint val="50000"/>
+      </a:schemeClr>
+      <a:schemeClr val="accent3">
+        <a:tint val="50000"/>
+      </a:schemeClr>
+    </dgm:fillClrLst>
+    <dgm:linClrLst meth="repeat">
+      <a:schemeClr val="lt1"/>
+    </dgm:linClrLst>
+    <dgm:effectClrLst/>
+    <dgm:txLinClrLst/>
+    <dgm:txFillClrLst meth="repeat">
+      <a:schemeClr val="lt1"/>
+    </dgm:txFillClrLst>
+    <dgm:txEffectClrLst/>
+  </dgm:styleLbl>
+  <dgm:styleLbl name="alignImgPlace1">
+    <dgm:fillClrLst>
+      <a:schemeClr val="accent2">
+        <a:tint val="50000"/>
+      </a:schemeClr>
+      <a:schemeClr val="accent3">
+        <a:tint val="20000"/>
+      </a:schemeClr>
+    </dgm:fillClrLst>
+    <dgm:linClrLst meth="repeat">
+      <a:schemeClr val="lt1"/>
+    </dgm:linClrLst>
+    <dgm:effectClrLst/>
+    <dgm:txLinClrLst/>
+    <dgm:txFillClrLst meth="repeat">
+      <a:schemeClr val="lt1"/>
+    </dgm:txFillClrLst>
+    <dgm:txEffectClrLst/>
+  </dgm:styleLbl>
+  <dgm:styleLbl name="bgImgPlace1">
+    <dgm:fillClrLst>
+      <a:schemeClr val="accent2">
+        <a:tint val="50000"/>
+      </a:schemeClr>
+      <a:schemeClr val="accent3">
+        <a:tint val="20000"/>
+      </a:schemeClr>
+    </dgm:fillClrLst>
+    <dgm:linClrLst meth="repeat">
+      <a:schemeClr val="lt1"/>
+    </dgm:linClrLst>
+    <dgm:effectClrLst/>
+    <dgm:txLinClrLst/>
+    <dgm:txFillClrLst meth="repeat">
+      <a:schemeClr val="lt1"/>
+    </dgm:txFillClrLst>
+    <dgm:txEffectClrLst/>
+  </dgm:styleLbl>
+  <dgm:styleLbl name="sibTrans2D1">
+    <dgm:fillClrLst>
+      <a:schemeClr val="accent2"/>
+      <a:schemeClr val="accent3"/>
+    </dgm:fillClrLst>
+    <dgm:linClrLst meth="repeat">
+      <a:schemeClr val="lt1"/>
+    </dgm:linClrLst>
+    <dgm:effectClrLst/>
+    <dgm:txLinClrLst/>
+    <dgm:txFillClrLst/>
+    <dgm:txEffectClrLst/>
+  </dgm:styleLbl>
+  <dgm:styleLbl name="fgSibTrans2D1">
+    <dgm:fillClrLst>
+      <a:schemeClr val="accent2"/>
+      <a:schemeClr val="accent3"/>
+    </dgm:fillClrLst>
+    <dgm:linClrLst meth="repeat">
+      <a:schemeClr val="lt1"/>
+    </dgm:linClrLst>
+    <dgm:effectClrLst/>
+    <dgm:txLinClrLst/>
+    <dgm:txFillClrLst meth="repeat">
+      <a:schemeClr val="lt1"/>
+    </dgm:txFillClrLst>
+    <dgm:txEffectClrLst/>
+  </dgm:styleLbl>
+  <dgm:styleLbl name="bgSibTrans2D1">
+    <dgm:fillClrLst>
+      <a:schemeClr val="accent2"/>
+      <a:schemeClr val="accent3"/>
+    </dgm:fillClrLst>
+    <dgm:linClrLst meth="repeat">
+      <a:schemeClr val="lt1"/>
+    </dgm:linClrLst>
+    <dgm:effectClrLst/>
+    <dgm:txLinClrLst/>
+    <dgm:txFillClrLst meth="repeat">
+      <a:schemeClr val="lt1"/>
+    </dgm:txFillClrLst>
+    <dgm:txEffectClrLst/>
+  </dgm:styleLbl>
+  <dgm:styleLbl name="sibTrans1D1">
+    <dgm:fillClrLst/>
+    <dgm:linClrLst>
+      <a:schemeClr val="accent2"/>
+      <a:schemeClr val="accent3"/>
+    </dgm:linClrLst>
+    <dgm:effectClrLst/>
+    <dgm:txLinClrLst/>
+    <dgm:txFillClrLst meth="repeat">
+      <a:schemeClr val="tx1"/>
+    </dgm:txFillClrLst>
+    <dgm:txEffectClrLst/>
+  </dgm:styleLbl>
+  <dgm:styleLbl name="callout">
+    <dgm:fillClrLst meth="repeat">
+      <a:schemeClr val="accent2"/>
+    </dgm:fillClrLst>
+    <dgm:linClrLst meth="repeat">
+      <a:schemeClr val="accent2">
+        <a:tint val="50000"/>
+      </a:schemeClr>
+    </dgm:linClrLst>
+    <dgm:effectClrLst/>
+    <dgm:txLinClrLst/>
+    <dgm:txFillClrLst meth="repeat">
+      <a:schemeClr val="tx1"/>
+    </dgm:txFillClrLst>
+    <dgm:txEffectClrLst/>
+  </dgm:styleLbl>
+  <dgm:styleLbl name="asst0">
+    <dgm:fillClrLst meth="repeat">
+      <a:schemeClr val="accent2"/>
+    </dgm:fillClrLst>
+    <dgm:linClrLst meth="repeat">
+      <a:schemeClr val="lt1">
+        <a:shade val="80000"/>
+      </a:schemeClr>
+    </dgm:linClrLst>
+    <dgm:effectClrLst/>
+    <dgm:txLinClrLst/>
+    <dgm:txFillClrLst/>
+    <dgm:txEffectClrLst/>
+  </dgm:styleLbl>
+  <dgm:styleLbl name="asst1">
+    <dgm:fillClrLst meth="repeat">
+      <a:schemeClr val="accent3"/>
+    </dgm:fillClrLst>
+    <dgm:linClrLst meth="repeat">
+      <a:schemeClr val="lt1">
+        <a:shade val="80000"/>
+      </a:schemeClr>
+    </dgm:linClrLst>
+    <dgm:effectClrLst/>
+    <dgm:txLinClrLst/>
+    <dgm:txFillClrLst/>
+    <dgm:txEffectClrLst/>
+  </dgm:styleLbl>
+  <dgm:styleLbl name="asst2">
+    <dgm:fillClrLst>
+      <a:schemeClr val="accent4"/>
+    </dgm:fillClrLst>
+    <dgm:linClrLst meth="repeat">
+      <a:schemeClr val="lt1"/>
+    </dgm:linClrLst>
+    <dgm:effectClrLst/>
+    <dgm:txLinClrLst/>
+    <dgm:txFillClrLst/>
+    <dgm:txEffectClrLst/>
+  </dgm:styleLbl>
+  <dgm:styleLbl name="asst3">
+    <dgm:fillClrLst>
+      <a:schemeClr val="accent5"/>
+    </dgm:fillClrLst>
+    <dgm:linClrLst meth="repeat">
+      <a:schemeClr val="lt1"/>
+    </dgm:linClrLst>
+    <dgm:effectClrLst/>
+    <dgm:txLinClrLst/>
+    <dgm:txFillClrLst/>
+    <dgm:txEffectClrLst/>
+  </dgm:styleLbl>
+  <dgm:styleLbl name="asst4">
+    <dgm:fillClrLst>
+      <a:schemeClr val="accent6"/>
+    </dgm:fillClrLst>
+    <dgm:linClrLst meth="repeat">
+      <a:schemeClr val="lt1"/>
+    </dgm:linClrLst>
+    <dgm:effectClrLst/>
+    <dgm:txLinClrLst/>
+    <dgm:txFillClrLst/>
+    <dgm:txEffectClrLst/>
+  </dgm:styleLbl>
+  <dgm:styleLbl name="parChTrans2D1">
+    <dgm:fillClrLst meth="repeat">
+      <a:schemeClr val="accent2"/>
+    </dgm:fillClrLst>
+    <dgm:linClrLst meth="repeat">
+      <a:schemeClr val="lt1"/>
+    </dgm:linClrLst>
+    <dgm:effectClrLst/>
+    <dgm:txLinClrLst/>
+    <dgm:txFillClrLst meth="repeat">
+      <a:schemeClr val="lt1"/>
+    </dgm:txFillClrLst>
+    <dgm:txEffectClrLst/>
+  </dgm:styleLbl>
+  <dgm:styleLbl name="parChTrans2D2">
+    <dgm:fillClrLst meth="repeat">
+      <a:schemeClr val="accent3"/>
+    </dgm:fillClrLst>
+    <dgm:linClrLst meth="repeat">
+      <a:schemeClr val="lt1"/>
+    </dgm:linClrLst>
+    <dgm:effectClrLst/>
+    <dgm:txLinClrLst/>
+    <dgm:txFillClrLst/>
+    <dgm:txEffectClrLst/>
+  </dgm:styleLbl>
+  <dgm:styleLbl name="parChTrans2D3">
+    <dgm:fillClrLst meth="repeat">
+      <a:schemeClr val="accent4"/>
+    </dgm:fillClrLst>
+    <dgm:linClrLst meth="repeat">
+      <a:schemeClr val="lt1"/>
+    </dgm:linClrLst>
+    <dgm:effectClrLst/>
+    <dgm:txLinClrLst/>
+    <dgm:txFillClrLst/>
+    <dgm:txEffectClrLst/>
+  </dgm:styleLbl>
+  <dgm:styleLbl name="parChTrans2D4">
+    <dgm:fillClrLst meth="repeat">
+      <a:schemeClr val="accent5"/>
+    </dgm:fillClrLst>
+    <dgm:linClrLst meth="repeat">
+      <a:schemeClr val="lt1"/>
+    </dgm:linClrLst>
+    <dgm:effectClrLst/>
+    <dgm:txLinClrLst/>
+    <dgm:txFillClrLst meth="repeat">
+      <a:schemeClr val="lt1"/>
+    </dgm:txFillClrLst>
+    <dgm:txEffectClrLst/>
+  </dgm:styleLbl>
+  <dgm:styleLbl name="parChTrans1D1">
+    <dgm:fillClrLst meth="repeat">
+      <a:schemeClr val="accent2"/>
+    </dgm:fillClrLst>
+    <dgm:linClrLst meth="repeat">
+      <a:schemeClr val="accent2"/>
+    </dgm:linClrLst>
+    <dgm:effectClrLst/>
+    <dgm:txLinClrLst/>
+    <dgm:txFillClrLst meth="repeat">
+      <a:schemeClr val="tx1"/>
+    </dgm:txFillClrLst>
+    <dgm:txEffectClrLst/>
+  </dgm:styleLbl>
+  <dgm:styleLbl name="parChTrans1D2">
+    <dgm:fillClrLst meth="repeat">
+      <a:schemeClr val="accent2">
+        <a:tint val="90000"/>
+      </a:schemeClr>
+    </dgm:fillClrLst>
+    <dgm:linClrLst meth="repeat">
+      <a:schemeClr val="accent3"/>
+    </dgm:linClrLst>
+    <dgm:effectClrLst/>
+    <dgm:txLinClrLst/>
+    <dgm:txFillClrLst meth="repeat">
+      <a:schemeClr val="tx1"/>
+    </dgm:txFillClrLst>
+    <dgm:txEffectClrLst/>
+  </dgm:styleLbl>
+  <dgm:styleLbl name="parChTrans1D3">
+    <dgm:fillClrLst meth="repeat">
+      <a:schemeClr val="accent2">
+        <a:tint val="70000"/>
+      </a:schemeClr>
+    </dgm:fillClrLst>
+    <dgm:linClrLst meth="repeat">
+      <a:schemeClr val="accent4"/>
+    </dgm:linClrLst>
+    <dgm:effectClrLst/>
+    <dgm:txLinClrLst/>
+    <dgm:txFillClrLst meth="repeat">
+      <a:schemeClr val="tx1"/>
+    </dgm:txFillClrLst>
+    <dgm:txEffectClrLst/>
+  </dgm:styleLbl>
+  <dgm:styleLbl name="parChTrans1D4">
+    <dgm:fillClrLst meth="repeat">
+      <a:schemeClr val="accent2">
+        <a:tint val="50000"/>
+      </a:schemeClr>
+    </dgm:fillClrLst>
+    <dgm:linClrLst meth="repeat">
+      <a:schemeClr val="accent5"/>
+    </dgm:linClrLst>
+    <dgm:effectClrLst/>
+    <dgm:txLinClrLst/>
+    <dgm:txFillClrLst meth="repeat">
+      <a:schemeClr val="tx1"/>
+    </dgm:txFillClrLst>
+    <dgm:txEffectClrLst/>
+  </dgm:styleLbl>
+  <dgm:styleLbl name="fgAcc1">
+    <dgm:fillClrLst meth="repeat">
+      <a:schemeClr val="lt1">
+        <a:alpha val="90000"/>
+      </a:schemeClr>
+    </dgm:fillClrLst>
+    <dgm:linClrLst>
+      <a:schemeClr val="accent2"/>
+      <a:schemeClr val="accent3"/>
+    </dgm:linClrLst>
+    <dgm:effectClrLst/>
+    <dgm:txLinClrLst/>
+    <dgm:txFillClrLst meth="repeat">
+      <a:schemeClr val="dk1"/>
+    </dgm:txFillClrLst>
+    <dgm:txEffectClrLst/>
+  </dgm:styleLbl>
+  <dgm:styleLbl name="conFgAcc1">
+    <dgm:fillClrLst meth="repeat">
+      <a:schemeClr val="lt1">
+        <a:alpha val="90000"/>
+      </a:schemeClr>
+    </dgm:fillClrLst>
+    <dgm:linClrLst>
+      <a:schemeClr val="accent2"/>
+      <a:schemeClr val="accent3"/>
+    </dgm:linClrLst>
+    <dgm:effectClrLst/>
+    <dgm:txLinClrLst/>
+    <dgm:txFillClrLst meth="repeat">
+      <a:schemeClr val="dk1"/>
+    </dgm:txFillClrLst>
+    <dgm:txEffectClrLst/>
+  </dgm:styleLbl>
+  <dgm:styleLbl name="alignAcc1">
+    <dgm:fillClrLst meth="repeat">
+      <a:schemeClr val="lt1">
+        <a:alpha val="90000"/>
+      </a:schemeClr>
+    </dgm:fillClrLst>
+    <dgm:linClrLst>
+      <a:schemeClr val="accent2"/>
+      <a:schemeClr val="accent3"/>
+    </dgm:linClrLst>
+    <dgm:effectClrLst/>
+    <dgm:txLinClrLst/>
+    <dgm:txFillClrLst meth="repeat">
+      <a:schemeClr val="dk1"/>
+    </dgm:txFillClrLst>
+    <dgm:txEffectClrLst/>
+  </dgm:styleLbl>
+  <dgm:styleLbl name="trAlignAcc1">
+    <dgm:fillClrLst meth="repeat">
+      <a:schemeClr val="lt1">
+        <a:alpha val="40000"/>
+      </a:schemeClr>
+    </dgm:fillClrLst>
+    <dgm:linClrLst meth="repeat">
+      <a:schemeClr val="accent2"/>
+    </dgm:linClrLst>
+    <dgm:effectClrLst/>
+    <dgm:txLinClrLst/>
+    <dgm:txFillClrLst meth="repeat">
+      <a:schemeClr val="dk1"/>
+    </dgm:txFillClrLst>
+    <dgm:txEffectClrLst/>
+  </dgm:styleLbl>
+  <dgm:styleLbl name="bgAcc1">
+    <dgm:fillClrLst meth="repeat">
+      <a:schemeClr val="lt1">
+        <a:alpha val="90000"/>
+      </a:schemeClr>
+    </dgm:fillClrLst>
+    <dgm:linClrLst>
+      <a:schemeClr val="accent2"/>
+      <a:schemeClr val="accent3"/>
+    </dgm:linClrLst>
+    <dgm:effectClrLst/>
+    <dgm:txLinClrLst/>
+    <dgm:txFillClrLst meth="repeat">
+      <a:schemeClr val="dk1"/>
+    </dgm:txFillClrLst>
+    <dgm:txEffectClrLst/>
+  </dgm:styleLbl>
+  <dgm:styleLbl name="solidFgAcc1">
+    <dgm:fillClrLst meth="repeat">
+      <a:schemeClr val="lt1"/>
+    </dgm:fillClrLst>
+    <dgm:linClrLst>
+      <a:schemeClr val="accent2"/>
+      <a:schemeClr val="accent3"/>
+    </dgm:linClrLst>
+    <dgm:effectClrLst/>
+    <dgm:txLinClrLst/>
+    <dgm:txFillClrLst meth="repeat">
+      <a:schemeClr val="dk1"/>
+    </dgm:txFillClrLst>
+    <dgm:txEffectClrLst/>
+  </dgm:styleLbl>
+  <dgm:styleLbl name="solidAlignAcc1">
+    <dgm:fillClrLst meth="repeat">
+      <a:schemeClr val="lt1"/>
+    </dgm:fillClrLst>
+    <dgm:linClrLst>
+      <a:schemeClr val="accent2"/>
+      <a:schemeClr val="accent3"/>
+    </dgm:linClrLst>
+    <dgm:effectClrLst/>
+    <dgm:txLinClrLst/>
+    <dgm:txFillClrLst meth="repeat">
+      <a:schemeClr val="dk1"/>
+    </dgm:txFillClrLst>
+    <dgm:txEffectClrLst/>
+  </dgm:styleLbl>
+  <dgm:styleLbl name="solidBgAcc1">
+    <dgm:fillClrLst meth="repeat">
+      <a:schemeClr val="lt1"/>
+    </dgm:fillClrLst>
+    <dgm:linClrLst>
+      <a:schemeClr val="accent2"/>
+      <a:schemeClr val="accent3"/>
+    </dgm:linClrLst>
+    <dgm:effectClrLst/>
+    <dgm:txLinClrLst/>
+    <dgm:txFillClrLst meth="repeat">
+      <a:schemeClr val="dk1"/>
+    </dgm:txFillClrLst>
+    <dgm:txEffectClrLst/>
+  </dgm:styleLbl>
+  <dgm:styleLbl name="fgAccFollowNode1">
+    <dgm:fillClrLst>
+      <a:schemeClr val="accent2">
+        <a:tint val="40000"/>
+        <a:alpha val="90000"/>
+      </a:schemeClr>
+      <a:schemeClr val="accent3">
+        <a:tint val="40000"/>
+        <a:alpha val="90000"/>
+      </a:schemeClr>
+    </dgm:fillClrLst>
+    <dgm:linClrLst>
+      <a:schemeClr val="accent2">
+        <a:tint val="40000"/>
+        <a:alpha val="90000"/>
+      </a:schemeClr>
+      <a:schemeClr val="accent3">
+        <a:tint val="40000"/>
+        <a:alpha val="90000"/>
+      </a:schemeClr>
+    </dgm:linClrLst>
+    <dgm:effectClrLst/>
+    <dgm:txLinClrLst/>
+    <dgm:txFillClrLst meth="repeat">
+      <a:schemeClr val="dk1"/>
+    </dgm:txFillClrLst>
+    <dgm:txEffectClrLst/>
+  </dgm:styleLbl>
+  <dgm:styleLbl name="alignAccFollowNode1">
+    <dgm:fillClrLst>
+      <a:schemeClr val="accent2">
+        <a:tint val="40000"/>
+        <a:alpha val="90000"/>
+      </a:schemeClr>
+      <a:schemeClr val="accent3">
+        <a:tint val="40000"/>
+        <a:alpha val="90000"/>
+      </a:schemeClr>
+    </dgm:fillClrLst>
+    <dgm:linClrLst>
+      <a:schemeClr val="accent2">
+        <a:tint val="40000"/>
+        <a:alpha val="90000"/>
+      </a:schemeClr>
+      <a:schemeClr val="accent3">
+        <a:tint val="40000"/>
+        <a:alpha val="90000"/>
+      </a:schemeClr>
+    </dgm:linClrLst>
+    <dgm:effectClrLst/>
+    <dgm:txLinClrLst/>
+    <dgm:txFillClrLst meth="repeat">
+      <a:schemeClr val="dk1"/>
+    </dgm:txFillClrLst>
+    <dgm:txEffectClrLst/>
+  </dgm:styleLbl>
+  <dgm:styleLbl name="bgAccFollowNode1">
+    <dgm:fillClrLst>
+      <a:schemeClr val="accent2">
+        <a:tint val="40000"/>
+        <a:alpha val="90000"/>
+      </a:schemeClr>
+      <a:schemeClr val="accent3">
+        <a:tint val="40000"/>
+        <a:alpha val="90000"/>
+      </a:schemeClr>
+    </dgm:fillClrLst>
+    <dgm:linClrLst>
+      <a:schemeClr val="accent2">
+        <a:tint val="40000"/>
+        <a:alpha val="90000"/>
+      </a:schemeClr>
+      <a:schemeClr val="accent3">
+        <a:tint val="40000"/>
+        <a:alpha val="90000"/>
+      </a:schemeClr>
+    </dgm:linClrLst>
+    <dgm:effectClrLst/>
+    <dgm:txLinClrLst/>
+    <dgm:txFillClrLst meth="repeat">
+      <a:schemeClr val="dk1"/>
+    </dgm:txFillClrLst>
+    <dgm:txEffectClrLst/>
+  </dgm:styleLbl>
+  <dgm:styleLbl name="fgAcc0">
+    <dgm:fillClrLst meth="repeat">
+      <a:schemeClr val="lt1">
+        <a:alpha val="90000"/>
+      </a:schemeClr>
+    </dgm:fillClrLst>
+    <dgm:linClrLst>
+      <a:schemeClr val="accent1"/>
+    </dgm:linClrLst>
+    <dgm:effectClrLst/>
+    <dgm:txLinClrLst/>
+    <dgm:txFillClrLst meth="repeat">
+      <a:schemeClr val="dk1"/>
+    </dgm:txFillClrLst>
+    <dgm:txEffectClrLst/>
+  </dgm:styleLbl>
+  <dgm:styleLbl name="fgAcc2">
+    <dgm:fillClrLst meth="repeat">
+      <a:schemeClr val="lt1">
+        <a:alpha val="90000"/>
+      </a:schemeClr>
+    </dgm:fillClrLst>
+    <dgm:linClrLst>
+      <a:schemeClr val="accent3"/>
+    </dgm:linClrLst>
+    <dgm:effectClrLst/>
+    <dgm:txLinClrLst/>
+    <dgm:txFillClrLst meth="repeat">
+      <a:schemeClr val="dk1"/>
+    </dgm:txFillClrLst>
+    <dgm:txEffectClrLst/>
+  </dgm:styleLbl>
+  <dgm:styleLbl name="fgAcc3">
+    <dgm:fillClrLst meth="repeat">
+      <a:schemeClr val="lt1">
+        <a:alpha val="90000"/>
+      </a:schemeClr>
+    </dgm:fillClrLst>
+    <dgm:linClrLst>
+      <a:schemeClr val="accent4"/>
+    </dgm:linClrLst>
+    <dgm:effectClrLst/>
+    <dgm:txLinClrLst/>
+    <dgm:txFillClrLst meth="repeat">
+      <a:schemeClr val="dk1"/>
+    </dgm:txFillClrLst>
+    <dgm:txEffectClrLst/>
+  </dgm:styleLbl>
+  <dgm:styleLbl name="fgAcc4">
+    <dgm:fillClrLst meth="repeat">
+      <a:schemeClr val="lt1">
+        <a:alpha val="90000"/>
+      </a:schemeClr>
+    </dgm:fillClrLst>
+    <dgm:linClrLst>
+      <a:schemeClr val="accent5"/>
+    </dgm:linClrLst>
+    <dgm:effectClrLst/>
+    <dgm:txLinClrLst/>
+    <dgm:txFillClrLst meth="repeat">
+      <a:schemeClr val="dk1"/>
+    </dgm:txFillClrLst>
+    <dgm:txEffectClrLst/>
+  </dgm:styleLbl>
+  <dgm:styleLbl name="bgShp">
+    <dgm:fillClrLst meth="repeat">
+      <a:schemeClr val="accent2">
+        <a:tint val="40000"/>
+      </a:schemeClr>
+    </dgm:fillClrLst>
+    <dgm:linClrLst meth="repeat">
+      <a:schemeClr val="dk1"/>
+    </dgm:linClrLst>
+    <dgm:effectClrLst/>
+    <dgm:txLinClrLst/>
+    <dgm:txFillClrLst meth="repeat">
+      <a:schemeClr val="dk1"/>
+    </dgm:txFillClrLst>
+    <dgm:txEffectClrLst/>
+  </dgm:styleLbl>
+  <dgm:styleLbl name="dkBgShp">
+    <dgm:fillClrLst meth="repeat">
+      <a:schemeClr val="accent2">
+        <a:shade val="90000"/>
+      </a:schemeClr>
+    </dgm:fillClrLst>
+    <dgm:linClrLst meth="repeat">
+      <a:schemeClr val="dk1"/>
+    </dgm:linClrLst>
+    <dgm:effectClrLst/>
+    <dgm:txLinClrLst/>
+    <dgm:txFillClrLst meth="repeat">
+      <a:schemeClr val="lt1"/>
+    </dgm:txFillClrLst>
+    <dgm:txEffectClrLst/>
+  </dgm:styleLbl>
+  <dgm:styleLbl name="trBgShp">
+    <dgm:fillClrLst meth="repeat">
+      <a:schemeClr val="accent2">
+        <a:tint val="50000"/>
+        <a:alpha val="40000"/>
+      </a:schemeClr>
+    </dgm:fillClrLst>
+    <dgm:linClrLst meth="repeat">
+      <a:schemeClr val="accent2"/>
+    </dgm:linClrLst>
+    <dgm:effectClrLst/>
+    <dgm:txLinClrLst/>
+    <dgm:txFillClrLst meth="repeat">
+      <a:schemeClr val="lt1"/>
+    </dgm:txFillClrLst>
+    <dgm:txEffectClrLst/>
+  </dgm:styleLbl>
+  <dgm:styleLbl name="fgShp">
+    <dgm:fillClrLst meth="repeat">
+      <a:schemeClr val="accent2">
+        <a:tint val="40000"/>
+      </a:schemeClr>
+    </dgm:fillClrLst>
+    <dgm:linClrLst meth="repeat">
+      <a:schemeClr val="lt1"/>
+    </dgm:linClrLst>
+    <dgm:effectClrLst/>
+    <dgm:txLinClrLst/>
+    <dgm:txFillClrLst meth="repeat">
+      <a:schemeClr val="dk1"/>
+    </dgm:txFillClrLst>
+    <dgm:txEffectClrLst/>
+  </dgm:styleLbl>
+  <dgm:styleLbl name="revTx">
+    <dgm:fillClrLst meth="repeat">
+      <a:schemeClr val="lt1">
+        <a:alpha val="0"/>
+      </a:schemeClr>
+    </dgm:fillClrLst>
+    <dgm:linClrLst meth="repeat">
+      <a:schemeClr val="dk1">
+        <a:alpha val="0"/>
+      </a:schemeClr>
+    </dgm:linClrLst>
+    <dgm:effectClrLst/>
+    <dgm:txLinClrLst/>
+    <dgm:txFillClrLst meth="repeat">
+      <a:schemeClr val="tx1"/>
+    </dgm:txFillClrLst>
+    <dgm:txEffectClrLst/>
+  </dgm:styleLbl>
+</dgm:colorsDef>
+</file>
+
+<file path=ppt/diagrams/colors6.xml><?xml version="1.0" encoding="utf-8"?>
 <dgm:colorsDef xmlns:dgm="http://schemas.openxmlformats.org/drawingml/2006/diagram" xmlns:a="http://schemas.openxmlformats.org/drawingml/2006/main" uniqueId="urn:microsoft.com/office/officeart/2005/8/colors/colorful5">
   <dgm:title val=""/>
   <dgm:desc val=""/>
@@ -3961,7 +4709,7 @@
 </dgm:colorsDef>
 </file>
 
-<file path=ppt/diagrams/colors6.xml><?xml version="1.0" encoding="utf-8"?>
+<file path=ppt/diagrams/colors7.xml><?xml version="1.0" encoding="utf-8"?>
 <dgm:colorsDef xmlns:dgm="http://schemas.openxmlformats.org/drawingml/2006/diagram" xmlns:a="http://schemas.openxmlformats.org/drawingml/2006/main" uniqueId="urn:microsoft.com/office/officeart/2018/5/colors/Iconchunking_neutralbg_colorful1">
   <dgm:title val=""/>
   <dgm:desc val=""/>
@@ -4977,7 +5725,7 @@
         <a:p>
           <a:r>
             <a:rPr lang="en-US" dirty="0"/>
-            <a:t>Technical Analysis</a:t>
+            <a:t>Explorations</a:t>
           </a:r>
         </a:p>
       </dgm:t>
@@ -5013,7 +5761,7 @@
         <a:p>
           <a:r>
             <a:rPr lang="en-US" dirty="0"/>
-            <a:t>Future Trends</a:t>
+            <a:t>Futures</a:t>
           </a:r>
         </a:p>
       </dgm:t>
@@ -5265,7 +6013,7 @@
         <a:p>
           <a:r>
             <a:rPr lang="en-US" dirty="0"/>
-            <a:t>Background content</a:t>
+            <a:t>Foundations</a:t>
           </a:r>
         </a:p>
       </dgm:t>
@@ -5416,6 +6164,385 @@
 <file path=ppt/diagrams/data2.xml><?xml version="1.0" encoding="utf-8"?>
 <dgm:dataModel xmlns:dgm="http://schemas.openxmlformats.org/drawingml/2006/diagram" xmlns:a="http://schemas.openxmlformats.org/drawingml/2006/main">
   <dgm:ptLst>
+    <dgm:pt modelId="{F047C286-A6B7-D64C-A81F-3FB01FCFF6B4}" type="doc">
+      <dgm:prSet loTypeId="urn:microsoft.com/office/officeart/2005/8/layout/pyramid1" loCatId="" qsTypeId="urn:microsoft.com/office/officeart/2005/8/quickstyle/simple1" qsCatId="simple" csTypeId="urn:microsoft.com/office/officeart/2005/8/colors/accent1_2" csCatId="accent1" phldr="1"/>
+      <dgm:spPr/>
+    </dgm:pt>
+    <dgm:pt modelId="{75BB45AC-B79B-B946-B5BD-E014C8769EE8}">
+      <dgm:prSet phldrT="[Text]" custT="1"/>
+      <dgm:spPr>
+        <a:solidFill>
+          <a:schemeClr val="accent1">
+            <a:lumMod val="50000"/>
+          </a:schemeClr>
+        </a:solidFill>
+      </dgm:spPr>
+      <dgm:t>
+        <a:bodyPr/>
+        <a:lstStyle/>
+        <a:p>
+          <a:endParaRPr lang="en-US" sz="1600" dirty="0">
+            <a:solidFill>
+              <a:schemeClr val="bg1"/>
+            </a:solidFill>
+          </a:endParaRPr>
+        </a:p>
+        <a:p>
+          <a:r>
+            <a:rPr lang="en-US" sz="2400" b="1" dirty="0">
+              <a:solidFill>
+                <a:schemeClr val="bg1"/>
+              </a:solidFill>
+            </a:rPr>
+            <a:t> Futures</a:t>
+          </a:r>
+          <a:endParaRPr lang="en-US" sz="1600" b="1" dirty="0">
+            <a:solidFill>
+              <a:schemeClr val="bg1"/>
+            </a:solidFill>
+          </a:endParaRPr>
+        </a:p>
+        <a:p>
+          <a:r>
+            <a:rPr lang="en-US" sz="1600" dirty="0">
+              <a:solidFill>
+                <a:schemeClr val="bg1"/>
+              </a:solidFill>
+            </a:rPr>
+            <a:t>What is next</a:t>
+          </a:r>
+        </a:p>
+        <a:p>
+          <a:r>
+            <a:rPr lang="en-US" sz="1600" dirty="0">
+              <a:solidFill>
+                <a:schemeClr val="bg1"/>
+              </a:solidFill>
+            </a:rPr>
+            <a:t>Why and how</a:t>
+          </a:r>
+        </a:p>
+      </dgm:t>
+    </dgm:pt>
+    <dgm:pt modelId="{05EA79A6-AD3F-AA4F-8D08-0C5CFC47E235}" type="parTrans" cxnId="{C0E72837-EF8A-E74F-9D04-4C736629357B}">
+      <dgm:prSet/>
+      <dgm:spPr/>
+      <dgm:t>
+        <a:bodyPr/>
+        <a:lstStyle/>
+        <a:p>
+          <a:endParaRPr lang="en-US">
+            <a:solidFill>
+              <a:schemeClr val="bg1"/>
+            </a:solidFill>
+          </a:endParaRPr>
+        </a:p>
+      </dgm:t>
+    </dgm:pt>
+    <dgm:pt modelId="{12B3723E-D187-184F-8A60-22FE17B777D7}" type="sibTrans" cxnId="{C0E72837-EF8A-E74F-9D04-4C736629357B}">
+      <dgm:prSet/>
+      <dgm:spPr/>
+      <dgm:t>
+        <a:bodyPr/>
+        <a:lstStyle/>
+        <a:p>
+          <a:endParaRPr lang="en-US">
+            <a:solidFill>
+              <a:schemeClr val="bg1"/>
+            </a:solidFill>
+          </a:endParaRPr>
+        </a:p>
+      </dgm:t>
+    </dgm:pt>
+    <dgm:pt modelId="{6055B70D-779C-D646-9C2D-27DF907E83A2}">
+      <dgm:prSet phldrT="[Text]" custT="1"/>
+      <dgm:spPr>
+        <a:solidFill>
+          <a:schemeClr val="accent1">
+            <a:lumMod val="50000"/>
+          </a:schemeClr>
+        </a:solidFill>
+      </dgm:spPr>
+      <dgm:t>
+        <a:bodyPr/>
+        <a:lstStyle/>
+        <a:p>
+          <a:r>
+            <a:rPr lang="en-US" sz="2400" b="1" dirty="0">
+              <a:solidFill>
+                <a:schemeClr val="bg1"/>
+              </a:solidFill>
+            </a:rPr>
+            <a:t>Explorations</a:t>
+          </a:r>
+          <a:endParaRPr lang="en-US" sz="1600" b="1" dirty="0">
+            <a:solidFill>
+              <a:schemeClr val="bg1"/>
+            </a:solidFill>
+          </a:endParaRPr>
+        </a:p>
+        <a:p>
+          <a:r>
+            <a:rPr lang="en-US" sz="1600" dirty="0">
+              <a:solidFill>
+                <a:schemeClr val="bg1"/>
+              </a:solidFill>
+            </a:rPr>
+            <a:t>Refine focus and depth</a:t>
+          </a:r>
+        </a:p>
+        <a:p>
+          <a:r>
+            <a:rPr lang="en-US" sz="1600" dirty="0">
+              <a:solidFill>
+                <a:schemeClr val="bg1"/>
+              </a:solidFill>
+            </a:rPr>
+            <a:t>Design something and build it</a:t>
+          </a:r>
+        </a:p>
+        <a:p>
+          <a:r>
+            <a:rPr lang="en-US" sz="1600" dirty="0">
+              <a:solidFill>
+                <a:schemeClr val="bg1"/>
+              </a:solidFill>
+            </a:rPr>
+            <a:t>Describe, observe, analyze, explain</a:t>
+          </a:r>
+        </a:p>
+      </dgm:t>
+    </dgm:pt>
+    <dgm:pt modelId="{2396594F-7920-8045-85FB-1070D28EE4FD}" type="parTrans" cxnId="{4944177C-E795-1F4A-89D5-EA2C563EE56D}">
+      <dgm:prSet/>
+      <dgm:spPr/>
+      <dgm:t>
+        <a:bodyPr/>
+        <a:lstStyle/>
+        <a:p>
+          <a:endParaRPr lang="en-US">
+            <a:solidFill>
+              <a:schemeClr val="bg1"/>
+            </a:solidFill>
+          </a:endParaRPr>
+        </a:p>
+      </dgm:t>
+    </dgm:pt>
+    <dgm:pt modelId="{DEBACD6C-8451-8842-9628-27D120F3ABA1}" type="sibTrans" cxnId="{4944177C-E795-1F4A-89D5-EA2C563EE56D}">
+      <dgm:prSet/>
+      <dgm:spPr/>
+      <dgm:t>
+        <a:bodyPr/>
+        <a:lstStyle/>
+        <a:p>
+          <a:endParaRPr lang="en-US">
+            <a:solidFill>
+              <a:schemeClr val="bg1"/>
+            </a:solidFill>
+          </a:endParaRPr>
+        </a:p>
+      </dgm:t>
+    </dgm:pt>
+    <dgm:pt modelId="{16F55EF9-3687-4245-85D6-2D6E00811466}">
+      <dgm:prSet phldrT="[Text]" custT="1"/>
+      <dgm:spPr>
+        <a:solidFill>
+          <a:schemeClr val="accent1">
+            <a:lumMod val="50000"/>
+          </a:schemeClr>
+        </a:solidFill>
+      </dgm:spPr>
+      <dgm:t>
+        <a:bodyPr/>
+        <a:lstStyle/>
+        <a:p>
+          <a:r>
+            <a:rPr lang="en-US" sz="2400" b="1" dirty="0">
+              <a:solidFill>
+                <a:schemeClr val="bg1"/>
+              </a:solidFill>
+            </a:rPr>
+            <a:t>Foundations</a:t>
+          </a:r>
+          <a:endParaRPr lang="en-US" sz="1600" b="1" dirty="0">
+            <a:solidFill>
+              <a:schemeClr val="bg1"/>
+            </a:solidFill>
+          </a:endParaRPr>
+        </a:p>
+        <a:p>
+          <a:r>
+            <a:rPr lang="en-US" sz="1600" dirty="0">
+              <a:solidFill>
+                <a:schemeClr val="bg1"/>
+              </a:solidFill>
+            </a:rPr>
+            <a:t>Phase C: Expertise</a:t>
+          </a:r>
+        </a:p>
+        <a:p>
+          <a:r>
+            <a:rPr lang="en-US" sz="1600" dirty="0">
+              <a:solidFill>
+                <a:schemeClr val="bg1"/>
+              </a:solidFill>
+            </a:rPr>
+            <a:t>Phase B: Robust Mental Model</a:t>
+          </a:r>
+        </a:p>
+        <a:p>
+          <a:r>
+            <a:rPr lang="en-US" sz="1600" dirty="0">
+              <a:solidFill>
+                <a:schemeClr val="bg1"/>
+              </a:solidFill>
+            </a:rPr>
+            <a:t>Phase A: Preliminary Mental Model</a:t>
+          </a:r>
+        </a:p>
+      </dgm:t>
+    </dgm:pt>
+    <dgm:pt modelId="{DA59E9CD-963E-F649-855E-AF85BE98AB5C}" type="parTrans" cxnId="{036F65DD-E32C-E141-A078-250E8328038F}">
+      <dgm:prSet/>
+      <dgm:spPr/>
+      <dgm:t>
+        <a:bodyPr/>
+        <a:lstStyle/>
+        <a:p>
+          <a:endParaRPr lang="en-US">
+            <a:solidFill>
+              <a:schemeClr val="bg1"/>
+            </a:solidFill>
+          </a:endParaRPr>
+        </a:p>
+      </dgm:t>
+    </dgm:pt>
+    <dgm:pt modelId="{5F967D06-7D2B-1645-94E5-0778A558E8F7}" type="sibTrans" cxnId="{036F65DD-E32C-E141-A078-250E8328038F}">
+      <dgm:prSet/>
+      <dgm:spPr/>
+      <dgm:t>
+        <a:bodyPr/>
+        <a:lstStyle/>
+        <a:p>
+          <a:endParaRPr lang="en-US">
+            <a:solidFill>
+              <a:schemeClr val="bg1"/>
+            </a:solidFill>
+          </a:endParaRPr>
+        </a:p>
+      </dgm:t>
+    </dgm:pt>
+    <dgm:pt modelId="{1A7B61F4-50CB-1849-A694-E23C5C14C0EC}" type="pres">
+      <dgm:prSet presAssocID="{F047C286-A6B7-D64C-A81F-3FB01FCFF6B4}" presName="Name0" presStyleCnt="0">
+        <dgm:presLayoutVars>
+          <dgm:dir/>
+          <dgm:animLvl val="lvl"/>
+          <dgm:resizeHandles val="exact"/>
+        </dgm:presLayoutVars>
+      </dgm:prSet>
+      <dgm:spPr/>
+    </dgm:pt>
+    <dgm:pt modelId="{741C8F0C-CFD2-B64B-B91E-3B80023C3E8C}" type="pres">
+      <dgm:prSet presAssocID="{75BB45AC-B79B-B946-B5BD-E014C8769EE8}" presName="Name8" presStyleCnt="0"/>
+      <dgm:spPr/>
+    </dgm:pt>
+    <dgm:pt modelId="{7654D28C-B6C3-9240-A860-EB6D901C5D34}" type="pres">
+      <dgm:prSet presAssocID="{75BB45AC-B79B-B946-B5BD-E014C8769EE8}" presName="level" presStyleLbl="node1" presStyleIdx="0" presStyleCnt="3">
+        <dgm:presLayoutVars>
+          <dgm:chMax val="1"/>
+          <dgm:bulletEnabled val="1"/>
+        </dgm:presLayoutVars>
+      </dgm:prSet>
+      <dgm:spPr/>
+    </dgm:pt>
+    <dgm:pt modelId="{E756C216-5B2D-E840-95E1-53EBF5BAC932}" type="pres">
+      <dgm:prSet presAssocID="{75BB45AC-B79B-B946-B5BD-E014C8769EE8}" presName="levelTx" presStyleLbl="revTx" presStyleIdx="0" presStyleCnt="0">
+        <dgm:presLayoutVars>
+          <dgm:chMax val="1"/>
+          <dgm:bulletEnabled val="1"/>
+        </dgm:presLayoutVars>
+      </dgm:prSet>
+      <dgm:spPr/>
+    </dgm:pt>
+    <dgm:pt modelId="{852D3799-4AB4-DC4F-B2AC-B94B4CCDF4E1}" type="pres">
+      <dgm:prSet presAssocID="{6055B70D-779C-D646-9C2D-27DF907E83A2}" presName="Name8" presStyleCnt="0"/>
+      <dgm:spPr/>
+    </dgm:pt>
+    <dgm:pt modelId="{C4B3E9C8-11F5-5F4C-BE3C-FB76D7BC99E5}" type="pres">
+      <dgm:prSet presAssocID="{6055B70D-779C-D646-9C2D-27DF907E83A2}" presName="level" presStyleLbl="node1" presStyleIdx="1" presStyleCnt="3">
+        <dgm:presLayoutVars>
+          <dgm:chMax val="1"/>
+          <dgm:bulletEnabled val="1"/>
+        </dgm:presLayoutVars>
+      </dgm:prSet>
+      <dgm:spPr/>
+    </dgm:pt>
+    <dgm:pt modelId="{DB86668E-49BF-D045-A2DA-988DC852BC46}" type="pres">
+      <dgm:prSet presAssocID="{6055B70D-779C-D646-9C2D-27DF907E83A2}" presName="levelTx" presStyleLbl="revTx" presStyleIdx="0" presStyleCnt="0">
+        <dgm:presLayoutVars>
+          <dgm:chMax val="1"/>
+          <dgm:bulletEnabled val="1"/>
+        </dgm:presLayoutVars>
+      </dgm:prSet>
+      <dgm:spPr/>
+    </dgm:pt>
+    <dgm:pt modelId="{C2A99EAC-E2D9-774D-AD8C-F94512ED2629}" type="pres">
+      <dgm:prSet presAssocID="{16F55EF9-3687-4245-85D6-2D6E00811466}" presName="Name8" presStyleCnt="0"/>
+      <dgm:spPr/>
+    </dgm:pt>
+    <dgm:pt modelId="{53534191-732C-2644-A55F-90AB3AF0F0B3}" type="pres">
+      <dgm:prSet presAssocID="{16F55EF9-3687-4245-85D6-2D6E00811466}" presName="level" presStyleLbl="node1" presStyleIdx="2" presStyleCnt="3">
+        <dgm:presLayoutVars>
+          <dgm:chMax val="1"/>
+          <dgm:bulletEnabled val="1"/>
+        </dgm:presLayoutVars>
+      </dgm:prSet>
+      <dgm:spPr/>
+    </dgm:pt>
+    <dgm:pt modelId="{600BB86C-899E-8045-B9E0-1F6F5B6B636B}" type="pres">
+      <dgm:prSet presAssocID="{16F55EF9-3687-4245-85D6-2D6E00811466}" presName="levelTx" presStyleLbl="revTx" presStyleIdx="0" presStyleCnt="0">
+        <dgm:presLayoutVars>
+          <dgm:chMax val="1"/>
+          <dgm:bulletEnabled val="1"/>
+        </dgm:presLayoutVars>
+      </dgm:prSet>
+      <dgm:spPr/>
+    </dgm:pt>
+  </dgm:ptLst>
+  <dgm:cxnLst>
+    <dgm:cxn modelId="{D193A215-2C9D-CB42-9E1F-D0666BB33BAA}" type="presOf" srcId="{6055B70D-779C-D646-9C2D-27DF907E83A2}" destId="{DB86668E-49BF-D045-A2DA-988DC852BC46}" srcOrd="1" destOrd="0" presId="urn:microsoft.com/office/officeart/2005/8/layout/pyramid1"/>
+    <dgm:cxn modelId="{86DEA422-5F24-F34A-BEA2-0949B33BB2AA}" type="presOf" srcId="{75BB45AC-B79B-B946-B5BD-E014C8769EE8}" destId="{7654D28C-B6C3-9240-A860-EB6D901C5D34}" srcOrd="0" destOrd="0" presId="urn:microsoft.com/office/officeart/2005/8/layout/pyramid1"/>
+    <dgm:cxn modelId="{C9ADD334-FE19-6445-82F8-77A1448BF893}" type="presOf" srcId="{16F55EF9-3687-4245-85D6-2D6E00811466}" destId="{53534191-732C-2644-A55F-90AB3AF0F0B3}" srcOrd="0" destOrd="0" presId="urn:microsoft.com/office/officeart/2005/8/layout/pyramid1"/>
+    <dgm:cxn modelId="{C0E72837-EF8A-E74F-9D04-4C736629357B}" srcId="{F047C286-A6B7-D64C-A81F-3FB01FCFF6B4}" destId="{75BB45AC-B79B-B946-B5BD-E014C8769EE8}" srcOrd="0" destOrd="0" parTransId="{05EA79A6-AD3F-AA4F-8D08-0C5CFC47E235}" sibTransId="{12B3723E-D187-184F-8A60-22FE17B777D7}"/>
+    <dgm:cxn modelId="{C6CE7F39-6D25-2F47-A8F8-21397997B447}" type="presOf" srcId="{16F55EF9-3687-4245-85D6-2D6E00811466}" destId="{600BB86C-899E-8045-B9E0-1F6F5B6B636B}" srcOrd="1" destOrd="0" presId="urn:microsoft.com/office/officeart/2005/8/layout/pyramid1"/>
+    <dgm:cxn modelId="{6766AE61-87D3-6841-B998-8E93427E92B4}" type="presOf" srcId="{75BB45AC-B79B-B946-B5BD-E014C8769EE8}" destId="{E756C216-5B2D-E840-95E1-53EBF5BAC932}" srcOrd="1" destOrd="0" presId="urn:microsoft.com/office/officeart/2005/8/layout/pyramid1"/>
+    <dgm:cxn modelId="{4944177C-E795-1F4A-89D5-EA2C563EE56D}" srcId="{F047C286-A6B7-D64C-A81F-3FB01FCFF6B4}" destId="{6055B70D-779C-D646-9C2D-27DF907E83A2}" srcOrd="1" destOrd="0" parTransId="{2396594F-7920-8045-85FB-1070D28EE4FD}" sibTransId="{DEBACD6C-8451-8842-9628-27D120F3ABA1}"/>
+    <dgm:cxn modelId="{2DD6D57E-EA43-5648-91F7-5B853D80FE1B}" type="presOf" srcId="{6055B70D-779C-D646-9C2D-27DF907E83A2}" destId="{C4B3E9C8-11F5-5F4C-BE3C-FB76D7BC99E5}" srcOrd="0" destOrd="0" presId="urn:microsoft.com/office/officeart/2005/8/layout/pyramid1"/>
+    <dgm:cxn modelId="{4CADF999-47C1-2F45-8156-58A8A82550D0}" type="presOf" srcId="{F047C286-A6B7-D64C-A81F-3FB01FCFF6B4}" destId="{1A7B61F4-50CB-1849-A694-E23C5C14C0EC}" srcOrd="0" destOrd="0" presId="urn:microsoft.com/office/officeart/2005/8/layout/pyramid1"/>
+    <dgm:cxn modelId="{036F65DD-E32C-E141-A078-250E8328038F}" srcId="{F047C286-A6B7-D64C-A81F-3FB01FCFF6B4}" destId="{16F55EF9-3687-4245-85D6-2D6E00811466}" srcOrd="2" destOrd="0" parTransId="{DA59E9CD-963E-F649-855E-AF85BE98AB5C}" sibTransId="{5F967D06-7D2B-1645-94E5-0778A558E8F7}"/>
+    <dgm:cxn modelId="{7D711C70-3312-9E42-B1F0-A1F7C867BFCA}" type="presParOf" srcId="{1A7B61F4-50CB-1849-A694-E23C5C14C0EC}" destId="{741C8F0C-CFD2-B64B-B91E-3B80023C3E8C}" srcOrd="0" destOrd="0" presId="urn:microsoft.com/office/officeart/2005/8/layout/pyramid1"/>
+    <dgm:cxn modelId="{1FF08D27-EB52-2547-B581-D3F4577F58FD}" type="presParOf" srcId="{741C8F0C-CFD2-B64B-B91E-3B80023C3E8C}" destId="{7654D28C-B6C3-9240-A860-EB6D901C5D34}" srcOrd="0" destOrd="0" presId="urn:microsoft.com/office/officeart/2005/8/layout/pyramid1"/>
+    <dgm:cxn modelId="{474F2EC8-4821-294B-A9B9-4EBD2415CE20}" type="presParOf" srcId="{741C8F0C-CFD2-B64B-B91E-3B80023C3E8C}" destId="{E756C216-5B2D-E840-95E1-53EBF5BAC932}" srcOrd="1" destOrd="0" presId="urn:microsoft.com/office/officeart/2005/8/layout/pyramid1"/>
+    <dgm:cxn modelId="{0D1C159C-C80A-BF4E-B3B9-3667EC0790FD}" type="presParOf" srcId="{1A7B61F4-50CB-1849-A694-E23C5C14C0EC}" destId="{852D3799-4AB4-DC4F-B2AC-B94B4CCDF4E1}" srcOrd="1" destOrd="0" presId="urn:microsoft.com/office/officeart/2005/8/layout/pyramid1"/>
+    <dgm:cxn modelId="{C4F2FAD6-0D84-FC41-90A0-5CCD9D016F96}" type="presParOf" srcId="{852D3799-4AB4-DC4F-B2AC-B94B4CCDF4E1}" destId="{C4B3E9C8-11F5-5F4C-BE3C-FB76D7BC99E5}" srcOrd="0" destOrd="0" presId="urn:microsoft.com/office/officeart/2005/8/layout/pyramid1"/>
+    <dgm:cxn modelId="{16C2CA7E-C33B-2949-A7EE-21F53F9F78E5}" type="presParOf" srcId="{852D3799-4AB4-DC4F-B2AC-B94B4CCDF4E1}" destId="{DB86668E-49BF-D045-A2DA-988DC852BC46}" srcOrd="1" destOrd="0" presId="urn:microsoft.com/office/officeart/2005/8/layout/pyramid1"/>
+    <dgm:cxn modelId="{2C665BAF-D009-4446-A7EB-8B7672D112AD}" type="presParOf" srcId="{1A7B61F4-50CB-1849-A694-E23C5C14C0EC}" destId="{C2A99EAC-E2D9-774D-AD8C-F94512ED2629}" srcOrd="2" destOrd="0" presId="urn:microsoft.com/office/officeart/2005/8/layout/pyramid1"/>
+    <dgm:cxn modelId="{1BE1E2E4-B148-214E-913D-60A6CEABA0C8}" type="presParOf" srcId="{C2A99EAC-E2D9-774D-AD8C-F94512ED2629}" destId="{53534191-732C-2644-A55F-90AB3AF0F0B3}" srcOrd="0" destOrd="0" presId="urn:microsoft.com/office/officeart/2005/8/layout/pyramid1"/>
+    <dgm:cxn modelId="{BED55C83-70D2-D440-9E0A-C87EDA5D706E}" type="presParOf" srcId="{C2A99EAC-E2D9-774D-AD8C-F94512ED2629}" destId="{600BB86C-899E-8045-B9E0-1F6F5B6B636B}" srcOrd="1" destOrd="0" presId="urn:microsoft.com/office/officeart/2005/8/layout/pyramid1"/>
+  </dgm:cxnLst>
+  <dgm:bg/>
+  <dgm:whole/>
+  <dgm:extLst>
+    <a:ext uri="http://schemas.microsoft.com/office/drawing/2008/diagram">
+      <dsp:dataModelExt xmlns:dsp="http://schemas.microsoft.com/office/drawing/2008/diagram" relId="rId6" minVer="http://schemas.openxmlformats.org/drawingml/2006/diagram"/>
+    </a:ext>
+  </dgm:extLst>
+</dgm:dataModel>
+</file>
+
+<file path=ppt/diagrams/data3.xml><?xml version="1.0" encoding="utf-8"?>
+<dgm:dataModel xmlns:dgm="http://schemas.openxmlformats.org/drawingml/2006/diagram" xmlns:a="http://schemas.openxmlformats.org/drawingml/2006/main">
+  <dgm:ptLst>
     <dgm:pt modelId="{89CC62C4-A29C-4577-BE36-0D950318FE5C}" type="doc">
       <dgm:prSet loTypeId="urn:microsoft.com/office/officeart/2005/8/layout/list1" loCatId="list" qsTypeId="urn:microsoft.com/office/officeart/2005/8/quickstyle/simple1" qsCatId="simple" csTypeId="urn:microsoft.com/office/officeart/2005/8/colors/accent1_2" csCatId="accent1" phldr="1"/>
       <dgm:spPr/>
@@ -5911,7 +7038,7 @@
 </dgm:dataModel>
 </file>
 
-<file path=ppt/diagrams/data3.xml><?xml version="1.0" encoding="utf-8"?>
+<file path=ppt/diagrams/data4.xml><?xml version="1.0" encoding="utf-8"?>
 <dgm:dataModel xmlns:dgm="http://schemas.openxmlformats.org/drawingml/2006/diagram" xmlns:a="http://schemas.openxmlformats.org/drawingml/2006/main">
   <dgm:ptLst>
     <dgm:pt modelId="{B26D7C59-3866-4D6C-9C8B-3EDC5C990B2D}" type="doc">
@@ -6303,1024 +7430,6 @@
             <a:rPr lang="en-US" b="1" dirty="0"/>
             <a:t>Yikes!</a:t>
           </a:r>
-        </a:p>
-      </dgm:t>
-    </dgm:pt>
-    <dgm:pt modelId="{1F5CD0A5-E459-4AE4-A770-CA31088D09A3}" type="parTrans" cxnId="{2E905A6C-2689-4584-9B78-973419972A01}">
-      <dgm:prSet/>
-      <dgm:spPr/>
-      <dgm:t>
-        <a:bodyPr/>
-        <a:lstStyle/>
-        <a:p>
-          <a:endParaRPr lang="en-US"/>
-        </a:p>
-      </dgm:t>
-    </dgm:pt>
-    <dgm:pt modelId="{52A91247-16C3-45C7-BB8A-E0C2AD64DB45}" type="sibTrans" cxnId="{2E905A6C-2689-4584-9B78-973419972A01}">
-      <dgm:prSet/>
-      <dgm:spPr/>
-      <dgm:t>
-        <a:bodyPr/>
-        <a:lstStyle/>
-        <a:p>
-          <a:endParaRPr lang="en-US"/>
-        </a:p>
-      </dgm:t>
-    </dgm:pt>
-    <dgm:pt modelId="{7A5A84D6-3EA4-2F4C-96E9-6231CE152C20}" type="pres">
-      <dgm:prSet presAssocID="{B26D7C59-3866-4D6C-9C8B-3EDC5C990B2D}" presName="root" presStyleCnt="0">
-        <dgm:presLayoutVars>
-          <dgm:chMax/>
-          <dgm:chPref/>
-          <dgm:animLvl val="lvl"/>
-        </dgm:presLayoutVars>
-      </dgm:prSet>
-      <dgm:spPr/>
-    </dgm:pt>
-    <dgm:pt modelId="{5941EDEF-5779-D948-BE1B-9A7F27810322}" type="pres">
-      <dgm:prSet presAssocID="{B26D7C59-3866-4D6C-9C8B-3EDC5C990B2D}" presName="divider" presStyleLbl="fgAcc1" presStyleIdx="0" presStyleCnt="6"/>
-      <dgm:spPr>
-        <a:solidFill>
-          <a:schemeClr val="lt1">
-            <a:alpha val="90000"/>
-            <a:hueOff val="0"/>
-            <a:satOff val="0"/>
-            <a:lumOff val="0"/>
-            <a:alphaOff val="0"/>
-          </a:schemeClr>
-        </a:solidFill>
-        <a:ln w="19050" cap="flat" cmpd="sng" algn="ctr">
-          <a:solidFill>
-            <a:schemeClr val="accent2">
-              <a:hueOff val="0"/>
-              <a:satOff val="0"/>
-              <a:lumOff val="0"/>
-              <a:alphaOff val="0"/>
-            </a:schemeClr>
-          </a:solidFill>
-          <a:prstDash val="solid"/>
-          <a:tailEnd type="triangle" w="lg" len="lg"/>
-        </a:ln>
-        <a:effectLst/>
-      </dgm:spPr>
-    </dgm:pt>
-    <dgm:pt modelId="{02A1AD57-B133-734A-9949-E5E5BEA47521}" type="pres">
-      <dgm:prSet presAssocID="{B26D7C59-3866-4D6C-9C8B-3EDC5C990B2D}" presName="nodes" presStyleCnt="0">
-        <dgm:presLayoutVars>
-          <dgm:chMax/>
-          <dgm:chPref/>
-          <dgm:animLvl val="lvl"/>
-        </dgm:presLayoutVars>
-      </dgm:prSet>
-      <dgm:spPr/>
-    </dgm:pt>
-    <dgm:pt modelId="{618E105B-A540-0547-BDDB-4D00EC976482}" type="pres">
-      <dgm:prSet presAssocID="{950FBD9C-1EDB-4DA7-82A2-88BBBB5F4F5E}" presName="composite" presStyleCnt="0"/>
-      <dgm:spPr/>
-    </dgm:pt>
-    <dgm:pt modelId="{69C2675C-57E0-F848-A584-4E40FB923CFD}" type="pres">
-      <dgm:prSet presAssocID="{950FBD9C-1EDB-4DA7-82A2-88BBBB5F4F5E}" presName="ConnectorPoint" presStyleLbl="lnNode1" presStyleIdx="0" presStyleCnt="5"/>
-      <dgm:spPr>
-        <a:solidFill>
-          <a:schemeClr val="accent2">
-            <a:hueOff val="-300073"/>
-            <a:satOff val="1924"/>
-            <a:lumOff val="1412"/>
-            <a:alphaOff val="0"/>
-          </a:schemeClr>
-        </a:solidFill>
-        <a:ln w="6350" cap="flat" cmpd="sng" algn="ctr">
-          <a:solidFill>
-            <a:schemeClr val="lt1">
-              <a:hueOff val="0"/>
-              <a:satOff val="0"/>
-              <a:lumOff val="0"/>
-              <a:alphaOff val="0"/>
-            </a:schemeClr>
-          </a:solidFill>
-          <a:prstDash val="solid"/>
-        </a:ln>
-        <a:effectLst/>
-      </dgm:spPr>
-    </dgm:pt>
-    <dgm:pt modelId="{01ED9C5B-4FF6-4D49-927A-4ADED123A49E}" type="pres">
-      <dgm:prSet presAssocID="{950FBD9C-1EDB-4DA7-82A2-88BBBB5F4F5E}" presName="DropPinPlaceHolder" presStyleCnt="0"/>
-      <dgm:spPr/>
-    </dgm:pt>
-    <dgm:pt modelId="{68400D90-74A1-8948-A06A-9C86679215AB}" type="pres">
-      <dgm:prSet presAssocID="{950FBD9C-1EDB-4DA7-82A2-88BBBB5F4F5E}" presName="DropPin" presStyleLbl="alignNode1" presStyleIdx="0" presStyleCnt="5"/>
-      <dgm:spPr/>
-    </dgm:pt>
-    <dgm:pt modelId="{ACDAAD43-4EFB-3F48-ABD0-D6BC1ED9C1C6}" type="pres">
-      <dgm:prSet presAssocID="{950FBD9C-1EDB-4DA7-82A2-88BBBB5F4F5E}" presName="Ellipse" presStyleLbl="fgAcc1" presStyleIdx="1" presStyleCnt="6"/>
-      <dgm:spPr>
-        <a:solidFill>
-          <a:schemeClr val="lt1">
-            <a:alpha val="90000"/>
-            <a:hueOff val="0"/>
-            <a:satOff val="0"/>
-            <a:lumOff val="0"/>
-            <a:alphaOff val="0"/>
-          </a:schemeClr>
-        </a:solidFill>
-        <a:ln w="15875" cap="flat" cmpd="sng" algn="ctr">
-          <a:noFill/>
-          <a:prstDash val="solid"/>
-        </a:ln>
-        <a:effectLst/>
-      </dgm:spPr>
-    </dgm:pt>
-    <dgm:pt modelId="{41908139-FF4B-0A42-9BAA-5EEF8CF2F349}" type="pres">
-      <dgm:prSet presAssocID="{950FBD9C-1EDB-4DA7-82A2-88BBBB5F4F5E}" presName="L2TextContainer" presStyleLbl="revTx" presStyleIdx="0" presStyleCnt="10">
-        <dgm:presLayoutVars>
-          <dgm:bulletEnabled val="1"/>
-        </dgm:presLayoutVars>
-      </dgm:prSet>
-      <dgm:spPr/>
-    </dgm:pt>
-    <dgm:pt modelId="{A28FFD08-6E4B-8247-83A6-5946C0B5BE69}" type="pres">
-      <dgm:prSet presAssocID="{950FBD9C-1EDB-4DA7-82A2-88BBBB5F4F5E}" presName="L1TextContainer" presStyleLbl="revTx" presStyleIdx="1" presStyleCnt="10">
-        <dgm:presLayoutVars>
-          <dgm:chMax val="1"/>
-          <dgm:chPref val="1"/>
-          <dgm:bulletEnabled val="1"/>
-        </dgm:presLayoutVars>
-      </dgm:prSet>
-      <dgm:spPr/>
-    </dgm:pt>
-    <dgm:pt modelId="{C6CD4E2F-A60D-F542-AB80-812E48416FE2}" type="pres">
-      <dgm:prSet presAssocID="{950FBD9C-1EDB-4DA7-82A2-88BBBB5F4F5E}" presName="ConnectLine" presStyleLbl="sibTrans1D1" presStyleIdx="0" presStyleCnt="5"/>
-      <dgm:spPr>
-        <a:noFill/>
-        <a:ln w="12700" cap="flat" cmpd="sng" algn="ctr">
-          <a:solidFill>
-            <a:schemeClr val="accent2">
-              <a:hueOff val="-300073"/>
-              <a:satOff val="1924"/>
-              <a:lumOff val="1412"/>
-              <a:alphaOff val="0"/>
-            </a:schemeClr>
-          </a:solidFill>
-          <a:prstDash val="dash"/>
-        </a:ln>
-        <a:effectLst/>
-      </dgm:spPr>
-    </dgm:pt>
-    <dgm:pt modelId="{E0A46388-D3A3-094E-B14E-BCC4F9F513D6}" type="pres">
-      <dgm:prSet presAssocID="{950FBD9C-1EDB-4DA7-82A2-88BBBB5F4F5E}" presName="EmptyPlaceHolder" presStyleCnt="0"/>
-      <dgm:spPr/>
-    </dgm:pt>
-    <dgm:pt modelId="{AB5CDCAD-2869-D64B-987F-D77F4DBA1629}" type="pres">
-      <dgm:prSet presAssocID="{51135E9F-F5D8-43CA-960B-AAFEC628B50E}" presName="spaceBetweenRectangles" presStyleCnt="0"/>
-      <dgm:spPr/>
-    </dgm:pt>
-    <dgm:pt modelId="{E99069B1-7476-0B47-90E6-2A2CCEA80AA1}" type="pres">
-      <dgm:prSet presAssocID="{FE904C7D-8B0B-4A76-9C17-E91FB643AE34}" presName="composite" presStyleCnt="0"/>
-      <dgm:spPr/>
-    </dgm:pt>
-    <dgm:pt modelId="{FE05C8E6-0043-BC4D-AB63-F1C1CD926D70}" type="pres">
-      <dgm:prSet presAssocID="{FE904C7D-8B0B-4A76-9C17-E91FB643AE34}" presName="ConnectorPoint" presStyleLbl="lnNode1" presStyleIdx="1" presStyleCnt="5"/>
-      <dgm:spPr>
-        <a:solidFill>
-          <a:schemeClr val="accent2">
-            <a:hueOff val="-600146"/>
-            <a:satOff val="3848"/>
-            <a:lumOff val="2824"/>
-            <a:alphaOff val="0"/>
-          </a:schemeClr>
-        </a:solidFill>
-        <a:ln w="6350" cap="flat" cmpd="sng" algn="ctr">
-          <a:solidFill>
-            <a:schemeClr val="lt1">
-              <a:hueOff val="0"/>
-              <a:satOff val="0"/>
-              <a:lumOff val="0"/>
-              <a:alphaOff val="0"/>
-            </a:schemeClr>
-          </a:solidFill>
-          <a:prstDash val="solid"/>
-        </a:ln>
-        <a:effectLst/>
-      </dgm:spPr>
-    </dgm:pt>
-    <dgm:pt modelId="{4D22B4DE-EF88-CB41-A87D-E0A4DB8FB0E7}" type="pres">
-      <dgm:prSet presAssocID="{FE904C7D-8B0B-4A76-9C17-E91FB643AE34}" presName="DropPinPlaceHolder" presStyleCnt="0"/>
-      <dgm:spPr/>
-    </dgm:pt>
-    <dgm:pt modelId="{68DE74E1-D9B3-7A4A-8EF5-724DF6DFF2FC}" type="pres">
-      <dgm:prSet presAssocID="{FE904C7D-8B0B-4A76-9C17-E91FB643AE34}" presName="DropPin" presStyleLbl="alignNode1" presStyleIdx="1" presStyleCnt="5"/>
-      <dgm:spPr/>
-    </dgm:pt>
-    <dgm:pt modelId="{D22EE948-D5ED-8546-8C2B-82AA06B1BA48}" type="pres">
-      <dgm:prSet presAssocID="{FE904C7D-8B0B-4A76-9C17-E91FB643AE34}" presName="Ellipse" presStyleLbl="fgAcc1" presStyleIdx="2" presStyleCnt="6"/>
-      <dgm:spPr>
-        <a:solidFill>
-          <a:schemeClr val="lt1">
-            <a:alpha val="90000"/>
-            <a:hueOff val="0"/>
-            <a:satOff val="0"/>
-            <a:lumOff val="0"/>
-            <a:alphaOff val="0"/>
-          </a:schemeClr>
-        </a:solidFill>
-        <a:ln w="15875" cap="flat" cmpd="sng" algn="ctr">
-          <a:noFill/>
-          <a:prstDash val="solid"/>
-        </a:ln>
-        <a:effectLst/>
-      </dgm:spPr>
-    </dgm:pt>
-    <dgm:pt modelId="{D4118DD0-DD54-4846-97E7-571B30DFD91F}" type="pres">
-      <dgm:prSet presAssocID="{FE904C7D-8B0B-4A76-9C17-E91FB643AE34}" presName="L2TextContainer" presStyleLbl="revTx" presStyleIdx="2" presStyleCnt="10">
-        <dgm:presLayoutVars>
-          <dgm:bulletEnabled val="1"/>
-        </dgm:presLayoutVars>
-      </dgm:prSet>
-      <dgm:spPr/>
-    </dgm:pt>
-    <dgm:pt modelId="{EC8729ED-FAB0-6747-898E-B272030E4BA2}" type="pres">
-      <dgm:prSet presAssocID="{FE904C7D-8B0B-4A76-9C17-E91FB643AE34}" presName="L1TextContainer" presStyleLbl="revTx" presStyleIdx="3" presStyleCnt="10">
-        <dgm:presLayoutVars>
-          <dgm:chMax val="1"/>
-          <dgm:chPref val="1"/>
-          <dgm:bulletEnabled val="1"/>
-        </dgm:presLayoutVars>
-      </dgm:prSet>
-      <dgm:spPr/>
-    </dgm:pt>
-    <dgm:pt modelId="{17277F62-9789-8F4A-8039-59DD06A590CB}" type="pres">
-      <dgm:prSet presAssocID="{FE904C7D-8B0B-4A76-9C17-E91FB643AE34}" presName="ConnectLine" presStyleLbl="sibTrans1D1" presStyleIdx="1" presStyleCnt="5"/>
-      <dgm:spPr>
-        <a:noFill/>
-        <a:ln w="12700" cap="flat" cmpd="sng" algn="ctr">
-          <a:solidFill>
-            <a:schemeClr val="accent2">
-              <a:hueOff val="-600146"/>
-              <a:satOff val="3848"/>
-              <a:lumOff val="2824"/>
-              <a:alphaOff val="0"/>
-            </a:schemeClr>
-          </a:solidFill>
-          <a:prstDash val="dash"/>
-        </a:ln>
-        <a:effectLst/>
-      </dgm:spPr>
-    </dgm:pt>
-    <dgm:pt modelId="{E4E5999E-136D-004C-AE23-45A8F65C8012}" type="pres">
-      <dgm:prSet presAssocID="{FE904C7D-8B0B-4A76-9C17-E91FB643AE34}" presName="EmptyPlaceHolder" presStyleCnt="0"/>
-      <dgm:spPr/>
-    </dgm:pt>
-    <dgm:pt modelId="{01621260-8363-D04F-8F49-F5EBD82A8B27}" type="pres">
-      <dgm:prSet presAssocID="{F1717F5D-A504-4388-8574-F4CB95E63D99}" presName="spaceBetweenRectangles" presStyleCnt="0"/>
-      <dgm:spPr/>
-    </dgm:pt>
-    <dgm:pt modelId="{C35F5CD7-925B-4E40-9A35-C77793991C52}" type="pres">
-      <dgm:prSet presAssocID="{96603E07-40D0-4917-BAE9-8C0DD643D7E5}" presName="composite" presStyleCnt="0"/>
-      <dgm:spPr/>
-    </dgm:pt>
-    <dgm:pt modelId="{12380C1C-3A68-0A49-ABBC-29A5EFF7A8C7}" type="pres">
-      <dgm:prSet presAssocID="{96603E07-40D0-4917-BAE9-8C0DD643D7E5}" presName="ConnectorPoint" presStyleLbl="lnNode1" presStyleIdx="2" presStyleCnt="5"/>
-      <dgm:spPr>
-        <a:solidFill>
-          <a:schemeClr val="accent2">
-            <a:hueOff val="-900219"/>
-            <a:satOff val="5772"/>
-            <a:lumOff val="4236"/>
-            <a:alphaOff val="0"/>
-          </a:schemeClr>
-        </a:solidFill>
-        <a:ln w="6350" cap="flat" cmpd="sng" algn="ctr">
-          <a:solidFill>
-            <a:schemeClr val="lt1">
-              <a:hueOff val="0"/>
-              <a:satOff val="0"/>
-              <a:lumOff val="0"/>
-              <a:alphaOff val="0"/>
-            </a:schemeClr>
-          </a:solidFill>
-          <a:prstDash val="solid"/>
-        </a:ln>
-        <a:effectLst/>
-      </dgm:spPr>
-    </dgm:pt>
-    <dgm:pt modelId="{EA3F9E1B-A2CC-3A46-99A1-4E48A6155730}" type="pres">
-      <dgm:prSet presAssocID="{96603E07-40D0-4917-BAE9-8C0DD643D7E5}" presName="DropPinPlaceHolder" presStyleCnt="0"/>
-      <dgm:spPr/>
-    </dgm:pt>
-    <dgm:pt modelId="{92923DCA-B86D-F24F-BB62-535C4CF48AFB}" type="pres">
-      <dgm:prSet presAssocID="{96603E07-40D0-4917-BAE9-8C0DD643D7E5}" presName="DropPin" presStyleLbl="alignNode1" presStyleIdx="2" presStyleCnt="5"/>
-      <dgm:spPr/>
-    </dgm:pt>
-    <dgm:pt modelId="{D7702CCA-3C06-C345-AF1E-76B87C58320C}" type="pres">
-      <dgm:prSet presAssocID="{96603E07-40D0-4917-BAE9-8C0DD643D7E5}" presName="Ellipse" presStyleLbl="fgAcc1" presStyleIdx="3" presStyleCnt="6"/>
-      <dgm:spPr>
-        <a:solidFill>
-          <a:schemeClr val="lt1">
-            <a:alpha val="90000"/>
-            <a:hueOff val="0"/>
-            <a:satOff val="0"/>
-            <a:lumOff val="0"/>
-            <a:alphaOff val="0"/>
-          </a:schemeClr>
-        </a:solidFill>
-        <a:ln w="15875" cap="flat" cmpd="sng" algn="ctr">
-          <a:noFill/>
-          <a:prstDash val="solid"/>
-        </a:ln>
-        <a:effectLst/>
-      </dgm:spPr>
-    </dgm:pt>
-    <dgm:pt modelId="{B895E696-5A7C-5846-9990-9D2E9D549545}" type="pres">
-      <dgm:prSet presAssocID="{96603E07-40D0-4917-BAE9-8C0DD643D7E5}" presName="L2TextContainer" presStyleLbl="revTx" presStyleIdx="4" presStyleCnt="10">
-        <dgm:presLayoutVars>
-          <dgm:bulletEnabled val="1"/>
-        </dgm:presLayoutVars>
-      </dgm:prSet>
-      <dgm:spPr/>
-    </dgm:pt>
-    <dgm:pt modelId="{6468B032-FB5C-5948-A322-B8A322BF0563}" type="pres">
-      <dgm:prSet presAssocID="{96603E07-40D0-4917-BAE9-8C0DD643D7E5}" presName="L1TextContainer" presStyleLbl="revTx" presStyleIdx="5" presStyleCnt="10">
-        <dgm:presLayoutVars>
-          <dgm:chMax val="1"/>
-          <dgm:chPref val="1"/>
-          <dgm:bulletEnabled val="1"/>
-        </dgm:presLayoutVars>
-      </dgm:prSet>
-      <dgm:spPr/>
-    </dgm:pt>
-    <dgm:pt modelId="{DCE9EA14-343E-7E45-8518-7CEC7DD64341}" type="pres">
-      <dgm:prSet presAssocID="{96603E07-40D0-4917-BAE9-8C0DD643D7E5}" presName="ConnectLine" presStyleLbl="sibTrans1D1" presStyleIdx="2" presStyleCnt="5"/>
-      <dgm:spPr>
-        <a:noFill/>
-        <a:ln w="12700" cap="flat" cmpd="sng" algn="ctr">
-          <a:solidFill>
-            <a:schemeClr val="accent2">
-              <a:hueOff val="-900219"/>
-              <a:satOff val="5772"/>
-              <a:lumOff val="4236"/>
-              <a:alphaOff val="0"/>
-            </a:schemeClr>
-          </a:solidFill>
-          <a:prstDash val="dash"/>
-        </a:ln>
-        <a:effectLst/>
-      </dgm:spPr>
-    </dgm:pt>
-    <dgm:pt modelId="{53733864-714A-AE4B-952E-55F983C91F3E}" type="pres">
-      <dgm:prSet presAssocID="{96603E07-40D0-4917-BAE9-8C0DD643D7E5}" presName="EmptyPlaceHolder" presStyleCnt="0"/>
-      <dgm:spPr/>
-    </dgm:pt>
-    <dgm:pt modelId="{01E15E55-371F-944C-BA6E-F3BBBB7118E2}" type="pres">
-      <dgm:prSet presAssocID="{65F4B6F3-AD73-40C6-9445-A3B7B5A5D128}" presName="spaceBetweenRectangles" presStyleCnt="0"/>
-      <dgm:spPr/>
-    </dgm:pt>
-    <dgm:pt modelId="{B3E3A1AC-978D-B243-8973-D04AE9C48B84}" type="pres">
-      <dgm:prSet presAssocID="{56362478-9541-4314-A766-4ACFE6E91F79}" presName="composite" presStyleCnt="0"/>
-      <dgm:spPr/>
-    </dgm:pt>
-    <dgm:pt modelId="{7407DADD-911E-DE4B-9F3D-CB8D98A9BCEC}" type="pres">
-      <dgm:prSet presAssocID="{56362478-9541-4314-A766-4ACFE6E91F79}" presName="ConnectorPoint" presStyleLbl="lnNode1" presStyleIdx="3" presStyleCnt="5"/>
-      <dgm:spPr>
-        <a:solidFill>
-          <a:schemeClr val="accent2">
-            <a:hueOff val="-1200291"/>
-            <a:satOff val="7696"/>
-            <a:lumOff val="5648"/>
-            <a:alphaOff val="0"/>
-          </a:schemeClr>
-        </a:solidFill>
-        <a:ln w="6350" cap="flat" cmpd="sng" algn="ctr">
-          <a:solidFill>
-            <a:schemeClr val="lt1">
-              <a:hueOff val="0"/>
-              <a:satOff val="0"/>
-              <a:lumOff val="0"/>
-              <a:alphaOff val="0"/>
-            </a:schemeClr>
-          </a:solidFill>
-          <a:prstDash val="solid"/>
-        </a:ln>
-        <a:effectLst/>
-      </dgm:spPr>
-    </dgm:pt>
-    <dgm:pt modelId="{089F4A22-4C58-DF4D-B4F6-0589D765ECB5}" type="pres">
-      <dgm:prSet presAssocID="{56362478-9541-4314-A766-4ACFE6E91F79}" presName="DropPinPlaceHolder" presStyleCnt="0"/>
-      <dgm:spPr/>
-    </dgm:pt>
-    <dgm:pt modelId="{FFEBA014-4F66-B14B-8EBB-DFAC9EA0626C}" type="pres">
-      <dgm:prSet presAssocID="{56362478-9541-4314-A766-4ACFE6E91F79}" presName="DropPin" presStyleLbl="alignNode1" presStyleIdx="3" presStyleCnt="5"/>
-      <dgm:spPr/>
-    </dgm:pt>
-    <dgm:pt modelId="{6CE3193B-CC31-204B-9E7D-8527FAC5E8C6}" type="pres">
-      <dgm:prSet presAssocID="{56362478-9541-4314-A766-4ACFE6E91F79}" presName="Ellipse" presStyleLbl="fgAcc1" presStyleIdx="4" presStyleCnt="6"/>
-      <dgm:spPr>
-        <a:solidFill>
-          <a:schemeClr val="lt1">
-            <a:alpha val="90000"/>
-            <a:hueOff val="0"/>
-            <a:satOff val="0"/>
-            <a:lumOff val="0"/>
-            <a:alphaOff val="0"/>
-          </a:schemeClr>
-        </a:solidFill>
-        <a:ln w="15875" cap="flat" cmpd="sng" algn="ctr">
-          <a:noFill/>
-          <a:prstDash val="solid"/>
-        </a:ln>
-        <a:effectLst/>
-      </dgm:spPr>
-    </dgm:pt>
-    <dgm:pt modelId="{6AA2EB0D-3A73-3A4A-B251-BA5446452319}" type="pres">
-      <dgm:prSet presAssocID="{56362478-9541-4314-A766-4ACFE6E91F79}" presName="L2TextContainer" presStyleLbl="revTx" presStyleIdx="6" presStyleCnt="10">
-        <dgm:presLayoutVars>
-          <dgm:bulletEnabled val="1"/>
-        </dgm:presLayoutVars>
-      </dgm:prSet>
-      <dgm:spPr/>
-    </dgm:pt>
-    <dgm:pt modelId="{B7C5669B-7364-C244-8167-BA081F1B4C68}" type="pres">
-      <dgm:prSet presAssocID="{56362478-9541-4314-A766-4ACFE6E91F79}" presName="L1TextContainer" presStyleLbl="revTx" presStyleIdx="7" presStyleCnt="10">
-        <dgm:presLayoutVars>
-          <dgm:chMax val="1"/>
-          <dgm:chPref val="1"/>
-          <dgm:bulletEnabled val="1"/>
-        </dgm:presLayoutVars>
-      </dgm:prSet>
-      <dgm:spPr/>
-    </dgm:pt>
-    <dgm:pt modelId="{B233CBB3-A58F-9B46-B6B5-65DCA4ABE20A}" type="pres">
-      <dgm:prSet presAssocID="{56362478-9541-4314-A766-4ACFE6E91F79}" presName="ConnectLine" presStyleLbl="sibTrans1D1" presStyleIdx="3" presStyleCnt="5"/>
-      <dgm:spPr>
-        <a:noFill/>
-        <a:ln w="12700" cap="flat" cmpd="sng" algn="ctr">
-          <a:solidFill>
-            <a:schemeClr val="accent2">
-              <a:hueOff val="-1200291"/>
-              <a:satOff val="7696"/>
-              <a:lumOff val="5648"/>
-              <a:alphaOff val="0"/>
-            </a:schemeClr>
-          </a:solidFill>
-          <a:prstDash val="dash"/>
-        </a:ln>
-        <a:effectLst/>
-      </dgm:spPr>
-    </dgm:pt>
-    <dgm:pt modelId="{D47FC534-5E86-684E-A23E-7D2FA6D2459B}" type="pres">
-      <dgm:prSet presAssocID="{56362478-9541-4314-A766-4ACFE6E91F79}" presName="EmptyPlaceHolder" presStyleCnt="0"/>
-      <dgm:spPr/>
-    </dgm:pt>
-    <dgm:pt modelId="{89A88483-7CF1-FD40-9737-CC38D6CA4FD7}" type="pres">
-      <dgm:prSet presAssocID="{6CC1FBAA-4F31-473E-AE54-7461CF7E5DE5}" presName="spaceBetweenRectangles" presStyleCnt="0"/>
-      <dgm:spPr/>
-    </dgm:pt>
-    <dgm:pt modelId="{045028CE-B088-DB4E-919B-A8E2A2044BC9}" type="pres">
-      <dgm:prSet presAssocID="{81AEAD45-E3F8-401D-B2BE-1DD57F7563D6}" presName="composite" presStyleCnt="0"/>
-      <dgm:spPr/>
-    </dgm:pt>
-    <dgm:pt modelId="{1DE4B4EC-675E-6B48-BE21-36F714DDE276}" type="pres">
-      <dgm:prSet presAssocID="{81AEAD45-E3F8-401D-B2BE-1DD57F7563D6}" presName="ConnectorPoint" presStyleLbl="lnNode1" presStyleIdx="4" presStyleCnt="5"/>
-      <dgm:spPr>
-        <a:solidFill>
-          <a:schemeClr val="accent2">
-            <a:hueOff val="-1500364"/>
-            <a:satOff val="9620"/>
-            <a:lumOff val="7060"/>
-            <a:alphaOff val="0"/>
-          </a:schemeClr>
-        </a:solidFill>
-        <a:ln w="6350" cap="flat" cmpd="sng" algn="ctr">
-          <a:solidFill>
-            <a:schemeClr val="lt1">
-              <a:hueOff val="0"/>
-              <a:satOff val="0"/>
-              <a:lumOff val="0"/>
-              <a:alphaOff val="0"/>
-            </a:schemeClr>
-          </a:solidFill>
-          <a:prstDash val="solid"/>
-        </a:ln>
-        <a:effectLst/>
-      </dgm:spPr>
-    </dgm:pt>
-    <dgm:pt modelId="{46857AA1-A90D-FC4C-9894-96E1225B46BA}" type="pres">
-      <dgm:prSet presAssocID="{81AEAD45-E3F8-401D-B2BE-1DD57F7563D6}" presName="DropPinPlaceHolder" presStyleCnt="0"/>
-      <dgm:spPr/>
-    </dgm:pt>
-    <dgm:pt modelId="{D152C69C-6E7F-B149-B336-F4EDD5DAAC10}" type="pres">
-      <dgm:prSet presAssocID="{81AEAD45-E3F8-401D-B2BE-1DD57F7563D6}" presName="DropPin" presStyleLbl="alignNode1" presStyleIdx="4" presStyleCnt="5"/>
-      <dgm:spPr/>
-    </dgm:pt>
-    <dgm:pt modelId="{11CAFD7A-8AE7-3145-9D98-4AE0CC4FF0B2}" type="pres">
-      <dgm:prSet presAssocID="{81AEAD45-E3F8-401D-B2BE-1DD57F7563D6}" presName="Ellipse" presStyleLbl="fgAcc1" presStyleIdx="5" presStyleCnt="6"/>
-      <dgm:spPr>
-        <a:solidFill>
-          <a:schemeClr val="lt1">
-            <a:alpha val="90000"/>
-            <a:hueOff val="0"/>
-            <a:satOff val="0"/>
-            <a:lumOff val="0"/>
-            <a:alphaOff val="0"/>
-          </a:schemeClr>
-        </a:solidFill>
-        <a:ln w="15875" cap="flat" cmpd="sng" algn="ctr">
-          <a:noFill/>
-          <a:prstDash val="solid"/>
-        </a:ln>
-        <a:effectLst/>
-      </dgm:spPr>
-    </dgm:pt>
-    <dgm:pt modelId="{69A4F48A-F31A-2B48-9E77-5508F887F2A8}" type="pres">
-      <dgm:prSet presAssocID="{81AEAD45-E3F8-401D-B2BE-1DD57F7563D6}" presName="L2TextContainer" presStyleLbl="revTx" presStyleIdx="8" presStyleCnt="10">
-        <dgm:presLayoutVars>
-          <dgm:bulletEnabled val="1"/>
-        </dgm:presLayoutVars>
-      </dgm:prSet>
-      <dgm:spPr/>
-    </dgm:pt>
-    <dgm:pt modelId="{2A41D7FC-239F-2F42-B91D-6B873D42AC94}" type="pres">
-      <dgm:prSet presAssocID="{81AEAD45-E3F8-401D-B2BE-1DD57F7563D6}" presName="L1TextContainer" presStyleLbl="revTx" presStyleIdx="9" presStyleCnt="10">
-        <dgm:presLayoutVars>
-          <dgm:chMax val="1"/>
-          <dgm:chPref val="1"/>
-          <dgm:bulletEnabled val="1"/>
-        </dgm:presLayoutVars>
-      </dgm:prSet>
-      <dgm:spPr/>
-    </dgm:pt>
-    <dgm:pt modelId="{834B0952-C5F1-2240-AAB3-AA51D6A804CC}" type="pres">
-      <dgm:prSet presAssocID="{81AEAD45-E3F8-401D-B2BE-1DD57F7563D6}" presName="ConnectLine" presStyleLbl="sibTrans1D1" presStyleIdx="4" presStyleCnt="5"/>
-      <dgm:spPr>
-        <a:noFill/>
-        <a:ln w="12700" cap="flat" cmpd="sng" algn="ctr">
-          <a:solidFill>
-            <a:schemeClr val="accent2">
-              <a:hueOff val="-1500364"/>
-              <a:satOff val="9620"/>
-              <a:lumOff val="7060"/>
-              <a:alphaOff val="0"/>
-            </a:schemeClr>
-          </a:solidFill>
-          <a:prstDash val="dash"/>
-        </a:ln>
-        <a:effectLst/>
-      </dgm:spPr>
-    </dgm:pt>
-    <dgm:pt modelId="{5E91E4F1-274E-674B-864C-14243D7B9A39}" type="pres">
-      <dgm:prSet presAssocID="{81AEAD45-E3F8-401D-B2BE-1DD57F7563D6}" presName="EmptyPlaceHolder" presStyleCnt="0"/>
-      <dgm:spPr/>
-    </dgm:pt>
-  </dgm:ptLst>
-  <dgm:cxnLst>
-    <dgm:cxn modelId="{293FF608-B619-2E4F-A3C6-329A5228482C}" type="presOf" srcId="{FE904C7D-8B0B-4A76-9C17-E91FB643AE34}" destId="{EC8729ED-FAB0-6747-898E-B272030E4BA2}" srcOrd="0" destOrd="0" presId="urn:microsoft.com/office/officeart/2017/3/layout/DropPinTimeline"/>
-    <dgm:cxn modelId="{C92A1340-8938-4E3B-8DFC-DC6B5970C14D}" srcId="{96603E07-40D0-4917-BAE9-8C0DD643D7E5}" destId="{C4AD32CF-A1DD-46EF-81CD-EF6B3A98B2C0}" srcOrd="0" destOrd="0" parTransId="{5A37AA5F-DF12-4863-AB90-0526F759C829}" sibTransId="{E3CC08D9-22EB-4400-86BB-EF46B3C6852F}"/>
-    <dgm:cxn modelId="{2E905A6C-2689-4584-9B78-973419972A01}" srcId="{81AEAD45-E3F8-401D-B2BE-1DD57F7563D6}" destId="{C4D9C757-173A-4EA7-9BA5-3C108C04010E}" srcOrd="0" destOrd="0" parTransId="{1F5CD0A5-E459-4AE4-A770-CA31088D09A3}" sibTransId="{52A91247-16C3-45C7-BB8A-E0C2AD64DB45}"/>
-    <dgm:cxn modelId="{E5FDDB73-3F9E-415B-B27E-03B6AFF0394F}" srcId="{56362478-9541-4314-A766-4ACFE6E91F79}" destId="{BF37DB87-F5EB-4C4F-AB57-7E7C04DD359E}" srcOrd="0" destOrd="0" parTransId="{34B0D34F-F8D2-4B13-83C3-F41694578761}" sibTransId="{963D6FAF-0FF4-4072-BC16-C97C7DCB740D}"/>
-    <dgm:cxn modelId="{50A5C07A-B857-1248-833B-681B9FEF5FD3}" type="presOf" srcId="{56362478-9541-4314-A766-4ACFE6E91F79}" destId="{B7C5669B-7364-C244-8167-BA081F1B4C68}" srcOrd="0" destOrd="0" presId="urn:microsoft.com/office/officeart/2017/3/layout/DropPinTimeline"/>
-    <dgm:cxn modelId="{D7B81589-30FE-4D1C-BB0F-B70CF5244A87}" srcId="{950FBD9C-1EDB-4DA7-82A2-88BBBB5F4F5E}" destId="{B9D0FA8D-2538-473E-BF89-38DE9BC6E676}" srcOrd="0" destOrd="0" parTransId="{F615DA43-59D0-4892-8CF1-718DB80EF92C}" sibTransId="{4625162E-5827-49F3-BEF2-4DB20816B0F6}"/>
-    <dgm:cxn modelId="{315D5D94-5CCF-42C6-9DF4-C6B8D2935AFE}" srcId="{B26D7C59-3866-4D6C-9C8B-3EDC5C990B2D}" destId="{96603E07-40D0-4917-BAE9-8C0DD643D7E5}" srcOrd="2" destOrd="0" parTransId="{99328CA6-28B8-4608-81B9-CEF6F02505B0}" sibTransId="{65F4B6F3-AD73-40C6-9445-A3B7B5A5D128}"/>
-    <dgm:cxn modelId="{2317F099-8226-C348-BAE8-25CDD59FFD49}" type="presOf" srcId="{81AEAD45-E3F8-401D-B2BE-1DD57F7563D6}" destId="{2A41D7FC-239F-2F42-B91D-6B873D42AC94}" srcOrd="0" destOrd="0" presId="urn:microsoft.com/office/officeart/2017/3/layout/DropPinTimeline"/>
-    <dgm:cxn modelId="{ACFDD39B-C629-4973-8874-63EE8FCC65F2}" srcId="{B26D7C59-3866-4D6C-9C8B-3EDC5C990B2D}" destId="{81AEAD45-E3F8-401D-B2BE-1DD57F7563D6}" srcOrd="4" destOrd="0" parTransId="{0F756B63-ACCE-442E-80C5-D397F29662E5}" sibTransId="{AEC6BDD2-3174-49FF-8060-98C75B62778D}"/>
-    <dgm:cxn modelId="{99AAE1C3-CD45-834A-AC5F-9B07293448AC}" type="presOf" srcId="{BF37DB87-F5EB-4C4F-AB57-7E7C04DD359E}" destId="{6AA2EB0D-3A73-3A4A-B251-BA5446452319}" srcOrd="0" destOrd="0" presId="urn:microsoft.com/office/officeart/2017/3/layout/DropPinTimeline"/>
-    <dgm:cxn modelId="{CB85DDCA-7A59-45B7-9645-CF356125179D}" srcId="{FE904C7D-8B0B-4A76-9C17-E91FB643AE34}" destId="{9BAE0859-373A-4475-9392-196C4D2250CC}" srcOrd="0" destOrd="0" parTransId="{F6DD669A-A797-4A3A-A9EB-29A62DB7C16F}" sibTransId="{945A11F5-7B26-4416-8D04-F5238E0071E8}"/>
-    <dgm:cxn modelId="{627957CB-AE20-9447-AF71-D4E9BC7B79A1}" type="presOf" srcId="{B26D7C59-3866-4D6C-9C8B-3EDC5C990B2D}" destId="{7A5A84D6-3EA4-2F4C-96E9-6231CE152C20}" srcOrd="0" destOrd="0" presId="urn:microsoft.com/office/officeart/2017/3/layout/DropPinTimeline"/>
-    <dgm:cxn modelId="{F40D8ECE-01DB-7B45-B3B3-6F7BBFE4A695}" type="presOf" srcId="{C4AD32CF-A1DD-46EF-81CD-EF6B3A98B2C0}" destId="{B895E696-5A7C-5846-9990-9D2E9D549545}" srcOrd="0" destOrd="0" presId="urn:microsoft.com/office/officeart/2017/3/layout/DropPinTimeline"/>
-    <dgm:cxn modelId="{5EDBB4D4-19EC-B64F-87AE-85B6D5787799}" type="presOf" srcId="{950FBD9C-1EDB-4DA7-82A2-88BBBB5F4F5E}" destId="{A28FFD08-6E4B-8247-83A6-5946C0B5BE69}" srcOrd="0" destOrd="0" presId="urn:microsoft.com/office/officeart/2017/3/layout/DropPinTimeline"/>
-    <dgm:cxn modelId="{FA6135DA-4AF1-4809-B7E8-C08B49BCCF91}" srcId="{B26D7C59-3866-4D6C-9C8B-3EDC5C990B2D}" destId="{56362478-9541-4314-A766-4ACFE6E91F79}" srcOrd="3" destOrd="0" parTransId="{2D4F71F9-867E-4E87-AA19-31B2C865E05C}" sibTransId="{6CC1FBAA-4F31-473E-AE54-7461CF7E5DE5}"/>
-    <dgm:cxn modelId="{2F10FEE0-4C50-4D0B-879B-3A3F3A0B9B6E}" srcId="{B26D7C59-3866-4D6C-9C8B-3EDC5C990B2D}" destId="{FE904C7D-8B0B-4A76-9C17-E91FB643AE34}" srcOrd="1" destOrd="0" parTransId="{44A0E5D3-21C0-4CED-9182-C4FF90B9E034}" sibTransId="{F1717F5D-A504-4388-8574-F4CB95E63D99}"/>
-    <dgm:cxn modelId="{C973E9E3-E89D-2442-85A6-2E15FA36F7EB}" type="presOf" srcId="{9BAE0859-373A-4475-9392-196C4D2250CC}" destId="{D4118DD0-DD54-4846-97E7-571B30DFD91F}" srcOrd="0" destOrd="0" presId="urn:microsoft.com/office/officeart/2017/3/layout/DropPinTimeline"/>
-    <dgm:cxn modelId="{6F6CFBE9-2F61-48D8-B85E-D001D934797E}" srcId="{B26D7C59-3866-4D6C-9C8B-3EDC5C990B2D}" destId="{950FBD9C-1EDB-4DA7-82A2-88BBBB5F4F5E}" srcOrd="0" destOrd="0" parTransId="{87414E9E-6020-4F13-AAA6-0A589026EA62}" sibTransId="{51135E9F-F5D8-43CA-960B-AAFEC628B50E}"/>
-    <dgm:cxn modelId="{9EDBE3EF-9981-9E4A-9C80-160800F53B28}" type="presOf" srcId="{B9D0FA8D-2538-473E-BF89-38DE9BC6E676}" destId="{41908139-FF4B-0A42-9BAA-5EEF8CF2F349}" srcOrd="0" destOrd="0" presId="urn:microsoft.com/office/officeart/2017/3/layout/DropPinTimeline"/>
-    <dgm:cxn modelId="{9FD5B9F9-7BEE-1248-8D99-FB2BC1404CB7}" type="presOf" srcId="{C4D9C757-173A-4EA7-9BA5-3C108C04010E}" destId="{69A4F48A-F31A-2B48-9E77-5508F887F2A8}" srcOrd="0" destOrd="0" presId="urn:microsoft.com/office/officeart/2017/3/layout/DropPinTimeline"/>
-    <dgm:cxn modelId="{B65287FA-2282-C245-9B48-39B03620FD16}" type="presOf" srcId="{96603E07-40D0-4917-BAE9-8C0DD643D7E5}" destId="{6468B032-FB5C-5948-A322-B8A322BF0563}" srcOrd="0" destOrd="0" presId="urn:microsoft.com/office/officeart/2017/3/layout/DropPinTimeline"/>
-    <dgm:cxn modelId="{4C5E473A-6F9D-6F44-AAD5-34D7A26B0D3A}" type="presParOf" srcId="{7A5A84D6-3EA4-2F4C-96E9-6231CE152C20}" destId="{5941EDEF-5779-D948-BE1B-9A7F27810322}" srcOrd="0" destOrd="0" presId="urn:microsoft.com/office/officeart/2017/3/layout/DropPinTimeline"/>
-    <dgm:cxn modelId="{951C8A5F-959D-4E41-BC81-40D148DE4C0F}" type="presParOf" srcId="{7A5A84D6-3EA4-2F4C-96E9-6231CE152C20}" destId="{02A1AD57-B133-734A-9949-E5E5BEA47521}" srcOrd="1" destOrd="0" presId="urn:microsoft.com/office/officeart/2017/3/layout/DropPinTimeline"/>
-    <dgm:cxn modelId="{CB5FA58F-6323-0343-AFA5-8207F89AD48B}" type="presParOf" srcId="{02A1AD57-B133-734A-9949-E5E5BEA47521}" destId="{618E105B-A540-0547-BDDB-4D00EC976482}" srcOrd="0" destOrd="0" presId="urn:microsoft.com/office/officeart/2017/3/layout/DropPinTimeline"/>
-    <dgm:cxn modelId="{81ED69BB-2EFC-E84E-8C95-287C76C0FD52}" type="presParOf" srcId="{618E105B-A540-0547-BDDB-4D00EC976482}" destId="{69C2675C-57E0-F848-A584-4E40FB923CFD}" srcOrd="0" destOrd="0" presId="urn:microsoft.com/office/officeart/2017/3/layout/DropPinTimeline"/>
-    <dgm:cxn modelId="{A1B983CF-C291-F345-B306-7C74D18821FD}" type="presParOf" srcId="{618E105B-A540-0547-BDDB-4D00EC976482}" destId="{01ED9C5B-4FF6-4D49-927A-4ADED123A49E}" srcOrd="1" destOrd="0" presId="urn:microsoft.com/office/officeart/2017/3/layout/DropPinTimeline"/>
-    <dgm:cxn modelId="{28D94374-E593-C047-9472-9F5BB580BDBF}" type="presParOf" srcId="{01ED9C5B-4FF6-4D49-927A-4ADED123A49E}" destId="{68400D90-74A1-8948-A06A-9C86679215AB}" srcOrd="0" destOrd="0" presId="urn:microsoft.com/office/officeart/2017/3/layout/DropPinTimeline"/>
-    <dgm:cxn modelId="{6D939BA1-E7E2-CB44-B868-5F787AB4CD90}" type="presParOf" srcId="{01ED9C5B-4FF6-4D49-927A-4ADED123A49E}" destId="{ACDAAD43-4EFB-3F48-ABD0-D6BC1ED9C1C6}" srcOrd="1" destOrd="0" presId="urn:microsoft.com/office/officeart/2017/3/layout/DropPinTimeline"/>
-    <dgm:cxn modelId="{3AD99B12-C953-2645-BACD-336AF7263CF3}" type="presParOf" srcId="{618E105B-A540-0547-BDDB-4D00EC976482}" destId="{41908139-FF4B-0A42-9BAA-5EEF8CF2F349}" srcOrd="2" destOrd="0" presId="urn:microsoft.com/office/officeart/2017/3/layout/DropPinTimeline"/>
-    <dgm:cxn modelId="{787EF217-A103-9548-8C5D-52336398EAEE}" type="presParOf" srcId="{618E105B-A540-0547-BDDB-4D00EC976482}" destId="{A28FFD08-6E4B-8247-83A6-5946C0B5BE69}" srcOrd="3" destOrd="0" presId="urn:microsoft.com/office/officeart/2017/3/layout/DropPinTimeline"/>
-    <dgm:cxn modelId="{95B6A4BF-368D-E440-9931-6F06E0E72D5A}" type="presParOf" srcId="{618E105B-A540-0547-BDDB-4D00EC976482}" destId="{C6CD4E2F-A60D-F542-AB80-812E48416FE2}" srcOrd="4" destOrd="0" presId="urn:microsoft.com/office/officeart/2017/3/layout/DropPinTimeline"/>
-    <dgm:cxn modelId="{4A5F83F0-2442-BB4A-9B9B-06885C625D00}" type="presParOf" srcId="{618E105B-A540-0547-BDDB-4D00EC976482}" destId="{E0A46388-D3A3-094E-B14E-BCC4F9F513D6}" srcOrd="5" destOrd="0" presId="urn:microsoft.com/office/officeart/2017/3/layout/DropPinTimeline"/>
-    <dgm:cxn modelId="{364B6AA0-05CA-B64E-8D30-975D20076B5E}" type="presParOf" srcId="{02A1AD57-B133-734A-9949-E5E5BEA47521}" destId="{AB5CDCAD-2869-D64B-987F-D77F4DBA1629}" srcOrd="1" destOrd="0" presId="urn:microsoft.com/office/officeart/2017/3/layout/DropPinTimeline"/>
-    <dgm:cxn modelId="{27A4C970-D8E4-6F45-90B4-9194C2C2D54B}" type="presParOf" srcId="{02A1AD57-B133-734A-9949-E5E5BEA47521}" destId="{E99069B1-7476-0B47-90E6-2A2CCEA80AA1}" srcOrd="2" destOrd="0" presId="urn:microsoft.com/office/officeart/2017/3/layout/DropPinTimeline"/>
-    <dgm:cxn modelId="{D3405BA6-0FF2-9D49-97FE-7FC56EF9BE4F}" type="presParOf" srcId="{E99069B1-7476-0B47-90E6-2A2CCEA80AA1}" destId="{FE05C8E6-0043-BC4D-AB63-F1C1CD926D70}" srcOrd="0" destOrd="0" presId="urn:microsoft.com/office/officeart/2017/3/layout/DropPinTimeline"/>
-    <dgm:cxn modelId="{B09A6B56-2438-424E-837D-13042781574E}" type="presParOf" srcId="{E99069B1-7476-0B47-90E6-2A2CCEA80AA1}" destId="{4D22B4DE-EF88-CB41-A87D-E0A4DB8FB0E7}" srcOrd="1" destOrd="0" presId="urn:microsoft.com/office/officeart/2017/3/layout/DropPinTimeline"/>
-    <dgm:cxn modelId="{105676BA-B25B-D248-9E90-8B5376D8AF6F}" type="presParOf" srcId="{4D22B4DE-EF88-CB41-A87D-E0A4DB8FB0E7}" destId="{68DE74E1-D9B3-7A4A-8EF5-724DF6DFF2FC}" srcOrd="0" destOrd="0" presId="urn:microsoft.com/office/officeart/2017/3/layout/DropPinTimeline"/>
-    <dgm:cxn modelId="{2334DFFC-B544-754C-89E7-23EDA31FABA3}" type="presParOf" srcId="{4D22B4DE-EF88-CB41-A87D-E0A4DB8FB0E7}" destId="{D22EE948-D5ED-8546-8C2B-82AA06B1BA48}" srcOrd="1" destOrd="0" presId="urn:microsoft.com/office/officeart/2017/3/layout/DropPinTimeline"/>
-    <dgm:cxn modelId="{AD3D4EF8-DD47-E745-BDA4-000E3B051E3A}" type="presParOf" srcId="{E99069B1-7476-0B47-90E6-2A2CCEA80AA1}" destId="{D4118DD0-DD54-4846-97E7-571B30DFD91F}" srcOrd="2" destOrd="0" presId="urn:microsoft.com/office/officeart/2017/3/layout/DropPinTimeline"/>
-    <dgm:cxn modelId="{7CE68977-C6B5-B244-9DA2-F83EC581B5A0}" type="presParOf" srcId="{E99069B1-7476-0B47-90E6-2A2CCEA80AA1}" destId="{EC8729ED-FAB0-6747-898E-B272030E4BA2}" srcOrd="3" destOrd="0" presId="urn:microsoft.com/office/officeart/2017/3/layout/DropPinTimeline"/>
-    <dgm:cxn modelId="{20CB29B7-3681-5E48-AD4E-EDD37B16D187}" type="presParOf" srcId="{E99069B1-7476-0B47-90E6-2A2CCEA80AA1}" destId="{17277F62-9789-8F4A-8039-59DD06A590CB}" srcOrd="4" destOrd="0" presId="urn:microsoft.com/office/officeart/2017/3/layout/DropPinTimeline"/>
-    <dgm:cxn modelId="{00370447-2D51-DD48-8FF7-ED6EC7B62EFA}" type="presParOf" srcId="{E99069B1-7476-0B47-90E6-2A2CCEA80AA1}" destId="{E4E5999E-136D-004C-AE23-45A8F65C8012}" srcOrd="5" destOrd="0" presId="urn:microsoft.com/office/officeart/2017/3/layout/DropPinTimeline"/>
-    <dgm:cxn modelId="{0E9805D4-58DF-DB4E-9532-6DE4871DBD46}" type="presParOf" srcId="{02A1AD57-B133-734A-9949-E5E5BEA47521}" destId="{01621260-8363-D04F-8F49-F5EBD82A8B27}" srcOrd="3" destOrd="0" presId="urn:microsoft.com/office/officeart/2017/3/layout/DropPinTimeline"/>
-    <dgm:cxn modelId="{921DA9D1-7857-7848-A44D-E801EB7DCF3A}" type="presParOf" srcId="{02A1AD57-B133-734A-9949-E5E5BEA47521}" destId="{C35F5CD7-925B-4E40-9A35-C77793991C52}" srcOrd="4" destOrd="0" presId="urn:microsoft.com/office/officeart/2017/3/layout/DropPinTimeline"/>
-    <dgm:cxn modelId="{1DDC52AA-D4D8-7B4F-8A11-2310C01530B0}" type="presParOf" srcId="{C35F5CD7-925B-4E40-9A35-C77793991C52}" destId="{12380C1C-3A68-0A49-ABBC-29A5EFF7A8C7}" srcOrd="0" destOrd="0" presId="urn:microsoft.com/office/officeart/2017/3/layout/DropPinTimeline"/>
-    <dgm:cxn modelId="{6DCD2AC4-78F7-DE46-8395-1F9CEFA60AF9}" type="presParOf" srcId="{C35F5CD7-925B-4E40-9A35-C77793991C52}" destId="{EA3F9E1B-A2CC-3A46-99A1-4E48A6155730}" srcOrd="1" destOrd="0" presId="urn:microsoft.com/office/officeart/2017/3/layout/DropPinTimeline"/>
-    <dgm:cxn modelId="{1D61DB84-3655-DA44-80E5-C11AEE5FF52D}" type="presParOf" srcId="{EA3F9E1B-A2CC-3A46-99A1-4E48A6155730}" destId="{92923DCA-B86D-F24F-BB62-535C4CF48AFB}" srcOrd="0" destOrd="0" presId="urn:microsoft.com/office/officeart/2017/3/layout/DropPinTimeline"/>
-    <dgm:cxn modelId="{A867D993-12D2-EF44-9A91-D40156AECA18}" type="presParOf" srcId="{EA3F9E1B-A2CC-3A46-99A1-4E48A6155730}" destId="{D7702CCA-3C06-C345-AF1E-76B87C58320C}" srcOrd="1" destOrd="0" presId="urn:microsoft.com/office/officeart/2017/3/layout/DropPinTimeline"/>
-    <dgm:cxn modelId="{DD5EF9BC-80E7-3A4E-A85A-BAC891EA43A4}" type="presParOf" srcId="{C35F5CD7-925B-4E40-9A35-C77793991C52}" destId="{B895E696-5A7C-5846-9990-9D2E9D549545}" srcOrd="2" destOrd="0" presId="urn:microsoft.com/office/officeart/2017/3/layout/DropPinTimeline"/>
-    <dgm:cxn modelId="{DCCAFA12-EC85-F146-89E8-B5E341C49E22}" type="presParOf" srcId="{C35F5CD7-925B-4E40-9A35-C77793991C52}" destId="{6468B032-FB5C-5948-A322-B8A322BF0563}" srcOrd="3" destOrd="0" presId="urn:microsoft.com/office/officeart/2017/3/layout/DropPinTimeline"/>
-    <dgm:cxn modelId="{ECBB31A1-56EF-FC44-BFEF-71A27C1E4F34}" type="presParOf" srcId="{C35F5CD7-925B-4E40-9A35-C77793991C52}" destId="{DCE9EA14-343E-7E45-8518-7CEC7DD64341}" srcOrd="4" destOrd="0" presId="urn:microsoft.com/office/officeart/2017/3/layout/DropPinTimeline"/>
-    <dgm:cxn modelId="{D4CE95B0-68B7-C84F-88F6-BA59670E44DE}" type="presParOf" srcId="{C35F5CD7-925B-4E40-9A35-C77793991C52}" destId="{53733864-714A-AE4B-952E-55F983C91F3E}" srcOrd="5" destOrd="0" presId="urn:microsoft.com/office/officeart/2017/3/layout/DropPinTimeline"/>
-    <dgm:cxn modelId="{B8A30B17-05D7-4845-81F9-91F19CD82D96}" type="presParOf" srcId="{02A1AD57-B133-734A-9949-E5E5BEA47521}" destId="{01E15E55-371F-944C-BA6E-F3BBBB7118E2}" srcOrd="5" destOrd="0" presId="urn:microsoft.com/office/officeart/2017/3/layout/DropPinTimeline"/>
-    <dgm:cxn modelId="{23787525-CA90-8F44-B6DA-28A68553A875}" type="presParOf" srcId="{02A1AD57-B133-734A-9949-E5E5BEA47521}" destId="{B3E3A1AC-978D-B243-8973-D04AE9C48B84}" srcOrd="6" destOrd="0" presId="urn:microsoft.com/office/officeart/2017/3/layout/DropPinTimeline"/>
-    <dgm:cxn modelId="{D15C995C-7A3F-D347-B016-EBAF3E8F459C}" type="presParOf" srcId="{B3E3A1AC-978D-B243-8973-D04AE9C48B84}" destId="{7407DADD-911E-DE4B-9F3D-CB8D98A9BCEC}" srcOrd="0" destOrd="0" presId="urn:microsoft.com/office/officeart/2017/3/layout/DropPinTimeline"/>
-    <dgm:cxn modelId="{5011B506-71CC-B943-93DE-23B2AEFFBF0E}" type="presParOf" srcId="{B3E3A1AC-978D-B243-8973-D04AE9C48B84}" destId="{089F4A22-4C58-DF4D-B4F6-0589D765ECB5}" srcOrd="1" destOrd="0" presId="urn:microsoft.com/office/officeart/2017/3/layout/DropPinTimeline"/>
-    <dgm:cxn modelId="{D444AE9F-7CE4-E749-949C-5C6E02F27932}" type="presParOf" srcId="{089F4A22-4C58-DF4D-B4F6-0589D765ECB5}" destId="{FFEBA014-4F66-B14B-8EBB-DFAC9EA0626C}" srcOrd="0" destOrd="0" presId="urn:microsoft.com/office/officeart/2017/3/layout/DropPinTimeline"/>
-    <dgm:cxn modelId="{5EE116E4-67C8-1B49-8878-4400AAE9311D}" type="presParOf" srcId="{089F4A22-4C58-DF4D-B4F6-0589D765ECB5}" destId="{6CE3193B-CC31-204B-9E7D-8527FAC5E8C6}" srcOrd="1" destOrd="0" presId="urn:microsoft.com/office/officeart/2017/3/layout/DropPinTimeline"/>
-    <dgm:cxn modelId="{E9B71FAE-1472-7148-A8F5-628149C952CB}" type="presParOf" srcId="{B3E3A1AC-978D-B243-8973-D04AE9C48B84}" destId="{6AA2EB0D-3A73-3A4A-B251-BA5446452319}" srcOrd="2" destOrd="0" presId="urn:microsoft.com/office/officeart/2017/3/layout/DropPinTimeline"/>
-    <dgm:cxn modelId="{F7581DA8-7EA2-614C-B659-ACD7D8D7FB22}" type="presParOf" srcId="{B3E3A1AC-978D-B243-8973-D04AE9C48B84}" destId="{B7C5669B-7364-C244-8167-BA081F1B4C68}" srcOrd="3" destOrd="0" presId="urn:microsoft.com/office/officeart/2017/3/layout/DropPinTimeline"/>
-    <dgm:cxn modelId="{8E510168-F446-9E46-8F29-4BCFD9786E7A}" type="presParOf" srcId="{B3E3A1AC-978D-B243-8973-D04AE9C48B84}" destId="{B233CBB3-A58F-9B46-B6B5-65DCA4ABE20A}" srcOrd="4" destOrd="0" presId="urn:microsoft.com/office/officeart/2017/3/layout/DropPinTimeline"/>
-    <dgm:cxn modelId="{59A552F3-D3B1-5D4F-8158-A0B2FF940EBD}" type="presParOf" srcId="{B3E3A1AC-978D-B243-8973-D04AE9C48B84}" destId="{D47FC534-5E86-684E-A23E-7D2FA6D2459B}" srcOrd="5" destOrd="0" presId="urn:microsoft.com/office/officeart/2017/3/layout/DropPinTimeline"/>
-    <dgm:cxn modelId="{8DC1F357-61E3-CC46-90D2-719285A78D32}" type="presParOf" srcId="{02A1AD57-B133-734A-9949-E5E5BEA47521}" destId="{89A88483-7CF1-FD40-9737-CC38D6CA4FD7}" srcOrd="7" destOrd="0" presId="urn:microsoft.com/office/officeart/2017/3/layout/DropPinTimeline"/>
-    <dgm:cxn modelId="{B2CC6D37-F32D-9445-9AC9-B9DB033E7821}" type="presParOf" srcId="{02A1AD57-B133-734A-9949-E5E5BEA47521}" destId="{045028CE-B088-DB4E-919B-A8E2A2044BC9}" srcOrd="8" destOrd="0" presId="urn:microsoft.com/office/officeart/2017/3/layout/DropPinTimeline"/>
-    <dgm:cxn modelId="{95285D04-71A0-C845-AC07-8467F7E23EAF}" type="presParOf" srcId="{045028CE-B088-DB4E-919B-A8E2A2044BC9}" destId="{1DE4B4EC-675E-6B48-BE21-36F714DDE276}" srcOrd="0" destOrd="0" presId="urn:microsoft.com/office/officeart/2017/3/layout/DropPinTimeline"/>
-    <dgm:cxn modelId="{9918DD01-B258-B74F-AFC1-80227474EC77}" type="presParOf" srcId="{045028CE-B088-DB4E-919B-A8E2A2044BC9}" destId="{46857AA1-A90D-FC4C-9894-96E1225B46BA}" srcOrd="1" destOrd="0" presId="urn:microsoft.com/office/officeart/2017/3/layout/DropPinTimeline"/>
-    <dgm:cxn modelId="{33B32610-E157-474E-BD6F-D18F2A741A35}" type="presParOf" srcId="{46857AA1-A90D-FC4C-9894-96E1225B46BA}" destId="{D152C69C-6E7F-B149-B336-F4EDD5DAAC10}" srcOrd="0" destOrd="0" presId="urn:microsoft.com/office/officeart/2017/3/layout/DropPinTimeline"/>
-    <dgm:cxn modelId="{7F60D3B7-A084-F34B-8D00-D7E455186549}" type="presParOf" srcId="{46857AA1-A90D-FC4C-9894-96E1225B46BA}" destId="{11CAFD7A-8AE7-3145-9D98-4AE0CC4FF0B2}" srcOrd="1" destOrd="0" presId="urn:microsoft.com/office/officeart/2017/3/layout/DropPinTimeline"/>
-    <dgm:cxn modelId="{269F1092-D3CE-AC46-B1E4-FB7F3EDBC143}" type="presParOf" srcId="{045028CE-B088-DB4E-919B-A8E2A2044BC9}" destId="{69A4F48A-F31A-2B48-9E77-5508F887F2A8}" srcOrd="2" destOrd="0" presId="urn:microsoft.com/office/officeart/2017/3/layout/DropPinTimeline"/>
-    <dgm:cxn modelId="{F1E419FD-88C2-E94A-80C9-0D8B2B977E85}" type="presParOf" srcId="{045028CE-B088-DB4E-919B-A8E2A2044BC9}" destId="{2A41D7FC-239F-2F42-B91D-6B873D42AC94}" srcOrd="3" destOrd="0" presId="urn:microsoft.com/office/officeart/2017/3/layout/DropPinTimeline"/>
-    <dgm:cxn modelId="{A11CE967-9FD2-AC44-BAFF-F09FE413DD66}" type="presParOf" srcId="{045028CE-B088-DB4E-919B-A8E2A2044BC9}" destId="{834B0952-C5F1-2240-AAB3-AA51D6A804CC}" srcOrd="4" destOrd="0" presId="urn:microsoft.com/office/officeart/2017/3/layout/DropPinTimeline"/>
-    <dgm:cxn modelId="{0978E187-00ED-6D4A-B980-BB446D84B88C}" type="presParOf" srcId="{045028CE-B088-DB4E-919B-A8E2A2044BC9}" destId="{5E91E4F1-274E-674B-864C-14243D7B9A39}" srcOrd="5" destOrd="0" presId="urn:microsoft.com/office/officeart/2017/3/layout/DropPinTimeline"/>
-  </dgm:cxnLst>
-  <dgm:bg/>
-  <dgm:whole/>
-  <dgm:extLst>
-    <a:ext uri="http://schemas.microsoft.com/office/drawing/2008/diagram">
-      <dsp:dataModelExt xmlns:dsp="http://schemas.microsoft.com/office/drawing/2008/diagram" relId="rId6" minVer="http://schemas.openxmlformats.org/drawingml/2006/diagram"/>
-    </a:ext>
-  </dgm:extLst>
-</dgm:dataModel>
-</file>
-
-<file path=ppt/diagrams/data4.xml><?xml version="1.0" encoding="utf-8"?>
-<dgm:dataModel xmlns:dgm="http://schemas.openxmlformats.org/drawingml/2006/diagram" xmlns:a="http://schemas.openxmlformats.org/drawingml/2006/main">
-  <dgm:ptLst>
-    <dgm:pt modelId="{B26D7C59-3866-4D6C-9C8B-3EDC5C990B2D}" type="doc">
-      <dgm:prSet loTypeId="urn:microsoft.com/office/officeart/2017/3/layout/DropPinTimeline" loCatId="process" qsTypeId="urn:microsoft.com/office/officeart/2005/8/quickstyle/simple1" qsCatId="simple" csTypeId="urn:microsoft.com/office/officeart/2005/8/colors/colorful2" csCatId="colorful" phldr="1"/>
-      <dgm:spPr/>
-      <dgm:t>
-        <a:bodyPr/>
-        <a:lstStyle/>
-        <a:p>
-          <a:endParaRPr lang="en-US"/>
-        </a:p>
-      </dgm:t>
-    </dgm:pt>
-    <dgm:pt modelId="{950FBD9C-1EDB-4DA7-82A2-88BBBB5F4F5E}">
-      <dgm:prSet/>
-      <dgm:spPr/>
-      <dgm:t>
-        <a:bodyPr/>
-        <a:lstStyle/>
-        <a:p>
-          <a:pPr>
-            <a:defRPr b="1"/>
-          </a:pPr>
-          <a:r>
-            <a:rPr lang="en-US" dirty="0"/>
-            <a:t>End of Semester</a:t>
-          </a:r>
-        </a:p>
-      </dgm:t>
-    </dgm:pt>
-    <dgm:pt modelId="{87414E9E-6020-4F13-AAA6-0A589026EA62}" type="parTrans" cxnId="{6F6CFBE9-2F61-48D8-B85E-D001D934797E}">
-      <dgm:prSet/>
-      <dgm:spPr/>
-      <dgm:t>
-        <a:bodyPr/>
-        <a:lstStyle/>
-        <a:p>
-          <a:endParaRPr lang="en-US"/>
-        </a:p>
-      </dgm:t>
-    </dgm:pt>
-    <dgm:pt modelId="{51135E9F-F5D8-43CA-960B-AAFEC628B50E}" type="sibTrans" cxnId="{6F6CFBE9-2F61-48D8-B85E-D001D934797E}">
-      <dgm:prSet/>
-      <dgm:spPr/>
-      <dgm:t>
-        <a:bodyPr/>
-        <a:lstStyle/>
-        <a:p>
-          <a:endParaRPr lang="en-US"/>
-        </a:p>
-      </dgm:t>
-    </dgm:pt>
-    <dgm:pt modelId="{B9D0FA8D-2538-473E-BF89-38DE9BC6E676}">
-      <dgm:prSet/>
-      <dgm:spPr/>
-      <dgm:t>
-        <a:bodyPr/>
-        <a:lstStyle/>
-        <a:p>
-          <a:r>
-            <a:rPr lang="en-US" dirty="0"/>
-            <a:t>Finish SOTF paper &amp; talk</a:t>
-          </a:r>
-        </a:p>
-      </dgm:t>
-    </dgm:pt>
-    <dgm:pt modelId="{F615DA43-59D0-4892-8CF1-718DB80EF92C}" type="parTrans" cxnId="{D7B81589-30FE-4D1C-BB0F-B70CF5244A87}">
-      <dgm:prSet/>
-      <dgm:spPr/>
-      <dgm:t>
-        <a:bodyPr/>
-        <a:lstStyle/>
-        <a:p>
-          <a:endParaRPr lang="en-US"/>
-        </a:p>
-      </dgm:t>
-    </dgm:pt>
-    <dgm:pt modelId="{4625162E-5827-49F3-BEF2-4DB20816B0F6}" type="sibTrans" cxnId="{D7B81589-30FE-4D1C-BB0F-B70CF5244A87}">
-      <dgm:prSet/>
-      <dgm:spPr/>
-      <dgm:t>
-        <a:bodyPr/>
-        <a:lstStyle/>
-        <a:p>
-          <a:endParaRPr lang="en-US"/>
-        </a:p>
-      </dgm:t>
-    </dgm:pt>
-    <dgm:pt modelId="{FE904C7D-8B0B-4A76-9C17-E91FB643AE34}">
-      <dgm:prSet/>
-      <dgm:spPr/>
-      <dgm:t>
-        <a:bodyPr/>
-        <a:lstStyle/>
-        <a:p>
-          <a:pPr>
-            <a:defRPr b="1"/>
-          </a:pPr>
-          <a:r>
-            <a:rPr lang="en-US" dirty="0"/>
-            <a:t>+ 3 years</a:t>
-          </a:r>
-        </a:p>
-      </dgm:t>
-    </dgm:pt>
-    <dgm:pt modelId="{44A0E5D3-21C0-4CED-9182-C4FF90B9E034}" type="parTrans" cxnId="{2F10FEE0-4C50-4D0B-879B-3A3F3A0B9B6E}">
-      <dgm:prSet/>
-      <dgm:spPr/>
-      <dgm:t>
-        <a:bodyPr/>
-        <a:lstStyle/>
-        <a:p>
-          <a:endParaRPr lang="en-US"/>
-        </a:p>
-      </dgm:t>
-    </dgm:pt>
-    <dgm:pt modelId="{F1717F5D-A504-4388-8574-F4CB95E63D99}" type="sibTrans" cxnId="{2F10FEE0-4C50-4D0B-879B-3A3F3A0B9B6E}">
-      <dgm:prSet/>
-      <dgm:spPr/>
-      <dgm:t>
-        <a:bodyPr/>
-        <a:lstStyle/>
-        <a:p>
-          <a:endParaRPr lang="en-US"/>
-        </a:p>
-      </dgm:t>
-    </dgm:pt>
-    <dgm:pt modelId="{9BAE0859-373A-4475-9392-196C4D2250CC}">
-      <dgm:prSet/>
-      <dgm:spPr/>
-      <dgm:t>
-        <a:bodyPr/>
-        <a:lstStyle/>
-        <a:p>
-          <a:r>
-            <a:rPr lang="en-US" dirty="0"/>
-            <a:t>Half of what you need to know you learned the past 3 year</a:t>
-          </a:r>
-        </a:p>
-      </dgm:t>
-    </dgm:pt>
-    <dgm:pt modelId="{F6DD669A-A797-4A3A-A9EB-29A62DB7C16F}" type="parTrans" cxnId="{CB85DDCA-7A59-45B7-9645-CF356125179D}">
-      <dgm:prSet/>
-      <dgm:spPr/>
-      <dgm:t>
-        <a:bodyPr/>
-        <a:lstStyle/>
-        <a:p>
-          <a:endParaRPr lang="en-US"/>
-        </a:p>
-      </dgm:t>
-    </dgm:pt>
-    <dgm:pt modelId="{945A11F5-7B26-4416-8D04-F5238E0071E8}" type="sibTrans" cxnId="{CB85DDCA-7A59-45B7-9645-CF356125179D}">
-      <dgm:prSet/>
-      <dgm:spPr/>
-      <dgm:t>
-        <a:bodyPr/>
-        <a:lstStyle/>
-        <a:p>
-          <a:endParaRPr lang="en-US"/>
-        </a:p>
-      </dgm:t>
-    </dgm:pt>
-    <dgm:pt modelId="{96603E07-40D0-4917-BAE9-8C0DD643D7E5}">
-      <dgm:prSet/>
-      <dgm:spPr/>
-      <dgm:t>
-        <a:bodyPr/>
-        <a:lstStyle/>
-        <a:p>
-          <a:pPr>
-            <a:defRPr b="1"/>
-          </a:pPr>
-          <a:r>
-            <a:rPr lang="en-US" dirty="0"/>
-            <a:t>+ 6 years</a:t>
-          </a:r>
-        </a:p>
-      </dgm:t>
-    </dgm:pt>
-    <dgm:pt modelId="{99328CA6-28B8-4608-81B9-CEF6F02505B0}" type="parTrans" cxnId="{315D5D94-5CCF-42C6-9DF4-C6B8D2935AFE}">
-      <dgm:prSet/>
-      <dgm:spPr/>
-      <dgm:t>
-        <a:bodyPr/>
-        <a:lstStyle/>
-        <a:p>
-          <a:endParaRPr lang="en-US"/>
-        </a:p>
-      </dgm:t>
-    </dgm:pt>
-    <dgm:pt modelId="{65F4B6F3-AD73-40C6-9445-A3B7B5A5D128}" type="sibTrans" cxnId="{315D5D94-5CCF-42C6-9DF4-C6B8D2935AFE}">
-      <dgm:prSet/>
-      <dgm:spPr/>
-      <dgm:t>
-        <a:bodyPr/>
-        <a:lstStyle/>
-        <a:p>
-          <a:endParaRPr lang="en-US"/>
-        </a:p>
-      </dgm:t>
-    </dgm:pt>
-    <dgm:pt modelId="{C4AD32CF-A1DD-46EF-81CD-EF6B3A98B2C0}">
-      <dgm:prSet/>
-      <dgm:spPr/>
-      <dgm:t>
-        <a:bodyPr/>
-        <a:lstStyle/>
-        <a:p>
-          <a:r>
-            <a:rPr lang="en-US" dirty="0"/>
-            <a:t>¾ of what you need to know you learned the past 6 year</a:t>
-          </a:r>
-        </a:p>
-      </dgm:t>
-    </dgm:pt>
-    <dgm:pt modelId="{5A37AA5F-DF12-4863-AB90-0526F759C829}" type="parTrans" cxnId="{C92A1340-8938-4E3B-8DFC-DC6B5970C14D}">
-      <dgm:prSet/>
-      <dgm:spPr/>
-      <dgm:t>
-        <a:bodyPr/>
-        <a:lstStyle/>
-        <a:p>
-          <a:endParaRPr lang="en-US"/>
-        </a:p>
-      </dgm:t>
-    </dgm:pt>
-    <dgm:pt modelId="{E3CC08D9-22EB-4400-86BB-EF46B3C6852F}" type="sibTrans" cxnId="{C92A1340-8938-4E3B-8DFC-DC6B5970C14D}">
-      <dgm:prSet/>
-      <dgm:spPr/>
-      <dgm:t>
-        <a:bodyPr/>
-        <a:lstStyle/>
-        <a:p>
-          <a:endParaRPr lang="en-US"/>
-        </a:p>
-      </dgm:t>
-    </dgm:pt>
-    <dgm:pt modelId="{56362478-9541-4314-A766-4ACFE6E91F79}">
-      <dgm:prSet/>
-      <dgm:spPr/>
-      <dgm:t>
-        <a:bodyPr/>
-        <a:lstStyle/>
-        <a:p>
-          <a:pPr>
-            <a:defRPr b="1"/>
-          </a:pPr>
-          <a:r>
-            <a:rPr lang="en-US" dirty="0"/>
-            <a:t>+ 9 years</a:t>
-          </a:r>
-        </a:p>
-      </dgm:t>
-    </dgm:pt>
-    <dgm:pt modelId="{2D4F71F9-867E-4E87-AA19-31B2C865E05C}" type="parTrans" cxnId="{FA6135DA-4AF1-4809-B7E8-C08B49BCCF91}">
-      <dgm:prSet/>
-      <dgm:spPr/>
-      <dgm:t>
-        <a:bodyPr/>
-        <a:lstStyle/>
-        <a:p>
-          <a:endParaRPr lang="en-US"/>
-        </a:p>
-      </dgm:t>
-    </dgm:pt>
-    <dgm:pt modelId="{6CC1FBAA-4F31-473E-AE54-7461CF7E5DE5}" type="sibTrans" cxnId="{FA6135DA-4AF1-4809-B7E8-C08B49BCCF91}">
-      <dgm:prSet/>
-      <dgm:spPr/>
-      <dgm:t>
-        <a:bodyPr/>
-        <a:lstStyle/>
-        <a:p>
-          <a:endParaRPr lang="en-US"/>
-        </a:p>
-      </dgm:t>
-    </dgm:pt>
-    <dgm:pt modelId="{BF37DB87-F5EB-4C4F-AB57-7E7C04DD359E}">
-      <dgm:prSet/>
-      <dgm:spPr/>
-      <dgm:t>
-        <a:bodyPr/>
-        <a:lstStyle/>
-        <a:p>
-          <a:r>
-            <a:rPr lang="en-US" dirty="0"/>
-            <a:t>7/8 of what you need to know you learned the past 9 year</a:t>
-          </a:r>
-        </a:p>
-      </dgm:t>
-    </dgm:pt>
-    <dgm:pt modelId="{34B0D34F-F8D2-4B13-83C3-F41694578761}" type="parTrans" cxnId="{E5FDDB73-3F9E-415B-B27E-03B6AFF0394F}">
-      <dgm:prSet/>
-      <dgm:spPr/>
-      <dgm:t>
-        <a:bodyPr/>
-        <a:lstStyle/>
-        <a:p>
-          <a:endParaRPr lang="en-US"/>
-        </a:p>
-      </dgm:t>
-    </dgm:pt>
-    <dgm:pt modelId="{963D6FAF-0FF4-4072-BC16-C97C7DCB740D}" type="sibTrans" cxnId="{E5FDDB73-3F9E-415B-B27E-03B6AFF0394F}">
-      <dgm:prSet/>
-      <dgm:spPr/>
-      <dgm:t>
-        <a:bodyPr/>
-        <a:lstStyle/>
-        <a:p>
-          <a:endParaRPr lang="en-US"/>
-        </a:p>
-      </dgm:t>
-    </dgm:pt>
-    <dgm:pt modelId="{81AEAD45-E3F8-401D-B2BE-1DD57F7563D6}">
-      <dgm:prSet/>
-      <dgm:spPr/>
-      <dgm:t>
-        <a:bodyPr/>
-        <a:lstStyle/>
-        <a:p>
-          <a:pPr>
-            <a:defRPr b="1"/>
-          </a:pPr>
-          <a:r>
-            <a:rPr lang="en-US" dirty="0"/>
-            <a:t>+ 12 years</a:t>
-          </a:r>
-        </a:p>
-      </dgm:t>
-    </dgm:pt>
-    <dgm:pt modelId="{0F756B63-ACCE-442E-80C5-D397F29662E5}" type="parTrans" cxnId="{ACFDD39B-C629-4973-8874-63EE8FCC65F2}">
-      <dgm:prSet/>
-      <dgm:spPr/>
-      <dgm:t>
-        <a:bodyPr/>
-        <a:lstStyle/>
-        <a:p>
-          <a:endParaRPr lang="en-US"/>
-        </a:p>
-      </dgm:t>
-    </dgm:pt>
-    <dgm:pt modelId="{AEC6BDD2-3174-49FF-8060-98C75B62778D}" type="sibTrans" cxnId="{ACFDD39B-C629-4973-8874-63EE8FCC65F2}">
-      <dgm:prSet/>
-      <dgm:spPr/>
-      <dgm:t>
-        <a:bodyPr/>
-        <a:lstStyle/>
-        <a:p>
-          <a:endParaRPr lang="en-US"/>
-        </a:p>
-      </dgm:t>
-    </dgm:pt>
-    <dgm:pt modelId="{C4D9C757-173A-4EA7-9BA5-3C108C04010E}">
-      <dgm:prSet/>
-      <dgm:spPr/>
-      <dgm:t>
-        <a:bodyPr/>
-        <a:lstStyle/>
-        <a:p>
-          <a:r>
-            <a:rPr lang="en-US" dirty="0"/>
-            <a:t>15/16 of what you need to know you learned the past 12 year, and so on.</a:t>
-          </a:r>
-          <a:endParaRPr lang="en-US" b="1" dirty="0"/>
         </a:p>
       </dgm:t>
     </dgm:pt>
@@ -7977,6 +8086,1024 @@
 <file path=ppt/diagrams/data5.xml><?xml version="1.0" encoding="utf-8"?>
 <dgm:dataModel xmlns:dgm="http://schemas.openxmlformats.org/drawingml/2006/diagram" xmlns:a="http://schemas.openxmlformats.org/drawingml/2006/main">
   <dgm:ptLst>
+    <dgm:pt modelId="{B26D7C59-3866-4D6C-9C8B-3EDC5C990B2D}" type="doc">
+      <dgm:prSet loTypeId="urn:microsoft.com/office/officeart/2017/3/layout/DropPinTimeline" loCatId="process" qsTypeId="urn:microsoft.com/office/officeart/2005/8/quickstyle/simple1" qsCatId="simple" csTypeId="urn:microsoft.com/office/officeart/2005/8/colors/colorful2" csCatId="colorful" phldr="1"/>
+      <dgm:spPr/>
+      <dgm:t>
+        <a:bodyPr/>
+        <a:lstStyle/>
+        <a:p>
+          <a:endParaRPr lang="en-US"/>
+        </a:p>
+      </dgm:t>
+    </dgm:pt>
+    <dgm:pt modelId="{950FBD9C-1EDB-4DA7-82A2-88BBBB5F4F5E}">
+      <dgm:prSet/>
+      <dgm:spPr/>
+      <dgm:t>
+        <a:bodyPr/>
+        <a:lstStyle/>
+        <a:p>
+          <a:pPr>
+            <a:defRPr b="1"/>
+          </a:pPr>
+          <a:r>
+            <a:rPr lang="en-US" dirty="0"/>
+            <a:t>End of Semester</a:t>
+          </a:r>
+        </a:p>
+      </dgm:t>
+    </dgm:pt>
+    <dgm:pt modelId="{87414E9E-6020-4F13-AAA6-0A589026EA62}" type="parTrans" cxnId="{6F6CFBE9-2F61-48D8-B85E-D001D934797E}">
+      <dgm:prSet/>
+      <dgm:spPr/>
+      <dgm:t>
+        <a:bodyPr/>
+        <a:lstStyle/>
+        <a:p>
+          <a:endParaRPr lang="en-US"/>
+        </a:p>
+      </dgm:t>
+    </dgm:pt>
+    <dgm:pt modelId="{51135E9F-F5D8-43CA-960B-AAFEC628B50E}" type="sibTrans" cxnId="{6F6CFBE9-2F61-48D8-B85E-D001D934797E}">
+      <dgm:prSet/>
+      <dgm:spPr/>
+      <dgm:t>
+        <a:bodyPr/>
+        <a:lstStyle/>
+        <a:p>
+          <a:endParaRPr lang="en-US"/>
+        </a:p>
+      </dgm:t>
+    </dgm:pt>
+    <dgm:pt modelId="{B9D0FA8D-2538-473E-BF89-38DE9BC6E676}">
+      <dgm:prSet/>
+      <dgm:spPr/>
+      <dgm:t>
+        <a:bodyPr/>
+        <a:lstStyle/>
+        <a:p>
+          <a:r>
+            <a:rPr lang="en-US" dirty="0"/>
+            <a:t>Finish SOTF paper &amp; talk</a:t>
+          </a:r>
+        </a:p>
+      </dgm:t>
+    </dgm:pt>
+    <dgm:pt modelId="{F615DA43-59D0-4892-8CF1-718DB80EF92C}" type="parTrans" cxnId="{D7B81589-30FE-4D1C-BB0F-B70CF5244A87}">
+      <dgm:prSet/>
+      <dgm:spPr/>
+      <dgm:t>
+        <a:bodyPr/>
+        <a:lstStyle/>
+        <a:p>
+          <a:endParaRPr lang="en-US"/>
+        </a:p>
+      </dgm:t>
+    </dgm:pt>
+    <dgm:pt modelId="{4625162E-5827-49F3-BEF2-4DB20816B0F6}" type="sibTrans" cxnId="{D7B81589-30FE-4D1C-BB0F-B70CF5244A87}">
+      <dgm:prSet/>
+      <dgm:spPr/>
+      <dgm:t>
+        <a:bodyPr/>
+        <a:lstStyle/>
+        <a:p>
+          <a:endParaRPr lang="en-US"/>
+        </a:p>
+      </dgm:t>
+    </dgm:pt>
+    <dgm:pt modelId="{FE904C7D-8B0B-4A76-9C17-E91FB643AE34}">
+      <dgm:prSet/>
+      <dgm:spPr/>
+      <dgm:t>
+        <a:bodyPr/>
+        <a:lstStyle/>
+        <a:p>
+          <a:pPr>
+            <a:defRPr b="1"/>
+          </a:pPr>
+          <a:r>
+            <a:rPr lang="en-US" dirty="0"/>
+            <a:t>+ 3 years</a:t>
+          </a:r>
+        </a:p>
+      </dgm:t>
+    </dgm:pt>
+    <dgm:pt modelId="{44A0E5D3-21C0-4CED-9182-C4FF90B9E034}" type="parTrans" cxnId="{2F10FEE0-4C50-4D0B-879B-3A3F3A0B9B6E}">
+      <dgm:prSet/>
+      <dgm:spPr/>
+      <dgm:t>
+        <a:bodyPr/>
+        <a:lstStyle/>
+        <a:p>
+          <a:endParaRPr lang="en-US"/>
+        </a:p>
+      </dgm:t>
+    </dgm:pt>
+    <dgm:pt modelId="{F1717F5D-A504-4388-8574-F4CB95E63D99}" type="sibTrans" cxnId="{2F10FEE0-4C50-4D0B-879B-3A3F3A0B9B6E}">
+      <dgm:prSet/>
+      <dgm:spPr/>
+      <dgm:t>
+        <a:bodyPr/>
+        <a:lstStyle/>
+        <a:p>
+          <a:endParaRPr lang="en-US"/>
+        </a:p>
+      </dgm:t>
+    </dgm:pt>
+    <dgm:pt modelId="{9BAE0859-373A-4475-9392-196C4D2250CC}">
+      <dgm:prSet/>
+      <dgm:spPr/>
+      <dgm:t>
+        <a:bodyPr/>
+        <a:lstStyle/>
+        <a:p>
+          <a:r>
+            <a:rPr lang="en-US" dirty="0"/>
+            <a:t>Half of what you need to know you learned the past 3 year</a:t>
+          </a:r>
+        </a:p>
+      </dgm:t>
+    </dgm:pt>
+    <dgm:pt modelId="{F6DD669A-A797-4A3A-A9EB-29A62DB7C16F}" type="parTrans" cxnId="{CB85DDCA-7A59-45B7-9645-CF356125179D}">
+      <dgm:prSet/>
+      <dgm:spPr/>
+      <dgm:t>
+        <a:bodyPr/>
+        <a:lstStyle/>
+        <a:p>
+          <a:endParaRPr lang="en-US"/>
+        </a:p>
+      </dgm:t>
+    </dgm:pt>
+    <dgm:pt modelId="{945A11F5-7B26-4416-8D04-F5238E0071E8}" type="sibTrans" cxnId="{CB85DDCA-7A59-45B7-9645-CF356125179D}">
+      <dgm:prSet/>
+      <dgm:spPr/>
+      <dgm:t>
+        <a:bodyPr/>
+        <a:lstStyle/>
+        <a:p>
+          <a:endParaRPr lang="en-US"/>
+        </a:p>
+      </dgm:t>
+    </dgm:pt>
+    <dgm:pt modelId="{96603E07-40D0-4917-BAE9-8C0DD643D7E5}">
+      <dgm:prSet/>
+      <dgm:spPr/>
+      <dgm:t>
+        <a:bodyPr/>
+        <a:lstStyle/>
+        <a:p>
+          <a:pPr>
+            <a:defRPr b="1"/>
+          </a:pPr>
+          <a:r>
+            <a:rPr lang="en-US" dirty="0"/>
+            <a:t>+ 6 years</a:t>
+          </a:r>
+        </a:p>
+      </dgm:t>
+    </dgm:pt>
+    <dgm:pt modelId="{99328CA6-28B8-4608-81B9-CEF6F02505B0}" type="parTrans" cxnId="{315D5D94-5CCF-42C6-9DF4-C6B8D2935AFE}">
+      <dgm:prSet/>
+      <dgm:spPr/>
+      <dgm:t>
+        <a:bodyPr/>
+        <a:lstStyle/>
+        <a:p>
+          <a:endParaRPr lang="en-US"/>
+        </a:p>
+      </dgm:t>
+    </dgm:pt>
+    <dgm:pt modelId="{65F4B6F3-AD73-40C6-9445-A3B7B5A5D128}" type="sibTrans" cxnId="{315D5D94-5CCF-42C6-9DF4-C6B8D2935AFE}">
+      <dgm:prSet/>
+      <dgm:spPr/>
+      <dgm:t>
+        <a:bodyPr/>
+        <a:lstStyle/>
+        <a:p>
+          <a:endParaRPr lang="en-US"/>
+        </a:p>
+      </dgm:t>
+    </dgm:pt>
+    <dgm:pt modelId="{C4AD32CF-A1DD-46EF-81CD-EF6B3A98B2C0}">
+      <dgm:prSet/>
+      <dgm:spPr/>
+      <dgm:t>
+        <a:bodyPr/>
+        <a:lstStyle/>
+        <a:p>
+          <a:r>
+            <a:rPr lang="en-US" dirty="0"/>
+            <a:t>¾ of what you need to know you learned the past 6 year</a:t>
+          </a:r>
+        </a:p>
+      </dgm:t>
+    </dgm:pt>
+    <dgm:pt modelId="{5A37AA5F-DF12-4863-AB90-0526F759C829}" type="parTrans" cxnId="{C92A1340-8938-4E3B-8DFC-DC6B5970C14D}">
+      <dgm:prSet/>
+      <dgm:spPr/>
+      <dgm:t>
+        <a:bodyPr/>
+        <a:lstStyle/>
+        <a:p>
+          <a:endParaRPr lang="en-US"/>
+        </a:p>
+      </dgm:t>
+    </dgm:pt>
+    <dgm:pt modelId="{E3CC08D9-22EB-4400-86BB-EF46B3C6852F}" type="sibTrans" cxnId="{C92A1340-8938-4E3B-8DFC-DC6B5970C14D}">
+      <dgm:prSet/>
+      <dgm:spPr/>
+      <dgm:t>
+        <a:bodyPr/>
+        <a:lstStyle/>
+        <a:p>
+          <a:endParaRPr lang="en-US"/>
+        </a:p>
+      </dgm:t>
+    </dgm:pt>
+    <dgm:pt modelId="{56362478-9541-4314-A766-4ACFE6E91F79}">
+      <dgm:prSet/>
+      <dgm:spPr/>
+      <dgm:t>
+        <a:bodyPr/>
+        <a:lstStyle/>
+        <a:p>
+          <a:pPr>
+            <a:defRPr b="1"/>
+          </a:pPr>
+          <a:r>
+            <a:rPr lang="en-US" dirty="0"/>
+            <a:t>+ 9 years</a:t>
+          </a:r>
+        </a:p>
+      </dgm:t>
+    </dgm:pt>
+    <dgm:pt modelId="{2D4F71F9-867E-4E87-AA19-31B2C865E05C}" type="parTrans" cxnId="{FA6135DA-4AF1-4809-B7E8-C08B49BCCF91}">
+      <dgm:prSet/>
+      <dgm:spPr/>
+      <dgm:t>
+        <a:bodyPr/>
+        <a:lstStyle/>
+        <a:p>
+          <a:endParaRPr lang="en-US"/>
+        </a:p>
+      </dgm:t>
+    </dgm:pt>
+    <dgm:pt modelId="{6CC1FBAA-4F31-473E-AE54-7461CF7E5DE5}" type="sibTrans" cxnId="{FA6135DA-4AF1-4809-B7E8-C08B49BCCF91}">
+      <dgm:prSet/>
+      <dgm:spPr/>
+      <dgm:t>
+        <a:bodyPr/>
+        <a:lstStyle/>
+        <a:p>
+          <a:endParaRPr lang="en-US"/>
+        </a:p>
+      </dgm:t>
+    </dgm:pt>
+    <dgm:pt modelId="{BF37DB87-F5EB-4C4F-AB57-7E7C04DD359E}">
+      <dgm:prSet/>
+      <dgm:spPr/>
+      <dgm:t>
+        <a:bodyPr/>
+        <a:lstStyle/>
+        <a:p>
+          <a:r>
+            <a:rPr lang="en-US" dirty="0"/>
+            <a:t>7/8 of what you need to know you learned the past 9 year</a:t>
+          </a:r>
+        </a:p>
+      </dgm:t>
+    </dgm:pt>
+    <dgm:pt modelId="{34B0D34F-F8D2-4B13-83C3-F41694578761}" type="parTrans" cxnId="{E5FDDB73-3F9E-415B-B27E-03B6AFF0394F}">
+      <dgm:prSet/>
+      <dgm:spPr/>
+      <dgm:t>
+        <a:bodyPr/>
+        <a:lstStyle/>
+        <a:p>
+          <a:endParaRPr lang="en-US"/>
+        </a:p>
+      </dgm:t>
+    </dgm:pt>
+    <dgm:pt modelId="{963D6FAF-0FF4-4072-BC16-C97C7DCB740D}" type="sibTrans" cxnId="{E5FDDB73-3F9E-415B-B27E-03B6AFF0394F}">
+      <dgm:prSet/>
+      <dgm:spPr/>
+      <dgm:t>
+        <a:bodyPr/>
+        <a:lstStyle/>
+        <a:p>
+          <a:endParaRPr lang="en-US"/>
+        </a:p>
+      </dgm:t>
+    </dgm:pt>
+    <dgm:pt modelId="{81AEAD45-E3F8-401D-B2BE-1DD57F7563D6}">
+      <dgm:prSet/>
+      <dgm:spPr/>
+      <dgm:t>
+        <a:bodyPr/>
+        <a:lstStyle/>
+        <a:p>
+          <a:pPr>
+            <a:defRPr b="1"/>
+          </a:pPr>
+          <a:r>
+            <a:rPr lang="en-US" dirty="0"/>
+            <a:t>+ 12 years</a:t>
+          </a:r>
+        </a:p>
+      </dgm:t>
+    </dgm:pt>
+    <dgm:pt modelId="{0F756B63-ACCE-442E-80C5-D397F29662E5}" type="parTrans" cxnId="{ACFDD39B-C629-4973-8874-63EE8FCC65F2}">
+      <dgm:prSet/>
+      <dgm:spPr/>
+      <dgm:t>
+        <a:bodyPr/>
+        <a:lstStyle/>
+        <a:p>
+          <a:endParaRPr lang="en-US"/>
+        </a:p>
+      </dgm:t>
+    </dgm:pt>
+    <dgm:pt modelId="{AEC6BDD2-3174-49FF-8060-98C75B62778D}" type="sibTrans" cxnId="{ACFDD39B-C629-4973-8874-63EE8FCC65F2}">
+      <dgm:prSet/>
+      <dgm:spPr/>
+      <dgm:t>
+        <a:bodyPr/>
+        <a:lstStyle/>
+        <a:p>
+          <a:endParaRPr lang="en-US"/>
+        </a:p>
+      </dgm:t>
+    </dgm:pt>
+    <dgm:pt modelId="{C4D9C757-173A-4EA7-9BA5-3C108C04010E}">
+      <dgm:prSet/>
+      <dgm:spPr/>
+      <dgm:t>
+        <a:bodyPr/>
+        <a:lstStyle/>
+        <a:p>
+          <a:r>
+            <a:rPr lang="en-US" dirty="0"/>
+            <a:t>15/16 of what you need to know you learned the past 12 year, and so on.</a:t>
+          </a:r>
+          <a:endParaRPr lang="en-US" b="1" dirty="0"/>
+        </a:p>
+      </dgm:t>
+    </dgm:pt>
+    <dgm:pt modelId="{1F5CD0A5-E459-4AE4-A770-CA31088D09A3}" type="parTrans" cxnId="{2E905A6C-2689-4584-9B78-973419972A01}">
+      <dgm:prSet/>
+      <dgm:spPr/>
+      <dgm:t>
+        <a:bodyPr/>
+        <a:lstStyle/>
+        <a:p>
+          <a:endParaRPr lang="en-US"/>
+        </a:p>
+      </dgm:t>
+    </dgm:pt>
+    <dgm:pt modelId="{52A91247-16C3-45C7-BB8A-E0C2AD64DB45}" type="sibTrans" cxnId="{2E905A6C-2689-4584-9B78-973419972A01}">
+      <dgm:prSet/>
+      <dgm:spPr/>
+      <dgm:t>
+        <a:bodyPr/>
+        <a:lstStyle/>
+        <a:p>
+          <a:endParaRPr lang="en-US"/>
+        </a:p>
+      </dgm:t>
+    </dgm:pt>
+    <dgm:pt modelId="{7A5A84D6-3EA4-2F4C-96E9-6231CE152C20}" type="pres">
+      <dgm:prSet presAssocID="{B26D7C59-3866-4D6C-9C8B-3EDC5C990B2D}" presName="root" presStyleCnt="0">
+        <dgm:presLayoutVars>
+          <dgm:chMax/>
+          <dgm:chPref/>
+          <dgm:animLvl val="lvl"/>
+        </dgm:presLayoutVars>
+      </dgm:prSet>
+      <dgm:spPr/>
+    </dgm:pt>
+    <dgm:pt modelId="{5941EDEF-5779-D948-BE1B-9A7F27810322}" type="pres">
+      <dgm:prSet presAssocID="{B26D7C59-3866-4D6C-9C8B-3EDC5C990B2D}" presName="divider" presStyleLbl="fgAcc1" presStyleIdx="0" presStyleCnt="6"/>
+      <dgm:spPr>
+        <a:solidFill>
+          <a:schemeClr val="lt1">
+            <a:alpha val="90000"/>
+            <a:hueOff val="0"/>
+            <a:satOff val="0"/>
+            <a:lumOff val="0"/>
+            <a:alphaOff val="0"/>
+          </a:schemeClr>
+        </a:solidFill>
+        <a:ln w="19050" cap="flat" cmpd="sng" algn="ctr">
+          <a:solidFill>
+            <a:schemeClr val="accent2">
+              <a:hueOff val="0"/>
+              <a:satOff val="0"/>
+              <a:lumOff val="0"/>
+              <a:alphaOff val="0"/>
+            </a:schemeClr>
+          </a:solidFill>
+          <a:prstDash val="solid"/>
+          <a:tailEnd type="triangle" w="lg" len="lg"/>
+        </a:ln>
+        <a:effectLst/>
+      </dgm:spPr>
+    </dgm:pt>
+    <dgm:pt modelId="{02A1AD57-B133-734A-9949-E5E5BEA47521}" type="pres">
+      <dgm:prSet presAssocID="{B26D7C59-3866-4D6C-9C8B-3EDC5C990B2D}" presName="nodes" presStyleCnt="0">
+        <dgm:presLayoutVars>
+          <dgm:chMax/>
+          <dgm:chPref/>
+          <dgm:animLvl val="lvl"/>
+        </dgm:presLayoutVars>
+      </dgm:prSet>
+      <dgm:spPr/>
+    </dgm:pt>
+    <dgm:pt modelId="{618E105B-A540-0547-BDDB-4D00EC976482}" type="pres">
+      <dgm:prSet presAssocID="{950FBD9C-1EDB-4DA7-82A2-88BBBB5F4F5E}" presName="composite" presStyleCnt="0"/>
+      <dgm:spPr/>
+    </dgm:pt>
+    <dgm:pt modelId="{69C2675C-57E0-F848-A584-4E40FB923CFD}" type="pres">
+      <dgm:prSet presAssocID="{950FBD9C-1EDB-4DA7-82A2-88BBBB5F4F5E}" presName="ConnectorPoint" presStyleLbl="lnNode1" presStyleIdx="0" presStyleCnt="5"/>
+      <dgm:spPr>
+        <a:solidFill>
+          <a:schemeClr val="accent2">
+            <a:hueOff val="-300073"/>
+            <a:satOff val="1924"/>
+            <a:lumOff val="1412"/>
+            <a:alphaOff val="0"/>
+          </a:schemeClr>
+        </a:solidFill>
+        <a:ln w="6350" cap="flat" cmpd="sng" algn="ctr">
+          <a:solidFill>
+            <a:schemeClr val="lt1">
+              <a:hueOff val="0"/>
+              <a:satOff val="0"/>
+              <a:lumOff val="0"/>
+              <a:alphaOff val="0"/>
+            </a:schemeClr>
+          </a:solidFill>
+          <a:prstDash val="solid"/>
+        </a:ln>
+        <a:effectLst/>
+      </dgm:spPr>
+    </dgm:pt>
+    <dgm:pt modelId="{01ED9C5B-4FF6-4D49-927A-4ADED123A49E}" type="pres">
+      <dgm:prSet presAssocID="{950FBD9C-1EDB-4DA7-82A2-88BBBB5F4F5E}" presName="DropPinPlaceHolder" presStyleCnt="0"/>
+      <dgm:spPr/>
+    </dgm:pt>
+    <dgm:pt modelId="{68400D90-74A1-8948-A06A-9C86679215AB}" type="pres">
+      <dgm:prSet presAssocID="{950FBD9C-1EDB-4DA7-82A2-88BBBB5F4F5E}" presName="DropPin" presStyleLbl="alignNode1" presStyleIdx="0" presStyleCnt="5"/>
+      <dgm:spPr/>
+    </dgm:pt>
+    <dgm:pt modelId="{ACDAAD43-4EFB-3F48-ABD0-D6BC1ED9C1C6}" type="pres">
+      <dgm:prSet presAssocID="{950FBD9C-1EDB-4DA7-82A2-88BBBB5F4F5E}" presName="Ellipse" presStyleLbl="fgAcc1" presStyleIdx="1" presStyleCnt="6"/>
+      <dgm:spPr>
+        <a:solidFill>
+          <a:schemeClr val="lt1">
+            <a:alpha val="90000"/>
+            <a:hueOff val="0"/>
+            <a:satOff val="0"/>
+            <a:lumOff val="0"/>
+            <a:alphaOff val="0"/>
+          </a:schemeClr>
+        </a:solidFill>
+        <a:ln w="15875" cap="flat" cmpd="sng" algn="ctr">
+          <a:noFill/>
+          <a:prstDash val="solid"/>
+        </a:ln>
+        <a:effectLst/>
+      </dgm:spPr>
+    </dgm:pt>
+    <dgm:pt modelId="{41908139-FF4B-0A42-9BAA-5EEF8CF2F349}" type="pres">
+      <dgm:prSet presAssocID="{950FBD9C-1EDB-4DA7-82A2-88BBBB5F4F5E}" presName="L2TextContainer" presStyleLbl="revTx" presStyleIdx="0" presStyleCnt="10">
+        <dgm:presLayoutVars>
+          <dgm:bulletEnabled val="1"/>
+        </dgm:presLayoutVars>
+      </dgm:prSet>
+      <dgm:spPr/>
+    </dgm:pt>
+    <dgm:pt modelId="{A28FFD08-6E4B-8247-83A6-5946C0B5BE69}" type="pres">
+      <dgm:prSet presAssocID="{950FBD9C-1EDB-4DA7-82A2-88BBBB5F4F5E}" presName="L1TextContainer" presStyleLbl="revTx" presStyleIdx="1" presStyleCnt="10">
+        <dgm:presLayoutVars>
+          <dgm:chMax val="1"/>
+          <dgm:chPref val="1"/>
+          <dgm:bulletEnabled val="1"/>
+        </dgm:presLayoutVars>
+      </dgm:prSet>
+      <dgm:spPr/>
+    </dgm:pt>
+    <dgm:pt modelId="{C6CD4E2F-A60D-F542-AB80-812E48416FE2}" type="pres">
+      <dgm:prSet presAssocID="{950FBD9C-1EDB-4DA7-82A2-88BBBB5F4F5E}" presName="ConnectLine" presStyleLbl="sibTrans1D1" presStyleIdx="0" presStyleCnt="5"/>
+      <dgm:spPr>
+        <a:noFill/>
+        <a:ln w="12700" cap="flat" cmpd="sng" algn="ctr">
+          <a:solidFill>
+            <a:schemeClr val="accent2">
+              <a:hueOff val="-300073"/>
+              <a:satOff val="1924"/>
+              <a:lumOff val="1412"/>
+              <a:alphaOff val="0"/>
+            </a:schemeClr>
+          </a:solidFill>
+          <a:prstDash val="dash"/>
+        </a:ln>
+        <a:effectLst/>
+      </dgm:spPr>
+    </dgm:pt>
+    <dgm:pt modelId="{E0A46388-D3A3-094E-B14E-BCC4F9F513D6}" type="pres">
+      <dgm:prSet presAssocID="{950FBD9C-1EDB-4DA7-82A2-88BBBB5F4F5E}" presName="EmptyPlaceHolder" presStyleCnt="0"/>
+      <dgm:spPr/>
+    </dgm:pt>
+    <dgm:pt modelId="{AB5CDCAD-2869-D64B-987F-D77F4DBA1629}" type="pres">
+      <dgm:prSet presAssocID="{51135E9F-F5D8-43CA-960B-AAFEC628B50E}" presName="spaceBetweenRectangles" presStyleCnt="0"/>
+      <dgm:spPr/>
+    </dgm:pt>
+    <dgm:pt modelId="{E99069B1-7476-0B47-90E6-2A2CCEA80AA1}" type="pres">
+      <dgm:prSet presAssocID="{FE904C7D-8B0B-4A76-9C17-E91FB643AE34}" presName="composite" presStyleCnt="0"/>
+      <dgm:spPr/>
+    </dgm:pt>
+    <dgm:pt modelId="{FE05C8E6-0043-BC4D-AB63-F1C1CD926D70}" type="pres">
+      <dgm:prSet presAssocID="{FE904C7D-8B0B-4A76-9C17-E91FB643AE34}" presName="ConnectorPoint" presStyleLbl="lnNode1" presStyleIdx="1" presStyleCnt="5"/>
+      <dgm:spPr>
+        <a:solidFill>
+          <a:schemeClr val="accent2">
+            <a:hueOff val="-600146"/>
+            <a:satOff val="3848"/>
+            <a:lumOff val="2824"/>
+            <a:alphaOff val="0"/>
+          </a:schemeClr>
+        </a:solidFill>
+        <a:ln w="6350" cap="flat" cmpd="sng" algn="ctr">
+          <a:solidFill>
+            <a:schemeClr val="lt1">
+              <a:hueOff val="0"/>
+              <a:satOff val="0"/>
+              <a:lumOff val="0"/>
+              <a:alphaOff val="0"/>
+            </a:schemeClr>
+          </a:solidFill>
+          <a:prstDash val="solid"/>
+        </a:ln>
+        <a:effectLst/>
+      </dgm:spPr>
+    </dgm:pt>
+    <dgm:pt modelId="{4D22B4DE-EF88-CB41-A87D-E0A4DB8FB0E7}" type="pres">
+      <dgm:prSet presAssocID="{FE904C7D-8B0B-4A76-9C17-E91FB643AE34}" presName="DropPinPlaceHolder" presStyleCnt="0"/>
+      <dgm:spPr/>
+    </dgm:pt>
+    <dgm:pt modelId="{68DE74E1-D9B3-7A4A-8EF5-724DF6DFF2FC}" type="pres">
+      <dgm:prSet presAssocID="{FE904C7D-8B0B-4A76-9C17-E91FB643AE34}" presName="DropPin" presStyleLbl="alignNode1" presStyleIdx="1" presStyleCnt="5"/>
+      <dgm:spPr/>
+    </dgm:pt>
+    <dgm:pt modelId="{D22EE948-D5ED-8546-8C2B-82AA06B1BA48}" type="pres">
+      <dgm:prSet presAssocID="{FE904C7D-8B0B-4A76-9C17-E91FB643AE34}" presName="Ellipse" presStyleLbl="fgAcc1" presStyleIdx="2" presStyleCnt="6"/>
+      <dgm:spPr>
+        <a:solidFill>
+          <a:schemeClr val="lt1">
+            <a:alpha val="90000"/>
+            <a:hueOff val="0"/>
+            <a:satOff val="0"/>
+            <a:lumOff val="0"/>
+            <a:alphaOff val="0"/>
+          </a:schemeClr>
+        </a:solidFill>
+        <a:ln w="15875" cap="flat" cmpd="sng" algn="ctr">
+          <a:noFill/>
+          <a:prstDash val="solid"/>
+        </a:ln>
+        <a:effectLst/>
+      </dgm:spPr>
+    </dgm:pt>
+    <dgm:pt modelId="{D4118DD0-DD54-4846-97E7-571B30DFD91F}" type="pres">
+      <dgm:prSet presAssocID="{FE904C7D-8B0B-4A76-9C17-E91FB643AE34}" presName="L2TextContainer" presStyleLbl="revTx" presStyleIdx="2" presStyleCnt="10">
+        <dgm:presLayoutVars>
+          <dgm:bulletEnabled val="1"/>
+        </dgm:presLayoutVars>
+      </dgm:prSet>
+      <dgm:spPr/>
+    </dgm:pt>
+    <dgm:pt modelId="{EC8729ED-FAB0-6747-898E-B272030E4BA2}" type="pres">
+      <dgm:prSet presAssocID="{FE904C7D-8B0B-4A76-9C17-E91FB643AE34}" presName="L1TextContainer" presStyleLbl="revTx" presStyleIdx="3" presStyleCnt="10">
+        <dgm:presLayoutVars>
+          <dgm:chMax val="1"/>
+          <dgm:chPref val="1"/>
+          <dgm:bulletEnabled val="1"/>
+        </dgm:presLayoutVars>
+      </dgm:prSet>
+      <dgm:spPr/>
+    </dgm:pt>
+    <dgm:pt modelId="{17277F62-9789-8F4A-8039-59DD06A590CB}" type="pres">
+      <dgm:prSet presAssocID="{FE904C7D-8B0B-4A76-9C17-E91FB643AE34}" presName="ConnectLine" presStyleLbl="sibTrans1D1" presStyleIdx="1" presStyleCnt="5"/>
+      <dgm:spPr>
+        <a:noFill/>
+        <a:ln w="12700" cap="flat" cmpd="sng" algn="ctr">
+          <a:solidFill>
+            <a:schemeClr val="accent2">
+              <a:hueOff val="-600146"/>
+              <a:satOff val="3848"/>
+              <a:lumOff val="2824"/>
+              <a:alphaOff val="0"/>
+            </a:schemeClr>
+          </a:solidFill>
+          <a:prstDash val="dash"/>
+        </a:ln>
+        <a:effectLst/>
+      </dgm:spPr>
+    </dgm:pt>
+    <dgm:pt modelId="{E4E5999E-136D-004C-AE23-45A8F65C8012}" type="pres">
+      <dgm:prSet presAssocID="{FE904C7D-8B0B-4A76-9C17-E91FB643AE34}" presName="EmptyPlaceHolder" presStyleCnt="0"/>
+      <dgm:spPr/>
+    </dgm:pt>
+    <dgm:pt modelId="{01621260-8363-D04F-8F49-F5EBD82A8B27}" type="pres">
+      <dgm:prSet presAssocID="{F1717F5D-A504-4388-8574-F4CB95E63D99}" presName="spaceBetweenRectangles" presStyleCnt="0"/>
+      <dgm:spPr/>
+    </dgm:pt>
+    <dgm:pt modelId="{C35F5CD7-925B-4E40-9A35-C77793991C52}" type="pres">
+      <dgm:prSet presAssocID="{96603E07-40D0-4917-BAE9-8C0DD643D7E5}" presName="composite" presStyleCnt="0"/>
+      <dgm:spPr/>
+    </dgm:pt>
+    <dgm:pt modelId="{12380C1C-3A68-0A49-ABBC-29A5EFF7A8C7}" type="pres">
+      <dgm:prSet presAssocID="{96603E07-40D0-4917-BAE9-8C0DD643D7E5}" presName="ConnectorPoint" presStyleLbl="lnNode1" presStyleIdx="2" presStyleCnt="5"/>
+      <dgm:spPr>
+        <a:solidFill>
+          <a:schemeClr val="accent2">
+            <a:hueOff val="-900219"/>
+            <a:satOff val="5772"/>
+            <a:lumOff val="4236"/>
+            <a:alphaOff val="0"/>
+          </a:schemeClr>
+        </a:solidFill>
+        <a:ln w="6350" cap="flat" cmpd="sng" algn="ctr">
+          <a:solidFill>
+            <a:schemeClr val="lt1">
+              <a:hueOff val="0"/>
+              <a:satOff val="0"/>
+              <a:lumOff val="0"/>
+              <a:alphaOff val="0"/>
+            </a:schemeClr>
+          </a:solidFill>
+          <a:prstDash val="solid"/>
+        </a:ln>
+        <a:effectLst/>
+      </dgm:spPr>
+    </dgm:pt>
+    <dgm:pt modelId="{EA3F9E1B-A2CC-3A46-99A1-4E48A6155730}" type="pres">
+      <dgm:prSet presAssocID="{96603E07-40D0-4917-BAE9-8C0DD643D7E5}" presName="DropPinPlaceHolder" presStyleCnt="0"/>
+      <dgm:spPr/>
+    </dgm:pt>
+    <dgm:pt modelId="{92923DCA-B86D-F24F-BB62-535C4CF48AFB}" type="pres">
+      <dgm:prSet presAssocID="{96603E07-40D0-4917-BAE9-8C0DD643D7E5}" presName="DropPin" presStyleLbl="alignNode1" presStyleIdx="2" presStyleCnt="5"/>
+      <dgm:spPr/>
+    </dgm:pt>
+    <dgm:pt modelId="{D7702CCA-3C06-C345-AF1E-76B87C58320C}" type="pres">
+      <dgm:prSet presAssocID="{96603E07-40D0-4917-BAE9-8C0DD643D7E5}" presName="Ellipse" presStyleLbl="fgAcc1" presStyleIdx="3" presStyleCnt="6"/>
+      <dgm:spPr>
+        <a:solidFill>
+          <a:schemeClr val="lt1">
+            <a:alpha val="90000"/>
+            <a:hueOff val="0"/>
+            <a:satOff val="0"/>
+            <a:lumOff val="0"/>
+            <a:alphaOff val="0"/>
+          </a:schemeClr>
+        </a:solidFill>
+        <a:ln w="15875" cap="flat" cmpd="sng" algn="ctr">
+          <a:noFill/>
+          <a:prstDash val="solid"/>
+        </a:ln>
+        <a:effectLst/>
+      </dgm:spPr>
+    </dgm:pt>
+    <dgm:pt modelId="{B895E696-5A7C-5846-9990-9D2E9D549545}" type="pres">
+      <dgm:prSet presAssocID="{96603E07-40D0-4917-BAE9-8C0DD643D7E5}" presName="L2TextContainer" presStyleLbl="revTx" presStyleIdx="4" presStyleCnt="10">
+        <dgm:presLayoutVars>
+          <dgm:bulletEnabled val="1"/>
+        </dgm:presLayoutVars>
+      </dgm:prSet>
+      <dgm:spPr/>
+    </dgm:pt>
+    <dgm:pt modelId="{6468B032-FB5C-5948-A322-B8A322BF0563}" type="pres">
+      <dgm:prSet presAssocID="{96603E07-40D0-4917-BAE9-8C0DD643D7E5}" presName="L1TextContainer" presStyleLbl="revTx" presStyleIdx="5" presStyleCnt="10">
+        <dgm:presLayoutVars>
+          <dgm:chMax val="1"/>
+          <dgm:chPref val="1"/>
+          <dgm:bulletEnabled val="1"/>
+        </dgm:presLayoutVars>
+      </dgm:prSet>
+      <dgm:spPr/>
+    </dgm:pt>
+    <dgm:pt modelId="{DCE9EA14-343E-7E45-8518-7CEC7DD64341}" type="pres">
+      <dgm:prSet presAssocID="{96603E07-40D0-4917-BAE9-8C0DD643D7E5}" presName="ConnectLine" presStyleLbl="sibTrans1D1" presStyleIdx="2" presStyleCnt="5"/>
+      <dgm:spPr>
+        <a:noFill/>
+        <a:ln w="12700" cap="flat" cmpd="sng" algn="ctr">
+          <a:solidFill>
+            <a:schemeClr val="accent2">
+              <a:hueOff val="-900219"/>
+              <a:satOff val="5772"/>
+              <a:lumOff val="4236"/>
+              <a:alphaOff val="0"/>
+            </a:schemeClr>
+          </a:solidFill>
+          <a:prstDash val="dash"/>
+        </a:ln>
+        <a:effectLst/>
+      </dgm:spPr>
+    </dgm:pt>
+    <dgm:pt modelId="{53733864-714A-AE4B-952E-55F983C91F3E}" type="pres">
+      <dgm:prSet presAssocID="{96603E07-40D0-4917-BAE9-8C0DD643D7E5}" presName="EmptyPlaceHolder" presStyleCnt="0"/>
+      <dgm:spPr/>
+    </dgm:pt>
+    <dgm:pt modelId="{01E15E55-371F-944C-BA6E-F3BBBB7118E2}" type="pres">
+      <dgm:prSet presAssocID="{65F4B6F3-AD73-40C6-9445-A3B7B5A5D128}" presName="spaceBetweenRectangles" presStyleCnt="0"/>
+      <dgm:spPr/>
+    </dgm:pt>
+    <dgm:pt modelId="{B3E3A1AC-978D-B243-8973-D04AE9C48B84}" type="pres">
+      <dgm:prSet presAssocID="{56362478-9541-4314-A766-4ACFE6E91F79}" presName="composite" presStyleCnt="0"/>
+      <dgm:spPr/>
+    </dgm:pt>
+    <dgm:pt modelId="{7407DADD-911E-DE4B-9F3D-CB8D98A9BCEC}" type="pres">
+      <dgm:prSet presAssocID="{56362478-9541-4314-A766-4ACFE6E91F79}" presName="ConnectorPoint" presStyleLbl="lnNode1" presStyleIdx="3" presStyleCnt="5"/>
+      <dgm:spPr>
+        <a:solidFill>
+          <a:schemeClr val="accent2">
+            <a:hueOff val="-1200291"/>
+            <a:satOff val="7696"/>
+            <a:lumOff val="5648"/>
+            <a:alphaOff val="0"/>
+          </a:schemeClr>
+        </a:solidFill>
+        <a:ln w="6350" cap="flat" cmpd="sng" algn="ctr">
+          <a:solidFill>
+            <a:schemeClr val="lt1">
+              <a:hueOff val="0"/>
+              <a:satOff val="0"/>
+              <a:lumOff val="0"/>
+              <a:alphaOff val="0"/>
+            </a:schemeClr>
+          </a:solidFill>
+          <a:prstDash val="solid"/>
+        </a:ln>
+        <a:effectLst/>
+      </dgm:spPr>
+    </dgm:pt>
+    <dgm:pt modelId="{089F4A22-4C58-DF4D-B4F6-0589D765ECB5}" type="pres">
+      <dgm:prSet presAssocID="{56362478-9541-4314-A766-4ACFE6E91F79}" presName="DropPinPlaceHolder" presStyleCnt="0"/>
+      <dgm:spPr/>
+    </dgm:pt>
+    <dgm:pt modelId="{FFEBA014-4F66-B14B-8EBB-DFAC9EA0626C}" type="pres">
+      <dgm:prSet presAssocID="{56362478-9541-4314-A766-4ACFE6E91F79}" presName="DropPin" presStyleLbl="alignNode1" presStyleIdx="3" presStyleCnt="5"/>
+      <dgm:spPr/>
+    </dgm:pt>
+    <dgm:pt modelId="{6CE3193B-CC31-204B-9E7D-8527FAC5E8C6}" type="pres">
+      <dgm:prSet presAssocID="{56362478-9541-4314-A766-4ACFE6E91F79}" presName="Ellipse" presStyleLbl="fgAcc1" presStyleIdx="4" presStyleCnt="6"/>
+      <dgm:spPr>
+        <a:solidFill>
+          <a:schemeClr val="lt1">
+            <a:alpha val="90000"/>
+            <a:hueOff val="0"/>
+            <a:satOff val="0"/>
+            <a:lumOff val="0"/>
+            <a:alphaOff val="0"/>
+          </a:schemeClr>
+        </a:solidFill>
+        <a:ln w="15875" cap="flat" cmpd="sng" algn="ctr">
+          <a:noFill/>
+          <a:prstDash val="solid"/>
+        </a:ln>
+        <a:effectLst/>
+      </dgm:spPr>
+    </dgm:pt>
+    <dgm:pt modelId="{6AA2EB0D-3A73-3A4A-B251-BA5446452319}" type="pres">
+      <dgm:prSet presAssocID="{56362478-9541-4314-A766-4ACFE6E91F79}" presName="L2TextContainer" presStyleLbl="revTx" presStyleIdx="6" presStyleCnt="10">
+        <dgm:presLayoutVars>
+          <dgm:bulletEnabled val="1"/>
+        </dgm:presLayoutVars>
+      </dgm:prSet>
+      <dgm:spPr/>
+    </dgm:pt>
+    <dgm:pt modelId="{B7C5669B-7364-C244-8167-BA081F1B4C68}" type="pres">
+      <dgm:prSet presAssocID="{56362478-9541-4314-A766-4ACFE6E91F79}" presName="L1TextContainer" presStyleLbl="revTx" presStyleIdx="7" presStyleCnt="10">
+        <dgm:presLayoutVars>
+          <dgm:chMax val="1"/>
+          <dgm:chPref val="1"/>
+          <dgm:bulletEnabled val="1"/>
+        </dgm:presLayoutVars>
+      </dgm:prSet>
+      <dgm:spPr/>
+    </dgm:pt>
+    <dgm:pt modelId="{B233CBB3-A58F-9B46-B6B5-65DCA4ABE20A}" type="pres">
+      <dgm:prSet presAssocID="{56362478-9541-4314-A766-4ACFE6E91F79}" presName="ConnectLine" presStyleLbl="sibTrans1D1" presStyleIdx="3" presStyleCnt="5"/>
+      <dgm:spPr>
+        <a:noFill/>
+        <a:ln w="12700" cap="flat" cmpd="sng" algn="ctr">
+          <a:solidFill>
+            <a:schemeClr val="accent2">
+              <a:hueOff val="-1200291"/>
+              <a:satOff val="7696"/>
+              <a:lumOff val="5648"/>
+              <a:alphaOff val="0"/>
+            </a:schemeClr>
+          </a:solidFill>
+          <a:prstDash val="dash"/>
+        </a:ln>
+        <a:effectLst/>
+      </dgm:spPr>
+    </dgm:pt>
+    <dgm:pt modelId="{D47FC534-5E86-684E-A23E-7D2FA6D2459B}" type="pres">
+      <dgm:prSet presAssocID="{56362478-9541-4314-A766-4ACFE6E91F79}" presName="EmptyPlaceHolder" presStyleCnt="0"/>
+      <dgm:spPr/>
+    </dgm:pt>
+    <dgm:pt modelId="{89A88483-7CF1-FD40-9737-CC38D6CA4FD7}" type="pres">
+      <dgm:prSet presAssocID="{6CC1FBAA-4F31-473E-AE54-7461CF7E5DE5}" presName="spaceBetweenRectangles" presStyleCnt="0"/>
+      <dgm:spPr/>
+    </dgm:pt>
+    <dgm:pt modelId="{045028CE-B088-DB4E-919B-A8E2A2044BC9}" type="pres">
+      <dgm:prSet presAssocID="{81AEAD45-E3F8-401D-B2BE-1DD57F7563D6}" presName="composite" presStyleCnt="0"/>
+      <dgm:spPr/>
+    </dgm:pt>
+    <dgm:pt modelId="{1DE4B4EC-675E-6B48-BE21-36F714DDE276}" type="pres">
+      <dgm:prSet presAssocID="{81AEAD45-E3F8-401D-B2BE-1DD57F7563D6}" presName="ConnectorPoint" presStyleLbl="lnNode1" presStyleIdx="4" presStyleCnt="5"/>
+      <dgm:spPr>
+        <a:solidFill>
+          <a:schemeClr val="accent2">
+            <a:hueOff val="-1500364"/>
+            <a:satOff val="9620"/>
+            <a:lumOff val="7060"/>
+            <a:alphaOff val="0"/>
+          </a:schemeClr>
+        </a:solidFill>
+        <a:ln w="6350" cap="flat" cmpd="sng" algn="ctr">
+          <a:solidFill>
+            <a:schemeClr val="lt1">
+              <a:hueOff val="0"/>
+              <a:satOff val="0"/>
+              <a:lumOff val="0"/>
+              <a:alphaOff val="0"/>
+            </a:schemeClr>
+          </a:solidFill>
+          <a:prstDash val="solid"/>
+        </a:ln>
+        <a:effectLst/>
+      </dgm:spPr>
+    </dgm:pt>
+    <dgm:pt modelId="{46857AA1-A90D-FC4C-9894-96E1225B46BA}" type="pres">
+      <dgm:prSet presAssocID="{81AEAD45-E3F8-401D-B2BE-1DD57F7563D6}" presName="DropPinPlaceHolder" presStyleCnt="0"/>
+      <dgm:spPr/>
+    </dgm:pt>
+    <dgm:pt modelId="{D152C69C-6E7F-B149-B336-F4EDD5DAAC10}" type="pres">
+      <dgm:prSet presAssocID="{81AEAD45-E3F8-401D-B2BE-1DD57F7563D6}" presName="DropPin" presStyleLbl="alignNode1" presStyleIdx="4" presStyleCnt="5"/>
+      <dgm:spPr/>
+    </dgm:pt>
+    <dgm:pt modelId="{11CAFD7A-8AE7-3145-9D98-4AE0CC4FF0B2}" type="pres">
+      <dgm:prSet presAssocID="{81AEAD45-E3F8-401D-B2BE-1DD57F7563D6}" presName="Ellipse" presStyleLbl="fgAcc1" presStyleIdx="5" presStyleCnt="6"/>
+      <dgm:spPr>
+        <a:solidFill>
+          <a:schemeClr val="lt1">
+            <a:alpha val="90000"/>
+            <a:hueOff val="0"/>
+            <a:satOff val="0"/>
+            <a:lumOff val="0"/>
+            <a:alphaOff val="0"/>
+          </a:schemeClr>
+        </a:solidFill>
+        <a:ln w="15875" cap="flat" cmpd="sng" algn="ctr">
+          <a:noFill/>
+          <a:prstDash val="solid"/>
+        </a:ln>
+        <a:effectLst/>
+      </dgm:spPr>
+    </dgm:pt>
+    <dgm:pt modelId="{69A4F48A-F31A-2B48-9E77-5508F887F2A8}" type="pres">
+      <dgm:prSet presAssocID="{81AEAD45-E3F8-401D-B2BE-1DD57F7563D6}" presName="L2TextContainer" presStyleLbl="revTx" presStyleIdx="8" presStyleCnt="10">
+        <dgm:presLayoutVars>
+          <dgm:bulletEnabled val="1"/>
+        </dgm:presLayoutVars>
+      </dgm:prSet>
+      <dgm:spPr/>
+    </dgm:pt>
+    <dgm:pt modelId="{2A41D7FC-239F-2F42-B91D-6B873D42AC94}" type="pres">
+      <dgm:prSet presAssocID="{81AEAD45-E3F8-401D-B2BE-1DD57F7563D6}" presName="L1TextContainer" presStyleLbl="revTx" presStyleIdx="9" presStyleCnt="10">
+        <dgm:presLayoutVars>
+          <dgm:chMax val="1"/>
+          <dgm:chPref val="1"/>
+          <dgm:bulletEnabled val="1"/>
+        </dgm:presLayoutVars>
+      </dgm:prSet>
+      <dgm:spPr/>
+    </dgm:pt>
+    <dgm:pt modelId="{834B0952-C5F1-2240-AAB3-AA51D6A804CC}" type="pres">
+      <dgm:prSet presAssocID="{81AEAD45-E3F8-401D-B2BE-1DD57F7563D6}" presName="ConnectLine" presStyleLbl="sibTrans1D1" presStyleIdx="4" presStyleCnt="5"/>
+      <dgm:spPr>
+        <a:noFill/>
+        <a:ln w="12700" cap="flat" cmpd="sng" algn="ctr">
+          <a:solidFill>
+            <a:schemeClr val="accent2">
+              <a:hueOff val="-1500364"/>
+              <a:satOff val="9620"/>
+              <a:lumOff val="7060"/>
+              <a:alphaOff val="0"/>
+            </a:schemeClr>
+          </a:solidFill>
+          <a:prstDash val="dash"/>
+        </a:ln>
+        <a:effectLst/>
+      </dgm:spPr>
+    </dgm:pt>
+    <dgm:pt modelId="{5E91E4F1-274E-674B-864C-14243D7B9A39}" type="pres">
+      <dgm:prSet presAssocID="{81AEAD45-E3F8-401D-B2BE-1DD57F7563D6}" presName="EmptyPlaceHolder" presStyleCnt="0"/>
+      <dgm:spPr/>
+    </dgm:pt>
+  </dgm:ptLst>
+  <dgm:cxnLst>
+    <dgm:cxn modelId="{293FF608-B619-2E4F-A3C6-329A5228482C}" type="presOf" srcId="{FE904C7D-8B0B-4A76-9C17-E91FB643AE34}" destId="{EC8729ED-FAB0-6747-898E-B272030E4BA2}" srcOrd="0" destOrd="0" presId="urn:microsoft.com/office/officeart/2017/3/layout/DropPinTimeline"/>
+    <dgm:cxn modelId="{C92A1340-8938-4E3B-8DFC-DC6B5970C14D}" srcId="{96603E07-40D0-4917-BAE9-8C0DD643D7E5}" destId="{C4AD32CF-A1DD-46EF-81CD-EF6B3A98B2C0}" srcOrd="0" destOrd="0" parTransId="{5A37AA5F-DF12-4863-AB90-0526F759C829}" sibTransId="{E3CC08D9-22EB-4400-86BB-EF46B3C6852F}"/>
+    <dgm:cxn modelId="{2E905A6C-2689-4584-9B78-973419972A01}" srcId="{81AEAD45-E3F8-401D-B2BE-1DD57F7563D6}" destId="{C4D9C757-173A-4EA7-9BA5-3C108C04010E}" srcOrd="0" destOrd="0" parTransId="{1F5CD0A5-E459-4AE4-A770-CA31088D09A3}" sibTransId="{52A91247-16C3-45C7-BB8A-E0C2AD64DB45}"/>
+    <dgm:cxn modelId="{E5FDDB73-3F9E-415B-B27E-03B6AFF0394F}" srcId="{56362478-9541-4314-A766-4ACFE6E91F79}" destId="{BF37DB87-F5EB-4C4F-AB57-7E7C04DD359E}" srcOrd="0" destOrd="0" parTransId="{34B0D34F-F8D2-4B13-83C3-F41694578761}" sibTransId="{963D6FAF-0FF4-4072-BC16-C97C7DCB740D}"/>
+    <dgm:cxn modelId="{50A5C07A-B857-1248-833B-681B9FEF5FD3}" type="presOf" srcId="{56362478-9541-4314-A766-4ACFE6E91F79}" destId="{B7C5669B-7364-C244-8167-BA081F1B4C68}" srcOrd="0" destOrd="0" presId="urn:microsoft.com/office/officeart/2017/3/layout/DropPinTimeline"/>
+    <dgm:cxn modelId="{D7B81589-30FE-4D1C-BB0F-B70CF5244A87}" srcId="{950FBD9C-1EDB-4DA7-82A2-88BBBB5F4F5E}" destId="{B9D0FA8D-2538-473E-BF89-38DE9BC6E676}" srcOrd="0" destOrd="0" parTransId="{F615DA43-59D0-4892-8CF1-718DB80EF92C}" sibTransId="{4625162E-5827-49F3-BEF2-4DB20816B0F6}"/>
+    <dgm:cxn modelId="{315D5D94-5CCF-42C6-9DF4-C6B8D2935AFE}" srcId="{B26D7C59-3866-4D6C-9C8B-3EDC5C990B2D}" destId="{96603E07-40D0-4917-BAE9-8C0DD643D7E5}" srcOrd="2" destOrd="0" parTransId="{99328CA6-28B8-4608-81B9-CEF6F02505B0}" sibTransId="{65F4B6F3-AD73-40C6-9445-A3B7B5A5D128}"/>
+    <dgm:cxn modelId="{2317F099-8226-C348-BAE8-25CDD59FFD49}" type="presOf" srcId="{81AEAD45-E3F8-401D-B2BE-1DD57F7563D6}" destId="{2A41D7FC-239F-2F42-B91D-6B873D42AC94}" srcOrd="0" destOrd="0" presId="urn:microsoft.com/office/officeart/2017/3/layout/DropPinTimeline"/>
+    <dgm:cxn modelId="{ACFDD39B-C629-4973-8874-63EE8FCC65F2}" srcId="{B26D7C59-3866-4D6C-9C8B-3EDC5C990B2D}" destId="{81AEAD45-E3F8-401D-B2BE-1DD57F7563D6}" srcOrd="4" destOrd="0" parTransId="{0F756B63-ACCE-442E-80C5-D397F29662E5}" sibTransId="{AEC6BDD2-3174-49FF-8060-98C75B62778D}"/>
+    <dgm:cxn modelId="{99AAE1C3-CD45-834A-AC5F-9B07293448AC}" type="presOf" srcId="{BF37DB87-F5EB-4C4F-AB57-7E7C04DD359E}" destId="{6AA2EB0D-3A73-3A4A-B251-BA5446452319}" srcOrd="0" destOrd="0" presId="urn:microsoft.com/office/officeart/2017/3/layout/DropPinTimeline"/>
+    <dgm:cxn modelId="{CB85DDCA-7A59-45B7-9645-CF356125179D}" srcId="{FE904C7D-8B0B-4A76-9C17-E91FB643AE34}" destId="{9BAE0859-373A-4475-9392-196C4D2250CC}" srcOrd="0" destOrd="0" parTransId="{F6DD669A-A797-4A3A-A9EB-29A62DB7C16F}" sibTransId="{945A11F5-7B26-4416-8D04-F5238E0071E8}"/>
+    <dgm:cxn modelId="{627957CB-AE20-9447-AF71-D4E9BC7B79A1}" type="presOf" srcId="{B26D7C59-3866-4D6C-9C8B-3EDC5C990B2D}" destId="{7A5A84D6-3EA4-2F4C-96E9-6231CE152C20}" srcOrd="0" destOrd="0" presId="urn:microsoft.com/office/officeart/2017/3/layout/DropPinTimeline"/>
+    <dgm:cxn modelId="{F40D8ECE-01DB-7B45-B3B3-6F7BBFE4A695}" type="presOf" srcId="{C4AD32CF-A1DD-46EF-81CD-EF6B3A98B2C0}" destId="{B895E696-5A7C-5846-9990-9D2E9D549545}" srcOrd="0" destOrd="0" presId="urn:microsoft.com/office/officeart/2017/3/layout/DropPinTimeline"/>
+    <dgm:cxn modelId="{5EDBB4D4-19EC-B64F-87AE-85B6D5787799}" type="presOf" srcId="{950FBD9C-1EDB-4DA7-82A2-88BBBB5F4F5E}" destId="{A28FFD08-6E4B-8247-83A6-5946C0B5BE69}" srcOrd="0" destOrd="0" presId="urn:microsoft.com/office/officeart/2017/3/layout/DropPinTimeline"/>
+    <dgm:cxn modelId="{FA6135DA-4AF1-4809-B7E8-C08B49BCCF91}" srcId="{B26D7C59-3866-4D6C-9C8B-3EDC5C990B2D}" destId="{56362478-9541-4314-A766-4ACFE6E91F79}" srcOrd="3" destOrd="0" parTransId="{2D4F71F9-867E-4E87-AA19-31B2C865E05C}" sibTransId="{6CC1FBAA-4F31-473E-AE54-7461CF7E5DE5}"/>
+    <dgm:cxn modelId="{2F10FEE0-4C50-4D0B-879B-3A3F3A0B9B6E}" srcId="{B26D7C59-3866-4D6C-9C8B-3EDC5C990B2D}" destId="{FE904C7D-8B0B-4A76-9C17-E91FB643AE34}" srcOrd="1" destOrd="0" parTransId="{44A0E5D3-21C0-4CED-9182-C4FF90B9E034}" sibTransId="{F1717F5D-A504-4388-8574-F4CB95E63D99}"/>
+    <dgm:cxn modelId="{C973E9E3-E89D-2442-85A6-2E15FA36F7EB}" type="presOf" srcId="{9BAE0859-373A-4475-9392-196C4D2250CC}" destId="{D4118DD0-DD54-4846-97E7-571B30DFD91F}" srcOrd="0" destOrd="0" presId="urn:microsoft.com/office/officeart/2017/3/layout/DropPinTimeline"/>
+    <dgm:cxn modelId="{6F6CFBE9-2F61-48D8-B85E-D001D934797E}" srcId="{B26D7C59-3866-4D6C-9C8B-3EDC5C990B2D}" destId="{950FBD9C-1EDB-4DA7-82A2-88BBBB5F4F5E}" srcOrd="0" destOrd="0" parTransId="{87414E9E-6020-4F13-AAA6-0A589026EA62}" sibTransId="{51135E9F-F5D8-43CA-960B-AAFEC628B50E}"/>
+    <dgm:cxn modelId="{9EDBE3EF-9981-9E4A-9C80-160800F53B28}" type="presOf" srcId="{B9D0FA8D-2538-473E-BF89-38DE9BC6E676}" destId="{41908139-FF4B-0A42-9BAA-5EEF8CF2F349}" srcOrd="0" destOrd="0" presId="urn:microsoft.com/office/officeart/2017/3/layout/DropPinTimeline"/>
+    <dgm:cxn modelId="{9FD5B9F9-7BEE-1248-8D99-FB2BC1404CB7}" type="presOf" srcId="{C4D9C757-173A-4EA7-9BA5-3C108C04010E}" destId="{69A4F48A-F31A-2B48-9E77-5508F887F2A8}" srcOrd="0" destOrd="0" presId="urn:microsoft.com/office/officeart/2017/3/layout/DropPinTimeline"/>
+    <dgm:cxn modelId="{B65287FA-2282-C245-9B48-39B03620FD16}" type="presOf" srcId="{96603E07-40D0-4917-BAE9-8C0DD643D7E5}" destId="{6468B032-FB5C-5948-A322-B8A322BF0563}" srcOrd="0" destOrd="0" presId="urn:microsoft.com/office/officeart/2017/3/layout/DropPinTimeline"/>
+    <dgm:cxn modelId="{4C5E473A-6F9D-6F44-AAD5-34D7A26B0D3A}" type="presParOf" srcId="{7A5A84D6-3EA4-2F4C-96E9-6231CE152C20}" destId="{5941EDEF-5779-D948-BE1B-9A7F27810322}" srcOrd="0" destOrd="0" presId="urn:microsoft.com/office/officeart/2017/3/layout/DropPinTimeline"/>
+    <dgm:cxn modelId="{951C8A5F-959D-4E41-BC81-40D148DE4C0F}" type="presParOf" srcId="{7A5A84D6-3EA4-2F4C-96E9-6231CE152C20}" destId="{02A1AD57-B133-734A-9949-E5E5BEA47521}" srcOrd="1" destOrd="0" presId="urn:microsoft.com/office/officeart/2017/3/layout/DropPinTimeline"/>
+    <dgm:cxn modelId="{CB5FA58F-6323-0343-AFA5-8207F89AD48B}" type="presParOf" srcId="{02A1AD57-B133-734A-9949-E5E5BEA47521}" destId="{618E105B-A540-0547-BDDB-4D00EC976482}" srcOrd="0" destOrd="0" presId="urn:microsoft.com/office/officeart/2017/3/layout/DropPinTimeline"/>
+    <dgm:cxn modelId="{81ED69BB-2EFC-E84E-8C95-287C76C0FD52}" type="presParOf" srcId="{618E105B-A540-0547-BDDB-4D00EC976482}" destId="{69C2675C-57E0-F848-A584-4E40FB923CFD}" srcOrd="0" destOrd="0" presId="urn:microsoft.com/office/officeart/2017/3/layout/DropPinTimeline"/>
+    <dgm:cxn modelId="{A1B983CF-C291-F345-B306-7C74D18821FD}" type="presParOf" srcId="{618E105B-A540-0547-BDDB-4D00EC976482}" destId="{01ED9C5B-4FF6-4D49-927A-4ADED123A49E}" srcOrd="1" destOrd="0" presId="urn:microsoft.com/office/officeart/2017/3/layout/DropPinTimeline"/>
+    <dgm:cxn modelId="{28D94374-E593-C047-9472-9F5BB580BDBF}" type="presParOf" srcId="{01ED9C5B-4FF6-4D49-927A-4ADED123A49E}" destId="{68400D90-74A1-8948-A06A-9C86679215AB}" srcOrd="0" destOrd="0" presId="urn:microsoft.com/office/officeart/2017/3/layout/DropPinTimeline"/>
+    <dgm:cxn modelId="{6D939BA1-E7E2-CB44-B868-5F787AB4CD90}" type="presParOf" srcId="{01ED9C5B-4FF6-4D49-927A-4ADED123A49E}" destId="{ACDAAD43-4EFB-3F48-ABD0-D6BC1ED9C1C6}" srcOrd="1" destOrd="0" presId="urn:microsoft.com/office/officeart/2017/3/layout/DropPinTimeline"/>
+    <dgm:cxn modelId="{3AD99B12-C953-2645-BACD-336AF7263CF3}" type="presParOf" srcId="{618E105B-A540-0547-BDDB-4D00EC976482}" destId="{41908139-FF4B-0A42-9BAA-5EEF8CF2F349}" srcOrd="2" destOrd="0" presId="urn:microsoft.com/office/officeart/2017/3/layout/DropPinTimeline"/>
+    <dgm:cxn modelId="{787EF217-A103-9548-8C5D-52336398EAEE}" type="presParOf" srcId="{618E105B-A540-0547-BDDB-4D00EC976482}" destId="{A28FFD08-6E4B-8247-83A6-5946C0B5BE69}" srcOrd="3" destOrd="0" presId="urn:microsoft.com/office/officeart/2017/3/layout/DropPinTimeline"/>
+    <dgm:cxn modelId="{95B6A4BF-368D-E440-9931-6F06E0E72D5A}" type="presParOf" srcId="{618E105B-A540-0547-BDDB-4D00EC976482}" destId="{C6CD4E2F-A60D-F542-AB80-812E48416FE2}" srcOrd="4" destOrd="0" presId="urn:microsoft.com/office/officeart/2017/3/layout/DropPinTimeline"/>
+    <dgm:cxn modelId="{4A5F83F0-2442-BB4A-9B9B-06885C625D00}" type="presParOf" srcId="{618E105B-A540-0547-BDDB-4D00EC976482}" destId="{E0A46388-D3A3-094E-B14E-BCC4F9F513D6}" srcOrd="5" destOrd="0" presId="urn:microsoft.com/office/officeart/2017/3/layout/DropPinTimeline"/>
+    <dgm:cxn modelId="{364B6AA0-05CA-B64E-8D30-975D20076B5E}" type="presParOf" srcId="{02A1AD57-B133-734A-9949-E5E5BEA47521}" destId="{AB5CDCAD-2869-D64B-987F-D77F4DBA1629}" srcOrd="1" destOrd="0" presId="urn:microsoft.com/office/officeart/2017/3/layout/DropPinTimeline"/>
+    <dgm:cxn modelId="{27A4C970-D8E4-6F45-90B4-9194C2C2D54B}" type="presParOf" srcId="{02A1AD57-B133-734A-9949-E5E5BEA47521}" destId="{E99069B1-7476-0B47-90E6-2A2CCEA80AA1}" srcOrd="2" destOrd="0" presId="urn:microsoft.com/office/officeart/2017/3/layout/DropPinTimeline"/>
+    <dgm:cxn modelId="{D3405BA6-0FF2-9D49-97FE-7FC56EF9BE4F}" type="presParOf" srcId="{E99069B1-7476-0B47-90E6-2A2CCEA80AA1}" destId="{FE05C8E6-0043-BC4D-AB63-F1C1CD926D70}" srcOrd="0" destOrd="0" presId="urn:microsoft.com/office/officeart/2017/3/layout/DropPinTimeline"/>
+    <dgm:cxn modelId="{B09A6B56-2438-424E-837D-13042781574E}" type="presParOf" srcId="{E99069B1-7476-0B47-90E6-2A2CCEA80AA1}" destId="{4D22B4DE-EF88-CB41-A87D-E0A4DB8FB0E7}" srcOrd="1" destOrd="0" presId="urn:microsoft.com/office/officeart/2017/3/layout/DropPinTimeline"/>
+    <dgm:cxn modelId="{105676BA-B25B-D248-9E90-8B5376D8AF6F}" type="presParOf" srcId="{4D22B4DE-EF88-CB41-A87D-E0A4DB8FB0E7}" destId="{68DE74E1-D9B3-7A4A-8EF5-724DF6DFF2FC}" srcOrd="0" destOrd="0" presId="urn:microsoft.com/office/officeart/2017/3/layout/DropPinTimeline"/>
+    <dgm:cxn modelId="{2334DFFC-B544-754C-89E7-23EDA31FABA3}" type="presParOf" srcId="{4D22B4DE-EF88-CB41-A87D-E0A4DB8FB0E7}" destId="{D22EE948-D5ED-8546-8C2B-82AA06B1BA48}" srcOrd="1" destOrd="0" presId="urn:microsoft.com/office/officeart/2017/3/layout/DropPinTimeline"/>
+    <dgm:cxn modelId="{AD3D4EF8-DD47-E745-BDA4-000E3B051E3A}" type="presParOf" srcId="{E99069B1-7476-0B47-90E6-2A2CCEA80AA1}" destId="{D4118DD0-DD54-4846-97E7-571B30DFD91F}" srcOrd="2" destOrd="0" presId="urn:microsoft.com/office/officeart/2017/3/layout/DropPinTimeline"/>
+    <dgm:cxn modelId="{7CE68977-C6B5-B244-9DA2-F83EC581B5A0}" type="presParOf" srcId="{E99069B1-7476-0B47-90E6-2A2CCEA80AA1}" destId="{EC8729ED-FAB0-6747-898E-B272030E4BA2}" srcOrd="3" destOrd="0" presId="urn:microsoft.com/office/officeart/2017/3/layout/DropPinTimeline"/>
+    <dgm:cxn modelId="{20CB29B7-3681-5E48-AD4E-EDD37B16D187}" type="presParOf" srcId="{E99069B1-7476-0B47-90E6-2A2CCEA80AA1}" destId="{17277F62-9789-8F4A-8039-59DD06A590CB}" srcOrd="4" destOrd="0" presId="urn:microsoft.com/office/officeart/2017/3/layout/DropPinTimeline"/>
+    <dgm:cxn modelId="{00370447-2D51-DD48-8FF7-ED6EC7B62EFA}" type="presParOf" srcId="{E99069B1-7476-0B47-90E6-2A2CCEA80AA1}" destId="{E4E5999E-136D-004C-AE23-45A8F65C8012}" srcOrd="5" destOrd="0" presId="urn:microsoft.com/office/officeart/2017/3/layout/DropPinTimeline"/>
+    <dgm:cxn modelId="{0E9805D4-58DF-DB4E-9532-6DE4871DBD46}" type="presParOf" srcId="{02A1AD57-B133-734A-9949-E5E5BEA47521}" destId="{01621260-8363-D04F-8F49-F5EBD82A8B27}" srcOrd="3" destOrd="0" presId="urn:microsoft.com/office/officeart/2017/3/layout/DropPinTimeline"/>
+    <dgm:cxn modelId="{921DA9D1-7857-7848-A44D-E801EB7DCF3A}" type="presParOf" srcId="{02A1AD57-B133-734A-9949-E5E5BEA47521}" destId="{C35F5CD7-925B-4E40-9A35-C77793991C52}" srcOrd="4" destOrd="0" presId="urn:microsoft.com/office/officeart/2017/3/layout/DropPinTimeline"/>
+    <dgm:cxn modelId="{1DDC52AA-D4D8-7B4F-8A11-2310C01530B0}" type="presParOf" srcId="{C35F5CD7-925B-4E40-9A35-C77793991C52}" destId="{12380C1C-3A68-0A49-ABBC-29A5EFF7A8C7}" srcOrd="0" destOrd="0" presId="urn:microsoft.com/office/officeart/2017/3/layout/DropPinTimeline"/>
+    <dgm:cxn modelId="{6DCD2AC4-78F7-DE46-8395-1F9CEFA60AF9}" type="presParOf" srcId="{C35F5CD7-925B-4E40-9A35-C77793991C52}" destId="{EA3F9E1B-A2CC-3A46-99A1-4E48A6155730}" srcOrd="1" destOrd="0" presId="urn:microsoft.com/office/officeart/2017/3/layout/DropPinTimeline"/>
+    <dgm:cxn modelId="{1D61DB84-3655-DA44-80E5-C11AEE5FF52D}" type="presParOf" srcId="{EA3F9E1B-A2CC-3A46-99A1-4E48A6155730}" destId="{92923DCA-B86D-F24F-BB62-535C4CF48AFB}" srcOrd="0" destOrd="0" presId="urn:microsoft.com/office/officeart/2017/3/layout/DropPinTimeline"/>
+    <dgm:cxn modelId="{A867D993-12D2-EF44-9A91-D40156AECA18}" type="presParOf" srcId="{EA3F9E1B-A2CC-3A46-99A1-4E48A6155730}" destId="{D7702CCA-3C06-C345-AF1E-76B87C58320C}" srcOrd="1" destOrd="0" presId="urn:microsoft.com/office/officeart/2017/3/layout/DropPinTimeline"/>
+    <dgm:cxn modelId="{DD5EF9BC-80E7-3A4E-A85A-BAC891EA43A4}" type="presParOf" srcId="{C35F5CD7-925B-4E40-9A35-C77793991C52}" destId="{B895E696-5A7C-5846-9990-9D2E9D549545}" srcOrd="2" destOrd="0" presId="urn:microsoft.com/office/officeart/2017/3/layout/DropPinTimeline"/>
+    <dgm:cxn modelId="{DCCAFA12-EC85-F146-89E8-B5E341C49E22}" type="presParOf" srcId="{C35F5CD7-925B-4E40-9A35-C77793991C52}" destId="{6468B032-FB5C-5948-A322-B8A322BF0563}" srcOrd="3" destOrd="0" presId="urn:microsoft.com/office/officeart/2017/3/layout/DropPinTimeline"/>
+    <dgm:cxn modelId="{ECBB31A1-56EF-FC44-BFEF-71A27C1E4F34}" type="presParOf" srcId="{C35F5CD7-925B-4E40-9A35-C77793991C52}" destId="{DCE9EA14-343E-7E45-8518-7CEC7DD64341}" srcOrd="4" destOrd="0" presId="urn:microsoft.com/office/officeart/2017/3/layout/DropPinTimeline"/>
+    <dgm:cxn modelId="{D4CE95B0-68B7-C84F-88F6-BA59670E44DE}" type="presParOf" srcId="{C35F5CD7-925B-4E40-9A35-C77793991C52}" destId="{53733864-714A-AE4B-952E-55F983C91F3E}" srcOrd="5" destOrd="0" presId="urn:microsoft.com/office/officeart/2017/3/layout/DropPinTimeline"/>
+    <dgm:cxn modelId="{B8A30B17-05D7-4845-81F9-91F19CD82D96}" type="presParOf" srcId="{02A1AD57-B133-734A-9949-E5E5BEA47521}" destId="{01E15E55-371F-944C-BA6E-F3BBBB7118E2}" srcOrd="5" destOrd="0" presId="urn:microsoft.com/office/officeart/2017/3/layout/DropPinTimeline"/>
+    <dgm:cxn modelId="{23787525-CA90-8F44-B6DA-28A68553A875}" type="presParOf" srcId="{02A1AD57-B133-734A-9949-E5E5BEA47521}" destId="{B3E3A1AC-978D-B243-8973-D04AE9C48B84}" srcOrd="6" destOrd="0" presId="urn:microsoft.com/office/officeart/2017/3/layout/DropPinTimeline"/>
+    <dgm:cxn modelId="{D15C995C-7A3F-D347-B016-EBAF3E8F459C}" type="presParOf" srcId="{B3E3A1AC-978D-B243-8973-D04AE9C48B84}" destId="{7407DADD-911E-DE4B-9F3D-CB8D98A9BCEC}" srcOrd="0" destOrd="0" presId="urn:microsoft.com/office/officeart/2017/3/layout/DropPinTimeline"/>
+    <dgm:cxn modelId="{5011B506-71CC-B943-93DE-23B2AEFFBF0E}" type="presParOf" srcId="{B3E3A1AC-978D-B243-8973-D04AE9C48B84}" destId="{089F4A22-4C58-DF4D-B4F6-0589D765ECB5}" srcOrd="1" destOrd="0" presId="urn:microsoft.com/office/officeart/2017/3/layout/DropPinTimeline"/>
+    <dgm:cxn modelId="{D444AE9F-7CE4-E749-949C-5C6E02F27932}" type="presParOf" srcId="{089F4A22-4C58-DF4D-B4F6-0589D765ECB5}" destId="{FFEBA014-4F66-B14B-8EBB-DFAC9EA0626C}" srcOrd="0" destOrd="0" presId="urn:microsoft.com/office/officeart/2017/3/layout/DropPinTimeline"/>
+    <dgm:cxn modelId="{5EE116E4-67C8-1B49-8878-4400AAE9311D}" type="presParOf" srcId="{089F4A22-4C58-DF4D-B4F6-0589D765ECB5}" destId="{6CE3193B-CC31-204B-9E7D-8527FAC5E8C6}" srcOrd="1" destOrd="0" presId="urn:microsoft.com/office/officeart/2017/3/layout/DropPinTimeline"/>
+    <dgm:cxn modelId="{E9B71FAE-1472-7148-A8F5-628149C952CB}" type="presParOf" srcId="{B3E3A1AC-978D-B243-8973-D04AE9C48B84}" destId="{6AA2EB0D-3A73-3A4A-B251-BA5446452319}" srcOrd="2" destOrd="0" presId="urn:microsoft.com/office/officeart/2017/3/layout/DropPinTimeline"/>
+    <dgm:cxn modelId="{F7581DA8-7EA2-614C-B659-ACD7D8D7FB22}" type="presParOf" srcId="{B3E3A1AC-978D-B243-8973-D04AE9C48B84}" destId="{B7C5669B-7364-C244-8167-BA081F1B4C68}" srcOrd="3" destOrd="0" presId="urn:microsoft.com/office/officeart/2017/3/layout/DropPinTimeline"/>
+    <dgm:cxn modelId="{8E510168-F446-9E46-8F29-4BCFD9786E7A}" type="presParOf" srcId="{B3E3A1AC-978D-B243-8973-D04AE9C48B84}" destId="{B233CBB3-A58F-9B46-B6B5-65DCA4ABE20A}" srcOrd="4" destOrd="0" presId="urn:microsoft.com/office/officeart/2017/3/layout/DropPinTimeline"/>
+    <dgm:cxn modelId="{59A552F3-D3B1-5D4F-8158-A0B2FF940EBD}" type="presParOf" srcId="{B3E3A1AC-978D-B243-8973-D04AE9C48B84}" destId="{D47FC534-5E86-684E-A23E-7D2FA6D2459B}" srcOrd="5" destOrd="0" presId="urn:microsoft.com/office/officeart/2017/3/layout/DropPinTimeline"/>
+    <dgm:cxn modelId="{8DC1F357-61E3-CC46-90D2-719285A78D32}" type="presParOf" srcId="{02A1AD57-B133-734A-9949-E5E5BEA47521}" destId="{89A88483-7CF1-FD40-9737-CC38D6CA4FD7}" srcOrd="7" destOrd="0" presId="urn:microsoft.com/office/officeart/2017/3/layout/DropPinTimeline"/>
+    <dgm:cxn modelId="{B2CC6D37-F32D-9445-9AC9-B9DB033E7821}" type="presParOf" srcId="{02A1AD57-B133-734A-9949-E5E5BEA47521}" destId="{045028CE-B088-DB4E-919B-A8E2A2044BC9}" srcOrd="8" destOrd="0" presId="urn:microsoft.com/office/officeart/2017/3/layout/DropPinTimeline"/>
+    <dgm:cxn modelId="{95285D04-71A0-C845-AC07-8467F7E23EAF}" type="presParOf" srcId="{045028CE-B088-DB4E-919B-A8E2A2044BC9}" destId="{1DE4B4EC-675E-6B48-BE21-36F714DDE276}" srcOrd="0" destOrd="0" presId="urn:microsoft.com/office/officeart/2017/3/layout/DropPinTimeline"/>
+    <dgm:cxn modelId="{9918DD01-B258-B74F-AFC1-80227474EC77}" type="presParOf" srcId="{045028CE-B088-DB4E-919B-A8E2A2044BC9}" destId="{46857AA1-A90D-FC4C-9894-96E1225B46BA}" srcOrd="1" destOrd="0" presId="urn:microsoft.com/office/officeart/2017/3/layout/DropPinTimeline"/>
+    <dgm:cxn modelId="{33B32610-E157-474E-BD6F-D18F2A741A35}" type="presParOf" srcId="{46857AA1-A90D-FC4C-9894-96E1225B46BA}" destId="{D152C69C-6E7F-B149-B336-F4EDD5DAAC10}" srcOrd="0" destOrd="0" presId="urn:microsoft.com/office/officeart/2017/3/layout/DropPinTimeline"/>
+    <dgm:cxn modelId="{7F60D3B7-A084-F34B-8D00-D7E455186549}" type="presParOf" srcId="{46857AA1-A90D-FC4C-9894-96E1225B46BA}" destId="{11CAFD7A-8AE7-3145-9D98-4AE0CC4FF0B2}" srcOrd="1" destOrd="0" presId="urn:microsoft.com/office/officeart/2017/3/layout/DropPinTimeline"/>
+    <dgm:cxn modelId="{269F1092-D3CE-AC46-B1E4-FB7F3EDBC143}" type="presParOf" srcId="{045028CE-B088-DB4E-919B-A8E2A2044BC9}" destId="{69A4F48A-F31A-2B48-9E77-5508F887F2A8}" srcOrd="2" destOrd="0" presId="urn:microsoft.com/office/officeart/2017/3/layout/DropPinTimeline"/>
+    <dgm:cxn modelId="{F1E419FD-88C2-E94A-80C9-0D8B2B977E85}" type="presParOf" srcId="{045028CE-B088-DB4E-919B-A8E2A2044BC9}" destId="{2A41D7FC-239F-2F42-B91D-6B873D42AC94}" srcOrd="3" destOrd="0" presId="urn:microsoft.com/office/officeart/2017/3/layout/DropPinTimeline"/>
+    <dgm:cxn modelId="{A11CE967-9FD2-AC44-BAFF-F09FE413DD66}" type="presParOf" srcId="{045028CE-B088-DB4E-919B-A8E2A2044BC9}" destId="{834B0952-C5F1-2240-AAB3-AA51D6A804CC}" srcOrd="4" destOrd="0" presId="urn:microsoft.com/office/officeart/2017/3/layout/DropPinTimeline"/>
+    <dgm:cxn modelId="{0978E187-00ED-6D4A-B980-BB446D84B88C}" type="presParOf" srcId="{045028CE-B088-DB4E-919B-A8E2A2044BC9}" destId="{5E91E4F1-274E-674B-864C-14243D7B9A39}" srcOrd="5" destOrd="0" presId="urn:microsoft.com/office/officeart/2017/3/layout/DropPinTimeline"/>
+  </dgm:cxnLst>
+  <dgm:bg/>
+  <dgm:whole/>
+  <dgm:extLst>
+    <a:ext uri="http://schemas.microsoft.com/office/drawing/2008/diagram">
+      <dsp:dataModelExt xmlns:dsp="http://schemas.microsoft.com/office/drawing/2008/diagram" relId="rId6" minVer="http://schemas.openxmlformats.org/drawingml/2006/diagram"/>
+    </a:ext>
+  </dgm:extLst>
+</dgm:dataModel>
+</file>
+
+<file path=ppt/diagrams/data6.xml><?xml version="1.0" encoding="utf-8"?>
+<dgm:dataModel xmlns:dgm="http://schemas.openxmlformats.org/drawingml/2006/diagram" xmlns:a="http://schemas.openxmlformats.org/drawingml/2006/main">
+  <dgm:ptLst>
     <dgm:pt modelId="{D5A63248-0152-4C48-B8EB-A61B48FBAA8A}" type="doc">
       <dgm:prSet loTypeId="urn:microsoft.com/office/officeart/2005/8/layout/matrix3" loCatId="matrix" qsTypeId="urn:microsoft.com/office/officeart/2005/8/quickstyle/simple1" qsCatId="simple" csTypeId="urn:microsoft.com/office/officeart/2005/8/colors/colorful5" csCatId="colorful" phldr="1"/>
       <dgm:spPr/>
@@ -8422,7 +9549,7 @@
 </dgm:dataModel>
 </file>
 
-<file path=ppt/diagrams/data6.xml><?xml version="1.0" encoding="utf-8"?>
+<file path=ppt/diagrams/data7.xml><?xml version="1.0" encoding="utf-8"?>
 <dgm:dataModel xmlns:dgm="http://schemas.openxmlformats.org/drawingml/2006/diagram" xmlns:a="http://schemas.openxmlformats.org/drawingml/2006/main">
   <dgm:ptLst>
     <dgm:pt modelId="{C4FA1AB8-4310-4DA9-9D2B-6A687C941F19}" type="doc">
@@ -8853,7 +9980,7 @@
           </a:pPr>
           <a:r>
             <a:rPr lang="en-US" sz="2000" kern="1200" dirty="0"/>
-            <a:t>Background content</a:t>
+            <a:t>Foundations</a:t>
           </a:r>
         </a:p>
         <a:p>
@@ -8871,7 +9998,7 @@
           </a:pPr>
           <a:r>
             <a:rPr lang="en-US" sz="2000" kern="1200" dirty="0"/>
-            <a:t>Technical Analysis</a:t>
+            <a:t>Explorations</a:t>
           </a:r>
         </a:p>
         <a:p>
@@ -8889,7 +10016,7 @@
           </a:pPr>
           <a:r>
             <a:rPr lang="en-US" sz="2000" kern="1200" dirty="0"/>
-            <a:t>Future Trends</a:t>
+            <a:t>Futures</a:t>
           </a:r>
         </a:p>
       </dsp:txBody>
@@ -9205,6 +10332,468 @@
 </file>
 
 <file path=ppt/diagrams/drawing2.xml><?xml version="1.0" encoding="utf-8"?>
+<dsp:drawing xmlns:dgm="http://schemas.openxmlformats.org/drawingml/2006/diagram" xmlns:dsp="http://schemas.microsoft.com/office/drawing/2008/diagram" xmlns:a="http://schemas.openxmlformats.org/drawingml/2006/main">
+  <dsp:spTree>
+    <dsp:nvGrpSpPr>
+      <dsp:cNvPr id="0" name=""/>
+      <dsp:cNvGrpSpPr/>
+    </dsp:nvGrpSpPr>
+    <dsp:grpSpPr/>
+    <dsp:sp modelId="{7654D28C-B6C3-9240-A860-EB6D901C5D34}">
+      <dsp:nvSpPr>
+        <dsp:cNvPr id="0" name=""/>
+        <dsp:cNvSpPr/>
+      </dsp:nvSpPr>
+      <dsp:spPr>
+        <a:xfrm>
+          <a:off x="3423478" y="0"/>
+          <a:ext cx="3423478" cy="1603513"/>
+        </a:xfrm>
+        <a:prstGeom prst="trapezoid">
+          <a:avLst>
+            <a:gd name="adj" fmla="val 106749"/>
+          </a:avLst>
+        </a:prstGeom>
+        <a:solidFill>
+          <a:schemeClr val="accent1">
+            <a:lumMod val="50000"/>
+          </a:schemeClr>
+        </a:solidFill>
+        <a:ln w="15875" cap="flat" cmpd="sng" algn="ctr">
+          <a:solidFill>
+            <a:schemeClr val="lt1">
+              <a:hueOff val="0"/>
+              <a:satOff val="0"/>
+              <a:lumOff val="0"/>
+              <a:alphaOff val="0"/>
+            </a:schemeClr>
+          </a:solidFill>
+          <a:prstDash val="solid"/>
+        </a:ln>
+        <a:effectLst/>
+      </dsp:spPr>
+      <dsp:style>
+        <a:lnRef idx="2">
+          <a:scrgbClr r="0" g="0" b="0"/>
+        </a:lnRef>
+        <a:fillRef idx="1">
+          <a:scrgbClr r="0" g="0" b="0"/>
+        </a:fillRef>
+        <a:effectRef idx="0">
+          <a:scrgbClr r="0" g="0" b="0"/>
+        </a:effectRef>
+        <a:fontRef idx="minor">
+          <a:schemeClr val="lt1"/>
+        </a:fontRef>
+      </dsp:style>
+      <dsp:txBody>
+        <a:bodyPr spcFirstLastPara="0" vert="horz" wrap="square" lIns="20320" tIns="20320" rIns="20320" bIns="20320" numCol="1" spcCol="1270" anchor="ctr" anchorCtr="0">
+          <a:noAutofit/>
+        </a:bodyPr>
+        <a:lstStyle/>
+        <a:p>
+          <a:pPr marL="0" lvl="0" indent="0" algn="ctr" defTabSz="711200">
+            <a:lnSpc>
+              <a:spcPct val="90000"/>
+            </a:lnSpc>
+            <a:spcBef>
+              <a:spcPct val="0"/>
+            </a:spcBef>
+            <a:spcAft>
+              <a:spcPct val="35000"/>
+            </a:spcAft>
+            <a:buNone/>
+          </a:pPr>
+          <a:endParaRPr lang="en-US" sz="1600" kern="1200" dirty="0">
+            <a:solidFill>
+              <a:schemeClr val="bg1"/>
+            </a:solidFill>
+          </a:endParaRPr>
+        </a:p>
+        <a:p>
+          <a:pPr marL="0" lvl="0" indent="0" algn="ctr" defTabSz="711200">
+            <a:lnSpc>
+              <a:spcPct val="90000"/>
+            </a:lnSpc>
+            <a:spcBef>
+              <a:spcPct val="0"/>
+            </a:spcBef>
+            <a:spcAft>
+              <a:spcPct val="35000"/>
+            </a:spcAft>
+            <a:buNone/>
+          </a:pPr>
+          <a:r>
+            <a:rPr lang="en-US" sz="2400" b="1" kern="1200" dirty="0">
+              <a:solidFill>
+                <a:schemeClr val="bg1"/>
+              </a:solidFill>
+            </a:rPr>
+            <a:t> Futures</a:t>
+          </a:r>
+          <a:endParaRPr lang="en-US" sz="1600" b="1" kern="1200" dirty="0">
+            <a:solidFill>
+              <a:schemeClr val="bg1"/>
+            </a:solidFill>
+          </a:endParaRPr>
+        </a:p>
+        <a:p>
+          <a:pPr marL="0" lvl="0" indent="0" algn="ctr" defTabSz="711200">
+            <a:lnSpc>
+              <a:spcPct val="90000"/>
+            </a:lnSpc>
+            <a:spcBef>
+              <a:spcPct val="0"/>
+            </a:spcBef>
+            <a:spcAft>
+              <a:spcPct val="35000"/>
+            </a:spcAft>
+            <a:buNone/>
+          </a:pPr>
+          <a:r>
+            <a:rPr lang="en-US" sz="1600" kern="1200" dirty="0">
+              <a:solidFill>
+                <a:schemeClr val="bg1"/>
+              </a:solidFill>
+            </a:rPr>
+            <a:t>What is next</a:t>
+          </a:r>
+        </a:p>
+        <a:p>
+          <a:pPr marL="0" lvl="0" indent="0" algn="ctr" defTabSz="711200">
+            <a:lnSpc>
+              <a:spcPct val="90000"/>
+            </a:lnSpc>
+            <a:spcBef>
+              <a:spcPct val="0"/>
+            </a:spcBef>
+            <a:spcAft>
+              <a:spcPct val="35000"/>
+            </a:spcAft>
+            <a:buNone/>
+          </a:pPr>
+          <a:r>
+            <a:rPr lang="en-US" sz="1600" kern="1200" dirty="0">
+              <a:solidFill>
+                <a:schemeClr val="bg1"/>
+              </a:solidFill>
+            </a:rPr>
+            <a:t>Why and how</a:t>
+          </a:r>
+        </a:p>
+      </dsp:txBody>
+      <dsp:txXfrm>
+        <a:off x="3423478" y="0"/>
+        <a:ext cx="3423478" cy="1603513"/>
+      </dsp:txXfrm>
+    </dsp:sp>
+    <dsp:sp modelId="{C4B3E9C8-11F5-5F4C-BE3C-FB76D7BC99E5}">
+      <dsp:nvSpPr>
+        <dsp:cNvPr id="0" name=""/>
+        <dsp:cNvSpPr/>
+      </dsp:nvSpPr>
+      <dsp:spPr>
+        <a:xfrm>
+          <a:off x="1711738" y="1603513"/>
+          <a:ext cx="6846956" cy="1603513"/>
+        </a:xfrm>
+        <a:prstGeom prst="trapezoid">
+          <a:avLst>
+            <a:gd name="adj" fmla="val 106749"/>
+          </a:avLst>
+        </a:prstGeom>
+        <a:solidFill>
+          <a:schemeClr val="accent1">
+            <a:lumMod val="50000"/>
+          </a:schemeClr>
+        </a:solidFill>
+        <a:ln w="15875" cap="flat" cmpd="sng" algn="ctr">
+          <a:solidFill>
+            <a:schemeClr val="lt1">
+              <a:hueOff val="0"/>
+              <a:satOff val="0"/>
+              <a:lumOff val="0"/>
+              <a:alphaOff val="0"/>
+            </a:schemeClr>
+          </a:solidFill>
+          <a:prstDash val="solid"/>
+        </a:ln>
+        <a:effectLst/>
+      </dsp:spPr>
+      <dsp:style>
+        <a:lnRef idx="2">
+          <a:scrgbClr r="0" g="0" b="0"/>
+        </a:lnRef>
+        <a:fillRef idx="1">
+          <a:scrgbClr r="0" g="0" b="0"/>
+        </a:fillRef>
+        <a:effectRef idx="0">
+          <a:scrgbClr r="0" g="0" b="0"/>
+        </a:effectRef>
+        <a:fontRef idx="minor">
+          <a:schemeClr val="lt1"/>
+        </a:fontRef>
+      </dsp:style>
+      <dsp:txBody>
+        <a:bodyPr spcFirstLastPara="0" vert="horz" wrap="square" lIns="30480" tIns="30480" rIns="30480" bIns="30480" numCol="1" spcCol="1270" anchor="ctr" anchorCtr="0">
+          <a:noAutofit/>
+        </a:bodyPr>
+        <a:lstStyle/>
+        <a:p>
+          <a:pPr marL="0" lvl="0" indent="0" algn="ctr" defTabSz="1066800">
+            <a:lnSpc>
+              <a:spcPct val="90000"/>
+            </a:lnSpc>
+            <a:spcBef>
+              <a:spcPct val="0"/>
+            </a:spcBef>
+            <a:spcAft>
+              <a:spcPct val="35000"/>
+            </a:spcAft>
+            <a:buNone/>
+          </a:pPr>
+          <a:r>
+            <a:rPr lang="en-US" sz="2400" b="1" kern="1200" dirty="0">
+              <a:solidFill>
+                <a:schemeClr val="bg1"/>
+              </a:solidFill>
+            </a:rPr>
+            <a:t>Explorations</a:t>
+          </a:r>
+          <a:endParaRPr lang="en-US" sz="1600" b="1" kern="1200" dirty="0">
+            <a:solidFill>
+              <a:schemeClr val="bg1"/>
+            </a:solidFill>
+          </a:endParaRPr>
+        </a:p>
+        <a:p>
+          <a:pPr marL="0" lvl="0" indent="0" algn="ctr" defTabSz="1066800">
+            <a:lnSpc>
+              <a:spcPct val="90000"/>
+            </a:lnSpc>
+            <a:spcBef>
+              <a:spcPct val="0"/>
+            </a:spcBef>
+            <a:spcAft>
+              <a:spcPct val="35000"/>
+            </a:spcAft>
+            <a:buNone/>
+          </a:pPr>
+          <a:r>
+            <a:rPr lang="en-US" sz="1600" kern="1200" dirty="0">
+              <a:solidFill>
+                <a:schemeClr val="bg1"/>
+              </a:solidFill>
+            </a:rPr>
+            <a:t>Refine focus and depth</a:t>
+          </a:r>
+        </a:p>
+        <a:p>
+          <a:pPr marL="0" lvl="0" indent="0" algn="ctr" defTabSz="1066800">
+            <a:lnSpc>
+              <a:spcPct val="90000"/>
+            </a:lnSpc>
+            <a:spcBef>
+              <a:spcPct val="0"/>
+            </a:spcBef>
+            <a:spcAft>
+              <a:spcPct val="35000"/>
+            </a:spcAft>
+            <a:buNone/>
+          </a:pPr>
+          <a:r>
+            <a:rPr lang="en-US" sz="1600" kern="1200" dirty="0">
+              <a:solidFill>
+                <a:schemeClr val="bg1"/>
+              </a:solidFill>
+            </a:rPr>
+            <a:t>Design something and build it</a:t>
+          </a:r>
+        </a:p>
+        <a:p>
+          <a:pPr marL="0" lvl="0" indent="0" algn="ctr" defTabSz="1066800">
+            <a:lnSpc>
+              <a:spcPct val="90000"/>
+            </a:lnSpc>
+            <a:spcBef>
+              <a:spcPct val="0"/>
+            </a:spcBef>
+            <a:spcAft>
+              <a:spcPct val="35000"/>
+            </a:spcAft>
+            <a:buNone/>
+          </a:pPr>
+          <a:r>
+            <a:rPr lang="en-US" sz="1600" kern="1200" dirty="0">
+              <a:solidFill>
+                <a:schemeClr val="bg1"/>
+              </a:solidFill>
+            </a:rPr>
+            <a:t>Describe, observe, analyze, explain</a:t>
+          </a:r>
+        </a:p>
+      </dsp:txBody>
+      <dsp:txXfrm>
+        <a:off x="2909956" y="1603513"/>
+        <a:ext cx="4450521" cy="1603513"/>
+      </dsp:txXfrm>
+    </dsp:sp>
+    <dsp:sp modelId="{53534191-732C-2644-A55F-90AB3AF0F0B3}">
+      <dsp:nvSpPr>
+        <dsp:cNvPr id="0" name=""/>
+        <dsp:cNvSpPr/>
+      </dsp:nvSpPr>
+      <dsp:spPr>
+        <a:xfrm>
+          <a:off x="0" y="3207026"/>
+          <a:ext cx="10270434" cy="1603513"/>
+        </a:xfrm>
+        <a:prstGeom prst="trapezoid">
+          <a:avLst>
+            <a:gd name="adj" fmla="val 106749"/>
+          </a:avLst>
+        </a:prstGeom>
+        <a:solidFill>
+          <a:schemeClr val="accent1">
+            <a:lumMod val="50000"/>
+          </a:schemeClr>
+        </a:solidFill>
+        <a:ln w="15875" cap="flat" cmpd="sng" algn="ctr">
+          <a:solidFill>
+            <a:schemeClr val="lt1">
+              <a:hueOff val="0"/>
+              <a:satOff val="0"/>
+              <a:lumOff val="0"/>
+              <a:alphaOff val="0"/>
+            </a:schemeClr>
+          </a:solidFill>
+          <a:prstDash val="solid"/>
+        </a:ln>
+        <a:effectLst/>
+      </dsp:spPr>
+      <dsp:style>
+        <a:lnRef idx="2">
+          <a:scrgbClr r="0" g="0" b="0"/>
+        </a:lnRef>
+        <a:fillRef idx="1">
+          <a:scrgbClr r="0" g="0" b="0"/>
+        </a:fillRef>
+        <a:effectRef idx="0">
+          <a:scrgbClr r="0" g="0" b="0"/>
+        </a:effectRef>
+        <a:fontRef idx="minor">
+          <a:schemeClr val="lt1"/>
+        </a:fontRef>
+      </dsp:style>
+      <dsp:txBody>
+        <a:bodyPr spcFirstLastPara="0" vert="horz" wrap="square" lIns="30480" tIns="30480" rIns="30480" bIns="30480" numCol="1" spcCol="1270" anchor="ctr" anchorCtr="0">
+          <a:noAutofit/>
+        </a:bodyPr>
+        <a:lstStyle/>
+        <a:p>
+          <a:pPr marL="0" lvl="0" indent="0" algn="ctr" defTabSz="1066800">
+            <a:lnSpc>
+              <a:spcPct val="90000"/>
+            </a:lnSpc>
+            <a:spcBef>
+              <a:spcPct val="0"/>
+            </a:spcBef>
+            <a:spcAft>
+              <a:spcPct val="35000"/>
+            </a:spcAft>
+            <a:buNone/>
+          </a:pPr>
+          <a:r>
+            <a:rPr lang="en-US" sz="2400" b="1" kern="1200" dirty="0">
+              <a:solidFill>
+                <a:schemeClr val="bg1"/>
+              </a:solidFill>
+            </a:rPr>
+            <a:t>Foundations</a:t>
+          </a:r>
+          <a:endParaRPr lang="en-US" sz="1600" b="1" kern="1200" dirty="0">
+            <a:solidFill>
+              <a:schemeClr val="bg1"/>
+            </a:solidFill>
+          </a:endParaRPr>
+        </a:p>
+        <a:p>
+          <a:pPr marL="0" lvl="0" indent="0" algn="ctr" defTabSz="1066800">
+            <a:lnSpc>
+              <a:spcPct val="90000"/>
+            </a:lnSpc>
+            <a:spcBef>
+              <a:spcPct val="0"/>
+            </a:spcBef>
+            <a:spcAft>
+              <a:spcPct val="35000"/>
+            </a:spcAft>
+            <a:buNone/>
+          </a:pPr>
+          <a:r>
+            <a:rPr lang="en-US" sz="1600" kern="1200" dirty="0">
+              <a:solidFill>
+                <a:schemeClr val="bg1"/>
+              </a:solidFill>
+            </a:rPr>
+            <a:t>Phase C: Expertise</a:t>
+          </a:r>
+        </a:p>
+        <a:p>
+          <a:pPr marL="0" lvl="0" indent="0" algn="ctr" defTabSz="1066800">
+            <a:lnSpc>
+              <a:spcPct val="90000"/>
+            </a:lnSpc>
+            <a:spcBef>
+              <a:spcPct val="0"/>
+            </a:spcBef>
+            <a:spcAft>
+              <a:spcPct val="35000"/>
+            </a:spcAft>
+            <a:buNone/>
+          </a:pPr>
+          <a:r>
+            <a:rPr lang="en-US" sz="1600" kern="1200" dirty="0">
+              <a:solidFill>
+                <a:schemeClr val="bg1"/>
+              </a:solidFill>
+            </a:rPr>
+            <a:t>Phase B: Robust Mental Model</a:t>
+          </a:r>
+        </a:p>
+        <a:p>
+          <a:pPr marL="0" lvl="0" indent="0" algn="ctr" defTabSz="1066800">
+            <a:lnSpc>
+              <a:spcPct val="90000"/>
+            </a:lnSpc>
+            <a:spcBef>
+              <a:spcPct val="0"/>
+            </a:spcBef>
+            <a:spcAft>
+              <a:spcPct val="35000"/>
+            </a:spcAft>
+            <a:buNone/>
+          </a:pPr>
+          <a:r>
+            <a:rPr lang="en-US" sz="1600" kern="1200" dirty="0">
+              <a:solidFill>
+                <a:schemeClr val="bg1"/>
+              </a:solidFill>
+            </a:rPr>
+            <a:t>Phase A: Preliminary Mental Model</a:t>
+          </a:r>
+        </a:p>
+      </dsp:txBody>
+      <dsp:txXfrm>
+        <a:off x="1797325" y="3207026"/>
+        <a:ext cx="6675782" cy="1603513"/>
+      </dsp:txXfrm>
+    </dsp:sp>
+  </dsp:spTree>
+</dsp:drawing>
+</file>
+
+<file path=ppt/diagrams/drawing3.xml><?xml version="1.0" encoding="utf-8"?>
 <dsp:drawing xmlns:dgm="http://schemas.openxmlformats.org/drawingml/2006/diagram" xmlns:dsp="http://schemas.microsoft.com/office/drawing/2008/diagram" xmlns:a="http://schemas.openxmlformats.org/drawingml/2006/main">
   <dsp:spTree>
     <dsp:nvGrpSpPr>
@@ -9635,7 +11224,7 @@
 </dsp:drawing>
 </file>
 
-<file path=ppt/diagrams/drawing3.xml><?xml version="1.0" encoding="utf-8"?>
+<file path=ppt/diagrams/drawing4.xml><?xml version="1.0" encoding="utf-8"?>
 <dsp:drawing xmlns:dgm="http://schemas.openxmlformats.org/drawingml/2006/diagram" xmlns:dsp="http://schemas.microsoft.com/office/drawing/2008/diagram" xmlns:a="http://schemas.openxmlformats.org/drawingml/2006/main">
   <dsp:spTree>
     <dsp:nvGrpSpPr>
@@ -11234,7 +12823,7 @@
 </dsp:drawing>
 </file>
 
-<file path=ppt/diagrams/drawing4.xml><?xml version="1.0" encoding="utf-8"?>
+<file path=ppt/diagrams/drawing5.xml><?xml version="1.0" encoding="utf-8"?>
 <dsp:drawing xmlns:dgm="http://schemas.openxmlformats.org/drawingml/2006/diagram" xmlns:dsp="http://schemas.microsoft.com/office/drawing/2008/diagram" xmlns:a="http://schemas.openxmlformats.org/drawingml/2006/main">
   <dsp:spTree>
     <dsp:nvGrpSpPr>
@@ -12806,7 +14395,7 @@
 </dsp:drawing>
 </file>
 
-<file path=ppt/diagrams/drawing5.xml><?xml version="1.0" encoding="utf-8"?>
+<file path=ppt/diagrams/drawing6.xml><?xml version="1.0" encoding="utf-8"?>
 <dsp:drawing xmlns:dgm="http://schemas.openxmlformats.org/drawingml/2006/diagram" xmlns:dsp="http://schemas.microsoft.com/office/drawing/2008/diagram" xmlns:a="http://schemas.openxmlformats.org/drawingml/2006/main">
   <dsp:spTree>
     <dsp:nvGrpSpPr>
@@ -13262,7 +14851,7 @@
 </dsp:drawing>
 </file>
 
-<file path=ppt/diagrams/drawing6.xml><?xml version="1.0" encoding="utf-8"?>
+<file path=ppt/diagrams/drawing7.xml><?xml version="1.0" encoding="utf-8"?>
 <dsp:drawing xmlns:dgm="http://schemas.openxmlformats.org/drawingml/2006/diagram" xmlns:dsp="http://schemas.microsoft.com/office/drawing/2008/diagram" xmlns:a="http://schemas.openxmlformats.org/drawingml/2006/main">
   <dsp:spTree>
     <dsp:nvGrpSpPr>
@@ -13953,6 +15542,238 @@
 </file>
 
 <file path=ppt/diagrams/layout2.xml><?xml version="1.0" encoding="utf-8"?>
+<dgm:layoutDef xmlns:dgm="http://schemas.openxmlformats.org/drawingml/2006/diagram" xmlns:a="http://schemas.openxmlformats.org/drawingml/2006/main" uniqueId="urn:microsoft.com/office/officeart/2005/8/layout/pyramid1">
+  <dgm:title val=""/>
+  <dgm:desc val=""/>
+  <dgm:catLst>
+    <dgm:cat type="pyramid" pri="1000"/>
+  </dgm:catLst>
+  <dgm:sampData useDef="1">
+    <dgm:dataModel>
+      <dgm:ptLst/>
+      <dgm:bg/>
+      <dgm:whole/>
+    </dgm:dataModel>
+  </dgm:sampData>
+  <dgm:styleData>
+    <dgm:dataModel>
+      <dgm:ptLst>
+        <dgm:pt modelId="0" type="doc"/>
+        <dgm:pt modelId="1"/>
+        <dgm:pt modelId="2"/>
+      </dgm:ptLst>
+      <dgm:cxnLst>
+        <dgm:cxn modelId="3" srcId="0" destId="1" srcOrd="0" destOrd="0"/>
+        <dgm:cxn modelId="4" srcId="0" destId="2" srcOrd="1" destOrd="0"/>
+      </dgm:cxnLst>
+      <dgm:bg/>
+      <dgm:whole/>
+    </dgm:dataModel>
+  </dgm:styleData>
+  <dgm:clrData>
+    <dgm:dataModel>
+      <dgm:ptLst>
+        <dgm:pt modelId="0" type="doc"/>
+        <dgm:pt modelId="1"/>
+        <dgm:pt modelId="2"/>
+        <dgm:pt modelId="3"/>
+        <dgm:pt modelId="4"/>
+      </dgm:ptLst>
+      <dgm:cxnLst>
+        <dgm:cxn modelId="5" srcId="0" destId="1" srcOrd="0" destOrd="0"/>
+        <dgm:cxn modelId="6" srcId="0" destId="2" srcOrd="1" destOrd="0"/>
+        <dgm:cxn modelId="7" srcId="0" destId="3" srcOrd="2" destOrd="0"/>
+        <dgm:cxn modelId="8" srcId="0" destId="4" srcOrd="3" destOrd="0"/>
+      </dgm:cxnLst>
+      <dgm:bg/>
+      <dgm:whole/>
+    </dgm:dataModel>
+  </dgm:clrData>
+  <dgm:layoutNode name="Name0">
+    <dgm:varLst>
+      <dgm:dir/>
+      <dgm:animLvl val="lvl"/>
+      <dgm:resizeHandles val="exact"/>
+    </dgm:varLst>
+    <dgm:choose name="Name1">
+      <dgm:if name="Name2" func="var" arg="dir" op="equ" val="norm">
+        <dgm:alg type="pyra">
+          <dgm:param type="linDir" val="fromB"/>
+          <dgm:param type="txDir" val="fromT"/>
+          <dgm:param type="pyraAcctPos" val="aft"/>
+          <dgm:param type="pyraAcctTxMar" val="step"/>
+          <dgm:param type="pyraAcctBkgdNode" val="acctBkgd"/>
+          <dgm:param type="pyraAcctTxNode" val="acctTx"/>
+          <dgm:param type="pyraLvlNode" val="level"/>
+        </dgm:alg>
+      </dgm:if>
+      <dgm:else name="Name3">
+        <dgm:alg type="pyra">
+          <dgm:param type="linDir" val="fromB"/>
+          <dgm:param type="txDir" val="fromT"/>
+          <dgm:param type="pyraAcctPos" val="bef"/>
+          <dgm:param type="pyraAcctTxMar" val="step"/>
+          <dgm:param type="pyraAcctBkgdNode" val="acctBkgd"/>
+          <dgm:param type="pyraAcctTxNode" val="acctTx"/>
+          <dgm:param type="pyraLvlNode" val="level"/>
+        </dgm:alg>
+      </dgm:else>
+    </dgm:choose>
+    <dgm:shape xmlns:r="http://schemas.openxmlformats.org/officeDocument/2006/relationships" r:blip="">
+      <dgm:adjLst/>
+    </dgm:shape>
+    <dgm:presOf/>
+    <dgm:choose name="Name4">
+      <dgm:if name="Name5" axis="root des" ptType="all node" func="maxDepth" op="gte" val="2">
+        <dgm:constrLst>
+          <dgm:constr type="primFontSz" for="des" forName="levelTx" op="equ"/>
+          <dgm:constr type="secFontSz" for="des" forName="acctTx" op="equ"/>
+          <dgm:constr type="pyraAcctRatio" val="0.32"/>
+        </dgm:constrLst>
+      </dgm:if>
+      <dgm:else name="Name6">
+        <dgm:constrLst>
+          <dgm:constr type="primFontSz" for="des" forName="levelTx" op="equ"/>
+          <dgm:constr type="secFontSz" for="des" forName="acctTx" op="equ"/>
+          <dgm:constr type="pyraAcctRatio"/>
+        </dgm:constrLst>
+      </dgm:else>
+    </dgm:choose>
+    <dgm:ruleLst/>
+    <dgm:forEach name="Name7" axis="ch" ptType="node">
+      <dgm:layoutNode name="Name8">
+        <dgm:alg type="composite">
+          <dgm:param type="horzAlign" val="none"/>
+        </dgm:alg>
+        <dgm:shape xmlns:r="http://schemas.openxmlformats.org/officeDocument/2006/relationships" r:blip="">
+          <dgm:adjLst/>
+        </dgm:shape>
+        <dgm:presOf/>
+        <dgm:choose name="Name9">
+          <dgm:if name="Name10" axis="self" ptType="node" func="pos" op="equ" val="1">
+            <dgm:constrLst>
+              <dgm:constr type="ctrX" for="ch" forName="acctBkgd" val="1"/>
+              <dgm:constr type="ctrY" for="ch" forName="acctBkgd" val="1"/>
+              <dgm:constr type="w" for="ch" forName="acctBkgd" val="1"/>
+              <dgm:constr type="h" for="ch" forName="acctBkgd" val="1"/>
+              <dgm:constr type="ctrX" for="ch" forName="acctTx" val="1"/>
+              <dgm:constr type="ctrY" for="ch" forName="acctTx" val="1"/>
+              <dgm:constr type="w" for="ch" forName="acctTx" val="1"/>
+              <dgm:constr type="h" for="ch" forName="acctTx" val="1"/>
+              <dgm:constr type="ctrX" for="ch" forName="level" val="1"/>
+              <dgm:constr type="ctrY" for="ch" forName="level" val="1"/>
+              <dgm:constr type="w" for="ch" forName="level" val="1"/>
+              <dgm:constr type="h" for="ch" forName="level" val="1"/>
+              <dgm:constr type="ctrX" for="ch" forName="levelTx" refType="ctrX" refFor="ch" refForName="level"/>
+              <dgm:constr type="ctrY" for="ch" forName="levelTx" refType="ctrY" refFor="ch" refForName="level"/>
+              <dgm:constr type="w" for="ch" forName="levelTx" refType="w" refFor="ch" refForName="level"/>
+              <dgm:constr type="h" for="ch" forName="levelTx" refType="h" refFor="ch" refForName="level"/>
+            </dgm:constrLst>
+          </dgm:if>
+          <dgm:else name="Name11">
+            <dgm:constrLst>
+              <dgm:constr type="ctrX" for="ch" forName="acctBkgd" val="1"/>
+              <dgm:constr type="ctrY" for="ch" forName="acctBkgd" val="1"/>
+              <dgm:constr type="w" for="ch" forName="acctBkgd" val="1"/>
+              <dgm:constr type="h" for="ch" forName="acctBkgd" val="1"/>
+              <dgm:constr type="ctrX" for="ch" forName="acctTx" val="1"/>
+              <dgm:constr type="ctrY" for="ch" forName="acctTx" val="1"/>
+              <dgm:constr type="w" for="ch" forName="acctTx" val="1"/>
+              <dgm:constr type="h" for="ch" forName="acctTx" val="1"/>
+              <dgm:constr type="ctrX" for="ch" forName="level" val="1"/>
+              <dgm:constr type="ctrY" for="ch" forName="level" val="1"/>
+              <dgm:constr type="w" for="ch" forName="level" val="1"/>
+              <dgm:constr type="h" for="ch" forName="level" val="1"/>
+              <dgm:constr type="ctrX" for="ch" forName="levelTx" refType="ctrX" refFor="ch" refForName="level"/>
+              <dgm:constr type="ctrY" for="ch" forName="levelTx" refType="ctrY" refFor="ch" refForName="level"/>
+              <dgm:constr type="w" for="ch" forName="levelTx" refType="w" refFor="ch" refForName="level" fact="0.65"/>
+              <dgm:constr type="h" for="ch" forName="levelTx" refType="h" refFor="ch" refForName="level"/>
+            </dgm:constrLst>
+          </dgm:else>
+        </dgm:choose>
+        <dgm:ruleLst/>
+        <dgm:choose name="Name12">
+          <dgm:if name="Name13" axis="ch" ptType="node" func="cnt" op="gte" val="1">
+            <dgm:layoutNode name="acctBkgd" styleLbl="alignAcc1">
+              <dgm:alg type="sp"/>
+              <dgm:shape xmlns:r="http://schemas.openxmlformats.org/officeDocument/2006/relationships" type="nonIsoscelesTrapezoid" r:blip="">
+                <dgm:adjLst/>
+              </dgm:shape>
+              <dgm:presOf axis="des" ptType="node"/>
+              <dgm:constrLst/>
+              <dgm:ruleLst/>
+            </dgm:layoutNode>
+            <dgm:layoutNode name="acctTx" styleLbl="alignAcc1">
+              <dgm:varLst>
+                <dgm:bulletEnabled val="1"/>
+              </dgm:varLst>
+              <dgm:alg type="tx">
+                <dgm:param type="stBulletLvl" val="1"/>
+                <dgm:param type="txAnchorVertCh" val="mid"/>
+              </dgm:alg>
+              <dgm:shape xmlns:r="http://schemas.openxmlformats.org/officeDocument/2006/relationships" type="nonIsoscelesTrapezoid" r:blip="" hideGeom="1">
+                <dgm:adjLst/>
+              </dgm:shape>
+              <dgm:presOf axis="des" ptType="node"/>
+              <dgm:constrLst>
+                <dgm:constr type="secFontSz" val="65"/>
+                <dgm:constr type="primFontSz" refType="secFontSz"/>
+                <dgm:constr type="tMarg" refType="secFontSz" fact="0.3"/>
+                <dgm:constr type="bMarg" refType="secFontSz" fact="0.3"/>
+                <dgm:constr type="lMarg" refType="secFontSz" fact="0.3"/>
+                <dgm:constr type="rMarg" refType="secFontSz" fact="0.3"/>
+              </dgm:constrLst>
+              <dgm:ruleLst>
+                <dgm:rule type="secFontSz" val="5" fact="NaN" max="NaN"/>
+              </dgm:ruleLst>
+            </dgm:layoutNode>
+          </dgm:if>
+          <dgm:else name="Name14"/>
+        </dgm:choose>
+        <dgm:layoutNode name="level">
+          <dgm:varLst>
+            <dgm:chMax val="1"/>
+            <dgm:bulletEnabled val="1"/>
+          </dgm:varLst>
+          <dgm:alg type="sp"/>
+          <dgm:shape xmlns:r="http://schemas.openxmlformats.org/officeDocument/2006/relationships" type="trapezoid" r:blip="">
+            <dgm:adjLst/>
+          </dgm:shape>
+          <dgm:presOf axis="self"/>
+          <dgm:constrLst>
+            <dgm:constr type="h" val="500"/>
+            <dgm:constr type="w" val="1"/>
+          </dgm:constrLst>
+          <dgm:ruleLst/>
+        </dgm:layoutNode>
+        <dgm:layoutNode name="levelTx" styleLbl="revTx">
+          <dgm:varLst>
+            <dgm:chMax val="1"/>
+            <dgm:bulletEnabled val="1"/>
+          </dgm:varLst>
+          <dgm:alg type="tx"/>
+          <dgm:shape xmlns:r="http://schemas.openxmlformats.org/officeDocument/2006/relationships" type="rect" r:blip="" hideGeom="1">
+            <dgm:adjLst/>
+          </dgm:shape>
+          <dgm:presOf axis="self"/>
+          <dgm:constrLst>
+            <dgm:constr type="tMarg" refType="primFontSz" fact="0.1"/>
+            <dgm:constr type="bMarg" refType="primFontSz" fact="0.1"/>
+            <dgm:constr type="lMarg" refType="primFontSz" fact="0.1"/>
+            <dgm:constr type="rMarg" refType="primFontSz" fact="0.1"/>
+            <dgm:constr type="primFontSz" val="65"/>
+          </dgm:constrLst>
+          <dgm:ruleLst>
+            <dgm:rule type="primFontSz" val="5" fact="NaN" max="NaN"/>
+          </dgm:ruleLst>
+        </dgm:layoutNode>
+      </dgm:layoutNode>
+    </dgm:forEach>
+  </dgm:layoutNode>
+</dgm:layoutDef>
+</file>
+
+<file path=ppt/diagrams/layout3.xml><?xml version="1.0" encoding="utf-8"?>
 <dgm:layoutDef xmlns:dgm="http://schemas.openxmlformats.org/drawingml/2006/diagram" xmlns:a="http://schemas.openxmlformats.org/drawingml/2006/main" uniqueId="urn:microsoft.com/office/officeart/2005/8/layout/list1">
   <dgm:title val=""/>
   <dgm:desc val=""/>
@@ -14174,813 +15995,6 @@
       </dgm:forEach>
     </dgm:forEach>
   </dgm:layoutNode>
-</dgm:layoutDef>
-</file>
-
-<file path=ppt/diagrams/layout3.xml><?xml version="1.0" encoding="utf-8"?>
-<dgm:layoutDef xmlns:dgm="http://schemas.openxmlformats.org/drawingml/2006/diagram" xmlns:a="http://schemas.openxmlformats.org/drawingml/2006/main" uniqueId="urn:microsoft.com/office/officeart/2017/3/layout/DropPinTimeline">
-  <dgm:title val="Drop Pin Timeline"/>
-  <dgm:desc val="Use to show a list of events in chronological order. An invisible box next to the pin contains the date and the description is immediately below. It can display a medium amount of text and medium length date format."/>
-  <dgm:catLst>
-    <dgm:cat type="timeline" pri="500"/>
-    <dgm:cat type="process" pri="600"/>
-  </dgm:catLst>
-  <dgm:sampData>
-    <dgm:dataModel>
-      <dgm:ptLst>
-        <dgm:pt modelId="0" type="doc"/>
-        <dgm:pt modelId="10">
-          <dgm:prSet phldr="1"/>
-        </dgm:pt>
-        <dgm:pt modelId="11">
-          <dgm:prSet phldr="1"/>
-        </dgm:pt>
-        <dgm:pt modelId="20">
-          <dgm:prSet phldr="1"/>
-        </dgm:pt>
-        <dgm:pt modelId="21">
-          <dgm:prSet phldr="1"/>
-        </dgm:pt>
-        <dgm:pt modelId="30">
-          <dgm:prSet phldr="1"/>
-        </dgm:pt>
-        <dgm:pt modelId="31">
-          <dgm:prSet phldr="1"/>
-        </dgm:pt>
-      </dgm:ptLst>
-      <dgm:cxnLst>
-        <dgm:cxn modelId="40" srcId="0" destId="10" srcOrd="0" destOrd="0"/>
-        <dgm:cxn modelId="12" srcId="10" destId="11" srcOrd="0" destOrd="0"/>
-        <dgm:cxn modelId="50" srcId="0" destId="20" srcOrd="1" destOrd="0"/>
-        <dgm:cxn modelId="22" srcId="20" destId="21" srcOrd="0" destOrd="0"/>
-        <dgm:cxn modelId="60" srcId="0" destId="30" srcOrd="1" destOrd="0"/>
-        <dgm:cxn modelId="32" srcId="30" destId="31" srcOrd="0" destOrd="0"/>
-      </dgm:cxnLst>
-      <dgm:bg/>
-      <dgm:whole/>
-    </dgm:dataModel>
-  </dgm:sampData>
-  <dgm:styleData>
-    <dgm:dataModel>
-      <dgm:ptLst>
-        <dgm:pt modelId="0" type="doc"/>
-        <dgm:pt modelId="10">
-          <dgm:prSet phldr="1"/>
-        </dgm:pt>
-        <dgm:pt modelId="20">
-          <dgm:prSet phldr="1"/>
-        </dgm:pt>
-      </dgm:ptLst>
-      <dgm:cxnLst>
-        <dgm:cxn modelId="60" srcId="0" destId="10" srcOrd="0" destOrd="0"/>
-        <dgm:cxn modelId="70" srcId="0" destId="20" srcOrd="1" destOrd="0"/>
-      </dgm:cxnLst>
-      <dgm:bg/>
-      <dgm:whole/>
-    </dgm:dataModel>
-  </dgm:styleData>
-  <dgm:clrData>
-    <dgm:dataModel>
-      <dgm:ptLst>
-        <dgm:pt modelId="0" type="doc"/>
-        <dgm:pt modelId="10">
-          <dgm:prSet phldr="1"/>
-        </dgm:pt>
-        <dgm:pt modelId="20">
-          <dgm:prSet phldr="1"/>
-        </dgm:pt>
-        <dgm:pt modelId="30">
-          <dgm:prSet phldr="1"/>
-        </dgm:pt>
-        <dgm:pt modelId="40">
-          <dgm:prSet phldr="1"/>
-        </dgm:pt>
-      </dgm:ptLst>
-      <dgm:cxnLst>
-        <dgm:cxn modelId="60" srcId="0" destId="10" srcOrd="0" destOrd="0"/>
-        <dgm:cxn modelId="70" srcId="0" destId="20" srcOrd="1" destOrd="0"/>
-        <dgm:cxn modelId="80" srcId="0" destId="30" srcOrd="2" destOrd="0"/>
-        <dgm:cxn modelId="90" srcId="0" destId="40" srcOrd="3" destOrd="0"/>
-      </dgm:cxnLst>
-      <dgm:bg/>
-      <dgm:whole/>
-    </dgm:dataModel>
-  </dgm:clrData>
-  <dgm:layoutNode name="root">
-    <dgm:varLst>
-      <dgm:chMax/>
-      <dgm:chPref/>
-      <dgm:animLvl val="lvl"/>
-    </dgm:varLst>
-    <dgm:alg type="composite"/>
-    <dgm:shape xmlns:r="http://schemas.openxmlformats.org/officeDocument/2006/relationships" r:blip="">
-      <dgm:adjLst/>
-    </dgm:shape>
-    <dgm:constrLst>
-      <dgm:constr type="w" for="ch" forName="divider" refType="w"/>
-      <dgm:constr type="h" for="ch" forName="divider"/>
-      <dgm:constr type="ctrY" for="ch" forName="divider" refType="h" fact="0.5"/>
-      <dgm:constr type="l" for="ch" forName="divider"/>
-      <dgm:constr type="w" for="ch" forName="nodes" refType="w"/>
-      <dgm:constr type="h" for="ch" forName="nodes" refType="h" fact="0.8"/>
-      <dgm:constr type="ctrY" for="ch" forName="nodes" refType="h" fact="0.5"/>
-    </dgm:constrLst>
-    <dgm:layoutNode name="divider" styleLbl="fgAcc1">
-      <dgm:alg type="sp"/>
-      <dgm:choose name="ArrowShape">
-        <dgm:if name="ArrowShapeLTR" func="var" arg="dir" op="equ" val="norm">
-          <dgm:shape xmlns:r="http://schemas.openxmlformats.org/officeDocument/2006/relationships" type="line" r:blip="" zOrderOff="-1">
-            <dgm:adjLst/>
-            <dgm:extLst>
-              <a:ext uri="{B698B0E9-8C71-41B9-8309-B3DCBF30829C}">
-                <dgm1612:spPr xmlns:dgm1612="http://schemas.microsoft.com/office/drawing/2016/12/diagram">
-                  <a:ln w="19050">
-                    <a:solidFill>
-                      <a:srgbClr val="000000"/>
-                    </a:solidFill>
-                    <a:tailEnd type="triangle" w="lg" len="lg"/>
-                  </a:ln>
-                </dgm1612:spPr>
-              </a:ext>
-            </dgm:extLst>
-          </dgm:shape>
-        </dgm:if>
-        <dgm:else name="ArrowShapeRTL">
-          <dgm:shape xmlns:r="http://schemas.openxmlformats.org/officeDocument/2006/relationships" type="line" r:blip="" zOrderOff="-1">
-            <dgm:adjLst/>
-            <dgm:extLst>
-              <a:ext uri="{B698B0E9-8C71-41B9-8309-B3DCBF30829C}">
-                <dgm1612:spPr xmlns:dgm1612="http://schemas.microsoft.com/office/drawing/2016/12/diagram">
-                  <a:ln>
-                    <a:solidFill>
-                      <a:srgbClr val="000000"/>
-                    </a:solidFill>
-                    <a:headEnd type="triangle" w="lg" len="lg"/>
-                  </a:ln>
-                </dgm1612:spPr>
-              </a:ext>
-            </dgm:extLst>
-          </dgm:shape>
-        </dgm:else>
-      </dgm:choose>
-      <dgm:presOf/>
-      <dgm:constrLst/>
-      <dgm:ruleLst/>
-    </dgm:layoutNode>
-    <dgm:layoutNode name="nodes">
-      <dgm:varLst>
-        <dgm:chMax/>
-        <dgm:chPref/>
-        <dgm:animLvl val="lvl"/>
-      </dgm:varLst>
-      <dgm:choose name="Name1">
-        <dgm:if name="Name2" func="var" arg="dir" op="equ" val="norm">
-          <dgm:alg type="lin"/>
-        </dgm:if>
-        <dgm:else name="Name3">
-          <dgm:alg type="lin">
-            <dgm:param type="linDir" val="fromR"/>
-          </dgm:alg>
-        </dgm:else>
-      </dgm:choose>
-      <dgm:shape xmlns:r="http://schemas.openxmlformats.org/officeDocument/2006/relationships" r:blip="">
-        <dgm:adjLst/>
-      </dgm:shape>
-      <dgm:constrLst>
-        <dgm:constr type="primFontSz" for="des" forName="L1TextContainer" val="20"/>
-        <dgm:constr type="primFontSz" for="des" forName="L2TextContainer" refType="primFontSz" refFor="des" refForName="L1TextContainer" op="equ" fact="0.75"/>
-        <dgm:constr type="w" for="ch" forName="composite" refType="w"/>
-        <dgm:constr type="h" for="ch" forName="composite" refType="h"/>
-        <dgm:constr type="w" for="ch" forName="spaceBetweenRectangles" refType="w" refFor="ch" refForName="composite" fact="-0.5"/>
-        <dgm:constr type="w" for="ch" ptType="sibTrans" op="equ"/>
-        <dgm:constr type="primFontSz" for="des" forName="L1TextContainer" op="equ"/>
-        <dgm:constr type="primFontSz" for="des" forName="L2TextContainer" op="equ"/>
-        <dgm:constr type="primFontSz" for="des" forName="L1TextContainer1" val="20"/>
-        <dgm:constr type="primFontSz" for="des" forName="L2TextContainer1" refType="primFontSz" refFor="des" refForName="L1TextContainer1" op="equ" fact="0.75"/>
-        <dgm:constr type="w" for="ch" forName="composite1" refType="w"/>
-        <dgm:constr type="h" for="ch" forName="composite1" refType="h"/>
-        <dgm:constr type="w" for="ch" forName="spaceBetweenRectangles1" refType="w" refFor="ch" refForName="composite1" fact="0.28"/>
-        <dgm:constr type="primFontSz" for="des" forName="L1TextContainer1" op="equ"/>
-        <dgm:constr type="primFontSz" for="des" forName="L2TextContainer1" op="equ"/>
-      </dgm:constrLst>
-      <dgm:choose name="LayoutBasedOnCountOfNodes">
-        <dgm:if name="LessThanOrEqualToTwoNodes" axis="ch" ptType="node" func="cnt" op="lte" val="2">
-          <dgm:forEach name="nodesForEach1" axis="ch" ptType="node">
-            <dgm:layoutNode name="composite1">
-              <dgm:alg type="composite"/>
-              <dgm:shape xmlns:r="http://schemas.openxmlformats.org/officeDocument/2006/relationships" r:blip="">
-                <dgm:adjLst/>
-              </dgm:shape>
-              <dgm:choose name="CaseForLayoutDirection1">
-                <dgm:if name="CaseForLayoutDirectionLTR1" func="var" arg="dir" op="equ" val="norm">
-                  <dgm:choose name="CaseForPlacingNodesAboveAndBelowDividerLTR1">
-                    <dgm:if name="CaseForPlacingNodeAboveDividerLTR1" axis="self" ptType="node" func="posOdd" op="equ" val="1">
-                      <dgm:constrLst>
-                        <dgm:constr type="w" for="ch" forName="ConnectorPoint1" refType="h" refFor="ch" refForName="DropPinPlaceHolder1" fact="0.18"/>
-                        <dgm:constr type="h" for="ch" forName="ConnectorPoint1" refType="h" refFor="ch" refForName="DropPinPlaceHolder1" fact="0.18"/>
-                        <dgm:constr type="ctrX" for="ch" forName="ConnectorPoint1" refType="ctrX" refFor="ch" refForName="ConnectLine1"/>
-                        <dgm:constr type="ctrY" for="ch" forName="ConnectorPoint1" refType="h" fact="0.5"/>
-                        <dgm:constr type="w" for="ch" forName="DropPinPlaceHolder1" refType="h" fact="0.13"/>
-                        <dgm:constr type="h" for="ch" forName="DropPinPlaceHolder1" refType="h" fact="0.13"/>
-                        <dgm:constr type="t" for="ch" forName="DropPinPlaceHolder1" refType="h" fact="0"/>
-                        <dgm:constr type="l" for="ch" forName="DropPinPlaceHolder1" refType="w" fact="0"/>
-                        <dgm:constr type="w" for="ch" forName="L2TextContainer1" refType="w" fact="0.83"/>
-                        <dgm:constr type="l" for="ch" forName="L2TextContainer1" refType="r" refFor="ch" refForName="DropPinPlaceHolder1"/>
-                        <dgm:constr type="t" for="ch" forName="L2TextContainer1" refType="b" refFor="ch" refForName="DropPinPlaceHolder1"/>
-                        <dgm:constr type="b" for="ch" forName="L2TextContainer1" refType="h" fact="0.5"/>
-                        <dgm:constr type="w" for="ch" forName="L1TextContainer1" refType="w" fact="0.83"/>
-                        <dgm:constr type="l" for="ch" forName="L1TextContainer1" refType="r" refFor="ch" refForName="DropPinPlaceHolder1"/>
-                        <dgm:constr type="b" for="ch" forName="L1TextContainer1" refType="b" refFor="ch" refForName="DropPinPlaceHolder1"/>
-                        <dgm:constr type="t" for="ch" forName="L1TextContainer1" refType="t" refFor="ch" refForName="DropPinPlaceHolder1"/>
-                        <dgm:constr type="w" for="ch" forName="ConnectLine1"/>
-                        <dgm:constr type="ctrX" for="ch" forName="ConnectLine1" refType="ctrX" refFor="ch" refForName="DropPinPlaceHolder1"/>
-                        <dgm:constr type="b" for="ch" forName="ConnectLine1" refType="h" fact="0.5"/>
-                        <dgm:constr type="t" for="ch" forName="ConnectLine1" refType="b" refFor="ch" refForName="DropPinPlaceHolder1"/>
-                        <dgm:constr type="w" for="ch" forName="EmptyPlaceHolder1" refType="w"/>
-                        <dgm:constr type="h" for="ch" forName="EmptyPlaceHolder1" refType="h" fact="0.5"/>
-                        <dgm:constr type="t" for="ch" forName="EmptyPlaceHolder1" refType="h" fact="0.5"/>
-                      </dgm:constrLst>
-                    </dgm:if>
-                    <dgm:else name="CaseForPlacingNodeBelowDividerLTR1">
-                      <dgm:constrLst>
-                        <dgm:constr type="w" for="ch" forName="ConnectorPoint1" refType="h" refFor="ch" refForName="DropPinPlaceHolder1" fact="0.18"/>
-                        <dgm:constr type="h" for="ch" forName="ConnectorPoint1" refType="h" refFor="ch" refForName="DropPinPlaceHolder1" fact="0.18"/>
-                        <dgm:constr type="ctrX" for="ch" forName="ConnectorPoint1" refType="ctrX" refFor="ch" refForName="ConnectLine1"/>
-                        <dgm:constr type="ctrY" for="ch" forName="ConnectorPoint1" refType="h" fact="0.5"/>
-                        <dgm:constr type="w" for="ch" forName="DropPinPlaceHolder1" refType="h" fact="0.13"/>
-                        <dgm:constr type="h" for="ch" forName="DropPinPlaceHolder1" refType="h" fact="0.13"/>
-                        <dgm:constr type="b" for="ch" forName="DropPinPlaceHolder1" refType="h"/>
-                        <dgm:constr type="l" for="ch" forName="DropPinPlaceHolder1" refType="w" fact="0"/>
-                        <dgm:constr type="w" for="ch" forName="L2TextContainer1" refType="w" fact="0.83"/>
-                        <dgm:constr type="l" for="ch" forName="L2TextContainer1" refType="r" refFor="ch" refForName="DropPinPlaceHolder1"/>
-                        <dgm:constr type="b" for="ch" forName="L2TextContainer1" refType="t" refFor="ch" refForName="DropPinPlaceHolder1"/>
-                        <dgm:constr type="t" for="ch" forName="L2TextContainer1" refType="h" fact="0.5"/>
-                        <dgm:constr type="w" for="ch" forName="L1TextContainer1" refType="w" fact="0.83"/>
-                        <dgm:constr type="l" for="ch" forName="L1TextContainer1" refType="r" refFor="ch" refForName="DropPinPlaceHolder1"/>
-                        <dgm:constr type="b" for="ch" forName="L1TextContainer1" refType="b" refFor="ch" refForName="DropPinPlaceHolder1"/>
-                        <dgm:constr type="t" for="ch" forName="L1TextContainer1" refType="t" refFor="ch" refForName="DropPinPlaceHolder1"/>
-                        <dgm:constr type="w" for="ch" forName="ConnectLine1"/>
-                        <dgm:constr type="ctrX" for="ch" forName="ConnectLine1" refType="ctrX" refFor="ch" refForName="DropPinPlaceHolder1"/>
-                        <dgm:constr type="t" for="ch" forName="ConnectLine1" refType="h" fact="0.5"/>
-                        <dgm:constr type="b" for="ch" forName="ConnectLine1" refType="t" refFor="ch" refForName="DropPinPlaceHolder1"/>
-                        <dgm:constr type="w" for="ch" forName="EmptyPlaceHolder1" refType="w"/>
-                        <dgm:constr type="h" for="ch" forName="EmptyPlaceHolder1" refType="h" fact="0.5"/>
-                        <dgm:constr type="t" for="ch" forName="EmptyPlaceHolder1" refType="h" fact="0"/>
-                      </dgm:constrLst>
-                    </dgm:else>
-                  </dgm:choose>
-                </dgm:if>
-                <dgm:else name="CaseForLayoutDirectionRTL1">
-                  <dgm:choose name="CaseForPlacingNodesAboveAndBelowDividerRTL1">
-                    <dgm:if name="CaseForPlacingNodeAboveDividerRTL1" axis="self" ptType="node" func="posOdd" op="equ" val="1">
-                      <dgm:constrLst>
-                        <dgm:constr type="w" for="ch" forName="ConnectorPoint1" refType="h" refFor="ch" refForName="DropPinPlaceHolder1" fact="0.18"/>
-                        <dgm:constr type="h" for="ch" forName="ConnectorPoint1" refType="h" refFor="ch" refForName="DropPinPlaceHolder1" fact="0.18"/>
-                        <dgm:constr type="ctrX" for="ch" forName="ConnectorPoint1" refType="ctrX" refFor="ch" refForName="ConnectLine1"/>
-                        <dgm:constr type="ctrY" for="ch" forName="ConnectorPoint1" refType="h" fact="0.5"/>
-                        <dgm:constr type="w" for="ch" forName="DropPinPlaceHolder1" refType="h" fact="0.13"/>
-                        <dgm:constr type="h" for="ch" forName="DropPinPlaceHolder1" refType="h" fact="0.13"/>
-                        <dgm:constr type="t" for="ch" forName="DropPinPlaceHolder1" refType="h" fact="0"/>
-                        <dgm:constr type="l" for="ch" forName="DropPinPlaceHolder1" refType="w" fact="0"/>
-                        <dgm:constr type="w" for="ch" forName="L2TextContainer1" refType="w" fact="0.83"/>
-                        <dgm:constr type="l" for="ch" forName="L2TextContainer1" refType="r" refFor="ch" refForName="DropPinPlaceHolder1"/>
-                        <dgm:constr type="t" for="ch" forName="L2TextContainer1" refType="b" refFor="ch" refForName="DropPinPlaceHolder1"/>
-                        <dgm:constr type="b" for="ch" forName="L2TextContainer1" refType="h" fact="0.5"/>
-                        <dgm:constr type="w" for="ch" forName="L1TextContainer1" refType="w" fact="0.83"/>
-                        <dgm:constr type="l" for="ch" forName="L1TextContainer1" refType="r" refFor="ch" refForName="DropPinPlaceHolder1"/>
-                        <dgm:constr type="b" for="ch" forName="L1TextContainer1" refType="b" refFor="ch" refForName="DropPinPlaceHolder1"/>
-                        <dgm:constr type="t" for="ch" forName="L1TextContainer1" refType="t" refFor="ch" refForName="DropPinPlaceHolder1"/>
-                        <dgm:constr type="w" for="ch" forName="ConnectLine1"/>
-                        <dgm:constr type="ctrX" for="ch" forName="ConnectLine1" refType="ctrX" refFor="ch" refForName="DropPinPlaceHolder1"/>
-                        <dgm:constr type="b" for="ch" forName="ConnectLine1" refType="h" fact="0.5"/>
-                        <dgm:constr type="t" for="ch" forName="ConnectLine1" refType="b" refFor="ch" refForName="DropPinPlaceHolder1"/>
-                        <dgm:constr type="w" for="ch" forName="EmptyPlaceHolder1" refType="w"/>
-                        <dgm:constr type="h" for="ch" forName="EmptyPlaceHolder1" refType="h" fact="0.5"/>
-                        <dgm:constr type="t" for="ch" forName="EmptyPlaceHolder1" refType="h" fact="0.5"/>
-                      </dgm:constrLst>
-                    </dgm:if>
-                    <dgm:else name="CaseForPlacingNodeBelowDividerRTL1">
-                      <dgm:constrLst>
-                        <dgm:constr type="w" for="ch" forName="ConnectorPoint1" refType="h" refFor="ch" refForName="DropPinPlaceHolder1" fact="0.18"/>
-                        <dgm:constr type="h" for="ch" forName="ConnectorPoint1" refType="h" refFor="ch" refForName="DropPinPlaceHolder1" fact="0.18"/>
-                        <dgm:constr type="ctrX" for="ch" forName="ConnectorPoint1" refType="ctrX" refFor="ch" refForName="ConnectLine1"/>
-                        <dgm:constr type="ctrY" for="ch" forName="ConnectorPoint1" refType="h" fact="0.5"/>
-                        <dgm:constr type="w" for="ch" forName="DropPinPlaceHolder1" refType="h" fact="0.13"/>
-                        <dgm:constr type="h" for="ch" forName="DropPinPlaceHolder1" refType="h" fact="0.13"/>
-                        <dgm:constr type="b" for="ch" forName="DropPinPlaceHolder1" refType="h"/>
-                        <dgm:constr type="l" for="ch" forName="DropPinPlaceHolder1" refType="w" fact="0"/>
-                        <dgm:constr type="w" for="ch" forName="L2TextContainer1" refType="w" fact="0.83"/>
-                        <dgm:constr type="l" for="ch" forName="L2TextContainer1" refType="r" refFor="ch" refForName="DropPinPlaceHolder1"/>
-                        <dgm:constr type="b" for="ch" forName="L2TextContainer1" refType="t" refFor="ch" refForName="DropPinPlaceHolder1"/>
-                        <dgm:constr type="t" for="ch" forName="L2TextContainer1" refType="h" fact="0.5"/>
-                        <dgm:constr type="w" for="ch" forName="L1TextContainer1" refType="w" fact="0.83"/>
-                        <dgm:constr type="l" for="ch" forName="L1TextContainer1" refType="r" refFor="ch" refForName="DropPinPlaceHolder1"/>
-                        <dgm:constr type="b" for="ch" forName="L1TextContainer1" refType="b" refFor="ch" refForName="DropPinPlaceHolder1"/>
-                        <dgm:constr type="t" for="ch" forName="L1TextContainer1" refType="t" refFor="ch" refForName="DropPinPlaceHolder1"/>
-                        <dgm:constr type="w" for="ch" forName="ConnectLine1"/>
-                        <dgm:constr type="ctrX" for="ch" forName="ConnectLine1" refType="ctrX" refFor="ch" refForName="DropPinPlaceHolder1"/>
-                        <dgm:constr type="t" for="ch" forName="ConnectLine1" refType="h" fact="0.5"/>
-                        <dgm:constr type="b" for="ch" forName="ConnectLine1" refType="t" refFor="ch" refForName="DropPinPlaceHolder1"/>
-                        <dgm:constr type="w" for="ch" forName="EmptyPlaceHolder1" refType="w"/>
-                        <dgm:constr type="h" for="ch" forName="EmptyPlaceHolder1" refType="h" fact="0.5"/>
-                        <dgm:constr type="t" for="ch" forName="EmptyPlaceHolder1" refType="h" fact="0"/>
-                      </dgm:constrLst>
-                    </dgm:else>
-                  </dgm:choose>
-                </dgm:else>
-              </dgm:choose>
-              <dgm:layoutNode name="ConnectorPoint1" styleLbl="lnNode1" moveWith="ConnectLine1">
-                <dgm:alg type="sp"/>
-                <dgm:shape xmlns:r="http://schemas.openxmlformats.org/officeDocument/2006/relationships" type="ellipse" r:blip="" zOrderOff="10">
-                  <dgm:adjLst/>
-                </dgm:shape>
-                <dgm:presOf/>
-                <dgm:constrLst>
-                  <dgm:constr type="w" refType="h" op="equ"/>
-                </dgm:constrLst>
-              </dgm:layoutNode>
-              <dgm:layoutNode name="DropPinPlaceHolder1">
-                <dgm:alg type="composite"/>
-                <dgm:shape xmlns:r="http://schemas.openxmlformats.org/officeDocument/2006/relationships" r:blip="">
-                  <dgm:adjLst/>
-                </dgm:shape>
-                <dgm:constrLst>
-                  <dgm:constr type="w" for="ch" forName="DropPin1" refType="w"/>
-                  <dgm:constr type="h" for="ch" forName="DropPin1" refType="h"/>
-                  <dgm:constr type="ctrX" for="ch" forName="DropPin1" refType="w" fact="0.5"/>
-                  <dgm:constr type="ctrY" for="ch" forName="DropPin1" refType="h" fact="0.5"/>
-                  <dgm:constr type="w" for="ch" forName="Ellipse1" refType="w" refFor="ch" refForName="DropPin1" fact="0.55"/>
-                  <dgm:constr type="h" for="ch" forName="Ellipse1" refType="w" refFor="ch" refForName="DropPin1" fact="0.55"/>
-                  <dgm:constr type="ctrX" for="ch" forName="Ellipse1" refType="ctrX" refFor="ch" refForName="DropPin1"/>
-                  <dgm:constr type="ctrY" for="ch" forName="Ellipse1" refType="ctrY" refFor="ch" refForName="DropPin1"/>
-                </dgm:constrLst>
-                <dgm:layoutNode name="DropPin1" styleLbl="alignNode1">
-                  <dgm:alg type="sp"/>
-                  <dgm:choose name="CaseForPlacingTearDropAboveAndBelowDivider1">
-                    <dgm:if name="CaseForPlacingTearDropAboveDivider1" axis="self" ptType="node" func="posOdd" op="equ" val="1">
-                      <dgm:shape xmlns:r="http://schemas.openxmlformats.org/officeDocument/2006/relationships" rot="135" type="teardrop" r:blip="">
-                        <dgm:adjLst>
-                          <dgm:adj idx="1" val="1.15"/>
-                        </dgm:adjLst>
-                      </dgm:shape>
-                    </dgm:if>
-                    <dgm:else name="CaseForPlacingTearDropBelowDivider1">
-                      <dgm:shape xmlns:r="http://schemas.openxmlformats.org/officeDocument/2006/relationships" rot="-45" type="teardrop" r:blip="">
-                        <dgm:adjLst>
-                          <dgm:adj idx="1" val="1.15"/>
-                        </dgm:adjLst>
-                      </dgm:shape>
-                    </dgm:else>
-                  </dgm:choose>
-                  <dgm:presOf/>
-                  <dgm:constrLst/>
-                </dgm:layoutNode>
-                <dgm:layoutNode name="Ellipse1" styleLbl="fgAcc1" moveWith="DropPin1">
-                  <dgm:alg type="sp"/>
-                  <dgm:shape xmlns:r="http://schemas.openxmlformats.org/officeDocument/2006/relationships" type="ellipse" r:blip="">
-                    <dgm:adjLst/>
-                    <dgm:extLst>
-                      <a:ext uri="{B698B0E9-8C71-41B9-8309-B3DCBF30829C}">
-                        <dgm1612:spPr xmlns:dgm1612="http://schemas.microsoft.com/office/drawing/2016/12/diagram">
-                          <a:ln>
-                            <a:noFill/>
-                          </a:ln>
-                        </dgm1612:spPr>
-                      </a:ext>
-                    </dgm:extLst>
-                  </dgm:shape>
-                  <dgm:presOf/>
-                  <dgm:constrLst/>
-                </dgm:layoutNode>
-              </dgm:layoutNode>
-              <dgm:layoutNode name="L2TextContainer1" styleLbl="revTx" moveWith="L1TextContainer">
-                <dgm:varLst>
-                  <dgm:bulletEnabled val="1"/>
-                </dgm:varLst>
-                <dgm:choose name="casesForTxtDirLogic1">
-                  <dgm:if name="Name771" axis="self" ptType="node" func="posOdd" op="equ" val="1">
-                    <dgm:alg type="tx">
-                      <dgm:param type="txAnchorVert" val="t"/>
-                      <dgm:param type="parTxLTRAlign" val="l"/>
-                      <dgm:param type="parTxRTLAlign" val="l"/>
-                      <dgm:param type="txAnchorVertCh" val="t"/>
-                      <dgm:param type="shpTxRTLAlignCh" val="l"/>
-                      <dgm:param type="shpTxLTRAlignCh" val="l"/>
-                    </dgm:alg>
-                    <dgm:constrLst>
-                      <dgm:constr type="lMarg"/>
-                      <dgm:constr type="rMarg"/>
-                      <dgm:constr type="tMarg" refType="primFontSz" fact="0.5"/>
-                      <dgm:constr type="bMarg" refType="primFontSz" fact="0.75"/>
-                    </dgm:constrLst>
-                  </dgm:if>
-                  <dgm:else name="Name881">
-                    <dgm:alg type="tx">
-                      <dgm:param type="txAnchorVert" val="b"/>
-                      <dgm:param type="parTxLTRAlign" val="l"/>
-                      <dgm:param type="parTxRTLAlign" val="l"/>
-                      <dgm:param type="txAnchorVertCh" val="b"/>
-                      <dgm:param type="shpTxRTLAlignCh" val="l"/>
-                      <dgm:param type="shpTxLTRAlignCh" val="l"/>
-                    </dgm:alg>
-                    <dgm:constrLst>
-                      <dgm:constr type="lMarg"/>
-                      <dgm:constr type="rMarg" refType="primFontSz" fact="0.5"/>
-                      <dgm:constr type="tMarg" refType="primFontSz" fact="0.75"/>
-                      <dgm:constr type="bMarg" refType="primFontSz" fact="0.5"/>
-                    </dgm:constrLst>
-                  </dgm:else>
-                </dgm:choose>
-                <dgm:shape xmlns:r="http://schemas.openxmlformats.org/officeDocument/2006/relationships" type="rect" r:blip="">
-                  <dgm:adjLst/>
-                </dgm:shape>
-                <dgm:presOf axis="des" ptType="node"/>
-                <dgm:ruleLst>
-                  <dgm:rule type="primFontSz" val="11" fact="NaN" max="NaN"/>
-                </dgm:ruleLst>
-              </dgm:layoutNode>
-              <dgm:layoutNode name="L1TextContainer1" styleLbl="revTx">
-                <dgm:varLst>
-                  <dgm:chMax val="1"/>
-                  <dgm:chPref val="1"/>
-                  <dgm:bulletEnabled val="1"/>
-                </dgm:varLst>
-                <dgm:alg type="tx">
-                  <dgm:param type="txAnchorVert" val="mid"/>
-                  <dgm:param type="parTxLTRAlign" val="l"/>
-                  <dgm:param type="parTxRTLAlign" val="l"/>
-                </dgm:alg>
-                <dgm:shape xmlns:r="http://schemas.openxmlformats.org/officeDocument/2006/relationships" type="rect" r:blip="">
-                  <dgm:adjLst/>
-                </dgm:shape>
-                <dgm:presOf axis="self"/>
-                <dgm:constrLst>
-                  <dgm:constr type="lMarg"/>
-                  <dgm:constr type="rMarg" refType="primFontSz" fact="0.5"/>
-                  <dgm:constr type="tMarg"/>
-                  <dgm:constr type="bMarg"/>
-                </dgm:constrLst>
-                <dgm:ruleLst>
-                  <dgm:rule type="primFontSz" val="13" fact="NaN" max="NaN"/>
-                </dgm:ruleLst>
-              </dgm:layoutNode>
-              <dgm:layoutNode name="ConnectLine1" styleLbl="sibTrans1D1">
-                <dgm:alg type="sp"/>
-                <dgm:shape xmlns:r="http://schemas.openxmlformats.org/officeDocument/2006/relationships" type="line" r:blip="">
-                  <dgm:adjLst/>
-                  <dgm:extLst>
-                    <a:ext uri="{B698B0E9-8C71-41B9-8309-B3DCBF30829C}">
-                      <dgm1612:spPr xmlns:dgm1612="http://schemas.microsoft.com/office/drawing/2016/12/diagram">
-                        <a:ln w="12700">
-                          <a:prstDash val="dash"/>
-                        </a:ln>
-                      </dgm1612:spPr>
-                    </a:ext>
-                  </dgm:extLst>
-                </dgm:shape>
-                <dgm:presOf/>
-                <dgm:constrLst/>
-              </dgm:layoutNode>
-              <dgm:layoutNode name="EmptyPlaceHolder1">
-                <dgm:alg type="sp"/>
-                <dgm:shape xmlns:r="http://schemas.openxmlformats.org/officeDocument/2006/relationships" r:blip="">
-                  <dgm:adjLst/>
-                </dgm:shape>
-                <dgm:presOf/>
-                <dgm:constrLst/>
-              </dgm:layoutNode>
-            </dgm:layoutNode>
-            <dgm:forEach name="Name281" axis="followSib" ptType="sibTrans" cnt="1">
-              <dgm:layoutNode name="spaceBetweenRectangles1">
-                <dgm:alg type="sp"/>
-                <dgm:shape xmlns:r="http://schemas.openxmlformats.org/officeDocument/2006/relationships" r:blip="">
-                  <dgm:adjLst/>
-                </dgm:shape>
-                <dgm:presOf/>
-                <dgm:constrLst/>
-                <dgm:ruleLst/>
-              </dgm:layoutNode>
-            </dgm:forEach>
-          </dgm:forEach>
-        </dgm:if>
-        <dgm:else name="MoreThanTwoNodes">
-          <dgm:forEach name="nodesForEach" axis="ch" ptType="node">
-            <dgm:layoutNode name="composite">
-              <dgm:alg type="composite"/>
-              <dgm:shape xmlns:r="http://schemas.openxmlformats.org/officeDocument/2006/relationships" r:blip="">
-                <dgm:adjLst/>
-              </dgm:shape>
-              <dgm:choose name="CaseForLayoutDirection">
-                <dgm:if name="CaseForLayoutDirectionLTR" func="var" arg="dir" op="equ" val="norm">
-                  <dgm:choose name="CaseForPlacingNodesAboveAndBelowDividerLTR">
-                    <dgm:if name="CaseForPlacingNodeAboveDividerLTR" axis="self" ptType="node" func="posOdd" op="equ" val="1">
-                      <dgm:constrLst>
-                        <dgm:constr type="w" for="ch" forName="ConnectorPoint" refType="h" refFor="ch" refForName="DropPinPlaceHolder" fact="0.18"/>
-                        <dgm:constr type="h" for="ch" forName="ConnectorPoint" refType="h" refFor="ch" refForName="DropPinPlaceHolder" fact="0.18"/>
-                        <dgm:constr type="ctrX" for="ch" forName="ConnectorPoint" refType="ctrX" refFor="ch" refForName="ConnectLine"/>
-                        <dgm:constr type="ctrY" for="ch" forName="ConnectorPoint" refType="h" fact="0.5"/>
-                        <dgm:constr type="w" for="ch" forName="DropPinPlaceHolder" refType="h" fact="0.13"/>
-                        <dgm:constr type="h" for="ch" forName="DropPinPlaceHolder" refType="h" fact="0.13"/>
-                        <dgm:constr type="t" for="ch" forName="DropPinPlaceHolder" refType="h" fact="0"/>
-                        <dgm:constr type="l" for="ch" forName="DropPinPlaceHolder" refType="w" fact="0"/>
-                        <dgm:constr type="w" for="ch" forName="L2TextContainer" refType="w" fact="0.83"/>
-                        <dgm:constr type="l" for="ch" forName="L2TextContainer" refType="r" refFor="ch" refForName="DropPinPlaceHolder"/>
-                        <dgm:constr type="t" for="ch" forName="L2TextContainer" refType="b" refFor="ch" refForName="DropPinPlaceHolder"/>
-                        <dgm:constr type="b" for="ch" forName="L2TextContainer" refType="h" fact="0.5"/>
-                        <dgm:constr type="w" for="ch" forName="L1TextContainer" refType="w" fact="0.83"/>
-                        <dgm:constr type="l" for="ch" forName="L1TextContainer" refType="r" refFor="ch" refForName="DropPinPlaceHolder"/>
-                        <dgm:constr type="b" for="ch" forName="L1TextContainer" refType="b" refFor="ch" refForName="DropPinPlaceHolder"/>
-                        <dgm:constr type="t" for="ch" forName="L1TextContainer" refType="t" refFor="ch" refForName="DropPinPlaceHolder"/>
-                        <dgm:constr type="w" for="ch" forName="ConnectLine"/>
-                        <dgm:constr type="ctrX" for="ch" forName="ConnectLine" refType="ctrX" refFor="ch" refForName="DropPinPlaceHolder"/>
-                        <dgm:constr type="b" for="ch" forName="ConnectLine" refType="h" fact="0.5"/>
-                        <dgm:constr type="t" for="ch" forName="ConnectLine" refType="b" refFor="ch" refForName="DropPinPlaceHolder"/>
-                        <dgm:constr type="w" for="ch" forName="EmptyPlaceHolder" refType="w"/>
-                        <dgm:constr type="h" for="ch" forName="EmptyPlaceHolder" refType="h" fact="0.5"/>
-                        <dgm:constr type="t" for="ch" forName="EmptyPlaceHolder" refType="h" fact="0.5"/>
-                      </dgm:constrLst>
-                    </dgm:if>
-                    <dgm:else name="CaseForPlacingNodeBelowDividerLTR">
-                      <dgm:constrLst>
-                        <dgm:constr type="w" for="ch" forName="ConnectorPoint" refType="h" refFor="ch" refForName="DropPinPlaceHolder" fact="0.18"/>
-                        <dgm:constr type="h" for="ch" forName="ConnectorPoint" refType="h" refFor="ch" refForName="DropPinPlaceHolder" fact="0.18"/>
-                        <dgm:constr type="ctrX" for="ch" forName="ConnectorPoint" refType="ctrX" refFor="ch" refForName="ConnectLine"/>
-                        <dgm:constr type="ctrY" for="ch" forName="ConnectorPoint" refType="h" fact="0.5"/>
-                        <dgm:constr type="w" for="ch" forName="DropPinPlaceHolder" refType="h" fact="0.13"/>
-                        <dgm:constr type="h" for="ch" forName="DropPinPlaceHolder" refType="h" fact="0.13"/>
-                        <dgm:constr type="b" for="ch" forName="DropPinPlaceHolder" refType="h"/>
-                        <dgm:constr type="l" for="ch" forName="DropPinPlaceHolder" refType="w" fact="0"/>
-                        <dgm:constr type="w" for="ch" forName="L2TextContainer" refType="w" fact="0.83"/>
-                        <dgm:constr type="l" for="ch" forName="L2TextContainer" refType="r" refFor="ch" refForName="DropPinPlaceHolder"/>
-                        <dgm:constr type="b" for="ch" forName="L2TextContainer" refType="t" refFor="ch" refForName="DropPinPlaceHolder"/>
-                        <dgm:constr type="t" for="ch" forName="L2TextContainer" refType="h" fact="0.5"/>
-                        <dgm:constr type="w" for="ch" forName="L1TextContainer" refType="w" fact="0.83"/>
-                        <dgm:constr type="l" for="ch" forName="L1TextContainer" refType="r" refFor="ch" refForName="DropPinPlaceHolder"/>
-                        <dgm:constr type="b" for="ch" forName="L1TextContainer" refType="b" refFor="ch" refForName="DropPinPlaceHolder"/>
-                        <dgm:constr type="t" for="ch" forName="L1TextContainer" refType="t" refFor="ch" refForName="DropPinPlaceHolder"/>
-                        <dgm:constr type="w" for="ch" forName="ConnectLine"/>
-                        <dgm:constr type="ctrX" for="ch" forName="ConnectLine" refType="ctrX" refFor="ch" refForName="DropPinPlaceHolder"/>
-                        <dgm:constr type="t" for="ch" forName="ConnectLine" refType="h" fact="0.5"/>
-                        <dgm:constr type="b" for="ch" forName="ConnectLine" refType="t" refFor="ch" refForName="DropPinPlaceHolder"/>
-                        <dgm:constr type="w" for="ch" forName="EmptyPlaceHolder" refType="w"/>
-                        <dgm:constr type="h" for="ch" forName="EmptyPlaceHolder" refType="h" fact="0.5"/>
-                        <dgm:constr type="t" for="ch" forName="EmptyPlaceHolder" refType="h" fact="0"/>
-                      </dgm:constrLst>
-                    </dgm:else>
-                  </dgm:choose>
-                </dgm:if>
-                <dgm:else name="CaseForLayoutDirectionRTL">
-                  <dgm:choose name="CaseForPlacingNodesAboveAndBelowDividerRTL">
-                    <dgm:if name="CaseForPlacingNodeAboveDividerRTL" axis="self" ptType="node" func="posOdd" op="equ" val="1">
-                      <dgm:constrLst>
-                        <dgm:constr type="w" for="ch" forName="ConnectorPoint" refType="h" refFor="ch" refForName="DropPinPlaceHolder" fact="0.18"/>
-                        <dgm:constr type="h" for="ch" forName="ConnectorPoint" refType="h" refFor="ch" refForName="DropPinPlaceHolder" fact="0.18"/>
-                        <dgm:constr type="ctrX" for="ch" forName="ConnectorPoint" refType="ctrX" refFor="ch" refForName="DropPinPlaceHolder"/>
-                        <dgm:constr type="ctrY" for="ch" forName="ConnectorPoint" refType="h" fact="0.5"/>
-                        <dgm:constr type="w" for="ch" forName="DropPinPlaceHolder" refType="h" fact="0.13"/>
-                        <dgm:constr type="h" for="ch" forName="DropPinPlaceHolder" refType="h" fact="0.13"/>
-                        <dgm:constr type="t" for="ch" forName="DropPinPlaceHolder" refType="h" fact="0"/>
-                        <dgm:constr type="l" for="ch" forName="DropPinPlaceHolder" refType="w" fact="0"/>
-                        <dgm:constr type="w" for="ch" forName="L2TextContainer" refType="w" fact="0.83"/>
-                        <dgm:constr type="l" for="ch" forName="L2TextContainer" refType="r" refFor="ch" refForName="DropPinPlaceHolder"/>
-                        <dgm:constr type="t" for="ch" forName="L2TextContainer" refType="b" refFor="ch" refForName="DropPinPlaceHolder"/>
-                        <dgm:constr type="b" for="ch" forName="L2TextContainer" refType="h" fact="0.5"/>
-                        <dgm:constr type="w" for="ch" forName="L1TextContainer" refType="w" fact="0.83"/>
-                        <dgm:constr type="l" for="ch" forName="L1TextContainer" refType="r" refFor="ch" refForName="DropPinPlaceHolder"/>
-                        <dgm:constr type="b" for="ch" forName="L1TextContainer" refType="b" refFor="ch" refForName="DropPinPlaceHolder"/>
-                        <dgm:constr type="t" for="ch" forName="L1TextContainer" refType="t" refFor="ch" refForName="DropPinPlaceHolder"/>
-                        <dgm:constr type="w" for="ch" forName="ConnectLine"/>
-                        <dgm:constr type="ctrX" for="ch" forName="ConnectLine" refType="ctrX" refFor="ch" refForName="DropPinPlaceHolder"/>
-                        <dgm:constr type="b" for="ch" forName="ConnectLine" refType="h" fact="0.5"/>
-                        <dgm:constr type="t" for="ch" forName="ConnectLine" refType="b" refFor="ch" refForName="DropPinPlaceHolder"/>
-                        <dgm:constr type="w" for="ch" forName="EmptyPlaceHolder" refType="w"/>
-                        <dgm:constr type="h" for="ch" forName="EmptyPlaceHolder" refType="h" fact="0.5"/>
-                        <dgm:constr type="t" for="ch" forName="EmptyPlaceHolder" refType="h" fact="0.5"/>
-                      </dgm:constrLst>
-                    </dgm:if>
-                    <dgm:else name="CaseForPlacingNodeBelowDividerRTL">
-                      <dgm:constrLst>
-                        <dgm:constr type="w" for="ch" forName="ConnectorPoint" refType="h" refFor="ch" refForName="DropPinPlaceHolder" fact="0.18"/>
-                        <dgm:constr type="h" for="ch" forName="ConnectorPoint" refType="h" refFor="ch" refForName="DropPinPlaceHolder" fact="0.18"/>
-                        <dgm:constr type="ctrX" for="ch" forName="ConnectorPoint" refType="ctrX" refFor="ch" refForName="DropPinPlaceHolder"/>
-                        <dgm:constr type="ctrY" for="ch" forName="ConnectorPoint" refType="h" fact="0.5"/>
-                        <dgm:constr type="w" for="ch" forName="DropPinPlaceHolder" refType="h" fact="0.13"/>
-                        <dgm:constr type="h" for="ch" forName="DropPinPlaceHolder" refType="h" fact="0.13"/>
-                        <dgm:constr type="b" for="ch" forName="DropPinPlaceHolder" refType="h"/>
-                        <dgm:constr type="l" for="ch" forName="DropPinPlaceHolder" refType="w" fact="0"/>
-                        <dgm:constr type="w" for="ch" forName="L2TextContainer" refType="w" fact="0.83"/>
-                        <dgm:constr type="l" for="ch" forName="L2TextContainer" refType="r" refFor="ch" refForName="DropPinPlaceHolder"/>
-                        <dgm:constr type="b" for="ch" forName="L2TextContainer" refType="t" refFor="ch" refForName="DropPinPlaceHolder"/>
-                        <dgm:constr type="t" for="ch" forName="L2TextContainer" refType="h" fact="0.5"/>
-                        <dgm:constr type="w" for="ch" forName="L1TextContainer" refType="w" fact="0.83"/>
-                        <dgm:constr type="l" for="ch" forName="L1TextContainer" refType="r" refFor="ch" refForName="DropPinPlaceHolder"/>
-                        <dgm:constr type="b" for="ch" forName="L1TextContainer" refType="b" refFor="ch" refForName="DropPinPlaceHolder"/>
-                        <dgm:constr type="t" for="ch" forName="L1TextContainer" refType="t" refFor="ch" refForName="DropPinPlaceHolder"/>
-                        <dgm:constr type="w" for="ch" forName="ConnectLine"/>
-                        <dgm:constr type="ctrX" for="ch" forName="ConnectLine" refType="ctrX" refFor="ch" refForName="DropPinPlaceHolder"/>
-                        <dgm:constr type="t" for="ch" forName="ConnectLine" refType="h" fact="0.5"/>
-                        <dgm:constr type="b" for="ch" forName="ConnectLine" refType="t" refFor="ch" refForName="DropPinPlaceHolder"/>
-                        <dgm:constr type="w" for="ch" forName="EmptyPlaceHolder" refType="w"/>
-                        <dgm:constr type="h" for="ch" forName="EmptyPlaceHolder" refType="h" fact="0.5"/>
-                        <dgm:constr type="t" for="ch" forName="EmptyPlaceHolder" refType="h" fact="0"/>
-                      </dgm:constrLst>
-                    </dgm:else>
-                  </dgm:choose>
-                </dgm:else>
-              </dgm:choose>
-              <dgm:layoutNode name="ConnectorPoint" styleLbl="lnNode1" moveWith="ConnectLine">
-                <dgm:alg type="sp"/>
-                <dgm:shape xmlns:r="http://schemas.openxmlformats.org/officeDocument/2006/relationships" type="ellipse" r:blip="" zOrderOff="10">
-                  <dgm:adjLst/>
-                  <dgm:extLst>
-                    <a:ext uri="{B698B0E9-8C71-41B9-8309-B3DCBF30829C}">
-                      <dgm1612:spPr xmlns:dgm1612="http://schemas.microsoft.com/office/drawing/2016/12/diagram">
-                        <a:ln w="6350"/>
-                      </dgm1612:spPr>
-                    </a:ext>
-                  </dgm:extLst>
-                </dgm:shape>
-                <dgm:presOf/>
-                <dgm:constrLst>
-                  <dgm:constr type="w" refType="h" op="equ"/>
-                </dgm:constrLst>
-              </dgm:layoutNode>
-              <dgm:layoutNode name="DropPinPlaceHolder">
-                <dgm:alg type="composite"/>
-                <dgm:shape xmlns:r="http://schemas.openxmlformats.org/officeDocument/2006/relationships" r:blip="">
-                  <dgm:adjLst/>
-                </dgm:shape>
-                <dgm:constrLst>
-                  <dgm:constr type="w" for="ch" forName="DropPin" refType="w"/>
-                  <dgm:constr type="h" for="ch" forName="DropPin" refType="h"/>
-                  <dgm:constr type="ctrX" for="ch" forName="DropPin" refType="w" fact="0.5"/>
-                  <dgm:constr type="ctrY" for="ch" forName="DropPin" refType="h" fact="0.5"/>
-                  <dgm:constr type="w" for="ch" forName="Ellipse" refType="w" refFor="ch" refForName="DropPin" fact="0.55"/>
-                  <dgm:constr type="h" for="ch" forName="Ellipse" refType="w" refFor="ch" refForName="DropPin" fact="0.55"/>
-                  <dgm:constr type="ctrX" for="ch" forName="Ellipse" refType="ctrX" refFor="ch" refForName="DropPin"/>
-                  <dgm:constr type="ctrY" for="ch" forName="Ellipse" refType="ctrY" refFor="ch" refForName="DropPin"/>
-                </dgm:constrLst>
-                <dgm:layoutNode name="DropPin" styleLbl="alignNode1">
-                  <dgm:alg type="sp"/>
-                  <dgm:choose name="CaseForPlacingTearDropAboveAndBelowDivider">
-                    <dgm:if name="CaseForPlacingTearDropAboveDivider" axis="self" ptType="node" func="posOdd" op="equ" val="1">
-                      <dgm:shape xmlns:r="http://schemas.openxmlformats.org/officeDocument/2006/relationships" rot="135" type="teardrop" r:blip="">
-                        <dgm:adjLst>
-                          <dgm:adj idx="1" val="1.15"/>
-                        </dgm:adjLst>
-                      </dgm:shape>
-                    </dgm:if>
-                    <dgm:else name="CaseForPlacingTearDropBelowDivider">
-                      <dgm:shape xmlns:r="http://schemas.openxmlformats.org/officeDocument/2006/relationships" rot="-45" type="teardrop" r:blip="">
-                        <dgm:adjLst>
-                          <dgm:adj idx="1" val="1.15"/>
-                        </dgm:adjLst>
-                      </dgm:shape>
-                    </dgm:else>
-                  </dgm:choose>
-                  <dgm:presOf/>
-                  <dgm:constrLst/>
-                </dgm:layoutNode>
-                <dgm:layoutNode name="Ellipse" styleLbl="fgAcc1" moveWith="DropPin">
-                  <dgm:alg type="sp"/>
-                  <dgm:shape xmlns:r="http://schemas.openxmlformats.org/officeDocument/2006/relationships" type="ellipse" r:blip="">
-                    <dgm:adjLst/>
-                    <dgm:extLst>
-                      <a:ext uri="{B698B0E9-8C71-41B9-8309-B3DCBF30829C}">
-                        <dgm1612:spPr xmlns:dgm1612="http://schemas.microsoft.com/office/drawing/2016/12/diagram">
-                          <a:ln>
-                            <a:noFill/>
-                          </a:ln>
-                        </dgm1612:spPr>
-                      </a:ext>
-                    </dgm:extLst>
-                  </dgm:shape>
-                  <dgm:presOf/>
-                  <dgm:constrLst/>
-                </dgm:layoutNode>
-              </dgm:layoutNode>
-              <dgm:layoutNode name="L2TextContainer" styleLbl="revTx" moveWith="L1TextContainer">
-                <dgm:varLst>
-                  <dgm:bulletEnabled val="1"/>
-                </dgm:varLst>
-                <dgm:choose name="casesForTxtDirLogic">
-                  <dgm:if name="Name77" axis="self" ptType="node" func="posOdd" op="equ" val="1">
-                    <dgm:alg type="tx">
-                      <dgm:param type="txAnchorVert" val="t"/>
-                      <dgm:param type="parTxLTRAlign" val="l"/>
-                      <dgm:param type="parTxRTLAlign" val="l"/>
-                      <dgm:param type="txAnchorVertCh" val="t"/>
-                      <dgm:param type="shpTxRTLAlignCh" val="l"/>
-                      <dgm:param type="shpTxLTRAlignCh" val="l"/>
-                    </dgm:alg>
-                    <dgm:constrLst>
-                      <dgm:constr type="lMarg"/>
-                      <dgm:constr type="rMarg" refType="primFontSz" fact="0.5"/>
-                      <dgm:constr type="tMarg" refType="primFontSz" fact="0.5"/>
-                      <dgm:constr type="bMarg" refType="primFontSz" fact="0.75"/>
-                    </dgm:constrLst>
-                  </dgm:if>
-                  <dgm:else name="Name88">
-                    <dgm:alg type="tx">
-                      <dgm:param type="txAnchorVert" val="b"/>
-                      <dgm:param type="parTxLTRAlign" val="l"/>
-                      <dgm:param type="parTxRTLAlign" val="l"/>
-                      <dgm:param type="txAnchorVertCh" val="b"/>
-                      <dgm:param type="shpTxRTLAlignCh" val="l"/>
-                      <dgm:param type="shpTxLTRAlignCh" val="l"/>
-                    </dgm:alg>
-                    <dgm:constrLst>
-                      <dgm:constr type="lMarg"/>
-                      <dgm:constr type="rMarg"/>
-                      <dgm:constr type="tMarg" refType="primFontSz" fact="0.75"/>
-                      <dgm:constr type="bMarg" refType="primFontSz" fact="0.5"/>
-                    </dgm:constrLst>
-                  </dgm:else>
-                </dgm:choose>
-                <dgm:shape xmlns:r="http://schemas.openxmlformats.org/officeDocument/2006/relationships" type="rect" r:blip="">
-                  <dgm:adjLst/>
-                </dgm:shape>
-                <dgm:presOf axis="des" ptType="node"/>
-                <dgm:ruleLst>
-                  <dgm:rule type="primFontSz" val="11" fact="NaN" max="NaN"/>
-                </dgm:ruleLst>
-              </dgm:layoutNode>
-              <dgm:layoutNode name="L1TextContainer" styleLbl="revTx">
-                <dgm:varLst>
-                  <dgm:chMax val="1"/>
-                  <dgm:chPref val="1"/>
-                  <dgm:bulletEnabled val="1"/>
-                </dgm:varLst>
-                <dgm:alg type="tx">
-                  <dgm:param type="txAnchorVert" val="mid"/>
-                  <dgm:param type="parTxLTRAlign" val="l"/>
-                  <dgm:param type="parTxRTLAlign" val="l"/>
-                </dgm:alg>
-                <dgm:shape xmlns:r="http://schemas.openxmlformats.org/officeDocument/2006/relationships" type="rect" r:blip="">
-                  <dgm:adjLst/>
-                </dgm:shape>
-                <dgm:presOf axis="self"/>
-                <dgm:constrLst>
-                  <dgm:constr type="lMarg"/>
-                  <dgm:constr type="rMarg" refType="primFontSz" fact="0.5"/>
-                  <dgm:constr type="tMarg"/>
-                  <dgm:constr type="bMarg"/>
-                </dgm:constrLst>
-                <dgm:ruleLst>
-                  <dgm:rule type="primFontSz" val="13" fact="NaN" max="NaN"/>
-                </dgm:ruleLst>
-              </dgm:layoutNode>
-              <dgm:layoutNode name="ConnectLine" styleLbl="sibTrans1D1">
-                <dgm:alg type="sp"/>
-                <dgm:shape xmlns:r="http://schemas.openxmlformats.org/officeDocument/2006/relationships" type="line" r:blip="">
-                  <dgm:adjLst/>
-                  <dgm:extLst>
-                    <a:ext uri="{B698B0E9-8C71-41B9-8309-B3DCBF30829C}">
-                      <dgm1612:spPr xmlns:dgm1612="http://schemas.microsoft.com/office/drawing/2016/12/diagram">
-                        <a:ln w="12700">
-                          <a:prstDash val="dash"/>
-                        </a:ln>
-                      </dgm1612:spPr>
-                    </a:ext>
-                  </dgm:extLst>
-                </dgm:shape>
-                <dgm:presOf/>
-                <dgm:constrLst/>
-              </dgm:layoutNode>
-              <dgm:layoutNode name="EmptyPlaceHolder">
-                <dgm:alg type="sp"/>
-                <dgm:shape xmlns:r="http://schemas.openxmlformats.org/officeDocument/2006/relationships" r:blip="">
-                  <dgm:adjLst/>
-                </dgm:shape>
-                <dgm:presOf/>
-                <dgm:constrLst/>
-              </dgm:layoutNode>
-            </dgm:layoutNode>
-            <dgm:forEach name="Name28" axis="followSib" ptType="sibTrans" cnt="1">
-              <dgm:layoutNode name="spaceBetweenRectangles">
-                <dgm:alg type="sp"/>
-                <dgm:shape xmlns:r="http://schemas.openxmlformats.org/officeDocument/2006/relationships" r:blip="">
-                  <dgm:adjLst/>
-                </dgm:shape>
-                <dgm:presOf/>
-                <dgm:constrLst/>
-                <dgm:ruleLst/>
-              </dgm:layoutNode>
-            </dgm:forEach>
-          </dgm:forEach>
-        </dgm:else>
-      </dgm:choose>
-    </dgm:layoutNode>
-  </dgm:layoutNode>
-  <dgm:extLst>
-    <a:ext uri="{68A01E43-0DF5-4B5B-8FA6-DAF915123BFB}">
-      <dgm1612:lstStyle xmlns:dgm1612="http://schemas.microsoft.com/office/drawing/2016/12/diagram">
-        <a:lvl1pPr>
-          <a:defRPr b="1"/>
-        </a:lvl1pPr>
-      </dgm1612:lstStyle>
-    </a:ext>
-  </dgm:extLst>
 </dgm:layoutDef>
 </file>
 
@@ -15792,6 +16806,813 @@
 </file>
 
 <file path=ppt/diagrams/layout5.xml><?xml version="1.0" encoding="utf-8"?>
+<dgm:layoutDef xmlns:dgm="http://schemas.openxmlformats.org/drawingml/2006/diagram" xmlns:a="http://schemas.openxmlformats.org/drawingml/2006/main" uniqueId="urn:microsoft.com/office/officeart/2017/3/layout/DropPinTimeline">
+  <dgm:title val="Drop Pin Timeline"/>
+  <dgm:desc val="Use to show a list of events in chronological order. An invisible box next to the pin contains the date and the description is immediately below. It can display a medium amount of text and medium length date format."/>
+  <dgm:catLst>
+    <dgm:cat type="timeline" pri="500"/>
+    <dgm:cat type="process" pri="600"/>
+  </dgm:catLst>
+  <dgm:sampData>
+    <dgm:dataModel>
+      <dgm:ptLst>
+        <dgm:pt modelId="0" type="doc"/>
+        <dgm:pt modelId="10">
+          <dgm:prSet phldr="1"/>
+        </dgm:pt>
+        <dgm:pt modelId="11">
+          <dgm:prSet phldr="1"/>
+        </dgm:pt>
+        <dgm:pt modelId="20">
+          <dgm:prSet phldr="1"/>
+        </dgm:pt>
+        <dgm:pt modelId="21">
+          <dgm:prSet phldr="1"/>
+        </dgm:pt>
+        <dgm:pt modelId="30">
+          <dgm:prSet phldr="1"/>
+        </dgm:pt>
+        <dgm:pt modelId="31">
+          <dgm:prSet phldr="1"/>
+        </dgm:pt>
+      </dgm:ptLst>
+      <dgm:cxnLst>
+        <dgm:cxn modelId="40" srcId="0" destId="10" srcOrd="0" destOrd="0"/>
+        <dgm:cxn modelId="12" srcId="10" destId="11" srcOrd="0" destOrd="0"/>
+        <dgm:cxn modelId="50" srcId="0" destId="20" srcOrd="1" destOrd="0"/>
+        <dgm:cxn modelId="22" srcId="20" destId="21" srcOrd="0" destOrd="0"/>
+        <dgm:cxn modelId="60" srcId="0" destId="30" srcOrd="1" destOrd="0"/>
+        <dgm:cxn modelId="32" srcId="30" destId="31" srcOrd="0" destOrd="0"/>
+      </dgm:cxnLst>
+      <dgm:bg/>
+      <dgm:whole/>
+    </dgm:dataModel>
+  </dgm:sampData>
+  <dgm:styleData>
+    <dgm:dataModel>
+      <dgm:ptLst>
+        <dgm:pt modelId="0" type="doc"/>
+        <dgm:pt modelId="10">
+          <dgm:prSet phldr="1"/>
+        </dgm:pt>
+        <dgm:pt modelId="20">
+          <dgm:prSet phldr="1"/>
+        </dgm:pt>
+      </dgm:ptLst>
+      <dgm:cxnLst>
+        <dgm:cxn modelId="60" srcId="0" destId="10" srcOrd="0" destOrd="0"/>
+        <dgm:cxn modelId="70" srcId="0" destId="20" srcOrd="1" destOrd="0"/>
+      </dgm:cxnLst>
+      <dgm:bg/>
+      <dgm:whole/>
+    </dgm:dataModel>
+  </dgm:styleData>
+  <dgm:clrData>
+    <dgm:dataModel>
+      <dgm:ptLst>
+        <dgm:pt modelId="0" type="doc"/>
+        <dgm:pt modelId="10">
+          <dgm:prSet phldr="1"/>
+        </dgm:pt>
+        <dgm:pt modelId="20">
+          <dgm:prSet phldr="1"/>
+        </dgm:pt>
+        <dgm:pt modelId="30">
+          <dgm:prSet phldr="1"/>
+        </dgm:pt>
+        <dgm:pt modelId="40">
+          <dgm:prSet phldr="1"/>
+        </dgm:pt>
+      </dgm:ptLst>
+      <dgm:cxnLst>
+        <dgm:cxn modelId="60" srcId="0" destId="10" srcOrd="0" destOrd="0"/>
+        <dgm:cxn modelId="70" srcId="0" destId="20" srcOrd="1" destOrd="0"/>
+        <dgm:cxn modelId="80" srcId="0" destId="30" srcOrd="2" destOrd="0"/>
+        <dgm:cxn modelId="90" srcId="0" destId="40" srcOrd="3" destOrd="0"/>
+      </dgm:cxnLst>
+      <dgm:bg/>
+      <dgm:whole/>
+    </dgm:dataModel>
+  </dgm:clrData>
+  <dgm:layoutNode name="root">
+    <dgm:varLst>
+      <dgm:chMax/>
+      <dgm:chPref/>
+      <dgm:animLvl val="lvl"/>
+    </dgm:varLst>
+    <dgm:alg type="composite"/>
+    <dgm:shape xmlns:r="http://schemas.openxmlformats.org/officeDocument/2006/relationships" r:blip="">
+      <dgm:adjLst/>
+    </dgm:shape>
+    <dgm:constrLst>
+      <dgm:constr type="w" for="ch" forName="divider" refType="w"/>
+      <dgm:constr type="h" for="ch" forName="divider"/>
+      <dgm:constr type="ctrY" for="ch" forName="divider" refType="h" fact="0.5"/>
+      <dgm:constr type="l" for="ch" forName="divider"/>
+      <dgm:constr type="w" for="ch" forName="nodes" refType="w"/>
+      <dgm:constr type="h" for="ch" forName="nodes" refType="h" fact="0.8"/>
+      <dgm:constr type="ctrY" for="ch" forName="nodes" refType="h" fact="0.5"/>
+    </dgm:constrLst>
+    <dgm:layoutNode name="divider" styleLbl="fgAcc1">
+      <dgm:alg type="sp"/>
+      <dgm:choose name="ArrowShape">
+        <dgm:if name="ArrowShapeLTR" func="var" arg="dir" op="equ" val="norm">
+          <dgm:shape xmlns:r="http://schemas.openxmlformats.org/officeDocument/2006/relationships" type="line" r:blip="" zOrderOff="-1">
+            <dgm:adjLst/>
+            <dgm:extLst>
+              <a:ext uri="{B698B0E9-8C71-41B9-8309-B3DCBF30829C}">
+                <dgm1612:spPr xmlns:dgm1612="http://schemas.microsoft.com/office/drawing/2016/12/diagram">
+                  <a:ln w="19050">
+                    <a:solidFill>
+                      <a:srgbClr val="000000"/>
+                    </a:solidFill>
+                    <a:tailEnd type="triangle" w="lg" len="lg"/>
+                  </a:ln>
+                </dgm1612:spPr>
+              </a:ext>
+            </dgm:extLst>
+          </dgm:shape>
+        </dgm:if>
+        <dgm:else name="ArrowShapeRTL">
+          <dgm:shape xmlns:r="http://schemas.openxmlformats.org/officeDocument/2006/relationships" type="line" r:blip="" zOrderOff="-1">
+            <dgm:adjLst/>
+            <dgm:extLst>
+              <a:ext uri="{B698B0E9-8C71-41B9-8309-B3DCBF30829C}">
+                <dgm1612:spPr xmlns:dgm1612="http://schemas.microsoft.com/office/drawing/2016/12/diagram">
+                  <a:ln>
+                    <a:solidFill>
+                      <a:srgbClr val="000000"/>
+                    </a:solidFill>
+                    <a:headEnd type="triangle" w="lg" len="lg"/>
+                  </a:ln>
+                </dgm1612:spPr>
+              </a:ext>
+            </dgm:extLst>
+          </dgm:shape>
+        </dgm:else>
+      </dgm:choose>
+      <dgm:presOf/>
+      <dgm:constrLst/>
+      <dgm:ruleLst/>
+    </dgm:layoutNode>
+    <dgm:layoutNode name="nodes">
+      <dgm:varLst>
+        <dgm:chMax/>
+        <dgm:chPref/>
+        <dgm:animLvl val="lvl"/>
+      </dgm:varLst>
+      <dgm:choose name="Name1">
+        <dgm:if name="Name2" func="var" arg="dir" op="equ" val="norm">
+          <dgm:alg type="lin"/>
+        </dgm:if>
+        <dgm:else name="Name3">
+          <dgm:alg type="lin">
+            <dgm:param type="linDir" val="fromR"/>
+          </dgm:alg>
+        </dgm:else>
+      </dgm:choose>
+      <dgm:shape xmlns:r="http://schemas.openxmlformats.org/officeDocument/2006/relationships" r:blip="">
+        <dgm:adjLst/>
+      </dgm:shape>
+      <dgm:constrLst>
+        <dgm:constr type="primFontSz" for="des" forName="L1TextContainer" val="20"/>
+        <dgm:constr type="primFontSz" for="des" forName="L2TextContainer" refType="primFontSz" refFor="des" refForName="L1TextContainer" op="equ" fact="0.75"/>
+        <dgm:constr type="w" for="ch" forName="composite" refType="w"/>
+        <dgm:constr type="h" for="ch" forName="composite" refType="h"/>
+        <dgm:constr type="w" for="ch" forName="spaceBetweenRectangles" refType="w" refFor="ch" refForName="composite" fact="-0.5"/>
+        <dgm:constr type="w" for="ch" ptType="sibTrans" op="equ"/>
+        <dgm:constr type="primFontSz" for="des" forName="L1TextContainer" op="equ"/>
+        <dgm:constr type="primFontSz" for="des" forName="L2TextContainer" op="equ"/>
+        <dgm:constr type="primFontSz" for="des" forName="L1TextContainer1" val="20"/>
+        <dgm:constr type="primFontSz" for="des" forName="L2TextContainer1" refType="primFontSz" refFor="des" refForName="L1TextContainer1" op="equ" fact="0.75"/>
+        <dgm:constr type="w" for="ch" forName="composite1" refType="w"/>
+        <dgm:constr type="h" for="ch" forName="composite1" refType="h"/>
+        <dgm:constr type="w" for="ch" forName="spaceBetweenRectangles1" refType="w" refFor="ch" refForName="composite1" fact="0.28"/>
+        <dgm:constr type="primFontSz" for="des" forName="L1TextContainer1" op="equ"/>
+        <dgm:constr type="primFontSz" for="des" forName="L2TextContainer1" op="equ"/>
+      </dgm:constrLst>
+      <dgm:choose name="LayoutBasedOnCountOfNodes">
+        <dgm:if name="LessThanOrEqualToTwoNodes" axis="ch" ptType="node" func="cnt" op="lte" val="2">
+          <dgm:forEach name="nodesForEach1" axis="ch" ptType="node">
+            <dgm:layoutNode name="composite1">
+              <dgm:alg type="composite"/>
+              <dgm:shape xmlns:r="http://schemas.openxmlformats.org/officeDocument/2006/relationships" r:blip="">
+                <dgm:adjLst/>
+              </dgm:shape>
+              <dgm:choose name="CaseForLayoutDirection1">
+                <dgm:if name="CaseForLayoutDirectionLTR1" func="var" arg="dir" op="equ" val="norm">
+                  <dgm:choose name="CaseForPlacingNodesAboveAndBelowDividerLTR1">
+                    <dgm:if name="CaseForPlacingNodeAboveDividerLTR1" axis="self" ptType="node" func="posOdd" op="equ" val="1">
+                      <dgm:constrLst>
+                        <dgm:constr type="w" for="ch" forName="ConnectorPoint1" refType="h" refFor="ch" refForName="DropPinPlaceHolder1" fact="0.18"/>
+                        <dgm:constr type="h" for="ch" forName="ConnectorPoint1" refType="h" refFor="ch" refForName="DropPinPlaceHolder1" fact="0.18"/>
+                        <dgm:constr type="ctrX" for="ch" forName="ConnectorPoint1" refType="ctrX" refFor="ch" refForName="ConnectLine1"/>
+                        <dgm:constr type="ctrY" for="ch" forName="ConnectorPoint1" refType="h" fact="0.5"/>
+                        <dgm:constr type="w" for="ch" forName="DropPinPlaceHolder1" refType="h" fact="0.13"/>
+                        <dgm:constr type="h" for="ch" forName="DropPinPlaceHolder1" refType="h" fact="0.13"/>
+                        <dgm:constr type="t" for="ch" forName="DropPinPlaceHolder1" refType="h" fact="0"/>
+                        <dgm:constr type="l" for="ch" forName="DropPinPlaceHolder1" refType="w" fact="0"/>
+                        <dgm:constr type="w" for="ch" forName="L2TextContainer1" refType="w" fact="0.83"/>
+                        <dgm:constr type="l" for="ch" forName="L2TextContainer1" refType="r" refFor="ch" refForName="DropPinPlaceHolder1"/>
+                        <dgm:constr type="t" for="ch" forName="L2TextContainer1" refType="b" refFor="ch" refForName="DropPinPlaceHolder1"/>
+                        <dgm:constr type="b" for="ch" forName="L2TextContainer1" refType="h" fact="0.5"/>
+                        <dgm:constr type="w" for="ch" forName="L1TextContainer1" refType="w" fact="0.83"/>
+                        <dgm:constr type="l" for="ch" forName="L1TextContainer1" refType="r" refFor="ch" refForName="DropPinPlaceHolder1"/>
+                        <dgm:constr type="b" for="ch" forName="L1TextContainer1" refType="b" refFor="ch" refForName="DropPinPlaceHolder1"/>
+                        <dgm:constr type="t" for="ch" forName="L1TextContainer1" refType="t" refFor="ch" refForName="DropPinPlaceHolder1"/>
+                        <dgm:constr type="w" for="ch" forName="ConnectLine1"/>
+                        <dgm:constr type="ctrX" for="ch" forName="ConnectLine1" refType="ctrX" refFor="ch" refForName="DropPinPlaceHolder1"/>
+                        <dgm:constr type="b" for="ch" forName="ConnectLine1" refType="h" fact="0.5"/>
+                        <dgm:constr type="t" for="ch" forName="ConnectLine1" refType="b" refFor="ch" refForName="DropPinPlaceHolder1"/>
+                        <dgm:constr type="w" for="ch" forName="EmptyPlaceHolder1" refType="w"/>
+                        <dgm:constr type="h" for="ch" forName="EmptyPlaceHolder1" refType="h" fact="0.5"/>
+                        <dgm:constr type="t" for="ch" forName="EmptyPlaceHolder1" refType="h" fact="0.5"/>
+                      </dgm:constrLst>
+                    </dgm:if>
+                    <dgm:else name="CaseForPlacingNodeBelowDividerLTR1">
+                      <dgm:constrLst>
+                        <dgm:constr type="w" for="ch" forName="ConnectorPoint1" refType="h" refFor="ch" refForName="DropPinPlaceHolder1" fact="0.18"/>
+                        <dgm:constr type="h" for="ch" forName="ConnectorPoint1" refType="h" refFor="ch" refForName="DropPinPlaceHolder1" fact="0.18"/>
+                        <dgm:constr type="ctrX" for="ch" forName="ConnectorPoint1" refType="ctrX" refFor="ch" refForName="ConnectLine1"/>
+                        <dgm:constr type="ctrY" for="ch" forName="ConnectorPoint1" refType="h" fact="0.5"/>
+                        <dgm:constr type="w" for="ch" forName="DropPinPlaceHolder1" refType="h" fact="0.13"/>
+                        <dgm:constr type="h" for="ch" forName="DropPinPlaceHolder1" refType="h" fact="0.13"/>
+                        <dgm:constr type="b" for="ch" forName="DropPinPlaceHolder1" refType="h"/>
+                        <dgm:constr type="l" for="ch" forName="DropPinPlaceHolder1" refType="w" fact="0"/>
+                        <dgm:constr type="w" for="ch" forName="L2TextContainer1" refType="w" fact="0.83"/>
+                        <dgm:constr type="l" for="ch" forName="L2TextContainer1" refType="r" refFor="ch" refForName="DropPinPlaceHolder1"/>
+                        <dgm:constr type="b" for="ch" forName="L2TextContainer1" refType="t" refFor="ch" refForName="DropPinPlaceHolder1"/>
+                        <dgm:constr type="t" for="ch" forName="L2TextContainer1" refType="h" fact="0.5"/>
+                        <dgm:constr type="w" for="ch" forName="L1TextContainer1" refType="w" fact="0.83"/>
+                        <dgm:constr type="l" for="ch" forName="L1TextContainer1" refType="r" refFor="ch" refForName="DropPinPlaceHolder1"/>
+                        <dgm:constr type="b" for="ch" forName="L1TextContainer1" refType="b" refFor="ch" refForName="DropPinPlaceHolder1"/>
+                        <dgm:constr type="t" for="ch" forName="L1TextContainer1" refType="t" refFor="ch" refForName="DropPinPlaceHolder1"/>
+                        <dgm:constr type="w" for="ch" forName="ConnectLine1"/>
+                        <dgm:constr type="ctrX" for="ch" forName="ConnectLine1" refType="ctrX" refFor="ch" refForName="DropPinPlaceHolder1"/>
+                        <dgm:constr type="t" for="ch" forName="ConnectLine1" refType="h" fact="0.5"/>
+                        <dgm:constr type="b" for="ch" forName="ConnectLine1" refType="t" refFor="ch" refForName="DropPinPlaceHolder1"/>
+                        <dgm:constr type="w" for="ch" forName="EmptyPlaceHolder1" refType="w"/>
+                        <dgm:constr type="h" for="ch" forName="EmptyPlaceHolder1" refType="h" fact="0.5"/>
+                        <dgm:constr type="t" for="ch" forName="EmptyPlaceHolder1" refType="h" fact="0"/>
+                      </dgm:constrLst>
+                    </dgm:else>
+                  </dgm:choose>
+                </dgm:if>
+                <dgm:else name="CaseForLayoutDirectionRTL1">
+                  <dgm:choose name="CaseForPlacingNodesAboveAndBelowDividerRTL1">
+                    <dgm:if name="CaseForPlacingNodeAboveDividerRTL1" axis="self" ptType="node" func="posOdd" op="equ" val="1">
+                      <dgm:constrLst>
+                        <dgm:constr type="w" for="ch" forName="ConnectorPoint1" refType="h" refFor="ch" refForName="DropPinPlaceHolder1" fact="0.18"/>
+                        <dgm:constr type="h" for="ch" forName="ConnectorPoint1" refType="h" refFor="ch" refForName="DropPinPlaceHolder1" fact="0.18"/>
+                        <dgm:constr type="ctrX" for="ch" forName="ConnectorPoint1" refType="ctrX" refFor="ch" refForName="ConnectLine1"/>
+                        <dgm:constr type="ctrY" for="ch" forName="ConnectorPoint1" refType="h" fact="0.5"/>
+                        <dgm:constr type="w" for="ch" forName="DropPinPlaceHolder1" refType="h" fact="0.13"/>
+                        <dgm:constr type="h" for="ch" forName="DropPinPlaceHolder1" refType="h" fact="0.13"/>
+                        <dgm:constr type="t" for="ch" forName="DropPinPlaceHolder1" refType="h" fact="0"/>
+                        <dgm:constr type="l" for="ch" forName="DropPinPlaceHolder1" refType="w" fact="0"/>
+                        <dgm:constr type="w" for="ch" forName="L2TextContainer1" refType="w" fact="0.83"/>
+                        <dgm:constr type="l" for="ch" forName="L2TextContainer1" refType="r" refFor="ch" refForName="DropPinPlaceHolder1"/>
+                        <dgm:constr type="t" for="ch" forName="L2TextContainer1" refType="b" refFor="ch" refForName="DropPinPlaceHolder1"/>
+                        <dgm:constr type="b" for="ch" forName="L2TextContainer1" refType="h" fact="0.5"/>
+                        <dgm:constr type="w" for="ch" forName="L1TextContainer1" refType="w" fact="0.83"/>
+                        <dgm:constr type="l" for="ch" forName="L1TextContainer1" refType="r" refFor="ch" refForName="DropPinPlaceHolder1"/>
+                        <dgm:constr type="b" for="ch" forName="L1TextContainer1" refType="b" refFor="ch" refForName="DropPinPlaceHolder1"/>
+                        <dgm:constr type="t" for="ch" forName="L1TextContainer1" refType="t" refFor="ch" refForName="DropPinPlaceHolder1"/>
+                        <dgm:constr type="w" for="ch" forName="ConnectLine1"/>
+                        <dgm:constr type="ctrX" for="ch" forName="ConnectLine1" refType="ctrX" refFor="ch" refForName="DropPinPlaceHolder1"/>
+                        <dgm:constr type="b" for="ch" forName="ConnectLine1" refType="h" fact="0.5"/>
+                        <dgm:constr type="t" for="ch" forName="ConnectLine1" refType="b" refFor="ch" refForName="DropPinPlaceHolder1"/>
+                        <dgm:constr type="w" for="ch" forName="EmptyPlaceHolder1" refType="w"/>
+                        <dgm:constr type="h" for="ch" forName="EmptyPlaceHolder1" refType="h" fact="0.5"/>
+                        <dgm:constr type="t" for="ch" forName="EmptyPlaceHolder1" refType="h" fact="0.5"/>
+                      </dgm:constrLst>
+                    </dgm:if>
+                    <dgm:else name="CaseForPlacingNodeBelowDividerRTL1">
+                      <dgm:constrLst>
+                        <dgm:constr type="w" for="ch" forName="ConnectorPoint1" refType="h" refFor="ch" refForName="DropPinPlaceHolder1" fact="0.18"/>
+                        <dgm:constr type="h" for="ch" forName="ConnectorPoint1" refType="h" refFor="ch" refForName="DropPinPlaceHolder1" fact="0.18"/>
+                        <dgm:constr type="ctrX" for="ch" forName="ConnectorPoint1" refType="ctrX" refFor="ch" refForName="ConnectLine1"/>
+                        <dgm:constr type="ctrY" for="ch" forName="ConnectorPoint1" refType="h" fact="0.5"/>
+                        <dgm:constr type="w" for="ch" forName="DropPinPlaceHolder1" refType="h" fact="0.13"/>
+                        <dgm:constr type="h" for="ch" forName="DropPinPlaceHolder1" refType="h" fact="0.13"/>
+                        <dgm:constr type="b" for="ch" forName="DropPinPlaceHolder1" refType="h"/>
+                        <dgm:constr type="l" for="ch" forName="DropPinPlaceHolder1" refType="w" fact="0"/>
+                        <dgm:constr type="w" for="ch" forName="L2TextContainer1" refType="w" fact="0.83"/>
+                        <dgm:constr type="l" for="ch" forName="L2TextContainer1" refType="r" refFor="ch" refForName="DropPinPlaceHolder1"/>
+                        <dgm:constr type="b" for="ch" forName="L2TextContainer1" refType="t" refFor="ch" refForName="DropPinPlaceHolder1"/>
+                        <dgm:constr type="t" for="ch" forName="L2TextContainer1" refType="h" fact="0.5"/>
+                        <dgm:constr type="w" for="ch" forName="L1TextContainer1" refType="w" fact="0.83"/>
+                        <dgm:constr type="l" for="ch" forName="L1TextContainer1" refType="r" refFor="ch" refForName="DropPinPlaceHolder1"/>
+                        <dgm:constr type="b" for="ch" forName="L1TextContainer1" refType="b" refFor="ch" refForName="DropPinPlaceHolder1"/>
+                        <dgm:constr type="t" for="ch" forName="L1TextContainer1" refType="t" refFor="ch" refForName="DropPinPlaceHolder1"/>
+                        <dgm:constr type="w" for="ch" forName="ConnectLine1"/>
+                        <dgm:constr type="ctrX" for="ch" forName="ConnectLine1" refType="ctrX" refFor="ch" refForName="DropPinPlaceHolder1"/>
+                        <dgm:constr type="t" for="ch" forName="ConnectLine1" refType="h" fact="0.5"/>
+                        <dgm:constr type="b" for="ch" forName="ConnectLine1" refType="t" refFor="ch" refForName="DropPinPlaceHolder1"/>
+                        <dgm:constr type="w" for="ch" forName="EmptyPlaceHolder1" refType="w"/>
+                        <dgm:constr type="h" for="ch" forName="EmptyPlaceHolder1" refType="h" fact="0.5"/>
+                        <dgm:constr type="t" for="ch" forName="EmptyPlaceHolder1" refType="h" fact="0"/>
+                      </dgm:constrLst>
+                    </dgm:else>
+                  </dgm:choose>
+                </dgm:else>
+              </dgm:choose>
+              <dgm:layoutNode name="ConnectorPoint1" styleLbl="lnNode1" moveWith="ConnectLine1">
+                <dgm:alg type="sp"/>
+                <dgm:shape xmlns:r="http://schemas.openxmlformats.org/officeDocument/2006/relationships" type="ellipse" r:blip="" zOrderOff="10">
+                  <dgm:adjLst/>
+                </dgm:shape>
+                <dgm:presOf/>
+                <dgm:constrLst>
+                  <dgm:constr type="w" refType="h" op="equ"/>
+                </dgm:constrLst>
+              </dgm:layoutNode>
+              <dgm:layoutNode name="DropPinPlaceHolder1">
+                <dgm:alg type="composite"/>
+                <dgm:shape xmlns:r="http://schemas.openxmlformats.org/officeDocument/2006/relationships" r:blip="">
+                  <dgm:adjLst/>
+                </dgm:shape>
+                <dgm:constrLst>
+                  <dgm:constr type="w" for="ch" forName="DropPin1" refType="w"/>
+                  <dgm:constr type="h" for="ch" forName="DropPin1" refType="h"/>
+                  <dgm:constr type="ctrX" for="ch" forName="DropPin1" refType="w" fact="0.5"/>
+                  <dgm:constr type="ctrY" for="ch" forName="DropPin1" refType="h" fact="0.5"/>
+                  <dgm:constr type="w" for="ch" forName="Ellipse1" refType="w" refFor="ch" refForName="DropPin1" fact="0.55"/>
+                  <dgm:constr type="h" for="ch" forName="Ellipse1" refType="w" refFor="ch" refForName="DropPin1" fact="0.55"/>
+                  <dgm:constr type="ctrX" for="ch" forName="Ellipse1" refType="ctrX" refFor="ch" refForName="DropPin1"/>
+                  <dgm:constr type="ctrY" for="ch" forName="Ellipse1" refType="ctrY" refFor="ch" refForName="DropPin1"/>
+                </dgm:constrLst>
+                <dgm:layoutNode name="DropPin1" styleLbl="alignNode1">
+                  <dgm:alg type="sp"/>
+                  <dgm:choose name="CaseForPlacingTearDropAboveAndBelowDivider1">
+                    <dgm:if name="CaseForPlacingTearDropAboveDivider1" axis="self" ptType="node" func="posOdd" op="equ" val="1">
+                      <dgm:shape xmlns:r="http://schemas.openxmlformats.org/officeDocument/2006/relationships" rot="135" type="teardrop" r:blip="">
+                        <dgm:adjLst>
+                          <dgm:adj idx="1" val="1.15"/>
+                        </dgm:adjLst>
+                      </dgm:shape>
+                    </dgm:if>
+                    <dgm:else name="CaseForPlacingTearDropBelowDivider1">
+                      <dgm:shape xmlns:r="http://schemas.openxmlformats.org/officeDocument/2006/relationships" rot="-45" type="teardrop" r:blip="">
+                        <dgm:adjLst>
+                          <dgm:adj idx="1" val="1.15"/>
+                        </dgm:adjLst>
+                      </dgm:shape>
+                    </dgm:else>
+                  </dgm:choose>
+                  <dgm:presOf/>
+                  <dgm:constrLst/>
+                </dgm:layoutNode>
+                <dgm:layoutNode name="Ellipse1" styleLbl="fgAcc1" moveWith="DropPin1">
+                  <dgm:alg type="sp"/>
+                  <dgm:shape xmlns:r="http://schemas.openxmlformats.org/officeDocument/2006/relationships" type="ellipse" r:blip="">
+                    <dgm:adjLst/>
+                    <dgm:extLst>
+                      <a:ext uri="{B698B0E9-8C71-41B9-8309-B3DCBF30829C}">
+                        <dgm1612:spPr xmlns:dgm1612="http://schemas.microsoft.com/office/drawing/2016/12/diagram">
+                          <a:ln>
+                            <a:noFill/>
+                          </a:ln>
+                        </dgm1612:spPr>
+                      </a:ext>
+                    </dgm:extLst>
+                  </dgm:shape>
+                  <dgm:presOf/>
+                  <dgm:constrLst/>
+                </dgm:layoutNode>
+              </dgm:layoutNode>
+              <dgm:layoutNode name="L2TextContainer1" styleLbl="revTx" moveWith="L1TextContainer">
+                <dgm:varLst>
+                  <dgm:bulletEnabled val="1"/>
+                </dgm:varLst>
+                <dgm:choose name="casesForTxtDirLogic1">
+                  <dgm:if name="Name771" axis="self" ptType="node" func="posOdd" op="equ" val="1">
+                    <dgm:alg type="tx">
+                      <dgm:param type="txAnchorVert" val="t"/>
+                      <dgm:param type="parTxLTRAlign" val="l"/>
+                      <dgm:param type="parTxRTLAlign" val="l"/>
+                      <dgm:param type="txAnchorVertCh" val="t"/>
+                      <dgm:param type="shpTxRTLAlignCh" val="l"/>
+                      <dgm:param type="shpTxLTRAlignCh" val="l"/>
+                    </dgm:alg>
+                    <dgm:constrLst>
+                      <dgm:constr type="lMarg"/>
+                      <dgm:constr type="rMarg"/>
+                      <dgm:constr type="tMarg" refType="primFontSz" fact="0.5"/>
+                      <dgm:constr type="bMarg" refType="primFontSz" fact="0.75"/>
+                    </dgm:constrLst>
+                  </dgm:if>
+                  <dgm:else name="Name881">
+                    <dgm:alg type="tx">
+                      <dgm:param type="txAnchorVert" val="b"/>
+                      <dgm:param type="parTxLTRAlign" val="l"/>
+                      <dgm:param type="parTxRTLAlign" val="l"/>
+                      <dgm:param type="txAnchorVertCh" val="b"/>
+                      <dgm:param type="shpTxRTLAlignCh" val="l"/>
+                      <dgm:param type="shpTxLTRAlignCh" val="l"/>
+                    </dgm:alg>
+                    <dgm:constrLst>
+                      <dgm:constr type="lMarg"/>
+                      <dgm:constr type="rMarg" refType="primFontSz" fact="0.5"/>
+                      <dgm:constr type="tMarg" refType="primFontSz" fact="0.75"/>
+                      <dgm:constr type="bMarg" refType="primFontSz" fact="0.5"/>
+                    </dgm:constrLst>
+                  </dgm:else>
+                </dgm:choose>
+                <dgm:shape xmlns:r="http://schemas.openxmlformats.org/officeDocument/2006/relationships" type="rect" r:blip="">
+                  <dgm:adjLst/>
+                </dgm:shape>
+                <dgm:presOf axis="des" ptType="node"/>
+                <dgm:ruleLst>
+                  <dgm:rule type="primFontSz" val="11" fact="NaN" max="NaN"/>
+                </dgm:ruleLst>
+              </dgm:layoutNode>
+              <dgm:layoutNode name="L1TextContainer1" styleLbl="revTx">
+                <dgm:varLst>
+                  <dgm:chMax val="1"/>
+                  <dgm:chPref val="1"/>
+                  <dgm:bulletEnabled val="1"/>
+                </dgm:varLst>
+                <dgm:alg type="tx">
+                  <dgm:param type="txAnchorVert" val="mid"/>
+                  <dgm:param type="parTxLTRAlign" val="l"/>
+                  <dgm:param type="parTxRTLAlign" val="l"/>
+                </dgm:alg>
+                <dgm:shape xmlns:r="http://schemas.openxmlformats.org/officeDocument/2006/relationships" type="rect" r:blip="">
+                  <dgm:adjLst/>
+                </dgm:shape>
+                <dgm:presOf axis="self"/>
+                <dgm:constrLst>
+                  <dgm:constr type="lMarg"/>
+                  <dgm:constr type="rMarg" refType="primFontSz" fact="0.5"/>
+                  <dgm:constr type="tMarg"/>
+                  <dgm:constr type="bMarg"/>
+                </dgm:constrLst>
+                <dgm:ruleLst>
+                  <dgm:rule type="primFontSz" val="13" fact="NaN" max="NaN"/>
+                </dgm:ruleLst>
+              </dgm:layoutNode>
+              <dgm:layoutNode name="ConnectLine1" styleLbl="sibTrans1D1">
+                <dgm:alg type="sp"/>
+                <dgm:shape xmlns:r="http://schemas.openxmlformats.org/officeDocument/2006/relationships" type="line" r:blip="">
+                  <dgm:adjLst/>
+                  <dgm:extLst>
+                    <a:ext uri="{B698B0E9-8C71-41B9-8309-B3DCBF30829C}">
+                      <dgm1612:spPr xmlns:dgm1612="http://schemas.microsoft.com/office/drawing/2016/12/diagram">
+                        <a:ln w="12700">
+                          <a:prstDash val="dash"/>
+                        </a:ln>
+                      </dgm1612:spPr>
+                    </a:ext>
+                  </dgm:extLst>
+                </dgm:shape>
+                <dgm:presOf/>
+                <dgm:constrLst/>
+              </dgm:layoutNode>
+              <dgm:layoutNode name="EmptyPlaceHolder1">
+                <dgm:alg type="sp"/>
+                <dgm:shape xmlns:r="http://schemas.openxmlformats.org/officeDocument/2006/relationships" r:blip="">
+                  <dgm:adjLst/>
+                </dgm:shape>
+                <dgm:presOf/>
+                <dgm:constrLst/>
+              </dgm:layoutNode>
+            </dgm:layoutNode>
+            <dgm:forEach name="Name281" axis="followSib" ptType="sibTrans" cnt="1">
+              <dgm:layoutNode name="spaceBetweenRectangles1">
+                <dgm:alg type="sp"/>
+                <dgm:shape xmlns:r="http://schemas.openxmlformats.org/officeDocument/2006/relationships" r:blip="">
+                  <dgm:adjLst/>
+                </dgm:shape>
+                <dgm:presOf/>
+                <dgm:constrLst/>
+                <dgm:ruleLst/>
+              </dgm:layoutNode>
+            </dgm:forEach>
+          </dgm:forEach>
+        </dgm:if>
+        <dgm:else name="MoreThanTwoNodes">
+          <dgm:forEach name="nodesForEach" axis="ch" ptType="node">
+            <dgm:layoutNode name="composite">
+              <dgm:alg type="composite"/>
+              <dgm:shape xmlns:r="http://schemas.openxmlformats.org/officeDocument/2006/relationships" r:blip="">
+                <dgm:adjLst/>
+              </dgm:shape>
+              <dgm:choose name="CaseForLayoutDirection">
+                <dgm:if name="CaseForLayoutDirectionLTR" func="var" arg="dir" op="equ" val="norm">
+                  <dgm:choose name="CaseForPlacingNodesAboveAndBelowDividerLTR">
+                    <dgm:if name="CaseForPlacingNodeAboveDividerLTR" axis="self" ptType="node" func="posOdd" op="equ" val="1">
+                      <dgm:constrLst>
+                        <dgm:constr type="w" for="ch" forName="ConnectorPoint" refType="h" refFor="ch" refForName="DropPinPlaceHolder" fact="0.18"/>
+                        <dgm:constr type="h" for="ch" forName="ConnectorPoint" refType="h" refFor="ch" refForName="DropPinPlaceHolder" fact="0.18"/>
+                        <dgm:constr type="ctrX" for="ch" forName="ConnectorPoint" refType="ctrX" refFor="ch" refForName="ConnectLine"/>
+                        <dgm:constr type="ctrY" for="ch" forName="ConnectorPoint" refType="h" fact="0.5"/>
+                        <dgm:constr type="w" for="ch" forName="DropPinPlaceHolder" refType="h" fact="0.13"/>
+                        <dgm:constr type="h" for="ch" forName="DropPinPlaceHolder" refType="h" fact="0.13"/>
+                        <dgm:constr type="t" for="ch" forName="DropPinPlaceHolder" refType="h" fact="0"/>
+                        <dgm:constr type="l" for="ch" forName="DropPinPlaceHolder" refType="w" fact="0"/>
+                        <dgm:constr type="w" for="ch" forName="L2TextContainer" refType="w" fact="0.83"/>
+                        <dgm:constr type="l" for="ch" forName="L2TextContainer" refType="r" refFor="ch" refForName="DropPinPlaceHolder"/>
+                        <dgm:constr type="t" for="ch" forName="L2TextContainer" refType="b" refFor="ch" refForName="DropPinPlaceHolder"/>
+                        <dgm:constr type="b" for="ch" forName="L2TextContainer" refType="h" fact="0.5"/>
+                        <dgm:constr type="w" for="ch" forName="L1TextContainer" refType="w" fact="0.83"/>
+                        <dgm:constr type="l" for="ch" forName="L1TextContainer" refType="r" refFor="ch" refForName="DropPinPlaceHolder"/>
+                        <dgm:constr type="b" for="ch" forName="L1TextContainer" refType="b" refFor="ch" refForName="DropPinPlaceHolder"/>
+                        <dgm:constr type="t" for="ch" forName="L1TextContainer" refType="t" refFor="ch" refForName="DropPinPlaceHolder"/>
+                        <dgm:constr type="w" for="ch" forName="ConnectLine"/>
+                        <dgm:constr type="ctrX" for="ch" forName="ConnectLine" refType="ctrX" refFor="ch" refForName="DropPinPlaceHolder"/>
+                        <dgm:constr type="b" for="ch" forName="ConnectLine" refType="h" fact="0.5"/>
+                        <dgm:constr type="t" for="ch" forName="ConnectLine" refType="b" refFor="ch" refForName="DropPinPlaceHolder"/>
+                        <dgm:constr type="w" for="ch" forName="EmptyPlaceHolder" refType="w"/>
+                        <dgm:constr type="h" for="ch" forName="EmptyPlaceHolder" refType="h" fact="0.5"/>
+                        <dgm:constr type="t" for="ch" forName="EmptyPlaceHolder" refType="h" fact="0.5"/>
+                      </dgm:constrLst>
+                    </dgm:if>
+                    <dgm:else name="CaseForPlacingNodeBelowDividerLTR">
+                      <dgm:constrLst>
+                        <dgm:constr type="w" for="ch" forName="ConnectorPoint" refType="h" refFor="ch" refForName="DropPinPlaceHolder" fact="0.18"/>
+                        <dgm:constr type="h" for="ch" forName="ConnectorPoint" refType="h" refFor="ch" refForName="DropPinPlaceHolder" fact="0.18"/>
+                        <dgm:constr type="ctrX" for="ch" forName="ConnectorPoint" refType="ctrX" refFor="ch" refForName="ConnectLine"/>
+                        <dgm:constr type="ctrY" for="ch" forName="ConnectorPoint" refType="h" fact="0.5"/>
+                        <dgm:constr type="w" for="ch" forName="DropPinPlaceHolder" refType="h" fact="0.13"/>
+                        <dgm:constr type="h" for="ch" forName="DropPinPlaceHolder" refType="h" fact="0.13"/>
+                        <dgm:constr type="b" for="ch" forName="DropPinPlaceHolder" refType="h"/>
+                        <dgm:constr type="l" for="ch" forName="DropPinPlaceHolder" refType="w" fact="0"/>
+                        <dgm:constr type="w" for="ch" forName="L2TextContainer" refType="w" fact="0.83"/>
+                        <dgm:constr type="l" for="ch" forName="L2TextContainer" refType="r" refFor="ch" refForName="DropPinPlaceHolder"/>
+                        <dgm:constr type="b" for="ch" forName="L2TextContainer" refType="t" refFor="ch" refForName="DropPinPlaceHolder"/>
+                        <dgm:constr type="t" for="ch" forName="L2TextContainer" refType="h" fact="0.5"/>
+                        <dgm:constr type="w" for="ch" forName="L1TextContainer" refType="w" fact="0.83"/>
+                        <dgm:constr type="l" for="ch" forName="L1TextContainer" refType="r" refFor="ch" refForName="DropPinPlaceHolder"/>
+                        <dgm:constr type="b" for="ch" forName="L1TextContainer" refType="b" refFor="ch" refForName="DropPinPlaceHolder"/>
+                        <dgm:constr type="t" for="ch" forName="L1TextContainer" refType="t" refFor="ch" refForName="DropPinPlaceHolder"/>
+                        <dgm:constr type="w" for="ch" forName="ConnectLine"/>
+                        <dgm:constr type="ctrX" for="ch" forName="ConnectLine" refType="ctrX" refFor="ch" refForName="DropPinPlaceHolder"/>
+                        <dgm:constr type="t" for="ch" forName="ConnectLine" refType="h" fact="0.5"/>
+                        <dgm:constr type="b" for="ch" forName="ConnectLine" refType="t" refFor="ch" refForName="DropPinPlaceHolder"/>
+                        <dgm:constr type="w" for="ch" forName="EmptyPlaceHolder" refType="w"/>
+                        <dgm:constr type="h" for="ch" forName="EmptyPlaceHolder" refType="h" fact="0.5"/>
+                        <dgm:constr type="t" for="ch" forName="EmptyPlaceHolder" refType="h" fact="0"/>
+                      </dgm:constrLst>
+                    </dgm:else>
+                  </dgm:choose>
+                </dgm:if>
+                <dgm:else name="CaseForLayoutDirectionRTL">
+                  <dgm:choose name="CaseForPlacingNodesAboveAndBelowDividerRTL">
+                    <dgm:if name="CaseForPlacingNodeAboveDividerRTL" axis="self" ptType="node" func="posOdd" op="equ" val="1">
+                      <dgm:constrLst>
+                        <dgm:constr type="w" for="ch" forName="ConnectorPoint" refType="h" refFor="ch" refForName="DropPinPlaceHolder" fact="0.18"/>
+                        <dgm:constr type="h" for="ch" forName="ConnectorPoint" refType="h" refFor="ch" refForName="DropPinPlaceHolder" fact="0.18"/>
+                        <dgm:constr type="ctrX" for="ch" forName="ConnectorPoint" refType="ctrX" refFor="ch" refForName="DropPinPlaceHolder"/>
+                        <dgm:constr type="ctrY" for="ch" forName="ConnectorPoint" refType="h" fact="0.5"/>
+                        <dgm:constr type="w" for="ch" forName="DropPinPlaceHolder" refType="h" fact="0.13"/>
+                        <dgm:constr type="h" for="ch" forName="DropPinPlaceHolder" refType="h" fact="0.13"/>
+                        <dgm:constr type="t" for="ch" forName="DropPinPlaceHolder" refType="h" fact="0"/>
+                        <dgm:constr type="l" for="ch" forName="DropPinPlaceHolder" refType="w" fact="0"/>
+                        <dgm:constr type="w" for="ch" forName="L2TextContainer" refType="w" fact="0.83"/>
+                        <dgm:constr type="l" for="ch" forName="L2TextContainer" refType="r" refFor="ch" refForName="DropPinPlaceHolder"/>
+                        <dgm:constr type="t" for="ch" forName="L2TextContainer" refType="b" refFor="ch" refForName="DropPinPlaceHolder"/>
+                        <dgm:constr type="b" for="ch" forName="L2TextContainer" refType="h" fact="0.5"/>
+                        <dgm:constr type="w" for="ch" forName="L1TextContainer" refType="w" fact="0.83"/>
+                        <dgm:constr type="l" for="ch" forName="L1TextContainer" refType="r" refFor="ch" refForName="DropPinPlaceHolder"/>
+                        <dgm:constr type="b" for="ch" forName="L1TextContainer" refType="b" refFor="ch" refForName="DropPinPlaceHolder"/>
+                        <dgm:constr type="t" for="ch" forName="L1TextContainer" refType="t" refFor="ch" refForName="DropPinPlaceHolder"/>
+                        <dgm:constr type="w" for="ch" forName="ConnectLine"/>
+                        <dgm:constr type="ctrX" for="ch" forName="ConnectLine" refType="ctrX" refFor="ch" refForName="DropPinPlaceHolder"/>
+                        <dgm:constr type="b" for="ch" forName="ConnectLine" refType="h" fact="0.5"/>
+                        <dgm:constr type="t" for="ch" forName="ConnectLine" refType="b" refFor="ch" refForName="DropPinPlaceHolder"/>
+                        <dgm:constr type="w" for="ch" forName="EmptyPlaceHolder" refType="w"/>
+                        <dgm:constr type="h" for="ch" forName="EmptyPlaceHolder" refType="h" fact="0.5"/>
+                        <dgm:constr type="t" for="ch" forName="EmptyPlaceHolder" refType="h" fact="0.5"/>
+                      </dgm:constrLst>
+                    </dgm:if>
+                    <dgm:else name="CaseForPlacingNodeBelowDividerRTL">
+                      <dgm:constrLst>
+                        <dgm:constr type="w" for="ch" forName="ConnectorPoint" refType="h" refFor="ch" refForName="DropPinPlaceHolder" fact="0.18"/>
+                        <dgm:constr type="h" for="ch" forName="ConnectorPoint" refType="h" refFor="ch" refForName="DropPinPlaceHolder" fact="0.18"/>
+                        <dgm:constr type="ctrX" for="ch" forName="ConnectorPoint" refType="ctrX" refFor="ch" refForName="DropPinPlaceHolder"/>
+                        <dgm:constr type="ctrY" for="ch" forName="ConnectorPoint" refType="h" fact="0.5"/>
+                        <dgm:constr type="w" for="ch" forName="DropPinPlaceHolder" refType="h" fact="0.13"/>
+                        <dgm:constr type="h" for="ch" forName="DropPinPlaceHolder" refType="h" fact="0.13"/>
+                        <dgm:constr type="b" for="ch" forName="DropPinPlaceHolder" refType="h"/>
+                        <dgm:constr type="l" for="ch" forName="DropPinPlaceHolder" refType="w" fact="0"/>
+                        <dgm:constr type="w" for="ch" forName="L2TextContainer" refType="w" fact="0.83"/>
+                        <dgm:constr type="l" for="ch" forName="L2TextContainer" refType="r" refFor="ch" refForName="DropPinPlaceHolder"/>
+                        <dgm:constr type="b" for="ch" forName="L2TextContainer" refType="t" refFor="ch" refForName="DropPinPlaceHolder"/>
+                        <dgm:constr type="t" for="ch" forName="L2TextContainer" refType="h" fact="0.5"/>
+                        <dgm:constr type="w" for="ch" forName="L1TextContainer" refType="w" fact="0.83"/>
+                        <dgm:constr type="l" for="ch" forName="L1TextContainer" refType="r" refFor="ch" refForName="DropPinPlaceHolder"/>
+                        <dgm:constr type="b" for="ch" forName="L1TextContainer" refType="b" refFor="ch" refForName="DropPinPlaceHolder"/>
+                        <dgm:constr type="t" for="ch" forName="L1TextContainer" refType="t" refFor="ch" refForName="DropPinPlaceHolder"/>
+                        <dgm:constr type="w" for="ch" forName="ConnectLine"/>
+                        <dgm:constr type="ctrX" for="ch" forName="ConnectLine" refType="ctrX" refFor="ch" refForName="DropPinPlaceHolder"/>
+                        <dgm:constr type="t" for="ch" forName="ConnectLine" refType="h" fact="0.5"/>
+                        <dgm:constr type="b" for="ch" forName="ConnectLine" refType="t" refFor="ch" refForName="DropPinPlaceHolder"/>
+                        <dgm:constr type="w" for="ch" forName="EmptyPlaceHolder" refType="w"/>
+                        <dgm:constr type="h" for="ch" forName="EmptyPlaceHolder" refType="h" fact="0.5"/>
+                        <dgm:constr type="t" for="ch" forName="EmptyPlaceHolder" refType="h" fact="0"/>
+                      </dgm:constrLst>
+                    </dgm:else>
+                  </dgm:choose>
+                </dgm:else>
+              </dgm:choose>
+              <dgm:layoutNode name="ConnectorPoint" styleLbl="lnNode1" moveWith="ConnectLine">
+                <dgm:alg type="sp"/>
+                <dgm:shape xmlns:r="http://schemas.openxmlformats.org/officeDocument/2006/relationships" type="ellipse" r:blip="" zOrderOff="10">
+                  <dgm:adjLst/>
+                  <dgm:extLst>
+                    <a:ext uri="{B698B0E9-8C71-41B9-8309-B3DCBF30829C}">
+                      <dgm1612:spPr xmlns:dgm1612="http://schemas.microsoft.com/office/drawing/2016/12/diagram">
+                        <a:ln w="6350"/>
+                      </dgm1612:spPr>
+                    </a:ext>
+                  </dgm:extLst>
+                </dgm:shape>
+                <dgm:presOf/>
+                <dgm:constrLst>
+                  <dgm:constr type="w" refType="h" op="equ"/>
+                </dgm:constrLst>
+              </dgm:layoutNode>
+              <dgm:layoutNode name="DropPinPlaceHolder">
+                <dgm:alg type="composite"/>
+                <dgm:shape xmlns:r="http://schemas.openxmlformats.org/officeDocument/2006/relationships" r:blip="">
+                  <dgm:adjLst/>
+                </dgm:shape>
+                <dgm:constrLst>
+                  <dgm:constr type="w" for="ch" forName="DropPin" refType="w"/>
+                  <dgm:constr type="h" for="ch" forName="DropPin" refType="h"/>
+                  <dgm:constr type="ctrX" for="ch" forName="DropPin" refType="w" fact="0.5"/>
+                  <dgm:constr type="ctrY" for="ch" forName="DropPin" refType="h" fact="0.5"/>
+                  <dgm:constr type="w" for="ch" forName="Ellipse" refType="w" refFor="ch" refForName="DropPin" fact="0.55"/>
+                  <dgm:constr type="h" for="ch" forName="Ellipse" refType="w" refFor="ch" refForName="DropPin" fact="0.55"/>
+                  <dgm:constr type="ctrX" for="ch" forName="Ellipse" refType="ctrX" refFor="ch" refForName="DropPin"/>
+                  <dgm:constr type="ctrY" for="ch" forName="Ellipse" refType="ctrY" refFor="ch" refForName="DropPin"/>
+                </dgm:constrLst>
+                <dgm:layoutNode name="DropPin" styleLbl="alignNode1">
+                  <dgm:alg type="sp"/>
+                  <dgm:choose name="CaseForPlacingTearDropAboveAndBelowDivider">
+                    <dgm:if name="CaseForPlacingTearDropAboveDivider" axis="self" ptType="node" func="posOdd" op="equ" val="1">
+                      <dgm:shape xmlns:r="http://schemas.openxmlformats.org/officeDocument/2006/relationships" rot="135" type="teardrop" r:blip="">
+                        <dgm:adjLst>
+                          <dgm:adj idx="1" val="1.15"/>
+                        </dgm:adjLst>
+                      </dgm:shape>
+                    </dgm:if>
+                    <dgm:else name="CaseForPlacingTearDropBelowDivider">
+                      <dgm:shape xmlns:r="http://schemas.openxmlformats.org/officeDocument/2006/relationships" rot="-45" type="teardrop" r:blip="">
+                        <dgm:adjLst>
+                          <dgm:adj idx="1" val="1.15"/>
+                        </dgm:adjLst>
+                      </dgm:shape>
+                    </dgm:else>
+                  </dgm:choose>
+                  <dgm:presOf/>
+                  <dgm:constrLst/>
+                </dgm:layoutNode>
+                <dgm:layoutNode name="Ellipse" styleLbl="fgAcc1" moveWith="DropPin">
+                  <dgm:alg type="sp"/>
+                  <dgm:shape xmlns:r="http://schemas.openxmlformats.org/officeDocument/2006/relationships" type="ellipse" r:blip="">
+                    <dgm:adjLst/>
+                    <dgm:extLst>
+                      <a:ext uri="{B698B0E9-8C71-41B9-8309-B3DCBF30829C}">
+                        <dgm1612:spPr xmlns:dgm1612="http://schemas.microsoft.com/office/drawing/2016/12/diagram">
+                          <a:ln>
+                            <a:noFill/>
+                          </a:ln>
+                        </dgm1612:spPr>
+                      </a:ext>
+                    </dgm:extLst>
+                  </dgm:shape>
+                  <dgm:presOf/>
+                  <dgm:constrLst/>
+                </dgm:layoutNode>
+              </dgm:layoutNode>
+              <dgm:layoutNode name="L2TextContainer" styleLbl="revTx" moveWith="L1TextContainer">
+                <dgm:varLst>
+                  <dgm:bulletEnabled val="1"/>
+                </dgm:varLst>
+                <dgm:choose name="casesForTxtDirLogic">
+                  <dgm:if name="Name77" axis="self" ptType="node" func="posOdd" op="equ" val="1">
+                    <dgm:alg type="tx">
+                      <dgm:param type="txAnchorVert" val="t"/>
+                      <dgm:param type="parTxLTRAlign" val="l"/>
+                      <dgm:param type="parTxRTLAlign" val="l"/>
+                      <dgm:param type="txAnchorVertCh" val="t"/>
+                      <dgm:param type="shpTxRTLAlignCh" val="l"/>
+                      <dgm:param type="shpTxLTRAlignCh" val="l"/>
+                    </dgm:alg>
+                    <dgm:constrLst>
+                      <dgm:constr type="lMarg"/>
+                      <dgm:constr type="rMarg" refType="primFontSz" fact="0.5"/>
+                      <dgm:constr type="tMarg" refType="primFontSz" fact="0.5"/>
+                      <dgm:constr type="bMarg" refType="primFontSz" fact="0.75"/>
+                    </dgm:constrLst>
+                  </dgm:if>
+                  <dgm:else name="Name88">
+                    <dgm:alg type="tx">
+                      <dgm:param type="txAnchorVert" val="b"/>
+                      <dgm:param type="parTxLTRAlign" val="l"/>
+                      <dgm:param type="parTxRTLAlign" val="l"/>
+                      <dgm:param type="txAnchorVertCh" val="b"/>
+                      <dgm:param type="shpTxRTLAlignCh" val="l"/>
+                      <dgm:param type="shpTxLTRAlignCh" val="l"/>
+                    </dgm:alg>
+                    <dgm:constrLst>
+                      <dgm:constr type="lMarg"/>
+                      <dgm:constr type="rMarg"/>
+                      <dgm:constr type="tMarg" refType="primFontSz" fact="0.75"/>
+                      <dgm:constr type="bMarg" refType="primFontSz" fact="0.5"/>
+                    </dgm:constrLst>
+                  </dgm:else>
+                </dgm:choose>
+                <dgm:shape xmlns:r="http://schemas.openxmlformats.org/officeDocument/2006/relationships" type="rect" r:blip="">
+                  <dgm:adjLst/>
+                </dgm:shape>
+                <dgm:presOf axis="des" ptType="node"/>
+                <dgm:ruleLst>
+                  <dgm:rule type="primFontSz" val="11" fact="NaN" max="NaN"/>
+                </dgm:ruleLst>
+              </dgm:layoutNode>
+              <dgm:layoutNode name="L1TextContainer" styleLbl="revTx">
+                <dgm:varLst>
+                  <dgm:chMax val="1"/>
+                  <dgm:chPref val="1"/>
+                  <dgm:bulletEnabled val="1"/>
+                </dgm:varLst>
+                <dgm:alg type="tx">
+                  <dgm:param type="txAnchorVert" val="mid"/>
+                  <dgm:param type="parTxLTRAlign" val="l"/>
+                  <dgm:param type="parTxRTLAlign" val="l"/>
+                </dgm:alg>
+                <dgm:shape xmlns:r="http://schemas.openxmlformats.org/officeDocument/2006/relationships" type="rect" r:blip="">
+                  <dgm:adjLst/>
+                </dgm:shape>
+                <dgm:presOf axis="self"/>
+                <dgm:constrLst>
+                  <dgm:constr type="lMarg"/>
+                  <dgm:constr type="rMarg" refType="primFontSz" fact="0.5"/>
+                  <dgm:constr type="tMarg"/>
+                  <dgm:constr type="bMarg"/>
+                </dgm:constrLst>
+                <dgm:ruleLst>
+                  <dgm:rule type="primFontSz" val="13" fact="NaN" max="NaN"/>
+                </dgm:ruleLst>
+              </dgm:layoutNode>
+              <dgm:layoutNode name="ConnectLine" styleLbl="sibTrans1D1">
+                <dgm:alg type="sp"/>
+                <dgm:shape xmlns:r="http://schemas.openxmlformats.org/officeDocument/2006/relationships" type="line" r:blip="">
+                  <dgm:adjLst/>
+                  <dgm:extLst>
+                    <a:ext uri="{B698B0E9-8C71-41B9-8309-B3DCBF30829C}">
+                      <dgm1612:spPr xmlns:dgm1612="http://schemas.microsoft.com/office/drawing/2016/12/diagram">
+                        <a:ln w="12700">
+                          <a:prstDash val="dash"/>
+                        </a:ln>
+                      </dgm1612:spPr>
+                    </a:ext>
+                  </dgm:extLst>
+                </dgm:shape>
+                <dgm:presOf/>
+                <dgm:constrLst/>
+              </dgm:layoutNode>
+              <dgm:layoutNode name="EmptyPlaceHolder">
+                <dgm:alg type="sp"/>
+                <dgm:shape xmlns:r="http://schemas.openxmlformats.org/officeDocument/2006/relationships" r:blip="">
+                  <dgm:adjLst/>
+                </dgm:shape>
+                <dgm:presOf/>
+                <dgm:constrLst/>
+              </dgm:layoutNode>
+            </dgm:layoutNode>
+            <dgm:forEach name="Name28" axis="followSib" ptType="sibTrans" cnt="1">
+              <dgm:layoutNode name="spaceBetweenRectangles">
+                <dgm:alg type="sp"/>
+                <dgm:shape xmlns:r="http://schemas.openxmlformats.org/officeDocument/2006/relationships" r:blip="">
+                  <dgm:adjLst/>
+                </dgm:shape>
+                <dgm:presOf/>
+                <dgm:constrLst/>
+                <dgm:ruleLst/>
+              </dgm:layoutNode>
+            </dgm:forEach>
+          </dgm:forEach>
+        </dgm:else>
+      </dgm:choose>
+    </dgm:layoutNode>
+  </dgm:layoutNode>
+  <dgm:extLst>
+    <a:ext uri="{68A01E43-0DF5-4B5B-8FA6-DAF915123BFB}">
+      <dgm1612:lstStyle xmlns:dgm1612="http://schemas.microsoft.com/office/drawing/2016/12/diagram">
+        <a:lvl1pPr>
+          <a:defRPr b="1"/>
+        </a:lvl1pPr>
+      </dgm1612:lstStyle>
+    </a:ext>
+  </dgm:extLst>
+</dgm:layoutDef>
+</file>
+
+<file path=ppt/diagrams/layout6.xml><?xml version="1.0" encoding="utf-8"?>
 <dgm:layoutDef xmlns:dgm="http://schemas.openxmlformats.org/drawingml/2006/diagram" xmlns:a="http://schemas.openxmlformats.org/drawingml/2006/main" uniqueId="urn:microsoft.com/office/officeart/2005/8/layout/matrix3">
   <dgm:title val=""/>
   <dgm:desc val=""/>
@@ -16010,7 +17831,7 @@
 </dgm:layoutDef>
 </file>
 
-<file path=ppt/diagrams/layout6.xml><?xml version="1.0" encoding="utf-8"?>
+<file path=ppt/diagrams/layout7.xml><?xml version="1.0" encoding="utf-8"?>
 <dgm:layoutDef xmlns:dgm="http://schemas.openxmlformats.org/drawingml/2006/diagram" xmlns:a="http://schemas.openxmlformats.org/drawingml/2006/main" uniqueId="urn:microsoft.com/office/officeart/2018/2/layout/IconVerticalSolidList">
   <dgm:title val="Icon Vertical Solid List"/>
   <dgm:desc val="Use to show a series of visuals from top to bottom with Level 1 or Level 1 and Level 2 text grouped in a shape. Works best with icons or small pictures with lengthier descriptions."/>
@@ -22508,6 +24329,1040 @@
 </dgm:styleDef>
 </file>
 
+<file path=ppt/diagrams/quickStyle7.xml><?xml version="1.0" encoding="utf-8"?>
+<dgm:styleDef xmlns:dgm="http://schemas.openxmlformats.org/drawingml/2006/diagram" xmlns:a="http://schemas.openxmlformats.org/drawingml/2006/main" uniqueId="urn:microsoft.com/office/officeart/2005/8/quickstyle/simple1">
+  <dgm:title val=""/>
+  <dgm:desc val=""/>
+  <dgm:catLst>
+    <dgm:cat type="simple" pri="10100"/>
+  </dgm:catLst>
+  <dgm:scene3d>
+    <a:camera prst="orthographicFront"/>
+    <a:lightRig rig="threePt" dir="t"/>
+  </dgm:scene3d>
+  <dgm:styleLbl name="node0">
+    <dgm:scene3d>
+      <a:camera prst="orthographicFront"/>
+      <a:lightRig rig="threePt" dir="t"/>
+    </dgm:scene3d>
+    <dgm:sp3d/>
+    <dgm:txPr/>
+    <dgm:style>
+      <a:lnRef idx="2">
+        <a:scrgbClr r="0" g="0" b="0"/>
+      </a:lnRef>
+      <a:fillRef idx="1">
+        <a:scrgbClr r="0" g="0" b="0"/>
+      </a:fillRef>
+      <a:effectRef idx="0">
+        <a:scrgbClr r="0" g="0" b="0"/>
+      </a:effectRef>
+      <a:fontRef idx="minor">
+        <a:schemeClr val="lt1"/>
+      </a:fontRef>
+    </dgm:style>
+  </dgm:styleLbl>
+  <dgm:styleLbl name="lnNode1">
+    <dgm:scene3d>
+      <a:camera prst="orthographicFront"/>
+      <a:lightRig rig="threePt" dir="t"/>
+    </dgm:scene3d>
+    <dgm:sp3d/>
+    <dgm:txPr/>
+    <dgm:style>
+      <a:lnRef idx="2">
+        <a:scrgbClr r="0" g="0" b="0"/>
+      </a:lnRef>
+      <a:fillRef idx="1">
+        <a:scrgbClr r="0" g="0" b="0"/>
+      </a:fillRef>
+      <a:effectRef idx="0">
+        <a:scrgbClr r="0" g="0" b="0"/>
+      </a:effectRef>
+      <a:fontRef idx="minor">
+        <a:schemeClr val="lt1"/>
+      </a:fontRef>
+    </dgm:style>
+  </dgm:styleLbl>
+  <dgm:styleLbl name="vennNode1">
+    <dgm:scene3d>
+      <a:camera prst="orthographicFront"/>
+      <a:lightRig rig="threePt" dir="t"/>
+    </dgm:scene3d>
+    <dgm:sp3d/>
+    <dgm:txPr/>
+    <dgm:style>
+      <a:lnRef idx="2">
+        <a:scrgbClr r="0" g="0" b="0"/>
+      </a:lnRef>
+      <a:fillRef idx="1">
+        <a:scrgbClr r="0" g="0" b="0"/>
+      </a:fillRef>
+      <a:effectRef idx="0">
+        <a:scrgbClr r="0" g="0" b="0"/>
+      </a:effectRef>
+      <a:fontRef idx="minor">
+        <a:schemeClr val="tx1"/>
+      </a:fontRef>
+    </dgm:style>
+  </dgm:styleLbl>
+  <dgm:styleLbl name="alignNode1">
+    <dgm:scene3d>
+      <a:camera prst="orthographicFront"/>
+      <a:lightRig rig="threePt" dir="t"/>
+    </dgm:scene3d>
+    <dgm:sp3d/>
+    <dgm:txPr/>
+    <dgm:style>
+      <a:lnRef idx="2">
+        <a:scrgbClr r="0" g="0" b="0"/>
+      </a:lnRef>
+      <a:fillRef idx="1">
+        <a:scrgbClr r="0" g="0" b="0"/>
+      </a:fillRef>
+      <a:effectRef idx="0">
+        <a:scrgbClr r="0" g="0" b="0"/>
+      </a:effectRef>
+      <a:fontRef idx="minor">
+        <a:schemeClr val="lt1"/>
+      </a:fontRef>
+    </dgm:style>
+  </dgm:styleLbl>
+  <dgm:styleLbl name="node1">
+    <dgm:scene3d>
+      <a:camera prst="orthographicFront"/>
+      <a:lightRig rig="threePt" dir="t"/>
+    </dgm:scene3d>
+    <dgm:sp3d/>
+    <dgm:txPr/>
+    <dgm:style>
+      <a:lnRef idx="2">
+        <a:scrgbClr r="0" g="0" b="0"/>
+      </a:lnRef>
+      <a:fillRef idx="1">
+        <a:scrgbClr r="0" g="0" b="0"/>
+      </a:fillRef>
+      <a:effectRef idx="0">
+        <a:scrgbClr r="0" g="0" b="0"/>
+      </a:effectRef>
+      <a:fontRef idx="minor">
+        <a:schemeClr val="lt1"/>
+      </a:fontRef>
+    </dgm:style>
+  </dgm:styleLbl>
+  <dgm:styleLbl name="node2">
+    <dgm:scene3d>
+      <a:camera prst="orthographicFront"/>
+      <a:lightRig rig="threePt" dir="t"/>
+    </dgm:scene3d>
+    <dgm:sp3d/>
+    <dgm:txPr/>
+    <dgm:style>
+      <a:lnRef idx="2">
+        <a:scrgbClr r="0" g="0" b="0"/>
+      </a:lnRef>
+      <a:fillRef idx="1">
+        <a:scrgbClr r="0" g="0" b="0"/>
+      </a:fillRef>
+      <a:effectRef idx="0">
+        <a:scrgbClr r="0" g="0" b="0"/>
+      </a:effectRef>
+      <a:fontRef idx="minor">
+        <a:schemeClr val="lt1"/>
+      </a:fontRef>
+    </dgm:style>
+  </dgm:styleLbl>
+  <dgm:styleLbl name="node3">
+    <dgm:scene3d>
+      <a:camera prst="orthographicFront"/>
+      <a:lightRig rig="threePt" dir="t"/>
+    </dgm:scene3d>
+    <dgm:sp3d/>
+    <dgm:txPr/>
+    <dgm:style>
+      <a:lnRef idx="2">
+        <a:scrgbClr r="0" g="0" b="0"/>
+      </a:lnRef>
+      <a:fillRef idx="1">
+        <a:scrgbClr r="0" g="0" b="0"/>
+      </a:fillRef>
+      <a:effectRef idx="0">
+        <a:scrgbClr r="0" g="0" b="0"/>
+      </a:effectRef>
+      <a:fontRef idx="minor">
+        <a:schemeClr val="lt1"/>
+      </a:fontRef>
+    </dgm:style>
+  </dgm:styleLbl>
+  <dgm:styleLbl name="node4">
+    <dgm:scene3d>
+      <a:camera prst="orthographicFront"/>
+      <a:lightRig rig="threePt" dir="t"/>
+    </dgm:scene3d>
+    <dgm:sp3d/>
+    <dgm:txPr/>
+    <dgm:style>
+      <a:lnRef idx="2">
+        <a:scrgbClr r="0" g="0" b="0"/>
+      </a:lnRef>
+      <a:fillRef idx="1">
+        <a:scrgbClr r="0" g="0" b="0"/>
+      </a:fillRef>
+      <a:effectRef idx="0">
+        <a:scrgbClr r="0" g="0" b="0"/>
+      </a:effectRef>
+      <a:fontRef idx="minor">
+        <a:schemeClr val="lt1"/>
+      </a:fontRef>
+    </dgm:style>
+  </dgm:styleLbl>
+  <dgm:styleLbl name="fgImgPlace1">
+    <dgm:scene3d>
+      <a:camera prst="orthographicFront"/>
+      <a:lightRig rig="threePt" dir="t"/>
+    </dgm:scene3d>
+    <dgm:sp3d/>
+    <dgm:txPr/>
+    <dgm:style>
+      <a:lnRef idx="2">
+        <a:scrgbClr r="0" g="0" b="0"/>
+      </a:lnRef>
+      <a:fillRef idx="1">
+        <a:scrgbClr r="0" g="0" b="0"/>
+      </a:fillRef>
+      <a:effectRef idx="0">
+        <a:scrgbClr r="0" g="0" b="0"/>
+      </a:effectRef>
+      <a:fontRef idx="minor"/>
+    </dgm:style>
+  </dgm:styleLbl>
+  <dgm:styleLbl name="alignImgPlace1">
+    <dgm:scene3d>
+      <a:camera prst="orthographicFront"/>
+      <a:lightRig rig="threePt" dir="t"/>
+    </dgm:scene3d>
+    <dgm:sp3d/>
+    <dgm:txPr/>
+    <dgm:style>
+      <a:lnRef idx="2">
+        <a:scrgbClr r="0" g="0" b="0"/>
+      </a:lnRef>
+      <a:fillRef idx="1">
+        <a:scrgbClr r="0" g="0" b="0"/>
+      </a:fillRef>
+      <a:effectRef idx="0">
+        <a:scrgbClr r="0" g="0" b="0"/>
+      </a:effectRef>
+      <a:fontRef idx="minor"/>
+    </dgm:style>
+  </dgm:styleLbl>
+  <dgm:styleLbl name="bgImgPlace1">
+    <dgm:scene3d>
+      <a:camera prst="orthographicFront"/>
+      <a:lightRig rig="threePt" dir="t"/>
+    </dgm:scene3d>
+    <dgm:sp3d/>
+    <dgm:txPr/>
+    <dgm:style>
+      <a:lnRef idx="2">
+        <a:scrgbClr r="0" g="0" b="0"/>
+      </a:lnRef>
+      <a:fillRef idx="1">
+        <a:scrgbClr r="0" g="0" b="0"/>
+      </a:fillRef>
+      <a:effectRef idx="0">
+        <a:scrgbClr r="0" g="0" b="0"/>
+      </a:effectRef>
+      <a:fontRef idx="minor"/>
+    </dgm:style>
+  </dgm:styleLbl>
+  <dgm:styleLbl name="sibTrans2D1">
+    <dgm:scene3d>
+      <a:camera prst="orthographicFront"/>
+      <a:lightRig rig="threePt" dir="t"/>
+    </dgm:scene3d>
+    <dgm:sp3d/>
+    <dgm:txPr/>
+    <dgm:style>
+      <a:lnRef idx="0">
+        <a:scrgbClr r="0" g="0" b="0"/>
+      </a:lnRef>
+      <a:fillRef idx="1">
+        <a:scrgbClr r="0" g="0" b="0"/>
+      </a:fillRef>
+      <a:effectRef idx="0">
+        <a:scrgbClr r="0" g="0" b="0"/>
+      </a:effectRef>
+      <a:fontRef idx="minor">
+        <a:schemeClr val="lt1"/>
+      </a:fontRef>
+    </dgm:style>
+  </dgm:styleLbl>
+  <dgm:styleLbl name="fgSibTrans2D1">
+    <dgm:scene3d>
+      <a:camera prst="orthographicFront"/>
+      <a:lightRig rig="threePt" dir="t"/>
+    </dgm:scene3d>
+    <dgm:sp3d/>
+    <dgm:txPr/>
+    <dgm:style>
+      <a:lnRef idx="0">
+        <a:scrgbClr r="0" g="0" b="0"/>
+      </a:lnRef>
+      <a:fillRef idx="1">
+        <a:scrgbClr r="0" g="0" b="0"/>
+      </a:fillRef>
+      <a:effectRef idx="0">
+        <a:scrgbClr r="0" g="0" b="0"/>
+      </a:effectRef>
+      <a:fontRef idx="minor">
+        <a:schemeClr val="lt1"/>
+      </a:fontRef>
+    </dgm:style>
+  </dgm:styleLbl>
+  <dgm:styleLbl name="bgSibTrans2D1">
+    <dgm:scene3d>
+      <a:camera prst="orthographicFront"/>
+      <a:lightRig rig="threePt" dir="t"/>
+    </dgm:scene3d>
+    <dgm:sp3d/>
+    <dgm:txPr/>
+    <dgm:style>
+      <a:lnRef idx="0">
+        <a:scrgbClr r="0" g="0" b="0"/>
+      </a:lnRef>
+      <a:fillRef idx="1">
+        <a:scrgbClr r="0" g="0" b="0"/>
+      </a:fillRef>
+      <a:effectRef idx="0">
+        <a:scrgbClr r="0" g="0" b="0"/>
+      </a:effectRef>
+      <a:fontRef idx="minor">
+        <a:schemeClr val="lt1"/>
+      </a:fontRef>
+    </dgm:style>
+  </dgm:styleLbl>
+  <dgm:styleLbl name="sibTrans1D1">
+    <dgm:scene3d>
+      <a:camera prst="orthographicFront"/>
+      <a:lightRig rig="threePt" dir="t"/>
+    </dgm:scene3d>
+    <dgm:sp3d/>
+    <dgm:txPr/>
+    <dgm:style>
+      <a:lnRef idx="1">
+        <a:scrgbClr r="0" g="0" b="0"/>
+      </a:lnRef>
+      <a:fillRef idx="0">
+        <a:scrgbClr r="0" g="0" b="0"/>
+      </a:fillRef>
+      <a:effectRef idx="0">
+        <a:scrgbClr r="0" g="0" b="0"/>
+      </a:effectRef>
+      <a:fontRef idx="minor"/>
+    </dgm:style>
+  </dgm:styleLbl>
+  <dgm:styleLbl name="callout">
+    <dgm:scene3d>
+      <a:camera prst="orthographicFront"/>
+      <a:lightRig rig="threePt" dir="t"/>
+    </dgm:scene3d>
+    <dgm:sp3d/>
+    <dgm:txPr/>
+    <dgm:style>
+      <a:lnRef idx="2">
+        <a:scrgbClr r="0" g="0" b="0"/>
+      </a:lnRef>
+      <a:fillRef idx="1">
+        <a:scrgbClr r="0" g="0" b="0"/>
+      </a:fillRef>
+      <a:effectRef idx="0">
+        <a:scrgbClr r="0" g="0" b="0"/>
+      </a:effectRef>
+      <a:fontRef idx="minor"/>
+    </dgm:style>
+  </dgm:styleLbl>
+  <dgm:styleLbl name="asst0">
+    <dgm:scene3d>
+      <a:camera prst="orthographicFront"/>
+      <a:lightRig rig="threePt" dir="t"/>
+    </dgm:scene3d>
+    <dgm:sp3d/>
+    <dgm:txPr/>
+    <dgm:style>
+      <a:lnRef idx="2">
+        <a:scrgbClr r="0" g="0" b="0"/>
+      </a:lnRef>
+      <a:fillRef idx="1">
+        <a:scrgbClr r="0" g="0" b="0"/>
+      </a:fillRef>
+      <a:effectRef idx="0">
+        <a:scrgbClr r="0" g="0" b="0"/>
+      </a:effectRef>
+      <a:fontRef idx="minor">
+        <a:schemeClr val="lt1"/>
+      </a:fontRef>
+    </dgm:style>
+  </dgm:styleLbl>
+  <dgm:styleLbl name="asst1">
+    <dgm:scene3d>
+      <a:camera prst="orthographicFront"/>
+      <a:lightRig rig="threePt" dir="t"/>
+    </dgm:scene3d>
+    <dgm:sp3d/>
+    <dgm:txPr/>
+    <dgm:style>
+      <a:lnRef idx="2">
+        <a:scrgbClr r="0" g="0" b="0"/>
+      </a:lnRef>
+      <a:fillRef idx="1">
+        <a:scrgbClr r="0" g="0" b="0"/>
+      </a:fillRef>
+      <a:effectRef idx="0">
+        <a:scrgbClr r="0" g="0" b="0"/>
+      </a:effectRef>
+      <a:fontRef idx="minor">
+        <a:schemeClr val="lt1"/>
+      </a:fontRef>
+    </dgm:style>
+  </dgm:styleLbl>
+  <dgm:styleLbl name="asst2">
+    <dgm:scene3d>
+      <a:camera prst="orthographicFront"/>
+      <a:lightRig rig="threePt" dir="t"/>
+    </dgm:scene3d>
+    <dgm:sp3d/>
+    <dgm:txPr/>
+    <dgm:style>
+      <a:lnRef idx="2">
+        <a:scrgbClr r="0" g="0" b="0"/>
+      </a:lnRef>
+      <a:fillRef idx="1">
+        <a:scrgbClr r="0" g="0" b="0"/>
+      </a:fillRef>
+      <a:effectRef idx="0">
+        <a:scrgbClr r="0" g="0" b="0"/>
+      </a:effectRef>
+      <a:fontRef idx="minor">
+        <a:schemeClr val="lt1"/>
+      </a:fontRef>
+    </dgm:style>
+  </dgm:styleLbl>
+  <dgm:styleLbl name="asst3">
+    <dgm:scene3d>
+      <a:camera prst="orthographicFront"/>
+      <a:lightRig rig="threePt" dir="t"/>
+    </dgm:scene3d>
+    <dgm:sp3d/>
+    <dgm:txPr/>
+    <dgm:style>
+      <a:lnRef idx="2">
+        <a:scrgbClr r="0" g="0" b="0"/>
+      </a:lnRef>
+      <a:fillRef idx="1">
+        <a:scrgbClr r="0" g="0" b="0"/>
+      </a:fillRef>
+      <a:effectRef idx="0">
+        <a:scrgbClr r="0" g="0" b="0"/>
+      </a:effectRef>
+      <a:fontRef idx="minor">
+        <a:schemeClr val="lt1"/>
+      </a:fontRef>
+    </dgm:style>
+  </dgm:styleLbl>
+  <dgm:styleLbl name="asst4">
+    <dgm:scene3d>
+      <a:camera prst="orthographicFront"/>
+      <a:lightRig rig="threePt" dir="t"/>
+    </dgm:scene3d>
+    <dgm:sp3d/>
+    <dgm:txPr/>
+    <dgm:style>
+      <a:lnRef idx="2">
+        <a:scrgbClr r="0" g="0" b="0"/>
+      </a:lnRef>
+      <a:fillRef idx="1">
+        <a:scrgbClr r="0" g="0" b="0"/>
+      </a:fillRef>
+      <a:effectRef idx="0">
+        <a:scrgbClr r="0" g="0" b="0"/>
+      </a:effectRef>
+      <a:fontRef idx="minor">
+        <a:schemeClr val="lt1"/>
+      </a:fontRef>
+    </dgm:style>
+  </dgm:styleLbl>
+  <dgm:styleLbl name="parChTrans2D1">
+    <dgm:scene3d>
+      <a:camera prst="orthographicFront"/>
+      <a:lightRig rig="threePt" dir="t"/>
+    </dgm:scene3d>
+    <dgm:sp3d/>
+    <dgm:txPr/>
+    <dgm:style>
+      <a:lnRef idx="2">
+        <a:scrgbClr r="0" g="0" b="0"/>
+      </a:lnRef>
+      <a:fillRef idx="1">
+        <a:scrgbClr r="0" g="0" b="0"/>
+      </a:fillRef>
+      <a:effectRef idx="0">
+        <a:scrgbClr r="0" g="0" b="0"/>
+      </a:effectRef>
+      <a:fontRef idx="minor">
+        <a:schemeClr val="lt1"/>
+      </a:fontRef>
+    </dgm:style>
+  </dgm:styleLbl>
+  <dgm:styleLbl name="parChTrans2D2">
+    <dgm:scene3d>
+      <a:camera prst="orthographicFront"/>
+      <a:lightRig rig="threePt" dir="t"/>
+    </dgm:scene3d>
+    <dgm:sp3d/>
+    <dgm:txPr/>
+    <dgm:style>
+      <a:lnRef idx="2">
+        <a:scrgbClr r="0" g="0" b="0"/>
+      </a:lnRef>
+      <a:fillRef idx="1">
+        <a:scrgbClr r="0" g="0" b="0"/>
+      </a:fillRef>
+      <a:effectRef idx="0">
+        <a:scrgbClr r="0" g="0" b="0"/>
+      </a:effectRef>
+      <a:fontRef idx="minor">
+        <a:schemeClr val="lt1"/>
+      </a:fontRef>
+    </dgm:style>
+  </dgm:styleLbl>
+  <dgm:styleLbl name="parChTrans2D3">
+    <dgm:scene3d>
+      <a:camera prst="orthographicFront"/>
+      <a:lightRig rig="threePt" dir="t"/>
+    </dgm:scene3d>
+    <dgm:sp3d/>
+    <dgm:txPr/>
+    <dgm:style>
+      <a:lnRef idx="2">
+        <a:scrgbClr r="0" g="0" b="0"/>
+      </a:lnRef>
+      <a:fillRef idx="1">
+        <a:scrgbClr r="0" g="0" b="0"/>
+      </a:fillRef>
+      <a:effectRef idx="0">
+        <a:scrgbClr r="0" g="0" b="0"/>
+      </a:effectRef>
+      <a:fontRef idx="minor">
+        <a:schemeClr val="lt1"/>
+      </a:fontRef>
+    </dgm:style>
+  </dgm:styleLbl>
+  <dgm:styleLbl name="parChTrans2D4">
+    <dgm:scene3d>
+      <a:camera prst="orthographicFront"/>
+      <a:lightRig rig="threePt" dir="t"/>
+    </dgm:scene3d>
+    <dgm:sp3d/>
+    <dgm:txPr/>
+    <dgm:style>
+      <a:lnRef idx="2">
+        <a:scrgbClr r="0" g="0" b="0"/>
+      </a:lnRef>
+      <a:fillRef idx="1">
+        <a:scrgbClr r="0" g="0" b="0"/>
+      </a:fillRef>
+      <a:effectRef idx="0">
+        <a:scrgbClr r="0" g="0" b="0"/>
+      </a:effectRef>
+      <a:fontRef idx="minor">
+        <a:schemeClr val="lt1"/>
+      </a:fontRef>
+    </dgm:style>
+  </dgm:styleLbl>
+  <dgm:styleLbl name="parChTrans1D1">
+    <dgm:scene3d>
+      <a:camera prst="orthographicFront"/>
+      <a:lightRig rig="threePt" dir="t"/>
+    </dgm:scene3d>
+    <dgm:sp3d/>
+    <dgm:txPr/>
+    <dgm:style>
+      <a:lnRef idx="2">
+        <a:scrgbClr r="0" g="0" b="0"/>
+      </a:lnRef>
+      <a:fillRef idx="0">
+        <a:scrgbClr r="0" g="0" b="0"/>
+      </a:fillRef>
+      <a:effectRef idx="0">
+        <a:scrgbClr r="0" g="0" b="0"/>
+      </a:effectRef>
+      <a:fontRef idx="minor"/>
+    </dgm:style>
+  </dgm:styleLbl>
+  <dgm:styleLbl name="parChTrans1D2">
+    <dgm:scene3d>
+      <a:camera prst="orthographicFront"/>
+      <a:lightRig rig="threePt" dir="t"/>
+    </dgm:scene3d>
+    <dgm:sp3d/>
+    <dgm:txPr/>
+    <dgm:style>
+      <a:lnRef idx="2">
+        <a:scrgbClr r="0" g="0" b="0"/>
+      </a:lnRef>
+      <a:fillRef idx="0">
+        <a:scrgbClr r="0" g="0" b="0"/>
+      </a:fillRef>
+      <a:effectRef idx="0">
+        <a:scrgbClr r="0" g="0" b="0"/>
+      </a:effectRef>
+      <a:fontRef idx="minor"/>
+    </dgm:style>
+  </dgm:styleLbl>
+  <dgm:styleLbl name="parChTrans1D3">
+    <dgm:scene3d>
+      <a:camera prst="orthographicFront"/>
+      <a:lightRig rig="threePt" dir="t"/>
+    </dgm:scene3d>
+    <dgm:sp3d/>
+    <dgm:txPr/>
+    <dgm:style>
+      <a:lnRef idx="2">
+        <a:scrgbClr r="0" g="0" b="0"/>
+      </a:lnRef>
+      <a:fillRef idx="0">
+        <a:scrgbClr r="0" g="0" b="0"/>
+      </a:fillRef>
+      <a:effectRef idx="0">
+        <a:scrgbClr r="0" g="0" b="0"/>
+      </a:effectRef>
+      <a:fontRef idx="minor"/>
+    </dgm:style>
+  </dgm:styleLbl>
+  <dgm:styleLbl name="parChTrans1D4">
+    <dgm:scene3d>
+      <a:camera prst="orthographicFront"/>
+      <a:lightRig rig="threePt" dir="t"/>
+    </dgm:scene3d>
+    <dgm:sp3d/>
+    <dgm:txPr/>
+    <dgm:style>
+      <a:lnRef idx="2">
+        <a:scrgbClr r="0" g="0" b="0"/>
+      </a:lnRef>
+      <a:fillRef idx="0">
+        <a:scrgbClr r="0" g="0" b="0"/>
+      </a:fillRef>
+      <a:effectRef idx="0">
+        <a:scrgbClr r="0" g="0" b="0"/>
+      </a:effectRef>
+      <a:fontRef idx="minor"/>
+    </dgm:style>
+  </dgm:styleLbl>
+  <dgm:styleLbl name="fgAcc1">
+    <dgm:scene3d>
+      <a:camera prst="orthographicFront"/>
+      <a:lightRig rig="threePt" dir="t"/>
+    </dgm:scene3d>
+    <dgm:sp3d/>
+    <dgm:txPr/>
+    <dgm:style>
+      <a:lnRef idx="2">
+        <a:scrgbClr r="0" g="0" b="0"/>
+      </a:lnRef>
+      <a:fillRef idx="1">
+        <a:scrgbClr r="0" g="0" b="0"/>
+      </a:fillRef>
+      <a:effectRef idx="0">
+        <a:scrgbClr r="0" g="0" b="0"/>
+      </a:effectRef>
+      <a:fontRef idx="minor"/>
+    </dgm:style>
+  </dgm:styleLbl>
+  <dgm:styleLbl name="conFgAcc1">
+    <dgm:scene3d>
+      <a:camera prst="orthographicFront"/>
+      <a:lightRig rig="threePt" dir="t"/>
+    </dgm:scene3d>
+    <dgm:sp3d/>
+    <dgm:txPr/>
+    <dgm:style>
+      <a:lnRef idx="2">
+        <a:scrgbClr r="0" g="0" b="0"/>
+      </a:lnRef>
+      <a:fillRef idx="1">
+        <a:scrgbClr r="0" g="0" b="0"/>
+      </a:fillRef>
+      <a:effectRef idx="0">
+        <a:scrgbClr r="0" g="0" b="0"/>
+      </a:effectRef>
+      <a:fontRef idx="minor"/>
+    </dgm:style>
+  </dgm:styleLbl>
+  <dgm:styleLbl name="alignAcc1">
+    <dgm:scene3d>
+      <a:camera prst="orthographicFront"/>
+      <a:lightRig rig="threePt" dir="t"/>
+    </dgm:scene3d>
+    <dgm:sp3d/>
+    <dgm:txPr/>
+    <dgm:style>
+      <a:lnRef idx="2">
+        <a:scrgbClr r="0" g="0" b="0"/>
+      </a:lnRef>
+      <a:fillRef idx="1">
+        <a:scrgbClr r="0" g="0" b="0"/>
+      </a:fillRef>
+      <a:effectRef idx="0">
+        <a:scrgbClr r="0" g="0" b="0"/>
+      </a:effectRef>
+      <a:fontRef idx="minor"/>
+    </dgm:style>
+  </dgm:styleLbl>
+  <dgm:styleLbl name="trAlignAcc1">
+    <dgm:scene3d>
+      <a:camera prst="orthographicFront"/>
+      <a:lightRig rig="threePt" dir="t"/>
+    </dgm:scene3d>
+    <dgm:sp3d/>
+    <dgm:txPr/>
+    <dgm:style>
+      <a:lnRef idx="1">
+        <a:scrgbClr r="0" g="0" b="0"/>
+      </a:lnRef>
+      <a:fillRef idx="1">
+        <a:scrgbClr r="0" g="0" b="0"/>
+      </a:fillRef>
+      <a:effectRef idx="0">
+        <a:scrgbClr r="0" g="0" b="0"/>
+      </a:effectRef>
+      <a:fontRef idx="minor"/>
+    </dgm:style>
+  </dgm:styleLbl>
+  <dgm:styleLbl name="bgAcc1">
+    <dgm:scene3d>
+      <a:camera prst="orthographicFront"/>
+      <a:lightRig rig="threePt" dir="t"/>
+    </dgm:scene3d>
+    <dgm:sp3d/>
+    <dgm:txPr/>
+    <dgm:style>
+      <a:lnRef idx="2">
+        <a:scrgbClr r="0" g="0" b="0"/>
+      </a:lnRef>
+      <a:fillRef idx="1">
+        <a:scrgbClr r="0" g="0" b="0"/>
+      </a:fillRef>
+      <a:effectRef idx="0">
+        <a:scrgbClr r="0" g="0" b="0"/>
+      </a:effectRef>
+      <a:fontRef idx="minor"/>
+    </dgm:style>
+  </dgm:styleLbl>
+  <dgm:styleLbl name="solidFgAcc1">
+    <dgm:scene3d>
+      <a:camera prst="orthographicFront"/>
+      <a:lightRig rig="threePt" dir="t"/>
+    </dgm:scene3d>
+    <dgm:sp3d/>
+    <dgm:txPr/>
+    <dgm:style>
+      <a:lnRef idx="2">
+        <a:scrgbClr r="0" g="0" b="0"/>
+      </a:lnRef>
+      <a:fillRef idx="1">
+        <a:scrgbClr r="0" g="0" b="0"/>
+      </a:fillRef>
+      <a:effectRef idx="0">
+        <a:scrgbClr r="0" g="0" b="0"/>
+      </a:effectRef>
+      <a:fontRef idx="minor"/>
+    </dgm:style>
+  </dgm:styleLbl>
+  <dgm:styleLbl name="solidAlignAcc1">
+    <dgm:scene3d>
+      <a:camera prst="orthographicFront"/>
+      <a:lightRig rig="threePt" dir="t"/>
+    </dgm:scene3d>
+    <dgm:sp3d/>
+    <dgm:txPr/>
+    <dgm:style>
+      <a:lnRef idx="2">
+        <a:scrgbClr r="0" g="0" b="0"/>
+      </a:lnRef>
+      <a:fillRef idx="1">
+        <a:scrgbClr r="0" g="0" b="0"/>
+      </a:fillRef>
+      <a:effectRef idx="0">
+        <a:scrgbClr r="0" g="0" b="0"/>
+      </a:effectRef>
+      <a:fontRef idx="minor"/>
+    </dgm:style>
+  </dgm:styleLbl>
+  <dgm:styleLbl name="solidBgAcc1">
+    <dgm:scene3d>
+      <a:camera prst="orthographicFront"/>
+      <a:lightRig rig="threePt" dir="t"/>
+    </dgm:scene3d>
+    <dgm:sp3d/>
+    <dgm:txPr/>
+    <dgm:style>
+      <a:lnRef idx="2">
+        <a:scrgbClr r="0" g="0" b="0"/>
+      </a:lnRef>
+      <a:fillRef idx="1">
+        <a:scrgbClr r="0" g="0" b="0"/>
+      </a:fillRef>
+      <a:effectRef idx="0">
+        <a:scrgbClr r="0" g="0" b="0"/>
+      </a:effectRef>
+      <a:fontRef idx="minor"/>
+    </dgm:style>
+  </dgm:styleLbl>
+  <dgm:styleLbl name="fgAccFollowNode1">
+    <dgm:scene3d>
+      <a:camera prst="orthographicFront"/>
+      <a:lightRig rig="threePt" dir="t"/>
+    </dgm:scene3d>
+    <dgm:sp3d/>
+    <dgm:txPr/>
+    <dgm:style>
+      <a:lnRef idx="2">
+        <a:scrgbClr r="0" g="0" b="0"/>
+      </a:lnRef>
+      <a:fillRef idx="1">
+        <a:scrgbClr r="0" g="0" b="0"/>
+      </a:fillRef>
+      <a:effectRef idx="0">
+        <a:scrgbClr r="0" g="0" b="0"/>
+      </a:effectRef>
+      <a:fontRef idx="minor"/>
+    </dgm:style>
+  </dgm:styleLbl>
+  <dgm:styleLbl name="alignAccFollowNode1">
+    <dgm:scene3d>
+      <a:camera prst="orthographicFront"/>
+      <a:lightRig rig="threePt" dir="t"/>
+    </dgm:scene3d>
+    <dgm:sp3d/>
+    <dgm:txPr/>
+    <dgm:style>
+      <a:lnRef idx="2">
+        <a:scrgbClr r="0" g="0" b="0"/>
+      </a:lnRef>
+      <a:fillRef idx="1">
+        <a:scrgbClr r="0" g="0" b="0"/>
+      </a:fillRef>
+      <a:effectRef idx="0">
+        <a:scrgbClr r="0" g="0" b="0"/>
+      </a:effectRef>
+      <a:fontRef idx="minor"/>
+    </dgm:style>
+  </dgm:styleLbl>
+  <dgm:styleLbl name="bgAccFollowNode1">
+    <dgm:scene3d>
+      <a:camera prst="orthographicFront"/>
+      <a:lightRig rig="threePt" dir="t"/>
+    </dgm:scene3d>
+    <dgm:sp3d/>
+    <dgm:txPr/>
+    <dgm:style>
+      <a:lnRef idx="2">
+        <a:scrgbClr r="0" g="0" b="0"/>
+      </a:lnRef>
+      <a:fillRef idx="1">
+        <a:scrgbClr r="0" g="0" b="0"/>
+      </a:fillRef>
+      <a:effectRef idx="0">
+        <a:scrgbClr r="0" g="0" b="0"/>
+      </a:effectRef>
+      <a:fontRef idx="minor"/>
+    </dgm:style>
+  </dgm:styleLbl>
+  <dgm:styleLbl name="fgAcc0">
+    <dgm:scene3d>
+      <a:camera prst="orthographicFront"/>
+      <a:lightRig rig="threePt" dir="t"/>
+    </dgm:scene3d>
+    <dgm:sp3d/>
+    <dgm:txPr/>
+    <dgm:style>
+      <a:lnRef idx="2">
+        <a:scrgbClr r="0" g="0" b="0"/>
+      </a:lnRef>
+      <a:fillRef idx="1">
+        <a:scrgbClr r="0" g="0" b="0"/>
+      </a:fillRef>
+      <a:effectRef idx="0">
+        <a:scrgbClr r="0" g="0" b="0"/>
+      </a:effectRef>
+      <a:fontRef idx="minor"/>
+    </dgm:style>
+  </dgm:styleLbl>
+  <dgm:styleLbl name="fgAcc2">
+    <dgm:scene3d>
+      <a:camera prst="orthographicFront"/>
+      <a:lightRig rig="threePt" dir="t"/>
+    </dgm:scene3d>
+    <dgm:sp3d/>
+    <dgm:txPr/>
+    <dgm:style>
+      <a:lnRef idx="2">
+        <a:scrgbClr r="0" g="0" b="0"/>
+      </a:lnRef>
+      <a:fillRef idx="1">
+        <a:scrgbClr r="0" g="0" b="0"/>
+      </a:fillRef>
+      <a:effectRef idx="0">
+        <a:scrgbClr r="0" g="0" b="0"/>
+      </a:effectRef>
+      <a:fontRef idx="minor"/>
+    </dgm:style>
+  </dgm:styleLbl>
+  <dgm:styleLbl name="fgAcc3">
+    <dgm:scene3d>
+      <a:camera prst="orthographicFront"/>
+      <a:lightRig rig="threePt" dir="t"/>
+    </dgm:scene3d>
+    <dgm:sp3d/>
+    <dgm:txPr/>
+    <dgm:style>
+      <a:lnRef idx="2">
+        <a:scrgbClr r="0" g="0" b="0"/>
+      </a:lnRef>
+      <a:fillRef idx="1">
+        <a:scrgbClr r="0" g="0" b="0"/>
+      </a:fillRef>
+      <a:effectRef idx="0">
+        <a:scrgbClr r="0" g="0" b="0"/>
+      </a:effectRef>
+      <a:fontRef idx="minor"/>
+    </dgm:style>
+  </dgm:styleLbl>
+  <dgm:styleLbl name="fgAcc4">
+    <dgm:scene3d>
+      <a:camera prst="orthographicFront"/>
+      <a:lightRig rig="threePt" dir="t"/>
+    </dgm:scene3d>
+    <dgm:sp3d/>
+    <dgm:txPr/>
+    <dgm:style>
+      <a:lnRef idx="2">
+        <a:scrgbClr r="0" g="0" b="0"/>
+      </a:lnRef>
+      <a:fillRef idx="1">
+        <a:scrgbClr r="0" g="0" b="0"/>
+      </a:fillRef>
+      <a:effectRef idx="0">
+        <a:scrgbClr r="0" g="0" b="0"/>
+      </a:effectRef>
+      <a:fontRef idx="minor"/>
+    </dgm:style>
+  </dgm:styleLbl>
+  <dgm:styleLbl name="bgShp">
+    <dgm:scene3d>
+      <a:camera prst="orthographicFront"/>
+      <a:lightRig rig="threePt" dir="t"/>
+    </dgm:scene3d>
+    <dgm:sp3d/>
+    <dgm:txPr/>
+    <dgm:style>
+      <a:lnRef idx="0">
+        <a:scrgbClr r="0" g="0" b="0"/>
+      </a:lnRef>
+      <a:fillRef idx="1">
+        <a:scrgbClr r="0" g="0" b="0"/>
+      </a:fillRef>
+      <a:effectRef idx="0">
+        <a:scrgbClr r="0" g="0" b="0"/>
+      </a:effectRef>
+      <a:fontRef idx="minor"/>
+    </dgm:style>
+  </dgm:styleLbl>
+  <dgm:styleLbl name="dkBgShp">
+    <dgm:scene3d>
+      <a:camera prst="orthographicFront"/>
+      <a:lightRig rig="threePt" dir="t"/>
+    </dgm:scene3d>
+    <dgm:sp3d/>
+    <dgm:txPr/>
+    <dgm:style>
+      <a:lnRef idx="0">
+        <a:scrgbClr r="0" g="0" b="0"/>
+      </a:lnRef>
+      <a:fillRef idx="1">
+        <a:scrgbClr r="0" g="0" b="0"/>
+      </a:fillRef>
+      <a:effectRef idx="0">
+        <a:scrgbClr r="0" g="0" b="0"/>
+      </a:effectRef>
+      <a:fontRef idx="minor"/>
+    </dgm:style>
+  </dgm:styleLbl>
+  <dgm:styleLbl name="trBgShp">
+    <dgm:scene3d>
+      <a:camera prst="orthographicFront"/>
+      <a:lightRig rig="threePt" dir="t"/>
+    </dgm:scene3d>
+    <dgm:sp3d/>
+    <dgm:txPr/>
+    <dgm:style>
+      <a:lnRef idx="0">
+        <a:scrgbClr r="0" g="0" b="0"/>
+      </a:lnRef>
+      <a:fillRef idx="1">
+        <a:scrgbClr r="0" g="0" b="0"/>
+      </a:fillRef>
+      <a:effectRef idx="0">
+        <a:scrgbClr r="0" g="0" b="0"/>
+      </a:effectRef>
+      <a:fontRef idx="minor"/>
+    </dgm:style>
+  </dgm:styleLbl>
+  <dgm:styleLbl name="fgShp">
+    <dgm:scene3d>
+      <a:camera prst="orthographicFront"/>
+      <a:lightRig rig="threePt" dir="t"/>
+    </dgm:scene3d>
+    <dgm:sp3d/>
+    <dgm:txPr/>
+    <dgm:style>
+      <a:lnRef idx="2">
+        <a:scrgbClr r="0" g="0" b="0"/>
+      </a:lnRef>
+      <a:fillRef idx="1">
+        <a:scrgbClr r="0" g="0" b="0"/>
+      </a:fillRef>
+      <a:effectRef idx="0">
+        <a:scrgbClr r="0" g="0" b="0"/>
+      </a:effectRef>
+      <a:fontRef idx="minor"/>
+    </dgm:style>
+  </dgm:styleLbl>
+  <dgm:styleLbl name="revTx">
+    <dgm:scene3d>
+      <a:camera prst="orthographicFront"/>
+      <a:lightRig rig="threePt" dir="t"/>
+    </dgm:scene3d>
+    <dgm:sp3d/>
+    <dgm:txPr/>
+    <dgm:style>
+      <a:lnRef idx="0">
+        <a:scrgbClr r="0" g="0" b="0"/>
+      </a:lnRef>
+      <a:fillRef idx="0">
+        <a:scrgbClr r="0" g="0" b="0"/>
+      </a:fillRef>
+      <a:effectRef idx="0">
+        <a:scrgbClr r="0" g="0" b="0"/>
+      </a:effectRef>
+      <a:fontRef idx="minor"/>
+    </dgm:style>
+  </dgm:styleLbl>
+</dgm:styleDef>
+</file>
+
 <file path=ppt/slideLayouts/slideLayout1.xml><?xml version="1.0" encoding="utf-8"?>
 <p:sldLayout xmlns:a="http://schemas.openxmlformats.org/drawingml/2006/main" xmlns:r="http://schemas.openxmlformats.org/officeDocument/2006/relationships" xmlns:p="http://schemas.openxmlformats.org/presentationml/2006/main" showMasterSp="0" type="title" preserve="1">
   <p:cSld name="Title Slide">
@@ -22752,7 +25607,7 @@
           <a:p>
             <a:fld id="{9184DA70-C731-4C70-880D-CCD4705E623C}" type="datetime1">
               <a:rPr lang="en-US" smtClean="0"/>
-              <a:t>1/17/24</a:t>
+              <a:t>8/26/24</a:t>
             </a:fld>
             <a:endParaRPr lang="en-US" dirty="0"/>
           </a:p>
@@ -22940,7 +25795,7 @@
           <a:p>
             <a:fld id="{B612A279-0833-481D-8C56-F67FD0AC6C50}" type="datetime1">
               <a:rPr lang="en-US" smtClean="0"/>
-              <a:t>1/17/24</a:t>
+              <a:t>8/26/24</a:t>
             </a:fld>
             <a:endParaRPr lang="en-US" dirty="0"/>
           </a:p>
@@ -23182,7 +26037,7 @@
           <a:p>
             <a:fld id="{6587DA83-5663-4C9C-B9AA-0B40A3DAFF81}" type="datetime1">
               <a:rPr lang="en-US" smtClean="0"/>
-              <a:t>1/17/24</a:t>
+              <a:t>8/26/24</a:t>
             </a:fld>
             <a:endParaRPr lang="en-US" dirty="0"/>
           </a:p>
@@ -23370,7 +26225,7 @@
           <a:p>
             <a:fld id="{4BE1D723-8F53-4F53-90B0-1982A396982E}" type="datetime1">
               <a:rPr lang="en-US" smtClean="0"/>
-              <a:t>1/17/24</a:t>
+              <a:t>8/26/24</a:t>
             </a:fld>
             <a:endParaRPr lang="en-US" dirty="0"/>
           </a:p>
@@ -23743,7 +26598,7 @@
           <a:p>
             <a:fld id="{97669AF7-7BEB-44E4-9852-375E34362B5B}" type="datetime1">
               <a:rPr lang="en-US" smtClean="0"/>
-              <a:t>1/17/24</a:t>
+              <a:t>8/26/24</a:t>
             </a:fld>
             <a:endParaRPr lang="en-US" dirty="0"/>
           </a:p>
@@ -23998,7 +26853,7 @@
           <a:p>
             <a:fld id="{BAAAC38D-0552-4C82-B593-E6124DFADBE2}" type="datetime1">
               <a:rPr lang="en-US" smtClean="0"/>
-              <a:t>1/17/24</a:t>
+              <a:t>8/26/24</a:t>
             </a:fld>
             <a:endParaRPr lang="en-US" dirty="0"/>
           </a:p>
@@ -24395,7 +27250,7 @@
           <a:p>
             <a:fld id="{D9DF0F1C-5577-4ACB-BB62-DF8F3C494C7E}" type="datetime1">
               <a:rPr lang="en-US" smtClean="0"/>
-              <a:t>1/17/24</a:t>
+              <a:t>8/26/24</a:t>
             </a:fld>
             <a:endParaRPr lang="en-US" dirty="0"/>
           </a:p>
@@ -24531,7 +27386,7 @@
           <a:p>
             <a:fld id="{1775B394-D9F9-4F0C-B15D-605F45CB9E9F}" type="datetime1">
               <a:rPr lang="en-US" smtClean="0"/>
-              <a:t>1/17/24</a:t>
+              <a:t>8/26/24</a:t>
             </a:fld>
             <a:endParaRPr lang="en-US" dirty="0"/>
           </a:p>
@@ -24688,7 +27543,7 @@
           <a:p>
             <a:fld id="{39667345-2558-425A-8533-9BFDBCE15005}" type="datetime1">
               <a:rPr lang="en-US" smtClean="0"/>
-              <a:t>1/17/24</a:t>
+              <a:t>8/26/24</a:t>
             </a:fld>
             <a:endParaRPr lang="en-US" dirty="0"/>
           </a:p>
@@ -25017,7 +27872,7 @@
           <a:p>
             <a:fld id="{92BEA474-078D-4E9B-9B14-09A87B19DC46}" type="datetime1">
               <a:rPr lang="en-US" smtClean="0"/>
-              <a:t>1/17/24</a:t>
+              <a:t>8/26/24</a:t>
             </a:fld>
             <a:endParaRPr lang="en-US" dirty="0"/>
           </a:p>
@@ -25367,7 +28222,7 @@
           <a:p>
             <a:fld id="{4907D986-8816-4272-A432-0437A28A9828}" type="datetime1">
               <a:rPr lang="en-US" smtClean="0"/>
-              <a:t>1/17/24</a:t>
+              <a:t>8/26/24</a:t>
             </a:fld>
             <a:endParaRPr lang="en-US" dirty="0"/>
           </a:p>
@@ -25628,7 +28483,7 @@
           <a:p>
             <a:fld id="{62D6E202-B606-4609-B914-27C9371A1F6D}" type="datetime1">
               <a:rPr lang="en-US" smtClean="0"/>
-              <a:t>1/17/24</a:t>
+              <a:t>8/26/24</a:t>
             </a:fld>
             <a:endParaRPr lang="en-US" dirty="0"/>
           </a:p>
@@ -26468,6 +29323,382 @@
           <a:chExt cx="0" cy="0"/>
         </a:xfrm>
       </p:grpSpPr>
+      <p:sp useBgFill="1">
+        <p:nvSpPr>
+          <p:cNvPr id="9" name="Rectangle 8">
+            <a:extLst>
+              <a:ext uri="{FF2B5EF4-FFF2-40B4-BE49-F238E27FC236}">
+                <a16:creationId xmlns:a16="http://schemas.microsoft.com/office/drawing/2014/main" id="{B0E58038-8ACE-4AD9-B404-25C603550D83}"/>
+              </a:ext>
+              <a:ext uri="{C183D7F6-B498-43B3-948B-1728B52AA6E4}">
+                <adec:decorative xmlns:adec="http://schemas.microsoft.com/office/drawing/2017/decorative" val="1"/>
+              </a:ext>
+            </a:extLst>
+          </p:cNvPr>
+          <p:cNvSpPr>
+            <a:spLocks noGrp="1" noRot="1" noChangeAspect="1" noMove="1" noResize="1" noEditPoints="1" noAdjustHandles="1" noChangeArrowheads="1" noChangeShapeType="1" noTextEdit="1"/>
+          </p:cNvSpPr>
+          <p:nvPr>
+            <p:extLst>
+              <p:ext uri="{386F3935-93C4-4BCD-93E2-E3B085C9AB24}">
+                <p16:designElem xmlns:p16="http://schemas.microsoft.com/office/powerpoint/2015/main" val="1"/>
+              </p:ext>
+            </p:extLst>
+          </p:nvPr>
+        </p:nvSpPr>
+        <p:spPr>
+          <a:xfrm>
+            <a:off x="0" y="0"/>
+            <a:ext cx="12191999" cy="6858000"/>
+          </a:xfrm>
+          <a:prstGeom prst="rect">
+            <a:avLst/>
+          </a:prstGeom>
+          <a:ln>
+            <a:noFill/>
+          </a:ln>
+        </p:spPr>
+        <p:style>
+          <a:lnRef idx="2">
+            <a:schemeClr val="accent1">
+              <a:shade val="50000"/>
+            </a:schemeClr>
+          </a:lnRef>
+          <a:fillRef idx="1">
+            <a:schemeClr val="accent1"/>
+          </a:fillRef>
+          <a:effectRef idx="0">
+            <a:schemeClr val="accent1"/>
+          </a:effectRef>
+          <a:fontRef idx="minor">
+            <a:schemeClr val="lt1"/>
+          </a:fontRef>
+        </p:style>
+        <p:txBody>
+          <a:bodyPr rtlCol="0" anchor="ctr"/>
+          <a:lstStyle/>
+          <a:p>
+            <a:pPr algn="ctr"/>
+            <a:endParaRPr lang="en-US"/>
+          </a:p>
+        </p:txBody>
+      </p:sp>
+      <p:pic>
+        <p:nvPicPr>
+          <p:cNvPr id="5" name="Picture 4">
+            <a:extLst>
+              <a:ext uri="{FF2B5EF4-FFF2-40B4-BE49-F238E27FC236}">
+                <a16:creationId xmlns:a16="http://schemas.microsoft.com/office/drawing/2014/main" id="{5E1C5BC8-4F32-4948-9614-C25F6FBF6275}"/>
+              </a:ext>
+            </a:extLst>
+          </p:cNvPr>
+          <p:cNvPicPr>
+            <a:picLocks noChangeAspect="1"/>
+          </p:cNvPicPr>
+          <p:nvPr/>
+        </p:nvPicPr>
+        <p:blipFill rotWithShape="1">
+          <a:blip r:embed="rId2">
+            <a:alphaModFix amt="35000"/>
+          </a:blip>
+          <a:srcRect/>
+          <a:stretch/>
+        </p:blipFill>
+        <p:spPr>
+          <a:xfrm>
+            <a:off x="20" y="10"/>
+            <a:ext cx="12191980" cy="6857990"/>
+          </a:xfrm>
+          <a:prstGeom prst="rect">
+            <a:avLst/>
+          </a:prstGeom>
+        </p:spPr>
+      </p:pic>
+      <p:sp>
+        <p:nvSpPr>
+          <p:cNvPr id="2" name="Title 1">
+            <a:extLst>
+              <a:ext uri="{FF2B5EF4-FFF2-40B4-BE49-F238E27FC236}">
+                <a16:creationId xmlns:a16="http://schemas.microsoft.com/office/drawing/2014/main" id="{7CBE918A-646C-E645-ADDE-9D0F94F8E509}"/>
+              </a:ext>
+            </a:extLst>
+          </p:cNvPr>
+          <p:cNvSpPr>
+            <a:spLocks noGrp="1"/>
+          </p:cNvSpPr>
+          <p:nvPr>
+            <p:ph type="title"/>
+          </p:nvPr>
+        </p:nvSpPr>
+        <p:spPr>
+          <a:xfrm>
+            <a:off x="1097280" y="286603"/>
+            <a:ext cx="10058400" cy="1450757"/>
+          </a:xfrm>
+        </p:spPr>
+        <p:txBody>
+          <a:bodyPr>
+            <a:normAutofit/>
+          </a:bodyPr>
+          <a:lstStyle/>
+          <a:p>
+            <a:r>
+              <a:rPr lang="en-US"/>
+              <a:t>Expectations</a:t>
+            </a:r>
+          </a:p>
+        </p:txBody>
+      </p:sp>
+      <p:cxnSp>
+        <p:nvCxnSpPr>
+          <p:cNvPr id="11" name="Straight Connector 10">
+            <a:extLst>
+              <a:ext uri="{FF2B5EF4-FFF2-40B4-BE49-F238E27FC236}">
+                <a16:creationId xmlns:a16="http://schemas.microsoft.com/office/drawing/2014/main" id="{38A34772-9011-42B5-AA63-FD6DEC92EE72}"/>
+              </a:ext>
+              <a:ext uri="{C183D7F6-B498-43B3-948B-1728B52AA6E4}">
+                <adec:decorative xmlns:adec="http://schemas.microsoft.com/office/drawing/2017/decorative" val="1"/>
+              </a:ext>
+            </a:extLst>
+          </p:cNvPr>
+          <p:cNvCxnSpPr>
+            <a:cxnSpLocks noGrp="1" noRot="1" noChangeAspect="1" noMove="1" noResize="1" noEditPoints="1" noAdjustHandles="1" noChangeArrowheads="1" noChangeShapeType="1"/>
+          </p:cNvCxnSpPr>
+          <p:nvPr>
+            <p:extLst>
+              <p:ext uri="{386F3935-93C4-4BCD-93E2-E3B085C9AB24}">
+                <p16:designElem xmlns:p16="http://schemas.microsoft.com/office/powerpoint/2015/main" val="1"/>
+              </p:ext>
+            </p:extLst>
+          </p:nvPr>
+        </p:nvCxnSpPr>
+        <p:spPr>
+          <a:xfrm>
+            <a:off x="1193532" y="1910746"/>
+            <a:ext cx="9966960" cy="0"/>
+          </a:xfrm>
+          <a:prstGeom prst="line">
+            <a:avLst/>
+          </a:prstGeom>
+          <a:ln w="12700">
+            <a:solidFill>
+              <a:schemeClr val="tx1"/>
+            </a:solidFill>
+          </a:ln>
+        </p:spPr>
+        <p:style>
+          <a:lnRef idx="1">
+            <a:schemeClr val="accent1"/>
+          </a:lnRef>
+          <a:fillRef idx="0">
+            <a:schemeClr val="accent1"/>
+          </a:fillRef>
+          <a:effectRef idx="0">
+            <a:schemeClr val="accent1"/>
+          </a:effectRef>
+          <a:fontRef idx="minor">
+            <a:schemeClr val="tx1"/>
+          </a:fontRef>
+        </p:style>
+      </p:cxnSp>
+      <p:sp>
+        <p:nvSpPr>
+          <p:cNvPr id="3" name="Content Placeholder 2">
+            <a:extLst>
+              <a:ext uri="{FF2B5EF4-FFF2-40B4-BE49-F238E27FC236}">
+                <a16:creationId xmlns:a16="http://schemas.microsoft.com/office/drawing/2014/main" id="{156CD9C8-CAFF-1F4A-A2BC-635B4B867F2B}"/>
+              </a:ext>
+            </a:extLst>
+          </p:cNvPr>
+          <p:cNvSpPr>
+            <a:spLocks noGrp="1"/>
+          </p:cNvSpPr>
+          <p:nvPr>
+            <p:ph idx="1"/>
+          </p:nvPr>
+        </p:nvSpPr>
+        <p:spPr>
+          <a:xfrm>
+            <a:off x="1097280" y="2108201"/>
+            <a:ext cx="10058400" cy="3760891"/>
+          </a:xfrm>
+        </p:spPr>
+        <p:txBody>
+          <a:bodyPr>
+            <a:normAutofit fontScale="92500" lnSpcReduction="10000"/>
+          </a:bodyPr>
+          <a:lstStyle/>
+          <a:p>
+            <a:r>
+              <a:rPr lang="en-US" dirty="0"/>
+              <a:t>Keep strategic goals in mind</a:t>
+            </a:r>
+          </a:p>
+          <a:p>
+            <a:pPr lvl="1"/>
+            <a:r>
+              <a:rPr lang="en-US" dirty="0"/>
+              <a:t>Prepare for professional life</a:t>
+            </a:r>
+          </a:p>
+          <a:p>
+            <a:pPr lvl="1"/>
+            <a:r>
+              <a:rPr lang="en-US" dirty="0"/>
+              <a:t>Cultivate a growth mindset</a:t>
+            </a:r>
+          </a:p>
+          <a:p>
+            <a:pPr lvl="1"/>
+            <a:r>
+              <a:rPr lang="en-US" dirty="0"/>
+              <a:t>Our tactics can change</a:t>
+            </a:r>
+          </a:p>
+          <a:p>
+            <a:r>
+              <a:rPr lang="en-US" dirty="0"/>
+              <a:t>Be transparent</a:t>
+            </a:r>
+          </a:p>
+          <a:p>
+            <a:pPr lvl="1"/>
+            <a:r>
+              <a:rPr lang="en-US" dirty="0"/>
+              <a:t>Communicate to me and your classmates about opportunities, challenges</a:t>
+            </a:r>
+          </a:p>
+          <a:p>
+            <a:pPr lvl="1"/>
+            <a:r>
+              <a:rPr lang="en-US" dirty="0"/>
+              <a:t>Communicate early, when issues are just emerging and easier to address</a:t>
+            </a:r>
+          </a:p>
+          <a:p>
+            <a:r>
+              <a:rPr lang="en-US" dirty="0"/>
+              <a:t>Commit</a:t>
+            </a:r>
+          </a:p>
+          <a:p>
+            <a:pPr lvl="1"/>
+            <a:r>
+              <a:rPr lang="en-US" dirty="0"/>
+              <a:t>Stay focused</a:t>
+            </a:r>
+          </a:p>
+          <a:p>
+            <a:pPr lvl="1"/>
+            <a:r>
+              <a:rPr lang="en-US" dirty="0"/>
+              <a:t>Adapt as needed</a:t>
+            </a:r>
+          </a:p>
+        </p:txBody>
+      </p:sp>
+      <p:sp>
+        <p:nvSpPr>
+          <p:cNvPr id="13" name="Rectangle 12">
+            <a:extLst>
+              <a:ext uri="{FF2B5EF4-FFF2-40B4-BE49-F238E27FC236}">
+                <a16:creationId xmlns:a16="http://schemas.microsoft.com/office/drawing/2014/main" id="{82BCDE19-2810-4337-9C49-8589C421767D}"/>
+              </a:ext>
+              <a:ext uri="{C183D7F6-B498-43B3-948B-1728B52AA6E4}">
+                <adec:decorative xmlns:adec="http://schemas.microsoft.com/office/drawing/2017/decorative" val="1"/>
+              </a:ext>
+            </a:extLst>
+          </p:cNvPr>
+          <p:cNvSpPr>
+            <a:spLocks noGrp="1" noRot="1" noChangeAspect="1" noMove="1" noResize="1" noEditPoints="1" noAdjustHandles="1" noChangeArrowheads="1" noChangeShapeType="1" noTextEdit="1"/>
+          </p:cNvSpPr>
+          <p:nvPr>
+            <p:extLst>
+              <p:ext uri="{386F3935-93C4-4BCD-93E2-E3B085C9AB24}">
+                <p16:designElem xmlns:p16="http://schemas.microsoft.com/office/powerpoint/2015/main" val="1"/>
+              </p:ext>
+            </p:extLst>
+          </p:nvPr>
+        </p:nvSpPr>
+        <p:spPr>
+          <a:xfrm>
+            <a:off x="1" y="6400800"/>
+            <a:ext cx="12192000" cy="457200"/>
+          </a:xfrm>
+          <a:prstGeom prst="rect">
+            <a:avLst/>
+          </a:prstGeom>
+          <a:solidFill>
+            <a:srgbClr val="262626">
+              <a:alpha val="95000"/>
+            </a:srgbClr>
+          </a:solidFill>
+          <a:ln>
+            <a:noFill/>
+          </a:ln>
+        </p:spPr>
+        <p:style>
+          <a:lnRef idx="2">
+            <a:schemeClr val="accent1">
+              <a:shade val="50000"/>
+            </a:schemeClr>
+          </a:lnRef>
+          <a:fillRef idx="1">
+            <a:schemeClr val="accent1"/>
+          </a:fillRef>
+          <a:effectRef idx="0">
+            <a:schemeClr val="accent1"/>
+          </a:effectRef>
+          <a:fontRef idx="minor">
+            <a:schemeClr val="lt1"/>
+          </a:fontRef>
+        </p:style>
+        <p:txBody>
+          <a:bodyPr/>
+          <a:lstStyle/>
+          <a:p>
+            <a:endParaRPr lang="en-US"/>
+          </a:p>
+        </p:txBody>
+      </p:sp>
+    </p:spTree>
+    <p:extLst>
+      <p:ext uri="{BB962C8B-B14F-4D97-AF65-F5344CB8AC3E}">
+        <p14:creationId xmlns:p14="http://schemas.microsoft.com/office/powerpoint/2010/main" val="2614917909"/>
+      </p:ext>
+    </p:extLst>
+  </p:cSld>
+  <p:clrMapOvr>
+    <a:overrideClrMapping bg1="dk1" tx1="lt1" bg2="dk2" tx2="lt2" accent1="accent1" accent2="accent2" accent3="accent3" accent4="accent4" accent5="accent5" accent6="accent6" hlink="hlink" folHlink="folHlink"/>
+  </p:clrMapOvr>
+</p:sld>
+</file>
+
+<file path=ppt/slides/slide11.xml><?xml version="1.0" encoding="utf-8"?>
+<p:sld xmlns:a="http://schemas.openxmlformats.org/drawingml/2006/main" xmlns:r="http://schemas.openxmlformats.org/officeDocument/2006/relationships" xmlns:p="http://schemas.openxmlformats.org/presentationml/2006/main">
+  <p:cSld>
+    <p:bg>
+      <p:bgPr>
+        <a:solidFill>
+          <a:schemeClr val="bg1"/>
+        </a:solidFill>
+        <a:effectLst/>
+      </p:bgPr>
+    </p:bg>
+    <p:spTree>
+      <p:nvGrpSpPr>
+        <p:cNvPr id="1" name=""/>
+        <p:cNvGrpSpPr/>
+        <p:nvPr/>
+      </p:nvGrpSpPr>
+      <p:grpSpPr>
+        <a:xfrm>
+          <a:off x="0" y="0"/>
+          <a:ext cx="0" cy="0"/>
+          <a:chOff x="0" y="0"/>
+          <a:chExt cx="0" cy="0"/>
+        </a:xfrm>
+      </p:grpSpPr>
       <p:sp>
         <p:nvSpPr>
           <p:cNvPr id="9" name="Rectangle 8">
@@ -26919,7 +30150,7 @@
             <p:ph idx="1"/>
             <p:extLst>
               <p:ext uri="{D42A27DB-BD31-4B8C-83A1-F6EECF244321}">
-                <p14:modId xmlns:p14="http://schemas.microsoft.com/office/powerpoint/2010/main" val="885361537"/>
+                <p14:modId xmlns:p14="http://schemas.microsoft.com/office/powerpoint/2010/main" val="370926473"/>
               </p:ext>
             </p:extLst>
           </p:nvPr>
@@ -26948,6 +30179,408 @@
 </file>
 
 <file path=ppt/slides/slide3.xml><?xml version="1.0" encoding="utf-8"?>
+<p:sld xmlns:a="http://schemas.openxmlformats.org/drawingml/2006/main" xmlns:r="http://schemas.openxmlformats.org/officeDocument/2006/relationships" xmlns:p="http://schemas.openxmlformats.org/presentationml/2006/main">
+  <p:cSld>
+    <p:spTree>
+      <p:nvGrpSpPr>
+        <p:cNvPr id="1" name=""/>
+        <p:cNvGrpSpPr/>
+        <p:nvPr/>
+      </p:nvGrpSpPr>
+      <p:grpSpPr>
+        <a:xfrm>
+          <a:off x="0" y="0"/>
+          <a:ext cx="0" cy="0"/>
+          <a:chOff x="0" y="0"/>
+          <a:chExt cx="0" cy="0"/>
+        </a:xfrm>
+      </p:grpSpPr>
+      <p:sp>
+        <p:nvSpPr>
+          <p:cNvPr id="4" name="Title 3">
+            <a:extLst>
+              <a:ext uri="{FF2B5EF4-FFF2-40B4-BE49-F238E27FC236}">
+                <a16:creationId xmlns:a16="http://schemas.microsoft.com/office/drawing/2014/main" id="{9FD14C3A-B1AC-F536-90BF-80ADD44A19AE}"/>
+              </a:ext>
+            </a:extLst>
+          </p:cNvPr>
+          <p:cNvSpPr>
+            <a:spLocks noGrp="1"/>
+          </p:cNvSpPr>
+          <p:nvPr>
+            <p:ph type="title"/>
+          </p:nvPr>
+        </p:nvSpPr>
+        <p:spPr>
+          <a:xfrm>
+            <a:off x="838200" y="365126"/>
+            <a:ext cx="10515600" cy="946840"/>
+          </a:xfrm>
+        </p:spPr>
+        <p:txBody>
+          <a:bodyPr/>
+          <a:lstStyle/>
+          <a:p>
+            <a:pPr algn="ctr"/>
+            <a:r>
+              <a:rPr lang="en-US" dirty="0"/>
+              <a:t>State of the Field Components</a:t>
+            </a:r>
+          </a:p>
+        </p:txBody>
+      </p:sp>
+      <p:graphicFrame>
+        <p:nvGraphicFramePr>
+          <p:cNvPr id="6" name="Diagram 5">
+            <a:extLst>
+              <a:ext uri="{FF2B5EF4-FFF2-40B4-BE49-F238E27FC236}">
+                <a16:creationId xmlns:a16="http://schemas.microsoft.com/office/drawing/2014/main" id="{856B471F-6B64-E125-4131-3B4D6CA614CA}"/>
+              </a:ext>
+            </a:extLst>
+          </p:cNvPr>
+          <p:cNvGraphicFramePr/>
+          <p:nvPr>
+            <p:extLst>
+              <p:ext uri="{D42A27DB-BD31-4B8C-83A1-F6EECF244321}">
+                <p14:modId xmlns:p14="http://schemas.microsoft.com/office/powerpoint/2010/main" val="2900435134"/>
+              </p:ext>
+            </p:extLst>
+          </p:nvPr>
+        </p:nvGraphicFramePr>
+        <p:xfrm>
+          <a:off x="1921566" y="1311966"/>
+          <a:ext cx="10270434" cy="4810539"/>
+        </p:xfrm>
+        <a:graphic>
+          <a:graphicData uri="http://schemas.openxmlformats.org/drawingml/2006/diagram">
+            <dgm:relIds xmlns:dgm="http://schemas.openxmlformats.org/drawingml/2006/diagram" xmlns:r="http://schemas.openxmlformats.org/officeDocument/2006/relationships" r:dm="rId2" r:lo="rId3" r:qs="rId4" r:cs="rId5"/>
+          </a:graphicData>
+        </a:graphic>
+      </p:graphicFrame>
+      <p:sp>
+        <p:nvSpPr>
+          <p:cNvPr id="9" name="Left Brace 8">
+            <a:extLst>
+              <a:ext uri="{FF2B5EF4-FFF2-40B4-BE49-F238E27FC236}">
+                <a16:creationId xmlns:a16="http://schemas.microsoft.com/office/drawing/2014/main" id="{B88A0BBD-F8BB-F323-FE4D-EEB4512F6D43}"/>
+              </a:ext>
+            </a:extLst>
+          </p:cNvPr>
+          <p:cNvSpPr/>
+          <p:nvPr/>
+        </p:nvSpPr>
+        <p:spPr>
+          <a:xfrm>
+            <a:off x="1847551" y="4523555"/>
+            <a:ext cx="1673414" cy="1598949"/>
+          </a:xfrm>
+          <a:prstGeom prst="leftBrace">
+            <a:avLst>
+              <a:gd name="adj1" fmla="val 8333"/>
+              <a:gd name="adj2" fmla="val 48867"/>
+            </a:avLst>
+          </a:prstGeom>
+          <a:ln>
+            <a:solidFill>
+              <a:schemeClr val="accent6"/>
+            </a:solidFill>
+          </a:ln>
+        </p:spPr>
+        <p:style>
+          <a:lnRef idx="2">
+            <a:schemeClr val="accent1"/>
+          </a:lnRef>
+          <a:fillRef idx="0">
+            <a:schemeClr val="accent1"/>
+          </a:fillRef>
+          <a:effectRef idx="1">
+            <a:schemeClr val="accent1"/>
+          </a:effectRef>
+          <a:fontRef idx="minor">
+            <a:schemeClr val="tx1"/>
+          </a:fontRef>
+        </p:style>
+        <p:txBody>
+          <a:bodyPr rtlCol="0" anchor="ctr"/>
+          <a:lstStyle/>
+          <a:p>
+            <a:pPr algn="ctr"/>
+            <a:endParaRPr lang="en-US"/>
+          </a:p>
+        </p:txBody>
+      </p:sp>
+      <p:sp>
+        <p:nvSpPr>
+          <p:cNvPr id="10" name="TextBox 9">
+            <a:extLst>
+              <a:ext uri="{FF2B5EF4-FFF2-40B4-BE49-F238E27FC236}">
+                <a16:creationId xmlns:a16="http://schemas.microsoft.com/office/drawing/2014/main" id="{0B111EB8-33C3-58EE-08A3-08708E2EB4DC}"/>
+              </a:ext>
+            </a:extLst>
+          </p:cNvPr>
+          <p:cNvSpPr txBox="1"/>
+          <p:nvPr/>
+        </p:nvSpPr>
+        <p:spPr>
+          <a:xfrm>
+            <a:off x="259559" y="5138363"/>
+            <a:ext cx="1532727" cy="369332"/>
+          </a:xfrm>
+          <a:prstGeom prst="rect">
+            <a:avLst/>
+          </a:prstGeom>
+          <a:noFill/>
+        </p:spPr>
+        <p:txBody>
+          <a:bodyPr wrap="none" rtlCol="0">
+            <a:spAutoFit/>
+          </a:bodyPr>
+          <a:lstStyle/>
+          <a:p>
+            <a:r>
+              <a:rPr lang="en-US" dirty="0"/>
+              <a:t>Assignment 1</a:t>
+            </a:r>
+          </a:p>
+        </p:txBody>
+      </p:sp>
+      <p:sp>
+        <p:nvSpPr>
+          <p:cNvPr id="11" name="Left Brace 10">
+            <a:extLst>
+              <a:ext uri="{FF2B5EF4-FFF2-40B4-BE49-F238E27FC236}">
+                <a16:creationId xmlns:a16="http://schemas.microsoft.com/office/drawing/2014/main" id="{89636D1B-A728-1875-0AFE-58D2527F3B02}"/>
+              </a:ext>
+            </a:extLst>
+          </p:cNvPr>
+          <p:cNvSpPr/>
+          <p:nvPr/>
+        </p:nvSpPr>
+        <p:spPr>
+          <a:xfrm>
+            <a:off x="1849731" y="2974428"/>
+            <a:ext cx="3405442" cy="3148076"/>
+          </a:xfrm>
+          <a:prstGeom prst="leftBrace">
+            <a:avLst>
+              <a:gd name="adj1" fmla="val 8333"/>
+              <a:gd name="adj2" fmla="val 21007"/>
+            </a:avLst>
+          </a:prstGeom>
+          <a:ln>
+            <a:solidFill>
+              <a:schemeClr val="accent6"/>
+            </a:solidFill>
+          </a:ln>
+        </p:spPr>
+        <p:style>
+          <a:lnRef idx="2">
+            <a:schemeClr val="accent1"/>
+          </a:lnRef>
+          <a:fillRef idx="0">
+            <a:schemeClr val="accent1"/>
+          </a:fillRef>
+          <a:effectRef idx="1">
+            <a:schemeClr val="accent1"/>
+          </a:effectRef>
+          <a:fontRef idx="minor">
+            <a:schemeClr val="tx1"/>
+          </a:fontRef>
+        </p:style>
+        <p:txBody>
+          <a:bodyPr rtlCol="0" anchor="ctr"/>
+          <a:lstStyle/>
+          <a:p>
+            <a:pPr algn="ctr"/>
+            <a:endParaRPr lang="en-US"/>
+          </a:p>
+        </p:txBody>
+      </p:sp>
+      <p:sp>
+        <p:nvSpPr>
+          <p:cNvPr id="12" name="TextBox 11">
+            <a:extLst>
+              <a:ext uri="{FF2B5EF4-FFF2-40B4-BE49-F238E27FC236}">
+                <a16:creationId xmlns:a16="http://schemas.microsoft.com/office/drawing/2014/main" id="{A56D707B-D976-808A-AC5B-C397AB27FEAE}"/>
+              </a:ext>
+            </a:extLst>
+          </p:cNvPr>
+          <p:cNvSpPr txBox="1"/>
+          <p:nvPr/>
+        </p:nvSpPr>
+        <p:spPr>
+          <a:xfrm>
+            <a:off x="259560" y="3462309"/>
+            <a:ext cx="1532727" cy="369332"/>
+          </a:xfrm>
+          <a:prstGeom prst="rect">
+            <a:avLst/>
+          </a:prstGeom>
+          <a:noFill/>
+        </p:spPr>
+        <p:txBody>
+          <a:bodyPr wrap="none" rtlCol="0">
+            <a:spAutoFit/>
+          </a:bodyPr>
+          <a:lstStyle/>
+          <a:p>
+            <a:r>
+              <a:rPr lang="en-US" dirty="0"/>
+              <a:t>Assignment 2</a:t>
+            </a:r>
+          </a:p>
+        </p:txBody>
+      </p:sp>
+      <p:sp>
+        <p:nvSpPr>
+          <p:cNvPr id="16" name="Left Brace 15">
+            <a:extLst>
+              <a:ext uri="{FF2B5EF4-FFF2-40B4-BE49-F238E27FC236}">
+                <a16:creationId xmlns:a16="http://schemas.microsoft.com/office/drawing/2014/main" id="{5CAC25D5-7121-C51D-0540-2F15D354BC15}"/>
+              </a:ext>
+            </a:extLst>
+          </p:cNvPr>
+          <p:cNvSpPr/>
+          <p:nvPr/>
+        </p:nvSpPr>
+        <p:spPr>
+          <a:xfrm>
+            <a:off x="1847551" y="1311965"/>
+            <a:ext cx="5152338" cy="4810539"/>
+          </a:xfrm>
+          <a:prstGeom prst="leftBrace">
+            <a:avLst>
+              <a:gd name="adj1" fmla="val 8333"/>
+              <a:gd name="adj2" fmla="val 19849"/>
+            </a:avLst>
+          </a:prstGeom>
+          <a:ln>
+            <a:solidFill>
+              <a:schemeClr val="accent6"/>
+            </a:solidFill>
+          </a:ln>
+        </p:spPr>
+        <p:style>
+          <a:lnRef idx="2">
+            <a:schemeClr val="accent1"/>
+          </a:lnRef>
+          <a:fillRef idx="0">
+            <a:schemeClr val="accent1"/>
+          </a:fillRef>
+          <a:effectRef idx="1">
+            <a:schemeClr val="accent1"/>
+          </a:effectRef>
+          <a:fontRef idx="minor">
+            <a:schemeClr val="tx1"/>
+          </a:fontRef>
+        </p:style>
+        <p:txBody>
+          <a:bodyPr rtlCol="0" anchor="ctr"/>
+          <a:lstStyle/>
+          <a:p>
+            <a:pPr algn="ctr"/>
+            <a:endParaRPr lang="en-US"/>
+          </a:p>
+        </p:txBody>
+      </p:sp>
+      <p:sp>
+        <p:nvSpPr>
+          <p:cNvPr id="17" name="TextBox 16">
+            <a:extLst>
+              <a:ext uri="{FF2B5EF4-FFF2-40B4-BE49-F238E27FC236}">
+                <a16:creationId xmlns:a16="http://schemas.microsoft.com/office/drawing/2014/main" id="{BBA3AC79-FFEF-2927-466C-91814D904569}"/>
+              </a:ext>
+            </a:extLst>
+          </p:cNvPr>
+          <p:cNvSpPr txBox="1"/>
+          <p:nvPr/>
+        </p:nvSpPr>
+        <p:spPr>
+          <a:xfrm>
+            <a:off x="259558" y="2110474"/>
+            <a:ext cx="1532727" cy="369332"/>
+          </a:xfrm>
+          <a:prstGeom prst="rect">
+            <a:avLst/>
+          </a:prstGeom>
+          <a:noFill/>
+        </p:spPr>
+        <p:txBody>
+          <a:bodyPr wrap="none" rtlCol="0">
+            <a:spAutoFit/>
+          </a:bodyPr>
+          <a:lstStyle/>
+          <a:p>
+            <a:r>
+              <a:rPr lang="en-US" dirty="0"/>
+              <a:t>Assignment 3</a:t>
+            </a:r>
+          </a:p>
+        </p:txBody>
+      </p:sp>
+      <p:sp>
+        <p:nvSpPr>
+          <p:cNvPr id="2" name="Up Arrow 1">
+            <a:extLst>
+              <a:ext uri="{FF2B5EF4-FFF2-40B4-BE49-F238E27FC236}">
+                <a16:creationId xmlns:a16="http://schemas.microsoft.com/office/drawing/2014/main" id="{8AB1B8BB-15FC-02B5-69B2-AF96D4F0CC87}"/>
+              </a:ext>
+            </a:extLst>
+          </p:cNvPr>
+          <p:cNvSpPr/>
+          <p:nvPr/>
+        </p:nvSpPr>
+        <p:spPr>
+          <a:xfrm>
+            <a:off x="10500300" y="1311965"/>
+            <a:ext cx="1689520" cy="4810539"/>
+          </a:xfrm>
+          <a:prstGeom prst="upArrow">
+            <a:avLst/>
+          </a:prstGeom>
+        </p:spPr>
+        <p:style>
+          <a:lnRef idx="2">
+            <a:schemeClr val="accent1">
+              <a:shade val="15000"/>
+            </a:schemeClr>
+          </a:lnRef>
+          <a:fillRef idx="1">
+            <a:schemeClr val="accent1"/>
+          </a:fillRef>
+          <a:effectRef idx="0">
+            <a:schemeClr val="accent1"/>
+          </a:effectRef>
+          <a:fontRef idx="minor">
+            <a:schemeClr val="lt1"/>
+          </a:fontRef>
+        </p:style>
+        <p:txBody>
+          <a:bodyPr rtlCol="0" anchor="ctr"/>
+          <a:lstStyle/>
+          <a:p>
+            <a:pPr algn="ctr"/>
+            <a:r>
+              <a:rPr lang="en-US" dirty="0"/>
+              <a:t>Time</a:t>
+            </a:r>
+          </a:p>
+        </p:txBody>
+      </p:sp>
+    </p:spTree>
+    <p:extLst>
+      <p:ext uri="{BB962C8B-B14F-4D97-AF65-F5344CB8AC3E}">
+        <p14:creationId xmlns:p14="http://schemas.microsoft.com/office/powerpoint/2010/main" val="885628268"/>
+      </p:ext>
+    </p:extLst>
+  </p:cSld>
+  <p:clrMapOvr>
+    <a:masterClrMapping/>
+  </p:clrMapOvr>
+</p:sld>
+</file>
+
+<file path=ppt/slides/slide4.xml><?xml version="1.0" encoding="utf-8"?>
 <p:sld xmlns:a="http://schemas.openxmlformats.org/drawingml/2006/main" xmlns:r="http://schemas.openxmlformats.org/officeDocument/2006/relationships" xmlns:p="http://schemas.openxmlformats.org/presentationml/2006/main">
   <p:cSld>
     <p:bg>
@@ -27180,7 +30813,7 @@
 </p:sld>
 </file>
 
-<file path=ppt/slides/slide4.xml><?xml version="1.0" encoding="utf-8"?>
+<file path=ppt/slides/slide5.xml><?xml version="1.0" encoding="utf-8"?>
 <p:sld xmlns:a="http://schemas.openxmlformats.org/drawingml/2006/main" xmlns:r="http://schemas.openxmlformats.org/officeDocument/2006/relationships" xmlns:p="http://schemas.openxmlformats.org/presentationml/2006/main">
   <p:cSld>
     <p:bg>
@@ -27513,7 +31146,7 @@
 </p:sld>
 </file>
 
-<file path=ppt/slides/slide5.xml><?xml version="1.0" encoding="utf-8"?>
+<file path=ppt/slides/slide6.xml><?xml version="1.0" encoding="utf-8"?>
 <p:sld xmlns:a="http://schemas.openxmlformats.org/drawingml/2006/main" xmlns:r="http://schemas.openxmlformats.org/officeDocument/2006/relationships" xmlns:p="http://schemas.openxmlformats.org/presentationml/2006/main">
   <p:cSld>
     <p:bg>
@@ -27791,7 +31424,7 @@
 </p:sld>
 </file>
 
-<file path=ppt/slides/slide6.xml><?xml version="1.0" encoding="utf-8"?>
+<file path=ppt/slides/slide7.xml><?xml version="1.0" encoding="utf-8"?>
 <p:sld xmlns:a="http://schemas.openxmlformats.org/drawingml/2006/main" xmlns:r="http://schemas.openxmlformats.org/officeDocument/2006/relationships" xmlns:p="http://schemas.openxmlformats.org/presentationml/2006/main">
   <p:cSld>
     <p:bg>
@@ -28095,7 +31728,7 @@
 </p:sld>
 </file>
 
-<file path=ppt/slides/slide7.xml><?xml version="1.0" encoding="utf-8"?>
+<file path=ppt/slides/slide8.xml><?xml version="1.0" encoding="utf-8"?>
 <p:sld xmlns:a="http://schemas.openxmlformats.org/drawingml/2006/main" xmlns:r="http://schemas.openxmlformats.org/officeDocument/2006/relationships" xmlns:p="http://schemas.openxmlformats.org/presentationml/2006/main">
   <p:cSld>
     <p:bg>
@@ -28377,7 +32010,7 @@
 </p:sld>
 </file>
 
-<file path=ppt/slides/slide8.xml><?xml version="1.0" encoding="utf-8"?>
+<file path=ppt/slides/slide9.xml><?xml version="1.0" encoding="utf-8"?>
 <p:sld xmlns:a="http://schemas.openxmlformats.org/drawingml/2006/main" xmlns:r="http://schemas.openxmlformats.org/officeDocument/2006/relationships" xmlns:p="http://schemas.openxmlformats.org/presentationml/2006/main">
   <p:cSld>
     <p:bg>
@@ -28707,382 +32340,6 @@
 </p:sld>
 </file>
 
-<file path=ppt/slides/slide9.xml><?xml version="1.0" encoding="utf-8"?>
-<p:sld xmlns:a="http://schemas.openxmlformats.org/drawingml/2006/main" xmlns:r="http://schemas.openxmlformats.org/officeDocument/2006/relationships" xmlns:p="http://schemas.openxmlformats.org/presentationml/2006/main">
-  <p:cSld>
-    <p:bg>
-      <p:bgPr>
-        <a:solidFill>
-          <a:schemeClr val="bg1"/>
-        </a:solidFill>
-        <a:effectLst/>
-      </p:bgPr>
-    </p:bg>
-    <p:spTree>
-      <p:nvGrpSpPr>
-        <p:cNvPr id="1" name=""/>
-        <p:cNvGrpSpPr/>
-        <p:nvPr/>
-      </p:nvGrpSpPr>
-      <p:grpSpPr>
-        <a:xfrm>
-          <a:off x="0" y="0"/>
-          <a:ext cx="0" cy="0"/>
-          <a:chOff x="0" y="0"/>
-          <a:chExt cx="0" cy="0"/>
-        </a:xfrm>
-      </p:grpSpPr>
-      <p:sp useBgFill="1">
-        <p:nvSpPr>
-          <p:cNvPr id="9" name="Rectangle 8">
-            <a:extLst>
-              <a:ext uri="{FF2B5EF4-FFF2-40B4-BE49-F238E27FC236}">
-                <a16:creationId xmlns:a16="http://schemas.microsoft.com/office/drawing/2014/main" id="{B0E58038-8ACE-4AD9-B404-25C603550D83}"/>
-              </a:ext>
-              <a:ext uri="{C183D7F6-B498-43B3-948B-1728B52AA6E4}">
-                <adec:decorative xmlns:adec="http://schemas.microsoft.com/office/drawing/2017/decorative" val="1"/>
-              </a:ext>
-            </a:extLst>
-          </p:cNvPr>
-          <p:cNvSpPr>
-            <a:spLocks noGrp="1" noRot="1" noChangeAspect="1" noMove="1" noResize="1" noEditPoints="1" noAdjustHandles="1" noChangeArrowheads="1" noChangeShapeType="1" noTextEdit="1"/>
-          </p:cNvSpPr>
-          <p:nvPr>
-            <p:extLst>
-              <p:ext uri="{386F3935-93C4-4BCD-93E2-E3B085C9AB24}">
-                <p16:designElem xmlns:p16="http://schemas.microsoft.com/office/powerpoint/2015/main" val="1"/>
-              </p:ext>
-            </p:extLst>
-          </p:nvPr>
-        </p:nvSpPr>
-        <p:spPr>
-          <a:xfrm>
-            <a:off x="0" y="0"/>
-            <a:ext cx="12191999" cy="6858000"/>
-          </a:xfrm>
-          <a:prstGeom prst="rect">
-            <a:avLst/>
-          </a:prstGeom>
-          <a:ln>
-            <a:noFill/>
-          </a:ln>
-        </p:spPr>
-        <p:style>
-          <a:lnRef idx="2">
-            <a:schemeClr val="accent1">
-              <a:shade val="50000"/>
-            </a:schemeClr>
-          </a:lnRef>
-          <a:fillRef idx="1">
-            <a:schemeClr val="accent1"/>
-          </a:fillRef>
-          <a:effectRef idx="0">
-            <a:schemeClr val="accent1"/>
-          </a:effectRef>
-          <a:fontRef idx="minor">
-            <a:schemeClr val="lt1"/>
-          </a:fontRef>
-        </p:style>
-        <p:txBody>
-          <a:bodyPr rtlCol="0" anchor="ctr"/>
-          <a:lstStyle/>
-          <a:p>
-            <a:pPr algn="ctr"/>
-            <a:endParaRPr lang="en-US"/>
-          </a:p>
-        </p:txBody>
-      </p:sp>
-      <p:pic>
-        <p:nvPicPr>
-          <p:cNvPr id="5" name="Picture 4">
-            <a:extLst>
-              <a:ext uri="{FF2B5EF4-FFF2-40B4-BE49-F238E27FC236}">
-                <a16:creationId xmlns:a16="http://schemas.microsoft.com/office/drawing/2014/main" id="{5E1C5BC8-4F32-4948-9614-C25F6FBF6275}"/>
-              </a:ext>
-            </a:extLst>
-          </p:cNvPr>
-          <p:cNvPicPr>
-            <a:picLocks noChangeAspect="1"/>
-          </p:cNvPicPr>
-          <p:nvPr/>
-        </p:nvPicPr>
-        <p:blipFill rotWithShape="1">
-          <a:blip r:embed="rId2">
-            <a:alphaModFix amt="35000"/>
-          </a:blip>
-          <a:srcRect/>
-          <a:stretch/>
-        </p:blipFill>
-        <p:spPr>
-          <a:xfrm>
-            <a:off x="20" y="10"/>
-            <a:ext cx="12191980" cy="6857990"/>
-          </a:xfrm>
-          <a:prstGeom prst="rect">
-            <a:avLst/>
-          </a:prstGeom>
-        </p:spPr>
-      </p:pic>
-      <p:sp>
-        <p:nvSpPr>
-          <p:cNvPr id="2" name="Title 1">
-            <a:extLst>
-              <a:ext uri="{FF2B5EF4-FFF2-40B4-BE49-F238E27FC236}">
-                <a16:creationId xmlns:a16="http://schemas.microsoft.com/office/drawing/2014/main" id="{7CBE918A-646C-E645-ADDE-9D0F94F8E509}"/>
-              </a:ext>
-            </a:extLst>
-          </p:cNvPr>
-          <p:cNvSpPr>
-            <a:spLocks noGrp="1"/>
-          </p:cNvSpPr>
-          <p:nvPr>
-            <p:ph type="title"/>
-          </p:nvPr>
-        </p:nvSpPr>
-        <p:spPr>
-          <a:xfrm>
-            <a:off x="1097280" y="286603"/>
-            <a:ext cx="10058400" cy="1450757"/>
-          </a:xfrm>
-        </p:spPr>
-        <p:txBody>
-          <a:bodyPr>
-            <a:normAutofit/>
-          </a:bodyPr>
-          <a:lstStyle/>
-          <a:p>
-            <a:r>
-              <a:rPr lang="en-US"/>
-              <a:t>Expectations</a:t>
-            </a:r>
-          </a:p>
-        </p:txBody>
-      </p:sp>
-      <p:cxnSp>
-        <p:nvCxnSpPr>
-          <p:cNvPr id="11" name="Straight Connector 10">
-            <a:extLst>
-              <a:ext uri="{FF2B5EF4-FFF2-40B4-BE49-F238E27FC236}">
-                <a16:creationId xmlns:a16="http://schemas.microsoft.com/office/drawing/2014/main" id="{38A34772-9011-42B5-AA63-FD6DEC92EE72}"/>
-              </a:ext>
-              <a:ext uri="{C183D7F6-B498-43B3-948B-1728B52AA6E4}">
-                <adec:decorative xmlns:adec="http://schemas.microsoft.com/office/drawing/2017/decorative" val="1"/>
-              </a:ext>
-            </a:extLst>
-          </p:cNvPr>
-          <p:cNvCxnSpPr>
-            <a:cxnSpLocks noGrp="1" noRot="1" noChangeAspect="1" noMove="1" noResize="1" noEditPoints="1" noAdjustHandles="1" noChangeArrowheads="1" noChangeShapeType="1"/>
-          </p:cNvCxnSpPr>
-          <p:nvPr>
-            <p:extLst>
-              <p:ext uri="{386F3935-93C4-4BCD-93E2-E3B085C9AB24}">
-                <p16:designElem xmlns:p16="http://schemas.microsoft.com/office/powerpoint/2015/main" val="1"/>
-              </p:ext>
-            </p:extLst>
-          </p:nvPr>
-        </p:nvCxnSpPr>
-        <p:spPr>
-          <a:xfrm>
-            <a:off x="1193532" y="1910746"/>
-            <a:ext cx="9966960" cy="0"/>
-          </a:xfrm>
-          <a:prstGeom prst="line">
-            <a:avLst/>
-          </a:prstGeom>
-          <a:ln w="12700">
-            <a:solidFill>
-              <a:schemeClr val="tx1"/>
-            </a:solidFill>
-          </a:ln>
-        </p:spPr>
-        <p:style>
-          <a:lnRef idx="1">
-            <a:schemeClr val="accent1"/>
-          </a:lnRef>
-          <a:fillRef idx="0">
-            <a:schemeClr val="accent1"/>
-          </a:fillRef>
-          <a:effectRef idx="0">
-            <a:schemeClr val="accent1"/>
-          </a:effectRef>
-          <a:fontRef idx="minor">
-            <a:schemeClr val="tx1"/>
-          </a:fontRef>
-        </p:style>
-      </p:cxnSp>
-      <p:sp>
-        <p:nvSpPr>
-          <p:cNvPr id="3" name="Content Placeholder 2">
-            <a:extLst>
-              <a:ext uri="{FF2B5EF4-FFF2-40B4-BE49-F238E27FC236}">
-                <a16:creationId xmlns:a16="http://schemas.microsoft.com/office/drawing/2014/main" id="{156CD9C8-CAFF-1F4A-A2BC-635B4B867F2B}"/>
-              </a:ext>
-            </a:extLst>
-          </p:cNvPr>
-          <p:cNvSpPr>
-            <a:spLocks noGrp="1"/>
-          </p:cNvSpPr>
-          <p:nvPr>
-            <p:ph idx="1"/>
-          </p:nvPr>
-        </p:nvSpPr>
-        <p:spPr>
-          <a:xfrm>
-            <a:off x="1097280" y="2108201"/>
-            <a:ext cx="10058400" cy="3760891"/>
-          </a:xfrm>
-        </p:spPr>
-        <p:txBody>
-          <a:bodyPr>
-            <a:normAutofit fontScale="92500" lnSpcReduction="10000"/>
-          </a:bodyPr>
-          <a:lstStyle/>
-          <a:p>
-            <a:r>
-              <a:rPr lang="en-US" dirty="0"/>
-              <a:t>Keep strategic goals in mind</a:t>
-            </a:r>
-          </a:p>
-          <a:p>
-            <a:pPr lvl="1"/>
-            <a:r>
-              <a:rPr lang="en-US" dirty="0"/>
-              <a:t>Prepare for professional life</a:t>
-            </a:r>
-          </a:p>
-          <a:p>
-            <a:pPr lvl="1"/>
-            <a:r>
-              <a:rPr lang="en-US" dirty="0"/>
-              <a:t>Cultivate a growth mindset</a:t>
-            </a:r>
-          </a:p>
-          <a:p>
-            <a:pPr lvl="1"/>
-            <a:r>
-              <a:rPr lang="en-US" dirty="0"/>
-              <a:t>Our tactics can change</a:t>
-            </a:r>
-          </a:p>
-          <a:p>
-            <a:r>
-              <a:rPr lang="en-US" dirty="0"/>
-              <a:t>Be transparent</a:t>
-            </a:r>
-          </a:p>
-          <a:p>
-            <a:pPr lvl="1"/>
-            <a:r>
-              <a:rPr lang="en-US" dirty="0"/>
-              <a:t>Communicate to me and your classmates about opportunities, challenges</a:t>
-            </a:r>
-          </a:p>
-          <a:p>
-            <a:pPr lvl="1"/>
-            <a:r>
-              <a:rPr lang="en-US" dirty="0"/>
-              <a:t>Communicate early, when issues are just emerging and easier to address</a:t>
-            </a:r>
-          </a:p>
-          <a:p>
-            <a:r>
-              <a:rPr lang="en-US" dirty="0"/>
-              <a:t>Commit</a:t>
-            </a:r>
-          </a:p>
-          <a:p>
-            <a:pPr lvl="1"/>
-            <a:r>
-              <a:rPr lang="en-US" dirty="0"/>
-              <a:t>Stay focused</a:t>
-            </a:r>
-          </a:p>
-          <a:p>
-            <a:pPr lvl="1"/>
-            <a:r>
-              <a:rPr lang="en-US" dirty="0"/>
-              <a:t>Adapt as needed</a:t>
-            </a:r>
-          </a:p>
-        </p:txBody>
-      </p:sp>
-      <p:sp>
-        <p:nvSpPr>
-          <p:cNvPr id="13" name="Rectangle 12">
-            <a:extLst>
-              <a:ext uri="{FF2B5EF4-FFF2-40B4-BE49-F238E27FC236}">
-                <a16:creationId xmlns:a16="http://schemas.microsoft.com/office/drawing/2014/main" id="{82BCDE19-2810-4337-9C49-8589C421767D}"/>
-              </a:ext>
-              <a:ext uri="{C183D7F6-B498-43B3-948B-1728B52AA6E4}">
-                <adec:decorative xmlns:adec="http://schemas.microsoft.com/office/drawing/2017/decorative" val="1"/>
-              </a:ext>
-            </a:extLst>
-          </p:cNvPr>
-          <p:cNvSpPr>
-            <a:spLocks noGrp="1" noRot="1" noChangeAspect="1" noMove="1" noResize="1" noEditPoints="1" noAdjustHandles="1" noChangeArrowheads="1" noChangeShapeType="1" noTextEdit="1"/>
-          </p:cNvSpPr>
-          <p:nvPr>
-            <p:extLst>
-              <p:ext uri="{386F3935-93C4-4BCD-93E2-E3B085C9AB24}">
-                <p16:designElem xmlns:p16="http://schemas.microsoft.com/office/powerpoint/2015/main" val="1"/>
-              </p:ext>
-            </p:extLst>
-          </p:nvPr>
-        </p:nvSpPr>
-        <p:spPr>
-          <a:xfrm>
-            <a:off x="1" y="6400800"/>
-            <a:ext cx="12192000" cy="457200"/>
-          </a:xfrm>
-          <a:prstGeom prst="rect">
-            <a:avLst/>
-          </a:prstGeom>
-          <a:solidFill>
-            <a:srgbClr val="262626">
-              <a:alpha val="95000"/>
-            </a:srgbClr>
-          </a:solidFill>
-          <a:ln>
-            <a:noFill/>
-          </a:ln>
-        </p:spPr>
-        <p:style>
-          <a:lnRef idx="2">
-            <a:schemeClr val="accent1">
-              <a:shade val="50000"/>
-            </a:schemeClr>
-          </a:lnRef>
-          <a:fillRef idx="1">
-            <a:schemeClr val="accent1"/>
-          </a:fillRef>
-          <a:effectRef idx="0">
-            <a:schemeClr val="accent1"/>
-          </a:effectRef>
-          <a:fontRef idx="minor">
-            <a:schemeClr val="lt1"/>
-          </a:fontRef>
-        </p:style>
-        <p:txBody>
-          <a:bodyPr/>
-          <a:lstStyle/>
-          <a:p>
-            <a:endParaRPr lang="en-US"/>
-          </a:p>
-        </p:txBody>
-      </p:sp>
-    </p:spTree>
-    <p:extLst>
-      <p:ext uri="{BB962C8B-B14F-4D97-AF65-F5344CB8AC3E}">
-        <p14:creationId xmlns:p14="http://schemas.microsoft.com/office/powerpoint/2010/main" val="2614917909"/>
-      </p:ext>
-    </p:extLst>
-  </p:cSld>
-  <p:clrMapOvr>
-    <a:overrideClrMapping bg1="dk1" tx1="lt1" bg2="dk2" tx2="lt2" accent1="accent1" accent2="accent2" accent3="accent3" accent4="accent4" accent5="accent5" accent6="accent6" hlink="hlink" folHlink="folHlink"/>
-  </p:clrMapOvr>
-</p:sld>
-</file>
-
 <file path=ppt/theme/theme1.xml><?xml version="1.0" encoding="utf-8"?>
 <a:theme xmlns:a="http://schemas.openxmlformats.org/drawingml/2006/main" name="RetrospectVTI">
   <a:themeElements>

--- a/files/CS373/IntroToCompSciResearch.pptx
+++ b/files/CS373/IntroToCompSciResearch.pptx
@@ -25607,7 +25607,7 @@
           <a:p>
             <a:fld id="{9184DA70-C731-4C70-880D-CCD4705E623C}" type="datetime1">
               <a:rPr lang="en-US" smtClean="0"/>
-              <a:t>8/26/24</a:t>
+              <a:t>1/23/25</a:t>
             </a:fld>
             <a:endParaRPr lang="en-US" dirty="0"/>
           </a:p>
@@ -25795,7 +25795,7 @@
           <a:p>
             <a:fld id="{B612A279-0833-481D-8C56-F67FD0AC6C50}" type="datetime1">
               <a:rPr lang="en-US" smtClean="0"/>
-              <a:t>8/26/24</a:t>
+              <a:t>1/23/25</a:t>
             </a:fld>
             <a:endParaRPr lang="en-US" dirty="0"/>
           </a:p>
@@ -26037,7 +26037,7 @@
           <a:p>
             <a:fld id="{6587DA83-5663-4C9C-B9AA-0B40A3DAFF81}" type="datetime1">
               <a:rPr lang="en-US" smtClean="0"/>
-              <a:t>8/26/24</a:t>
+              <a:t>1/23/25</a:t>
             </a:fld>
             <a:endParaRPr lang="en-US" dirty="0"/>
           </a:p>
@@ -26225,7 +26225,7 @@
           <a:p>
             <a:fld id="{4BE1D723-8F53-4F53-90B0-1982A396982E}" type="datetime1">
               <a:rPr lang="en-US" smtClean="0"/>
-              <a:t>8/26/24</a:t>
+              <a:t>1/23/25</a:t>
             </a:fld>
             <a:endParaRPr lang="en-US" dirty="0"/>
           </a:p>
@@ -26598,7 +26598,7 @@
           <a:p>
             <a:fld id="{97669AF7-7BEB-44E4-9852-375E34362B5B}" type="datetime1">
               <a:rPr lang="en-US" smtClean="0"/>
-              <a:t>8/26/24</a:t>
+              <a:t>1/23/25</a:t>
             </a:fld>
             <a:endParaRPr lang="en-US" dirty="0"/>
           </a:p>
@@ -26853,7 +26853,7 @@
           <a:p>
             <a:fld id="{BAAAC38D-0552-4C82-B593-E6124DFADBE2}" type="datetime1">
               <a:rPr lang="en-US" smtClean="0"/>
-              <a:t>8/26/24</a:t>
+              <a:t>1/23/25</a:t>
             </a:fld>
             <a:endParaRPr lang="en-US" dirty="0"/>
           </a:p>
@@ -27250,7 +27250,7 @@
           <a:p>
             <a:fld id="{D9DF0F1C-5577-4ACB-BB62-DF8F3C494C7E}" type="datetime1">
               <a:rPr lang="en-US" smtClean="0"/>
-              <a:t>8/26/24</a:t>
+              <a:t>1/23/25</a:t>
             </a:fld>
             <a:endParaRPr lang="en-US" dirty="0"/>
           </a:p>
@@ -27386,7 +27386,7 @@
           <a:p>
             <a:fld id="{1775B394-D9F9-4F0C-B15D-605F45CB9E9F}" type="datetime1">
               <a:rPr lang="en-US" smtClean="0"/>
-              <a:t>8/26/24</a:t>
+              <a:t>1/23/25</a:t>
             </a:fld>
             <a:endParaRPr lang="en-US" dirty="0"/>
           </a:p>
@@ -27543,7 +27543,7 @@
           <a:p>
             <a:fld id="{39667345-2558-425A-8533-9BFDBCE15005}" type="datetime1">
               <a:rPr lang="en-US" smtClean="0"/>
-              <a:t>8/26/24</a:t>
+              <a:t>1/23/25</a:t>
             </a:fld>
             <a:endParaRPr lang="en-US" dirty="0"/>
           </a:p>
@@ -27872,7 +27872,7 @@
           <a:p>
             <a:fld id="{92BEA474-078D-4E9B-9B14-09A87B19DC46}" type="datetime1">
               <a:rPr lang="en-US" smtClean="0"/>
-              <a:t>8/26/24</a:t>
+              <a:t>1/23/25</a:t>
             </a:fld>
             <a:endParaRPr lang="en-US" dirty="0"/>
           </a:p>
@@ -28222,7 +28222,7 @@
           <a:p>
             <a:fld id="{4907D986-8816-4272-A432-0437A28A9828}" type="datetime1">
               <a:rPr lang="en-US" smtClean="0"/>
-              <a:t>8/26/24</a:t>
+              <a:t>1/23/25</a:t>
             </a:fld>
             <a:endParaRPr lang="en-US" dirty="0"/>
           </a:p>
@@ -28483,7 +28483,7 @@
           <a:p>
             <a:fld id="{62D6E202-B606-4609-B914-27C9371A1F6D}" type="datetime1">
               <a:rPr lang="en-US" smtClean="0"/>
-              <a:t>8/26/24</a:t>
+              <a:t>1/23/25</a:t>
             </a:fld>
             <a:endParaRPr lang="en-US" dirty="0"/>
           </a:p>
@@ -32269,6 +32269,25 @@
               <a:t>*</a:t>
             </a:r>
           </a:p>
+          <a:p>
+            <a:r>
+              <a:rPr lang="en-US" dirty="0"/>
+              <a:t>We have </a:t>
+            </a:r>
+            <a:r>
+              <a:rPr lang="en-US" dirty="0">
+                <a:hlinkClick r:id="rId4"/>
+              </a:rPr>
+              <a:t>Gemini Deep Research</a:t>
+            </a:r>
+            <a:endParaRPr lang="en-US" dirty="0"/>
+          </a:p>
+          <a:p>
+            <a:r>
+              <a:rPr lang="en-US" dirty="0"/>
+              <a:t>…And many emerging capabilities</a:t>
+            </a:r>
+          </a:p>
         </p:txBody>
       </p:sp>
       <p:sp>

--- a/files/CS373/IntroToCompSciResearch.pptx
+++ b/files/CS373/IntroToCompSciResearch.pptx
@@ -9405,7 +9405,7 @@
           </a:pPr>
           <a:r>
             <a:rPr lang="en-US" dirty="0"/>
-            <a:t>GitHub</a:t>
+            <a:t>Zotero</a:t>
           </a:r>
         </a:p>
       </dgm:t>
@@ -9453,10 +9453,24 @@
     <dgm:pt modelId="{CC4B5B53-5B04-784F-9F92-0CAAF9127E1C}" type="parTrans" cxnId="{234783D0-3E7B-E245-844E-0A6121B1A0EA}">
       <dgm:prSet/>
       <dgm:spPr/>
+      <dgm:t>
+        <a:bodyPr/>
+        <a:lstStyle/>
+        <a:p>
+          <a:endParaRPr lang="en-US"/>
+        </a:p>
+      </dgm:t>
     </dgm:pt>
     <dgm:pt modelId="{47A14A82-3DC8-154E-84CA-260E4A58B751}" type="sibTrans" cxnId="{234783D0-3E7B-E245-844E-0A6121B1A0EA}">
       <dgm:prSet/>
       <dgm:spPr/>
+      <dgm:t>
+        <a:bodyPr/>
+        <a:lstStyle/>
+        <a:p>
+          <a:endParaRPr lang="en-US"/>
+        </a:p>
+      </dgm:t>
     </dgm:pt>
     <dgm:pt modelId="{FAA7060D-D04B-164F-A52B-9CACDC285B17}" type="pres">
       <dgm:prSet presAssocID="{D5A63248-0152-4C48-B8EB-A61B48FBAA8A}" presName="matrix" presStyleCnt="0">
@@ -14820,7 +14834,7 @@
           </a:pPr>
           <a:r>
             <a:rPr lang="en-US" sz="2000" kern="1200" dirty="0"/>
-            <a:t>GitHub</a:t>
+            <a:t>Zotero</a:t>
           </a:r>
         </a:p>
         <a:p>
@@ -25423,6 +25437,13 @@
             <a:schemeClr val="lt1"/>
           </a:fontRef>
         </p:style>
+        <p:txBody>
+          <a:bodyPr/>
+          <a:lstStyle/>
+          <a:p>
+            <a:endParaRPr lang="en-US"/>
+          </a:p>
+        </p:txBody>
       </p:sp>
       <p:sp>
         <p:nvSpPr>
@@ -25607,7 +25628,7 @@
           <a:p>
             <a:fld id="{9184DA70-C731-4C70-880D-CCD4705E623C}" type="datetime1">
               <a:rPr lang="en-US" smtClean="0"/>
-              <a:t>1/23/25</a:t>
+              <a:t>1/23/26</a:t>
             </a:fld>
             <a:endParaRPr lang="en-US" dirty="0"/>
           </a:p>
@@ -25795,7 +25816,7 @@
           <a:p>
             <a:fld id="{B612A279-0833-481D-8C56-F67FD0AC6C50}" type="datetime1">
               <a:rPr lang="en-US" smtClean="0"/>
-              <a:t>1/23/25</a:t>
+              <a:t>1/23/26</a:t>
             </a:fld>
             <a:endParaRPr lang="en-US" dirty="0"/>
           </a:p>
@@ -26037,7 +26058,7 @@
           <a:p>
             <a:fld id="{6587DA83-5663-4C9C-B9AA-0B40A3DAFF81}" type="datetime1">
               <a:rPr lang="en-US" smtClean="0"/>
-              <a:t>1/23/25</a:t>
+              <a:t>1/23/26</a:t>
             </a:fld>
             <a:endParaRPr lang="en-US" dirty="0"/>
           </a:p>
@@ -26225,7 +26246,7 @@
           <a:p>
             <a:fld id="{4BE1D723-8F53-4F53-90B0-1982A396982E}" type="datetime1">
               <a:rPr lang="en-US" smtClean="0"/>
-              <a:t>1/23/25</a:t>
+              <a:t>1/23/26</a:t>
             </a:fld>
             <a:endParaRPr lang="en-US" dirty="0"/>
           </a:p>
@@ -26598,7 +26619,7 @@
           <a:p>
             <a:fld id="{97669AF7-7BEB-44E4-9852-375E34362B5B}" type="datetime1">
               <a:rPr lang="en-US" smtClean="0"/>
-              <a:t>1/23/25</a:t>
+              <a:t>1/23/26</a:t>
             </a:fld>
             <a:endParaRPr lang="en-US" dirty="0"/>
           </a:p>
@@ -26853,7 +26874,7 @@
           <a:p>
             <a:fld id="{BAAAC38D-0552-4C82-B593-E6124DFADBE2}" type="datetime1">
               <a:rPr lang="en-US" smtClean="0"/>
-              <a:t>1/23/25</a:t>
+              <a:t>1/23/26</a:t>
             </a:fld>
             <a:endParaRPr lang="en-US" dirty="0"/>
           </a:p>
@@ -27250,7 +27271,7 @@
           <a:p>
             <a:fld id="{D9DF0F1C-5577-4ACB-BB62-DF8F3C494C7E}" type="datetime1">
               <a:rPr lang="en-US" smtClean="0"/>
-              <a:t>1/23/25</a:t>
+              <a:t>1/23/26</a:t>
             </a:fld>
             <a:endParaRPr lang="en-US" dirty="0"/>
           </a:p>
@@ -27386,7 +27407,7 @@
           <a:p>
             <a:fld id="{1775B394-D9F9-4F0C-B15D-605F45CB9E9F}" type="datetime1">
               <a:rPr lang="en-US" smtClean="0"/>
-              <a:t>1/23/25</a:t>
+              <a:t>1/23/26</a:t>
             </a:fld>
             <a:endParaRPr lang="en-US" dirty="0"/>
           </a:p>
@@ -27543,7 +27564,7 @@
           <a:p>
             <a:fld id="{39667345-2558-425A-8533-9BFDBCE15005}" type="datetime1">
               <a:rPr lang="en-US" smtClean="0"/>
-              <a:t>1/23/25</a:t>
+              <a:t>1/23/26</a:t>
             </a:fld>
             <a:endParaRPr lang="en-US" dirty="0"/>
           </a:p>
@@ -27872,7 +27893,7 @@
           <a:p>
             <a:fld id="{92BEA474-078D-4E9B-9B14-09A87B19DC46}" type="datetime1">
               <a:rPr lang="en-US" smtClean="0"/>
-              <a:t>1/23/25</a:t>
+              <a:t>1/23/26</a:t>
             </a:fld>
             <a:endParaRPr lang="en-US" dirty="0"/>
           </a:p>
@@ -28222,7 +28243,7 @@
           <a:p>
             <a:fld id="{4907D986-8816-4272-A432-0437A28A9828}" type="datetime1">
               <a:rPr lang="en-US" smtClean="0"/>
-              <a:t>1/23/25</a:t>
+              <a:t>1/23/26</a:t>
             </a:fld>
             <a:endParaRPr lang="en-US" dirty="0"/>
           </a:p>
@@ -28354,6 +28375,13 @@
             <a:schemeClr val="lt1"/>
           </a:fontRef>
         </p:style>
+        <p:txBody>
+          <a:bodyPr/>
+          <a:lstStyle/>
+          <a:p>
+            <a:endParaRPr lang="en-US"/>
+          </a:p>
+        </p:txBody>
       </p:sp>
       <p:sp>
         <p:nvSpPr>
@@ -28483,7 +28511,7 @@
           <a:p>
             <a:fld id="{62D6E202-B606-4609-B914-27C9371A1F6D}" type="datetime1">
               <a:rPr lang="en-US" smtClean="0"/>
-              <a:t>1/23/25</a:t>
+              <a:t>1/23/26</a:t>
             </a:fld>
             <a:endParaRPr lang="en-US" dirty="0"/>
           </a:p>
@@ -31700,7 +31728,7 @@
             <p:ph idx="1"/>
             <p:extLst>
               <p:ext uri="{D42A27DB-BD31-4B8C-83A1-F6EECF244321}">
-                <p14:modId xmlns:p14="http://schemas.microsoft.com/office/powerpoint/2010/main" val="754614322"/>
+                <p14:modId xmlns:p14="http://schemas.microsoft.com/office/powerpoint/2010/main" val="3154749820"/>
               </p:ext>
             </p:extLst>
           </p:nvPr>
